--- a/FourGlass/FourGlass.pptx
+++ b/FourGlass/FourGlass.pptx
@@ -9,11 +9,13 @@
     <p:sldId id="258" r:id="rId3"/>
     <p:sldId id="261" r:id="rId4"/>
     <p:sldId id="259" r:id="rId5"/>
-    <p:sldId id="260" r:id="rId6"/>
-    <p:sldId id="262" r:id="rId7"/>
-    <p:sldId id="263" r:id="rId8"/>
+    <p:sldId id="266" r:id="rId6"/>
+    <p:sldId id="267" r:id="rId7"/>
+    <p:sldId id="260" r:id="rId8"/>
     <p:sldId id="264" r:id="rId9"/>
-    <p:sldId id="265" r:id="rId10"/>
+    <p:sldId id="262" r:id="rId10"/>
+    <p:sldId id="263" r:id="rId11"/>
+    <p:sldId id="265" r:id="rId12"/>
   </p:sldIdLst>
   <p:sldSz cx="12192000" cy="6858000"/>
   <p:notesSz cx="6858000" cy="9144000"/>
@@ -114,7 +116,7 @@
   </p:defaultTextStyle>
   <p:extLst>
     <p:ext uri="{EFAFB233-063F-42B5-8137-9DF3F51BA10A}">
-      <p15:sldGuideLst xmlns:p15="http://schemas.microsoft.com/office/powerpoint/2012/main"/>
+      <p15:sldGuideLst xmlns:p15="http://schemas.microsoft.com/office/powerpoint/2012/main" xmlns=""/>
     </p:ext>
   </p:extLst>
 </p:presentation>
@@ -152,7 +154,7 @@
           <p:cNvPr id="2" name="Title 1">
             <a:extLst>
               <a:ext uri="{FF2B5EF4-FFF2-40B4-BE49-F238E27FC236}">
-                <a16:creationId xmlns:a16="http://schemas.microsoft.com/office/drawing/2014/main" id="{47B674CB-3709-4ACF-BB61-29ADEA3D41BE}"/>
+                <a16:creationId xmlns:a16="http://schemas.microsoft.com/office/drawing/2014/main" xmlns="" id="{47B674CB-3709-4ACF-BB61-29ADEA3D41BE}"/>
               </a:ext>
             </a:extLst>
           </p:cNvPr>
@@ -191,7 +193,7 @@
           <p:cNvPr id="3" name="Subtitle 2">
             <a:extLst>
               <a:ext uri="{FF2B5EF4-FFF2-40B4-BE49-F238E27FC236}">
-                <a16:creationId xmlns:a16="http://schemas.microsoft.com/office/drawing/2014/main" id="{E06DA6BE-9B64-48FC-92D1-EF0D426A3974}"/>
+                <a16:creationId xmlns:a16="http://schemas.microsoft.com/office/drawing/2014/main" xmlns="" id="{E06DA6BE-9B64-48FC-92D1-EF0D426A3974}"/>
               </a:ext>
             </a:extLst>
           </p:cNvPr>
@@ -270,7 +272,7 @@
           <p:cNvPr id="4" name="Date Placeholder 3">
             <a:extLst>
               <a:ext uri="{FF2B5EF4-FFF2-40B4-BE49-F238E27FC236}">
-                <a16:creationId xmlns:a16="http://schemas.microsoft.com/office/drawing/2014/main" id="{B083AE59-8E21-449F-86DA-5BE297010864}"/>
+                <a16:creationId xmlns:a16="http://schemas.microsoft.com/office/drawing/2014/main" xmlns="" id="{B083AE59-8E21-449F-86DA-5BE297010864}"/>
               </a:ext>
             </a:extLst>
           </p:cNvPr>
@@ -288,7 +290,7 @@
           <a:p>
             <a:fld id="{655A5808-3B61-48CC-92EF-85AC2E0DFA56}" type="datetime2">
               <a:rPr lang="en-US" smtClean="0"/>
-              <a:t>Thursday, November 17, 2022</a:t>
+              <a:t>Friday, November 18, 2022</a:t>
             </a:fld>
             <a:endParaRPr lang="en-US"/>
           </a:p>
@@ -299,7 +301,7 @@
           <p:cNvPr id="5" name="Footer Placeholder 4">
             <a:extLst>
               <a:ext uri="{FF2B5EF4-FFF2-40B4-BE49-F238E27FC236}">
-                <a16:creationId xmlns:a16="http://schemas.microsoft.com/office/drawing/2014/main" id="{4E8CCD60-9970-49FD-8254-21154BAA1E86}"/>
+                <a16:creationId xmlns:a16="http://schemas.microsoft.com/office/drawing/2014/main" xmlns="" id="{4E8CCD60-9970-49FD-8254-21154BAA1E86}"/>
               </a:ext>
             </a:extLst>
           </p:cNvPr>
@@ -324,7 +326,7 @@
           <p:cNvPr id="6" name="Slide Number Placeholder 5">
             <a:extLst>
               <a:ext uri="{FF2B5EF4-FFF2-40B4-BE49-F238E27FC236}">
-                <a16:creationId xmlns:a16="http://schemas.microsoft.com/office/drawing/2014/main" id="{1CC0A488-07A7-42F9-B1DF-68545B75417D}"/>
+                <a16:creationId xmlns:a16="http://schemas.microsoft.com/office/drawing/2014/main" xmlns="" id="{1CC0A488-07A7-42F9-B1DF-68545B75417D}"/>
               </a:ext>
             </a:extLst>
           </p:cNvPr>
@@ -383,7 +385,7 @@
           <p:cNvPr id="2" name="Title 1">
             <a:extLst>
               <a:ext uri="{FF2B5EF4-FFF2-40B4-BE49-F238E27FC236}">
-                <a16:creationId xmlns:a16="http://schemas.microsoft.com/office/drawing/2014/main" id="{2B9DC3B6-2D75-4EC4-9120-88DCE0EA61A2}"/>
+                <a16:creationId xmlns:a16="http://schemas.microsoft.com/office/drawing/2014/main" xmlns="" id="{2B9DC3B6-2D75-4EC4-9120-88DCE0EA61A2}"/>
               </a:ext>
             </a:extLst>
           </p:cNvPr>
@@ -411,7 +413,7 @@
           <p:cNvPr id="3" name="Vertical Text Placeholder 2">
             <a:extLst>
               <a:ext uri="{FF2B5EF4-FFF2-40B4-BE49-F238E27FC236}">
-                <a16:creationId xmlns:a16="http://schemas.microsoft.com/office/drawing/2014/main" id="{B74B06CB-A0FE-4499-B674-90C8C281A55A}"/>
+                <a16:creationId xmlns:a16="http://schemas.microsoft.com/office/drawing/2014/main" xmlns="" id="{B74B06CB-A0FE-4499-B674-90C8C281A55A}"/>
               </a:ext>
             </a:extLst>
           </p:cNvPr>
@@ -468,7 +470,7 @@
           <p:cNvPr id="4" name="Date Placeholder 3">
             <a:extLst>
               <a:ext uri="{FF2B5EF4-FFF2-40B4-BE49-F238E27FC236}">
-                <a16:creationId xmlns:a16="http://schemas.microsoft.com/office/drawing/2014/main" id="{4E7FD700-765A-4DE6-A8EC-9D9D92FCBB42}"/>
+                <a16:creationId xmlns:a16="http://schemas.microsoft.com/office/drawing/2014/main" xmlns="" id="{4E7FD700-765A-4DE6-A8EC-9D9D92FCBB42}"/>
               </a:ext>
             </a:extLst>
           </p:cNvPr>
@@ -486,7 +488,7 @@
           <a:p>
             <a:fld id="{735E98AF-4574-4509-BF7A-519ACD5BF826}" type="datetime2">
               <a:rPr lang="en-US" smtClean="0"/>
-              <a:t>Thursday, November 17, 2022</a:t>
+              <a:t>Friday, November 18, 2022</a:t>
             </a:fld>
             <a:endParaRPr lang="en-US"/>
           </a:p>
@@ -497,7 +499,7 @@
           <p:cNvPr id="5" name="Footer Placeholder 4">
             <a:extLst>
               <a:ext uri="{FF2B5EF4-FFF2-40B4-BE49-F238E27FC236}">
-                <a16:creationId xmlns:a16="http://schemas.microsoft.com/office/drawing/2014/main" id="{0C4664EC-C4B1-4D14-9ED3-14C6CCBFFC82}"/>
+                <a16:creationId xmlns:a16="http://schemas.microsoft.com/office/drawing/2014/main" xmlns="" id="{0C4664EC-C4B1-4D14-9ED3-14C6CCBFFC82}"/>
               </a:ext>
             </a:extLst>
           </p:cNvPr>
@@ -522,7 +524,7 @@
           <p:cNvPr id="6" name="Slide Number Placeholder 5">
             <a:extLst>
               <a:ext uri="{FF2B5EF4-FFF2-40B4-BE49-F238E27FC236}">
-                <a16:creationId xmlns:a16="http://schemas.microsoft.com/office/drawing/2014/main" id="{5FDF5526-E518-4133-9F44-D812576C1092}"/>
+                <a16:creationId xmlns:a16="http://schemas.microsoft.com/office/drawing/2014/main" xmlns="" id="{5FDF5526-E518-4133-9F44-D812576C1092}"/>
               </a:ext>
             </a:extLst>
           </p:cNvPr>
@@ -581,7 +583,7 @@
           <p:cNvPr id="2" name="Vertical Title 1">
             <a:extLst>
               <a:ext uri="{FF2B5EF4-FFF2-40B4-BE49-F238E27FC236}">
-                <a16:creationId xmlns:a16="http://schemas.microsoft.com/office/drawing/2014/main" id="{B5F62998-15B1-4CA8-8C60-7801001F8060}"/>
+                <a16:creationId xmlns:a16="http://schemas.microsoft.com/office/drawing/2014/main" xmlns="" id="{B5F62998-15B1-4CA8-8C60-7801001F8060}"/>
               </a:ext>
             </a:extLst>
           </p:cNvPr>
@@ -614,7 +616,7 @@
           <p:cNvPr id="3" name="Vertical Text Placeholder 2">
             <a:extLst>
               <a:ext uri="{FF2B5EF4-FFF2-40B4-BE49-F238E27FC236}">
-                <a16:creationId xmlns:a16="http://schemas.microsoft.com/office/drawing/2014/main" id="{111AE278-0885-4594-AB09-120344C7D882}"/>
+                <a16:creationId xmlns:a16="http://schemas.microsoft.com/office/drawing/2014/main" xmlns="" id="{111AE278-0885-4594-AB09-120344C7D882}"/>
               </a:ext>
             </a:extLst>
           </p:cNvPr>
@@ -676,7 +678,7 @@
           <p:cNvPr id="4" name="Date Placeholder 3">
             <a:extLst>
               <a:ext uri="{FF2B5EF4-FFF2-40B4-BE49-F238E27FC236}">
-                <a16:creationId xmlns:a16="http://schemas.microsoft.com/office/drawing/2014/main" id="{85B850CC-FB43-4988-8D4E-9C54C20185B4}"/>
+                <a16:creationId xmlns:a16="http://schemas.microsoft.com/office/drawing/2014/main" xmlns="" id="{85B850CC-FB43-4988-8D4E-9C54C20185B4}"/>
               </a:ext>
             </a:extLst>
           </p:cNvPr>
@@ -694,7 +696,7 @@
           <a:p>
             <a:fld id="{93DD97D4-9636-490F-85D0-E926C2B6F3B1}" type="datetime2">
               <a:rPr lang="en-US" smtClean="0"/>
-              <a:t>Thursday, November 17, 2022</a:t>
+              <a:t>Friday, November 18, 2022</a:t>
             </a:fld>
             <a:endParaRPr lang="en-US"/>
           </a:p>
@@ -705,7 +707,7 @@
           <p:cNvPr id="5" name="Footer Placeholder 4">
             <a:extLst>
               <a:ext uri="{FF2B5EF4-FFF2-40B4-BE49-F238E27FC236}">
-                <a16:creationId xmlns:a16="http://schemas.microsoft.com/office/drawing/2014/main" id="{47A70300-3853-4FB4-A084-CF6E5CF2BDEB}"/>
+                <a16:creationId xmlns:a16="http://schemas.microsoft.com/office/drawing/2014/main" xmlns="" id="{47A70300-3853-4FB4-A084-CF6E5CF2BDEB}"/>
               </a:ext>
             </a:extLst>
           </p:cNvPr>
@@ -730,7 +732,7 @@
           <p:cNvPr id="6" name="Slide Number Placeholder 5">
             <a:extLst>
               <a:ext uri="{FF2B5EF4-FFF2-40B4-BE49-F238E27FC236}">
-                <a16:creationId xmlns:a16="http://schemas.microsoft.com/office/drawing/2014/main" id="{B7DBAFB0-25AA-4B69-8418-418F47A92700}"/>
+                <a16:creationId xmlns:a16="http://schemas.microsoft.com/office/drawing/2014/main" xmlns="" id="{B7DBAFB0-25AA-4B69-8418-418F47A92700}"/>
               </a:ext>
             </a:extLst>
           </p:cNvPr>
@@ -789,7 +791,7 @@
           <p:cNvPr id="2" name="Title 1">
             <a:extLst>
               <a:ext uri="{FF2B5EF4-FFF2-40B4-BE49-F238E27FC236}">
-                <a16:creationId xmlns:a16="http://schemas.microsoft.com/office/drawing/2014/main" id="{CAFE0F35-0AE7-48AB-9005-F1DB4BD0B473}"/>
+                <a16:creationId xmlns:a16="http://schemas.microsoft.com/office/drawing/2014/main" xmlns="" id="{CAFE0F35-0AE7-48AB-9005-F1DB4BD0B473}"/>
               </a:ext>
             </a:extLst>
           </p:cNvPr>
@@ -817,7 +819,7 @@
           <p:cNvPr id="3" name="Content Placeholder 2">
             <a:extLst>
               <a:ext uri="{FF2B5EF4-FFF2-40B4-BE49-F238E27FC236}">
-                <a16:creationId xmlns:a16="http://schemas.microsoft.com/office/drawing/2014/main" id="{4DDD4022-C31F-4C4C-B5BF-5F9730C08A00}"/>
+                <a16:creationId xmlns:a16="http://schemas.microsoft.com/office/drawing/2014/main" xmlns="" id="{4DDD4022-C31F-4C4C-B5BF-5F9730C08A00}"/>
               </a:ext>
             </a:extLst>
           </p:cNvPr>
@@ -874,7 +876,7 @@
           <p:cNvPr id="4" name="Date Placeholder 3">
             <a:extLst>
               <a:ext uri="{FF2B5EF4-FFF2-40B4-BE49-F238E27FC236}">
-                <a16:creationId xmlns:a16="http://schemas.microsoft.com/office/drawing/2014/main" id="{99A45EE9-11D3-436C-9D73-1AA6CCDB165F}"/>
+                <a16:creationId xmlns:a16="http://schemas.microsoft.com/office/drawing/2014/main" xmlns="" id="{99A45EE9-11D3-436C-9D73-1AA6CCDB165F}"/>
               </a:ext>
             </a:extLst>
           </p:cNvPr>
@@ -892,7 +894,7 @@
           <a:p>
             <a:fld id="{2F3AF3C6-0FD4-4939-991C-00DDE5C56815}" type="datetime2">
               <a:rPr lang="en-US" smtClean="0"/>
-              <a:t>Thursday, November 17, 2022</a:t>
+              <a:t>Friday, November 18, 2022</a:t>
             </a:fld>
             <a:endParaRPr lang="en-US"/>
           </a:p>
@@ -903,7 +905,7 @@
           <p:cNvPr id="5" name="Footer Placeholder 4">
             <a:extLst>
               <a:ext uri="{FF2B5EF4-FFF2-40B4-BE49-F238E27FC236}">
-                <a16:creationId xmlns:a16="http://schemas.microsoft.com/office/drawing/2014/main" id="{92817DCF-881F-4956-81AE-A6D27A88F4B6}"/>
+                <a16:creationId xmlns:a16="http://schemas.microsoft.com/office/drawing/2014/main" xmlns="" id="{92817DCF-881F-4956-81AE-A6D27A88F4B6}"/>
               </a:ext>
             </a:extLst>
           </p:cNvPr>
@@ -928,7 +930,7 @@
           <p:cNvPr id="6" name="Slide Number Placeholder 5">
             <a:extLst>
               <a:ext uri="{FF2B5EF4-FFF2-40B4-BE49-F238E27FC236}">
-                <a16:creationId xmlns:a16="http://schemas.microsoft.com/office/drawing/2014/main" id="{0A265F17-AD75-4B7E-970D-5D4DBD5D170C}"/>
+                <a16:creationId xmlns:a16="http://schemas.microsoft.com/office/drawing/2014/main" xmlns="" id="{0A265F17-AD75-4B7E-970D-5D4DBD5D170C}"/>
               </a:ext>
             </a:extLst>
           </p:cNvPr>
@@ -987,7 +989,7 @@
           <p:cNvPr id="2" name="Title 1">
             <a:extLst>
               <a:ext uri="{FF2B5EF4-FFF2-40B4-BE49-F238E27FC236}">
-                <a16:creationId xmlns:a16="http://schemas.microsoft.com/office/drawing/2014/main" id="{A98C12CB-05D8-4D62-BDC5-812DB6DD04CD}"/>
+                <a16:creationId xmlns:a16="http://schemas.microsoft.com/office/drawing/2014/main" xmlns="" id="{A98C12CB-05D8-4D62-BDC5-812DB6DD04CD}"/>
               </a:ext>
             </a:extLst>
           </p:cNvPr>
@@ -1029,7 +1031,7 @@
           <p:cNvPr id="3" name="Text Placeholder 2">
             <a:extLst>
               <a:ext uri="{FF2B5EF4-FFF2-40B4-BE49-F238E27FC236}">
-                <a16:creationId xmlns:a16="http://schemas.microsoft.com/office/drawing/2014/main" id="{7C52F020-8516-4B9E-B455-5731ED6C9E9E}"/>
+                <a16:creationId xmlns:a16="http://schemas.microsoft.com/office/drawing/2014/main" xmlns="" id="{7C52F020-8516-4B9E-B455-5731ED6C9E9E}"/>
               </a:ext>
             </a:extLst>
           </p:cNvPr>
@@ -1154,7 +1156,7 @@
           <p:cNvPr id="4" name="Date Placeholder 3">
             <a:extLst>
               <a:ext uri="{FF2B5EF4-FFF2-40B4-BE49-F238E27FC236}">
-                <a16:creationId xmlns:a16="http://schemas.microsoft.com/office/drawing/2014/main" id="{7C822993-6E28-44BB-B983-095B476B801A}"/>
+                <a16:creationId xmlns:a16="http://schemas.microsoft.com/office/drawing/2014/main" xmlns="" id="{7C822993-6E28-44BB-B983-095B476B801A}"/>
               </a:ext>
             </a:extLst>
           </p:cNvPr>
@@ -1172,7 +1174,7 @@
           <a:p>
             <a:fld id="{86807482-8128-47C6-A8DD-6452B0291CFF}" type="datetime2">
               <a:rPr lang="en-US" smtClean="0"/>
-              <a:t>Thursday, November 17, 2022</a:t>
+              <a:t>Friday, November 18, 2022</a:t>
             </a:fld>
             <a:endParaRPr lang="en-US"/>
           </a:p>
@@ -1183,7 +1185,7 @@
           <p:cNvPr id="5" name="Footer Placeholder 4">
             <a:extLst>
               <a:ext uri="{FF2B5EF4-FFF2-40B4-BE49-F238E27FC236}">
-                <a16:creationId xmlns:a16="http://schemas.microsoft.com/office/drawing/2014/main" id="{FC909971-06C9-462B-81D9-BEF24C708A1C}"/>
+                <a16:creationId xmlns:a16="http://schemas.microsoft.com/office/drawing/2014/main" xmlns="" id="{FC909971-06C9-462B-81D9-BEF24C708A1C}"/>
               </a:ext>
             </a:extLst>
           </p:cNvPr>
@@ -1208,7 +1210,7 @@
           <p:cNvPr id="6" name="Slide Number Placeholder 5">
             <a:extLst>
               <a:ext uri="{FF2B5EF4-FFF2-40B4-BE49-F238E27FC236}">
-                <a16:creationId xmlns:a16="http://schemas.microsoft.com/office/drawing/2014/main" id="{CF9A076D-47C1-49CD-9A8B-956DB3FC31F7}"/>
+                <a16:creationId xmlns:a16="http://schemas.microsoft.com/office/drawing/2014/main" xmlns="" id="{CF9A076D-47C1-49CD-9A8B-956DB3FC31F7}"/>
               </a:ext>
             </a:extLst>
           </p:cNvPr>
@@ -1267,7 +1269,7 @@
           <p:cNvPr id="2" name="Title 1">
             <a:extLst>
               <a:ext uri="{FF2B5EF4-FFF2-40B4-BE49-F238E27FC236}">
-                <a16:creationId xmlns:a16="http://schemas.microsoft.com/office/drawing/2014/main" id="{A428DFBD-F5ED-455C-8AD0-97476A55E3D5}"/>
+                <a16:creationId xmlns:a16="http://schemas.microsoft.com/office/drawing/2014/main" xmlns="" id="{A428DFBD-F5ED-455C-8AD0-97476A55E3D5}"/>
               </a:ext>
             </a:extLst>
           </p:cNvPr>
@@ -1295,7 +1297,7 @@
           <p:cNvPr id="3" name="Content Placeholder 2">
             <a:extLst>
               <a:ext uri="{FF2B5EF4-FFF2-40B4-BE49-F238E27FC236}">
-                <a16:creationId xmlns:a16="http://schemas.microsoft.com/office/drawing/2014/main" id="{8C30E58C-F463-4D52-9225-9410133113A4}"/>
+                <a16:creationId xmlns:a16="http://schemas.microsoft.com/office/drawing/2014/main" xmlns="" id="{8C30E58C-F463-4D52-9225-9410133113A4}"/>
               </a:ext>
             </a:extLst>
           </p:cNvPr>
@@ -1357,7 +1359,7 @@
           <p:cNvPr id="4" name="Content Placeholder 3">
             <a:extLst>
               <a:ext uri="{FF2B5EF4-FFF2-40B4-BE49-F238E27FC236}">
-                <a16:creationId xmlns:a16="http://schemas.microsoft.com/office/drawing/2014/main" id="{6AF7BDB4-97FA-485D-A557-6F96692BAC9E}"/>
+                <a16:creationId xmlns:a16="http://schemas.microsoft.com/office/drawing/2014/main" xmlns="" id="{6AF7BDB4-97FA-485D-A557-6F96692BAC9E}"/>
               </a:ext>
             </a:extLst>
           </p:cNvPr>
@@ -1419,7 +1421,7 @@
           <p:cNvPr id="5" name="Date Placeholder 4">
             <a:extLst>
               <a:ext uri="{FF2B5EF4-FFF2-40B4-BE49-F238E27FC236}">
-                <a16:creationId xmlns:a16="http://schemas.microsoft.com/office/drawing/2014/main" id="{68C50007-C799-4117-8ACD-5EE980E63F17}"/>
+                <a16:creationId xmlns:a16="http://schemas.microsoft.com/office/drawing/2014/main" xmlns="" id="{68C50007-C799-4117-8ACD-5EE980E63F17}"/>
               </a:ext>
             </a:extLst>
           </p:cNvPr>
@@ -1437,7 +1439,7 @@
           <a:p>
             <a:fld id="{37903F25-275E-41DE-BE3B-EBF0DB49F9B1}" type="datetime2">
               <a:rPr lang="en-US" smtClean="0"/>
-              <a:t>Thursday, November 17, 2022</a:t>
+              <a:t>Friday, November 18, 2022</a:t>
             </a:fld>
             <a:endParaRPr lang="en-US"/>
           </a:p>
@@ -1448,7 +1450,7 @@
           <p:cNvPr id="6" name="Footer Placeholder 5">
             <a:extLst>
               <a:ext uri="{FF2B5EF4-FFF2-40B4-BE49-F238E27FC236}">
-                <a16:creationId xmlns:a16="http://schemas.microsoft.com/office/drawing/2014/main" id="{F24E8968-6BAD-4D5A-BF1D-911C7A39C1CE}"/>
+                <a16:creationId xmlns:a16="http://schemas.microsoft.com/office/drawing/2014/main" xmlns="" id="{F24E8968-6BAD-4D5A-BF1D-911C7A39C1CE}"/>
               </a:ext>
             </a:extLst>
           </p:cNvPr>
@@ -1473,7 +1475,7 @@
           <p:cNvPr id="7" name="Slide Number Placeholder 6">
             <a:extLst>
               <a:ext uri="{FF2B5EF4-FFF2-40B4-BE49-F238E27FC236}">
-                <a16:creationId xmlns:a16="http://schemas.microsoft.com/office/drawing/2014/main" id="{499D8C08-BF20-4D5E-9004-0C075C36D8A4}"/>
+                <a16:creationId xmlns:a16="http://schemas.microsoft.com/office/drawing/2014/main" xmlns="" id="{499D8C08-BF20-4D5E-9004-0C075C36D8A4}"/>
               </a:ext>
             </a:extLst>
           </p:cNvPr>
@@ -1532,7 +1534,7 @@
           <p:cNvPr id="3" name="Text Placeholder 2">
             <a:extLst>
               <a:ext uri="{FF2B5EF4-FFF2-40B4-BE49-F238E27FC236}">
-                <a16:creationId xmlns:a16="http://schemas.microsoft.com/office/drawing/2014/main" id="{82036E0D-26A5-455A-A8BD-70DA8BC03EB2}"/>
+                <a16:creationId xmlns:a16="http://schemas.microsoft.com/office/drawing/2014/main" xmlns="" id="{82036E0D-26A5-455A-A8BD-70DA8BC03EB2}"/>
               </a:ext>
             </a:extLst>
           </p:cNvPr>
@@ -1603,7 +1605,7 @@
           <p:cNvPr id="4" name="Content Placeholder 3">
             <a:extLst>
               <a:ext uri="{FF2B5EF4-FFF2-40B4-BE49-F238E27FC236}">
-                <a16:creationId xmlns:a16="http://schemas.microsoft.com/office/drawing/2014/main" id="{E7FD4EA0-094D-4056-9032-BFB44B40896B}"/>
+                <a16:creationId xmlns:a16="http://schemas.microsoft.com/office/drawing/2014/main" xmlns="" id="{E7FD4EA0-094D-4056-9032-BFB44B40896B}"/>
               </a:ext>
             </a:extLst>
           </p:cNvPr>
@@ -1665,7 +1667,7 @@
           <p:cNvPr id="5" name="Text Placeholder 4">
             <a:extLst>
               <a:ext uri="{FF2B5EF4-FFF2-40B4-BE49-F238E27FC236}">
-                <a16:creationId xmlns:a16="http://schemas.microsoft.com/office/drawing/2014/main" id="{5FC0CCE8-718F-4620-8B4A-C60EEA7B884D}"/>
+                <a16:creationId xmlns:a16="http://schemas.microsoft.com/office/drawing/2014/main" xmlns="" id="{5FC0CCE8-718F-4620-8B4A-C60EEA7B884D}"/>
               </a:ext>
             </a:extLst>
           </p:cNvPr>
@@ -1736,7 +1738,7 @@
           <p:cNvPr id="6" name="Content Placeholder 5">
             <a:extLst>
               <a:ext uri="{FF2B5EF4-FFF2-40B4-BE49-F238E27FC236}">
-                <a16:creationId xmlns:a16="http://schemas.microsoft.com/office/drawing/2014/main" id="{56CE86DF-0069-4D31-BDD3-A9A2F9B7B468}"/>
+                <a16:creationId xmlns:a16="http://schemas.microsoft.com/office/drawing/2014/main" xmlns="" id="{56CE86DF-0069-4D31-BDD3-A9A2F9B7B468}"/>
               </a:ext>
             </a:extLst>
           </p:cNvPr>
@@ -1798,7 +1800,7 @@
           <p:cNvPr id="7" name="Date Placeholder 6">
             <a:extLst>
               <a:ext uri="{FF2B5EF4-FFF2-40B4-BE49-F238E27FC236}">
-                <a16:creationId xmlns:a16="http://schemas.microsoft.com/office/drawing/2014/main" id="{21A5ED06-FE54-4B86-A8D4-07D0EB08C3AB}"/>
+                <a16:creationId xmlns:a16="http://schemas.microsoft.com/office/drawing/2014/main" xmlns="" id="{21A5ED06-FE54-4B86-A8D4-07D0EB08C3AB}"/>
               </a:ext>
             </a:extLst>
           </p:cNvPr>
@@ -1816,7 +1818,7 @@
           <a:p>
             <a:fld id="{EE475572-4A44-4171-84AA-64D42C8050A6}" type="datetime2">
               <a:rPr lang="en-US" smtClean="0"/>
-              <a:t>Thursday, November 17, 2022</a:t>
+              <a:t>Friday, November 18, 2022</a:t>
             </a:fld>
             <a:endParaRPr lang="en-US"/>
           </a:p>
@@ -1827,7 +1829,7 @@
           <p:cNvPr id="8" name="Footer Placeholder 7">
             <a:extLst>
               <a:ext uri="{FF2B5EF4-FFF2-40B4-BE49-F238E27FC236}">
-                <a16:creationId xmlns:a16="http://schemas.microsoft.com/office/drawing/2014/main" id="{CE9EC6C3-0950-4AFE-936A-9AB5D227844D}"/>
+                <a16:creationId xmlns:a16="http://schemas.microsoft.com/office/drawing/2014/main" xmlns="" id="{CE9EC6C3-0950-4AFE-936A-9AB5D227844D}"/>
               </a:ext>
             </a:extLst>
           </p:cNvPr>
@@ -1852,7 +1854,7 @@
           <p:cNvPr id="9" name="Slide Number Placeholder 8">
             <a:extLst>
               <a:ext uri="{FF2B5EF4-FFF2-40B4-BE49-F238E27FC236}">
-                <a16:creationId xmlns:a16="http://schemas.microsoft.com/office/drawing/2014/main" id="{6784B1D1-BE0C-48F4-BC74-90675A0F07CF}"/>
+                <a16:creationId xmlns:a16="http://schemas.microsoft.com/office/drawing/2014/main" xmlns="" id="{6784B1D1-BE0C-48F4-BC74-90675A0F07CF}"/>
               </a:ext>
             </a:extLst>
           </p:cNvPr>
@@ -1881,7 +1883,7 @@
           <p:cNvPr id="10" name="Title 9">
             <a:extLst>
               <a:ext uri="{FF2B5EF4-FFF2-40B4-BE49-F238E27FC236}">
-                <a16:creationId xmlns:a16="http://schemas.microsoft.com/office/drawing/2014/main" id="{2D453288-3D76-40C1-BE00-223AB28F13DF}"/>
+                <a16:creationId xmlns:a16="http://schemas.microsoft.com/office/drawing/2014/main" xmlns="" id="{2D453288-3D76-40C1-BE00-223AB28F13DF}"/>
               </a:ext>
             </a:extLst>
           </p:cNvPr>
@@ -1939,7 +1941,7 @@
           <p:cNvPr id="2" name="Title 1">
             <a:extLst>
               <a:ext uri="{FF2B5EF4-FFF2-40B4-BE49-F238E27FC236}">
-                <a16:creationId xmlns:a16="http://schemas.microsoft.com/office/drawing/2014/main" id="{003B1716-24B0-42CD-95B6-843092597B29}"/>
+                <a16:creationId xmlns:a16="http://schemas.microsoft.com/office/drawing/2014/main" xmlns="" id="{003B1716-24B0-42CD-95B6-843092597B29}"/>
               </a:ext>
             </a:extLst>
           </p:cNvPr>
@@ -1967,7 +1969,7 @@
           <p:cNvPr id="3" name="Date Placeholder 2">
             <a:extLst>
               <a:ext uri="{FF2B5EF4-FFF2-40B4-BE49-F238E27FC236}">
-                <a16:creationId xmlns:a16="http://schemas.microsoft.com/office/drawing/2014/main" id="{F9E3617E-4B11-481F-AC6E-00031790294A}"/>
+                <a16:creationId xmlns:a16="http://schemas.microsoft.com/office/drawing/2014/main" xmlns="" id="{F9E3617E-4B11-481F-AC6E-00031790294A}"/>
               </a:ext>
             </a:extLst>
           </p:cNvPr>
@@ -1985,7 +1987,7 @@
           <a:p>
             <a:fld id="{C4C1612E-528E-4FD5-9E9E-E15F1108F171}" type="datetime2">
               <a:rPr lang="en-US" smtClean="0"/>
-              <a:t>Thursday, November 17, 2022</a:t>
+              <a:t>Friday, November 18, 2022</a:t>
             </a:fld>
             <a:endParaRPr lang="en-US"/>
           </a:p>
@@ -1996,7 +1998,7 @@
           <p:cNvPr id="4" name="Footer Placeholder 3">
             <a:extLst>
               <a:ext uri="{FF2B5EF4-FFF2-40B4-BE49-F238E27FC236}">
-                <a16:creationId xmlns:a16="http://schemas.microsoft.com/office/drawing/2014/main" id="{F6BF19CC-06D3-40E9-81B5-63B457B220CF}"/>
+                <a16:creationId xmlns:a16="http://schemas.microsoft.com/office/drawing/2014/main" xmlns="" id="{F6BF19CC-06D3-40E9-81B5-63B457B220CF}"/>
               </a:ext>
             </a:extLst>
           </p:cNvPr>
@@ -2021,7 +2023,7 @@
           <p:cNvPr id="5" name="Slide Number Placeholder 4">
             <a:extLst>
               <a:ext uri="{FF2B5EF4-FFF2-40B4-BE49-F238E27FC236}">
-                <a16:creationId xmlns:a16="http://schemas.microsoft.com/office/drawing/2014/main" id="{6AEFC312-3AA5-46F7-B701-3D9327A68DB7}"/>
+                <a16:creationId xmlns:a16="http://schemas.microsoft.com/office/drawing/2014/main" xmlns="" id="{6AEFC312-3AA5-46F7-B701-3D9327A68DB7}"/>
               </a:ext>
             </a:extLst>
           </p:cNvPr>
@@ -2080,7 +2082,7 @@
           <p:cNvPr id="2" name="Date Placeholder 1">
             <a:extLst>
               <a:ext uri="{FF2B5EF4-FFF2-40B4-BE49-F238E27FC236}">
-                <a16:creationId xmlns:a16="http://schemas.microsoft.com/office/drawing/2014/main" id="{B8C9E28E-1389-47AF-B3EB-22571417ACBE}"/>
+                <a16:creationId xmlns:a16="http://schemas.microsoft.com/office/drawing/2014/main" xmlns="" id="{B8C9E28E-1389-47AF-B3EB-22571417ACBE}"/>
               </a:ext>
             </a:extLst>
           </p:cNvPr>
@@ -2098,7 +2100,7 @@
           <a:p>
             <a:fld id="{D4F6D862-A06D-436F-A92E-EBAAD50B6E50}" type="datetime2">
               <a:rPr lang="en-US" smtClean="0"/>
-              <a:t>Thursday, November 17, 2022</a:t>
+              <a:t>Friday, November 18, 2022</a:t>
             </a:fld>
             <a:endParaRPr lang="en-US"/>
           </a:p>
@@ -2109,7 +2111,7 @@
           <p:cNvPr id="3" name="Footer Placeholder 2">
             <a:extLst>
               <a:ext uri="{FF2B5EF4-FFF2-40B4-BE49-F238E27FC236}">
-                <a16:creationId xmlns:a16="http://schemas.microsoft.com/office/drawing/2014/main" id="{BFCF6B08-1984-4F7C-9F6E-A4F47BDBA215}"/>
+                <a16:creationId xmlns:a16="http://schemas.microsoft.com/office/drawing/2014/main" xmlns="" id="{BFCF6B08-1984-4F7C-9F6E-A4F47BDBA215}"/>
               </a:ext>
             </a:extLst>
           </p:cNvPr>
@@ -2134,7 +2136,7 @@
           <p:cNvPr id="4" name="Slide Number Placeholder 3">
             <a:extLst>
               <a:ext uri="{FF2B5EF4-FFF2-40B4-BE49-F238E27FC236}">
-                <a16:creationId xmlns:a16="http://schemas.microsoft.com/office/drawing/2014/main" id="{7771B3C5-CEC7-427F-931C-1318C421BEF9}"/>
+                <a16:creationId xmlns:a16="http://schemas.microsoft.com/office/drawing/2014/main" xmlns="" id="{7771B3C5-CEC7-427F-931C-1318C421BEF9}"/>
               </a:ext>
             </a:extLst>
           </p:cNvPr>
@@ -2193,7 +2195,7 @@
           <p:cNvPr id="2" name="Title 1">
             <a:extLst>
               <a:ext uri="{FF2B5EF4-FFF2-40B4-BE49-F238E27FC236}">
-                <a16:creationId xmlns:a16="http://schemas.microsoft.com/office/drawing/2014/main" id="{EB4EB55F-536E-4547-A5D2-0483FC3684CD}"/>
+                <a16:creationId xmlns:a16="http://schemas.microsoft.com/office/drawing/2014/main" xmlns="" id="{EB4EB55F-536E-4547-A5D2-0483FC3684CD}"/>
               </a:ext>
             </a:extLst>
           </p:cNvPr>
@@ -2233,7 +2235,7 @@
           <p:cNvPr id="3" name="Content Placeholder 2">
             <a:extLst>
               <a:ext uri="{FF2B5EF4-FFF2-40B4-BE49-F238E27FC236}">
-                <a16:creationId xmlns:a16="http://schemas.microsoft.com/office/drawing/2014/main" id="{3D717D3C-533B-4EA9-886B-FAE59956C74C}"/>
+                <a16:creationId xmlns:a16="http://schemas.microsoft.com/office/drawing/2014/main" xmlns="" id="{3D717D3C-533B-4EA9-886B-FAE59956C74C}"/>
               </a:ext>
             </a:extLst>
           </p:cNvPr>
@@ -2325,7 +2327,7 @@
           <p:cNvPr id="4" name="Text Placeholder 3">
             <a:extLst>
               <a:ext uri="{FF2B5EF4-FFF2-40B4-BE49-F238E27FC236}">
-                <a16:creationId xmlns:a16="http://schemas.microsoft.com/office/drawing/2014/main" id="{2419D2E1-4B17-4608-961E-2C4719855E89}"/>
+                <a16:creationId xmlns:a16="http://schemas.microsoft.com/office/drawing/2014/main" xmlns="" id="{2419D2E1-4B17-4608-961E-2C4719855E89}"/>
               </a:ext>
             </a:extLst>
           </p:cNvPr>
@@ -2396,7 +2398,7 @@
           <p:cNvPr id="5" name="Date Placeholder 4">
             <a:extLst>
               <a:ext uri="{FF2B5EF4-FFF2-40B4-BE49-F238E27FC236}">
-                <a16:creationId xmlns:a16="http://schemas.microsoft.com/office/drawing/2014/main" id="{B75A3535-184C-438C-AE91-9C42B7C5AFB6}"/>
+                <a16:creationId xmlns:a16="http://schemas.microsoft.com/office/drawing/2014/main" xmlns="" id="{B75A3535-184C-438C-AE91-9C42B7C5AFB6}"/>
               </a:ext>
             </a:extLst>
           </p:cNvPr>
@@ -2414,7 +2416,7 @@
           <a:p>
             <a:fld id="{B73E0B7D-2260-4809-8F0A-9E5F3E24F169}" type="datetime2">
               <a:rPr lang="en-US" smtClean="0"/>
-              <a:t>Thursday, November 17, 2022</a:t>
+              <a:t>Friday, November 18, 2022</a:t>
             </a:fld>
             <a:endParaRPr lang="en-US"/>
           </a:p>
@@ -2425,7 +2427,7 @@
           <p:cNvPr id="6" name="Footer Placeholder 5">
             <a:extLst>
               <a:ext uri="{FF2B5EF4-FFF2-40B4-BE49-F238E27FC236}">
-                <a16:creationId xmlns:a16="http://schemas.microsoft.com/office/drawing/2014/main" id="{0DF6DBC3-4A58-42BA-9B55-A9A72510374C}"/>
+                <a16:creationId xmlns:a16="http://schemas.microsoft.com/office/drawing/2014/main" xmlns="" id="{0DF6DBC3-4A58-42BA-9B55-A9A72510374C}"/>
               </a:ext>
             </a:extLst>
           </p:cNvPr>
@@ -2450,7 +2452,7 @@
           <p:cNvPr id="7" name="Slide Number Placeholder 6">
             <a:extLst>
               <a:ext uri="{FF2B5EF4-FFF2-40B4-BE49-F238E27FC236}">
-                <a16:creationId xmlns:a16="http://schemas.microsoft.com/office/drawing/2014/main" id="{AD4E6563-0AB6-4038-A12B-A259552DB66C}"/>
+                <a16:creationId xmlns:a16="http://schemas.microsoft.com/office/drawing/2014/main" xmlns="" id="{AD4E6563-0AB6-4038-A12B-A259552DB66C}"/>
               </a:ext>
             </a:extLst>
           </p:cNvPr>
@@ -2509,7 +2511,7 @@
           <p:cNvPr id="2" name="Title 1">
             <a:extLst>
               <a:ext uri="{FF2B5EF4-FFF2-40B4-BE49-F238E27FC236}">
-                <a16:creationId xmlns:a16="http://schemas.microsoft.com/office/drawing/2014/main" id="{BE9702C5-1E3B-4C62-A538-59BB572864A0}"/>
+                <a16:creationId xmlns:a16="http://schemas.microsoft.com/office/drawing/2014/main" xmlns="" id="{BE9702C5-1E3B-4C62-A538-59BB572864A0}"/>
               </a:ext>
             </a:extLst>
           </p:cNvPr>
@@ -2546,7 +2548,7 @@
           <p:cNvPr id="3" name="Picture Placeholder 2">
             <a:extLst>
               <a:ext uri="{FF2B5EF4-FFF2-40B4-BE49-F238E27FC236}">
-                <a16:creationId xmlns:a16="http://schemas.microsoft.com/office/drawing/2014/main" id="{6E2CF574-95CE-4E60-B2CF-3B5B4F33A767}"/>
+                <a16:creationId xmlns:a16="http://schemas.microsoft.com/office/drawing/2014/main" xmlns="" id="{6E2CF574-95CE-4E60-B2CF-3B5B4F33A767}"/>
               </a:ext>
             </a:extLst>
           </p:cNvPr>
@@ -2616,7 +2618,7 @@
           <p:cNvPr id="4" name="Text Placeholder 3">
             <a:extLst>
               <a:ext uri="{FF2B5EF4-FFF2-40B4-BE49-F238E27FC236}">
-                <a16:creationId xmlns:a16="http://schemas.microsoft.com/office/drawing/2014/main" id="{6D039F7C-C735-4356-8B04-89E19047950C}"/>
+                <a16:creationId xmlns:a16="http://schemas.microsoft.com/office/drawing/2014/main" xmlns="" id="{6D039F7C-C735-4356-8B04-89E19047950C}"/>
               </a:ext>
             </a:extLst>
           </p:cNvPr>
@@ -2687,7 +2689,7 @@
           <p:cNvPr id="5" name="Date Placeholder 4">
             <a:extLst>
               <a:ext uri="{FF2B5EF4-FFF2-40B4-BE49-F238E27FC236}">
-                <a16:creationId xmlns:a16="http://schemas.microsoft.com/office/drawing/2014/main" id="{45E706DF-52A3-4F34-9BF5-E1ACD5D54283}"/>
+                <a16:creationId xmlns:a16="http://schemas.microsoft.com/office/drawing/2014/main" xmlns="" id="{45E706DF-52A3-4F34-9BF5-E1ACD5D54283}"/>
               </a:ext>
             </a:extLst>
           </p:cNvPr>
@@ -2705,7 +2707,7 @@
           <a:p>
             <a:fld id="{3C8E4735-C637-46A3-94EB-AB3AC4188D2F}" type="datetime2">
               <a:rPr lang="en-US" smtClean="0"/>
-              <a:t>Thursday, November 17, 2022</a:t>
+              <a:t>Friday, November 18, 2022</a:t>
             </a:fld>
             <a:endParaRPr lang="en-US"/>
           </a:p>
@@ -2716,7 +2718,7 @@
           <p:cNvPr id="6" name="Footer Placeholder 5">
             <a:extLst>
               <a:ext uri="{FF2B5EF4-FFF2-40B4-BE49-F238E27FC236}">
-                <a16:creationId xmlns:a16="http://schemas.microsoft.com/office/drawing/2014/main" id="{BFB25E53-E72E-4110-BB6B-3477F56C3088}"/>
+                <a16:creationId xmlns:a16="http://schemas.microsoft.com/office/drawing/2014/main" xmlns="" id="{BFB25E53-E72E-4110-BB6B-3477F56C3088}"/>
               </a:ext>
             </a:extLst>
           </p:cNvPr>
@@ -2741,7 +2743,7 @@
           <p:cNvPr id="7" name="Slide Number Placeholder 6">
             <a:extLst>
               <a:ext uri="{FF2B5EF4-FFF2-40B4-BE49-F238E27FC236}">
-                <a16:creationId xmlns:a16="http://schemas.microsoft.com/office/drawing/2014/main" id="{A3686F8F-3D62-4CEC-AD9A-B70848E6A81C}"/>
+                <a16:creationId xmlns:a16="http://schemas.microsoft.com/office/drawing/2014/main" xmlns="" id="{A3686F8F-3D62-4CEC-AD9A-B70848E6A81C}"/>
               </a:ext>
             </a:extLst>
           </p:cNvPr>
@@ -2805,7 +2807,7 @@
           <p:cNvPr id="8" name="Rectangle 7">
             <a:extLst>
               <a:ext uri="{FF2B5EF4-FFF2-40B4-BE49-F238E27FC236}">
-                <a16:creationId xmlns:a16="http://schemas.microsoft.com/office/drawing/2014/main" id="{CCF2F3BB-127D-44BC-A8EF-A8BB5F5911CA}"/>
+                <a16:creationId xmlns:a16="http://schemas.microsoft.com/office/drawing/2014/main" xmlns="" id="{CCF2F3BB-127D-44BC-A8EF-A8BB5F5911CA}"/>
               </a:ext>
             </a:extLst>
           </p:cNvPr>
@@ -2869,7 +2871,7 @@
           <p:cNvPr id="10" name="Rectangle 9">
             <a:extLst>
               <a:ext uri="{FF2B5EF4-FFF2-40B4-BE49-F238E27FC236}">
-                <a16:creationId xmlns:a16="http://schemas.microsoft.com/office/drawing/2014/main" id="{010D1F30-F118-4A1F-A48F-7E5706959F64}"/>
+                <a16:creationId xmlns:a16="http://schemas.microsoft.com/office/drawing/2014/main" xmlns="" id="{010D1F30-F118-4A1F-A48F-7E5706959F64}"/>
               </a:ext>
             </a:extLst>
           </p:cNvPr>
@@ -2933,7 +2935,7 @@
           <p:cNvPr id="2" name="Title Placeholder 1">
             <a:extLst>
               <a:ext uri="{FF2B5EF4-FFF2-40B4-BE49-F238E27FC236}">
-                <a16:creationId xmlns:a16="http://schemas.microsoft.com/office/drawing/2014/main" id="{17AE890C-17CE-44C0-BDED-BA68F92A845D}"/>
+                <a16:creationId xmlns:a16="http://schemas.microsoft.com/office/drawing/2014/main" xmlns="" id="{17AE890C-17CE-44C0-BDED-BA68F92A845D}"/>
               </a:ext>
             </a:extLst>
           </p:cNvPr>
@@ -2971,7 +2973,7 @@
           <p:cNvPr id="3" name="Text Placeholder 2">
             <a:extLst>
               <a:ext uri="{FF2B5EF4-FFF2-40B4-BE49-F238E27FC236}">
-                <a16:creationId xmlns:a16="http://schemas.microsoft.com/office/drawing/2014/main" id="{47910A6E-46D1-42CF-996C-2207737FB871}"/>
+                <a16:creationId xmlns:a16="http://schemas.microsoft.com/office/drawing/2014/main" xmlns="" id="{47910A6E-46D1-42CF-996C-2207737FB871}"/>
               </a:ext>
             </a:extLst>
           </p:cNvPr>
@@ -3038,7 +3040,7 @@
           <p:cNvPr id="4" name="Date Placeholder 3">
             <a:extLst>
               <a:ext uri="{FF2B5EF4-FFF2-40B4-BE49-F238E27FC236}">
-                <a16:creationId xmlns:a16="http://schemas.microsoft.com/office/drawing/2014/main" id="{D85B5247-D236-462B-BCE0-2A24DF75B085}"/>
+                <a16:creationId xmlns:a16="http://schemas.microsoft.com/office/drawing/2014/main" xmlns="" id="{D85B5247-D236-462B-BCE0-2A24DF75B085}"/>
               </a:ext>
             </a:extLst>
           </p:cNvPr>
@@ -3073,7 +3075,7 @@
             <a:fld id="{AE0C963C-C1DB-4AFD-9DDC-0691666BF49B}" type="datetime2">
               <a:rPr lang="en-US" smtClean="0"/>
               <a:pPr/>
-              <a:t>Thursday, November 17, 2022</a:t>
+              <a:t>Friday, November 18, 2022</a:t>
             </a:fld>
             <a:endParaRPr lang="en-US" cap="all"/>
           </a:p>
@@ -3084,7 +3086,7 @@
           <p:cNvPr id="5" name="Footer Placeholder 4">
             <a:extLst>
               <a:ext uri="{FF2B5EF4-FFF2-40B4-BE49-F238E27FC236}">
-                <a16:creationId xmlns:a16="http://schemas.microsoft.com/office/drawing/2014/main" id="{19155C58-7DDF-4CD4-96AD-F9CC844D84CC}"/>
+                <a16:creationId xmlns:a16="http://schemas.microsoft.com/office/drawing/2014/main" xmlns="" id="{19155C58-7DDF-4CD4-96AD-F9CC844D84CC}"/>
               </a:ext>
             </a:extLst>
           </p:cNvPr>
@@ -3127,7 +3129,7 @@
           <p:cNvPr id="6" name="Slide Number Placeholder 5">
             <a:extLst>
               <a:ext uri="{FF2B5EF4-FFF2-40B4-BE49-F238E27FC236}">
-                <a16:creationId xmlns:a16="http://schemas.microsoft.com/office/drawing/2014/main" id="{6F495647-A849-45D9-BC71-46A12E6DE479}"/>
+                <a16:creationId xmlns:a16="http://schemas.microsoft.com/office/drawing/2014/main" xmlns="" id="{6F495647-A849-45D9-BC71-46A12E6DE479}"/>
               </a:ext>
             </a:extLst>
           </p:cNvPr>
@@ -3503,10 +3505,10 @@
           <p:cNvPr id="8" name="Rectangle 7">
             <a:extLst>
               <a:ext uri="{FF2B5EF4-FFF2-40B4-BE49-F238E27FC236}">
-                <a16:creationId xmlns:a16="http://schemas.microsoft.com/office/drawing/2014/main" id="{7404E292-5FAB-47E8-A663-A07530CED8FF}"/>
+                <a16:creationId xmlns:a16="http://schemas.microsoft.com/office/drawing/2014/main" xmlns="" id="{7404E292-5FAB-47E8-A663-A07530CED8FF}"/>
               </a:ext>
               <a:ext uri="{C183D7F6-B498-43B3-948B-1728B52AA6E4}">
-                <adec:decorative xmlns:adec="http://schemas.microsoft.com/office/drawing/2017/decorative" val="1"/>
+                <adec:decorative xmlns:adec="http://schemas.microsoft.com/office/drawing/2017/decorative" xmlns="" val="1"/>
               </a:ext>
             </a:extLst>
           </p:cNvPr>
@@ -3516,7 +3518,7 @@
           <p:nvPr>
             <p:extLst>
               <p:ext uri="{386F3935-93C4-4BCD-93E2-E3B085C9AB24}">
-                <p16:designElem xmlns:p16="http://schemas.microsoft.com/office/powerpoint/2015/main" val="1"/>
+                <p16:designElem xmlns:p16="http://schemas.microsoft.com/office/powerpoint/2015/main" xmlns="" val="1"/>
               </p:ext>
             </p:extLst>
           </p:nvPr>
@@ -3579,10 +3581,10 @@
           <p:cNvPr id="10" name="Rectangle 9">
             <a:extLst>
               <a:ext uri="{FF2B5EF4-FFF2-40B4-BE49-F238E27FC236}">
-                <a16:creationId xmlns:a16="http://schemas.microsoft.com/office/drawing/2014/main" id="{D80FF8ED-64CE-400C-A4D5-9F943FC264DE}"/>
+                <a16:creationId xmlns:a16="http://schemas.microsoft.com/office/drawing/2014/main" xmlns="" id="{D80FF8ED-64CE-400C-A4D5-9F943FC264DE}"/>
               </a:ext>
               <a:ext uri="{C183D7F6-B498-43B3-948B-1728B52AA6E4}">
-                <adec:decorative xmlns:adec="http://schemas.microsoft.com/office/drawing/2017/decorative" val="1"/>
+                <adec:decorative xmlns:adec="http://schemas.microsoft.com/office/drawing/2017/decorative" xmlns="" val="1"/>
               </a:ext>
             </a:extLst>
           </p:cNvPr>
@@ -3592,7 +3594,7 @@
           <p:nvPr>
             <p:extLst>
               <p:ext uri="{386F3935-93C4-4BCD-93E2-E3B085C9AB24}">
-                <p16:designElem xmlns:p16="http://schemas.microsoft.com/office/powerpoint/2015/main" val="1"/>
+                <p16:designElem xmlns:p16="http://schemas.microsoft.com/office/powerpoint/2015/main" xmlns="" val="1"/>
               </p:ext>
             </p:extLst>
           </p:nvPr>
@@ -3655,10 +3657,10 @@
           <p:cNvPr id="12" name="Rectangle 11">
             <a:extLst>
               <a:ext uri="{FF2B5EF4-FFF2-40B4-BE49-F238E27FC236}">
-                <a16:creationId xmlns:a16="http://schemas.microsoft.com/office/drawing/2014/main" id="{568868AD-100D-45F3-B11E-8A2936712B9E}"/>
+                <a16:creationId xmlns:a16="http://schemas.microsoft.com/office/drawing/2014/main" xmlns="" id="{568868AD-100D-45F3-B11E-8A2936712B9E}"/>
               </a:ext>
               <a:ext uri="{C183D7F6-B498-43B3-948B-1728B52AA6E4}">
-                <adec:decorative xmlns:adec="http://schemas.microsoft.com/office/drawing/2017/decorative" val="1"/>
+                <adec:decorative xmlns:adec="http://schemas.microsoft.com/office/drawing/2017/decorative" xmlns="" val="1"/>
               </a:ext>
             </a:extLst>
           </p:cNvPr>
@@ -3668,7 +3670,7 @@
           <p:nvPr>
             <p:extLst>
               <p:ext uri="{386F3935-93C4-4BCD-93E2-E3B085C9AB24}">
-                <p16:designElem xmlns:p16="http://schemas.microsoft.com/office/powerpoint/2015/main" val="1"/>
+                <p16:designElem xmlns:p16="http://schemas.microsoft.com/office/powerpoint/2015/main" xmlns="" val="1"/>
               </p:ext>
             </p:extLst>
           </p:nvPr>
@@ -3730,10 +3732,10 @@
           <p:cNvPr id="14" name="Rectangle 13">
             <a:extLst>
               <a:ext uri="{FF2B5EF4-FFF2-40B4-BE49-F238E27FC236}">
-                <a16:creationId xmlns:a16="http://schemas.microsoft.com/office/drawing/2014/main" id="{714742CC-05F9-44AC-AF98-AB6EF810E47D}"/>
+                <a16:creationId xmlns:a16="http://schemas.microsoft.com/office/drawing/2014/main" xmlns="" id="{714742CC-05F9-44AC-AF98-AB6EF810E47D}"/>
               </a:ext>
               <a:ext uri="{C183D7F6-B498-43B3-948B-1728B52AA6E4}">
-                <adec:decorative xmlns:adec="http://schemas.microsoft.com/office/drawing/2017/decorative" val="1"/>
+                <adec:decorative xmlns:adec="http://schemas.microsoft.com/office/drawing/2017/decorative" xmlns="" val="1"/>
               </a:ext>
             </a:extLst>
           </p:cNvPr>
@@ -3743,7 +3745,7 @@
           <p:nvPr>
             <p:extLst>
               <p:ext uri="{386F3935-93C4-4BCD-93E2-E3B085C9AB24}">
-                <p16:designElem xmlns:p16="http://schemas.microsoft.com/office/powerpoint/2015/main" val="1"/>
+                <p16:designElem xmlns:p16="http://schemas.microsoft.com/office/powerpoint/2015/main" xmlns="" val="1"/>
               </p:ext>
             </p:extLst>
           </p:nvPr>
@@ -3805,10 +3807,10 @@
           <p:cNvPr id="16" name="Freeform: Shape 13">
             <a:extLst>
               <a:ext uri="{FF2B5EF4-FFF2-40B4-BE49-F238E27FC236}">
-                <a16:creationId xmlns:a16="http://schemas.microsoft.com/office/drawing/2014/main" id="{853C77DB-C7E3-4B1F-9AD0-1EB2982A8659}"/>
+                <a16:creationId xmlns:a16="http://schemas.microsoft.com/office/drawing/2014/main" xmlns="" id="{853C77DB-C7E3-4B1F-9AD0-1EB2982A8659}"/>
               </a:ext>
               <a:ext uri="{C183D7F6-B498-43B3-948B-1728B52AA6E4}">
-                <adec:decorative xmlns:adec="http://schemas.microsoft.com/office/drawing/2017/decorative" val="1"/>
+                <adec:decorative xmlns:adec="http://schemas.microsoft.com/office/drawing/2017/decorative" xmlns="" val="1"/>
               </a:ext>
             </a:extLst>
           </p:cNvPr>
@@ -3818,7 +3820,7 @@
           <p:nvPr>
             <p:extLst>
               <p:ext uri="{386F3935-93C4-4BCD-93E2-E3B085C9AB24}">
-                <p16:designElem xmlns:p16="http://schemas.microsoft.com/office/powerpoint/2015/main" val="1"/>
+                <p16:designElem xmlns:p16="http://schemas.microsoft.com/office/powerpoint/2015/main" xmlns="" val="1"/>
               </p:ext>
             </p:extLst>
           </p:nvPr>
@@ -4078,6 +4080,369 @@
   <p:clrMapOvr>
     <a:masterClrMapping/>
   </p:clrMapOvr>
+  <p:timing>
+    <p:tnLst>
+      <p:par>
+        <p:cTn id="1" dur="indefinite" restart="never" nodeType="tmRoot"/>
+      </p:par>
+    </p:tnLst>
+  </p:timing>
+</p:sld>
+</file>
+
+<file path=ppt/slides/slide10.xml><?xml version="1.0" encoding="utf-8"?>
+<p:sld xmlns:a="http://schemas.openxmlformats.org/drawingml/2006/main" xmlns:r="http://schemas.openxmlformats.org/officeDocument/2006/relationships" xmlns:p="http://schemas.openxmlformats.org/presentationml/2006/main">
+  <p:cSld>
+    <p:spTree>
+      <p:nvGrpSpPr>
+        <p:cNvPr id="1" name=""/>
+        <p:cNvGrpSpPr/>
+        <p:nvPr/>
+      </p:nvGrpSpPr>
+      <p:grpSpPr>
+        <a:xfrm>
+          <a:off x="0" y="0"/>
+          <a:ext cx="0" cy="0"/>
+          <a:chOff x="0" y="0"/>
+          <a:chExt cx="0" cy="0"/>
+        </a:xfrm>
+      </p:grpSpPr>
+      <p:pic>
+        <p:nvPicPr>
+          <p:cNvPr id="4" name="Picture 4" descr="Text&#10;&#10;Description automatically generated">
+            <a:extLst>
+              <a:ext uri="{FF2B5EF4-FFF2-40B4-BE49-F238E27FC236}">
+                <a16:creationId xmlns:a16="http://schemas.microsoft.com/office/drawing/2014/main" xmlns="" id="{381AACF7-D288-F69D-5AE7-121807113724}"/>
+              </a:ext>
+            </a:extLst>
+          </p:cNvPr>
+          <p:cNvPicPr>
+            <a:picLocks noChangeAspect="1"/>
+          </p:cNvPicPr>
+          <p:nvPr/>
+        </p:nvPicPr>
+        <p:blipFill>
+          <a:blip r:embed="rId2"/>
+          <a:stretch>
+            <a:fillRect/>
+          </a:stretch>
+        </p:blipFill>
+        <p:spPr>
+          <a:xfrm>
+            <a:off x="1895553" y="1295489"/>
+            <a:ext cx="5341344" cy="1683094"/>
+          </a:xfrm>
+          <a:prstGeom prst="rect">
+            <a:avLst/>
+          </a:prstGeom>
+        </p:spPr>
+      </p:pic>
+      <p:pic>
+        <p:nvPicPr>
+          <p:cNvPr id="5" name="Picture 5" descr="Graphical user interface, text, application, chat or text message&#10;&#10;Description automatically generated">
+            <a:extLst>
+              <a:ext uri="{FF2B5EF4-FFF2-40B4-BE49-F238E27FC236}">
+                <a16:creationId xmlns:a16="http://schemas.microsoft.com/office/drawing/2014/main" xmlns="" id="{76C5D30F-7ED6-B980-483B-9FCAAADC154C}"/>
+              </a:ext>
+            </a:extLst>
+          </p:cNvPr>
+          <p:cNvPicPr>
+            <a:picLocks noChangeAspect="1"/>
+          </p:cNvPicPr>
+          <p:nvPr/>
+        </p:nvPicPr>
+        <p:blipFill>
+          <a:blip r:embed="rId3"/>
+          <a:stretch>
+            <a:fillRect/>
+          </a:stretch>
+        </p:blipFill>
+        <p:spPr>
+          <a:xfrm>
+            <a:off x="1892147" y="3217545"/>
+            <a:ext cx="7094862" cy="2678701"/>
+          </a:xfrm>
+          <a:prstGeom prst="rect">
+            <a:avLst/>
+          </a:prstGeom>
+        </p:spPr>
+      </p:pic>
+      <p:sp>
+        <p:nvSpPr>
+          <p:cNvPr id="6" name="TextBox 5">
+            <a:extLst>
+              <a:ext uri="{FF2B5EF4-FFF2-40B4-BE49-F238E27FC236}">
+                <a16:creationId xmlns:a16="http://schemas.microsoft.com/office/drawing/2014/main" xmlns="" id="{91D0726D-D52F-8F04-BB62-98116A02A537}"/>
+              </a:ext>
+            </a:extLst>
+          </p:cNvPr>
+          <p:cNvSpPr txBox="1"/>
+          <p:nvPr/>
+        </p:nvSpPr>
+        <p:spPr>
+          <a:xfrm>
+            <a:off x="54490" y="84847"/>
+            <a:ext cx="1081550" cy="369332"/>
+          </a:xfrm>
+          <a:prstGeom prst="rect">
+            <a:avLst/>
+          </a:prstGeom>
+          <a:noFill/>
+        </p:spPr>
+        <p:txBody>
+          <a:bodyPr rot="0" spcFirstLastPara="0" vertOverflow="overflow" horzOverflow="overflow" vert="horz" wrap="square" lIns="91440" tIns="45720" rIns="91440" bIns="45720" numCol="1" spcCol="0" rtlCol="0" fromWordArt="0" anchor="t" anchorCtr="0" forceAA="0" compatLnSpc="1">
+            <a:prstTxWarp prst="textNoShape">
+              <a:avLst/>
+            </a:prstTxWarp>
+            <a:spAutoFit/>
+          </a:bodyPr>
+          <a:lstStyle/>
+          <a:p>
+            <a:pPr algn="l"/>
+            <a:r>
+              <a:rPr lang="ko-KR" altLang="en-US"/>
+              <a:t>육준호</a:t>
+            </a:r>
+          </a:p>
+        </p:txBody>
+      </p:sp>
+    </p:spTree>
+    <p:extLst>
+      <p:ext uri="{BB962C8B-B14F-4D97-AF65-F5344CB8AC3E}">
+        <p14:creationId xmlns:p14="http://schemas.microsoft.com/office/powerpoint/2010/main" val="2329977479"/>
+      </p:ext>
+    </p:extLst>
+  </p:cSld>
+  <p:clrMapOvr>
+    <a:masterClrMapping/>
+  </p:clrMapOvr>
+  <p:timing>
+    <p:tnLst>
+      <p:par>
+        <p:cTn id="1" dur="indefinite" restart="never" nodeType="tmRoot"/>
+      </p:par>
+    </p:tnLst>
+  </p:timing>
+</p:sld>
+</file>
+
+<file path=ppt/slides/slide11.xml><?xml version="1.0" encoding="utf-8"?>
+<p:sld xmlns:a="http://schemas.openxmlformats.org/drawingml/2006/main" xmlns:r="http://schemas.openxmlformats.org/officeDocument/2006/relationships" xmlns:p="http://schemas.openxmlformats.org/presentationml/2006/main">
+  <p:cSld>
+    <p:spTree>
+      <p:nvGrpSpPr>
+        <p:cNvPr id="1" name=""/>
+        <p:cNvGrpSpPr/>
+        <p:nvPr/>
+      </p:nvGrpSpPr>
+      <p:grpSpPr>
+        <a:xfrm>
+          <a:off x="0" y="0"/>
+          <a:ext cx="0" cy="0"/>
+          <a:chOff x="0" y="0"/>
+          <a:chExt cx="0" cy="0"/>
+        </a:xfrm>
+      </p:grpSpPr>
+      <p:sp>
+        <p:nvSpPr>
+          <p:cNvPr id="6" name="TextBox 5">
+            <a:extLst>
+              <a:ext uri="{FF2B5EF4-FFF2-40B4-BE49-F238E27FC236}">
+                <a16:creationId xmlns:a16="http://schemas.microsoft.com/office/drawing/2014/main" xmlns="" id="{9C6419A0-5351-1B33-92D9-B8337AA6F39E}"/>
+              </a:ext>
+            </a:extLst>
+          </p:cNvPr>
+          <p:cNvSpPr txBox="1"/>
+          <p:nvPr/>
+        </p:nvSpPr>
+        <p:spPr>
+          <a:xfrm>
+            <a:off x="38796" y="115499"/>
+            <a:ext cx="2777612" cy="369332"/>
+          </a:xfrm>
+          <a:prstGeom prst="rect">
+            <a:avLst/>
+          </a:prstGeom>
+          <a:noFill/>
+        </p:spPr>
+        <p:txBody>
+          <a:bodyPr rot="0" spcFirstLastPara="0" vertOverflow="overflow" horzOverflow="overflow" vert="horz" wrap="square" lIns="91440" tIns="45720" rIns="91440" bIns="45720" numCol="1" spcCol="0" rtlCol="0" fromWordArt="0" anchor="t" anchorCtr="0" forceAA="0" compatLnSpc="1">
+            <a:prstTxWarp prst="textNoShape">
+              <a:avLst/>
+            </a:prstTxWarp>
+            <a:spAutoFit/>
+          </a:bodyPr>
+          <a:lstStyle/>
+          <a:p>
+            <a:pPr algn="l"/>
+            <a:r>
+              <a:rPr lang="ko-KR" altLang="en-US"/>
+              <a:t>송지훈</a:t>
+            </a:r>
+            <a:endParaRPr lang="en-US"/>
+          </a:p>
+        </p:txBody>
+      </p:sp>
+      <p:pic>
+        <p:nvPicPr>
+          <p:cNvPr id="7" name="Picture 7" descr="Text&#10;&#10;Description automatically generated">
+            <a:extLst>
+              <a:ext uri="{FF2B5EF4-FFF2-40B4-BE49-F238E27FC236}">
+                <a16:creationId xmlns:a16="http://schemas.microsoft.com/office/drawing/2014/main" xmlns="" id="{979F4311-C4E0-FDD9-9F1A-CD4A9BD96574}"/>
+              </a:ext>
+            </a:extLst>
+          </p:cNvPr>
+          <p:cNvPicPr>
+            <a:picLocks noChangeAspect="1"/>
+          </p:cNvPicPr>
+          <p:nvPr/>
+        </p:nvPicPr>
+        <p:blipFill>
+          <a:blip r:embed="rId2"/>
+          <a:stretch>
+            <a:fillRect/>
+          </a:stretch>
+        </p:blipFill>
+        <p:spPr>
+          <a:xfrm>
+            <a:off x="422491" y="958799"/>
+            <a:ext cx="3395031" cy="1779568"/>
+          </a:xfrm>
+          <a:prstGeom prst="rect">
+            <a:avLst/>
+          </a:prstGeom>
+        </p:spPr>
+      </p:pic>
+      <p:pic>
+        <p:nvPicPr>
+          <p:cNvPr id="8" name="Picture 8">
+            <a:extLst>
+              <a:ext uri="{FF2B5EF4-FFF2-40B4-BE49-F238E27FC236}">
+                <a16:creationId xmlns:a16="http://schemas.microsoft.com/office/drawing/2014/main" xmlns="" id="{D52FA386-1C4D-3AA5-A113-BA287590AE8B}"/>
+              </a:ext>
+            </a:extLst>
+          </p:cNvPr>
+          <p:cNvPicPr>
+            <a:picLocks noChangeAspect="1"/>
+          </p:cNvPicPr>
+          <p:nvPr/>
+        </p:nvPicPr>
+        <p:blipFill>
+          <a:blip r:embed="rId3"/>
+          <a:stretch>
+            <a:fillRect/>
+          </a:stretch>
+        </p:blipFill>
+        <p:spPr>
+          <a:xfrm>
+            <a:off x="4144091" y="1044176"/>
+            <a:ext cx="7627343" cy="269613"/>
+          </a:xfrm>
+          <a:prstGeom prst="rect">
+            <a:avLst/>
+          </a:prstGeom>
+        </p:spPr>
+      </p:pic>
+      <p:pic>
+        <p:nvPicPr>
+          <p:cNvPr id="9" name="Picture 9">
+            <a:extLst>
+              <a:ext uri="{FF2B5EF4-FFF2-40B4-BE49-F238E27FC236}">
+                <a16:creationId xmlns:a16="http://schemas.microsoft.com/office/drawing/2014/main" xmlns="" id="{70040BB3-8733-4B01-58EC-45CA588B5BAF}"/>
+              </a:ext>
+            </a:extLst>
+          </p:cNvPr>
+          <p:cNvPicPr>
+            <a:picLocks noChangeAspect="1"/>
+          </p:cNvPicPr>
+          <p:nvPr/>
+        </p:nvPicPr>
+        <p:blipFill>
+          <a:blip r:embed="rId4"/>
+          <a:stretch>
+            <a:fillRect/>
+          </a:stretch>
+        </p:blipFill>
+        <p:spPr>
+          <a:xfrm>
+            <a:off x="4141424" y="1649009"/>
+            <a:ext cx="6727633" cy="406845"/>
+          </a:xfrm>
+          <a:prstGeom prst="rect">
+            <a:avLst/>
+          </a:prstGeom>
+        </p:spPr>
+      </p:pic>
+      <p:pic>
+        <p:nvPicPr>
+          <p:cNvPr id="10" name="Picture 10" descr="Text&#10;&#10;Description automatically generated">
+            <a:extLst>
+              <a:ext uri="{FF2B5EF4-FFF2-40B4-BE49-F238E27FC236}">
+                <a16:creationId xmlns:a16="http://schemas.microsoft.com/office/drawing/2014/main" xmlns="" id="{9ECE9516-15C3-A844-2783-24315C880A49}"/>
+              </a:ext>
+            </a:extLst>
+          </p:cNvPr>
+          <p:cNvPicPr>
+            <a:picLocks noChangeAspect="1"/>
+          </p:cNvPicPr>
+          <p:nvPr/>
+        </p:nvPicPr>
+        <p:blipFill>
+          <a:blip r:embed="rId5"/>
+          <a:stretch>
+            <a:fillRect/>
+          </a:stretch>
+        </p:blipFill>
+        <p:spPr>
+          <a:xfrm>
+            <a:off x="6644653" y="3241050"/>
+            <a:ext cx="4827224" cy="2128823"/>
+          </a:xfrm>
+          <a:prstGeom prst="rect">
+            <a:avLst/>
+          </a:prstGeom>
+        </p:spPr>
+      </p:pic>
+      <p:pic>
+        <p:nvPicPr>
+          <p:cNvPr id="2" name="Picture 2" descr="Graphical user interface&#10;&#10;Description automatically generated">
+            <a:extLst>
+              <a:ext uri="{FF2B5EF4-FFF2-40B4-BE49-F238E27FC236}">
+                <a16:creationId xmlns:a16="http://schemas.microsoft.com/office/drawing/2014/main" xmlns="" id="{93E88505-BB5B-1A76-CC7E-34DCF3F8384A}"/>
+              </a:ext>
+            </a:extLst>
+          </p:cNvPr>
+          <p:cNvPicPr>
+            <a:picLocks noChangeAspect="1"/>
+          </p:cNvPicPr>
+          <p:nvPr/>
+        </p:nvPicPr>
+        <p:blipFill>
+          <a:blip r:embed="rId6"/>
+          <a:stretch>
+            <a:fillRect/>
+          </a:stretch>
+        </p:blipFill>
+        <p:spPr>
+          <a:xfrm>
+            <a:off x="418641" y="3744217"/>
+            <a:ext cx="4423272" cy="847663"/>
+          </a:xfrm>
+          <a:prstGeom prst="rect">
+            <a:avLst/>
+          </a:prstGeom>
+        </p:spPr>
+      </p:pic>
+    </p:spTree>
+    <p:extLst>
+      <p:ext uri="{BB962C8B-B14F-4D97-AF65-F5344CB8AC3E}">
+        <p14:creationId xmlns:p14="http://schemas.microsoft.com/office/powerpoint/2010/main" val="3142114090"/>
+      </p:ext>
+    </p:extLst>
+  </p:cSld>
+  <p:clrMapOvr>
+    <a:masterClrMapping/>
+  </p:clrMapOvr>
 </p:sld>
 </file>
 
@@ -4103,7 +4468,7 @@
           <p:cNvPr id="4" name="TextBox 3">
             <a:extLst>
               <a:ext uri="{FF2B5EF4-FFF2-40B4-BE49-F238E27FC236}">
-                <a16:creationId xmlns:a16="http://schemas.microsoft.com/office/drawing/2014/main" id="{33654825-0954-BE0D-E887-CF73BE33EE64}"/>
+                <a16:creationId xmlns:a16="http://schemas.microsoft.com/office/drawing/2014/main" xmlns="" id="{33654825-0954-BE0D-E887-CF73BE33EE64}"/>
               </a:ext>
             </a:extLst>
           </p:cNvPr>
@@ -4112,8 +4477,8 @@
         </p:nvSpPr>
         <p:spPr>
           <a:xfrm>
-            <a:off x="393032" y="503322"/>
-            <a:ext cx="2743200" cy="369332"/>
+            <a:off x="3326732" y="103272"/>
+            <a:ext cx="5550568" cy="830997"/>
           </a:xfrm>
           <a:prstGeom prst="rect">
             <a:avLst/>
@@ -4129,13 +4494,14 @@
           </a:bodyPr>
           <a:lstStyle/>
           <a:p>
-            <a:r>
-              <a:rPr lang="ko-KR" altLang="en-US">
+            <a:pPr algn="ctr"/>
+            <a:r>
+              <a:rPr lang="ko-KR" altLang="en-US" sz="4800" dirty="0">
                 <a:latin typeface="Noto Sans KR"/>
               </a:rPr>
               <a:t>와이어프레임</a:t>
             </a:r>
-            <a:endParaRPr lang="en-US">
+            <a:endParaRPr lang="en-US" sz="4800" dirty="0">
               <a:latin typeface="Noto Sans KR"/>
             </a:endParaRPr>
           </a:p>
@@ -4146,7 +4512,7 @@
           <p:cNvPr id="5" name="Picture 5" descr="Diagram&#10;&#10;Description automatically generated">
             <a:extLst>
               <a:ext uri="{FF2B5EF4-FFF2-40B4-BE49-F238E27FC236}">
-                <a16:creationId xmlns:a16="http://schemas.microsoft.com/office/drawing/2014/main" id="{5E19641F-D8CA-D5B3-5EE0-63EEF7250503}"/>
+                <a16:creationId xmlns:a16="http://schemas.microsoft.com/office/drawing/2014/main" xmlns="" id="{5E19641F-D8CA-D5B3-5EE0-63EEF7250503}"/>
               </a:ext>
             </a:extLst>
           </p:cNvPr>
@@ -4163,8 +4529,8 @@
         </p:blipFill>
         <p:spPr>
           <a:xfrm>
-            <a:off x="302795" y="1486546"/>
-            <a:ext cx="5279858" cy="2421066"/>
+            <a:off x="302794" y="1813725"/>
+            <a:ext cx="5744811" cy="2634269"/>
           </a:xfrm>
           <a:prstGeom prst="rect">
             <a:avLst/>
@@ -4176,7 +4542,7 @@
           <p:cNvPr id="6" name="Picture 6" descr="Text&#10;&#10;Description automatically generated">
             <a:extLst>
               <a:ext uri="{FF2B5EF4-FFF2-40B4-BE49-F238E27FC236}">
-                <a16:creationId xmlns:a16="http://schemas.microsoft.com/office/drawing/2014/main" id="{5C0D62C2-6C02-1C16-54E7-78FCA02EA443}"/>
+                <a16:creationId xmlns:a16="http://schemas.microsoft.com/office/drawing/2014/main" xmlns="" id="{5C0D62C2-6C02-1C16-54E7-78FCA02EA443}"/>
               </a:ext>
             </a:extLst>
           </p:cNvPr>
@@ -4193,8 +4559,8 @@
         </p:blipFill>
         <p:spPr>
           <a:xfrm>
-            <a:off x="6499058" y="1486545"/>
-            <a:ext cx="5279857" cy="2421066"/>
+            <a:off x="6281754" y="1813724"/>
+            <a:ext cx="5744812" cy="2634270"/>
           </a:xfrm>
           <a:prstGeom prst="rect">
             <a:avLst/>
@@ -4206,7 +4572,7 @@
           <p:cNvPr id="7" name="TextBox 6">
             <a:extLst>
               <a:ext uri="{FF2B5EF4-FFF2-40B4-BE49-F238E27FC236}">
-                <a16:creationId xmlns:a16="http://schemas.microsoft.com/office/drawing/2014/main" id="{1C56FEAF-1A8C-2B3F-4B55-5DC5B91BB3D2}"/>
+                <a16:creationId xmlns:a16="http://schemas.microsoft.com/office/drawing/2014/main" xmlns="" id="{1C56FEAF-1A8C-2B3F-4B55-5DC5B91BB3D2}"/>
               </a:ext>
             </a:extLst>
           </p:cNvPr>
@@ -4215,8 +4581,8 @@
         </p:nvSpPr>
         <p:spPr>
           <a:xfrm>
-            <a:off x="1624262" y="4150894"/>
-            <a:ext cx="3037973" cy="369332"/>
+            <a:off x="1656212" y="4678400"/>
+            <a:ext cx="3037973" cy="400110"/>
           </a:xfrm>
           <a:prstGeom prst="rect">
             <a:avLst/>
@@ -4232,15 +4598,16 @@
           </a:bodyPr>
           <a:lstStyle/>
           <a:p>
-            <a:pPr algn="l"/>
-            <a:r>
-              <a:rPr lang="ko-KR" altLang="en-US" err="1"/>
-              <a:t>메인페이지입니다</a:t>
-            </a:r>
-            <a:r>
-              <a:rPr lang="ko-KR" altLang="en-US"/>
+            <a:pPr algn="ctr"/>
+            <a:r>
+              <a:rPr lang="ko-KR" altLang="en-US" sz="2000" dirty="0" err="1" smtClean="0"/>
+              <a:t>메인페이지</a:t>
+            </a:r>
+            <a:r>
+              <a:rPr lang="ko-KR" altLang="en-US" sz="2000" dirty="0" smtClean="0"/>
               <a:t>.</a:t>
             </a:r>
+            <a:endParaRPr lang="ko-KR" altLang="en-US" sz="2000" dirty="0"/>
           </a:p>
         </p:txBody>
       </p:sp>
@@ -4249,7 +4616,7 @@
           <p:cNvPr id="8" name="TextBox 7">
             <a:extLst>
               <a:ext uri="{FF2B5EF4-FFF2-40B4-BE49-F238E27FC236}">
-                <a16:creationId xmlns:a16="http://schemas.microsoft.com/office/drawing/2014/main" id="{F91F09F3-6F98-7D71-62CA-FB290CF9C173}"/>
+                <a16:creationId xmlns:a16="http://schemas.microsoft.com/office/drawing/2014/main" xmlns="" id="{F91F09F3-6F98-7D71-62CA-FB290CF9C173}"/>
               </a:ext>
             </a:extLst>
           </p:cNvPr>
@@ -4258,8 +4625,8 @@
         </p:nvSpPr>
         <p:spPr>
           <a:xfrm>
-            <a:off x="7990972" y="4120815"/>
-            <a:ext cx="3037973" cy="369332"/>
+            <a:off x="7635173" y="4678400"/>
+            <a:ext cx="3037973" cy="400110"/>
           </a:xfrm>
           <a:prstGeom prst="rect">
             <a:avLst/>
@@ -4275,15 +4642,12 @@
           </a:bodyPr>
           <a:lstStyle/>
           <a:p>
-            <a:pPr algn="l"/>
-            <a:r>
-              <a:rPr lang="ko-KR" altLang="en-US" err="1"/>
-              <a:t>개인페이지입니다</a:t>
-            </a:r>
-            <a:r>
-              <a:rPr lang="ko-KR" altLang="en-US"/>
-              <a:t>.</a:t>
-            </a:r>
+            <a:pPr algn="ctr"/>
+            <a:r>
+              <a:rPr lang="ko-KR" altLang="en-US" sz="2000" dirty="0" smtClean="0"/>
+              <a:t>개인페이지.</a:t>
+            </a:r>
+            <a:endParaRPr lang="ko-KR" altLang="en-US" sz="2000" dirty="0"/>
           </a:p>
         </p:txBody>
       </p:sp>
@@ -4297,6 +4661,13 @@
   <p:clrMapOvr>
     <a:masterClrMapping/>
   </p:clrMapOvr>
+  <p:timing>
+    <p:tnLst>
+      <p:par>
+        <p:cTn id="1" dur="indefinite" restart="never" nodeType="tmRoot"/>
+      </p:par>
+    </p:tnLst>
+  </p:timing>
 </p:sld>
 </file>
 
@@ -4322,7 +4693,7 @@
           <p:cNvPr id="4" name="Picture 4" descr="A picture containing text, electronics, screenshot, different&#10;&#10;Description automatically generated">
             <a:extLst>
               <a:ext uri="{FF2B5EF4-FFF2-40B4-BE49-F238E27FC236}">
-                <a16:creationId xmlns:a16="http://schemas.microsoft.com/office/drawing/2014/main" id="{44D7286F-3D3B-42B2-91E3-8984FA18896E}"/>
+                <a16:creationId xmlns:a16="http://schemas.microsoft.com/office/drawing/2014/main" xmlns="" id="{44D7286F-3D3B-42B2-91E3-8984FA18896E}"/>
               </a:ext>
             </a:extLst>
           </p:cNvPr>
@@ -4339,7 +4710,7 @@
         </p:blipFill>
         <p:spPr>
           <a:xfrm>
-            <a:off x="956734" y="788003"/>
+            <a:off x="956734" y="1130903"/>
             <a:ext cx="4742580" cy="4276225"/>
           </a:xfrm>
           <a:prstGeom prst="rect">
@@ -4352,7 +4723,7 @@
           <p:cNvPr id="5" name="Picture 5" descr="Graphical user interface, website&#10;&#10;Description automatically generated">
             <a:extLst>
               <a:ext uri="{FF2B5EF4-FFF2-40B4-BE49-F238E27FC236}">
-                <a16:creationId xmlns:a16="http://schemas.microsoft.com/office/drawing/2014/main" id="{15002A04-917F-EF24-8F4E-8DE5BB3FA508}"/>
+                <a16:creationId xmlns:a16="http://schemas.microsoft.com/office/drawing/2014/main" xmlns="" id="{15002A04-917F-EF24-8F4E-8DE5BB3FA508}"/>
               </a:ext>
             </a:extLst>
           </p:cNvPr>
@@ -4369,7 +4740,7 @@
         </p:blipFill>
         <p:spPr>
           <a:xfrm>
-            <a:off x="6723625" y="794038"/>
+            <a:off x="6723625" y="1136938"/>
             <a:ext cx="4377812" cy="4270309"/>
           </a:xfrm>
           <a:prstGeom prst="rect">
@@ -4379,10 +4750,10 @@
       </p:pic>
       <p:sp>
         <p:nvSpPr>
-          <p:cNvPr id="6" name="TextBox 5">
-            <a:extLst>
-              <a:ext uri="{FF2B5EF4-FFF2-40B4-BE49-F238E27FC236}">
-                <a16:creationId xmlns:a16="http://schemas.microsoft.com/office/drawing/2014/main" id="{215D623A-A389-06C0-DC14-9CF3CEE7312B}"/>
+          <p:cNvPr id="7" name="TextBox 6">
+            <a:extLst>
+              <a:ext uri="{FF2B5EF4-FFF2-40B4-BE49-F238E27FC236}">
+                <a16:creationId xmlns:a16="http://schemas.microsoft.com/office/drawing/2014/main" xmlns="" id="{F3A7D976-9EE4-0D22-F923-90DB6308DD79}"/>
               </a:ext>
             </a:extLst>
           </p:cNvPr>
@@ -4391,8 +4762,8 @@
         </p:nvSpPr>
         <p:spPr>
           <a:xfrm>
-            <a:off x="630902" y="188451"/>
-            <a:ext cx="2318774" cy="369332"/>
+            <a:off x="1971992" y="5635931"/>
+            <a:ext cx="2712064" cy="400110"/>
           </a:xfrm>
           <a:prstGeom prst="rect">
             <a:avLst/>
@@ -4408,19 +4779,29 @@
           </a:bodyPr>
           <a:lstStyle/>
           <a:p>
-            <a:r>
-              <a:rPr lang="ko-KR" altLang="en-US"/>
-              <a:t>실제 작성 결과</a:t>
-            </a:r>
-          </a:p>
-        </p:txBody>
-      </p:sp>
-      <p:sp>
-        <p:nvSpPr>
-          <p:cNvPr id="7" name="TextBox 6">
-            <a:extLst>
-              <a:ext uri="{FF2B5EF4-FFF2-40B4-BE49-F238E27FC236}">
-                <a16:creationId xmlns:a16="http://schemas.microsoft.com/office/drawing/2014/main" id="{F3A7D976-9EE4-0D22-F923-90DB6308DD79}"/>
+            <a:pPr algn="ctr"/>
+            <a:r>
+              <a:rPr lang="ko-KR" altLang="en-US" sz="2000" dirty="0"/>
+              <a:t>메인</a:t>
+            </a:r>
+            <a:r>
+              <a:rPr lang="en-US" altLang="ko-KR" sz="2000" dirty="0"/>
+              <a:t> </a:t>
+            </a:r>
+            <a:r>
+              <a:rPr lang="en-US" altLang="ko-KR" sz="2000" dirty="0" err="1" smtClean="0"/>
+              <a:t>페이지</a:t>
+            </a:r>
+            <a:endParaRPr lang="en-US" sz="2000" dirty="0"/>
+          </a:p>
+        </p:txBody>
+      </p:sp>
+      <p:sp>
+        <p:nvSpPr>
+          <p:cNvPr id="8" name="TextBox 7">
+            <a:extLst>
+              <a:ext uri="{FF2B5EF4-FFF2-40B4-BE49-F238E27FC236}">
+                <a16:creationId xmlns:a16="http://schemas.microsoft.com/office/drawing/2014/main" xmlns="" id="{DE5EFD92-1127-F347-F3D4-E86A94EFBCD2}"/>
               </a:ext>
             </a:extLst>
           </p:cNvPr>
@@ -4429,8 +4810,8 @@
         </p:nvSpPr>
         <p:spPr>
           <a:xfrm>
-            <a:off x="2343354" y="5293031"/>
-            <a:ext cx="2712064" cy="369332"/>
+            <a:off x="7816644" y="5635931"/>
+            <a:ext cx="2712064" cy="400110"/>
           </a:xfrm>
           <a:prstGeom prst="rect">
             <a:avLst/>
@@ -4446,32 +4827,29 @@
           </a:bodyPr>
           <a:lstStyle/>
           <a:p>
-            <a:r>
-              <a:rPr lang="ko-KR" altLang="en-US"/>
-              <a:t>메인</a:t>
-            </a:r>
-            <a:r>
-              <a:rPr lang="en-US" altLang="ko-KR"/>
+            <a:pPr algn="ctr"/>
+            <a:r>
+              <a:rPr lang="ko-KR" altLang="en-US" sz="2000" dirty="0"/>
+              <a:t>개인</a:t>
+            </a:r>
+            <a:r>
+              <a:rPr lang="en-US" altLang="ko-KR" sz="2000" dirty="0"/>
               <a:t> </a:t>
             </a:r>
             <a:r>
-              <a:rPr lang="en-US" altLang="ko-KR" err="1"/>
-              <a:t>페이지입니다</a:t>
-            </a:r>
-            <a:r>
-              <a:rPr lang="en-US" altLang="ko-KR"/>
-              <a:t>.</a:t>
-            </a:r>
-            <a:endParaRPr lang="en-US"/>
-          </a:p>
-        </p:txBody>
-      </p:sp>
-      <p:sp>
-        <p:nvSpPr>
-          <p:cNvPr id="8" name="TextBox 7">
-            <a:extLst>
-              <a:ext uri="{FF2B5EF4-FFF2-40B4-BE49-F238E27FC236}">
-                <a16:creationId xmlns:a16="http://schemas.microsoft.com/office/drawing/2014/main" id="{DE5EFD92-1127-F347-F3D4-E86A94EFBCD2}"/>
+              <a:rPr lang="en-US" altLang="ko-KR" sz="2000" dirty="0" err="1" smtClean="0"/>
+              <a:t>페이지</a:t>
+            </a:r>
+            <a:endParaRPr lang="en-US" sz="2000" dirty="0"/>
+          </a:p>
+        </p:txBody>
+      </p:sp>
+      <p:sp>
+        <p:nvSpPr>
+          <p:cNvPr id="9" name="TextBox 8">
+            <a:extLst>
+              <a:ext uri="{FF2B5EF4-FFF2-40B4-BE49-F238E27FC236}">
+                <a16:creationId xmlns:a16="http://schemas.microsoft.com/office/drawing/2014/main" xmlns="" id="{33654825-0954-BE0D-E887-CF73BE33EE64}"/>
               </a:ext>
             </a:extLst>
           </p:cNvPr>
@@ -4480,8 +4858,8 @@
         </p:nvSpPr>
         <p:spPr>
           <a:xfrm>
-            <a:off x="7816644" y="5293031"/>
-            <a:ext cx="2712064" cy="369332"/>
+            <a:off x="3326732" y="160422"/>
+            <a:ext cx="5550568" cy="830997"/>
           </a:xfrm>
           <a:prstGeom prst="rect">
             <a:avLst/>
@@ -4497,23 +4875,16 @@
           </a:bodyPr>
           <a:lstStyle/>
           <a:p>
-            <a:r>
-              <a:rPr lang="ko-KR" altLang="en-US"/>
-              <a:t>개인</a:t>
-            </a:r>
-            <a:r>
-              <a:rPr lang="en-US" altLang="ko-KR"/>
-              <a:t> </a:t>
-            </a:r>
-            <a:r>
-              <a:rPr lang="en-US" altLang="ko-KR" err="1"/>
-              <a:t>페이지입니다</a:t>
-            </a:r>
-            <a:r>
-              <a:rPr lang="en-US" altLang="ko-KR"/>
-              <a:t>.</a:t>
-            </a:r>
-            <a:endParaRPr lang="en-US"/>
+            <a:pPr algn="ctr"/>
+            <a:r>
+              <a:rPr lang="ko-KR" altLang="en-US" sz="4800" dirty="0" smtClean="0">
+                <a:latin typeface="Noto Sans KR"/>
+              </a:rPr>
+              <a:t>실제 구현 화면</a:t>
+            </a:r>
+            <a:endParaRPr lang="en-US" sz="4800" dirty="0">
+              <a:latin typeface="Noto Sans KR"/>
+            </a:endParaRPr>
           </a:p>
         </p:txBody>
       </p:sp>
@@ -4527,6 +4898,13 @@
   <p:clrMapOvr>
     <a:masterClrMapping/>
   </p:clrMapOvr>
+  <p:timing>
+    <p:tnLst>
+      <p:par>
+        <p:cTn id="1" dur="indefinite" restart="never" nodeType="tmRoot"/>
+      </p:par>
+    </p:tnLst>
+  </p:timing>
 </p:sld>
 </file>
 
@@ -4552,7 +4930,7 @@
           <p:cNvPr id="4" name="TextBox 3">
             <a:extLst>
               <a:ext uri="{FF2B5EF4-FFF2-40B4-BE49-F238E27FC236}">
-                <a16:creationId xmlns:a16="http://schemas.microsoft.com/office/drawing/2014/main" id="{B54FDB0C-7FBA-0B23-B2FC-57D0EDFE8FB8}"/>
+                <a16:creationId xmlns:a16="http://schemas.microsoft.com/office/drawing/2014/main" xmlns="" id="{B54FDB0C-7FBA-0B23-B2FC-57D0EDFE8FB8}"/>
               </a:ext>
             </a:extLst>
           </p:cNvPr>
@@ -4561,8 +4939,8 @@
         </p:nvSpPr>
         <p:spPr>
           <a:xfrm>
-            <a:off x="300789" y="330868"/>
-            <a:ext cx="10176710" cy="2031325"/>
+            <a:off x="319838" y="604586"/>
+            <a:ext cx="11453061" cy="5447645"/>
           </a:xfrm>
           <a:prstGeom prst="rect">
             <a:avLst/>
@@ -4578,1285 +4956,628 @@
           </a:bodyPr>
           <a:lstStyle/>
           <a:p>
-            <a:r>
-              <a:rPr lang="ko-KR" altLang="en-US"/>
+            <a:pPr algn="ctr"/>
+            <a:r>
+              <a:rPr lang="ko-KR" altLang="en-US" sz="4800" dirty="0"/>
               <a:t>기능</a:t>
             </a:r>
             <a:r>
-              <a:rPr lang="en-US" altLang="ko-KR"/>
+              <a:rPr lang="en-US" altLang="ko-KR" sz="4800" dirty="0"/>
               <a:t> </a:t>
             </a:r>
             <a:r>
-              <a:rPr lang="ko-KR" altLang="en-US"/>
+              <a:rPr lang="ko-KR" altLang="en-US" sz="4800" dirty="0"/>
               <a:t>및</a:t>
             </a:r>
             <a:r>
-              <a:rPr lang="en-US"/>
-              <a:t> API</a:t>
-            </a:r>
-          </a:p>
-          <a:p>
-            <a:r>
-              <a:rPr lang="en-US">
+              <a:rPr lang="en-US" sz="4800" dirty="0"/>
+              <a:t> </a:t>
+            </a:r>
+            <a:r>
+              <a:rPr lang="en-US" sz="4800" dirty="0" smtClean="0"/>
+              <a:t>API</a:t>
+            </a:r>
+          </a:p>
+          <a:p>
+            <a:pPr algn="ctr"/>
+            <a:endParaRPr lang="en-US" sz="4800" dirty="0"/>
+          </a:p>
+          <a:p>
+            <a:r>
+              <a:rPr lang="en-US" sz="2800" dirty="0">
                 <a:ea typeface="+mn-lt"/>
                 <a:cs typeface="+mn-lt"/>
               </a:rPr>
               <a:t>1.</a:t>
             </a:r>
             <a:r>
-              <a:rPr lang="en-US" altLang="ko-KR">
+              <a:rPr lang="en-US" altLang="ko-KR" sz="2800" dirty="0">
                 <a:ea typeface="+mn-lt"/>
                 <a:cs typeface="+mn-lt"/>
               </a:rPr>
               <a:t> </a:t>
             </a:r>
             <a:r>
-              <a:rPr lang="ko-KR" altLang="en-US">
+              <a:rPr lang="ko-KR" altLang="en-US" sz="2800" dirty="0">
                 <a:ea typeface="+mn-lt"/>
                 <a:cs typeface="+mn-lt"/>
               </a:rPr>
               <a:t>팀원</a:t>
             </a:r>
             <a:r>
-              <a:rPr lang="en-US" altLang="ko-KR">
+              <a:rPr lang="en-US" altLang="ko-KR" sz="2800" dirty="0">
                 <a:ea typeface="+mn-lt"/>
                 <a:cs typeface="+mn-lt"/>
               </a:rPr>
               <a:t> </a:t>
             </a:r>
             <a:r>
-              <a:rPr lang="ko-KR" altLang="en-US">
+              <a:rPr lang="ko-KR" altLang="en-US" sz="2800" dirty="0">
                 <a:ea typeface="+mn-lt"/>
                 <a:cs typeface="+mn-lt"/>
               </a:rPr>
               <a:t>사진</a:t>
             </a:r>
             <a:r>
-              <a:rPr lang="en-US" altLang="ko-KR">
+              <a:rPr lang="en-US" altLang="ko-KR" sz="2800" dirty="0">
                 <a:ea typeface="+mn-lt"/>
                 <a:cs typeface="+mn-lt"/>
               </a:rPr>
               <a:t> </a:t>
             </a:r>
             <a:r>
-              <a:rPr lang="ko-KR" altLang="en-US">
+              <a:rPr lang="ko-KR" altLang="en-US" sz="2800" dirty="0">
                 <a:ea typeface="+mn-lt"/>
                 <a:cs typeface="+mn-lt"/>
               </a:rPr>
               <a:t>밑에</a:t>
             </a:r>
             <a:r>
-              <a:rPr lang="en-US" altLang="ko-KR">
+              <a:rPr lang="en-US" altLang="ko-KR" sz="2800" dirty="0">
                 <a:ea typeface="+mn-lt"/>
                 <a:cs typeface="+mn-lt"/>
               </a:rPr>
               <a:t> </a:t>
             </a:r>
             <a:r>
-              <a:rPr lang="ko-KR" altLang="en-US">
+              <a:rPr lang="ko-KR" altLang="en-US" sz="2800" dirty="0">
                 <a:ea typeface="+mn-lt"/>
                 <a:cs typeface="+mn-lt"/>
               </a:rPr>
               <a:t>버튼을</a:t>
             </a:r>
             <a:r>
-              <a:rPr lang="en-US" altLang="ko-KR">
+              <a:rPr lang="en-US" altLang="ko-KR" sz="2800" dirty="0">
                 <a:ea typeface="+mn-lt"/>
                 <a:cs typeface="+mn-lt"/>
               </a:rPr>
               <a:t> </a:t>
             </a:r>
             <a:r>
-              <a:rPr lang="ko-KR" altLang="en-US">
+              <a:rPr lang="ko-KR" altLang="en-US" sz="2800" dirty="0">
                 <a:ea typeface="+mn-lt"/>
                 <a:cs typeface="+mn-lt"/>
               </a:rPr>
               <a:t>누르면</a:t>
             </a:r>
             <a:r>
-              <a:rPr lang="en-US" altLang="ko-KR">
+              <a:rPr lang="en-US" altLang="ko-KR" sz="2800" dirty="0">
                 <a:ea typeface="+mn-lt"/>
                 <a:cs typeface="+mn-lt"/>
               </a:rPr>
               <a:t> </a:t>
             </a:r>
             <a:r>
-              <a:rPr lang="ko-KR" altLang="en-US">
+              <a:rPr lang="ko-KR" altLang="en-US" sz="2800" dirty="0">
                 <a:ea typeface="+mn-lt"/>
                 <a:cs typeface="+mn-lt"/>
               </a:rPr>
               <a:t>각자</a:t>
             </a:r>
             <a:r>
-              <a:rPr lang="en-US" altLang="ko-KR">
+              <a:rPr lang="en-US" altLang="ko-KR" sz="2800" dirty="0">
                 <a:ea typeface="+mn-lt"/>
                 <a:cs typeface="+mn-lt"/>
               </a:rPr>
               <a:t> </a:t>
             </a:r>
             <a:r>
-              <a:rPr lang="ko-KR" altLang="en-US">
+              <a:rPr lang="ko-KR" altLang="en-US" sz="2800" dirty="0">
                 <a:ea typeface="+mn-lt"/>
                 <a:cs typeface="+mn-lt"/>
               </a:rPr>
               <a:t>만든</a:t>
             </a:r>
             <a:r>
-              <a:rPr lang="en-US" altLang="ko-KR">
+              <a:rPr lang="en-US" altLang="ko-KR" sz="2800" dirty="0">
                 <a:ea typeface="+mn-lt"/>
                 <a:cs typeface="+mn-lt"/>
               </a:rPr>
               <a:t> </a:t>
             </a:r>
             <a:r>
-              <a:rPr lang="ko-KR" altLang="en-US">
+              <a:rPr lang="ko-KR" altLang="en-US" sz="2800" dirty="0">
                 <a:ea typeface="+mn-lt"/>
                 <a:cs typeface="+mn-lt"/>
               </a:rPr>
               <a:t>자기소개</a:t>
             </a:r>
             <a:r>
-              <a:rPr lang="en-US" altLang="ko-KR">
+              <a:rPr lang="en-US" altLang="ko-KR" sz="2800" dirty="0">
                 <a:ea typeface="+mn-lt"/>
                 <a:cs typeface="+mn-lt"/>
               </a:rPr>
               <a:t> </a:t>
             </a:r>
             <a:r>
-              <a:rPr lang="ko-KR" altLang="en-US">
+              <a:rPr lang="ko-KR" altLang="en-US" sz="2800" dirty="0">
                 <a:ea typeface="+mn-lt"/>
                 <a:cs typeface="+mn-lt"/>
               </a:rPr>
               <a:t>페이지로</a:t>
             </a:r>
             <a:r>
-              <a:rPr lang="en-US" altLang="ko-KR">
+              <a:rPr lang="en-US" altLang="ko-KR" sz="2800" dirty="0">
                 <a:ea typeface="+mn-lt"/>
                 <a:cs typeface="+mn-lt"/>
               </a:rPr>
               <a:t> </a:t>
             </a:r>
             <a:r>
-              <a:rPr lang="ko-KR" altLang="en-US">
+              <a:rPr lang="ko-KR" altLang="en-US" sz="2800" dirty="0">
                 <a:ea typeface="+mn-lt"/>
                 <a:cs typeface="+mn-lt"/>
               </a:rPr>
               <a:t>넘어갑니다</a:t>
             </a:r>
             <a:r>
-              <a:rPr lang="en-US">
+              <a:rPr lang="en-US" sz="2800" dirty="0">
                 <a:ea typeface="+mn-lt"/>
                 <a:cs typeface="+mn-lt"/>
               </a:rPr>
               <a:t>.</a:t>
             </a:r>
-            <a:endParaRPr lang="en-US"/>
-          </a:p>
-          <a:p>
-            <a:r>
-              <a:rPr lang="en-US">
+            <a:endParaRPr lang="en-US" sz="2800" dirty="0"/>
+          </a:p>
+          <a:p>
+            <a:r>
+              <a:rPr lang="en-US" sz="2800" dirty="0">
                 <a:ea typeface="+mn-lt"/>
                 <a:cs typeface="+mn-lt"/>
               </a:rPr>
               <a:t>2.</a:t>
             </a:r>
             <a:r>
-              <a:rPr lang="en-US" altLang="ko-KR">
+              <a:rPr lang="en-US" altLang="ko-KR" sz="2800" dirty="0">
                 <a:ea typeface="+mn-lt"/>
                 <a:cs typeface="+mn-lt"/>
               </a:rPr>
               <a:t> </a:t>
             </a:r>
             <a:r>
-              <a:rPr lang="ko-KR" altLang="en-US">
+              <a:rPr lang="ko-KR" altLang="en-US" sz="2800" dirty="0" err="1" smtClean="0">
                 <a:ea typeface="+mn-lt"/>
                 <a:cs typeface="+mn-lt"/>
               </a:rPr>
-              <a:t>메세지를</a:t>
-            </a:r>
-            <a:r>
-              <a:rPr lang="en-US" altLang="ko-KR">
+              <a:t>방명</a:t>
+            </a:r>
+            <a:r>
+              <a:rPr lang="ko-KR" altLang="en-US" sz="2800" dirty="0" err="1">
                 <a:ea typeface="+mn-lt"/>
                 <a:cs typeface="+mn-lt"/>
               </a:rPr>
-              <a:t> </a:t>
-            </a:r>
-            <a:r>
-              <a:rPr lang="ko-KR" altLang="en-US">
+              <a:t>록</a:t>
+            </a:r>
+            <a:r>
+              <a:rPr lang="ko-KR" altLang="en-US" sz="2800" dirty="0" err="1" smtClean="0">
                 <a:ea typeface="+mn-lt"/>
                 <a:cs typeface="+mn-lt"/>
               </a:rPr>
-              <a:t>작성하면</a:t>
-            </a:r>
-            <a:r>
-              <a:rPr lang="en-US" altLang="ko-KR">
+              <a:t>를</a:t>
+            </a:r>
+            <a:r>
+              <a:rPr lang="en-US" altLang="ko-KR" sz="2800" dirty="0" smtClean="0">
                 <a:ea typeface="+mn-lt"/>
                 <a:cs typeface="+mn-lt"/>
               </a:rPr>
               <a:t> </a:t>
             </a:r>
             <a:r>
-              <a:rPr lang="ko-KR" altLang="en-US">
+              <a:rPr lang="ko-KR" altLang="en-US" sz="2800" dirty="0">
                 <a:ea typeface="+mn-lt"/>
                 <a:cs typeface="+mn-lt"/>
               </a:rPr>
-              <a:t>밑에</a:t>
-            </a:r>
-            <a:r>
-              <a:rPr lang="en-US" altLang="ko-KR">
+              <a:t>작성하면</a:t>
+            </a:r>
+            <a:r>
+              <a:rPr lang="en-US" altLang="ko-KR" sz="2800" dirty="0">
                 <a:ea typeface="+mn-lt"/>
                 <a:cs typeface="+mn-lt"/>
               </a:rPr>
               <a:t> </a:t>
             </a:r>
             <a:r>
-              <a:rPr lang="ko-KR" altLang="en-US">
+              <a:rPr lang="ko-KR" altLang="en-US" sz="2800" dirty="0">
                 <a:ea typeface="+mn-lt"/>
                 <a:cs typeface="+mn-lt"/>
               </a:rPr>
-              <a:t>쌓입니다</a:t>
-            </a:r>
-            <a:r>
-              <a:rPr lang="en-US">
+              <a:t>밑에</a:t>
+            </a:r>
+            <a:r>
+              <a:rPr lang="en-US" altLang="ko-KR" sz="2800" dirty="0">
                 <a:ea typeface="+mn-lt"/>
                 <a:cs typeface="+mn-lt"/>
               </a:rPr>
-              <a:t>. (DB</a:t>
-            </a:r>
-            <a:r>
-              <a:rPr lang="ko-KR" altLang="en-US">
+              <a:t> </a:t>
+            </a:r>
+            <a:r>
+              <a:rPr lang="ko-KR" altLang="en-US" sz="2800" dirty="0">
                 <a:ea typeface="+mn-lt"/>
                 <a:cs typeface="+mn-lt"/>
               </a:rPr>
-              <a:t>이용</a:t>
-            </a:r>
-            <a:r>
-              <a:rPr lang="en-US">
+              <a:t>쌓입니다</a:t>
+            </a:r>
+            <a:r>
+              <a:rPr lang="en-US" sz="2800" dirty="0" smtClean="0">
                 <a:ea typeface="+mn-lt"/>
                 <a:cs typeface="+mn-lt"/>
               </a:rPr>
-              <a:t>)</a:t>
-            </a:r>
-            <a:endParaRPr lang="en-US"/>
-          </a:p>
-          <a:p>
-            <a:r>
-              <a:rPr lang="en-US">
+              <a:t>.</a:t>
+            </a:r>
+          </a:p>
+          <a:p>
+            <a:r>
+              <a:rPr lang="en-US" sz="2800" dirty="0" smtClean="0">
                 <a:ea typeface="+mn-lt"/>
                 <a:cs typeface="+mn-lt"/>
               </a:rPr>
-              <a:t>3.</a:t>
-            </a:r>
-            <a:r>
-              <a:rPr lang="en-US" altLang="ko-KR">
+              <a:t>3</a:t>
+            </a:r>
+            <a:r>
+              <a:rPr lang="en-US" sz="2800" dirty="0">
                 <a:ea typeface="+mn-lt"/>
                 <a:cs typeface="+mn-lt"/>
               </a:rPr>
-              <a:t> </a:t>
-            </a:r>
-            <a:r>
-              <a:rPr lang="ko-KR" altLang="en-US">
+              <a:t>.</a:t>
+            </a:r>
+            <a:r>
+              <a:rPr lang="en-US" altLang="ko-KR" sz="2800" dirty="0">
                 <a:ea typeface="+mn-lt"/>
                 <a:cs typeface="+mn-lt"/>
               </a:rPr>
-              <a:t>각각의</a:t>
-            </a:r>
-            <a:r>
-              <a:rPr lang="en-US" altLang="ko-KR">
+              <a:t> </a:t>
+            </a:r>
+            <a:r>
+              <a:rPr lang="ko-KR" altLang="en-US" sz="2800" dirty="0">
                 <a:ea typeface="+mn-lt"/>
                 <a:cs typeface="+mn-lt"/>
               </a:rPr>
-              <a:t> </a:t>
-            </a:r>
-            <a:r>
-              <a:rPr lang="ko-KR" altLang="en-US">
+              <a:t>각각의</a:t>
+            </a:r>
+            <a:r>
+              <a:rPr lang="en-US" altLang="ko-KR" sz="2800" dirty="0">
                 <a:ea typeface="+mn-lt"/>
                 <a:cs typeface="+mn-lt"/>
               </a:rPr>
-              <a:t>메세지에</a:t>
-            </a:r>
-            <a:r>
-              <a:rPr lang="en-US" altLang="ko-KR">
+              <a:t> </a:t>
+            </a:r>
+            <a:r>
+              <a:rPr lang="ko-KR" altLang="en-US" sz="2800" dirty="0" smtClean="0">
                 <a:ea typeface="+mn-lt"/>
                 <a:cs typeface="+mn-lt"/>
               </a:rPr>
-              <a:t> </a:t>
-            </a:r>
-            <a:r>
-              <a:rPr lang="ko-KR" altLang="en-US">
+              <a:t>방명록</a:t>
+            </a:r>
+            <a:r>
+              <a:rPr lang="ko-KR" altLang="en-US" sz="2800" dirty="0" smtClean="0">
                 <a:ea typeface="+mn-lt"/>
                 <a:cs typeface="+mn-lt"/>
               </a:rPr>
-              <a:t>삭제</a:t>
-            </a:r>
-            <a:r>
-              <a:rPr lang="en-US" altLang="ko-KR">
+              <a:t>에</a:t>
+            </a:r>
+            <a:r>
+              <a:rPr lang="en-US" altLang="ko-KR" sz="2800" dirty="0" smtClean="0">
                 <a:ea typeface="+mn-lt"/>
                 <a:cs typeface="+mn-lt"/>
               </a:rPr>
               <a:t> </a:t>
             </a:r>
             <a:r>
-              <a:rPr lang="ko-KR" altLang="en-US">
+              <a:rPr lang="ko-KR" altLang="en-US" sz="2800" dirty="0" smtClean="0">
                 <a:ea typeface="+mn-lt"/>
                 <a:cs typeface="+mn-lt"/>
               </a:rPr>
-              <a:t>기능이</a:t>
-            </a:r>
-            <a:r>
-              <a:rPr lang="en-US" altLang="ko-KR">
+              <a:t>삭제</a:t>
+            </a:r>
+            <a:r>
+              <a:rPr lang="en-US" altLang="ko-KR" sz="2800" dirty="0" smtClean="0">
                 <a:ea typeface="+mn-lt"/>
                 <a:cs typeface="+mn-lt"/>
               </a:rPr>
-              <a:t> </a:t>
-            </a:r>
-            <a:r>
-              <a:rPr lang="ko-KR" altLang="en-US">
+              <a:t>, </a:t>
+            </a:r>
+            <a:r>
+              <a:rPr lang="ko-KR" altLang="en-US" sz="2800" dirty="0" smtClean="0">
                 <a:ea typeface="+mn-lt"/>
                 <a:cs typeface="+mn-lt"/>
               </a:rPr>
-              <a:t>있습니다</a:t>
-            </a:r>
-            <a:r>
-              <a:rPr lang="en-US">
+              <a:t>수정</a:t>
+            </a:r>
+            <a:r>
+              <a:rPr lang="en-US" altLang="ko-KR" sz="2800" dirty="0" smtClean="0">
                 <a:ea typeface="+mn-lt"/>
                 <a:cs typeface="+mn-lt"/>
               </a:rPr>
-              <a:t>.</a:t>
-            </a:r>
-            <a:endParaRPr lang="en-US"/>
-          </a:p>
-          <a:p>
-            <a:r>
-              <a:rPr lang="en-US">
+              <a:t> </a:t>
+            </a:r>
+            <a:r>
+              <a:rPr lang="ko-KR" altLang="en-US" sz="2800" dirty="0">
                 <a:ea typeface="+mn-lt"/>
                 <a:cs typeface="+mn-lt"/>
               </a:rPr>
-              <a:t>4.</a:t>
-            </a:r>
-            <a:r>
-              <a:rPr lang="en-US" altLang="ko-KR">
+              <a:t>기능이</a:t>
+            </a:r>
+            <a:r>
+              <a:rPr lang="en-US" altLang="ko-KR" sz="2800" dirty="0">
                 <a:ea typeface="+mn-lt"/>
                 <a:cs typeface="+mn-lt"/>
               </a:rPr>
               <a:t> </a:t>
             </a:r>
             <a:r>
-              <a:rPr lang="ko-KR" altLang="en-US">
+              <a:rPr lang="ko-KR" altLang="en-US" sz="2800" dirty="0">
                 <a:ea typeface="+mn-lt"/>
                 <a:cs typeface="+mn-lt"/>
               </a:rPr>
-              <a:t>자기소개페이지에서</a:t>
-            </a:r>
-            <a:r>
-              <a:rPr lang="en-US" altLang="ko-KR">
+              <a:t>있습니다</a:t>
+            </a:r>
+            <a:r>
+              <a:rPr lang="en-US" sz="2800" dirty="0" smtClean="0">
                 <a:ea typeface="+mn-lt"/>
                 <a:cs typeface="+mn-lt"/>
               </a:rPr>
-              <a:t> </a:t>
-            </a:r>
-            <a:r>
-              <a:rPr lang="ko-KR" altLang="en-US" err="1">
+              <a:t>. (</a:t>
+            </a:r>
+            <a:r>
+              <a:rPr lang="ko-KR" altLang="en-US" sz="2800" dirty="0" smtClean="0">
                 <a:ea typeface="+mn-lt"/>
                 <a:cs typeface="+mn-lt"/>
               </a:rPr>
-              <a:t>제목또는</a:t>
-            </a:r>
-            <a:r>
-              <a:rPr lang="en-US" altLang="ko-KR">
+              <a:t>일부는 </a:t>
+            </a:r>
+            <a:r>
+              <a:rPr lang="ko-KR" altLang="en-US" sz="2800" dirty="0" err="1" smtClean="0">
                 <a:ea typeface="+mn-lt"/>
                 <a:cs typeface="+mn-lt"/>
               </a:rPr>
-              <a:t> </a:t>
-            </a:r>
-            <a:r>
-              <a:rPr lang="ko-KR" altLang="en-US" err="1">
+              <a:t>댓글</a:t>
+            </a:r>
+            <a:r>
+              <a:rPr lang="ko-KR" altLang="en-US" sz="2800" dirty="0" smtClean="0">
                 <a:ea typeface="+mn-lt"/>
                 <a:cs typeface="+mn-lt"/>
               </a:rPr>
-              <a:t>메인이미지를</a:t>
-            </a:r>
-            <a:r>
-              <a:rPr lang="en-US" altLang="ko-KR">
+              <a:t> 기능 구현</a:t>
+            </a:r>
+            <a:r>
+              <a:rPr lang="en-US" altLang="ko-KR" sz="2800" dirty="0" smtClean="0">
                 <a:ea typeface="+mn-lt"/>
                 <a:cs typeface="+mn-lt"/>
               </a:rPr>
-              <a:t> </a:t>
-            </a:r>
-            <a:r>
-              <a:rPr lang="ko-KR" altLang="en-US">
+              <a:t>)</a:t>
+            </a:r>
+          </a:p>
+          <a:p>
+            <a:r>
+              <a:rPr lang="en-US" sz="2800" dirty="0" smtClean="0">
                 <a:ea typeface="+mn-lt"/>
                 <a:cs typeface="+mn-lt"/>
               </a:rPr>
-              <a:t>누르면</a:t>
-            </a:r>
-            <a:r>
-              <a:rPr lang="en-US" altLang="ko-KR">
+              <a:t>4. </a:t>
+            </a:r>
+            <a:r>
+              <a:rPr lang="ko-KR" altLang="en-US" sz="2800" dirty="0" err="1" smtClean="0">
                 <a:ea typeface="+mn-lt"/>
                 <a:cs typeface="+mn-lt"/>
               </a:rPr>
-              <a:t> </a:t>
-            </a:r>
-            <a:r>
-              <a:rPr lang="ko-KR" altLang="en-US">
+              <a:t>댓글을</a:t>
+            </a:r>
+            <a:r>
+              <a:rPr lang="ko-KR" altLang="en-US" sz="2800" dirty="0" smtClean="0">
                 <a:ea typeface="+mn-lt"/>
                 <a:cs typeface="+mn-lt"/>
               </a:rPr>
-              <a:t>원래</a:t>
-            </a:r>
-            <a:r>
-              <a:rPr lang="en-US" altLang="ko-KR">
+              <a:t> 쓰게 되면 방명록 하단에 최신 </a:t>
+            </a:r>
+            <a:r>
+              <a:rPr lang="ko-KR" altLang="en-US" sz="2800" dirty="0" err="1" smtClean="0">
                 <a:ea typeface="+mn-lt"/>
                 <a:cs typeface="+mn-lt"/>
               </a:rPr>
-              <a:t> </a:t>
-            </a:r>
-            <a:r>
-              <a:rPr lang="ko-KR" altLang="en-US">
+              <a:t>댓글이</a:t>
+            </a:r>
+            <a:r>
+              <a:rPr lang="ko-KR" altLang="en-US" sz="2800" dirty="0" smtClean="0">
                 <a:ea typeface="+mn-lt"/>
                 <a:cs typeface="+mn-lt"/>
               </a:rPr>
-              <a:t>있던</a:t>
-            </a:r>
-            <a:r>
-              <a:rPr lang="en-US" altLang="ko-KR">
+              <a:t> 밑으로 가도록 구현</a:t>
+            </a:r>
+            <a:endParaRPr lang="en-US" sz="2800" dirty="0"/>
+          </a:p>
+          <a:p>
+            <a:r>
+              <a:rPr lang="en-US" sz="2800" dirty="0">
                 <a:ea typeface="+mn-lt"/>
                 <a:cs typeface="+mn-lt"/>
               </a:rPr>
-              <a:t> </a:t>
-            </a:r>
-            <a:r>
-              <a:rPr lang="ko-KR" altLang="en-US">
+              <a:t>5</a:t>
+            </a:r>
+            <a:r>
+              <a:rPr lang="en-US" sz="2800" dirty="0" smtClean="0">
                 <a:ea typeface="+mn-lt"/>
                 <a:cs typeface="+mn-lt"/>
               </a:rPr>
-              <a:t>팀</a:t>
-            </a:r>
-            <a:r>
-              <a:rPr lang="en-US" altLang="ko-KR">
+              <a:t>.</a:t>
+            </a:r>
+            <a:r>
+              <a:rPr lang="en-US" altLang="ko-KR" sz="2800" dirty="0" smtClean="0">
                 <a:ea typeface="+mn-lt"/>
                 <a:cs typeface="+mn-lt"/>
               </a:rPr>
               <a:t> </a:t>
             </a:r>
             <a:r>
-              <a:rPr lang="ko-KR" altLang="en-US">
+              <a:rPr lang="ko-KR" altLang="en-US" sz="2800" dirty="0">
                 <a:ea typeface="+mn-lt"/>
                 <a:cs typeface="+mn-lt"/>
               </a:rPr>
-              <a:t>소개</a:t>
-            </a:r>
-            <a:r>
-              <a:rPr lang="en-US" altLang="ko-KR">
+              <a:t>자기소개페이지에서</a:t>
+            </a:r>
+            <a:r>
+              <a:rPr lang="en-US" altLang="ko-KR" sz="2800" dirty="0">
                 <a:ea typeface="+mn-lt"/>
                 <a:cs typeface="+mn-lt"/>
               </a:rPr>
               <a:t> </a:t>
             </a:r>
             <a:r>
-              <a:rPr lang="ko-KR" altLang="en-US">
+              <a:rPr lang="ko-KR" altLang="en-US" sz="2800" dirty="0" smtClean="0">
                 <a:ea typeface="+mn-lt"/>
                 <a:cs typeface="+mn-lt"/>
               </a:rPr>
-              <a:t>페이지로</a:t>
-            </a:r>
-            <a:r>
-              <a:rPr lang="en-US" altLang="ko-KR">
+              <a:t>제목  또는</a:t>
+            </a:r>
+            <a:r>
+              <a:rPr lang="en-US" altLang="ko-KR" sz="2800" dirty="0" smtClean="0">
                 <a:ea typeface="+mn-lt"/>
                 <a:cs typeface="+mn-lt"/>
               </a:rPr>
               <a:t> </a:t>
             </a:r>
             <a:r>
-              <a:rPr lang="ko-KR" altLang="en-US">
+              <a:rPr lang="ko-KR" altLang="en-US" sz="2800" dirty="0" smtClean="0">
                 <a:ea typeface="+mn-lt"/>
                 <a:cs typeface="+mn-lt"/>
               </a:rPr>
-              <a:t>넘어갑니다</a:t>
-            </a:r>
-            <a:r>
-              <a:rPr lang="en-US">
+              <a:t>메인 이미지를</a:t>
+            </a:r>
+            <a:r>
+              <a:rPr lang="en-US" altLang="ko-KR" sz="2800" dirty="0" smtClean="0">
                 <a:ea typeface="+mn-lt"/>
                 <a:cs typeface="+mn-lt"/>
               </a:rPr>
+              <a:t> </a:t>
+            </a:r>
+            <a:r>
+              <a:rPr lang="ko-KR" altLang="en-US" sz="2800" dirty="0">
+                <a:ea typeface="+mn-lt"/>
+                <a:cs typeface="+mn-lt"/>
+              </a:rPr>
+              <a:t>누르면</a:t>
+            </a:r>
+            <a:r>
+              <a:rPr lang="en-US" altLang="ko-KR" sz="2800" dirty="0">
+                <a:ea typeface="+mn-lt"/>
+                <a:cs typeface="+mn-lt"/>
+              </a:rPr>
+              <a:t> </a:t>
+            </a:r>
+            <a:r>
+              <a:rPr lang="ko-KR" altLang="en-US" sz="2800" dirty="0">
+                <a:ea typeface="+mn-lt"/>
+                <a:cs typeface="+mn-lt"/>
+              </a:rPr>
+              <a:t>원래</a:t>
+            </a:r>
+            <a:r>
+              <a:rPr lang="en-US" altLang="ko-KR" sz="2800" dirty="0">
+                <a:ea typeface="+mn-lt"/>
+                <a:cs typeface="+mn-lt"/>
+              </a:rPr>
+              <a:t> </a:t>
+            </a:r>
+            <a:r>
+              <a:rPr lang="ko-KR" altLang="en-US" sz="2800" dirty="0">
+                <a:ea typeface="+mn-lt"/>
+                <a:cs typeface="+mn-lt"/>
+              </a:rPr>
+              <a:t>있던</a:t>
+            </a:r>
+            <a:r>
+              <a:rPr lang="en-US" altLang="ko-KR" sz="2800" dirty="0">
+                <a:ea typeface="+mn-lt"/>
+                <a:cs typeface="+mn-lt"/>
+              </a:rPr>
+              <a:t> </a:t>
+            </a:r>
+            <a:r>
+              <a:rPr lang="ko-KR" altLang="en-US" sz="2800" dirty="0">
+                <a:ea typeface="+mn-lt"/>
+                <a:cs typeface="+mn-lt"/>
+              </a:rPr>
+              <a:t>팀</a:t>
+            </a:r>
+            <a:r>
+              <a:rPr lang="en-US" altLang="ko-KR" sz="2800" dirty="0">
+                <a:ea typeface="+mn-lt"/>
+                <a:cs typeface="+mn-lt"/>
+              </a:rPr>
+              <a:t> </a:t>
+            </a:r>
+            <a:r>
+              <a:rPr lang="ko-KR" altLang="en-US" sz="2800" dirty="0">
+                <a:ea typeface="+mn-lt"/>
+                <a:cs typeface="+mn-lt"/>
+              </a:rPr>
+              <a:t>소개</a:t>
+            </a:r>
+            <a:r>
+              <a:rPr lang="en-US" altLang="ko-KR" sz="2800" dirty="0">
+                <a:ea typeface="+mn-lt"/>
+                <a:cs typeface="+mn-lt"/>
+              </a:rPr>
+              <a:t> </a:t>
+            </a:r>
+            <a:r>
+              <a:rPr lang="ko-KR" altLang="en-US" sz="2800" dirty="0">
+                <a:ea typeface="+mn-lt"/>
+                <a:cs typeface="+mn-lt"/>
+              </a:rPr>
+              <a:t>페이지로</a:t>
+            </a:r>
+            <a:r>
+              <a:rPr lang="en-US" altLang="ko-KR" sz="2800" dirty="0">
+                <a:ea typeface="+mn-lt"/>
+                <a:cs typeface="+mn-lt"/>
+              </a:rPr>
+              <a:t> </a:t>
+            </a:r>
+            <a:r>
+              <a:rPr lang="ko-KR" altLang="en-US" sz="2800" dirty="0">
+                <a:ea typeface="+mn-lt"/>
+                <a:cs typeface="+mn-lt"/>
+              </a:rPr>
+              <a:t>넘어갑니다</a:t>
+            </a:r>
+            <a:r>
+              <a:rPr lang="en-US" sz="2800" dirty="0">
+                <a:ea typeface="+mn-lt"/>
+                <a:cs typeface="+mn-lt"/>
+              </a:rPr>
               <a:t>.</a:t>
             </a:r>
-            <a:endParaRPr lang="en-US"/>
-          </a:p>
-          <a:p>
-            <a:endParaRPr lang="en-US"/>
+            <a:endParaRPr lang="en-US" sz="2800" dirty="0"/>
+          </a:p>
+          <a:p>
+            <a:endParaRPr lang="en-US" sz="2800" dirty="0"/>
           </a:p>
           <a:p>
             <a:pPr algn="l"/>
-            <a:endParaRPr lang="en-US"/>
-          </a:p>
-        </p:txBody>
-      </p:sp>
-      <p:graphicFrame>
-        <p:nvGraphicFramePr>
-          <p:cNvPr id="5" name="Table 5">
-            <a:extLst>
-              <a:ext uri="{FF2B5EF4-FFF2-40B4-BE49-F238E27FC236}">
-                <a16:creationId xmlns:a16="http://schemas.microsoft.com/office/drawing/2014/main" id="{FC22722C-9A68-5D0D-4F6A-664A23379CDA}"/>
-              </a:ext>
-            </a:extLst>
-          </p:cNvPr>
-          <p:cNvGraphicFramePr>
-            <a:graphicFrameLocks noGrp="1"/>
-          </p:cNvGraphicFramePr>
-          <p:nvPr>
-            <p:extLst>
-              <p:ext uri="{D42A27DB-BD31-4B8C-83A1-F6EECF244321}">
-                <p14:modId xmlns:p14="http://schemas.microsoft.com/office/powerpoint/2010/main" val="1038964306"/>
-              </p:ext>
-            </p:extLst>
-          </p:nvPr>
-        </p:nvGraphicFramePr>
-        <p:xfrm>
-          <a:off x="397443" y="1975665"/>
-          <a:ext cx="11377177" cy="4117012"/>
-        </p:xfrm>
-        <a:graphic>
-          <a:graphicData uri="http://schemas.openxmlformats.org/drawingml/2006/table">
-            <a:tbl>
-              <a:tblPr firstRow="1" bandRow="1">
-                <a:tableStyleId>{5C22544A-7EE6-4342-B048-85BDC9FD1C3A}</a:tableStyleId>
-              </a:tblPr>
-              <a:tblGrid>
-                <a:gridCol w="1862666">
-                  <a:extLst>
-                    <a:ext uri="{9D8B030D-6E8A-4147-A177-3AD203B41FA5}">
-                      <a16:colId xmlns:a16="http://schemas.microsoft.com/office/drawing/2014/main" val="609826666"/>
-                    </a:ext>
-                  </a:extLst>
-                </a:gridCol>
-                <a:gridCol w="1143000">
-                  <a:extLst>
-                    <a:ext uri="{9D8B030D-6E8A-4147-A177-3AD203B41FA5}">
-                      <a16:colId xmlns:a16="http://schemas.microsoft.com/office/drawing/2014/main" val="926826381"/>
-                    </a:ext>
-                  </a:extLst>
-                </a:gridCol>
-                <a:gridCol w="3062111">
-                  <a:extLst>
-                    <a:ext uri="{9D8B030D-6E8A-4147-A177-3AD203B41FA5}">
-                      <a16:colId xmlns:a16="http://schemas.microsoft.com/office/drawing/2014/main" val="1990854293"/>
-                    </a:ext>
-                  </a:extLst>
-                </a:gridCol>
-                <a:gridCol w="2751666">
-                  <a:extLst>
-                    <a:ext uri="{9D8B030D-6E8A-4147-A177-3AD203B41FA5}">
-                      <a16:colId xmlns:a16="http://schemas.microsoft.com/office/drawing/2014/main" val="2721997769"/>
-                    </a:ext>
-                  </a:extLst>
-                </a:gridCol>
-                <a:gridCol w="2557734">
-                  <a:extLst>
-                    <a:ext uri="{9D8B030D-6E8A-4147-A177-3AD203B41FA5}">
-                      <a16:colId xmlns:a16="http://schemas.microsoft.com/office/drawing/2014/main" val="1517032735"/>
-                    </a:ext>
-                  </a:extLst>
-                </a:gridCol>
-              </a:tblGrid>
-              <a:tr h="732073">
-                <a:tc>
-                  <a:txBody>
-                    <a:bodyPr/>
-                    <a:lstStyle/>
-                    <a:p>
-                      <a:pPr algn="ctr"/>
-                      <a:r>
-                        <a:rPr lang="ko-KR" altLang="en-US"/>
-                        <a:t>기능</a:t>
-                      </a:r>
-                      <a:endParaRPr lang="en-US"/>
-                    </a:p>
-                  </a:txBody>
-                  <a:tcPr anchor="ctr"/>
-                </a:tc>
-                <a:tc>
-                  <a:txBody>
-                    <a:bodyPr/>
-                    <a:lstStyle/>
-                    <a:p>
-                      <a:pPr algn="ctr"/>
-                      <a:r>
-                        <a:rPr lang="en-US"/>
-                        <a:t>Method</a:t>
-                      </a:r>
-                    </a:p>
-                  </a:txBody>
-                  <a:tcPr anchor="ctr"/>
-                </a:tc>
-                <a:tc>
-                  <a:txBody>
-                    <a:bodyPr/>
-                    <a:lstStyle/>
-                    <a:p>
-                      <a:pPr algn="ctr"/>
-                      <a:r>
-                        <a:rPr lang="en-US"/>
-                        <a:t>URL</a:t>
-                      </a:r>
-                    </a:p>
-                  </a:txBody>
-                  <a:tcPr anchor="ctr"/>
-                </a:tc>
-                <a:tc>
-                  <a:txBody>
-                    <a:bodyPr/>
-                    <a:lstStyle/>
-                    <a:p>
-                      <a:pPr lvl="0" algn="ctr">
-                        <a:buNone/>
-                      </a:pPr>
-                      <a:r>
-                        <a:rPr lang="en-US" sz="1800" b="0" i="0" u="none" strike="noStrike" noProof="0">
-                          <a:latin typeface="Tw Cen MT"/>
-                        </a:rPr>
-                        <a:t>request</a:t>
-                      </a:r>
-                      <a:endParaRPr lang="en-US"/>
-                    </a:p>
-                  </a:txBody>
-                  <a:tcPr anchor="ctr"/>
-                </a:tc>
-                <a:tc>
-                  <a:txBody>
-                    <a:bodyPr/>
-                    <a:lstStyle/>
-                    <a:p>
-                      <a:pPr lvl="0" algn="ctr">
-                        <a:buNone/>
-                      </a:pPr>
-                      <a:r>
-                        <a:rPr lang="en-US" sz="1800" b="0" i="0" u="none" strike="noStrike" noProof="0">
-                          <a:latin typeface="Tw Cen MT"/>
-                        </a:rPr>
-                        <a:t>response</a:t>
-                      </a:r>
-                      <a:endParaRPr lang="en-US"/>
-                    </a:p>
-                  </a:txBody>
-                  <a:tcPr anchor="ctr"/>
-                </a:tc>
-                <a:extLst>
-                  <a:ext uri="{0D108BD9-81ED-4DB2-BD59-A6C34878D82A}">
-                    <a16:rowId xmlns:a16="http://schemas.microsoft.com/office/drawing/2014/main" val="2225592757"/>
-                  </a:ext>
-                </a:extLst>
-              </a:tr>
-              <a:tr h="732073">
-                <a:tc>
-                  <a:txBody>
-                    <a:bodyPr/>
-                    <a:lstStyle/>
-                    <a:p>
-                      <a:pPr lvl="0" algn="ctr">
-                        <a:buNone/>
-                      </a:pPr>
-                      <a:r>
-                        <a:rPr lang="ko-KR" altLang="en-US" sz="1800" b="0" i="0" u="none" strike="noStrike" noProof="0">
-                          <a:latin typeface="Tw Cen MT"/>
-                        </a:rPr>
-                        <a:t>메시지</a:t>
-                      </a:r>
-                      <a:r>
-                        <a:rPr lang="en-US" altLang="ko-KR" sz="1800" b="0" i="0" u="none" strike="noStrike" noProof="0">
-                          <a:latin typeface="Tw Cen MT"/>
-                        </a:rPr>
-                        <a:t> </a:t>
-                      </a:r>
-                      <a:r>
-                        <a:rPr lang="ko-KR" altLang="en-US" sz="1800" b="0" i="0" u="none" strike="noStrike" noProof="0">
-                          <a:latin typeface="Tw Cen MT"/>
-                        </a:rPr>
-                        <a:t>작성</a:t>
-                      </a:r>
-                      <a:endParaRPr lang="en-US"/>
-                    </a:p>
-                  </a:txBody>
-                  <a:tcPr anchor="ctr"/>
-                </a:tc>
-                <a:tc>
-                  <a:txBody>
-                    <a:bodyPr/>
-                    <a:lstStyle/>
-                    <a:p>
-                      <a:pPr lvl="0" algn="ctr">
-                        <a:buNone/>
-                      </a:pPr>
-                      <a:r>
-                        <a:rPr lang="en-US" sz="1800" b="0" i="0" u="none" strike="noStrike" noProof="0">
-                          <a:latin typeface="Tw Cen MT"/>
-                        </a:rPr>
-                        <a:t>POST</a:t>
-                      </a:r>
-                      <a:endParaRPr lang="en-US"/>
-                    </a:p>
-                  </a:txBody>
-                  <a:tcPr anchor="ctr"/>
-                </a:tc>
-                <a:tc>
-                  <a:txBody>
-                    <a:bodyPr/>
-                    <a:lstStyle/>
-                    <a:p>
-                      <a:pPr lvl="0" algn="ctr">
-                        <a:buNone/>
-                      </a:pPr>
-                      <a:r>
-                        <a:rPr lang="en-US" sz="1800" b="0" i="0" u="none" strike="noStrike" noProof="0">
-                          <a:latin typeface="Tw Cen MT"/>
-                        </a:rPr>
-                        <a:t>/</a:t>
-                      </a:r>
-                      <a:r>
-                        <a:rPr lang="en-US" sz="1800" b="0" i="0" u="none" strike="noStrike" noProof="0" err="1">
-                          <a:latin typeface="Tw Cen MT"/>
-                        </a:rPr>
-                        <a:t>fourglass</a:t>
-                      </a:r>
-                      <a:r>
-                        <a:rPr lang="en-US" sz="1800" b="0" i="0" u="none" strike="noStrike" noProof="0">
-                          <a:latin typeface="Tw Cen MT"/>
-                        </a:rPr>
-                        <a:t>/teamⓝ_</a:t>
-                      </a:r>
-                      <a:r>
-                        <a:rPr lang="en-US" sz="1800" b="0" i="0" u="none" strike="noStrike" noProof="0" err="1">
-                          <a:latin typeface="Tw Cen MT"/>
-                        </a:rPr>
-                        <a:t>add_cmt</a:t>
-                      </a:r>
-                      <a:endParaRPr lang="en-US" err="1"/>
-                    </a:p>
-                  </a:txBody>
-                  <a:tcPr anchor="ctr"/>
-                </a:tc>
-                <a:tc>
-                  <a:txBody>
-                    <a:bodyPr/>
-                    <a:lstStyle/>
-                    <a:p>
-                      <a:pPr lvl="0" algn="ctr">
-                        <a:buNone/>
-                      </a:pPr>
-                      <a:r>
-                        <a:rPr lang="en-US" sz="1800" b="0" i="0" u="none" strike="noStrike" noProof="0">
-                          <a:latin typeface="Tw Cen MT"/>
-                        </a:rPr>
-                        <a:t>{'idx': id_receive, 'name': name_receive, 'comment': comment_receive, 'pass': pass_receive}</a:t>
-                      </a:r>
-                      <a:endParaRPr lang="en-US"/>
-                    </a:p>
-                  </a:txBody>
-                  <a:tcPr anchor="ctr"/>
-                </a:tc>
-                <a:tc>
-                  <a:txBody>
-                    <a:bodyPr/>
-                    <a:lstStyle/>
-                    <a:p>
-                      <a:pPr lvl="0" algn="ctr">
-                        <a:buNone/>
-                      </a:pPr>
-                      <a:r>
-                        <a:rPr lang="ko-KR" altLang="en-US" sz="1800" b="0" i="0" u="none" strike="noStrike" noProof="0">
-                          <a:latin typeface="Tw Cen MT"/>
-                        </a:rPr>
-                        <a:t>성공</a:t>
-                      </a:r>
-                      <a:r>
-                        <a:rPr lang="en-US" altLang="ko-KR" sz="1800" b="0" i="0" u="none" strike="noStrike" noProof="0">
-                          <a:latin typeface="Tw Cen MT"/>
-                        </a:rPr>
-                        <a:t> </a:t>
-                      </a:r>
-                      <a:r>
-                        <a:rPr lang="ko-KR" altLang="en-US" sz="1800" b="0" i="0" u="none" strike="noStrike" noProof="0">
-                          <a:latin typeface="Tw Cen MT"/>
-                        </a:rPr>
-                        <a:t>여부</a:t>
-                      </a:r>
-                      <a:r>
-                        <a:rPr lang="en-US" altLang="ko-KR" sz="1800" b="0" i="0" u="none" strike="noStrike" noProof="0">
-                          <a:latin typeface="Tw Cen MT"/>
-                        </a:rPr>
-                        <a:t> </a:t>
-                      </a:r>
-                      <a:r>
-                        <a:rPr lang="ko-KR" altLang="en-US" sz="1800" b="0" i="0" u="none" strike="noStrike" noProof="0">
-                          <a:latin typeface="Tw Cen MT"/>
-                        </a:rPr>
-                        <a:t>메세지</a:t>
-                      </a:r>
-                      <a:endParaRPr lang="en-US"/>
-                    </a:p>
-                  </a:txBody>
-                  <a:tcPr anchor="ctr"/>
-                </a:tc>
-                <a:extLst>
-                  <a:ext uri="{0D108BD9-81ED-4DB2-BD59-A6C34878D82A}">
-                    <a16:rowId xmlns:a16="http://schemas.microsoft.com/office/drawing/2014/main" val="2749350294"/>
-                  </a:ext>
-                </a:extLst>
-              </a:tr>
-              <a:tr h="732073">
-                <a:tc>
-                  <a:txBody>
-                    <a:bodyPr/>
-                    <a:lstStyle/>
-                    <a:p>
-                      <a:pPr lvl="0" algn="ctr">
-                        <a:buNone/>
-                      </a:pPr>
-                      <a:r>
-                        <a:rPr lang="ko-KR" altLang="en-US" sz="1800" b="0" i="0" u="none" strike="noStrike" noProof="0" err="1">
-                          <a:latin typeface="Tw Cen MT"/>
-                        </a:rPr>
-                        <a:t>메세지</a:t>
-                      </a:r>
-                      <a:r>
-                        <a:rPr lang="en-US" altLang="ko-KR" sz="1800" b="0" i="0" u="none" strike="noStrike" noProof="0">
-                          <a:latin typeface="Tw Cen MT"/>
-                        </a:rPr>
-                        <a:t> </a:t>
-                      </a:r>
-                      <a:r>
-                        <a:rPr lang="ko-KR" altLang="en-US" sz="1800" b="0" i="0" u="none" strike="noStrike" noProof="0">
-                          <a:latin typeface="Tw Cen MT"/>
-                        </a:rPr>
-                        <a:t>불러오기</a:t>
-                      </a:r>
-                      <a:endParaRPr lang="en-US"/>
-                    </a:p>
-                  </a:txBody>
-                  <a:tcPr anchor="ctr"/>
-                </a:tc>
-                <a:tc>
-                  <a:txBody>
-                    <a:bodyPr/>
-                    <a:lstStyle/>
-                    <a:p>
-                      <a:pPr lvl="0" algn="ctr">
-                        <a:buNone/>
-                      </a:pPr>
-                      <a:r>
-                        <a:rPr lang="en-US" sz="1800" b="0" i="0" u="none" strike="noStrike" noProof="0">
-                          <a:latin typeface="Tw Cen MT"/>
-                        </a:rPr>
-                        <a:t>GET</a:t>
-                      </a:r>
-                      <a:endParaRPr lang="en-US"/>
-                    </a:p>
-                  </a:txBody>
-                  <a:tcPr anchor="ctr"/>
-                </a:tc>
-                <a:tc>
-                  <a:txBody>
-                    <a:bodyPr/>
-                    <a:lstStyle/>
-                    <a:p>
-                      <a:pPr lvl="0" algn="ctr">
-                        <a:buNone/>
-                      </a:pPr>
-                      <a:r>
-                        <a:rPr lang="en-US" sz="1800" b="0" i="0" u="none" strike="noStrike" noProof="0">
-                          <a:latin typeface="Tw Cen MT"/>
-                        </a:rPr>
-                        <a:t>/fourglass/teamⓝ_get_cmt</a:t>
-                      </a:r>
-                      <a:endParaRPr lang="en-US"/>
-                    </a:p>
-                  </a:txBody>
-                  <a:tcPr anchor="ctr"/>
-                </a:tc>
-                <a:tc>
-                  <a:txBody>
-                    <a:bodyPr/>
-                    <a:lstStyle/>
-                    <a:p>
-                      <a:pPr lvl="0" algn="ctr">
-                        <a:buNone/>
-                      </a:pPr>
-                      <a:r>
-                        <a:rPr lang="en-US" sz="1800" b="0" i="0" u="none" strike="noStrike" noProof="0">
-                          <a:latin typeface="Tw Cen MT"/>
-                        </a:rPr>
-                        <a:t>X</a:t>
-                      </a:r>
-                      <a:endParaRPr lang="en-US"/>
-                    </a:p>
-                  </a:txBody>
-                  <a:tcPr anchor="ctr"/>
-                </a:tc>
-                <a:tc>
-                  <a:txBody>
-                    <a:bodyPr/>
-                    <a:lstStyle/>
-                    <a:p>
-                      <a:pPr lvl="0" algn="ctr">
-                        <a:buNone/>
-                      </a:pPr>
-                      <a:r>
-                        <a:rPr lang="ko-KR" altLang="en-US" sz="1800" b="0" i="0" u="none" strike="noStrike" noProof="0">
-                          <a:latin typeface="Tw Cen MT"/>
-                        </a:rPr>
-                        <a:t>작성한</a:t>
-                      </a:r>
-                      <a:r>
-                        <a:rPr lang="en-US" altLang="ko-KR" sz="1800" b="0" i="0" u="none" strike="noStrike" noProof="0">
-                          <a:latin typeface="Tw Cen MT"/>
-                        </a:rPr>
-                        <a:t> </a:t>
-                      </a:r>
-                      <a:r>
-                        <a:rPr lang="ko-KR" altLang="en-US" sz="1800" b="0" i="0" u="none" strike="noStrike" noProof="0">
-                          <a:latin typeface="Tw Cen MT"/>
-                        </a:rPr>
-                        <a:t>메세지</a:t>
-                      </a:r>
-                      <a:r>
-                        <a:rPr lang="en-US" altLang="ko-KR" sz="1800" b="0" i="0" u="none" strike="noStrike" noProof="0">
-                          <a:latin typeface="Tw Cen MT"/>
-                        </a:rPr>
-                        <a:t> </a:t>
-                      </a:r>
-                      <a:r>
-                        <a:rPr lang="ko-KR" altLang="en-US" sz="1800" b="0" i="0" u="none" strike="noStrike" noProof="0">
-                          <a:latin typeface="Tw Cen MT"/>
-                        </a:rPr>
-                        <a:t>목록</a:t>
-                      </a:r>
-                      <a:endParaRPr lang="en-US"/>
-                    </a:p>
-                  </a:txBody>
-                  <a:tcPr anchor="ctr"/>
-                </a:tc>
-                <a:extLst>
-                  <a:ext uri="{0D108BD9-81ED-4DB2-BD59-A6C34878D82A}">
-                    <a16:rowId xmlns:a16="http://schemas.microsoft.com/office/drawing/2014/main" val="3229486975"/>
-                  </a:ext>
-                </a:extLst>
-              </a:tr>
-              <a:tr h="732073">
-                <a:tc>
-                  <a:txBody>
-                    <a:bodyPr/>
-                    <a:lstStyle/>
-                    <a:p>
-                      <a:pPr lvl="0" algn="ctr">
-                        <a:buNone/>
-                      </a:pPr>
-                      <a:r>
-                        <a:rPr lang="ko-KR" altLang="en-US" sz="1800" b="0" i="0" u="none" strike="noStrike" noProof="0" err="1">
-                          <a:latin typeface="Tw Cen MT"/>
-                        </a:rPr>
-                        <a:t>메세지</a:t>
-                      </a:r>
-                      <a:r>
-                        <a:rPr lang="en-US" altLang="ko-KR" sz="1800" b="0" i="0" u="none" strike="noStrike" noProof="0">
-                          <a:latin typeface="Tw Cen MT"/>
-                        </a:rPr>
-                        <a:t> </a:t>
-                      </a:r>
-                      <a:r>
-                        <a:rPr lang="ko-KR" altLang="en-US" sz="1800" b="0" i="0" u="none" strike="noStrike" noProof="0">
-                          <a:latin typeface="Tw Cen MT"/>
-                        </a:rPr>
-                        <a:t>찾기</a:t>
-                      </a:r>
-                      <a:endParaRPr lang="en-US"/>
-                    </a:p>
-                  </a:txBody>
-                  <a:tcPr anchor="ctr"/>
-                </a:tc>
-                <a:tc>
-                  <a:txBody>
-                    <a:bodyPr/>
-                    <a:lstStyle/>
-                    <a:p>
-                      <a:pPr lvl="0" algn="ctr">
-                        <a:buNone/>
-                      </a:pPr>
-                      <a:r>
-                        <a:rPr lang="en-US" sz="1800" b="0" i="0" u="none" strike="noStrike" noProof="0">
-                          <a:latin typeface="Tw Cen MT"/>
-                        </a:rPr>
-                        <a:t>POST</a:t>
-                      </a:r>
-                      <a:endParaRPr lang="en-US"/>
-                    </a:p>
-                  </a:txBody>
-                  <a:tcPr anchor="ctr"/>
-                </a:tc>
-                <a:tc>
-                  <a:txBody>
-                    <a:bodyPr/>
-                    <a:lstStyle/>
-                    <a:p>
-                      <a:pPr lvl="0" algn="ctr">
-                        <a:buNone/>
-                      </a:pPr>
-                      <a:r>
-                        <a:rPr lang="en-US" sz="1800" b="0" i="0" u="none" strike="noStrike" noProof="0">
-                          <a:latin typeface="Tw Cen MT"/>
-                        </a:rPr>
-                        <a:t>/fourglass/teamⓝfind_cmt</a:t>
-                      </a:r>
-                      <a:endParaRPr lang="en-US"/>
-                    </a:p>
-                  </a:txBody>
-                  <a:tcPr anchor="ctr"/>
-                </a:tc>
-                <a:tc>
-                  <a:txBody>
-                    <a:bodyPr/>
-                    <a:lstStyle/>
-                    <a:p>
-                      <a:pPr lvl="0" algn="ctr">
-                        <a:buNone/>
-                      </a:pPr>
-                      <a:r>
-                        <a:rPr lang="en-US" sz="1800" b="0" i="0" u="none" strike="noStrike" noProof="0">
-                          <a:latin typeface="Tw Cen MT"/>
-                        </a:rPr>
-                        <a:t>{'idx': id_receive} </a:t>
-                      </a:r>
-                      <a:endParaRPr lang="en-US"/>
-                    </a:p>
-                  </a:txBody>
-                  <a:tcPr anchor="ctr"/>
-                </a:tc>
-                <a:tc>
-                  <a:txBody>
-                    <a:bodyPr/>
-                    <a:lstStyle/>
-                    <a:p>
-                      <a:pPr lvl="0" algn="ctr">
-                        <a:buNone/>
-                      </a:pPr>
-                      <a:r>
-                        <a:rPr lang="en-US" sz="1800" b="0" i="0" u="none" strike="noStrike" noProof="0">
-                          <a:latin typeface="Tw Cen MT"/>
-                        </a:rPr>
-                        <a:t>idx</a:t>
-                      </a:r>
-                      <a:r>
-                        <a:rPr lang="ko-KR" altLang="en-US" sz="1800" b="0" i="0" u="none" strike="noStrike" noProof="0">
-                          <a:latin typeface="Tw Cen MT"/>
-                        </a:rPr>
-                        <a:t>에</a:t>
-                      </a:r>
-                      <a:r>
-                        <a:rPr lang="en-US" altLang="ko-KR" sz="1800" b="0" i="0" u="none" strike="noStrike" noProof="0">
-                          <a:latin typeface="Tw Cen MT"/>
-                        </a:rPr>
-                        <a:t> </a:t>
-                      </a:r>
-                      <a:r>
-                        <a:rPr lang="ko-KR" altLang="en-US" sz="1800" b="0" i="0" u="none" strike="noStrike" noProof="0">
-                          <a:latin typeface="Tw Cen MT"/>
-                        </a:rPr>
-                        <a:t>맞는</a:t>
-                      </a:r>
-                      <a:r>
-                        <a:rPr lang="en-US" altLang="ko-KR" sz="1800" b="0" i="0" u="none" strike="noStrike" noProof="0">
-                          <a:latin typeface="Tw Cen MT"/>
-                        </a:rPr>
-                        <a:t> </a:t>
-                      </a:r>
-                      <a:r>
-                        <a:rPr lang="ko-KR" altLang="en-US" sz="1800" b="0" i="0" u="none" strike="noStrike" noProof="0">
-                          <a:latin typeface="Tw Cen MT"/>
-                        </a:rPr>
-                        <a:t>메세지</a:t>
-                      </a:r>
-                      <a:r>
-                        <a:rPr lang="en-US" altLang="ko-KR" sz="1800" b="0" i="0" u="none" strike="noStrike" noProof="0">
-                          <a:latin typeface="Tw Cen MT"/>
-                        </a:rPr>
-                        <a:t> </a:t>
-                      </a:r>
-                      <a:r>
-                        <a:rPr lang="ko-KR" altLang="en-US" sz="1800" b="0" i="0" u="none" strike="noStrike" noProof="0">
-                          <a:latin typeface="Tw Cen MT"/>
-                        </a:rPr>
-                        <a:t>한개</a:t>
-                      </a:r>
-                      <a:endParaRPr lang="en-US"/>
-                    </a:p>
-                  </a:txBody>
-                  <a:tcPr anchor="ctr"/>
-                </a:tc>
-                <a:extLst>
-                  <a:ext uri="{0D108BD9-81ED-4DB2-BD59-A6C34878D82A}">
-                    <a16:rowId xmlns:a16="http://schemas.microsoft.com/office/drawing/2014/main" val="294714867"/>
-                  </a:ext>
-                </a:extLst>
-              </a:tr>
-              <a:tr h="732073">
-                <a:tc>
-                  <a:txBody>
-                    <a:bodyPr/>
-                    <a:lstStyle/>
-                    <a:p>
-                      <a:pPr lvl="0" algn="ctr">
-                        <a:buNone/>
-                      </a:pPr>
-                      <a:r>
-                        <a:rPr lang="ko-KR" altLang="en-US" sz="1800" b="0" i="0" u="none" strike="noStrike" noProof="0" err="1">
-                          <a:latin typeface="Tw Cen MT"/>
-                        </a:rPr>
-                        <a:t>메세지</a:t>
-                      </a:r>
-                      <a:r>
-                        <a:rPr lang="en-US" altLang="ko-KR" sz="1800" b="0" i="0" u="none" strike="noStrike" noProof="0">
-                          <a:latin typeface="Tw Cen MT"/>
-                        </a:rPr>
-                        <a:t> </a:t>
-                      </a:r>
-                      <a:r>
-                        <a:rPr lang="ko-KR" altLang="en-US" sz="1800" b="0" i="0" u="none" strike="noStrike" noProof="0">
-                          <a:latin typeface="Tw Cen MT"/>
-                        </a:rPr>
-                        <a:t>지우기</a:t>
-                      </a:r>
-                      <a:endParaRPr lang="en-US"/>
-                    </a:p>
-                  </a:txBody>
-                  <a:tcPr anchor="ctr"/>
-                </a:tc>
-                <a:tc>
-                  <a:txBody>
-                    <a:bodyPr/>
-                    <a:lstStyle/>
-                    <a:p>
-                      <a:pPr lvl="0" algn="ctr">
-                        <a:buNone/>
-                      </a:pPr>
-                      <a:r>
-                        <a:rPr lang="en-US" sz="1800" b="0" i="0" u="none" strike="noStrike" noProof="0">
-                          <a:latin typeface="Tw Cen MT"/>
-                        </a:rPr>
-                        <a:t>POST</a:t>
-                      </a:r>
-                      <a:endParaRPr lang="en-US"/>
-                    </a:p>
-                  </a:txBody>
-                  <a:tcPr anchor="ctr"/>
-                </a:tc>
-                <a:tc>
-                  <a:txBody>
-                    <a:bodyPr/>
-                    <a:lstStyle/>
-                    <a:p>
-                      <a:pPr lvl="0" algn="ctr">
-                        <a:buNone/>
-                      </a:pPr>
-                      <a:r>
-                        <a:rPr lang="en-US" sz="1800" b="0" i="0" u="none" strike="noStrike" noProof="0">
-                          <a:latin typeface="Tw Cen MT"/>
-                        </a:rPr>
-                        <a:t> /fourglass/teamⓝdel_cmt</a:t>
-                      </a:r>
-                      <a:endParaRPr lang="en-US"/>
-                    </a:p>
-                  </a:txBody>
-                  <a:tcPr anchor="ctr"/>
-                </a:tc>
-                <a:tc>
-                  <a:txBody>
-                    <a:bodyPr/>
-                    <a:lstStyle/>
-                    <a:p>
-                      <a:pPr lvl="0" algn="ctr">
-                        <a:buNone/>
-                      </a:pPr>
-                      <a:r>
-                        <a:rPr lang="en-US" sz="1800" b="0" i="0" u="none" strike="noStrike" noProof="0">
-                          <a:latin typeface="Tw Cen MT"/>
-                        </a:rPr>
-                        <a:t>{'idx': id_receive}</a:t>
-                      </a:r>
-                      <a:endParaRPr lang="en-US"/>
-                    </a:p>
-                  </a:txBody>
-                  <a:tcPr anchor="ctr"/>
-                </a:tc>
-                <a:tc>
-                  <a:txBody>
-                    <a:bodyPr/>
-                    <a:lstStyle/>
-                    <a:p>
-                      <a:pPr lvl="0" algn="ctr">
-                        <a:buNone/>
-                      </a:pPr>
-                      <a:r>
-                        <a:rPr lang="en-US" sz="1800" b="0" i="0" u="none" strike="noStrike" noProof="0">
-                          <a:latin typeface="Tw Cen MT"/>
-                        </a:rPr>
-                        <a:t>idx</a:t>
-                      </a:r>
-                      <a:r>
-                        <a:rPr lang="ko-KR" altLang="en-US" sz="1800" b="0" i="0" u="none" strike="noStrike" noProof="0">
-                          <a:latin typeface="Tw Cen MT"/>
-                        </a:rPr>
-                        <a:t>에</a:t>
-                      </a:r>
-                      <a:r>
-                        <a:rPr lang="en-US" altLang="ko-KR" sz="1800" b="0" i="0" u="none" strike="noStrike" noProof="0">
-                          <a:latin typeface="Tw Cen MT"/>
-                        </a:rPr>
-                        <a:t> </a:t>
-                      </a:r>
-                      <a:r>
-                        <a:rPr lang="ko-KR" altLang="en-US" sz="1800" b="0" i="0" u="none" strike="noStrike" noProof="0">
-                          <a:latin typeface="Tw Cen MT"/>
-                        </a:rPr>
-                        <a:t>맞는</a:t>
-                      </a:r>
-                      <a:r>
-                        <a:rPr lang="en-US" altLang="ko-KR" sz="1800" b="0" i="0" u="none" strike="noStrike" noProof="0">
-                          <a:latin typeface="Tw Cen MT"/>
-                        </a:rPr>
-                        <a:t> </a:t>
-                      </a:r>
-                      <a:r>
-                        <a:rPr lang="ko-KR" altLang="en-US" sz="1800" b="0" i="0" u="none" strike="noStrike" noProof="0">
-                          <a:latin typeface="Tw Cen MT"/>
-                        </a:rPr>
-                        <a:t>메세지</a:t>
-                      </a:r>
-                      <a:r>
-                        <a:rPr lang="en-US" altLang="ko-KR" sz="1800" b="0" i="0" u="none" strike="noStrike" noProof="0">
-                          <a:latin typeface="Tw Cen MT"/>
-                        </a:rPr>
-                        <a:t> </a:t>
-                      </a:r>
-                      <a:r>
-                        <a:rPr lang="ko-KR" altLang="en-US" sz="1800" b="0" i="0" u="none" strike="noStrike" noProof="0">
-                          <a:latin typeface="Tw Cen MT"/>
-                        </a:rPr>
-                        <a:t>지우기</a:t>
-                      </a:r>
-                      <a:endParaRPr lang="en-US"/>
-                    </a:p>
-                  </a:txBody>
-                  <a:tcPr anchor="ctr"/>
-                </a:tc>
-                <a:extLst>
-                  <a:ext uri="{0D108BD9-81ED-4DB2-BD59-A6C34878D82A}">
-                    <a16:rowId xmlns:a16="http://schemas.microsoft.com/office/drawing/2014/main" val="4138380665"/>
-                  </a:ext>
-                </a:extLst>
-              </a:tr>
-            </a:tbl>
-          </a:graphicData>
-        </a:graphic>
-      </p:graphicFrame>
+            <a:endParaRPr lang="en-US" sz="2800" dirty="0"/>
+          </a:p>
+        </p:txBody>
+      </p:sp>
     </p:spTree>
     <p:extLst>
       <p:ext uri="{BB962C8B-B14F-4D97-AF65-F5344CB8AC3E}">
@@ -5871,6 +5592,1670 @@
 </file>
 
 <file path=ppt/slides/slide5.xml><?xml version="1.0" encoding="utf-8"?>
+<p:sld xmlns:a="http://schemas.openxmlformats.org/drawingml/2006/main" xmlns:r="http://schemas.openxmlformats.org/officeDocument/2006/relationships" xmlns:p="http://schemas.openxmlformats.org/presentationml/2006/main">
+  <p:cSld>
+    <p:spTree>
+      <p:nvGrpSpPr>
+        <p:cNvPr id="1" name=""/>
+        <p:cNvGrpSpPr/>
+        <p:nvPr/>
+      </p:nvGrpSpPr>
+      <p:grpSpPr>
+        <a:xfrm>
+          <a:off x="0" y="0"/>
+          <a:ext cx="0" cy="0"/>
+          <a:chOff x="0" y="0"/>
+          <a:chExt cx="0" cy="0"/>
+        </a:xfrm>
+      </p:grpSpPr>
+      <p:graphicFrame>
+        <p:nvGraphicFramePr>
+          <p:cNvPr id="5" name="Table 5">
+            <a:extLst>
+              <a:ext uri="{FF2B5EF4-FFF2-40B4-BE49-F238E27FC236}">
+                <a16:creationId xmlns:a16="http://schemas.microsoft.com/office/drawing/2014/main" xmlns="" id="{FC22722C-9A68-5D0D-4F6A-664A23379CDA}"/>
+              </a:ext>
+            </a:extLst>
+          </p:cNvPr>
+          <p:cNvGraphicFramePr>
+            <a:graphicFrameLocks noGrp="1"/>
+          </p:cNvGraphicFramePr>
+          <p:nvPr>
+            <p:extLst>
+              <p:ext uri="{D42A27DB-BD31-4B8C-83A1-F6EECF244321}">
+                <p14:modId xmlns:p14="http://schemas.microsoft.com/office/powerpoint/2010/main" val="3198647791"/>
+              </p:ext>
+            </p:extLst>
+          </p:nvPr>
+        </p:nvGraphicFramePr>
+        <p:xfrm>
+          <a:off x="378393" y="209550"/>
+          <a:ext cx="11377177" cy="6162303"/>
+        </p:xfrm>
+        <a:graphic>
+          <a:graphicData uri="http://schemas.openxmlformats.org/drawingml/2006/table">
+            <a:tbl>
+              <a:tblPr firstRow="1" bandRow="1">
+                <a:tableStyleId>{5C22544A-7EE6-4342-B048-85BDC9FD1C3A}</a:tableStyleId>
+              </a:tblPr>
+              <a:tblGrid>
+                <a:gridCol w="1862666">
+                  <a:extLst>
+                    <a:ext uri="{9D8B030D-6E8A-4147-A177-3AD203B41FA5}">
+                      <a16:colId xmlns:a16="http://schemas.microsoft.com/office/drawing/2014/main" xmlns="" val="609826666"/>
+                    </a:ext>
+                  </a:extLst>
+                </a:gridCol>
+                <a:gridCol w="1143000">
+                  <a:extLst>
+                    <a:ext uri="{9D8B030D-6E8A-4147-A177-3AD203B41FA5}">
+                      <a16:colId xmlns:a16="http://schemas.microsoft.com/office/drawing/2014/main" xmlns="" val="926826381"/>
+                    </a:ext>
+                  </a:extLst>
+                </a:gridCol>
+                <a:gridCol w="3062111">
+                  <a:extLst>
+                    <a:ext uri="{9D8B030D-6E8A-4147-A177-3AD203B41FA5}">
+                      <a16:colId xmlns:a16="http://schemas.microsoft.com/office/drawing/2014/main" xmlns="" val="1990854293"/>
+                    </a:ext>
+                  </a:extLst>
+                </a:gridCol>
+                <a:gridCol w="2751666">
+                  <a:extLst>
+                    <a:ext uri="{9D8B030D-6E8A-4147-A177-3AD203B41FA5}">
+                      <a16:colId xmlns:a16="http://schemas.microsoft.com/office/drawing/2014/main" xmlns="" val="2721997769"/>
+                    </a:ext>
+                  </a:extLst>
+                </a:gridCol>
+                <a:gridCol w="2557734">
+                  <a:extLst>
+                    <a:ext uri="{9D8B030D-6E8A-4147-A177-3AD203B41FA5}">
+                      <a16:colId xmlns:a16="http://schemas.microsoft.com/office/drawing/2014/main" xmlns="" val="1517032735"/>
+                    </a:ext>
+                  </a:extLst>
+                </a:gridCol>
+              </a:tblGrid>
+              <a:tr h="825578">
+                <a:tc>
+                  <a:txBody>
+                    <a:bodyPr/>
+                    <a:lstStyle/>
+                    <a:p>
+                      <a:pPr algn="ctr"/>
+                      <a:r>
+                        <a:rPr lang="ko-KR" altLang="en-US" dirty="0"/>
+                        <a:t>기능</a:t>
+                      </a:r>
+                      <a:endParaRPr lang="en-US" dirty="0"/>
+                    </a:p>
+                  </a:txBody>
+                  <a:tcPr anchor="ctr"/>
+                </a:tc>
+                <a:tc>
+                  <a:txBody>
+                    <a:bodyPr/>
+                    <a:lstStyle/>
+                    <a:p>
+                      <a:pPr algn="ctr"/>
+                      <a:r>
+                        <a:rPr lang="en-US"/>
+                        <a:t>Method</a:t>
+                      </a:r>
+                    </a:p>
+                  </a:txBody>
+                  <a:tcPr anchor="ctr"/>
+                </a:tc>
+                <a:tc>
+                  <a:txBody>
+                    <a:bodyPr/>
+                    <a:lstStyle/>
+                    <a:p>
+                      <a:pPr algn="ctr"/>
+                      <a:r>
+                        <a:rPr lang="en-US" dirty="0" smtClean="0"/>
+                        <a:t>URL</a:t>
+                      </a:r>
+                      <a:endParaRPr lang="en-US" dirty="0"/>
+                    </a:p>
+                  </a:txBody>
+                  <a:tcPr anchor="ctr"/>
+                </a:tc>
+                <a:tc>
+                  <a:txBody>
+                    <a:bodyPr/>
+                    <a:lstStyle/>
+                    <a:p>
+                      <a:pPr lvl="0" algn="ctr">
+                        <a:buNone/>
+                      </a:pPr>
+                      <a:r>
+                        <a:rPr lang="en-US" sz="1800" b="0" i="0" u="none" strike="noStrike" noProof="0">
+                          <a:latin typeface="Tw Cen MT"/>
+                        </a:rPr>
+                        <a:t>request</a:t>
+                      </a:r>
+                      <a:endParaRPr lang="en-US"/>
+                    </a:p>
+                  </a:txBody>
+                  <a:tcPr anchor="ctr"/>
+                </a:tc>
+                <a:tc>
+                  <a:txBody>
+                    <a:bodyPr/>
+                    <a:lstStyle/>
+                    <a:p>
+                      <a:pPr lvl="0" algn="ctr">
+                        <a:buNone/>
+                      </a:pPr>
+                      <a:r>
+                        <a:rPr lang="en-US" sz="1800" b="0" i="0" u="none" strike="noStrike" noProof="0">
+                          <a:latin typeface="Tw Cen MT"/>
+                        </a:rPr>
+                        <a:t>response</a:t>
+                      </a:r>
+                      <a:endParaRPr lang="en-US"/>
+                    </a:p>
+                  </a:txBody>
+                  <a:tcPr anchor="ctr"/>
+                </a:tc>
+                <a:extLst>
+                  <a:ext uri="{0D108BD9-81ED-4DB2-BD59-A6C34878D82A}">
+                    <a16:rowId xmlns:a16="http://schemas.microsoft.com/office/drawing/2014/main" xmlns="" val="2225592757"/>
+                  </a:ext>
+                </a:extLst>
+              </a:tr>
+              <a:tr h="1031191">
+                <a:tc>
+                  <a:txBody>
+                    <a:bodyPr/>
+                    <a:lstStyle/>
+                    <a:p>
+                      <a:pPr lvl="0" algn="ctr">
+                        <a:buNone/>
+                      </a:pPr>
+                      <a:r>
+                        <a:rPr lang="ko-KR" altLang="en-US" sz="1800" b="0" i="0" u="none" strike="noStrike" noProof="0" dirty="0" smtClean="0">
+                          <a:latin typeface="Tw Cen MT"/>
+                        </a:rPr>
+                        <a:t>방명록</a:t>
+                      </a:r>
+                      <a:r>
+                        <a:rPr lang="en-US" altLang="ko-KR" sz="1800" b="0" i="0" u="none" strike="noStrike" noProof="0" dirty="0" smtClean="0">
+                          <a:latin typeface="Tw Cen MT"/>
+                        </a:rPr>
+                        <a:t> </a:t>
+                      </a:r>
+                      <a:r>
+                        <a:rPr lang="ko-KR" altLang="en-US" sz="1800" b="0" i="0" u="none" strike="noStrike" noProof="0" dirty="0">
+                          <a:latin typeface="Tw Cen MT"/>
+                        </a:rPr>
+                        <a:t>작성</a:t>
+                      </a:r>
+                      <a:endParaRPr lang="en-US" dirty="0"/>
+                    </a:p>
+                  </a:txBody>
+                  <a:tcPr anchor="ctr"/>
+                </a:tc>
+                <a:tc>
+                  <a:txBody>
+                    <a:bodyPr/>
+                    <a:lstStyle/>
+                    <a:p>
+                      <a:pPr lvl="0" algn="ctr">
+                        <a:buNone/>
+                      </a:pPr>
+                      <a:r>
+                        <a:rPr lang="en-US" sz="1800" b="0" i="0" u="none" strike="noStrike" noProof="0">
+                          <a:latin typeface="Tw Cen MT"/>
+                        </a:rPr>
+                        <a:t>POST</a:t>
+                      </a:r>
+                      <a:endParaRPr lang="en-US"/>
+                    </a:p>
+                  </a:txBody>
+                  <a:tcPr anchor="ctr"/>
+                </a:tc>
+                <a:tc>
+                  <a:txBody>
+                    <a:bodyPr/>
+                    <a:lstStyle/>
+                    <a:p>
+                      <a:pPr lvl="0" algn="ctr">
+                        <a:buNone/>
+                      </a:pPr>
+                      <a:r>
+                        <a:rPr lang="en-US" sz="1800" b="0" i="0" u="none" strike="noStrike" noProof="0" dirty="0">
+                          <a:latin typeface="Tw Cen MT"/>
+                        </a:rPr>
+                        <a:t>/</a:t>
+                      </a:r>
+                      <a:r>
+                        <a:rPr lang="en-US" sz="1800" b="0" i="0" u="none" strike="noStrike" noProof="0" dirty="0" err="1">
+                          <a:latin typeface="Tw Cen MT"/>
+                        </a:rPr>
+                        <a:t>fourglass</a:t>
+                      </a:r>
+                      <a:r>
+                        <a:rPr lang="en-US" sz="1800" b="0" i="0" u="none" strike="noStrike" noProof="0" dirty="0">
+                          <a:latin typeface="Tw Cen MT"/>
+                        </a:rPr>
+                        <a:t>/teamⓝ_</a:t>
+                      </a:r>
+                      <a:r>
+                        <a:rPr lang="en-US" sz="1800" b="0" i="0" u="none" strike="noStrike" noProof="0" dirty="0" err="1">
+                          <a:latin typeface="Tw Cen MT"/>
+                        </a:rPr>
+                        <a:t>add_cmt</a:t>
+                      </a:r>
+                      <a:endParaRPr lang="en-US" dirty="0"/>
+                    </a:p>
+                  </a:txBody>
+                  <a:tcPr anchor="ctr"/>
+                </a:tc>
+                <a:tc>
+                  <a:txBody>
+                    <a:bodyPr/>
+                    <a:lstStyle/>
+                    <a:p>
+                      <a:pPr lvl="0" algn="ctr">
+                        <a:buNone/>
+                      </a:pPr>
+                      <a:r>
+                        <a:rPr lang="en-US" altLang="ko-KR" dirty="0" smtClean="0"/>
+                        <a:t>{</a:t>
+                      </a:r>
+                      <a:r>
+                        <a:rPr lang="en-US" altLang="ko-KR" sz="1800" kern="1200" dirty="0" smtClean="0">
+                          <a:solidFill>
+                            <a:schemeClr val="dk1"/>
+                          </a:solidFill>
+                          <a:effectLst/>
+                          <a:latin typeface="+mn-lt"/>
+                          <a:ea typeface="+mn-ea"/>
+                          <a:cs typeface="+mn-cs"/>
+                        </a:rPr>
+                        <a:t>'</a:t>
+                      </a:r>
+                      <a:r>
+                        <a:rPr lang="en-US" altLang="ko-KR" sz="1800" kern="1200" dirty="0" err="1" smtClean="0">
+                          <a:solidFill>
+                            <a:schemeClr val="dk1"/>
+                          </a:solidFill>
+                          <a:effectLst/>
+                          <a:latin typeface="+mn-lt"/>
+                          <a:ea typeface="+mn-ea"/>
+                          <a:cs typeface="+mn-cs"/>
+                        </a:rPr>
+                        <a:t>id_give</a:t>
+                      </a:r>
+                      <a:r>
+                        <a:rPr lang="en-US" altLang="ko-KR" sz="1800" kern="1200" dirty="0" smtClean="0">
+                          <a:solidFill>
+                            <a:schemeClr val="dk1"/>
+                          </a:solidFill>
+                          <a:effectLst/>
+                          <a:latin typeface="+mn-lt"/>
+                          <a:ea typeface="+mn-ea"/>
+                          <a:cs typeface="+mn-cs"/>
+                        </a:rPr>
+                        <a:t>'</a:t>
+                      </a:r>
+                      <a:r>
+                        <a:rPr lang="en-US" altLang="ko-KR" dirty="0" smtClean="0"/>
+                        <a:t>: id</a:t>
+                      </a:r>
+                      <a:r>
+                        <a:rPr lang="en-US" altLang="ko-KR" sz="1800" kern="1200" dirty="0" smtClean="0">
+                          <a:solidFill>
+                            <a:schemeClr val="dk1"/>
+                          </a:solidFill>
+                          <a:effectLst/>
+                          <a:latin typeface="+mn-lt"/>
+                          <a:ea typeface="+mn-ea"/>
+                          <a:cs typeface="+mn-cs"/>
+                        </a:rPr>
+                        <a:t>, '</a:t>
+                      </a:r>
+                      <a:r>
+                        <a:rPr lang="en-US" altLang="ko-KR" sz="1800" kern="1200" dirty="0" err="1" smtClean="0">
+                          <a:solidFill>
+                            <a:schemeClr val="dk1"/>
+                          </a:solidFill>
+                          <a:effectLst/>
+                          <a:latin typeface="+mn-lt"/>
+                          <a:ea typeface="+mn-ea"/>
+                          <a:cs typeface="+mn-cs"/>
+                        </a:rPr>
+                        <a:t>name_give</a:t>
+                      </a:r>
+                      <a:r>
+                        <a:rPr lang="en-US" altLang="ko-KR" sz="1800" kern="1200" dirty="0" smtClean="0">
+                          <a:solidFill>
+                            <a:schemeClr val="dk1"/>
+                          </a:solidFill>
+                          <a:effectLst/>
+                          <a:latin typeface="+mn-lt"/>
+                          <a:ea typeface="+mn-ea"/>
+                          <a:cs typeface="+mn-cs"/>
+                        </a:rPr>
+                        <a:t>'</a:t>
+                      </a:r>
+                      <a:r>
+                        <a:rPr lang="en-US" altLang="ko-KR" dirty="0" smtClean="0"/>
+                        <a:t>: name</a:t>
+                      </a:r>
+                      <a:r>
+                        <a:rPr lang="en-US" altLang="ko-KR" sz="1800" kern="1200" dirty="0" smtClean="0">
+                          <a:solidFill>
+                            <a:schemeClr val="dk1"/>
+                          </a:solidFill>
+                          <a:effectLst/>
+                          <a:latin typeface="+mn-lt"/>
+                          <a:ea typeface="+mn-ea"/>
+                          <a:cs typeface="+mn-cs"/>
+                        </a:rPr>
+                        <a:t>, '</a:t>
+                      </a:r>
+                      <a:r>
+                        <a:rPr lang="en-US" altLang="ko-KR" sz="1800" kern="1200" dirty="0" err="1" smtClean="0">
+                          <a:solidFill>
+                            <a:schemeClr val="dk1"/>
+                          </a:solidFill>
+                          <a:effectLst/>
+                          <a:latin typeface="+mn-lt"/>
+                          <a:ea typeface="+mn-ea"/>
+                          <a:cs typeface="+mn-cs"/>
+                        </a:rPr>
+                        <a:t>comment_give</a:t>
+                      </a:r>
+                      <a:r>
+                        <a:rPr lang="en-US" altLang="ko-KR" sz="1800" kern="1200" dirty="0" smtClean="0">
+                          <a:solidFill>
+                            <a:schemeClr val="dk1"/>
+                          </a:solidFill>
+                          <a:effectLst/>
+                          <a:latin typeface="+mn-lt"/>
+                          <a:ea typeface="+mn-ea"/>
+                          <a:cs typeface="+mn-cs"/>
+                        </a:rPr>
+                        <a:t>'</a:t>
+                      </a:r>
+                      <a:r>
+                        <a:rPr lang="en-US" altLang="ko-KR" dirty="0" smtClean="0"/>
+                        <a:t>: comment</a:t>
+                      </a:r>
+                      <a:r>
+                        <a:rPr lang="en-US" altLang="ko-KR" sz="1800" kern="1200" dirty="0" smtClean="0">
+                          <a:solidFill>
+                            <a:schemeClr val="dk1"/>
+                          </a:solidFill>
+                          <a:effectLst/>
+                          <a:latin typeface="+mn-lt"/>
+                          <a:ea typeface="+mn-ea"/>
+                          <a:cs typeface="+mn-cs"/>
+                        </a:rPr>
+                        <a:t>, '</a:t>
+                      </a:r>
+                      <a:r>
+                        <a:rPr lang="en-US" altLang="ko-KR" sz="1800" kern="1200" dirty="0" err="1" smtClean="0">
+                          <a:solidFill>
+                            <a:schemeClr val="dk1"/>
+                          </a:solidFill>
+                          <a:effectLst/>
+                          <a:latin typeface="+mn-lt"/>
+                          <a:ea typeface="+mn-ea"/>
+                          <a:cs typeface="+mn-cs"/>
+                        </a:rPr>
+                        <a:t>pass_give</a:t>
+                      </a:r>
+                      <a:r>
+                        <a:rPr lang="en-US" altLang="ko-KR" sz="1800" kern="1200" dirty="0" smtClean="0">
+                          <a:solidFill>
+                            <a:schemeClr val="dk1"/>
+                          </a:solidFill>
+                          <a:effectLst/>
+                          <a:latin typeface="+mn-lt"/>
+                          <a:ea typeface="+mn-ea"/>
+                          <a:cs typeface="+mn-cs"/>
+                        </a:rPr>
+                        <a:t>'</a:t>
+                      </a:r>
+                      <a:r>
+                        <a:rPr lang="en-US" altLang="ko-KR" dirty="0" smtClean="0"/>
+                        <a:t>: pass}</a:t>
+                      </a:r>
+                      <a:endParaRPr lang="en-US" dirty="0"/>
+                    </a:p>
+                  </a:txBody>
+                  <a:tcPr anchor="ctr"/>
+                </a:tc>
+                <a:tc>
+                  <a:txBody>
+                    <a:bodyPr/>
+                    <a:lstStyle/>
+                    <a:p>
+                      <a:pPr lvl="0" algn="ctr">
+                        <a:buNone/>
+                      </a:pPr>
+                      <a:r>
+                        <a:rPr lang="ko-KR" altLang="en-US" sz="1800" b="0" i="0" u="none" strike="noStrike" noProof="0" dirty="0">
+                          <a:latin typeface="Tw Cen MT"/>
+                        </a:rPr>
+                        <a:t>성공</a:t>
+                      </a:r>
+                      <a:r>
+                        <a:rPr lang="en-US" altLang="ko-KR" sz="1800" b="0" i="0" u="none" strike="noStrike" noProof="0" dirty="0">
+                          <a:latin typeface="Tw Cen MT"/>
+                        </a:rPr>
+                        <a:t> </a:t>
+                      </a:r>
+                      <a:r>
+                        <a:rPr lang="ko-KR" altLang="en-US" sz="1800" b="0" i="0" u="none" strike="noStrike" noProof="0" dirty="0">
+                          <a:latin typeface="Tw Cen MT"/>
+                        </a:rPr>
+                        <a:t>여부</a:t>
+                      </a:r>
+                      <a:r>
+                        <a:rPr lang="en-US" altLang="ko-KR" sz="1800" b="0" i="0" u="none" strike="noStrike" noProof="0" dirty="0">
+                          <a:latin typeface="Tw Cen MT"/>
+                        </a:rPr>
+                        <a:t> </a:t>
+                      </a:r>
+                      <a:r>
+                        <a:rPr lang="ko-KR" altLang="en-US" sz="1800" b="0" i="0" u="none" strike="noStrike" noProof="0" dirty="0" smtClean="0">
+                          <a:latin typeface="Tw Cen MT"/>
+                        </a:rPr>
+                        <a:t>메시지</a:t>
+                      </a:r>
+                      <a:endParaRPr lang="en-US" dirty="0"/>
+                    </a:p>
+                  </a:txBody>
+                  <a:tcPr anchor="ctr"/>
+                </a:tc>
+                <a:extLst>
+                  <a:ext uri="{0D108BD9-81ED-4DB2-BD59-A6C34878D82A}">
+                    <a16:rowId xmlns:a16="http://schemas.microsoft.com/office/drawing/2014/main" xmlns="" val="2749350294"/>
+                  </a:ext>
+                </a:extLst>
+              </a:tr>
+              <a:tr h="825578">
+                <a:tc>
+                  <a:txBody>
+                    <a:bodyPr/>
+                    <a:lstStyle/>
+                    <a:p>
+                      <a:pPr lvl="0" algn="ctr">
+                        <a:buNone/>
+                      </a:pPr>
+                      <a:r>
+                        <a:rPr lang="ko-KR" altLang="en-US" sz="1800" b="0" i="0" u="none" strike="noStrike" noProof="0" dirty="0" smtClean="0">
+                          <a:latin typeface="+mn-lt"/>
+                        </a:rPr>
+                        <a:t>방명록</a:t>
+                      </a:r>
+                      <a:r>
+                        <a:rPr lang="en-US" altLang="ko-KR" sz="1800" b="0" i="0" u="none" strike="noStrike" noProof="0" dirty="0" smtClean="0">
+                          <a:latin typeface="+mn-lt"/>
+                        </a:rPr>
+                        <a:t> </a:t>
+                      </a:r>
+                      <a:r>
+                        <a:rPr lang="ko-KR" altLang="en-US" sz="1800" b="0" i="0" u="none" strike="noStrike" noProof="0" dirty="0" smtClean="0">
+                          <a:latin typeface="Tw Cen MT"/>
+                        </a:rPr>
+                        <a:t>불러오기</a:t>
+                      </a:r>
+                      <a:endParaRPr lang="en-US" dirty="0"/>
+                    </a:p>
+                  </a:txBody>
+                  <a:tcPr anchor="ctr"/>
+                </a:tc>
+                <a:tc>
+                  <a:txBody>
+                    <a:bodyPr/>
+                    <a:lstStyle/>
+                    <a:p>
+                      <a:pPr lvl="0" algn="ctr">
+                        <a:buNone/>
+                      </a:pPr>
+                      <a:r>
+                        <a:rPr lang="en-US" sz="1800" b="0" i="0" u="none" strike="noStrike" noProof="0">
+                          <a:latin typeface="Tw Cen MT"/>
+                        </a:rPr>
+                        <a:t>GET</a:t>
+                      </a:r>
+                      <a:endParaRPr lang="en-US"/>
+                    </a:p>
+                  </a:txBody>
+                  <a:tcPr anchor="ctr"/>
+                </a:tc>
+                <a:tc>
+                  <a:txBody>
+                    <a:bodyPr/>
+                    <a:lstStyle/>
+                    <a:p>
+                      <a:pPr lvl="0" algn="ctr">
+                        <a:buNone/>
+                      </a:pPr>
+                      <a:r>
+                        <a:rPr lang="en-US" sz="1800" b="0" i="0" u="none" strike="noStrike" noProof="0" dirty="0">
+                          <a:latin typeface="Tw Cen MT"/>
+                        </a:rPr>
+                        <a:t>/</a:t>
+                      </a:r>
+                      <a:r>
+                        <a:rPr lang="en-US" sz="1800" b="0" i="0" u="none" strike="noStrike" noProof="0" dirty="0" err="1">
+                          <a:latin typeface="Tw Cen MT"/>
+                        </a:rPr>
+                        <a:t>fourglass</a:t>
+                      </a:r>
+                      <a:r>
+                        <a:rPr lang="en-US" sz="1800" b="0" i="0" u="none" strike="noStrike" noProof="0" dirty="0">
+                          <a:latin typeface="Tw Cen MT"/>
+                        </a:rPr>
+                        <a:t>/teamⓝ_</a:t>
+                      </a:r>
+                      <a:r>
+                        <a:rPr lang="en-US" sz="1800" b="0" i="0" u="none" strike="noStrike" noProof="0" dirty="0" err="1">
+                          <a:latin typeface="Tw Cen MT"/>
+                        </a:rPr>
+                        <a:t>get_cmt</a:t>
+                      </a:r>
+                      <a:endParaRPr lang="en-US" dirty="0"/>
+                    </a:p>
+                  </a:txBody>
+                  <a:tcPr anchor="ctr"/>
+                </a:tc>
+                <a:tc>
+                  <a:txBody>
+                    <a:bodyPr/>
+                    <a:lstStyle/>
+                    <a:p>
+                      <a:pPr lvl="0" algn="ctr">
+                        <a:buNone/>
+                      </a:pPr>
+                      <a:r>
+                        <a:rPr lang="en-US" sz="1800" b="0" i="0" u="none" strike="noStrike" noProof="0" dirty="0">
+                          <a:latin typeface="Tw Cen MT"/>
+                        </a:rPr>
+                        <a:t>X</a:t>
+                      </a:r>
+                      <a:endParaRPr lang="en-US" dirty="0"/>
+                    </a:p>
+                  </a:txBody>
+                  <a:tcPr anchor="ctr"/>
+                </a:tc>
+                <a:tc>
+                  <a:txBody>
+                    <a:bodyPr/>
+                    <a:lstStyle/>
+                    <a:p>
+                      <a:pPr lvl="0" algn="ctr">
+                        <a:buNone/>
+                      </a:pPr>
+                      <a:r>
+                        <a:rPr lang="ko-KR" altLang="en-US" sz="1800" b="0" i="0" u="none" strike="noStrike" noProof="0" dirty="0">
+                          <a:latin typeface="Tw Cen MT"/>
+                        </a:rPr>
+                        <a:t>작성한</a:t>
+                      </a:r>
+                      <a:r>
+                        <a:rPr lang="en-US" altLang="ko-KR" sz="1800" b="0" i="0" u="none" strike="noStrike" noProof="0" dirty="0">
+                          <a:latin typeface="Tw Cen MT"/>
+                        </a:rPr>
+                        <a:t> </a:t>
+                      </a:r>
+                      <a:r>
+                        <a:rPr lang="ko-KR" altLang="en-US" sz="1800" b="0" i="0" u="none" strike="noStrike" noProof="0" dirty="0" smtClean="0">
+                          <a:latin typeface="+mn-lt"/>
+                        </a:rPr>
+                        <a:t>방명록</a:t>
+                      </a:r>
+                      <a:r>
+                        <a:rPr lang="en-US" altLang="ko-KR" sz="1800" b="0" i="0" u="none" strike="noStrike" noProof="0" dirty="0" smtClean="0">
+                          <a:latin typeface="+mn-lt"/>
+                        </a:rPr>
+                        <a:t> </a:t>
+                      </a:r>
+                      <a:r>
+                        <a:rPr lang="ko-KR" altLang="en-US" sz="1800" b="0" i="0" u="none" strike="noStrike" noProof="0" dirty="0" smtClean="0">
+                          <a:latin typeface="Tw Cen MT"/>
+                        </a:rPr>
+                        <a:t>목록</a:t>
+                      </a:r>
+                      <a:endParaRPr lang="en-US" dirty="0"/>
+                    </a:p>
+                  </a:txBody>
+                  <a:tcPr anchor="ctr"/>
+                </a:tc>
+                <a:extLst>
+                  <a:ext uri="{0D108BD9-81ED-4DB2-BD59-A6C34878D82A}">
+                    <a16:rowId xmlns:a16="http://schemas.microsoft.com/office/drawing/2014/main" xmlns="" val="3229486975"/>
+                  </a:ext>
+                </a:extLst>
+              </a:tr>
+              <a:tr h="825578">
+                <a:tc>
+                  <a:txBody>
+                    <a:bodyPr/>
+                    <a:lstStyle/>
+                    <a:p>
+                      <a:pPr lvl="0" algn="ctr">
+                        <a:buNone/>
+                      </a:pPr>
+                      <a:r>
+                        <a:rPr lang="ko-KR" altLang="en-US" sz="1800" b="0" i="0" u="none" strike="noStrike" noProof="0" dirty="0" smtClean="0">
+                          <a:latin typeface="+mn-lt"/>
+                        </a:rPr>
+                        <a:t>방명록</a:t>
+                      </a:r>
+                      <a:r>
+                        <a:rPr lang="en-US" altLang="ko-KR" sz="1800" b="0" i="0" u="none" strike="noStrike" noProof="0" dirty="0" smtClean="0">
+                          <a:latin typeface="+mn-lt"/>
+                        </a:rPr>
+                        <a:t> </a:t>
+                      </a:r>
+                      <a:r>
+                        <a:rPr lang="ko-KR" altLang="en-US" sz="1800" b="0" i="0" u="none" strike="noStrike" noProof="0" dirty="0" smtClean="0">
+                          <a:latin typeface="Tw Cen MT"/>
+                        </a:rPr>
+                        <a:t>찾기</a:t>
+                      </a:r>
+                      <a:endParaRPr lang="en-US" dirty="0"/>
+                    </a:p>
+                  </a:txBody>
+                  <a:tcPr anchor="ctr"/>
+                </a:tc>
+                <a:tc>
+                  <a:txBody>
+                    <a:bodyPr/>
+                    <a:lstStyle/>
+                    <a:p>
+                      <a:pPr lvl="0" algn="ctr">
+                        <a:buNone/>
+                      </a:pPr>
+                      <a:r>
+                        <a:rPr lang="en-US" sz="1800" b="0" i="0" u="none" strike="noStrike" noProof="0">
+                          <a:latin typeface="Tw Cen MT"/>
+                        </a:rPr>
+                        <a:t>POST</a:t>
+                      </a:r>
+                      <a:endParaRPr lang="en-US"/>
+                    </a:p>
+                  </a:txBody>
+                  <a:tcPr anchor="ctr"/>
+                </a:tc>
+                <a:tc>
+                  <a:txBody>
+                    <a:bodyPr/>
+                    <a:lstStyle/>
+                    <a:p>
+                      <a:pPr lvl="0" algn="ctr">
+                        <a:buNone/>
+                      </a:pPr>
+                      <a:r>
+                        <a:rPr lang="en-US" sz="1800" b="0" i="0" u="none" strike="noStrike" noProof="0" dirty="0">
+                          <a:latin typeface="Tw Cen MT"/>
+                        </a:rPr>
+                        <a:t>/</a:t>
+                      </a:r>
+                      <a:r>
+                        <a:rPr lang="en-US" sz="1800" b="0" i="0" u="none" strike="noStrike" noProof="0" dirty="0" err="1">
+                          <a:latin typeface="Tw Cen MT"/>
+                        </a:rPr>
+                        <a:t>fourglass</a:t>
+                      </a:r>
+                      <a:r>
+                        <a:rPr lang="en-US" sz="1800" b="0" i="0" u="none" strike="noStrike" noProof="0" dirty="0">
+                          <a:latin typeface="Tw Cen MT"/>
+                        </a:rPr>
+                        <a:t>/</a:t>
+                      </a:r>
+                      <a:r>
+                        <a:rPr lang="en-US" sz="1800" b="0" i="0" u="none" strike="noStrike" noProof="0" dirty="0" err="1">
+                          <a:latin typeface="Tw Cen MT"/>
+                        </a:rPr>
+                        <a:t>teamⓝfind_cmt</a:t>
+                      </a:r>
+                      <a:endParaRPr lang="en-US" dirty="0"/>
+                    </a:p>
+                  </a:txBody>
+                  <a:tcPr anchor="ctr"/>
+                </a:tc>
+                <a:tc>
+                  <a:txBody>
+                    <a:bodyPr/>
+                    <a:lstStyle/>
+                    <a:p>
+                      <a:pPr lvl="0" algn="ctr">
+                        <a:buNone/>
+                      </a:pPr>
+                      <a:r>
+                        <a:rPr lang="en-US" altLang="ko-KR" sz="1800" kern="1200" dirty="0" smtClean="0">
+                          <a:solidFill>
+                            <a:schemeClr val="dk1"/>
+                          </a:solidFill>
+                          <a:effectLst/>
+                          <a:latin typeface="+mn-lt"/>
+                          <a:ea typeface="+mn-ea"/>
+                          <a:cs typeface="+mn-cs"/>
+                        </a:rPr>
+                        <a:t>{'</a:t>
+                      </a:r>
+                      <a:r>
+                        <a:rPr lang="en-US" altLang="ko-KR" sz="1800" kern="1200" dirty="0" err="1" smtClean="0">
+                          <a:solidFill>
+                            <a:schemeClr val="dk1"/>
+                          </a:solidFill>
+                          <a:effectLst/>
+                          <a:latin typeface="+mn-lt"/>
+                          <a:ea typeface="+mn-ea"/>
+                          <a:cs typeface="+mn-cs"/>
+                        </a:rPr>
+                        <a:t>id_give</a:t>
+                      </a:r>
+                      <a:r>
+                        <a:rPr lang="en-US" altLang="ko-KR" sz="1800" kern="1200" dirty="0" smtClean="0">
+                          <a:solidFill>
+                            <a:schemeClr val="dk1"/>
+                          </a:solidFill>
+                          <a:effectLst/>
+                          <a:latin typeface="+mn-lt"/>
+                          <a:ea typeface="+mn-ea"/>
+                          <a:cs typeface="+mn-cs"/>
+                        </a:rPr>
+                        <a:t>'</a:t>
+                      </a:r>
+                      <a:r>
+                        <a:rPr lang="en-US" altLang="ko-KR" dirty="0" smtClean="0"/>
+                        <a:t>: id}</a:t>
+                      </a:r>
+                      <a:endParaRPr lang="en-US" dirty="0"/>
+                    </a:p>
+                  </a:txBody>
+                  <a:tcPr anchor="ctr"/>
+                </a:tc>
+                <a:tc>
+                  <a:txBody>
+                    <a:bodyPr/>
+                    <a:lstStyle/>
+                    <a:p>
+                      <a:pPr lvl="0" algn="ctr">
+                        <a:buNone/>
+                      </a:pPr>
+                      <a:r>
+                        <a:rPr lang="en-US" sz="1800" b="0" i="0" u="none" strike="noStrike" noProof="0" dirty="0" smtClean="0">
+                          <a:latin typeface="Tw Cen MT"/>
+                        </a:rPr>
+                        <a:t>id</a:t>
+                      </a:r>
+                      <a:r>
+                        <a:rPr lang="ko-KR" altLang="en-US" sz="1800" b="0" i="0" u="none" strike="noStrike" noProof="0" dirty="0" smtClean="0">
+                          <a:latin typeface="Tw Cen MT"/>
+                        </a:rPr>
+                        <a:t>에</a:t>
+                      </a:r>
+                      <a:r>
+                        <a:rPr lang="en-US" altLang="ko-KR" sz="1800" b="0" i="0" u="none" strike="noStrike" noProof="0" dirty="0" smtClean="0">
+                          <a:latin typeface="Tw Cen MT"/>
+                        </a:rPr>
+                        <a:t> </a:t>
+                      </a:r>
+                      <a:r>
+                        <a:rPr lang="ko-KR" altLang="en-US" sz="1800" b="0" i="0" u="none" strike="noStrike" noProof="0" dirty="0">
+                          <a:latin typeface="Tw Cen MT"/>
+                        </a:rPr>
+                        <a:t>맞는</a:t>
+                      </a:r>
+                      <a:r>
+                        <a:rPr lang="en-US" altLang="ko-KR" sz="1800" b="0" i="0" u="none" strike="noStrike" noProof="0" dirty="0">
+                          <a:latin typeface="Tw Cen MT"/>
+                        </a:rPr>
+                        <a:t> </a:t>
+                      </a:r>
+                      <a:r>
+                        <a:rPr lang="ko-KR" altLang="en-US" sz="1800" b="0" i="0" u="none" strike="noStrike" noProof="0" dirty="0" smtClean="0">
+                          <a:latin typeface="+mn-lt"/>
+                        </a:rPr>
+                        <a:t>방명록</a:t>
+                      </a:r>
+                      <a:r>
+                        <a:rPr lang="en-US" altLang="ko-KR" sz="1800" b="0" i="0" u="none" strike="noStrike" noProof="0" dirty="0" smtClean="0">
+                          <a:latin typeface="+mn-lt"/>
+                        </a:rPr>
+                        <a:t> </a:t>
+                      </a:r>
+                      <a:r>
+                        <a:rPr lang="ko-KR" altLang="en-US" sz="1800" b="0" i="0" u="none" strike="noStrike" noProof="0" dirty="0" err="1" smtClean="0">
+                          <a:latin typeface="Tw Cen MT"/>
+                        </a:rPr>
+                        <a:t>한개</a:t>
+                      </a:r>
+                      <a:endParaRPr lang="en-US" dirty="0"/>
+                    </a:p>
+                  </a:txBody>
+                  <a:tcPr anchor="ctr"/>
+                </a:tc>
+                <a:extLst>
+                  <a:ext uri="{0D108BD9-81ED-4DB2-BD59-A6C34878D82A}">
+                    <a16:rowId xmlns:a16="http://schemas.microsoft.com/office/drawing/2014/main" xmlns="" val="294714867"/>
+                  </a:ext>
+                </a:extLst>
+              </a:tr>
+              <a:tr h="825578">
+                <a:tc>
+                  <a:txBody>
+                    <a:bodyPr/>
+                    <a:lstStyle/>
+                    <a:p>
+                      <a:pPr lvl="0" algn="ctr">
+                        <a:buNone/>
+                      </a:pPr>
+                      <a:r>
+                        <a:rPr lang="ko-KR" altLang="en-US" sz="1800" b="0" i="0" u="none" strike="noStrike" noProof="0" dirty="0" smtClean="0">
+                          <a:latin typeface="+mn-lt"/>
+                        </a:rPr>
+                        <a:t>방명록</a:t>
+                      </a:r>
+                      <a:r>
+                        <a:rPr lang="en-US" altLang="ko-KR" sz="1800" b="0" i="0" u="none" strike="noStrike" noProof="0" dirty="0" smtClean="0">
+                          <a:latin typeface="+mn-lt"/>
+                        </a:rPr>
+                        <a:t> </a:t>
+                      </a:r>
+                      <a:r>
+                        <a:rPr lang="ko-KR" altLang="en-US" sz="1800" b="0" i="0" u="none" strike="noStrike" noProof="0" dirty="0" smtClean="0">
+                          <a:latin typeface="Tw Cen MT"/>
+                        </a:rPr>
+                        <a:t>지우기</a:t>
+                      </a:r>
+                      <a:endParaRPr lang="en-US" dirty="0"/>
+                    </a:p>
+                  </a:txBody>
+                  <a:tcPr anchor="ctr"/>
+                </a:tc>
+                <a:tc>
+                  <a:txBody>
+                    <a:bodyPr/>
+                    <a:lstStyle/>
+                    <a:p>
+                      <a:pPr lvl="0" algn="ctr">
+                        <a:buNone/>
+                      </a:pPr>
+                      <a:r>
+                        <a:rPr lang="en-US" sz="1800" b="0" i="0" u="none" strike="noStrike" noProof="0">
+                          <a:latin typeface="Tw Cen MT"/>
+                        </a:rPr>
+                        <a:t>POST</a:t>
+                      </a:r>
+                      <a:endParaRPr lang="en-US"/>
+                    </a:p>
+                  </a:txBody>
+                  <a:tcPr anchor="ctr"/>
+                </a:tc>
+                <a:tc>
+                  <a:txBody>
+                    <a:bodyPr/>
+                    <a:lstStyle/>
+                    <a:p>
+                      <a:pPr lvl="0" algn="ctr">
+                        <a:buNone/>
+                      </a:pPr>
+                      <a:r>
+                        <a:rPr lang="en-US" sz="1800" b="0" i="0" u="none" strike="noStrike" noProof="0" dirty="0">
+                          <a:latin typeface="Tw Cen MT"/>
+                        </a:rPr>
+                        <a:t> /</a:t>
+                      </a:r>
+                      <a:r>
+                        <a:rPr lang="en-US" sz="1800" b="0" i="0" u="none" strike="noStrike" noProof="0" dirty="0" err="1">
+                          <a:latin typeface="Tw Cen MT"/>
+                        </a:rPr>
+                        <a:t>fourglass</a:t>
+                      </a:r>
+                      <a:r>
+                        <a:rPr lang="en-US" sz="1800" b="0" i="0" u="none" strike="noStrike" noProof="0" dirty="0">
+                          <a:latin typeface="Tw Cen MT"/>
+                        </a:rPr>
+                        <a:t>/</a:t>
+                      </a:r>
+                      <a:r>
+                        <a:rPr lang="en-US" sz="1800" b="0" i="0" u="none" strike="noStrike" noProof="0" dirty="0" err="1">
+                          <a:latin typeface="Tw Cen MT"/>
+                        </a:rPr>
+                        <a:t>teamⓝdel_cmt</a:t>
+                      </a:r>
+                      <a:endParaRPr lang="en-US" dirty="0"/>
+                    </a:p>
+                  </a:txBody>
+                  <a:tcPr anchor="ctr"/>
+                </a:tc>
+                <a:tc>
+                  <a:txBody>
+                    <a:bodyPr/>
+                    <a:lstStyle/>
+                    <a:p>
+                      <a:pPr lvl="0" algn="ctr">
+                        <a:buNone/>
+                      </a:pPr>
+                      <a:r>
+                        <a:rPr lang="en-US" altLang="ko-KR" dirty="0" smtClean="0"/>
+                        <a:t>{</a:t>
+                      </a:r>
+                      <a:r>
+                        <a:rPr lang="en-US" altLang="ko-KR" sz="1800" kern="1200" dirty="0" smtClean="0">
+                          <a:solidFill>
+                            <a:schemeClr val="dk1"/>
+                          </a:solidFill>
+                          <a:effectLst/>
+                          <a:latin typeface="+mn-lt"/>
+                          <a:ea typeface="+mn-ea"/>
+                          <a:cs typeface="+mn-cs"/>
+                        </a:rPr>
+                        <a:t>'</a:t>
+                      </a:r>
+                      <a:r>
+                        <a:rPr lang="en-US" altLang="ko-KR" sz="1800" kern="1200" dirty="0" err="1" smtClean="0">
+                          <a:solidFill>
+                            <a:schemeClr val="dk1"/>
+                          </a:solidFill>
+                          <a:effectLst/>
+                          <a:latin typeface="+mn-lt"/>
+                          <a:ea typeface="+mn-ea"/>
+                          <a:cs typeface="+mn-cs"/>
+                        </a:rPr>
+                        <a:t>id_give</a:t>
+                      </a:r>
+                      <a:r>
+                        <a:rPr lang="en-US" altLang="ko-KR" sz="1800" kern="1200" dirty="0" smtClean="0">
+                          <a:solidFill>
+                            <a:schemeClr val="dk1"/>
+                          </a:solidFill>
+                          <a:effectLst/>
+                          <a:latin typeface="+mn-lt"/>
+                          <a:ea typeface="+mn-ea"/>
+                          <a:cs typeface="+mn-cs"/>
+                        </a:rPr>
+                        <a:t>'</a:t>
+                      </a:r>
+                      <a:r>
+                        <a:rPr lang="en-US" altLang="ko-KR" dirty="0" smtClean="0"/>
+                        <a:t>: id}</a:t>
+                      </a:r>
+                      <a:endParaRPr lang="en-US" dirty="0"/>
+                    </a:p>
+                  </a:txBody>
+                  <a:tcPr anchor="ctr"/>
+                </a:tc>
+                <a:tc>
+                  <a:txBody>
+                    <a:bodyPr/>
+                    <a:lstStyle/>
+                    <a:p>
+                      <a:pPr lvl="0" algn="ctr">
+                        <a:buNone/>
+                      </a:pPr>
+                      <a:r>
+                        <a:rPr lang="en-US" sz="1800" b="0" i="0" u="none" strike="noStrike" noProof="0" dirty="0" smtClean="0">
+                          <a:latin typeface="Tw Cen MT"/>
+                        </a:rPr>
+                        <a:t>id</a:t>
+                      </a:r>
+                      <a:r>
+                        <a:rPr lang="ko-KR" altLang="en-US" sz="1800" b="0" i="0" u="none" strike="noStrike" noProof="0" dirty="0" smtClean="0">
+                          <a:latin typeface="Tw Cen MT"/>
+                        </a:rPr>
+                        <a:t>에</a:t>
+                      </a:r>
+                      <a:r>
+                        <a:rPr lang="en-US" altLang="ko-KR" sz="1800" b="0" i="0" u="none" strike="noStrike" noProof="0" dirty="0" smtClean="0">
+                          <a:latin typeface="Tw Cen MT"/>
+                        </a:rPr>
+                        <a:t> </a:t>
+                      </a:r>
+                      <a:r>
+                        <a:rPr lang="ko-KR" altLang="en-US" sz="1800" b="0" i="0" u="none" strike="noStrike" noProof="0" dirty="0">
+                          <a:latin typeface="Tw Cen MT"/>
+                        </a:rPr>
+                        <a:t>맞는</a:t>
+                      </a:r>
+                      <a:r>
+                        <a:rPr lang="en-US" altLang="ko-KR" sz="1800" b="0" i="0" u="none" strike="noStrike" noProof="0" dirty="0">
+                          <a:latin typeface="Tw Cen MT"/>
+                        </a:rPr>
+                        <a:t> </a:t>
+                      </a:r>
+                      <a:r>
+                        <a:rPr lang="ko-KR" altLang="en-US" sz="1800" b="0" i="0" u="none" strike="noStrike" noProof="0" dirty="0" smtClean="0">
+                          <a:latin typeface="+mn-lt"/>
+                        </a:rPr>
+                        <a:t>방명록</a:t>
+                      </a:r>
+                      <a:r>
+                        <a:rPr lang="en-US" altLang="ko-KR" sz="1800" b="0" i="0" u="none" strike="noStrike" noProof="0" dirty="0" smtClean="0">
+                          <a:latin typeface="+mn-lt"/>
+                        </a:rPr>
+                        <a:t> </a:t>
+                      </a:r>
+                      <a:r>
+                        <a:rPr lang="ko-KR" altLang="en-US" sz="1800" b="0" i="0" u="none" strike="noStrike" noProof="0" dirty="0" smtClean="0">
+                          <a:latin typeface="Tw Cen MT"/>
+                        </a:rPr>
+                        <a:t>지우기</a:t>
+                      </a:r>
+                      <a:endParaRPr lang="en-US" dirty="0"/>
+                    </a:p>
+                  </a:txBody>
+                  <a:tcPr anchor="ctr"/>
+                </a:tc>
+                <a:extLst>
+                  <a:ext uri="{0D108BD9-81ED-4DB2-BD59-A6C34878D82A}">
+                    <a16:rowId xmlns:a16="http://schemas.microsoft.com/office/drawing/2014/main" xmlns="" val="4138380665"/>
+                  </a:ext>
+                </a:extLst>
+              </a:tr>
+              <a:tr h="904357">
+                <a:tc>
+                  <a:txBody>
+                    <a:bodyPr/>
+                    <a:lstStyle/>
+                    <a:p>
+                      <a:pPr lvl="0" algn="ctr">
+                        <a:buNone/>
+                      </a:pPr>
+                      <a:r>
+                        <a:rPr lang="ko-KR" altLang="en-US" sz="1800" b="0" i="0" u="none" strike="noStrike" noProof="0" dirty="0" smtClean="0">
+                          <a:latin typeface="+mn-lt"/>
+                        </a:rPr>
+                        <a:t>방명록</a:t>
+                      </a:r>
+                      <a:r>
+                        <a:rPr lang="en-US" altLang="ko-KR" sz="1800" b="0" i="0" u="none" strike="noStrike" noProof="0" dirty="0" smtClean="0">
+                          <a:latin typeface="+mn-lt"/>
+                        </a:rPr>
+                        <a:t> </a:t>
+                      </a:r>
+                      <a:r>
+                        <a:rPr lang="ko-KR" altLang="en-US" dirty="0" smtClean="0"/>
+                        <a:t>수정</a:t>
+                      </a:r>
+                      <a:endParaRPr lang="en-US" dirty="0"/>
+                    </a:p>
+                  </a:txBody>
+                  <a:tcPr anchor="ctr"/>
+                </a:tc>
+                <a:tc>
+                  <a:txBody>
+                    <a:bodyPr/>
+                    <a:lstStyle/>
+                    <a:p>
+                      <a:pPr lvl="0" algn="ctr">
+                        <a:buNone/>
+                      </a:pPr>
+                      <a:r>
+                        <a:rPr lang="en-US" dirty="0" smtClean="0"/>
+                        <a:t>POST</a:t>
+                      </a:r>
+                      <a:endParaRPr lang="en-US" dirty="0"/>
+                    </a:p>
+                  </a:txBody>
+                  <a:tcPr anchor="ctr"/>
+                </a:tc>
+                <a:tc>
+                  <a:txBody>
+                    <a:bodyPr/>
+                    <a:lstStyle/>
+                    <a:p>
+                      <a:pPr lvl="0" algn="ctr">
+                        <a:buNone/>
+                      </a:pPr>
+                      <a:r>
+                        <a:rPr lang="en-US" altLang="ko-KR" sz="1800" kern="1200" dirty="0" smtClean="0">
+                          <a:solidFill>
+                            <a:schemeClr val="dk1"/>
+                          </a:solidFill>
+                          <a:effectLst/>
+                          <a:latin typeface="+mn-lt"/>
+                          <a:ea typeface="+mn-ea"/>
+                          <a:cs typeface="+mn-cs"/>
+                        </a:rPr>
+                        <a:t>/</a:t>
+                      </a:r>
+                      <a:r>
+                        <a:rPr lang="en-US" altLang="ko-KR" sz="1800" kern="1200" dirty="0" err="1" smtClean="0">
+                          <a:solidFill>
+                            <a:schemeClr val="dk1"/>
+                          </a:solidFill>
+                          <a:effectLst/>
+                          <a:latin typeface="+mn-lt"/>
+                          <a:ea typeface="+mn-ea"/>
+                          <a:cs typeface="+mn-cs"/>
+                        </a:rPr>
+                        <a:t>fourglass</a:t>
+                      </a:r>
+                      <a:r>
+                        <a:rPr lang="en-US" altLang="ko-KR" sz="1800" kern="1200" dirty="0" smtClean="0">
+                          <a:solidFill>
+                            <a:schemeClr val="dk1"/>
+                          </a:solidFill>
+                          <a:effectLst/>
+                          <a:latin typeface="+mn-lt"/>
+                          <a:ea typeface="+mn-ea"/>
+                          <a:cs typeface="+mn-cs"/>
+                        </a:rPr>
+                        <a:t>/team1_update_cmt</a:t>
+                      </a:r>
+                      <a:endParaRPr lang="en-US" dirty="0"/>
+                    </a:p>
+                  </a:txBody>
+                  <a:tcPr anchor="ctr"/>
+                </a:tc>
+                <a:tc>
+                  <a:txBody>
+                    <a:bodyPr/>
+                    <a:lstStyle/>
+                    <a:p>
+                      <a:pPr lvl="0" algn="ctr">
+                        <a:buNone/>
+                      </a:pPr>
+                      <a:r>
+                        <a:rPr lang="en-US" altLang="ko-KR" dirty="0" smtClean="0"/>
+                        <a:t>{</a:t>
+                      </a:r>
+                      <a:r>
+                        <a:rPr lang="en-US" altLang="ko-KR" sz="1800" kern="1200" dirty="0" smtClean="0">
+                          <a:solidFill>
+                            <a:schemeClr val="dk1"/>
+                          </a:solidFill>
+                          <a:effectLst/>
+                          <a:latin typeface="+mn-lt"/>
+                          <a:ea typeface="+mn-ea"/>
+                          <a:cs typeface="+mn-cs"/>
+                        </a:rPr>
+                        <a:t>'</a:t>
+                      </a:r>
+                      <a:r>
+                        <a:rPr lang="en-US" altLang="ko-KR" sz="1800" kern="1200" dirty="0" err="1" smtClean="0">
+                          <a:solidFill>
+                            <a:schemeClr val="dk1"/>
+                          </a:solidFill>
+                          <a:effectLst/>
+                          <a:latin typeface="+mn-lt"/>
+                          <a:ea typeface="+mn-ea"/>
+                          <a:cs typeface="+mn-cs"/>
+                        </a:rPr>
+                        <a:t>id_give</a:t>
+                      </a:r>
+                      <a:r>
+                        <a:rPr lang="en-US" altLang="ko-KR" sz="1800" kern="1200" dirty="0" smtClean="0">
+                          <a:solidFill>
+                            <a:schemeClr val="dk1"/>
+                          </a:solidFill>
+                          <a:effectLst/>
+                          <a:latin typeface="+mn-lt"/>
+                          <a:ea typeface="+mn-ea"/>
+                          <a:cs typeface="+mn-cs"/>
+                        </a:rPr>
+                        <a:t>'</a:t>
+                      </a:r>
+                      <a:r>
+                        <a:rPr lang="en-US" altLang="ko-KR" dirty="0" smtClean="0"/>
+                        <a:t>: id</a:t>
+                      </a:r>
+                      <a:r>
+                        <a:rPr lang="en-US" altLang="ko-KR" sz="1800" kern="1200" dirty="0" smtClean="0">
+                          <a:solidFill>
+                            <a:schemeClr val="dk1"/>
+                          </a:solidFill>
+                          <a:effectLst/>
+                          <a:latin typeface="+mn-lt"/>
+                          <a:ea typeface="+mn-ea"/>
+                          <a:cs typeface="+mn-cs"/>
+                        </a:rPr>
+                        <a:t>, '</a:t>
+                      </a:r>
+                      <a:r>
+                        <a:rPr lang="en-US" altLang="ko-KR" sz="1800" kern="1200" dirty="0" err="1" smtClean="0">
+                          <a:solidFill>
+                            <a:schemeClr val="dk1"/>
+                          </a:solidFill>
+                          <a:effectLst/>
+                          <a:latin typeface="+mn-lt"/>
+                          <a:ea typeface="+mn-ea"/>
+                          <a:cs typeface="+mn-cs"/>
+                        </a:rPr>
+                        <a:t>name_give</a:t>
+                      </a:r>
+                      <a:r>
+                        <a:rPr lang="en-US" altLang="ko-KR" sz="1800" kern="1200" dirty="0" smtClean="0">
+                          <a:solidFill>
+                            <a:schemeClr val="dk1"/>
+                          </a:solidFill>
+                          <a:effectLst/>
+                          <a:latin typeface="+mn-lt"/>
+                          <a:ea typeface="+mn-ea"/>
+                          <a:cs typeface="+mn-cs"/>
+                        </a:rPr>
+                        <a:t>'</a:t>
+                      </a:r>
+                      <a:r>
+                        <a:rPr lang="en-US" altLang="ko-KR" dirty="0" smtClean="0"/>
+                        <a:t>: name</a:t>
+                      </a:r>
+                      <a:r>
+                        <a:rPr lang="en-US" altLang="ko-KR" sz="1800" kern="1200" dirty="0" smtClean="0">
+                          <a:solidFill>
+                            <a:schemeClr val="dk1"/>
+                          </a:solidFill>
+                          <a:effectLst/>
+                          <a:latin typeface="+mn-lt"/>
+                          <a:ea typeface="+mn-ea"/>
+                          <a:cs typeface="+mn-cs"/>
+                        </a:rPr>
+                        <a:t>, '</a:t>
+                      </a:r>
+                      <a:r>
+                        <a:rPr lang="en-US" altLang="ko-KR" sz="1800" kern="1200" dirty="0" err="1" smtClean="0">
+                          <a:solidFill>
+                            <a:schemeClr val="dk1"/>
+                          </a:solidFill>
+                          <a:effectLst/>
+                          <a:latin typeface="+mn-lt"/>
+                          <a:ea typeface="+mn-ea"/>
+                          <a:cs typeface="+mn-cs"/>
+                        </a:rPr>
+                        <a:t>comment_give</a:t>
+                      </a:r>
+                      <a:r>
+                        <a:rPr lang="en-US" altLang="ko-KR" sz="1800" kern="1200" dirty="0" smtClean="0">
+                          <a:solidFill>
+                            <a:schemeClr val="dk1"/>
+                          </a:solidFill>
+                          <a:effectLst/>
+                          <a:latin typeface="+mn-lt"/>
+                          <a:ea typeface="+mn-ea"/>
+                          <a:cs typeface="+mn-cs"/>
+                        </a:rPr>
+                        <a:t>'</a:t>
+                      </a:r>
+                      <a:r>
+                        <a:rPr lang="en-US" altLang="ko-KR" dirty="0" smtClean="0"/>
+                        <a:t>: comment}</a:t>
+                      </a:r>
+                      <a:endParaRPr lang="en-US" dirty="0"/>
+                    </a:p>
+                  </a:txBody>
+                  <a:tcPr anchor="ctr"/>
+                </a:tc>
+                <a:tc>
+                  <a:txBody>
+                    <a:bodyPr/>
+                    <a:lstStyle/>
+                    <a:p>
+                      <a:pPr lvl="0" algn="ctr">
+                        <a:buNone/>
+                      </a:pPr>
+                      <a:r>
+                        <a:rPr lang="ko-KR" altLang="en-US" baseline="0" dirty="0" smtClean="0"/>
+                        <a:t>성공 여부 </a:t>
+                      </a:r>
+                      <a:r>
+                        <a:rPr lang="ko-KR" altLang="en-US" baseline="0" dirty="0" err="1" smtClean="0"/>
+                        <a:t>메세지</a:t>
+                      </a:r>
+                      <a:endParaRPr lang="en-US" dirty="0"/>
+                    </a:p>
+                  </a:txBody>
+                  <a:tcPr anchor="ctr"/>
+                </a:tc>
+              </a:tr>
+              <a:tr h="825578">
+                <a:tc>
+                  <a:txBody>
+                    <a:bodyPr/>
+                    <a:lstStyle/>
+                    <a:p>
+                      <a:pPr lvl="0" algn="ctr">
+                        <a:buNone/>
+                      </a:pPr>
+                      <a:r>
+                        <a:rPr lang="ko-KR" altLang="en-US" dirty="0" err="1" smtClean="0"/>
+                        <a:t>댓글</a:t>
+                      </a:r>
+                      <a:r>
+                        <a:rPr lang="ko-KR" altLang="en-US" dirty="0" smtClean="0"/>
+                        <a:t> 달기</a:t>
+                      </a:r>
+                      <a:endParaRPr lang="en-US" dirty="0"/>
+                    </a:p>
+                  </a:txBody>
+                  <a:tcPr anchor="ctr"/>
+                </a:tc>
+                <a:tc>
+                  <a:txBody>
+                    <a:bodyPr/>
+                    <a:lstStyle/>
+                    <a:p>
+                      <a:pPr lvl="0" algn="ctr">
+                        <a:buNone/>
+                      </a:pPr>
+                      <a:r>
+                        <a:rPr lang="en-US" dirty="0" smtClean="0"/>
+                        <a:t>POST</a:t>
+                      </a:r>
+                      <a:endParaRPr lang="en-US" dirty="0"/>
+                    </a:p>
+                  </a:txBody>
+                  <a:tcPr anchor="ctr"/>
+                </a:tc>
+                <a:tc>
+                  <a:txBody>
+                    <a:bodyPr/>
+                    <a:lstStyle/>
+                    <a:p>
+                      <a:pPr lvl="0" algn="ctr">
+                        <a:buNone/>
+                      </a:pPr>
+                      <a:r>
+                        <a:rPr lang="en-US" altLang="ko-KR" sz="1800" kern="1200" dirty="0" smtClean="0">
+                          <a:solidFill>
+                            <a:schemeClr val="dk1"/>
+                          </a:solidFill>
+                          <a:effectLst/>
+                          <a:latin typeface="+mn-lt"/>
+                          <a:ea typeface="+mn-ea"/>
+                          <a:cs typeface="+mn-cs"/>
+                        </a:rPr>
+                        <a:t>/</a:t>
+                      </a:r>
+                      <a:r>
+                        <a:rPr lang="en-US" altLang="ko-KR" sz="1800" kern="1200" dirty="0" err="1" smtClean="0">
+                          <a:solidFill>
+                            <a:schemeClr val="dk1"/>
+                          </a:solidFill>
+                          <a:effectLst/>
+                          <a:latin typeface="+mn-lt"/>
+                          <a:ea typeface="+mn-ea"/>
+                          <a:cs typeface="+mn-cs"/>
+                        </a:rPr>
+                        <a:t>fourglass</a:t>
+                      </a:r>
+                      <a:r>
+                        <a:rPr lang="en-US" altLang="ko-KR" sz="1800" kern="1200" dirty="0" smtClean="0">
+                          <a:solidFill>
+                            <a:schemeClr val="dk1"/>
+                          </a:solidFill>
+                          <a:effectLst/>
+                          <a:latin typeface="+mn-lt"/>
+                          <a:ea typeface="+mn-ea"/>
+                          <a:cs typeface="+mn-cs"/>
+                        </a:rPr>
+                        <a:t>/team1_add_reply</a:t>
+                      </a:r>
+                      <a:endParaRPr lang="en-US" dirty="0"/>
+                    </a:p>
+                  </a:txBody>
+                  <a:tcPr anchor="ctr"/>
+                </a:tc>
+                <a:tc>
+                  <a:txBody>
+                    <a:bodyPr/>
+                    <a:lstStyle/>
+                    <a:p>
+                      <a:pPr lvl="0" algn="ctr">
+                        <a:buNone/>
+                      </a:pPr>
+                      <a:r>
+                        <a:rPr lang="en-US" altLang="ko-KR" dirty="0" smtClean="0"/>
+                        <a:t>{</a:t>
+                      </a:r>
+                      <a:r>
+                        <a:rPr lang="en-US" altLang="ko-KR" sz="1800" kern="1200" dirty="0" smtClean="0">
+                          <a:solidFill>
+                            <a:schemeClr val="dk1"/>
+                          </a:solidFill>
+                          <a:effectLst/>
+                          <a:latin typeface="+mn-lt"/>
+                          <a:ea typeface="+mn-ea"/>
+                          <a:cs typeface="+mn-cs"/>
+                        </a:rPr>
+                        <a:t>'</a:t>
+                      </a:r>
+                      <a:r>
+                        <a:rPr lang="en-US" altLang="ko-KR" sz="1800" kern="1200" dirty="0" err="1" smtClean="0">
+                          <a:solidFill>
+                            <a:schemeClr val="dk1"/>
+                          </a:solidFill>
+                          <a:effectLst/>
+                          <a:latin typeface="+mn-lt"/>
+                          <a:ea typeface="+mn-ea"/>
+                          <a:cs typeface="+mn-cs"/>
+                        </a:rPr>
+                        <a:t>id_give</a:t>
+                      </a:r>
+                      <a:r>
+                        <a:rPr lang="en-US" altLang="ko-KR" sz="1800" kern="1200" dirty="0" smtClean="0">
+                          <a:solidFill>
+                            <a:schemeClr val="dk1"/>
+                          </a:solidFill>
+                          <a:effectLst/>
+                          <a:latin typeface="+mn-lt"/>
+                          <a:ea typeface="+mn-ea"/>
+                          <a:cs typeface="+mn-cs"/>
+                        </a:rPr>
+                        <a:t>'</a:t>
+                      </a:r>
+                      <a:r>
+                        <a:rPr lang="en-US" altLang="ko-KR" dirty="0" smtClean="0"/>
+                        <a:t>: id</a:t>
+                      </a:r>
+                      <a:r>
+                        <a:rPr lang="en-US" altLang="ko-KR" sz="1800" kern="1200" dirty="0" smtClean="0">
+                          <a:solidFill>
+                            <a:schemeClr val="dk1"/>
+                          </a:solidFill>
+                          <a:effectLst/>
+                          <a:latin typeface="+mn-lt"/>
+                          <a:ea typeface="+mn-ea"/>
+                          <a:cs typeface="+mn-cs"/>
+                        </a:rPr>
+                        <a:t>, '</a:t>
+                      </a:r>
+                      <a:r>
+                        <a:rPr lang="en-US" altLang="ko-KR" sz="1800" kern="1200" dirty="0" err="1" smtClean="0">
+                          <a:solidFill>
+                            <a:schemeClr val="dk1"/>
+                          </a:solidFill>
+                          <a:effectLst/>
+                          <a:latin typeface="+mn-lt"/>
+                          <a:ea typeface="+mn-ea"/>
+                          <a:cs typeface="+mn-cs"/>
+                        </a:rPr>
+                        <a:t>name_give</a:t>
+                      </a:r>
+                      <a:r>
+                        <a:rPr lang="en-US" altLang="ko-KR" sz="1800" kern="1200" dirty="0" smtClean="0">
+                          <a:solidFill>
+                            <a:schemeClr val="dk1"/>
+                          </a:solidFill>
+                          <a:effectLst/>
+                          <a:latin typeface="+mn-lt"/>
+                          <a:ea typeface="+mn-ea"/>
+                          <a:cs typeface="+mn-cs"/>
+                        </a:rPr>
+                        <a:t>'</a:t>
+                      </a:r>
+                      <a:r>
+                        <a:rPr lang="en-US" altLang="ko-KR" dirty="0" smtClean="0"/>
+                        <a:t>: </a:t>
+                      </a:r>
+                      <a:r>
+                        <a:rPr lang="en-US" altLang="ko-KR" dirty="0" err="1" smtClean="0"/>
+                        <a:t>replyName</a:t>
+                      </a:r>
+                      <a:r>
+                        <a:rPr lang="en-US" altLang="ko-KR" sz="1800" kern="1200" dirty="0" smtClean="0">
+                          <a:solidFill>
+                            <a:schemeClr val="dk1"/>
+                          </a:solidFill>
+                          <a:effectLst/>
+                          <a:latin typeface="+mn-lt"/>
+                          <a:ea typeface="+mn-ea"/>
+                          <a:cs typeface="+mn-cs"/>
+                        </a:rPr>
+                        <a:t>, '</a:t>
+                      </a:r>
+                      <a:r>
+                        <a:rPr lang="en-US" altLang="ko-KR" sz="1800" kern="1200" dirty="0" err="1" smtClean="0">
+                          <a:solidFill>
+                            <a:schemeClr val="dk1"/>
+                          </a:solidFill>
+                          <a:effectLst/>
+                          <a:latin typeface="+mn-lt"/>
+                          <a:ea typeface="+mn-ea"/>
+                          <a:cs typeface="+mn-cs"/>
+                        </a:rPr>
+                        <a:t>text_give</a:t>
+                      </a:r>
+                      <a:r>
+                        <a:rPr lang="en-US" altLang="ko-KR" sz="1800" kern="1200" dirty="0" smtClean="0">
+                          <a:solidFill>
+                            <a:schemeClr val="dk1"/>
+                          </a:solidFill>
+                          <a:effectLst/>
+                          <a:latin typeface="+mn-lt"/>
+                          <a:ea typeface="+mn-ea"/>
+                          <a:cs typeface="+mn-cs"/>
+                        </a:rPr>
+                        <a:t>'</a:t>
+                      </a:r>
+                      <a:r>
+                        <a:rPr lang="en-US" altLang="ko-KR" dirty="0" smtClean="0"/>
+                        <a:t>: </a:t>
+                      </a:r>
+                      <a:r>
+                        <a:rPr lang="en-US" altLang="ko-KR" dirty="0" err="1" smtClean="0"/>
+                        <a:t>replyText</a:t>
+                      </a:r>
+                      <a:r>
+                        <a:rPr lang="en-US" altLang="ko-KR" dirty="0" smtClean="0"/>
+                        <a:t>}</a:t>
+                      </a:r>
+                      <a:endParaRPr lang="en-US" dirty="0"/>
+                    </a:p>
+                  </a:txBody>
+                  <a:tcPr anchor="ctr"/>
+                </a:tc>
+                <a:tc>
+                  <a:txBody>
+                    <a:bodyPr/>
+                    <a:lstStyle/>
+                    <a:p>
+                      <a:pPr lvl="0" algn="ctr">
+                        <a:buNone/>
+                      </a:pPr>
+                      <a:r>
+                        <a:rPr lang="ko-KR" altLang="en-US" dirty="0" smtClean="0"/>
+                        <a:t>성공 여부</a:t>
+                      </a:r>
+                      <a:endParaRPr lang="en-US" dirty="0"/>
+                    </a:p>
+                  </a:txBody>
+                  <a:tcPr anchor="ctr"/>
+                </a:tc>
+              </a:tr>
+            </a:tbl>
+          </a:graphicData>
+        </a:graphic>
+      </p:graphicFrame>
+    </p:spTree>
+    <p:extLst>
+      <p:ext uri="{BB962C8B-B14F-4D97-AF65-F5344CB8AC3E}">
+        <p14:creationId xmlns:p14="http://schemas.microsoft.com/office/powerpoint/2010/main" val="1897051336"/>
+      </p:ext>
+    </p:extLst>
+  </p:cSld>
+  <p:clrMapOvr>
+    <a:masterClrMapping/>
+  </p:clrMapOvr>
+</p:sld>
+</file>
+
+<file path=ppt/slides/slide6.xml><?xml version="1.0" encoding="utf-8"?>
+<p:sld xmlns:a="http://schemas.openxmlformats.org/drawingml/2006/main" xmlns:r="http://schemas.openxmlformats.org/officeDocument/2006/relationships" xmlns:p="http://schemas.openxmlformats.org/presentationml/2006/main">
+  <p:cSld>
+    <p:spTree>
+      <p:nvGrpSpPr>
+        <p:cNvPr id="1" name=""/>
+        <p:cNvGrpSpPr/>
+        <p:nvPr/>
+      </p:nvGrpSpPr>
+      <p:grpSpPr>
+        <a:xfrm>
+          <a:off x="0" y="0"/>
+          <a:ext cx="0" cy="0"/>
+          <a:chOff x="0" y="0"/>
+          <a:chExt cx="0" cy="0"/>
+        </a:xfrm>
+      </p:grpSpPr>
+      <p:sp>
+        <p:nvSpPr>
+          <p:cNvPr id="4" name="TextBox 3">
+            <a:extLst>
+              <a:ext uri="{FF2B5EF4-FFF2-40B4-BE49-F238E27FC236}">
+                <a16:creationId xmlns:a16="http://schemas.microsoft.com/office/drawing/2014/main" xmlns="" id="{33654825-0954-BE0D-E887-CF73BE33EE64}"/>
+              </a:ext>
+            </a:extLst>
+          </p:cNvPr>
+          <p:cNvSpPr txBox="1"/>
+          <p:nvPr/>
+        </p:nvSpPr>
+        <p:spPr>
+          <a:xfrm>
+            <a:off x="3155282" y="2179722"/>
+            <a:ext cx="5550568" cy="1862048"/>
+          </a:xfrm>
+          <a:prstGeom prst="rect">
+            <a:avLst/>
+          </a:prstGeom>
+          <a:noFill/>
+        </p:spPr>
+        <p:txBody>
+          <a:bodyPr rot="0" spcFirstLastPara="0" vertOverflow="overflow" horzOverflow="overflow" vert="horz" wrap="square" lIns="91440" tIns="45720" rIns="91440" bIns="45720" numCol="1" spcCol="0" rtlCol="0" fromWordArt="0" anchor="t" anchorCtr="0" forceAA="0" compatLnSpc="1">
+            <a:prstTxWarp prst="textNoShape">
+              <a:avLst/>
+            </a:prstTxWarp>
+            <a:spAutoFit/>
+          </a:bodyPr>
+          <a:lstStyle/>
+          <a:p>
+            <a:pPr algn="ctr"/>
+            <a:r>
+              <a:rPr lang="ko-KR" altLang="en-US" sz="11500" smtClean="0">
+                <a:latin typeface="Noto Sans KR"/>
+              </a:rPr>
+              <a:t>시연</a:t>
+            </a:r>
+            <a:endParaRPr lang="en-US" sz="11500" dirty="0">
+              <a:latin typeface="Noto Sans KR"/>
+            </a:endParaRPr>
+          </a:p>
+        </p:txBody>
+      </p:sp>
+    </p:spTree>
+    <p:extLst>
+      <p:ext uri="{BB962C8B-B14F-4D97-AF65-F5344CB8AC3E}">
+        <p14:creationId xmlns:p14="http://schemas.microsoft.com/office/powerpoint/2010/main" val="1970081104"/>
+      </p:ext>
+    </p:extLst>
+  </p:cSld>
+  <p:clrMapOvr>
+    <a:masterClrMapping/>
+  </p:clrMapOvr>
+</p:sld>
+</file>
+
+<file path=ppt/slides/slide7.xml><?xml version="1.0" encoding="utf-8"?>
 <p:sld xmlns:a="http://schemas.openxmlformats.org/drawingml/2006/main" xmlns:r="http://schemas.openxmlformats.org/officeDocument/2006/relationships" xmlns:p="http://schemas.openxmlformats.org/presentationml/2006/main">
   <p:cSld>
     <p:bg>
@@ -5900,10 +7285,10 @@
           <p:cNvPr id="27" name="Rectangle 20">
             <a:extLst>
               <a:ext uri="{FF2B5EF4-FFF2-40B4-BE49-F238E27FC236}">
-                <a16:creationId xmlns:a16="http://schemas.microsoft.com/office/drawing/2014/main" id="{8BEAC55E-FD3E-4A90-B4E2-D197D8038366}"/>
+                <a16:creationId xmlns:a16="http://schemas.microsoft.com/office/drawing/2014/main" xmlns="" id="{8BEAC55E-FD3E-4A90-B4E2-D197D8038366}"/>
               </a:ext>
               <a:ext uri="{C183D7F6-B498-43B3-948B-1728B52AA6E4}">
-                <adec:decorative xmlns:adec="http://schemas.microsoft.com/office/drawing/2017/decorative" val="1"/>
+                <adec:decorative xmlns:adec="http://schemas.microsoft.com/office/drawing/2017/decorative" xmlns="" val="1"/>
               </a:ext>
             </a:extLst>
           </p:cNvPr>
@@ -5913,7 +7298,7 @@
           <p:nvPr>
             <p:extLst>
               <p:ext uri="{386F3935-93C4-4BCD-93E2-E3B085C9AB24}">
-                <p16:designElem xmlns:p16="http://schemas.microsoft.com/office/powerpoint/2015/main" val="1"/>
+                <p16:designElem xmlns:p16="http://schemas.microsoft.com/office/powerpoint/2015/main" xmlns="" val="1"/>
               </p:ext>
             </p:extLst>
           </p:nvPr>
@@ -5976,10 +7361,10 @@
           <p:cNvPr id="28" name="Rectangle 22">
             <a:extLst>
               <a:ext uri="{FF2B5EF4-FFF2-40B4-BE49-F238E27FC236}">
-                <a16:creationId xmlns:a16="http://schemas.microsoft.com/office/drawing/2014/main" id="{282DCAD1-D7F2-4CA8-960C-526B7DB37A82}"/>
+                <a16:creationId xmlns:a16="http://schemas.microsoft.com/office/drawing/2014/main" xmlns="" id="{282DCAD1-D7F2-4CA8-960C-526B7DB37A82}"/>
               </a:ext>
               <a:ext uri="{C183D7F6-B498-43B3-948B-1728B52AA6E4}">
-                <adec:decorative xmlns:adec="http://schemas.microsoft.com/office/drawing/2017/decorative" val="1"/>
+                <adec:decorative xmlns:adec="http://schemas.microsoft.com/office/drawing/2017/decorative" xmlns="" val="1"/>
               </a:ext>
             </a:extLst>
           </p:cNvPr>
@@ -5989,7 +7374,7 @@
           <p:nvPr>
             <p:extLst>
               <p:ext uri="{386F3935-93C4-4BCD-93E2-E3B085C9AB24}">
-                <p16:designElem xmlns:p16="http://schemas.microsoft.com/office/powerpoint/2015/main" val="1"/>
+                <p16:designElem xmlns:p16="http://schemas.microsoft.com/office/powerpoint/2015/main" xmlns="" val="1"/>
               </p:ext>
             </p:extLst>
           </p:nvPr>
@@ -6051,10 +7436,10 @@
           <p:cNvPr id="29" name="Rectangle 24">
             <a:extLst>
               <a:ext uri="{FF2B5EF4-FFF2-40B4-BE49-F238E27FC236}">
-                <a16:creationId xmlns:a16="http://schemas.microsoft.com/office/drawing/2014/main" id="{0009AC7F-1347-41C8-8BEB-47473A21A696}"/>
+                <a16:creationId xmlns:a16="http://schemas.microsoft.com/office/drawing/2014/main" xmlns="" id="{0009AC7F-1347-41C8-8BEB-47473A21A696}"/>
               </a:ext>
               <a:ext uri="{C183D7F6-B498-43B3-948B-1728B52AA6E4}">
-                <adec:decorative xmlns:adec="http://schemas.microsoft.com/office/drawing/2017/decorative" val="1"/>
+                <adec:decorative xmlns:adec="http://schemas.microsoft.com/office/drawing/2017/decorative" xmlns="" val="1"/>
               </a:ext>
             </a:extLst>
           </p:cNvPr>
@@ -6064,7 +7449,7 @@
           <p:nvPr>
             <p:extLst>
               <p:ext uri="{386F3935-93C4-4BCD-93E2-E3B085C9AB24}">
-                <p16:designElem xmlns:p16="http://schemas.microsoft.com/office/powerpoint/2015/main" val="1"/>
+                <p16:designElem xmlns:p16="http://schemas.microsoft.com/office/powerpoint/2015/main" xmlns="" val="1"/>
               </p:ext>
             </p:extLst>
           </p:nvPr>
@@ -6126,7 +7511,7 @@
           <p:cNvPr id="9" name="TextBox 8">
             <a:extLst>
               <a:ext uri="{FF2B5EF4-FFF2-40B4-BE49-F238E27FC236}">
-                <a16:creationId xmlns:a16="http://schemas.microsoft.com/office/drawing/2014/main" id="{CA09A6C5-1F2B-E71F-4FA9-C676934771CA}"/>
+                <a16:creationId xmlns:a16="http://schemas.microsoft.com/office/drawing/2014/main" xmlns="" id="{CA09A6C5-1F2B-E71F-4FA9-C676934771CA}"/>
               </a:ext>
             </a:extLst>
           </p:cNvPr>
@@ -6135,8 +7520,8 @@
         </p:nvSpPr>
         <p:spPr>
           <a:xfrm>
-            <a:off x="350052" y="1434119"/>
-            <a:ext cx="6374579" cy="646331"/>
+            <a:off x="371372" y="2033639"/>
+            <a:ext cx="8603448" cy="830997"/>
           </a:xfrm>
           <a:prstGeom prst="rect">
             <a:avLst/>
@@ -6153,42 +7538,26 @@
           <a:lstStyle/>
           <a:p>
             <a:r>
-              <a:rPr lang="ko-KR" altLang="en-US"/>
-              <a:t>원래는 </a:t>
-            </a:r>
-            <a:r>
-              <a:rPr lang="ko-KR" altLang="en-US" err="1"/>
-              <a:t>API가</a:t>
-            </a:r>
-            <a:r>
-              <a:rPr lang="ko-KR" altLang="en-US"/>
-              <a:t> 각각 </a:t>
-            </a:r>
-            <a:r>
-              <a:rPr lang="ko-KR" altLang="en-US" err="1"/>
-              <a:t>따로따로여서</a:t>
-            </a:r>
-            <a:r>
-              <a:rPr lang="ko-KR" altLang="en-US"/>
-              <a:t> 어려움을 겪다가 </a:t>
-            </a:r>
-            <a:endParaRPr lang="en-US"/>
-          </a:p>
-          <a:p>
-            <a:r>
-              <a:rPr lang="ko-KR" altLang="en-US"/>
+              <a:rPr lang="ko-KR" altLang="en-US" sz="2400" dirty="0"/>
+              <a:t>원래는 API가 각각 따로따로여서 어려움을 겪다가 </a:t>
+            </a:r>
+            <a:endParaRPr lang="en-US" sz="2400" dirty="0"/>
+          </a:p>
+          <a:p>
+            <a:r>
+              <a:rPr lang="ko-KR" altLang="en-US" sz="2400" dirty="0"/>
               <a:t>다 같은 형식으로 통일해서 사용하는 방법으로 바꾸었습니다.</a:t>
             </a:r>
-            <a:endParaRPr lang="ko-KR"/>
-          </a:p>
-        </p:txBody>
-      </p:sp>
-      <p:sp>
-        <p:nvSpPr>
-          <p:cNvPr id="13" name="TextBox 12">
-            <a:extLst>
-              <a:ext uri="{FF2B5EF4-FFF2-40B4-BE49-F238E27FC236}">
-                <a16:creationId xmlns:a16="http://schemas.microsoft.com/office/drawing/2014/main" id="{9269FFA7-5AD5-D0BC-1FE3-774306B36EC6}"/>
+            <a:endParaRPr lang="ko-KR" sz="2400" dirty="0"/>
+          </a:p>
+        </p:txBody>
+      </p:sp>
+      <p:sp>
+        <p:nvSpPr>
+          <p:cNvPr id="15" name="TextBox 14">
+            <a:extLst>
+              <a:ext uri="{FF2B5EF4-FFF2-40B4-BE49-F238E27FC236}">
+                <a16:creationId xmlns:a16="http://schemas.microsoft.com/office/drawing/2014/main" xmlns="" id="{43D697BC-6B0B-81B2-69AC-942071A3B9D8}"/>
               </a:ext>
             </a:extLst>
           </p:cNvPr>
@@ -6197,8 +7566,8 @@
         </p:nvSpPr>
         <p:spPr>
           <a:xfrm>
-            <a:off x="350051" y="4349885"/>
-            <a:ext cx="6192742" cy="369332"/>
+            <a:off x="371372" y="3208047"/>
+            <a:ext cx="13225868" cy="1938992"/>
           </a:xfrm>
           <a:prstGeom prst="rect">
             <a:avLst/>
@@ -6215,18 +7584,125 @@
           <a:lstStyle/>
           <a:p>
             <a:r>
-              <a:rPr lang="ko-KR" altLang="en-US"/>
-              <a:t>각각의 댓글을 완벽하게 구분하는 법을 만들지 못했습니다.</a:t>
-            </a:r>
-          </a:p>
-        </p:txBody>
-      </p:sp>
-      <p:sp>
-        <p:nvSpPr>
-          <p:cNvPr id="15" name="TextBox 14">
-            <a:extLst>
-              <a:ext uri="{FF2B5EF4-FFF2-40B4-BE49-F238E27FC236}">
-                <a16:creationId xmlns:a16="http://schemas.microsoft.com/office/drawing/2014/main" id="{43D697BC-6B0B-81B2-69AC-942071A3B9D8}"/>
+              <a:rPr lang="ko-KR" altLang="en-US" sz="2400" dirty="0"/>
+              <a:t>깃의 사용법에 익숙하지 못했습니다.</a:t>
+            </a:r>
+          </a:p>
+          <a:p>
+            <a:r>
+              <a:rPr lang="en-US" altLang="ko-KR" sz="2400" dirty="0" smtClean="0"/>
+              <a:t>Merge</a:t>
+            </a:r>
+            <a:r>
+              <a:rPr lang="ko-KR" altLang="en-US" sz="2400" dirty="0" smtClean="0"/>
+              <a:t> </a:t>
+            </a:r>
+            <a:r>
+              <a:rPr lang="ko-KR" altLang="en-US" sz="2400" dirty="0"/>
+              <a:t>: </a:t>
+            </a:r>
+            <a:r>
+              <a:rPr lang="ko-KR" altLang="en-US" sz="2400" dirty="0" err="1"/>
+              <a:t>커밋이</a:t>
+            </a:r>
+            <a:r>
+              <a:rPr lang="ko-KR" altLang="en-US" sz="2400" dirty="0"/>
+              <a:t> </a:t>
+            </a:r>
+            <a:r>
+              <a:rPr lang="ko-KR" altLang="en-US" sz="2400" dirty="0" err="1"/>
+              <a:t>병합되는것</a:t>
+            </a:r>
+            <a:r>
+              <a:rPr lang="ko-KR" altLang="en-US" sz="2400" dirty="0"/>
+              <a:t> </a:t>
+            </a:r>
+          </a:p>
+          <a:p>
+            <a:r>
+              <a:rPr lang="ko-KR" altLang="en-US" sz="2400" dirty="0"/>
+              <a:t>-&gt; </a:t>
+            </a:r>
+            <a:r>
+              <a:rPr lang="ko-KR" altLang="en-US" sz="2400" dirty="0" smtClean="0"/>
+              <a:t>두 사람이 </a:t>
+            </a:r>
+            <a:r>
+              <a:rPr lang="ko-KR" altLang="en-US" sz="2400" dirty="0"/>
+              <a:t>동시에 </a:t>
+            </a:r>
+            <a:r>
+              <a:rPr lang="ko-KR" altLang="en-US" sz="2400" dirty="0" smtClean="0"/>
+              <a:t>수정하면 한쪽의 </a:t>
+            </a:r>
+            <a:r>
+              <a:rPr lang="ko-KR" altLang="en-US" sz="2400" dirty="0" err="1"/>
+              <a:t>커밋이</a:t>
+            </a:r>
+            <a:r>
+              <a:rPr lang="ko-KR" altLang="en-US" sz="2400" dirty="0"/>
+              <a:t> 없어지는 현상이 있었습니다. </a:t>
+            </a:r>
+            <a:endParaRPr lang="ko-KR" sz="2400" dirty="0"/>
+          </a:p>
+          <a:p>
+            <a:r>
+              <a:rPr lang="ko-KR" altLang="en-US" sz="2400" dirty="0"/>
+              <a:t>-&gt; 이 부분은 </a:t>
+            </a:r>
+            <a:r>
+              <a:rPr lang="ko-KR" altLang="en-US" sz="2400" dirty="0" err="1"/>
+              <a:t>튜터님에게</a:t>
+            </a:r>
+            <a:r>
+              <a:rPr lang="ko-KR" altLang="en-US" sz="2400" dirty="0"/>
+              <a:t> 도움을 받았습니다.</a:t>
+            </a:r>
+            <a:endParaRPr lang="ko-KR" sz="2400" dirty="0"/>
+          </a:p>
+          <a:p>
+            <a:r>
+              <a:rPr lang="ko-KR" altLang="en-US" sz="2400" dirty="0"/>
+              <a:t>-&gt; </a:t>
+            </a:r>
+            <a:r>
+              <a:rPr lang="ko-KR" altLang="en-US" sz="2400" dirty="0" err="1"/>
+              <a:t>푸쉬하기전에</a:t>
+            </a:r>
+            <a:r>
+              <a:rPr lang="ko-KR" altLang="en-US" sz="2400" dirty="0"/>
+              <a:t> 풀(</a:t>
+            </a:r>
+            <a:r>
+              <a:rPr lang="ko-KR" altLang="en-US" sz="2400" dirty="0" err="1"/>
+              <a:t>내려받기</a:t>
+            </a:r>
+            <a:r>
+              <a:rPr lang="ko-KR" altLang="en-US" sz="2400" dirty="0"/>
+              <a:t>)</a:t>
+            </a:r>
+            <a:r>
+              <a:rPr lang="ko-KR" altLang="en-US" sz="2400" dirty="0" err="1"/>
+              <a:t>를</a:t>
+            </a:r>
+            <a:r>
+              <a:rPr lang="ko-KR" altLang="en-US" sz="2400" dirty="0"/>
+              <a:t> 먼저 하는 습관을 들였습니다</a:t>
+            </a:r>
+            <a:r>
+              <a:rPr lang="ko-KR" altLang="en-US" sz="2400" dirty="0" smtClean="0"/>
+              <a:t>.</a:t>
+            </a:r>
+            <a:endParaRPr lang="ko-KR" altLang="en-US" sz="2400" dirty="0"/>
+          </a:p>
+        </p:txBody>
+      </p:sp>
+      <p:sp>
+        <p:nvSpPr>
+          <p:cNvPr id="8" name="TextBox 7">
+            <a:extLst>
+              <a:ext uri="{FF2B5EF4-FFF2-40B4-BE49-F238E27FC236}">
+                <a16:creationId xmlns:a16="http://schemas.microsoft.com/office/drawing/2014/main" xmlns="" id="{33654825-0954-BE0D-E887-CF73BE33EE64}"/>
               </a:ext>
             </a:extLst>
           </p:cNvPr>
@@ -6235,8 +7711,8 @@
         </p:nvSpPr>
         <p:spPr>
           <a:xfrm>
-            <a:off x="352322" y="2255547"/>
-            <a:ext cx="9799483" cy="1754326"/>
+            <a:off x="3345782" y="312822"/>
+            <a:ext cx="5550568" cy="830997"/>
           </a:xfrm>
           <a:prstGeom prst="rect">
             <a:avLst/>
@@ -6252,126 +7728,16 @@
           </a:bodyPr>
           <a:lstStyle/>
           <a:p>
-            <a:r>
-              <a:rPr lang="ko-KR" altLang="en-US"/>
-              <a:t>깃의 사용법에 익숙하지 못했습니다.</a:t>
-            </a:r>
-          </a:p>
-          <a:p>
-            <a:r>
-              <a:rPr lang="ko-KR" altLang="en-US" err="1"/>
-              <a:t>머지</a:t>
-            </a:r>
-            <a:r>
-              <a:rPr lang="ko-KR" altLang="en-US"/>
-              <a:t> : </a:t>
-            </a:r>
-            <a:r>
-              <a:rPr lang="ko-KR" altLang="en-US" err="1"/>
-              <a:t>커밋이</a:t>
-            </a:r>
-            <a:r>
-              <a:rPr lang="ko-KR" altLang="en-US"/>
-              <a:t> </a:t>
-            </a:r>
-            <a:r>
-              <a:rPr lang="ko-KR" altLang="en-US" err="1"/>
-              <a:t>병합되는것</a:t>
-            </a:r>
-            <a:r>
-              <a:rPr lang="ko-KR" altLang="en-US"/>
-              <a:t> </a:t>
-            </a:r>
-          </a:p>
-          <a:p>
-            <a:r>
-              <a:rPr lang="ko-KR" altLang="en-US"/>
-              <a:t>-&gt; 두사람이 동시에 </a:t>
-            </a:r>
-            <a:r>
-              <a:rPr lang="ko-KR" altLang="en-US" err="1"/>
-              <a:t>수정했을때</a:t>
-            </a:r>
-            <a:r>
-              <a:rPr lang="ko-KR" altLang="en-US"/>
-              <a:t> </a:t>
-            </a:r>
-            <a:r>
-              <a:rPr lang="ko-KR" altLang="en-US" err="1"/>
-              <a:t>머지가</a:t>
-            </a:r>
-            <a:r>
-              <a:rPr lang="ko-KR" altLang="en-US"/>
-              <a:t> 되면 한쪽의 </a:t>
-            </a:r>
-            <a:r>
-              <a:rPr lang="ko-KR" altLang="en-US" err="1"/>
-              <a:t>커밋이</a:t>
-            </a:r>
-            <a:r>
-              <a:rPr lang="ko-KR" altLang="en-US"/>
-              <a:t> 없어지는 현상이 있었습니다. </a:t>
-            </a:r>
-            <a:endParaRPr lang="ko-KR"/>
-          </a:p>
-          <a:p>
-            <a:r>
-              <a:rPr lang="ko-KR" altLang="en-US"/>
-              <a:t>-&gt; 이 부분은 </a:t>
-            </a:r>
-            <a:r>
-              <a:rPr lang="ko-KR" altLang="en-US" err="1"/>
-              <a:t>튜터님에게</a:t>
-            </a:r>
-            <a:r>
-              <a:rPr lang="ko-KR" altLang="en-US"/>
-              <a:t> 도움을 받았습니다.</a:t>
-            </a:r>
-            <a:endParaRPr lang="ko-KR"/>
-          </a:p>
-          <a:p>
-            <a:r>
-              <a:rPr lang="ko-KR" altLang="en-US"/>
-              <a:t>-&gt; </a:t>
-            </a:r>
-            <a:r>
-              <a:rPr lang="ko-KR" altLang="en-US" err="1"/>
-              <a:t>푸쉬하기전에</a:t>
-            </a:r>
-            <a:r>
-              <a:rPr lang="ko-KR" altLang="en-US"/>
-              <a:t> 풀(</a:t>
-            </a:r>
-            <a:r>
-              <a:rPr lang="ko-KR" altLang="en-US" err="1"/>
-              <a:t>내려받기</a:t>
-            </a:r>
-            <a:r>
-              <a:rPr lang="ko-KR" altLang="en-US"/>
-              <a:t>)</a:t>
-            </a:r>
-            <a:r>
-              <a:rPr lang="ko-KR" altLang="en-US" err="1"/>
-              <a:t>를</a:t>
-            </a:r>
-            <a:r>
-              <a:rPr lang="ko-KR" altLang="en-US"/>
-              <a:t> 먼저 하는 습관을 들였습니다.</a:t>
-            </a:r>
-          </a:p>
-          <a:p>
-            <a:r>
-              <a:rPr lang="ko-KR" altLang="en-US"/>
-              <a:t>-&gt; </a:t>
-            </a:r>
-            <a:r>
-              <a:rPr lang="ko-KR" altLang="en-US" err="1"/>
-              <a:t>브렌치를</a:t>
-            </a:r>
-            <a:r>
-              <a:rPr lang="ko-KR" altLang="en-US"/>
-              <a:t> 사용해 백업파일도 미리미리 만들도록 하겠습니다.</a:t>
-            </a:r>
+            <a:pPr algn="ctr"/>
+            <a:r>
+              <a:rPr lang="ko-KR" altLang="en-US" sz="4800" dirty="0" smtClean="0">
+                <a:latin typeface="Noto Sans KR"/>
+              </a:rPr>
+              <a:t>어려웠던 점</a:t>
+            </a:r>
+            <a:endParaRPr lang="en-US" sz="4800" dirty="0">
+              <a:latin typeface="Noto Sans KR"/>
+            </a:endParaRPr>
           </a:p>
         </p:txBody>
       </p:sp>
@@ -6385,10 +7751,123 @@
   <p:clrMapOvr>
     <a:masterClrMapping/>
   </p:clrMapOvr>
+  <p:timing>
+    <p:tnLst>
+      <p:par>
+        <p:cTn id="1" dur="indefinite" restart="never" nodeType="tmRoot"/>
+      </p:par>
+    </p:tnLst>
+  </p:timing>
 </p:sld>
 </file>
 
-<file path=ppt/slides/slide6.xml><?xml version="1.0" encoding="utf-8"?>
+<file path=ppt/slides/slide8.xml><?xml version="1.0" encoding="utf-8"?>
+<p:sld xmlns:a="http://schemas.openxmlformats.org/drawingml/2006/main" xmlns:r="http://schemas.openxmlformats.org/officeDocument/2006/relationships" xmlns:p="http://schemas.openxmlformats.org/presentationml/2006/main">
+  <p:cSld>
+    <p:spTree>
+      <p:nvGrpSpPr>
+        <p:cNvPr id="1" name=""/>
+        <p:cNvGrpSpPr/>
+        <p:nvPr/>
+      </p:nvGrpSpPr>
+      <p:grpSpPr>
+        <a:xfrm>
+          <a:off x="0" y="0"/>
+          <a:ext cx="0" cy="0"/>
+          <a:chOff x="0" y="0"/>
+          <a:chExt cx="0" cy="0"/>
+        </a:xfrm>
+      </p:grpSpPr>
+      <p:pic>
+        <p:nvPicPr>
+          <p:cNvPr id="4" name="Picture 4" descr="Text&#10;&#10;Description automatically generated">
+            <a:extLst>
+              <a:ext uri="{FF2B5EF4-FFF2-40B4-BE49-F238E27FC236}">
+                <a16:creationId xmlns:a16="http://schemas.microsoft.com/office/drawing/2014/main" xmlns="" id="{49DDA279-7ABD-D806-76A3-E613E50A7E20}"/>
+              </a:ext>
+            </a:extLst>
+          </p:cNvPr>
+          <p:cNvPicPr>
+            <a:picLocks noGrp="1" noChangeAspect="1"/>
+          </p:cNvPicPr>
+          <p:nvPr>
+            <p:ph idx="1"/>
+          </p:nvPr>
+        </p:nvPicPr>
+        <p:blipFill>
+          <a:blip r:embed="rId2"/>
+          <a:stretch>
+            <a:fillRect/>
+          </a:stretch>
+        </p:blipFill>
+        <p:spPr>
+          <a:xfrm>
+            <a:off x="3798650" y="331055"/>
+            <a:ext cx="5393989" cy="5878122"/>
+          </a:xfrm>
+        </p:spPr>
+      </p:pic>
+      <p:sp>
+        <p:nvSpPr>
+          <p:cNvPr id="5" name="TextBox 4">
+            <a:extLst>
+              <a:ext uri="{FF2B5EF4-FFF2-40B4-BE49-F238E27FC236}">
+                <a16:creationId xmlns:a16="http://schemas.microsoft.com/office/drawing/2014/main" xmlns="" id="{43A3EE4B-3DAF-2575-2651-CF92DD5BC47B}"/>
+              </a:ext>
+            </a:extLst>
+          </p:cNvPr>
+          <p:cNvSpPr txBox="1"/>
+          <p:nvPr/>
+        </p:nvSpPr>
+        <p:spPr>
+          <a:xfrm>
+            <a:off x="51531" y="120978"/>
+            <a:ext cx="2998838" cy="369332"/>
+          </a:xfrm>
+          <a:prstGeom prst="rect">
+            <a:avLst/>
+          </a:prstGeom>
+          <a:noFill/>
+        </p:spPr>
+        <p:txBody>
+          <a:bodyPr rot="0" spcFirstLastPara="0" vertOverflow="overflow" horzOverflow="overflow" vert="horz" wrap="square" lIns="91440" tIns="45720" rIns="91440" bIns="45720" numCol="1" spcCol="0" rtlCol="0" fromWordArt="0" anchor="t" anchorCtr="0" forceAA="0" compatLnSpc="1">
+            <a:prstTxWarp prst="textNoShape">
+              <a:avLst/>
+            </a:prstTxWarp>
+            <a:spAutoFit/>
+          </a:bodyPr>
+          <a:lstStyle/>
+          <a:p>
+            <a:pPr algn="l"/>
+            <a:r>
+              <a:rPr lang="ko-KR" altLang="en-US" err="1"/>
+              <a:t>길재형</a:t>
+            </a:r>
+            <a:endParaRPr lang="en-US" err="1"/>
+          </a:p>
+        </p:txBody>
+      </p:sp>
+    </p:spTree>
+    <p:extLst>
+      <p:ext uri="{BB962C8B-B14F-4D97-AF65-F5344CB8AC3E}">
+        <p14:creationId xmlns:p14="http://schemas.microsoft.com/office/powerpoint/2010/main" val="3854151561"/>
+      </p:ext>
+    </p:extLst>
+  </p:cSld>
+  <p:clrMapOvr>
+    <a:masterClrMapping/>
+  </p:clrMapOvr>
+  <p:timing>
+    <p:tnLst>
+      <p:par>
+        <p:cTn id="1" dur="indefinite" restart="never" nodeType="tmRoot"/>
+      </p:par>
+    </p:tnLst>
+  </p:timing>
+</p:sld>
+</file>
+
+<file path=ppt/slides/slide9.xml><?xml version="1.0" encoding="utf-8"?>
 <p:sld xmlns:a="http://schemas.openxmlformats.org/drawingml/2006/main" xmlns:r="http://schemas.openxmlformats.org/officeDocument/2006/relationships" xmlns:p="http://schemas.openxmlformats.org/presentationml/2006/main">
   <p:cSld>
     <p:spTree>
@@ -6410,7 +7889,7 @@
           <p:cNvPr id="5" name="Picture 5" descr="Text&#10;&#10;Description automatically generated">
             <a:extLst>
               <a:ext uri="{FF2B5EF4-FFF2-40B4-BE49-F238E27FC236}">
-                <a16:creationId xmlns:a16="http://schemas.microsoft.com/office/drawing/2014/main" id="{363C35EF-5BD8-88BF-164A-911A69757537}"/>
+                <a16:creationId xmlns:a16="http://schemas.microsoft.com/office/drawing/2014/main" xmlns="" id="{363C35EF-5BD8-88BF-164A-911A69757537}"/>
               </a:ext>
             </a:extLst>
           </p:cNvPr>
@@ -6440,7 +7919,7 @@
           <p:cNvPr id="6" name="Picture 6" descr="Text&#10;&#10;Description automatically generated">
             <a:extLst>
               <a:ext uri="{FF2B5EF4-FFF2-40B4-BE49-F238E27FC236}">
-                <a16:creationId xmlns:a16="http://schemas.microsoft.com/office/drawing/2014/main" id="{496D1DA3-A8B1-7233-188D-6E7C448DC4DB}"/>
+                <a16:creationId xmlns:a16="http://schemas.microsoft.com/office/drawing/2014/main" xmlns="" id="{496D1DA3-A8B1-7233-188D-6E7C448DC4DB}"/>
               </a:ext>
             </a:extLst>
           </p:cNvPr>
@@ -6470,7 +7949,7 @@
           <p:cNvPr id="7" name="Picture 7" descr="Text&#10;&#10;Description automatically generated">
             <a:extLst>
               <a:ext uri="{FF2B5EF4-FFF2-40B4-BE49-F238E27FC236}">
-                <a16:creationId xmlns:a16="http://schemas.microsoft.com/office/drawing/2014/main" id="{3F3D87DA-7C4D-608A-9A29-DA3C6CC7E2A0}"/>
+                <a16:creationId xmlns:a16="http://schemas.microsoft.com/office/drawing/2014/main" xmlns="" id="{3F3D87DA-7C4D-608A-9A29-DA3C6CC7E2A0}"/>
               </a:ext>
             </a:extLst>
           </p:cNvPr>
@@ -6500,7 +7979,7 @@
           <p:cNvPr id="8" name="TextBox 7">
             <a:extLst>
               <a:ext uri="{FF2B5EF4-FFF2-40B4-BE49-F238E27FC236}">
-                <a16:creationId xmlns:a16="http://schemas.microsoft.com/office/drawing/2014/main" id="{F4743DF9-7AA2-F7C1-35DF-7223C7F53B2C}"/>
+                <a16:creationId xmlns:a16="http://schemas.microsoft.com/office/drawing/2014/main" xmlns="" id="{F4743DF9-7AA2-F7C1-35DF-7223C7F53B2C}"/>
               </a:ext>
             </a:extLst>
           </p:cNvPr>
@@ -6545,454 +8024,13 @@
   <p:clrMapOvr>
     <a:masterClrMapping/>
   </p:clrMapOvr>
-</p:sld>
-</file>
-
-<file path=ppt/slides/slide7.xml><?xml version="1.0" encoding="utf-8"?>
-<p:sld xmlns:a="http://schemas.openxmlformats.org/drawingml/2006/main" xmlns:r="http://schemas.openxmlformats.org/officeDocument/2006/relationships" xmlns:p="http://schemas.openxmlformats.org/presentationml/2006/main">
-  <p:cSld>
-    <p:spTree>
-      <p:nvGrpSpPr>
-        <p:cNvPr id="1" name=""/>
-        <p:cNvGrpSpPr/>
-        <p:nvPr/>
-      </p:nvGrpSpPr>
-      <p:grpSpPr>
-        <a:xfrm>
-          <a:off x="0" y="0"/>
-          <a:ext cx="0" cy="0"/>
-          <a:chOff x="0" y="0"/>
-          <a:chExt cx="0" cy="0"/>
-        </a:xfrm>
-      </p:grpSpPr>
-      <p:pic>
-        <p:nvPicPr>
-          <p:cNvPr id="4" name="Picture 4" descr="Text&#10;&#10;Description automatically generated">
-            <a:extLst>
-              <a:ext uri="{FF2B5EF4-FFF2-40B4-BE49-F238E27FC236}">
-                <a16:creationId xmlns:a16="http://schemas.microsoft.com/office/drawing/2014/main" id="{381AACF7-D288-F69D-5AE7-121807113724}"/>
-              </a:ext>
-            </a:extLst>
-          </p:cNvPr>
-          <p:cNvPicPr>
-            <a:picLocks noChangeAspect="1"/>
-          </p:cNvPicPr>
-          <p:nvPr/>
-        </p:nvPicPr>
-        <p:blipFill>
-          <a:blip r:embed="rId2"/>
-          <a:stretch>
-            <a:fillRect/>
-          </a:stretch>
-        </p:blipFill>
-        <p:spPr>
-          <a:xfrm>
-            <a:off x="1895553" y="1295489"/>
-            <a:ext cx="5341344" cy="1683094"/>
-          </a:xfrm>
-          <a:prstGeom prst="rect">
-            <a:avLst/>
-          </a:prstGeom>
-        </p:spPr>
-      </p:pic>
-      <p:pic>
-        <p:nvPicPr>
-          <p:cNvPr id="5" name="Picture 5" descr="Graphical user interface, text, application, chat or text message&#10;&#10;Description automatically generated">
-            <a:extLst>
-              <a:ext uri="{FF2B5EF4-FFF2-40B4-BE49-F238E27FC236}">
-                <a16:creationId xmlns:a16="http://schemas.microsoft.com/office/drawing/2014/main" id="{76C5D30F-7ED6-B980-483B-9FCAAADC154C}"/>
-              </a:ext>
-            </a:extLst>
-          </p:cNvPr>
-          <p:cNvPicPr>
-            <a:picLocks noChangeAspect="1"/>
-          </p:cNvPicPr>
-          <p:nvPr/>
-        </p:nvPicPr>
-        <p:blipFill>
-          <a:blip r:embed="rId3"/>
-          <a:stretch>
-            <a:fillRect/>
-          </a:stretch>
-        </p:blipFill>
-        <p:spPr>
-          <a:xfrm>
-            <a:off x="1892147" y="3217545"/>
-            <a:ext cx="7094862" cy="2678701"/>
-          </a:xfrm>
-          <a:prstGeom prst="rect">
-            <a:avLst/>
-          </a:prstGeom>
-        </p:spPr>
-      </p:pic>
-      <p:sp>
-        <p:nvSpPr>
-          <p:cNvPr id="6" name="TextBox 5">
-            <a:extLst>
-              <a:ext uri="{FF2B5EF4-FFF2-40B4-BE49-F238E27FC236}">
-                <a16:creationId xmlns:a16="http://schemas.microsoft.com/office/drawing/2014/main" id="{91D0726D-D52F-8F04-BB62-98116A02A537}"/>
-              </a:ext>
-            </a:extLst>
-          </p:cNvPr>
-          <p:cNvSpPr txBox="1"/>
-          <p:nvPr/>
-        </p:nvSpPr>
-        <p:spPr>
-          <a:xfrm>
-            <a:off x="54490" y="84847"/>
-            <a:ext cx="1081550" cy="369332"/>
-          </a:xfrm>
-          <a:prstGeom prst="rect">
-            <a:avLst/>
-          </a:prstGeom>
-          <a:noFill/>
-        </p:spPr>
-        <p:txBody>
-          <a:bodyPr rot="0" spcFirstLastPara="0" vertOverflow="overflow" horzOverflow="overflow" vert="horz" wrap="square" lIns="91440" tIns="45720" rIns="91440" bIns="45720" numCol="1" spcCol="0" rtlCol="0" fromWordArt="0" anchor="t" anchorCtr="0" forceAA="0" compatLnSpc="1">
-            <a:prstTxWarp prst="textNoShape">
-              <a:avLst/>
-            </a:prstTxWarp>
-            <a:spAutoFit/>
-          </a:bodyPr>
-          <a:lstStyle/>
-          <a:p>
-            <a:pPr algn="l"/>
-            <a:r>
-              <a:rPr lang="ko-KR" altLang="en-US"/>
-              <a:t>육준호</a:t>
-            </a:r>
-          </a:p>
-        </p:txBody>
-      </p:sp>
-    </p:spTree>
-    <p:extLst>
-      <p:ext uri="{BB962C8B-B14F-4D97-AF65-F5344CB8AC3E}">
-        <p14:creationId xmlns:p14="http://schemas.microsoft.com/office/powerpoint/2010/main" val="2329977479"/>
-      </p:ext>
-    </p:extLst>
-  </p:cSld>
-  <p:clrMapOvr>
-    <a:masterClrMapping/>
-  </p:clrMapOvr>
-</p:sld>
-</file>
-
-<file path=ppt/slides/slide8.xml><?xml version="1.0" encoding="utf-8"?>
-<p:sld xmlns:a="http://schemas.openxmlformats.org/drawingml/2006/main" xmlns:r="http://schemas.openxmlformats.org/officeDocument/2006/relationships" xmlns:p="http://schemas.openxmlformats.org/presentationml/2006/main">
-  <p:cSld>
-    <p:spTree>
-      <p:nvGrpSpPr>
-        <p:cNvPr id="1" name=""/>
-        <p:cNvGrpSpPr/>
-        <p:nvPr/>
-      </p:nvGrpSpPr>
-      <p:grpSpPr>
-        <a:xfrm>
-          <a:off x="0" y="0"/>
-          <a:ext cx="0" cy="0"/>
-          <a:chOff x="0" y="0"/>
-          <a:chExt cx="0" cy="0"/>
-        </a:xfrm>
-      </p:grpSpPr>
-      <p:pic>
-        <p:nvPicPr>
-          <p:cNvPr id="4" name="Picture 4" descr="Text&#10;&#10;Description automatically generated">
-            <a:extLst>
-              <a:ext uri="{FF2B5EF4-FFF2-40B4-BE49-F238E27FC236}">
-                <a16:creationId xmlns:a16="http://schemas.microsoft.com/office/drawing/2014/main" id="{49DDA279-7ABD-D806-76A3-E613E50A7E20}"/>
-              </a:ext>
-            </a:extLst>
-          </p:cNvPr>
-          <p:cNvPicPr>
-            <a:picLocks noGrp="1" noChangeAspect="1"/>
-          </p:cNvPicPr>
-          <p:nvPr>
-            <p:ph idx="1"/>
-          </p:nvPr>
-        </p:nvPicPr>
-        <p:blipFill>
-          <a:blip r:embed="rId2"/>
-          <a:stretch>
-            <a:fillRect/>
-          </a:stretch>
-        </p:blipFill>
-        <p:spPr>
-          <a:xfrm>
-            <a:off x="3798650" y="331055"/>
-            <a:ext cx="5393989" cy="5878122"/>
-          </a:xfrm>
-        </p:spPr>
-      </p:pic>
-      <p:sp>
-        <p:nvSpPr>
-          <p:cNvPr id="5" name="TextBox 4">
-            <a:extLst>
-              <a:ext uri="{FF2B5EF4-FFF2-40B4-BE49-F238E27FC236}">
-                <a16:creationId xmlns:a16="http://schemas.microsoft.com/office/drawing/2014/main" id="{43A3EE4B-3DAF-2575-2651-CF92DD5BC47B}"/>
-              </a:ext>
-            </a:extLst>
-          </p:cNvPr>
-          <p:cNvSpPr txBox="1"/>
-          <p:nvPr/>
-        </p:nvSpPr>
-        <p:spPr>
-          <a:xfrm>
-            <a:off x="51531" y="120978"/>
-            <a:ext cx="2998838" cy="369332"/>
-          </a:xfrm>
-          <a:prstGeom prst="rect">
-            <a:avLst/>
-          </a:prstGeom>
-          <a:noFill/>
-        </p:spPr>
-        <p:txBody>
-          <a:bodyPr rot="0" spcFirstLastPara="0" vertOverflow="overflow" horzOverflow="overflow" vert="horz" wrap="square" lIns="91440" tIns="45720" rIns="91440" bIns="45720" numCol="1" spcCol="0" rtlCol="0" fromWordArt="0" anchor="t" anchorCtr="0" forceAA="0" compatLnSpc="1">
-            <a:prstTxWarp prst="textNoShape">
-              <a:avLst/>
-            </a:prstTxWarp>
-            <a:spAutoFit/>
-          </a:bodyPr>
-          <a:lstStyle/>
-          <a:p>
-            <a:pPr algn="l"/>
-            <a:r>
-              <a:rPr lang="ko-KR" altLang="en-US" err="1"/>
-              <a:t>길재형</a:t>
-            </a:r>
-            <a:endParaRPr lang="en-US" err="1"/>
-          </a:p>
-        </p:txBody>
-      </p:sp>
-    </p:spTree>
-    <p:extLst>
-      <p:ext uri="{BB962C8B-B14F-4D97-AF65-F5344CB8AC3E}">
-        <p14:creationId xmlns:p14="http://schemas.microsoft.com/office/powerpoint/2010/main" val="3854151561"/>
-      </p:ext>
-    </p:extLst>
-  </p:cSld>
-  <p:clrMapOvr>
-    <a:masterClrMapping/>
-  </p:clrMapOvr>
-</p:sld>
-</file>
-
-<file path=ppt/slides/slide9.xml><?xml version="1.0" encoding="utf-8"?>
-<p:sld xmlns:a="http://schemas.openxmlformats.org/drawingml/2006/main" xmlns:r="http://schemas.openxmlformats.org/officeDocument/2006/relationships" xmlns:p="http://schemas.openxmlformats.org/presentationml/2006/main">
-  <p:cSld>
-    <p:spTree>
-      <p:nvGrpSpPr>
-        <p:cNvPr id="1" name=""/>
-        <p:cNvGrpSpPr/>
-        <p:nvPr/>
-      </p:nvGrpSpPr>
-      <p:grpSpPr>
-        <a:xfrm>
-          <a:off x="0" y="0"/>
-          <a:ext cx="0" cy="0"/>
-          <a:chOff x="0" y="0"/>
-          <a:chExt cx="0" cy="0"/>
-        </a:xfrm>
-      </p:grpSpPr>
-      <p:sp>
-        <p:nvSpPr>
-          <p:cNvPr id="6" name="TextBox 5">
-            <a:extLst>
-              <a:ext uri="{FF2B5EF4-FFF2-40B4-BE49-F238E27FC236}">
-                <a16:creationId xmlns:a16="http://schemas.microsoft.com/office/drawing/2014/main" id="{9C6419A0-5351-1B33-92D9-B8337AA6F39E}"/>
-              </a:ext>
-            </a:extLst>
-          </p:cNvPr>
-          <p:cNvSpPr txBox="1"/>
-          <p:nvPr/>
-        </p:nvSpPr>
-        <p:spPr>
-          <a:xfrm>
-            <a:off x="38796" y="115499"/>
-            <a:ext cx="2777612" cy="369332"/>
-          </a:xfrm>
-          <a:prstGeom prst="rect">
-            <a:avLst/>
-          </a:prstGeom>
-          <a:noFill/>
-        </p:spPr>
-        <p:txBody>
-          <a:bodyPr rot="0" spcFirstLastPara="0" vertOverflow="overflow" horzOverflow="overflow" vert="horz" wrap="square" lIns="91440" tIns="45720" rIns="91440" bIns="45720" numCol="1" spcCol="0" rtlCol="0" fromWordArt="0" anchor="t" anchorCtr="0" forceAA="0" compatLnSpc="1">
-            <a:prstTxWarp prst="textNoShape">
-              <a:avLst/>
-            </a:prstTxWarp>
-            <a:spAutoFit/>
-          </a:bodyPr>
-          <a:lstStyle/>
-          <a:p>
-            <a:pPr algn="l"/>
-            <a:r>
-              <a:rPr lang="ko-KR" altLang="en-US"/>
-              <a:t>송지훈</a:t>
-            </a:r>
-            <a:endParaRPr lang="en-US"/>
-          </a:p>
-        </p:txBody>
-      </p:sp>
-      <p:pic>
-        <p:nvPicPr>
-          <p:cNvPr id="7" name="Picture 7" descr="Text&#10;&#10;Description automatically generated">
-            <a:extLst>
-              <a:ext uri="{FF2B5EF4-FFF2-40B4-BE49-F238E27FC236}">
-                <a16:creationId xmlns:a16="http://schemas.microsoft.com/office/drawing/2014/main" id="{979F4311-C4E0-FDD9-9F1A-CD4A9BD96574}"/>
-              </a:ext>
-            </a:extLst>
-          </p:cNvPr>
-          <p:cNvPicPr>
-            <a:picLocks noChangeAspect="1"/>
-          </p:cNvPicPr>
-          <p:nvPr/>
-        </p:nvPicPr>
-        <p:blipFill>
-          <a:blip r:embed="rId2"/>
-          <a:stretch>
-            <a:fillRect/>
-          </a:stretch>
-        </p:blipFill>
-        <p:spPr>
-          <a:xfrm>
-            <a:off x="422491" y="958799"/>
-            <a:ext cx="3395031" cy="1779568"/>
-          </a:xfrm>
-          <a:prstGeom prst="rect">
-            <a:avLst/>
-          </a:prstGeom>
-        </p:spPr>
-      </p:pic>
-      <p:pic>
-        <p:nvPicPr>
-          <p:cNvPr id="8" name="Picture 8">
-            <a:extLst>
-              <a:ext uri="{FF2B5EF4-FFF2-40B4-BE49-F238E27FC236}">
-                <a16:creationId xmlns:a16="http://schemas.microsoft.com/office/drawing/2014/main" id="{D52FA386-1C4D-3AA5-A113-BA287590AE8B}"/>
-              </a:ext>
-            </a:extLst>
-          </p:cNvPr>
-          <p:cNvPicPr>
-            <a:picLocks noChangeAspect="1"/>
-          </p:cNvPicPr>
-          <p:nvPr/>
-        </p:nvPicPr>
-        <p:blipFill>
-          <a:blip r:embed="rId3"/>
-          <a:stretch>
-            <a:fillRect/>
-          </a:stretch>
-        </p:blipFill>
-        <p:spPr>
-          <a:xfrm>
-            <a:off x="4144091" y="1044176"/>
-            <a:ext cx="7627343" cy="269613"/>
-          </a:xfrm>
-          <a:prstGeom prst="rect">
-            <a:avLst/>
-          </a:prstGeom>
-        </p:spPr>
-      </p:pic>
-      <p:pic>
-        <p:nvPicPr>
-          <p:cNvPr id="9" name="Picture 9">
-            <a:extLst>
-              <a:ext uri="{FF2B5EF4-FFF2-40B4-BE49-F238E27FC236}">
-                <a16:creationId xmlns:a16="http://schemas.microsoft.com/office/drawing/2014/main" id="{70040BB3-8733-4B01-58EC-45CA588B5BAF}"/>
-              </a:ext>
-            </a:extLst>
-          </p:cNvPr>
-          <p:cNvPicPr>
-            <a:picLocks noChangeAspect="1"/>
-          </p:cNvPicPr>
-          <p:nvPr/>
-        </p:nvPicPr>
-        <p:blipFill>
-          <a:blip r:embed="rId4"/>
-          <a:stretch>
-            <a:fillRect/>
-          </a:stretch>
-        </p:blipFill>
-        <p:spPr>
-          <a:xfrm>
-            <a:off x="4141424" y="1649009"/>
-            <a:ext cx="6727633" cy="406845"/>
-          </a:xfrm>
-          <a:prstGeom prst="rect">
-            <a:avLst/>
-          </a:prstGeom>
-        </p:spPr>
-      </p:pic>
-      <p:pic>
-        <p:nvPicPr>
-          <p:cNvPr id="10" name="Picture 10" descr="Text&#10;&#10;Description automatically generated">
-            <a:extLst>
-              <a:ext uri="{FF2B5EF4-FFF2-40B4-BE49-F238E27FC236}">
-                <a16:creationId xmlns:a16="http://schemas.microsoft.com/office/drawing/2014/main" id="{9ECE9516-15C3-A844-2783-24315C880A49}"/>
-              </a:ext>
-            </a:extLst>
-          </p:cNvPr>
-          <p:cNvPicPr>
-            <a:picLocks noChangeAspect="1"/>
-          </p:cNvPicPr>
-          <p:nvPr/>
-        </p:nvPicPr>
-        <p:blipFill>
-          <a:blip r:embed="rId5"/>
-          <a:stretch>
-            <a:fillRect/>
-          </a:stretch>
-        </p:blipFill>
-        <p:spPr>
-          <a:xfrm>
-            <a:off x="6644653" y="3241050"/>
-            <a:ext cx="4827224" cy="2128823"/>
-          </a:xfrm>
-          <a:prstGeom prst="rect">
-            <a:avLst/>
-          </a:prstGeom>
-        </p:spPr>
-      </p:pic>
-      <p:pic>
-        <p:nvPicPr>
-          <p:cNvPr id="2" name="Picture 2" descr="Graphical user interface&#10;&#10;Description automatically generated">
-            <a:extLst>
-              <a:ext uri="{FF2B5EF4-FFF2-40B4-BE49-F238E27FC236}">
-                <a16:creationId xmlns:a16="http://schemas.microsoft.com/office/drawing/2014/main" id="{93E88505-BB5B-1A76-CC7E-34DCF3F8384A}"/>
-              </a:ext>
-            </a:extLst>
-          </p:cNvPr>
-          <p:cNvPicPr>
-            <a:picLocks noChangeAspect="1"/>
-          </p:cNvPicPr>
-          <p:nvPr/>
-        </p:nvPicPr>
-        <p:blipFill>
-          <a:blip r:embed="rId6"/>
-          <a:stretch>
-            <a:fillRect/>
-          </a:stretch>
-        </p:blipFill>
-        <p:spPr>
-          <a:xfrm>
-            <a:off x="418641" y="3744217"/>
-            <a:ext cx="4423272" cy="847663"/>
-          </a:xfrm>
-          <a:prstGeom prst="rect">
-            <a:avLst/>
-          </a:prstGeom>
-        </p:spPr>
-      </p:pic>
-    </p:spTree>
-    <p:extLst>
-      <p:ext uri="{BB962C8B-B14F-4D97-AF65-F5344CB8AC3E}">
-        <p14:creationId xmlns:p14="http://schemas.microsoft.com/office/powerpoint/2010/main" val="3142114090"/>
-      </p:ext>
-    </p:extLst>
-  </p:cSld>
-  <p:clrMapOvr>
-    <a:masterClrMapping/>
-  </p:clrMapOvr>
+  <p:timing>
+    <p:tnLst>
+      <p:par>
+        <p:cTn id="1" dur="indefinite" restart="never" nodeType="tmRoot"/>
+      </p:par>
+    </p:tnLst>
+  </p:timing>
 </p:sld>
 </file>
 
@@ -7191,7 +8229,7 @@
   <a:extraClrSchemeLst/>
   <a:extLst>
     <a:ext uri="{05A4C25C-085E-4340-85A3-A5531E510DB2}">
-      <thm15:themeFamily xmlns:thm15="http://schemas.microsoft.com/office/thememl/2012/main" name="GradientRiseVTI" id="{C2FC082F-B444-4222-AF20-78444CCB5722}" vid="{39F213E4-0CBC-40CB-B3F6-8C5562B6B99A}"/>
+      <thm15:themeFamily xmlns:thm15="http://schemas.microsoft.com/office/thememl/2012/main" xmlns="" name="GradientRiseVTI" id="{C2FC082F-B444-4222-AF20-78444CCB5722}" vid="{39F213E4-0CBC-40CB-B3F6-8C5562B6B99A}"/>
     </a:ext>
   </a:extLst>
 </a:theme>

--- a/FourGlass/FourGlass.pptx
+++ b/FourGlass/FourGlass.pptx
@@ -288,7 +288,7 @@
           <a:p>
             <a:fld id="{655A5808-3B61-48CC-92EF-85AC2E0DFA56}" type="datetime2">
               <a:rPr lang="en-US" smtClean="0"/>
-              <a:t>Thursday, November 17, 2022</a:t>
+              <a:t>Friday, November 18, 2022</a:t>
             </a:fld>
             <a:endParaRPr lang="en-US"/>
           </a:p>
@@ -486,7 +486,7 @@
           <a:p>
             <a:fld id="{735E98AF-4574-4509-BF7A-519ACD5BF826}" type="datetime2">
               <a:rPr lang="en-US" smtClean="0"/>
-              <a:t>Thursday, November 17, 2022</a:t>
+              <a:t>Friday, November 18, 2022</a:t>
             </a:fld>
             <a:endParaRPr lang="en-US"/>
           </a:p>
@@ -694,7 +694,7 @@
           <a:p>
             <a:fld id="{93DD97D4-9636-490F-85D0-E926C2B6F3B1}" type="datetime2">
               <a:rPr lang="en-US" smtClean="0"/>
-              <a:t>Thursday, November 17, 2022</a:t>
+              <a:t>Friday, November 18, 2022</a:t>
             </a:fld>
             <a:endParaRPr lang="en-US"/>
           </a:p>
@@ -892,7 +892,7 @@
           <a:p>
             <a:fld id="{2F3AF3C6-0FD4-4939-991C-00DDE5C56815}" type="datetime2">
               <a:rPr lang="en-US" smtClean="0"/>
-              <a:t>Thursday, November 17, 2022</a:t>
+              <a:t>Friday, November 18, 2022</a:t>
             </a:fld>
             <a:endParaRPr lang="en-US"/>
           </a:p>
@@ -1172,7 +1172,7 @@
           <a:p>
             <a:fld id="{86807482-8128-47C6-A8DD-6452B0291CFF}" type="datetime2">
               <a:rPr lang="en-US" smtClean="0"/>
-              <a:t>Thursday, November 17, 2022</a:t>
+              <a:t>Friday, November 18, 2022</a:t>
             </a:fld>
             <a:endParaRPr lang="en-US"/>
           </a:p>
@@ -1437,7 +1437,7 @@
           <a:p>
             <a:fld id="{37903F25-275E-41DE-BE3B-EBF0DB49F9B1}" type="datetime2">
               <a:rPr lang="en-US" smtClean="0"/>
-              <a:t>Thursday, November 17, 2022</a:t>
+              <a:t>Friday, November 18, 2022</a:t>
             </a:fld>
             <a:endParaRPr lang="en-US"/>
           </a:p>
@@ -1816,7 +1816,7 @@
           <a:p>
             <a:fld id="{EE475572-4A44-4171-84AA-64D42C8050A6}" type="datetime2">
               <a:rPr lang="en-US" smtClean="0"/>
-              <a:t>Thursday, November 17, 2022</a:t>
+              <a:t>Friday, November 18, 2022</a:t>
             </a:fld>
             <a:endParaRPr lang="en-US"/>
           </a:p>
@@ -1985,7 +1985,7 @@
           <a:p>
             <a:fld id="{C4C1612E-528E-4FD5-9E9E-E15F1108F171}" type="datetime2">
               <a:rPr lang="en-US" smtClean="0"/>
-              <a:t>Thursday, November 17, 2022</a:t>
+              <a:t>Friday, November 18, 2022</a:t>
             </a:fld>
             <a:endParaRPr lang="en-US"/>
           </a:p>
@@ -2098,7 +2098,7 @@
           <a:p>
             <a:fld id="{D4F6D862-A06D-436F-A92E-EBAAD50B6E50}" type="datetime2">
               <a:rPr lang="en-US" smtClean="0"/>
-              <a:t>Thursday, November 17, 2022</a:t>
+              <a:t>Friday, November 18, 2022</a:t>
             </a:fld>
             <a:endParaRPr lang="en-US"/>
           </a:p>
@@ -2414,7 +2414,7 @@
           <a:p>
             <a:fld id="{B73E0B7D-2260-4809-8F0A-9E5F3E24F169}" type="datetime2">
               <a:rPr lang="en-US" smtClean="0"/>
-              <a:t>Thursday, November 17, 2022</a:t>
+              <a:t>Friday, November 18, 2022</a:t>
             </a:fld>
             <a:endParaRPr lang="en-US"/>
           </a:p>
@@ -2705,7 +2705,7 @@
           <a:p>
             <a:fld id="{3C8E4735-C637-46A3-94EB-AB3AC4188D2F}" type="datetime2">
               <a:rPr lang="en-US" smtClean="0"/>
-              <a:t>Thursday, November 17, 2022</a:t>
+              <a:t>Friday, November 18, 2022</a:t>
             </a:fld>
             <a:endParaRPr lang="en-US"/>
           </a:p>
@@ -3073,7 +3073,7 @@
             <a:fld id="{AE0C963C-C1DB-4AFD-9DDC-0691666BF49B}" type="datetime2">
               <a:rPr lang="en-US" smtClean="0"/>
               <a:pPr/>
-              <a:t>Thursday, November 17, 2022</a:t>
+              <a:t>Friday, November 18, 2022</a:t>
             </a:fld>
             <a:endParaRPr lang="en-US" cap="all"/>
           </a:p>
@@ -4098,49 +4098,6 @@
           <a:chExt cx="0" cy="0"/>
         </a:xfrm>
       </p:grpSpPr>
-      <p:sp>
-        <p:nvSpPr>
-          <p:cNvPr id="4" name="TextBox 3">
-            <a:extLst>
-              <a:ext uri="{FF2B5EF4-FFF2-40B4-BE49-F238E27FC236}">
-                <a16:creationId xmlns:a16="http://schemas.microsoft.com/office/drawing/2014/main" id="{33654825-0954-BE0D-E887-CF73BE33EE64}"/>
-              </a:ext>
-            </a:extLst>
-          </p:cNvPr>
-          <p:cNvSpPr txBox="1"/>
-          <p:nvPr/>
-        </p:nvSpPr>
-        <p:spPr>
-          <a:xfrm>
-            <a:off x="393032" y="503322"/>
-            <a:ext cx="2743200" cy="369332"/>
-          </a:xfrm>
-          <a:prstGeom prst="rect">
-            <a:avLst/>
-          </a:prstGeom>
-          <a:noFill/>
-        </p:spPr>
-        <p:txBody>
-          <a:bodyPr rot="0" spcFirstLastPara="0" vertOverflow="overflow" horzOverflow="overflow" vert="horz" wrap="square" lIns="91440" tIns="45720" rIns="91440" bIns="45720" numCol="1" spcCol="0" rtlCol="0" fromWordArt="0" anchor="t" anchorCtr="0" forceAA="0" compatLnSpc="1">
-            <a:prstTxWarp prst="textNoShape">
-              <a:avLst/>
-            </a:prstTxWarp>
-            <a:spAutoFit/>
-          </a:bodyPr>
-          <a:lstStyle/>
-          <a:p>
-            <a:r>
-              <a:rPr lang="ko-KR" altLang="en-US">
-                <a:latin typeface="Noto Sans KR"/>
-              </a:rPr>
-              <a:t>와이어프레임</a:t>
-            </a:r>
-            <a:endParaRPr lang="en-US">
-              <a:latin typeface="Noto Sans KR"/>
-            </a:endParaRPr>
-          </a:p>
-        </p:txBody>
-      </p:sp>
       <p:pic>
         <p:nvPicPr>
           <p:cNvPr id="5" name="Picture 5" descr="Diagram&#10;&#10;Description automatically generated">
@@ -4163,7 +4120,7 @@
         </p:blipFill>
         <p:spPr>
           <a:xfrm>
-            <a:off x="302795" y="1486546"/>
+            <a:off x="413085" y="2218467"/>
             <a:ext cx="5279858" cy="2421066"/>
           </a:xfrm>
           <a:prstGeom prst="rect">
@@ -4171,12 +4128,104 @@
           </a:prstGeom>
         </p:spPr>
       </p:pic>
+      <p:sp>
+        <p:nvSpPr>
+          <p:cNvPr id="7" name="TextBox 6">
+            <a:extLst>
+              <a:ext uri="{FF2B5EF4-FFF2-40B4-BE49-F238E27FC236}">
+                <a16:creationId xmlns:a16="http://schemas.microsoft.com/office/drawing/2014/main" id="{1C56FEAF-1A8C-2B3F-4B55-5DC5B91BB3D2}"/>
+              </a:ext>
+            </a:extLst>
+          </p:cNvPr>
+          <p:cNvSpPr txBox="1"/>
+          <p:nvPr/>
+        </p:nvSpPr>
+        <p:spPr>
+          <a:xfrm>
+            <a:off x="1820985" y="1453586"/>
+            <a:ext cx="3156541" cy="646331"/>
+          </a:xfrm>
+          <a:prstGeom prst="rect">
+            <a:avLst/>
+          </a:prstGeom>
+          <a:noFill/>
+        </p:spPr>
+        <p:txBody>
+          <a:bodyPr rot="0" spcFirstLastPara="0" vertOverflow="overflow" horzOverflow="overflow" vert="horz" wrap="square" lIns="91440" tIns="45720" rIns="91440" bIns="45720" numCol="1" spcCol="0" rtlCol="0" fromWordArt="0" anchor="t" anchorCtr="0" forceAA="0" compatLnSpc="1">
+            <a:prstTxWarp prst="textNoShape">
+              <a:avLst/>
+            </a:prstTxWarp>
+            <a:spAutoFit/>
+          </a:bodyPr>
+          <a:lstStyle/>
+          <a:p>
+            <a:pPr algn="l"/>
+            <a:r>
+              <a:rPr lang="ko-KR" altLang="en-US" sz="3600" dirty="0" err="1">
+                <a:latin typeface="나눔바른고딕" panose="020B0603020101020101" pitchFamily="50" charset="-127"/>
+                <a:ea typeface="나눔바른고딕" panose="020B0603020101020101" pitchFamily="50" charset="-127"/>
+              </a:rPr>
+              <a:t>메인페이지</a:t>
+            </a:r>
+            <a:endParaRPr lang="ko-KR" altLang="en-US" sz="3600" dirty="0">
+              <a:latin typeface="나눔바른고딕" panose="020B0603020101020101" pitchFamily="50" charset="-127"/>
+              <a:ea typeface="나눔바른고딕" panose="020B0603020101020101" pitchFamily="50" charset="-127"/>
+            </a:endParaRPr>
+          </a:p>
+        </p:txBody>
+      </p:sp>
+      <p:sp>
+        <p:nvSpPr>
+          <p:cNvPr id="8" name="TextBox 7">
+            <a:extLst>
+              <a:ext uri="{FF2B5EF4-FFF2-40B4-BE49-F238E27FC236}">
+                <a16:creationId xmlns:a16="http://schemas.microsoft.com/office/drawing/2014/main" id="{F91F09F3-6F98-7D71-62CA-FB290CF9C173}"/>
+              </a:ext>
+            </a:extLst>
+          </p:cNvPr>
+          <p:cNvSpPr txBox="1"/>
+          <p:nvPr/>
+        </p:nvSpPr>
+        <p:spPr>
+          <a:xfrm>
+            <a:off x="7862276" y="1453585"/>
+            <a:ext cx="2508739" cy="646331"/>
+          </a:xfrm>
+          <a:prstGeom prst="rect">
+            <a:avLst/>
+          </a:prstGeom>
+          <a:noFill/>
+        </p:spPr>
+        <p:txBody>
+          <a:bodyPr rot="0" spcFirstLastPara="0" vertOverflow="overflow" horzOverflow="overflow" vert="horz" wrap="square" lIns="91440" tIns="45720" rIns="91440" bIns="45720" numCol="1" spcCol="0" rtlCol="0" fromWordArt="0" anchor="t" anchorCtr="0" forceAA="0" compatLnSpc="1">
+            <a:prstTxWarp prst="textNoShape">
+              <a:avLst/>
+            </a:prstTxWarp>
+            <a:spAutoFit/>
+          </a:bodyPr>
+          <a:lstStyle/>
+          <a:p>
+            <a:pPr algn="l"/>
+            <a:r>
+              <a:rPr lang="ko-KR" altLang="en-US" sz="3600">
+                <a:latin typeface="나눔바른고딕" panose="020B0603020101020101" pitchFamily="50" charset="-127"/>
+                <a:ea typeface="나눔바른고딕" panose="020B0603020101020101" pitchFamily="50" charset="-127"/>
+              </a:rPr>
+              <a:t>개인페이지</a:t>
+            </a:r>
+            <a:endParaRPr lang="ko-KR" altLang="en-US" sz="3600" dirty="0">
+              <a:latin typeface="나눔바른고딕" panose="020B0603020101020101" pitchFamily="50" charset="-127"/>
+              <a:ea typeface="나눔바른고딕" panose="020B0603020101020101" pitchFamily="50" charset="-127"/>
+            </a:endParaRPr>
+          </a:p>
+        </p:txBody>
+      </p:sp>
       <p:pic>
         <p:nvPicPr>
-          <p:cNvPr id="6" name="Picture 6" descr="Text&#10;&#10;Description automatically generated">
-            <a:extLst>
-              <a:ext uri="{FF2B5EF4-FFF2-40B4-BE49-F238E27FC236}">
-                <a16:creationId xmlns:a16="http://schemas.microsoft.com/office/drawing/2014/main" id="{5C0D62C2-6C02-1C16-54E7-78FCA02EA443}"/>
+          <p:cNvPr id="9" name="Picture 6" descr="Text&#10;&#10;Description automatically generated">
+            <a:extLst>
+              <a:ext uri="{FF2B5EF4-FFF2-40B4-BE49-F238E27FC236}">
+                <a16:creationId xmlns:a16="http://schemas.microsoft.com/office/drawing/2014/main" id="{1E219156-3394-447C-802E-DB0DB343258A}"/>
               </a:ext>
             </a:extLst>
           </p:cNvPr>
@@ -4193,7 +4242,7 @@
         </p:blipFill>
         <p:spPr>
           <a:xfrm>
-            <a:off x="6499058" y="1486545"/>
+            <a:off x="6389642" y="2218467"/>
             <a:ext cx="5279857" cy="2421066"/>
           </a:xfrm>
           <a:prstGeom prst="rect">
@@ -4203,87 +4252,71 @@
       </p:pic>
       <p:sp>
         <p:nvSpPr>
-          <p:cNvPr id="7" name="TextBox 6">
-            <a:extLst>
-              <a:ext uri="{FF2B5EF4-FFF2-40B4-BE49-F238E27FC236}">
-                <a16:creationId xmlns:a16="http://schemas.microsoft.com/office/drawing/2014/main" id="{1C56FEAF-1A8C-2B3F-4B55-5DC5B91BB3D2}"/>
-              </a:ext>
-            </a:extLst>
-          </p:cNvPr>
-          <p:cNvSpPr txBox="1"/>
+          <p:cNvPr id="2" name="순서도: 종속 처리 1">
+            <a:extLst>
+              <a:ext uri="{FF2B5EF4-FFF2-40B4-BE49-F238E27FC236}">
+                <a16:creationId xmlns:a16="http://schemas.microsoft.com/office/drawing/2014/main" id="{83E686A5-00B2-4AD0-B946-CB2657196337}"/>
+              </a:ext>
+            </a:extLst>
+          </p:cNvPr>
+          <p:cNvSpPr/>
           <p:nvPr/>
         </p:nvSpPr>
         <p:spPr>
           <a:xfrm>
-            <a:off x="1624262" y="4150894"/>
-            <a:ext cx="3037973" cy="369332"/>
+            <a:off x="0" y="0"/>
+            <a:ext cx="12192000" cy="797169"/>
           </a:xfrm>
-          <a:prstGeom prst="rect">
+          <a:prstGeom prst="flowChartPredefinedProcess">
             <a:avLst/>
           </a:prstGeom>
-          <a:noFill/>
         </p:spPr>
-        <p:txBody>
-          <a:bodyPr rot="0" spcFirstLastPara="0" vertOverflow="overflow" horzOverflow="overflow" vert="horz" wrap="square" lIns="91440" tIns="45720" rIns="91440" bIns="45720" numCol="1" spcCol="0" rtlCol="0" fromWordArt="0" anchor="t" anchorCtr="0" forceAA="0" compatLnSpc="1">
-            <a:prstTxWarp prst="textNoShape">
-              <a:avLst/>
-            </a:prstTxWarp>
-            <a:spAutoFit/>
-          </a:bodyPr>
-          <a:lstStyle/>
-          <a:p>
-            <a:pPr algn="l"/>
-            <a:r>
-              <a:rPr lang="ko-KR" altLang="en-US" err="1"/>
-              <a:t>메인페이지입니다</a:t>
-            </a:r>
-            <a:r>
-              <a:rPr lang="ko-KR" altLang="en-US"/>
-              <a:t>.</a:t>
-            </a:r>
-          </a:p>
-        </p:txBody>
-      </p:sp>
-      <p:sp>
-        <p:nvSpPr>
-          <p:cNvPr id="8" name="TextBox 7">
-            <a:extLst>
-              <a:ext uri="{FF2B5EF4-FFF2-40B4-BE49-F238E27FC236}">
-                <a16:creationId xmlns:a16="http://schemas.microsoft.com/office/drawing/2014/main" id="{F91F09F3-6F98-7D71-62CA-FB290CF9C173}"/>
-              </a:ext>
-            </a:extLst>
-          </p:cNvPr>
-          <p:cNvSpPr txBox="1"/>
-          <p:nvPr/>
-        </p:nvSpPr>
-        <p:spPr>
-          <a:xfrm>
-            <a:off x="7990972" y="4120815"/>
-            <a:ext cx="3037973" cy="369332"/>
-          </a:xfrm>
-          <a:prstGeom prst="rect">
-            <a:avLst/>
-          </a:prstGeom>
-          <a:noFill/>
-        </p:spPr>
-        <p:txBody>
-          <a:bodyPr rot="0" spcFirstLastPara="0" vertOverflow="overflow" horzOverflow="overflow" vert="horz" wrap="square" lIns="91440" tIns="45720" rIns="91440" bIns="45720" numCol="1" spcCol="0" rtlCol="0" fromWordArt="0" anchor="t" anchorCtr="0" forceAA="0" compatLnSpc="1">
-            <a:prstTxWarp prst="textNoShape">
-              <a:avLst/>
-            </a:prstTxWarp>
-            <a:spAutoFit/>
-          </a:bodyPr>
-          <a:lstStyle/>
-          <a:p>
-            <a:pPr algn="l"/>
-            <a:r>
-              <a:rPr lang="ko-KR" altLang="en-US" err="1"/>
-              <a:t>개인페이지입니다</a:t>
-            </a:r>
-            <a:r>
-              <a:rPr lang="ko-KR" altLang="en-US"/>
-              <a:t>.</a:t>
-            </a:r>
+        <p:style>
+          <a:lnRef idx="2">
+            <a:schemeClr val="accent1">
+              <a:shade val="50000"/>
+            </a:schemeClr>
+          </a:lnRef>
+          <a:fillRef idx="1">
+            <a:schemeClr val="accent1"/>
+          </a:fillRef>
+          <a:effectRef idx="0">
+            <a:schemeClr val="accent1"/>
+          </a:effectRef>
+          <a:fontRef idx="minor">
+            <a:schemeClr val="lt1"/>
+          </a:fontRef>
+        </p:style>
+        <p:txBody>
+          <a:bodyPr rtlCol="0" anchor="ctr"/>
+          <a:lstStyle/>
+          <a:p>
+            <a:pPr algn="ctr"/>
+            <a:r>
+              <a:rPr lang="ko-KR" altLang="en-US" sz="3600" dirty="0">
+                <a:effectLst>
+                  <a:outerShdw blurRad="50800" dist="38100" dir="2700000" algn="tl" rotWithShape="0">
+                    <a:prstClr val="black">
+                      <a:alpha val="40000"/>
+                    </a:prstClr>
+                  </a:outerShdw>
+                </a:effectLst>
+                <a:latin typeface="나눔바른고딕" panose="020B0603020101020101" pitchFamily="50" charset="-127"/>
+                <a:ea typeface="나눔바른고딕" panose="020B0603020101020101" pitchFamily="50" charset="-127"/>
+              </a:rPr>
+              <a:t>와이어프레임</a:t>
+            </a:r>
+            <a:endParaRPr lang="en-US" altLang="ko-KR" sz="3600" dirty="0">
+              <a:effectLst>
+                <a:outerShdw blurRad="50800" dist="38100" dir="2700000" algn="tl" rotWithShape="0">
+                  <a:prstClr val="black">
+                    <a:alpha val="40000"/>
+                  </a:prstClr>
+                </a:outerShdw>
+              </a:effectLst>
+              <a:latin typeface="나눔바른고딕" panose="020B0603020101020101" pitchFamily="50" charset="-127"/>
+              <a:ea typeface="나눔바른고딕" panose="020B0603020101020101" pitchFamily="50" charset="-127"/>
+            </a:endParaRPr>
           </a:p>
         </p:txBody>
       </p:sp>
@@ -4339,7 +4372,7 @@
         </p:blipFill>
         <p:spPr>
           <a:xfrm>
-            <a:off x="956734" y="788003"/>
+            <a:off x="890482" y="906987"/>
             <a:ext cx="4742580" cy="4276225"/>
           </a:xfrm>
           <a:prstGeom prst="rect">
@@ -4369,7 +4402,7 @@
         </p:blipFill>
         <p:spPr>
           <a:xfrm>
-            <a:off x="6723625" y="794038"/>
+            <a:off x="6739255" y="912903"/>
             <a:ext cx="4377812" cy="4270309"/>
           </a:xfrm>
           <a:prstGeom prst="rect">
@@ -4379,10 +4412,10 @@
       </p:pic>
       <p:sp>
         <p:nvSpPr>
-          <p:cNvPr id="6" name="TextBox 5">
-            <a:extLst>
-              <a:ext uri="{FF2B5EF4-FFF2-40B4-BE49-F238E27FC236}">
-                <a16:creationId xmlns:a16="http://schemas.microsoft.com/office/drawing/2014/main" id="{215D623A-A389-06C0-DC14-9CF3CEE7312B}"/>
+          <p:cNvPr id="7" name="TextBox 6">
+            <a:extLst>
+              <a:ext uri="{FF2B5EF4-FFF2-40B4-BE49-F238E27FC236}">
+                <a16:creationId xmlns:a16="http://schemas.microsoft.com/office/drawing/2014/main" id="{F3A7D976-9EE4-0D22-F923-90DB6308DD79}"/>
               </a:ext>
             </a:extLst>
           </p:cNvPr>
@@ -4391,8 +4424,8 @@
         </p:nvSpPr>
         <p:spPr>
           <a:xfrm>
-            <a:off x="630902" y="188451"/>
-            <a:ext cx="2318774" cy="369332"/>
+            <a:off x="2632523" y="5293031"/>
+            <a:ext cx="782800" cy="369332"/>
           </a:xfrm>
           <a:prstGeom prst="rect">
             <a:avLst/>
@@ -4409,18 +4442,23 @@
           <a:lstStyle/>
           <a:p>
             <a:r>
-              <a:rPr lang="ko-KR" altLang="en-US"/>
-              <a:t>실제 작성 결과</a:t>
-            </a:r>
-          </a:p>
-        </p:txBody>
-      </p:sp>
-      <p:sp>
-        <p:nvSpPr>
-          <p:cNvPr id="7" name="TextBox 6">
-            <a:extLst>
-              <a:ext uri="{FF2B5EF4-FFF2-40B4-BE49-F238E27FC236}">
-                <a16:creationId xmlns:a16="http://schemas.microsoft.com/office/drawing/2014/main" id="{F3A7D976-9EE4-0D22-F923-90DB6308DD79}"/>
+              <a:rPr lang="ko-KR" altLang="en-US" dirty="0"/>
+              <a:t>메인</a:t>
+            </a:r>
+            <a:r>
+              <a:rPr lang="en-US" altLang="ko-KR" dirty="0"/>
+              <a:t> </a:t>
+            </a:r>
+            <a:endParaRPr lang="en-US" dirty="0"/>
+          </a:p>
+        </p:txBody>
+      </p:sp>
+      <p:sp>
+        <p:nvSpPr>
+          <p:cNvPr id="8" name="TextBox 7">
+            <a:extLst>
+              <a:ext uri="{FF2B5EF4-FFF2-40B4-BE49-F238E27FC236}">
+                <a16:creationId xmlns:a16="http://schemas.microsoft.com/office/drawing/2014/main" id="{DE5EFD92-1127-F347-F3D4-E86A94EFBCD2}"/>
               </a:ext>
             </a:extLst>
           </p:cNvPr>
@@ -4429,8 +4467,8 @@
         </p:nvSpPr>
         <p:spPr>
           <a:xfrm>
-            <a:off x="2343354" y="5293031"/>
-            <a:ext cx="2712064" cy="369332"/>
+            <a:off x="8776679" y="5293031"/>
+            <a:ext cx="719014" cy="369332"/>
           </a:xfrm>
           <a:prstGeom prst="rect">
             <a:avLst/>
@@ -4447,73 +4485,80 @@
           <a:lstStyle/>
           <a:p>
             <a:r>
-              <a:rPr lang="ko-KR" altLang="en-US"/>
-              <a:t>메인</a:t>
-            </a:r>
-            <a:r>
-              <a:rPr lang="en-US" altLang="ko-KR"/>
-              <a:t> </a:t>
-            </a:r>
-            <a:r>
-              <a:rPr lang="en-US" altLang="ko-KR" err="1"/>
-              <a:t>페이지입니다</a:t>
-            </a:r>
-            <a:r>
-              <a:rPr lang="en-US" altLang="ko-KR"/>
-              <a:t>.</a:t>
-            </a:r>
-            <a:endParaRPr lang="en-US"/>
-          </a:p>
-        </p:txBody>
-      </p:sp>
-      <p:sp>
-        <p:nvSpPr>
-          <p:cNvPr id="8" name="TextBox 7">
-            <a:extLst>
-              <a:ext uri="{FF2B5EF4-FFF2-40B4-BE49-F238E27FC236}">
-                <a16:creationId xmlns:a16="http://schemas.microsoft.com/office/drawing/2014/main" id="{DE5EFD92-1127-F347-F3D4-E86A94EFBCD2}"/>
-              </a:ext>
-            </a:extLst>
-          </p:cNvPr>
-          <p:cNvSpPr txBox="1"/>
+              <a:rPr lang="ko-KR" altLang="en-US" dirty="0"/>
+              <a:t>개인</a:t>
+            </a:r>
+            <a:endParaRPr lang="en-US" dirty="0"/>
+          </a:p>
+        </p:txBody>
+      </p:sp>
+      <p:sp>
+        <p:nvSpPr>
+          <p:cNvPr id="9" name="순서도: 종속 처리 8">
+            <a:extLst>
+              <a:ext uri="{FF2B5EF4-FFF2-40B4-BE49-F238E27FC236}">
+                <a16:creationId xmlns:a16="http://schemas.microsoft.com/office/drawing/2014/main" id="{69B45ED3-85A0-4423-9256-7BB262B651B8}"/>
+              </a:ext>
+            </a:extLst>
+          </p:cNvPr>
+          <p:cNvSpPr/>
           <p:nvPr/>
         </p:nvSpPr>
         <p:spPr>
           <a:xfrm>
-            <a:off x="7816644" y="5293031"/>
-            <a:ext cx="2712064" cy="369332"/>
+            <a:off x="0" y="0"/>
+            <a:ext cx="12192000" cy="797169"/>
           </a:xfrm>
-          <a:prstGeom prst="rect">
+          <a:prstGeom prst="flowChartPredefinedProcess">
             <a:avLst/>
           </a:prstGeom>
-          <a:noFill/>
         </p:spPr>
-        <p:txBody>
-          <a:bodyPr rot="0" spcFirstLastPara="0" vertOverflow="overflow" horzOverflow="overflow" vert="horz" wrap="square" lIns="91440" tIns="45720" rIns="91440" bIns="45720" numCol="1" spcCol="0" rtlCol="0" fromWordArt="0" anchor="t" anchorCtr="0" forceAA="0" compatLnSpc="1">
-            <a:prstTxWarp prst="textNoShape">
-              <a:avLst/>
-            </a:prstTxWarp>
-            <a:spAutoFit/>
-          </a:bodyPr>
-          <a:lstStyle/>
-          <a:p>
-            <a:r>
-              <a:rPr lang="ko-KR" altLang="en-US"/>
-              <a:t>개인</a:t>
-            </a:r>
-            <a:r>
-              <a:rPr lang="en-US" altLang="ko-KR"/>
-              <a:t> </a:t>
-            </a:r>
-            <a:r>
-              <a:rPr lang="en-US" altLang="ko-KR" err="1"/>
-              <a:t>페이지입니다</a:t>
-            </a:r>
-            <a:r>
-              <a:rPr lang="en-US" altLang="ko-KR"/>
-              <a:t>.</a:t>
-            </a:r>
-            <a:endParaRPr lang="en-US"/>
+        <p:style>
+          <a:lnRef idx="2">
+            <a:schemeClr val="accent1">
+              <a:shade val="50000"/>
+            </a:schemeClr>
+          </a:lnRef>
+          <a:fillRef idx="1">
+            <a:schemeClr val="accent1"/>
+          </a:fillRef>
+          <a:effectRef idx="0">
+            <a:schemeClr val="accent1"/>
+          </a:effectRef>
+          <a:fontRef idx="minor">
+            <a:schemeClr val="lt1"/>
+          </a:fontRef>
+        </p:style>
+        <p:txBody>
+          <a:bodyPr rtlCol="0" anchor="ctr"/>
+          <a:lstStyle/>
+          <a:p>
+            <a:pPr algn="ctr"/>
+            <a:r>
+              <a:rPr lang="ko-KR" altLang="en-US" sz="3600" dirty="0">
+                <a:effectLst>
+                  <a:outerShdw blurRad="50800" dist="38100" dir="2700000" algn="tl" rotWithShape="0">
+                    <a:prstClr val="black">
+                      <a:alpha val="40000"/>
+                    </a:prstClr>
+                  </a:outerShdw>
+                </a:effectLst>
+                <a:latin typeface="나눔바른고딕" panose="020B0603020101020101" pitchFamily="50" charset="-127"/>
+                <a:ea typeface="나눔바른고딕" panose="020B0603020101020101" pitchFamily="50" charset="-127"/>
+              </a:rPr>
+              <a:t>실제 작성 결과</a:t>
+            </a:r>
+            <a:endParaRPr lang="en-US" altLang="ko-KR" sz="3600" dirty="0">
+              <a:effectLst>
+                <a:outerShdw blurRad="50800" dist="38100" dir="2700000" algn="tl" rotWithShape="0">
+                  <a:prstClr val="black">
+                    <a:alpha val="40000"/>
+                  </a:prstClr>
+                </a:outerShdw>
+              </a:effectLst>
+              <a:latin typeface="나눔바른고딕" panose="020B0603020101020101" pitchFamily="50" charset="-127"/>
+              <a:ea typeface="나눔바른고딕" panose="020B0603020101020101" pitchFamily="50" charset="-127"/>
+            </a:endParaRPr>
           </a:p>
         </p:txBody>
       </p:sp>
@@ -4561,8 +4606,8 @@
         </p:nvSpPr>
         <p:spPr>
           <a:xfrm>
-            <a:off x="300789" y="330868"/>
-            <a:ext cx="10176710" cy="2031325"/>
+            <a:off x="222636" y="893576"/>
+            <a:ext cx="10176710" cy="1200329"/>
           </a:xfrm>
           <a:prstGeom prst="rect">
             <a:avLst/>
@@ -4579,516 +4624,491 @@
           <a:lstStyle/>
           <a:p>
             <a:r>
-              <a:rPr lang="ko-KR" altLang="en-US"/>
-              <a:t>기능</a:t>
-            </a:r>
-            <a:r>
-              <a:rPr lang="en-US" altLang="ko-KR"/>
-              <a:t> </a:t>
-            </a:r>
-            <a:r>
-              <a:rPr lang="ko-KR" altLang="en-US"/>
-              <a:t>및</a:t>
-            </a:r>
-            <a:r>
-              <a:rPr lang="en-US"/>
-              <a:t> API</a:t>
-            </a:r>
-          </a:p>
-          <a:p>
-            <a:r>
-              <a:rPr lang="en-US">
+              <a:rPr lang="en-US" dirty="0">
                 <a:ea typeface="+mn-lt"/>
                 <a:cs typeface="+mn-lt"/>
               </a:rPr>
               <a:t>1.</a:t>
             </a:r>
             <a:r>
-              <a:rPr lang="en-US" altLang="ko-KR">
+              <a:rPr lang="en-US" altLang="ko-KR" dirty="0">
                 <a:ea typeface="+mn-lt"/>
                 <a:cs typeface="+mn-lt"/>
               </a:rPr>
               <a:t> </a:t>
             </a:r>
             <a:r>
-              <a:rPr lang="ko-KR" altLang="en-US">
+              <a:rPr lang="ko-KR" altLang="en-US" dirty="0">
                 <a:ea typeface="+mn-lt"/>
                 <a:cs typeface="+mn-lt"/>
               </a:rPr>
               <a:t>팀원</a:t>
             </a:r>
             <a:r>
-              <a:rPr lang="en-US" altLang="ko-KR">
+              <a:rPr lang="en-US" altLang="ko-KR" dirty="0">
                 <a:ea typeface="+mn-lt"/>
                 <a:cs typeface="+mn-lt"/>
               </a:rPr>
               <a:t> </a:t>
             </a:r>
             <a:r>
-              <a:rPr lang="ko-KR" altLang="en-US">
+              <a:rPr lang="ko-KR" altLang="en-US" dirty="0">
                 <a:ea typeface="+mn-lt"/>
                 <a:cs typeface="+mn-lt"/>
               </a:rPr>
               <a:t>사진</a:t>
             </a:r>
             <a:r>
-              <a:rPr lang="en-US" altLang="ko-KR">
+              <a:rPr lang="en-US" altLang="ko-KR" dirty="0">
                 <a:ea typeface="+mn-lt"/>
                 <a:cs typeface="+mn-lt"/>
               </a:rPr>
               <a:t> </a:t>
             </a:r>
             <a:r>
-              <a:rPr lang="ko-KR" altLang="en-US">
+              <a:rPr lang="ko-KR" altLang="en-US" dirty="0">
                 <a:ea typeface="+mn-lt"/>
                 <a:cs typeface="+mn-lt"/>
               </a:rPr>
               <a:t>밑에</a:t>
             </a:r>
             <a:r>
-              <a:rPr lang="en-US" altLang="ko-KR">
+              <a:rPr lang="en-US" altLang="ko-KR" dirty="0">
                 <a:ea typeface="+mn-lt"/>
                 <a:cs typeface="+mn-lt"/>
               </a:rPr>
               <a:t> </a:t>
             </a:r>
             <a:r>
-              <a:rPr lang="ko-KR" altLang="en-US">
+              <a:rPr lang="ko-KR" altLang="en-US" dirty="0">
                 <a:ea typeface="+mn-lt"/>
                 <a:cs typeface="+mn-lt"/>
               </a:rPr>
               <a:t>버튼을</a:t>
             </a:r>
             <a:r>
-              <a:rPr lang="en-US" altLang="ko-KR">
+              <a:rPr lang="en-US" altLang="ko-KR" dirty="0">
                 <a:ea typeface="+mn-lt"/>
                 <a:cs typeface="+mn-lt"/>
               </a:rPr>
               <a:t> </a:t>
             </a:r>
             <a:r>
-              <a:rPr lang="ko-KR" altLang="en-US">
+              <a:rPr lang="ko-KR" altLang="en-US" dirty="0">
                 <a:ea typeface="+mn-lt"/>
                 <a:cs typeface="+mn-lt"/>
               </a:rPr>
               <a:t>누르면</a:t>
             </a:r>
             <a:r>
-              <a:rPr lang="en-US" altLang="ko-KR">
+              <a:rPr lang="en-US" altLang="ko-KR" dirty="0">
                 <a:ea typeface="+mn-lt"/>
                 <a:cs typeface="+mn-lt"/>
               </a:rPr>
               <a:t> </a:t>
             </a:r>
             <a:r>
-              <a:rPr lang="ko-KR" altLang="en-US">
+              <a:rPr lang="ko-KR" altLang="en-US" dirty="0">
                 <a:ea typeface="+mn-lt"/>
                 <a:cs typeface="+mn-lt"/>
               </a:rPr>
               <a:t>각자</a:t>
             </a:r>
             <a:r>
-              <a:rPr lang="en-US" altLang="ko-KR">
+              <a:rPr lang="en-US" altLang="ko-KR" dirty="0">
                 <a:ea typeface="+mn-lt"/>
                 <a:cs typeface="+mn-lt"/>
               </a:rPr>
               <a:t> </a:t>
             </a:r>
             <a:r>
-              <a:rPr lang="ko-KR" altLang="en-US">
+              <a:rPr lang="ko-KR" altLang="en-US" dirty="0">
                 <a:ea typeface="+mn-lt"/>
                 <a:cs typeface="+mn-lt"/>
               </a:rPr>
               <a:t>만든</a:t>
             </a:r>
             <a:r>
-              <a:rPr lang="en-US" altLang="ko-KR">
+              <a:rPr lang="en-US" altLang="ko-KR" dirty="0">
                 <a:ea typeface="+mn-lt"/>
                 <a:cs typeface="+mn-lt"/>
               </a:rPr>
               <a:t> </a:t>
             </a:r>
             <a:r>
-              <a:rPr lang="ko-KR" altLang="en-US">
+              <a:rPr lang="ko-KR" altLang="en-US" dirty="0">
                 <a:ea typeface="+mn-lt"/>
                 <a:cs typeface="+mn-lt"/>
               </a:rPr>
               <a:t>자기소개</a:t>
             </a:r>
             <a:r>
-              <a:rPr lang="en-US" altLang="ko-KR">
+              <a:rPr lang="en-US" altLang="ko-KR" dirty="0">
                 <a:ea typeface="+mn-lt"/>
                 <a:cs typeface="+mn-lt"/>
               </a:rPr>
               <a:t> </a:t>
             </a:r>
             <a:r>
-              <a:rPr lang="ko-KR" altLang="en-US">
+              <a:rPr lang="ko-KR" altLang="en-US" dirty="0">
                 <a:ea typeface="+mn-lt"/>
                 <a:cs typeface="+mn-lt"/>
               </a:rPr>
               <a:t>페이지로</a:t>
             </a:r>
             <a:r>
-              <a:rPr lang="en-US" altLang="ko-KR">
+              <a:rPr lang="en-US" altLang="ko-KR" dirty="0">
                 <a:ea typeface="+mn-lt"/>
                 <a:cs typeface="+mn-lt"/>
               </a:rPr>
               <a:t> </a:t>
             </a:r>
             <a:r>
-              <a:rPr lang="ko-KR" altLang="en-US">
+              <a:rPr lang="ko-KR" altLang="en-US" dirty="0">
                 <a:ea typeface="+mn-lt"/>
                 <a:cs typeface="+mn-lt"/>
               </a:rPr>
               <a:t>넘어갑니다</a:t>
             </a:r>
             <a:r>
-              <a:rPr lang="en-US">
+              <a:rPr lang="en-US" dirty="0">
                 <a:ea typeface="+mn-lt"/>
                 <a:cs typeface="+mn-lt"/>
               </a:rPr>
               <a:t>.</a:t>
             </a:r>
-            <a:endParaRPr lang="en-US"/>
-          </a:p>
-          <a:p>
-            <a:r>
-              <a:rPr lang="en-US">
+            <a:endParaRPr lang="en-US" dirty="0"/>
+          </a:p>
+          <a:p>
+            <a:r>
+              <a:rPr lang="en-US" dirty="0">
                 <a:ea typeface="+mn-lt"/>
                 <a:cs typeface="+mn-lt"/>
               </a:rPr>
               <a:t>2.</a:t>
             </a:r>
             <a:r>
-              <a:rPr lang="en-US" altLang="ko-KR">
+              <a:rPr lang="en-US" altLang="ko-KR" dirty="0">
                 <a:ea typeface="+mn-lt"/>
                 <a:cs typeface="+mn-lt"/>
               </a:rPr>
               <a:t> </a:t>
             </a:r>
             <a:r>
-              <a:rPr lang="ko-KR" altLang="en-US">
+              <a:rPr lang="ko-KR" altLang="en-US" dirty="0">
                 <a:ea typeface="+mn-lt"/>
                 <a:cs typeface="+mn-lt"/>
               </a:rPr>
               <a:t>메세지를</a:t>
             </a:r>
             <a:r>
-              <a:rPr lang="en-US" altLang="ko-KR">
+              <a:rPr lang="en-US" altLang="ko-KR" dirty="0">
                 <a:ea typeface="+mn-lt"/>
                 <a:cs typeface="+mn-lt"/>
               </a:rPr>
               <a:t> </a:t>
             </a:r>
             <a:r>
-              <a:rPr lang="ko-KR" altLang="en-US">
+              <a:rPr lang="ko-KR" altLang="en-US" dirty="0">
                 <a:ea typeface="+mn-lt"/>
                 <a:cs typeface="+mn-lt"/>
               </a:rPr>
               <a:t>작성하면</a:t>
             </a:r>
             <a:r>
-              <a:rPr lang="en-US" altLang="ko-KR">
+              <a:rPr lang="en-US" altLang="ko-KR" dirty="0">
                 <a:ea typeface="+mn-lt"/>
                 <a:cs typeface="+mn-lt"/>
               </a:rPr>
               <a:t> </a:t>
             </a:r>
             <a:r>
-              <a:rPr lang="ko-KR" altLang="en-US">
+              <a:rPr lang="ko-KR" altLang="en-US" dirty="0">
                 <a:ea typeface="+mn-lt"/>
                 <a:cs typeface="+mn-lt"/>
               </a:rPr>
               <a:t>밑에</a:t>
             </a:r>
             <a:r>
-              <a:rPr lang="en-US" altLang="ko-KR">
+              <a:rPr lang="en-US" altLang="ko-KR" dirty="0">
                 <a:ea typeface="+mn-lt"/>
                 <a:cs typeface="+mn-lt"/>
               </a:rPr>
               <a:t> </a:t>
             </a:r>
             <a:r>
-              <a:rPr lang="ko-KR" altLang="en-US">
+              <a:rPr lang="ko-KR" altLang="en-US" dirty="0">
                 <a:ea typeface="+mn-lt"/>
                 <a:cs typeface="+mn-lt"/>
               </a:rPr>
               <a:t>쌓입니다</a:t>
             </a:r>
             <a:r>
-              <a:rPr lang="en-US">
+              <a:rPr lang="en-US" dirty="0">
                 <a:ea typeface="+mn-lt"/>
                 <a:cs typeface="+mn-lt"/>
               </a:rPr>
               <a:t>. (DB</a:t>
             </a:r>
             <a:r>
-              <a:rPr lang="ko-KR" altLang="en-US">
+              <a:rPr lang="ko-KR" altLang="en-US" dirty="0">
                 <a:ea typeface="+mn-lt"/>
                 <a:cs typeface="+mn-lt"/>
               </a:rPr>
               <a:t>이용</a:t>
             </a:r>
             <a:r>
-              <a:rPr lang="en-US">
+              <a:rPr lang="en-US" dirty="0">
                 <a:ea typeface="+mn-lt"/>
                 <a:cs typeface="+mn-lt"/>
               </a:rPr>
               <a:t>)</a:t>
             </a:r>
-            <a:endParaRPr lang="en-US"/>
-          </a:p>
-          <a:p>
-            <a:r>
-              <a:rPr lang="en-US">
+            <a:endParaRPr lang="en-US" dirty="0"/>
+          </a:p>
+          <a:p>
+            <a:r>
+              <a:rPr lang="en-US" dirty="0">
                 <a:ea typeface="+mn-lt"/>
                 <a:cs typeface="+mn-lt"/>
               </a:rPr>
               <a:t>3.</a:t>
             </a:r>
             <a:r>
-              <a:rPr lang="en-US" altLang="ko-KR">
+              <a:rPr lang="en-US" altLang="ko-KR" dirty="0">
                 <a:ea typeface="+mn-lt"/>
                 <a:cs typeface="+mn-lt"/>
               </a:rPr>
               <a:t> </a:t>
             </a:r>
             <a:r>
-              <a:rPr lang="ko-KR" altLang="en-US">
+              <a:rPr lang="ko-KR" altLang="en-US" dirty="0">
                 <a:ea typeface="+mn-lt"/>
                 <a:cs typeface="+mn-lt"/>
               </a:rPr>
               <a:t>각각의</a:t>
             </a:r>
             <a:r>
-              <a:rPr lang="en-US" altLang="ko-KR">
+              <a:rPr lang="en-US" altLang="ko-KR" dirty="0">
                 <a:ea typeface="+mn-lt"/>
                 <a:cs typeface="+mn-lt"/>
               </a:rPr>
               <a:t> </a:t>
             </a:r>
             <a:r>
-              <a:rPr lang="ko-KR" altLang="en-US">
+              <a:rPr lang="ko-KR" altLang="en-US" dirty="0">
                 <a:ea typeface="+mn-lt"/>
                 <a:cs typeface="+mn-lt"/>
               </a:rPr>
               <a:t>메세지에</a:t>
             </a:r>
             <a:r>
-              <a:rPr lang="en-US" altLang="ko-KR">
+              <a:rPr lang="en-US" altLang="ko-KR" dirty="0">
                 <a:ea typeface="+mn-lt"/>
                 <a:cs typeface="+mn-lt"/>
               </a:rPr>
               <a:t> </a:t>
             </a:r>
             <a:r>
-              <a:rPr lang="ko-KR" altLang="en-US">
+              <a:rPr lang="ko-KR" altLang="en-US" dirty="0">
                 <a:ea typeface="+mn-lt"/>
                 <a:cs typeface="+mn-lt"/>
               </a:rPr>
               <a:t>삭제</a:t>
             </a:r>
             <a:r>
-              <a:rPr lang="en-US" altLang="ko-KR">
+              <a:rPr lang="en-US" altLang="ko-KR" dirty="0">
                 <a:ea typeface="+mn-lt"/>
                 <a:cs typeface="+mn-lt"/>
               </a:rPr>
               <a:t> </a:t>
             </a:r>
             <a:r>
-              <a:rPr lang="ko-KR" altLang="en-US">
+              <a:rPr lang="ko-KR" altLang="en-US" dirty="0">
                 <a:ea typeface="+mn-lt"/>
                 <a:cs typeface="+mn-lt"/>
               </a:rPr>
               <a:t>기능이</a:t>
             </a:r>
             <a:r>
-              <a:rPr lang="en-US" altLang="ko-KR">
+              <a:rPr lang="en-US" altLang="ko-KR" dirty="0">
                 <a:ea typeface="+mn-lt"/>
                 <a:cs typeface="+mn-lt"/>
               </a:rPr>
               <a:t> </a:t>
             </a:r>
             <a:r>
-              <a:rPr lang="ko-KR" altLang="en-US">
+              <a:rPr lang="ko-KR" altLang="en-US" dirty="0">
                 <a:ea typeface="+mn-lt"/>
                 <a:cs typeface="+mn-lt"/>
               </a:rPr>
               <a:t>있습니다</a:t>
             </a:r>
             <a:r>
-              <a:rPr lang="en-US">
+              <a:rPr lang="en-US" dirty="0">
                 <a:ea typeface="+mn-lt"/>
                 <a:cs typeface="+mn-lt"/>
               </a:rPr>
               <a:t>.</a:t>
             </a:r>
-            <a:endParaRPr lang="en-US"/>
-          </a:p>
-          <a:p>
-            <a:r>
-              <a:rPr lang="en-US">
+            <a:endParaRPr lang="en-US" dirty="0"/>
+          </a:p>
+          <a:p>
+            <a:r>
+              <a:rPr lang="en-US" dirty="0">
                 <a:ea typeface="+mn-lt"/>
                 <a:cs typeface="+mn-lt"/>
               </a:rPr>
               <a:t>4.</a:t>
             </a:r>
             <a:r>
-              <a:rPr lang="en-US" altLang="ko-KR">
+              <a:rPr lang="en-US" altLang="ko-KR" dirty="0">
                 <a:ea typeface="+mn-lt"/>
                 <a:cs typeface="+mn-lt"/>
               </a:rPr>
               <a:t> </a:t>
             </a:r>
             <a:r>
-              <a:rPr lang="ko-KR" altLang="en-US">
+              <a:rPr lang="ko-KR" altLang="en-US" dirty="0">
                 <a:ea typeface="+mn-lt"/>
                 <a:cs typeface="+mn-lt"/>
               </a:rPr>
               <a:t>자기소개페이지에서</a:t>
             </a:r>
             <a:r>
-              <a:rPr lang="en-US" altLang="ko-KR">
+              <a:rPr lang="en-US" altLang="ko-KR" dirty="0">
                 <a:ea typeface="+mn-lt"/>
                 <a:cs typeface="+mn-lt"/>
               </a:rPr>
               <a:t> </a:t>
             </a:r>
             <a:r>
-              <a:rPr lang="ko-KR" altLang="en-US" err="1">
+              <a:rPr lang="ko-KR" altLang="en-US" dirty="0" err="1">
                 <a:ea typeface="+mn-lt"/>
                 <a:cs typeface="+mn-lt"/>
               </a:rPr>
               <a:t>제목또는</a:t>
             </a:r>
             <a:r>
-              <a:rPr lang="en-US" altLang="ko-KR">
+              <a:rPr lang="en-US" altLang="ko-KR" dirty="0">
                 <a:ea typeface="+mn-lt"/>
                 <a:cs typeface="+mn-lt"/>
               </a:rPr>
               <a:t> </a:t>
             </a:r>
             <a:r>
-              <a:rPr lang="ko-KR" altLang="en-US" err="1">
+              <a:rPr lang="ko-KR" altLang="en-US" dirty="0" err="1">
                 <a:ea typeface="+mn-lt"/>
                 <a:cs typeface="+mn-lt"/>
               </a:rPr>
               <a:t>메인이미지를</a:t>
             </a:r>
             <a:r>
-              <a:rPr lang="en-US" altLang="ko-KR">
+              <a:rPr lang="en-US" altLang="ko-KR" dirty="0">
                 <a:ea typeface="+mn-lt"/>
                 <a:cs typeface="+mn-lt"/>
               </a:rPr>
               <a:t> </a:t>
             </a:r>
             <a:r>
-              <a:rPr lang="ko-KR" altLang="en-US">
+              <a:rPr lang="ko-KR" altLang="en-US" dirty="0">
                 <a:ea typeface="+mn-lt"/>
                 <a:cs typeface="+mn-lt"/>
               </a:rPr>
               <a:t>누르면</a:t>
             </a:r>
             <a:r>
-              <a:rPr lang="en-US" altLang="ko-KR">
+              <a:rPr lang="en-US" altLang="ko-KR" dirty="0">
                 <a:ea typeface="+mn-lt"/>
                 <a:cs typeface="+mn-lt"/>
               </a:rPr>
               <a:t> </a:t>
             </a:r>
             <a:r>
-              <a:rPr lang="ko-KR" altLang="en-US">
+              <a:rPr lang="ko-KR" altLang="en-US" dirty="0">
                 <a:ea typeface="+mn-lt"/>
                 <a:cs typeface="+mn-lt"/>
               </a:rPr>
               <a:t>원래</a:t>
             </a:r>
             <a:r>
-              <a:rPr lang="en-US" altLang="ko-KR">
+              <a:rPr lang="en-US" altLang="ko-KR" dirty="0">
                 <a:ea typeface="+mn-lt"/>
                 <a:cs typeface="+mn-lt"/>
               </a:rPr>
               <a:t> </a:t>
             </a:r>
             <a:r>
-              <a:rPr lang="ko-KR" altLang="en-US">
+              <a:rPr lang="ko-KR" altLang="en-US" dirty="0">
                 <a:ea typeface="+mn-lt"/>
                 <a:cs typeface="+mn-lt"/>
               </a:rPr>
               <a:t>있던</a:t>
             </a:r>
             <a:r>
-              <a:rPr lang="en-US" altLang="ko-KR">
+              <a:rPr lang="en-US" altLang="ko-KR" dirty="0">
                 <a:ea typeface="+mn-lt"/>
                 <a:cs typeface="+mn-lt"/>
               </a:rPr>
               <a:t> </a:t>
             </a:r>
             <a:r>
-              <a:rPr lang="ko-KR" altLang="en-US">
+              <a:rPr lang="ko-KR" altLang="en-US" dirty="0">
                 <a:ea typeface="+mn-lt"/>
                 <a:cs typeface="+mn-lt"/>
               </a:rPr>
               <a:t>팀</a:t>
             </a:r>
             <a:r>
-              <a:rPr lang="en-US" altLang="ko-KR">
+              <a:rPr lang="en-US" altLang="ko-KR" dirty="0">
                 <a:ea typeface="+mn-lt"/>
                 <a:cs typeface="+mn-lt"/>
               </a:rPr>
               <a:t> </a:t>
             </a:r>
             <a:r>
-              <a:rPr lang="ko-KR" altLang="en-US">
+              <a:rPr lang="ko-KR" altLang="en-US" dirty="0">
                 <a:ea typeface="+mn-lt"/>
                 <a:cs typeface="+mn-lt"/>
               </a:rPr>
               <a:t>소개</a:t>
             </a:r>
             <a:r>
-              <a:rPr lang="en-US" altLang="ko-KR">
+              <a:rPr lang="en-US" altLang="ko-KR" dirty="0">
                 <a:ea typeface="+mn-lt"/>
                 <a:cs typeface="+mn-lt"/>
               </a:rPr>
               <a:t> </a:t>
             </a:r>
             <a:r>
-              <a:rPr lang="ko-KR" altLang="en-US">
+              <a:rPr lang="ko-KR" altLang="en-US" dirty="0">
                 <a:ea typeface="+mn-lt"/>
                 <a:cs typeface="+mn-lt"/>
               </a:rPr>
               <a:t>페이지로</a:t>
             </a:r>
             <a:r>
-              <a:rPr lang="en-US" altLang="ko-KR">
+              <a:rPr lang="en-US" altLang="ko-KR" dirty="0">
                 <a:ea typeface="+mn-lt"/>
                 <a:cs typeface="+mn-lt"/>
               </a:rPr>
               <a:t> </a:t>
             </a:r>
             <a:r>
-              <a:rPr lang="ko-KR" altLang="en-US">
+              <a:rPr lang="ko-KR" altLang="en-US" dirty="0">
                 <a:ea typeface="+mn-lt"/>
                 <a:cs typeface="+mn-lt"/>
               </a:rPr>
               <a:t>넘어갑니다</a:t>
             </a:r>
             <a:r>
-              <a:rPr lang="en-US">
+              <a:rPr lang="en-US" dirty="0">
                 <a:ea typeface="+mn-lt"/>
                 <a:cs typeface="+mn-lt"/>
               </a:rPr>
               <a:t>.</a:t>
             </a:r>
-            <a:endParaRPr lang="en-US"/>
-          </a:p>
-          <a:p>
-            <a:endParaRPr lang="en-US"/>
-          </a:p>
-          <a:p>
-            <a:pPr algn="l"/>
-            <a:endParaRPr lang="en-US"/>
+            <a:endParaRPr lang="en-US" dirty="0"/>
           </a:p>
         </p:txBody>
       </p:sp>
@@ -5107,14 +5127,14 @@
           <p:nvPr>
             <p:extLst>
               <p:ext uri="{D42A27DB-BD31-4B8C-83A1-F6EECF244321}">
-                <p14:modId xmlns:p14="http://schemas.microsoft.com/office/powerpoint/2010/main" val="1038964306"/>
+                <p14:modId xmlns:p14="http://schemas.microsoft.com/office/powerpoint/2010/main" val="2246024764"/>
               </p:ext>
             </p:extLst>
           </p:nvPr>
         </p:nvGraphicFramePr>
         <p:xfrm>
-          <a:off x="397443" y="1975665"/>
-          <a:ext cx="11377177" cy="4117012"/>
+          <a:off x="397443" y="2190312"/>
+          <a:ext cx="11377177" cy="3999473"/>
         </p:xfrm>
         <a:graphic>
           <a:graphicData uri="http://schemas.openxmlformats.org/drawingml/2006/table">
@@ -5159,7 +5179,7 @@
                   </a:extLst>
                 </a:gridCol>
               </a:tblGrid>
-              <a:tr h="732073">
+              <a:tr h="663783">
                 <a:tc>
                   <a:txBody>
                     <a:bodyPr/>
@@ -5182,7 +5202,7 @@
                     <a:p>
                       <a:pPr algn="ctr"/>
                       <a:r>
-                        <a:rPr lang="en-US"/>
+                        <a:rPr lang="en-US" dirty="0"/>
                         <a:t>Method</a:t>
                       </a:r>
                     </a:p>
@@ -5196,7 +5216,7 @@
                     <a:p>
                       <a:pPr algn="ctr"/>
                       <a:r>
-                        <a:rPr lang="en-US"/>
+                        <a:rPr lang="en-US" dirty="0"/>
                         <a:t>URL</a:t>
                       </a:r>
                     </a:p>
@@ -5247,7 +5267,7 @@
                   </a:ext>
                 </a:extLst>
               </a:tr>
-              <a:tr h="732073">
+              <a:tr h="1305281">
                 <a:tc>
                   <a:txBody>
                     <a:bodyPr/>
@@ -5403,7 +5423,7 @@
                   </a:ext>
                 </a:extLst>
               </a:tr>
-              <a:tr h="732073">
+              <a:tr h="663783">
                 <a:tc>
                   <a:txBody>
                     <a:bodyPr/>
@@ -5541,7 +5561,7 @@
                   </a:ext>
                 </a:extLst>
               </a:tr>
-              <a:tr h="732073">
+              <a:tr h="663783">
                 <a:tc>
                   <a:txBody>
                     <a:bodyPr/>
@@ -5697,7 +5717,7 @@
                   </a:ext>
                 </a:extLst>
               </a:tr>
-              <a:tr h="732073">
+              <a:tr h="702843">
                 <a:tc>
                   <a:txBody>
                     <a:bodyPr/>
@@ -5795,54 +5815,54 @@
                         <a:buNone/>
                       </a:pPr>
                       <a:r>
-                        <a:rPr lang="en-US" sz="1800" b="0" i="0" u="none" strike="noStrike" noProof="0">
+                        <a:rPr lang="en-US" sz="1800" b="0" i="0" u="none" strike="noStrike" noProof="0" dirty="0" err="1">
                           <a:latin typeface="Tw Cen MT"/>
                         </a:rPr>
                         <a:t>idx</a:t>
                       </a:r>
                       <a:r>
-                        <a:rPr lang="ko-KR" altLang="en-US" sz="1800" b="0" i="0" u="none" strike="noStrike" noProof="0">
+                        <a:rPr lang="ko-KR" altLang="en-US" sz="1800" b="0" i="0" u="none" strike="noStrike" noProof="0" dirty="0">
                           <a:latin typeface="Tw Cen MT"/>
                         </a:rPr>
                         <a:t>에</a:t>
                       </a:r>
                       <a:r>
-                        <a:rPr lang="en-US" altLang="ko-KR" sz="1800" b="0" i="0" u="none" strike="noStrike" noProof="0">
+                        <a:rPr lang="en-US" altLang="ko-KR" sz="1800" b="0" i="0" u="none" strike="noStrike" noProof="0" dirty="0">
                           <a:latin typeface="Tw Cen MT"/>
                         </a:rPr>
                         <a:t> </a:t>
                       </a:r>
                       <a:r>
-                        <a:rPr lang="ko-KR" altLang="en-US" sz="1800" b="0" i="0" u="none" strike="noStrike" noProof="0">
+                        <a:rPr lang="ko-KR" altLang="en-US" sz="1800" b="0" i="0" u="none" strike="noStrike" noProof="0" dirty="0">
                           <a:latin typeface="Tw Cen MT"/>
                         </a:rPr>
                         <a:t>맞는</a:t>
                       </a:r>
                       <a:r>
-                        <a:rPr lang="en-US" altLang="ko-KR" sz="1800" b="0" i="0" u="none" strike="noStrike" noProof="0">
+                        <a:rPr lang="en-US" altLang="ko-KR" sz="1800" b="0" i="0" u="none" strike="noStrike" noProof="0" dirty="0">
                           <a:latin typeface="Tw Cen MT"/>
                         </a:rPr>
                         <a:t> </a:t>
                       </a:r>
                       <a:r>
-                        <a:rPr lang="ko-KR" altLang="en-US" sz="1800" b="0" i="0" u="none" strike="noStrike" noProof="0">
+                        <a:rPr lang="ko-KR" altLang="en-US" sz="1800" b="0" i="0" u="none" strike="noStrike" noProof="0" dirty="0" err="1">
                           <a:latin typeface="Tw Cen MT"/>
                         </a:rPr>
                         <a:t>메세지</a:t>
                       </a:r>
                       <a:r>
-                        <a:rPr lang="en-US" altLang="ko-KR" sz="1800" b="0" i="0" u="none" strike="noStrike" noProof="0">
+                        <a:rPr lang="en-US" altLang="ko-KR" sz="1800" b="0" i="0" u="none" strike="noStrike" noProof="0" dirty="0">
                           <a:latin typeface="Tw Cen MT"/>
                         </a:rPr>
                         <a:t> </a:t>
                       </a:r>
                       <a:r>
-                        <a:rPr lang="ko-KR" altLang="en-US" sz="1800" b="0" i="0" u="none" strike="noStrike" noProof="0">
+                        <a:rPr lang="ko-KR" altLang="en-US" sz="1800" b="0" i="0" u="none" strike="noStrike" noProof="0" dirty="0">
                           <a:latin typeface="Tw Cen MT"/>
                         </a:rPr>
                         <a:t>지우기</a:t>
                       </a:r>
-                      <a:endParaRPr lang="en-US"/>
+                      <a:endParaRPr lang="en-US" dirty="0"/>
                     </a:p>
                   </a:txBody>
                   <a:tcPr anchor="ctr"/>
@@ -5857,6 +5877,99 @@
           </a:graphicData>
         </a:graphic>
       </p:graphicFrame>
+      <p:sp>
+        <p:nvSpPr>
+          <p:cNvPr id="6" name="순서도: 종속 처리 5">
+            <a:extLst>
+              <a:ext uri="{FF2B5EF4-FFF2-40B4-BE49-F238E27FC236}">
+                <a16:creationId xmlns:a16="http://schemas.microsoft.com/office/drawing/2014/main" id="{ED2CB31B-83EE-43FB-B737-A2877DC46E08}"/>
+              </a:ext>
+            </a:extLst>
+          </p:cNvPr>
+          <p:cNvSpPr/>
+          <p:nvPr/>
+        </p:nvSpPr>
+        <p:spPr>
+          <a:xfrm>
+            <a:off x="0" y="0"/>
+            <a:ext cx="12192000" cy="797169"/>
+          </a:xfrm>
+          <a:prstGeom prst="flowChartPredefinedProcess">
+            <a:avLst/>
+          </a:prstGeom>
+        </p:spPr>
+        <p:style>
+          <a:lnRef idx="2">
+            <a:schemeClr val="accent1">
+              <a:shade val="50000"/>
+            </a:schemeClr>
+          </a:lnRef>
+          <a:fillRef idx="1">
+            <a:schemeClr val="accent1"/>
+          </a:fillRef>
+          <a:effectRef idx="0">
+            <a:schemeClr val="accent1"/>
+          </a:effectRef>
+          <a:fontRef idx="minor">
+            <a:schemeClr val="lt1"/>
+          </a:fontRef>
+        </p:style>
+        <p:txBody>
+          <a:bodyPr rtlCol="0" anchor="ctr"/>
+          <a:lstStyle/>
+          <a:p>
+            <a:pPr algn="ctr"/>
+            <a:r>
+              <a:rPr lang="ko-KR" altLang="en-US" sz="3600" dirty="0">
+                <a:effectLst>
+                  <a:outerShdw blurRad="50800" dist="38100" dir="2700000" algn="tl" rotWithShape="0">
+                    <a:prstClr val="black">
+                      <a:alpha val="40000"/>
+                    </a:prstClr>
+                  </a:outerShdw>
+                </a:effectLst>
+              </a:rPr>
+              <a:t>기능</a:t>
+            </a:r>
+            <a:r>
+              <a:rPr lang="en-US" altLang="ko-KR" sz="3600" dirty="0">
+                <a:effectLst>
+                  <a:outerShdw blurRad="50800" dist="38100" dir="2700000" algn="tl" rotWithShape="0">
+                    <a:prstClr val="black">
+                      <a:alpha val="40000"/>
+                    </a:prstClr>
+                  </a:outerShdw>
+                </a:effectLst>
+              </a:rPr>
+              <a:t> </a:t>
+            </a:r>
+            <a:r>
+              <a:rPr lang="ko-KR" altLang="en-US" sz="3600" dirty="0">
+                <a:effectLst>
+                  <a:outerShdw blurRad="50800" dist="38100" dir="2700000" algn="tl" rotWithShape="0">
+                    <a:prstClr val="black">
+                      <a:alpha val="40000"/>
+                    </a:prstClr>
+                  </a:outerShdw>
+                </a:effectLst>
+              </a:rPr>
+              <a:t>및</a:t>
+            </a:r>
+            <a:r>
+              <a:rPr lang="en-US" altLang="ko-KR" sz="3600" dirty="0">
+                <a:effectLst>
+                  <a:outerShdw blurRad="50800" dist="38100" dir="2700000" algn="tl" rotWithShape="0">
+                    <a:prstClr val="black">
+                      <a:alpha val="40000"/>
+                    </a:prstClr>
+                  </a:outerShdw>
+                </a:effectLst>
+              </a:rPr>
+              <a:t> API</a:t>
+            </a:r>
+          </a:p>
+        </p:txBody>
+      </p:sp>
     </p:spTree>
     <p:extLst>
       <p:ext uri="{BB962C8B-B14F-4D97-AF65-F5344CB8AC3E}">
@@ -6135,7 +6248,7 @@
         </p:nvSpPr>
         <p:spPr>
           <a:xfrm>
-            <a:off x="350052" y="1434119"/>
+            <a:off x="256267" y="1168396"/>
             <a:ext cx="6374579" cy="646331"/>
           </a:xfrm>
           <a:prstGeom prst="rect">
@@ -6197,7 +6310,7 @@
         </p:nvSpPr>
         <p:spPr>
           <a:xfrm>
-            <a:off x="350051" y="4349885"/>
+            <a:off x="256266" y="4084162"/>
             <a:ext cx="6192742" cy="369332"/>
           </a:xfrm>
           <a:prstGeom prst="rect">
@@ -6235,7 +6348,7 @@
         </p:nvSpPr>
         <p:spPr>
           <a:xfrm>
-            <a:off x="352322" y="2255547"/>
+            <a:off x="258537" y="1989824"/>
             <a:ext cx="9799483" cy="1754326"/>
           </a:xfrm>
           <a:prstGeom prst="rect">
@@ -6372,6 +6485,96 @@
               <a:rPr lang="ko-KR" altLang="en-US"/>
               <a:t> 사용해 백업파일도 미리미리 만들도록 하겠습니다.</a:t>
             </a:r>
+          </a:p>
+        </p:txBody>
+      </p:sp>
+      <p:sp>
+        <p:nvSpPr>
+          <p:cNvPr id="8" name="순서도: 종속 처리 7">
+            <a:extLst>
+              <a:ext uri="{FF2B5EF4-FFF2-40B4-BE49-F238E27FC236}">
+                <a16:creationId xmlns:a16="http://schemas.microsoft.com/office/drawing/2014/main" id="{C624EA67-1D92-43C4-ABD4-5CC0E1E166F1}"/>
+              </a:ext>
+            </a:extLst>
+          </p:cNvPr>
+          <p:cNvSpPr/>
+          <p:nvPr/>
+        </p:nvSpPr>
+        <p:spPr>
+          <a:xfrm>
+            <a:off x="0" y="0"/>
+            <a:ext cx="12192000" cy="797169"/>
+          </a:xfrm>
+          <a:prstGeom prst="flowChartPredefinedProcess">
+            <a:avLst/>
+          </a:prstGeom>
+        </p:spPr>
+        <p:style>
+          <a:lnRef idx="2">
+            <a:schemeClr val="accent1">
+              <a:shade val="50000"/>
+            </a:schemeClr>
+          </a:lnRef>
+          <a:fillRef idx="1">
+            <a:schemeClr val="accent1"/>
+          </a:fillRef>
+          <a:effectRef idx="0">
+            <a:schemeClr val="accent1"/>
+          </a:effectRef>
+          <a:fontRef idx="minor">
+            <a:schemeClr val="lt1"/>
+          </a:fontRef>
+        </p:style>
+        <p:txBody>
+          <a:bodyPr rtlCol="0" anchor="ctr"/>
+          <a:lstStyle/>
+          <a:p>
+            <a:pPr algn="ctr"/>
+            <a:r>
+              <a:rPr lang="ko-KR" altLang="en-US" sz="3600" dirty="0">
+                <a:effectLst>
+                  <a:outerShdw blurRad="50800" dist="38100" dir="2700000" algn="tl" rotWithShape="0">
+                    <a:prstClr val="black">
+                      <a:alpha val="40000"/>
+                    </a:prstClr>
+                  </a:outerShdw>
+                </a:effectLst>
+              </a:rPr>
+              <a:t>보완할 점 </a:t>
+            </a:r>
+            <a:r>
+              <a:rPr lang="en-US" altLang="ko-KR" sz="3600" dirty="0">
+                <a:effectLst>
+                  <a:outerShdw blurRad="50800" dist="38100" dir="2700000" algn="tl" rotWithShape="0">
+                    <a:prstClr val="black">
+                      <a:alpha val="40000"/>
+                    </a:prstClr>
+                  </a:outerShdw>
+                </a:effectLst>
+              </a:rPr>
+              <a:t>&amp; </a:t>
+            </a:r>
+            <a:r>
+              <a:rPr lang="ko-KR" altLang="en-US" sz="3600" dirty="0">
+                <a:effectLst>
+                  <a:outerShdw blurRad="50800" dist="38100" dir="2700000" algn="tl" rotWithShape="0">
+                    <a:prstClr val="black">
+                      <a:alpha val="40000"/>
+                    </a:prstClr>
+                  </a:outerShdw>
+                </a:effectLst>
+              </a:rPr>
+              <a:t>해결한 점</a:t>
+            </a:r>
+            <a:endParaRPr lang="en-US" altLang="ko-KR" sz="3600" dirty="0">
+              <a:effectLst>
+                <a:outerShdw blurRad="50800" dist="38100" dir="2700000" algn="tl" rotWithShape="0">
+                  <a:prstClr val="black">
+                    <a:alpha val="40000"/>
+                  </a:prstClr>
+                </a:outerShdw>
+              </a:effectLst>
+            </a:endParaRPr>
           </a:p>
         </p:txBody>
       </p:sp>
@@ -6427,8 +6630,8 @@
         </p:blipFill>
         <p:spPr>
           <a:xfrm>
-            <a:off x="350234" y="2809128"/>
-            <a:ext cx="6130886" cy="1662954"/>
+            <a:off x="351545" y="3137372"/>
+            <a:ext cx="7046714" cy="1911365"/>
           </a:xfrm>
           <a:prstGeom prst="rect">
             <a:avLst/>
@@ -6457,8 +6660,8 @@
         </p:blipFill>
         <p:spPr>
           <a:xfrm>
-            <a:off x="351546" y="1255096"/>
-            <a:ext cx="6130886" cy="1229689"/>
+            <a:off x="352856" y="1583341"/>
+            <a:ext cx="7046713" cy="1413379"/>
           </a:xfrm>
           <a:prstGeom prst="rect">
             <a:avLst/>
@@ -6487,8 +6690,8 @@
         </p:blipFill>
         <p:spPr>
           <a:xfrm>
-            <a:off x="7670079" y="460003"/>
-            <a:ext cx="3844886" cy="5641542"/>
+            <a:off x="7959516" y="370587"/>
+            <a:ext cx="3880939" cy="5694443"/>
           </a:xfrm>
           <a:prstGeom prst="rect">
             <a:avLst/>
@@ -6509,7 +6712,7 @@
         </p:nvSpPr>
         <p:spPr>
           <a:xfrm>
-            <a:off x="95508" y="120089"/>
+            <a:off x="765025" y="370587"/>
             <a:ext cx="884903" cy="369332"/>
           </a:xfrm>
           <a:prstGeom prst="rect">
@@ -6528,10 +6731,54 @@
           <a:p>
             <a:pPr algn="l"/>
             <a:r>
-              <a:rPr lang="ko-KR" altLang="en-US"/>
+              <a:rPr lang="ko-KR" altLang="en-US" dirty="0"/>
               <a:t>유상우</a:t>
             </a:r>
-            <a:endParaRPr lang="en-US"/>
+            <a:endParaRPr lang="en-US" dirty="0"/>
+          </a:p>
+        </p:txBody>
+      </p:sp>
+      <p:sp>
+        <p:nvSpPr>
+          <p:cNvPr id="2" name="양쪽 대괄호 1">
+            <a:extLst>
+              <a:ext uri="{FF2B5EF4-FFF2-40B4-BE49-F238E27FC236}">
+                <a16:creationId xmlns:a16="http://schemas.microsoft.com/office/drawing/2014/main" id="{87B39600-1C10-4E79-9983-C041C0E4D24A}"/>
+              </a:ext>
+            </a:extLst>
+          </p:cNvPr>
+          <p:cNvSpPr/>
+          <p:nvPr/>
+        </p:nvSpPr>
+        <p:spPr>
+          <a:xfrm>
+            <a:off x="203201" y="179754"/>
+            <a:ext cx="2008553" cy="750999"/>
+          </a:xfrm>
+          <a:prstGeom prst="bracketPair">
+            <a:avLst/>
+          </a:prstGeom>
+        </p:spPr>
+        <p:style>
+          <a:lnRef idx="1">
+            <a:schemeClr val="accent1"/>
+          </a:lnRef>
+          <a:fillRef idx="0">
+            <a:schemeClr val="accent1"/>
+          </a:fillRef>
+          <a:effectRef idx="0">
+            <a:schemeClr val="accent1"/>
+          </a:effectRef>
+          <a:fontRef idx="minor">
+            <a:schemeClr val="tx1"/>
+          </a:fontRef>
+        </p:style>
+        <p:txBody>
+          <a:bodyPr rtlCol="0" anchor="ctr"/>
+          <a:lstStyle/>
+          <a:p>
+            <a:pPr algn="ctr"/>
+            <a:endParaRPr lang="ko-KR" altLang="en-US"/>
           </a:p>
         </p:txBody>
       </p:sp>
@@ -6627,10 +6874,10 @@
       </p:pic>
       <p:sp>
         <p:nvSpPr>
-          <p:cNvPr id="6" name="TextBox 5">
-            <a:extLst>
-              <a:ext uri="{FF2B5EF4-FFF2-40B4-BE49-F238E27FC236}">
-                <a16:creationId xmlns:a16="http://schemas.microsoft.com/office/drawing/2014/main" id="{91D0726D-D52F-8F04-BB62-98116A02A537}"/>
+          <p:cNvPr id="7" name="TextBox 6">
+            <a:extLst>
+              <a:ext uri="{FF2B5EF4-FFF2-40B4-BE49-F238E27FC236}">
+                <a16:creationId xmlns:a16="http://schemas.microsoft.com/office/drawing/2014/main" id="{A01D48A4-FFF7-4310-B5D6-F3B83B216DF5}"/>
               </a:ext>
             </a:extLst>
           </p:cNvPr>
@@ -6639,8 +6886,8 @@
         </p:nvSpPr>
         <p:spPr>
           <a:xfrm>
-            <a:off x="54490" y="84847"/>
-            <a:ext cx="1081550" cy="369332"/>
+            <a:off x="765025" y="370587"/>
+            <a:ext cx="884903" cy="369332"/>
           </a:xfrm>
           <a:prstGeom prst="rect">
             <a:avLst/>
@@ -6658,9 +6905,54 @@
           <a:p>
             <a:pPr algn="l"/>
             <a:r>
-              <a:rPr lang="ko-KR" altLang="en-US"/>
+              <a:rPr lang="ko-KR" altLang="en-US" dirty="0"/>
               <a:t>육준호</a:t>
             </a:r>
+            <a:endParaRPr lang="en-US" dirty="0"/>
+          </a:p>
+        </p:txBody>
+      </p:sp>
+      <p:sp>
+        <p:nvSpPr>
+          <p:cNvPr id="8" name="양쪽 대괄호 7">
+            <a:extLst>
+              <a:ext uri="{FF2B5EF4-FFF2-40B4-BE49-F238E27FC236}">
+                <a16:creationId xmlns:a16="http://schemas.microsoft.com/office/drawing/2014/main" id="{F5C9297A-5BBD-47A4-BF17-D197F4B39D30}"/>
+              </a:ext>
+            </a:extLst>
+          </p:cNvPr>
+          <p:cNvSpPr/>
+          <p:nvPr/>
+        </p:nvSpPr>
+        <p:spPr>
+          <a:xfrm>
+            <a:off x="203201" y="179754"/>
+            <a:ext cx="2008553" cy="750999"/>
+          </a:xfrm>
+          <a:prstGeom prst="bracketPair">
+            <a:avLst/>
+          </a:prstGeom>
+        </p:spPr>
+        <p:style>
+          <a:lnRef idx="1">
+            <a:schemeClr val="accent1"/>
+          </a:lnRef>
+          <a:fillRef idx="0">
+            <a:schemeClr val="accent1"/>
+          </a:fillRef>
+          <a:effectRef idx="0">
+            <a:schemeClr val="accent1"/>
+          </a:effectRef>
+          <a:fontRef idx="minor">
+            <a:schemeClr val="tx1"/>
+          </a:fontRef>
+        </p:style>
+        <p:txBody>
+          <a:bodyPr rtlCol="0" anchor="ctr"/>
+          <a:lstStyle/>
+          <a:p>
+            <a:pPr algn="ctr"/>
+            <a:endParaRPr lang="ko-KR" altLang="en-US"/>
           </a:p>
         </p:txBody>
       </p:sp>
@@ -6725,10 +7017,10 @@
       </p:pic>
       <p:sp>
         <p:nvSpPr>
-          <p:cNvPr id="5" name="TextBox 4">
-            <a:extLst>
-              <a:ext uri="{FF2B5EF4-FFF2-40B4-BE49-F238E27FC236}">
-                <a16:creationId xmlns:a16="http://schemas.microsoft.com/office/drawing/2014/main" id="{43A3EE4B-3DAF-2575-2651-CF92DD5BC47B}"/>
+          <p:cNvPr id="6" name="TextBox 5">
+            <a:extLst>
+              <a:ext uri="{FF2B5EF4-FFF2-40B4-BE49-F238E27FC236}">
+                <a16:creationId xmlns:a16="http://schemas.microsoft.com/office/drawing/2014/main" id="{33048C51-81CF-430C-B903-FC4CCC7133FC}"/>
               </a:ext>
             </a:extLst>
           </p:cNvPr>
@@ -6737,8 +7029,8 @@
         </p:nvSpPr>
         <p:spPr>
           <a:xfrm>
-            <a:off x="51531" y="120978"/>
-            <a:ext cx="2998838" cy="369332"/>
+            <a:off x="765025" y="370587"/>
+            <a:ext cx="884903" cy="369332"/>
           </a:xfrm>
           <a:prstGeom prst="rect">
             <a:avLst/>
@@ -6756,10 +7048,54 @@
           <a:p>
             <a:pPr algn="l"/>
             <a:r>
-              <a:rPr lang="ko-KR" altLang="en-US" err="1"/>
+              <a:rPr lang="ko-KR" altLang="en-US" dirty="0" err="1"/>
               <a:t>길재형</a:t>
             </a:r>
-            <a:endParaRPr lang="en-US" err="1"/>
+            <a:endParaRPr lang="en-US" dirty="0"/>
+          </a:p>
+        </p:txBody>
+      </p:sp>
+      <p:sp>
+        <p:nvSpPr>
+          <p:cNvPr id="7" name="양쪽 대괄호 6">
+            <a:extLst>
+              <a:ext uri="{FF2B5EF4-FFF2-40B4-BE49-F238E27FC236}">
+                <a16:creationId xmlns:a16="http://schemas.microsoft.com/office/drawing/2014/main" id="{3ACA59E9-6B1F-47F3-B1DC-1C6ED19D3E24}"/>
+              </a:ext>
+            </a:extLst>
+          </p:cNvPr>
+          <p:cNvSpPr/>
+          <p:nvPr/>
+        </p:nvSpPr>
+        <p:spPr>
+          <a:xfrm>
+            <a:off x="203201" y="179754"/>
+            <a:ext cx="2008553" cy="750999"/>
+          </a:xfrm>
+          <a:prstGeom prst="bracketPair">
+            <a:avLst/>
+          </a:prstGeom>
+        </p:spPr>
+        <p:style>
+          <a:lnRef idx="1">
+            <a:schemeClr val="accent1"/>
+          </a:lnRef>
+          <a:fillRef idx="0">
+            <a:schemeClr val="accent1"/>
+          </a:fillRef>
+          <a:effectRef idx="0">
+            <a:schemeClr val="accent1"/>
+          </a:effectRef>
+          <a:fontRef idx="minor">
+            <a:schemeClr val="tx1"/>
+          </a:fontRef>
+        </p:style>
+        <p:txBody>
+          <a:bodyPr rtlCol="0" anchor="ctr"/>
+          <a:lstStyle/>
+          <a:p>
+            <a:pPr algn="ctr"/>
+            <a:endParaRPr lang="ko-KR" altLang="en-US"/>
           </a:p>
         </p:txBody>
       </p:sp>
@@ -6793,46 +7129,6 @@
           <a:chExt cx="0" cy="0"/>
         </a:xfrm>
       </p:grpSpPr>
-      <p:sp>
-        <p:nvSpPr>
-          <p:cNvPr id="6" name="TextBox 5">
-            <a:extLst>
-              <a:ext uri="{FF2B5EF4-FFF2-40B4-BE49-F238E27FC236}">
-                <a16:creationId xmlns:a16="http://schemas.microsoft.com/office/drawing/2014/main" id="{9C6419A0-5351-1B33-92D9-B8337AA6F39E}"/>
-              </a:ext>
-            </a:extLst>
-          </p:cNvPr>
-          <p:cNvSpPr txBox="1"/>
-          <p:nvPr/>
-        </p:nvSpPr>
-        <p:spPr>
-          <a:xfrm>
-            <a:off x="38796" y="115499"/>
-            <a:ext cx="2777612" cy="369332"/>
-          </a:xfrm>
-          <a:prstGeom prst="rect">
-            <a:avLst/>
-          </a:prstGeom>
-          <a:noFill/>
-        </p:spPr>
-        <p:txBody>
-          <a:bodyPr rot="0" spcFirstLastPara="0" vertOverflow="overflow" horzOverflow="overflow" vert="horz" wrap="square" lIns="91440" tIns="45720" rIns="91440" bIns="45720" numCol="1" spcCol="0" rtlCol="0" fromWordArt="0" anchor="t" anchorCtr="0" forceAA="0" compatLnSpc="1">
-            <a:prstTxWarp prst="textNoShape">
-              <a:avLst/>
-            </a:prstTxWarp>
-            <a:spAutoFit/>
-          </a:bodyPr>
-          <a:lstStyle/>
-          <a:p>
-            <a:pPr algn="l"/>
-            <a:r>
-              <a:rPr lang="ko-KR" altLang="en-US"/>
-              <a:t>송지훈</a:t>
-            </a:r>
-            <a:endParaRPr lang="en-US"/>
-          </a:p>
-        </p:txBody>
-      </p:sp>
       <p:pic>
         <p:nvPicPr>
           <p:cNvPr id="7" name="Picture 7" descr="Text&#10;&#10;Description automatically generated">
@@ -6855,8 +7151,8 @@
         </p:blipFill>
         <p:spPr>
           <a:xfrm>
-            <a:off x="422491" y="958799"/>
-            <a:ext cx="3395031" cy="1779568"/>
+            <a:off x="193572" y="2055446"/>
+            <a:ext cx="4192883" cy="2197777"/>
           </a:xfrm>
           <a:prstGeom prst="rect">
             <a:avLst/>
@@ -6885,7 +7181,7 @@
         </p:blipFill>
         <p:spPr>
           <a:xfrm>
-            <a:off x="4144091" y="1044176"/>
+            <a:off x="4066868" y="676417"/>
             <a:ext cx="7627343" cy="269613"/>
           </a:xfrm>
           <a:prstGeom prst="rect">
@@ -6915,8 +7211,8 @@
         </p:blipFill>
         <p:spPr>
           <a:xfrm>
-            <a:off x="4141424" y="1649009"/>
-            <a:ext cx="6727633" cy="406845"/>
+            <a:off x="4082733" y="1321530"/>
+            <a:ext cx="7612976" cy="460385"/>
           </a:xfrm>
           <a:prstGeom prst="rect">
             <a:avLst/>
@@ -6945,8 +7241,8 @@
         </p:blipFill>
         <p:spPr>
           <a:xfrm>
-            <a:off x="6644653" y="3241050"/>
-            <a:ext cx="4827224" cy="2128823"/>
+            <a:off x="6025662" y="3188811"/>
+            <a:ext cx="5670047" cy="2500511"/>
           </a:xfrm>
           <a:prstGeom prst="rect">
             <a:avLst/>
@@ -6975,14 +7271,98 @@
         </p:blipFill>
         <p:spPr>
           <a:xfrm>
-            <a:off x="418641" y="3744217"/>
-            <a:ext cx="4423272" cy="847663"/>
+            <a:off x="212357" y="4629672"/>
+            <a:ext cx="5286257" cy="1013043"/>
           </a:xfrm>
           <a:prstGeom prst="rect">
             <a:avLst/>
           </a:prstGeom>
         </p:spPr>
       </p:pic>
+      <p:sp>
+        <p:nvSpPr>
+          <p:cNvPr id="11" name="TextBox 10">
+            <a:extLst>
+              <a:ext uri="{FF2B5EF4-FFF2-40B4-BE49-F238E27FC236}">
+                <a16:creationId xmlns:a16="http://schemas.microsoft.com/office/drawing/2014/main" id="{BA5F4034-1A6F-48A5-941A-2EBA376B3F9C}"/>
+              </a:ext>
+            </a:extLst>
+          </p:cNvPr>
+          <p:cNvSpPr txBox="1"/>
+          <p:nvPr/>
+        </p:nvSpPr>
+        <p:spPr>
+          <a:xfrm>
+            <a:off x="765025" y="370587"/>
+            <a:ext cx="884903" cy="369332"/>
+          </a:xfrm>
+          <a:prstGeom prst="rect">
+            <a:avLst/>
+          </a:prstGeom>
+          <a:noFill/>
+        </p:spPr>
+        <p:txBody>
+          <a:bodyPr rot="0" spcFirstLastPara="0" vertOverflow="overflow" horzOverflow="overflow" vert="horz" wrap="square" lIns="91440" tIns="45720" rIns="91440" bIns="45720" numCol="1" spcCol="0" rtlCol="0" fromWordArt="0" anchor="t" anchorCtr="0" forceAA="0" compatLnSpc="1">
+            <a:prstTxWarp prst="textNoShape">
+              <a:avLst/>
+            </a:prstTxWarp>
+            <a:spAutoFit/>
+          </a:bodyPr>
+          <a:lstStyle/>
+          <a:p>
+            <a:pPr algn="l"/>
+            <a:r>
+              <a:rPr lang="ko-KR" altLang="en-US" dirty="0"/>
+              <a:t>송지훈</a:t>
+            </a:r>
+            <a:endParaRPr lang="en-US" dirty="0"/>
+          </a:p>
+        </p:txBody>
+      </p:sp>
+      <p:sp>
+        <p:nvSpPr>
+          <p:cNvPr id="12" name="양쪽 대괄호 11">
+            <a:extLst>
+              <a:ext uri="{FF2B5EF4-FFF2-40B4-BE49-F238E27FC236}">
+                <a16:creationId xmlns:a16="http://schemas.microsoft.com/office/drawing/2014/main" id="{D4E2A087-7C4C-48BE-B18D-B3EF967EF335}"/>
+              </a:ext>
+            </a:extLst>
+          </p:cNvPr>
+          <p:cNvSpPr/>
+          <p:nvPr/>
+        </p:nvSpPr>
+        <p:spPr>
+          <a:xfrm>
+            <a:off x="203201" y="179754"/>
+            <a:ext cx="2008553" cy="750999"/>
+          </a:xfrm>
+          <a:prstGeom prst="bracketPair">
+            <a:avLst/>
+          </a:prstGeom>
+        </p:spPr>
+        <p:style>
+          <a:lnRef idx="1">
+            <a:schemeClr val="accent1"/>
+          </a:lnRef>
+          <a:fillRef idx="0">
+            <a:schemeClr val="accent1"/>
+          </a:fillRef>
+          <a:effectRef idx="0">
+            <a:schemeClr val="accent1"/>
+          </a:effectRef>
+          <a:fontRef idx="minor">
+            <a:schemeClr val="tx1"/>
+          </a:fontRef>
+        </p:style>
+        <p:txBody>
+          <a:bodyPr rtlCol="0" anchor="ctr"/>
+          <a:lstStyle/>
+          <a:p>
+            <a:pPr algn="ctr"/>
+            <a:endParaRPr lang="ko-KR" altLang="en-US"/>
+          </a:p>
+        </p:txBody>
+      </p:sp>
     </p:spTree>
     <p:extLst>
       <p:ext uri="{BB962C8B-B14F-4D97-AF65-F5344CB8AC3E}">

--- a/FourGlass/FourGlass.pptx
+++ b/FourGlass/FourGlass.pptx
@@ -8,14 +8,15 @@
     <p:sldId id="256" r:id="rId2"/>
     <p:sldId id="258" r:id="rId3"/>
     <p:sldId id="261" r:id="rId4"/>
-    <p:sldId id="259" r:id="rId5"/>
-    <p:sldId id="266" r:id="rId6"/>
-    <p:sldId id="267" r:id="rId7"/>
-    <p:sldId id="260" r:id="rId8"/>
-    <p:sldId id="264" r:id="rId9"/>
-    <p:sldId id="262" r:id="rId10"/>
-    <p:sldId id="263" r:id="rId11"/>
-    <p:sldId id="265" r:id="rId12"/>
+    <p:sldId id="268" r:id="rId5"/>
+    <p:sldId id="259" r:id="rId6"/>
+    <p:sldId id="266" r:id="rId7"/>
+    <p:sldId id="267" r:id="rId8"/>
+    <p:sldId id="260" r:id="rId9"/>
+    <p:sldId id="264" r:id="rId10"/>
+    <p:sldId id="262" r:id="rId11"/>
+    <p:sldId id="263" r:id="rId12"/>
+    <p:sldId id="265" r:id="rId13"/>
   </p:sldIdLst>
   <p:sldSz cx="12192000" cy="6858000"/>
   <p:notesSz cx="6858000" cy="9144000"/>
@@ -116,7 +117,7 @@
   </p:defaultTextStyle>
   <p:extLst>
     <p:ext uri="{EFAFB233-063F-42B5-8137-9DF3F51BA10A}">
-      <p15:sldGuideLst xmlns:p15="http://schemas.microsoft.com/office/powerpoint/2012/main" xmlns=""/>
+      <p15:sldGuideLst xmlns="" xmlns:p15="http://schemas.microsoft.com/office/powerpoint/2012/main"/>
     </p:ext>
   </p:extLst>
 </p:presentation>
@@ -154,7 +155,7 @@
           <p:cNvPr id="2" name="Title 1">
             <a:extLst>
               <a:ext uri="{FF2B5EF4-FFF2-40B4-BE49-F238E27FC236}">
-                <a16:creationId xmlns:a16="http://schemas.microsoft.com/office/drawing/2014/main" xmlns="" id="{47B674CB-3709-4ACF-BB61-29ADEA3D41BE}"/>
+                <a16:creationId xmlns="" xmlns:a16="http://schemas.microsoft.com/office/drawing/2014/main" id="{47B674CB-3709-4ACF-BB61-29ADEA3D41BE}"/>
               </a:ext>
             </a:extLst>
           </p:cNvPr>
@@ -193,7 +194,7 @@
           <p:cNvPr id="3" name="Subtitle 2">
             <a:extLst>
               <a:ext uri="{FF2B5EF4-FFF2-40B4-BE49-F238E27FC236}">
-                <a16:creationId xmlns:a16="http://schemas.microsoft.com/office/drawing/2014/main" xmlns="" id="{E06DA6BE-9B64-48FC-92D1-EF0D426A3974}"/>
+                <a16:creationId xmlns="" xmlns:a16="http://schemas.microsoft.com/office/drawing/2014/main" id="{E06DA6BE-9B64-48FC-92D1-EF0D426A3974}"/>
               </a:ext>
             </a:extLst>
           </p:cNvPr>
@@ -272,7 +273,7 @@
           <p:cNvPr id="4" name="Date Placeholder 3">
             <a:extLst>
               <a:ext uri="{FF2B5EF4-FFF2-40B4-BE49-F238E27FC236}">
-                <a16:creationId xmlns:a16="http://schemas.microsoft.com/office/drawing/2014/main" xmlns="" id="{B083AE59-8E21-449F-86DA-5BE297010864}"/>
+                <a16:creationId xmlns="" xmlns:a16="http://schemas.microsoft.com/office/drawing/2014/main" id="{B083AE59-8E21-449F-86DA-5BE297010864}"/>
               </a:ext>
             </a:extLst>
           </p:cNvPr>
@@ -301,7 +302,7 @@
           <p:cNvPr id="5" name="Footer Placeholder 4">
             <a:extLst>
               <a:ext uri="{FF2B5EF4-FFF2-40B4-BE49-F238E27FC236}">
-                <a16:creationId xmlns:a16="http://schemas.microsoft.com/office/drawing/2014/main" xmlns="" id="{4E8CCD60-9970-49FD-8254-21154BAA1E86}"/>
+                <a16:creationId xmlns="" xmlns:a16="http://schemas.microsoft.com/office/drawing/2014/main" id="{4E8CCD60-9970-49FD-8254-21154BAA1E86}"/>
               </a:ext>
             </a:extLst>
           </p:cNvPr>
@@ -326,7 +327,7 @@
           <p:cNvPr id="6" name="Slide Number Placeholder 5">
             <a:extLst>
               <a:ext uri="{FF2B5EF4-FFF2-40B4-BE49-F238E27FC236}">
-                <a16:creationId xmlns:a16="http://schemas.microsoft.com/office/drawing/2014/main" xmlns="" id="{1CC0A488-07A7-42F9-B1DF-68545B75417D}"/>
+                <a16:creationId xmlns="" xmlns:a16="http://schemas.microsoft.com/office/drawing/2014/main" id="{1CC0A488-07A7-42F9-B1DF-68545B75417D}"/>
               </a:ext>
             </a:extLst>
           </p:cNvPr>
@@ -385,7 +386,7 @@
           <p:cNvPr id="2" name="Title 1">
             <a:extLst>
               <a:ext uri="{FF2B5EF4-FFF2-40B4-BE49-F238E27FC236}">
-                <a16:creationId xmlns:a16="http://schemas.microsoft.com/office/drawing/2014/main" xmlns="" id="{2B9DC3B6-2D75-4EC4-9120-88DCE0EA61A2}"/>
+                <a16:creationId xmlns="" xmlns:a16="http://schemas.microsoft.com/office/drawing/2014/main" id="{2B9DC3B6-2D75-4EC4-9120-88DCE0EA61A2}"/>
               </a:ext>
             </a:extLst>
           </p:cNvPr>
@@ -413,7 +414,7 @@
           <p:cNvPr id="3" name="Vertical Text Placeholder 2">
             <a:extLst>
               <a:ext uri="{FF2B5EF4-FFF2-40B4-BE49-F238E27FC236}">
-                <a16:creationId xmlns:a16="http://schemas.microsoft.com/office/drawing/2014/main" xmlns="" id="{B74B06CB-A0FE-4499-B674-90C8C281A55A}"/>
+                <a16:creationId xmlns="" xmlns:a16="http://schemas.microsoft.com/office/drawing/2014/main" id="{B74B06CB-A0FE-4499-B674-90C8C281A55A}"/>
               </a:ext>
             </a:extLst>
           </p:cNvPr>
@@ -470,7 +471,7 @@
           <p:cNvPr id="4" name="Date Placeholder 3">
             <a:extLst>
               <a:ext uri="{FF2B5EF4-FFF2-40B4-BE49-F238E27FC236}">
-                <a16:creationId xmlns:a16="http://schemas.microsoft.com/office/drawing/2014/main" xmlns="" id="{4E7FD700-765A-4DE6-A8EC-9D9D92FCBB42}"/>
+                <a16:creationId xmlns="" xmlns:a16="http://schemas.microsoft.com/office/drawing/2014/main" id="{4E7FD700-765A-4DE6-A8EC-9D9D92FCBB42}"/>
               </a:ext>
             </a:extLst>
           </p:cNvPr>
@@ -499,7 +500,7 @@
           <p:cNvPr id="5" name="Footer Placeholder 4">
             <a:extLst>
               <a:ext uri="{FF2B5EF4-FFF2-40B4-BE49-F238E27FC236}">
-                <a16:creationId xmlns:a16="http://schemas.microsoft.com/office/drawing/2014/main" xmlns="" id="{0C4664EC-C4B1-4D14-9ED3-14C6CCBFFC82}"/>
+                <a16:creationId xmlns="" xmlns:a16="http://schemas.microsoft.com/office/drawing/2014/main" id="{0C4664EC-C4B1-4D14-9ED3-14C6CCBFFC82}"/>
               </a:ext>
             </a:extLst>
           </p:cNvPr>
@@ -524,7 +525,7 @@
           <p:cNvPr id="6" name="Slide Number Placeholder 5">
             <a:extLst>
               <a:ext uri="{FF2B5EF4-FFF2-40B4-BE49-F238E27FC236}">
-                <a16:creationId xmlns:a16="http://schemas.microsoft.com/office/drawing/2014/main" xmlns="" id="{5FDF5526-E518-4133-9F44-D812576C1092}"/>
+                <a16:creationId xmlns="" xmlns:a16="http://schemas.microsoft.com/office/drawing/2014/main" id="{5FDF5526-E518-4133-9F44-D812576C1092}"/>
               </a:ext>
             </a:extLst>
           </p:cNvPr>
@@ -583,7 +584,7 @@
           <p:cNvPr id="2" name="Vertical Title 1">
             <a:extLst>
               <a:ext uri="{FF2B5EF4-FFF2-40B4-BE49-F238E27FC236}">
-                <a16:creationId xmlns:a16="http://schemas.microsoft.com/office/drawing/2014/main" xmlns="" id="{B5F62998-15B1-4CA8-8C60-7801001F8060}"/>
+                <a16:creationId xmlns="" xmlns:a16="http://schemas.microsoft.com/office/drawing/2014/main" id="{B5F62998-15B1-4CA8-8C60-7801001F8060}"/>
               </a:ext>
             </a:extLst>
           </p:cNvPr>
@@ -616,7 +617,7 @@
           <p:cNvPr id="3" name="Vertical Text Placeholder 2">
             <a:extLst>
               <a:ext uri="{FF2B5EF4-FFF2-40B4-BE49-F238E27FC236}">
-                <a16:creationId xmlns:a16="http://schemas.microsoft.com/office/drawing/2014/main" xmlns="" id="{111AE278-0885-4594-AB09-120344C7D882}"/>
+                <a16:creationId xmlns="" xmlns:a16="http://schemas.microsoft.com/office/drawing/2014/main" id="{111AE278-0885-4594-AB09-120344C7D882}"/>
               </a:ext>
             </a:extLst>
           </p:cNvPr>
@@ -678,7 +679,7 @@
           <p:cNvPr id="4" name="Date Placeholder 3">
             <a:extLst>
               <a:ext uri="{FF2B5EF4-FFF2-40B4-BE49-F238E27FC236}">
-                <a16:creationId xmlns:a16="http://schemas.microsoft.com/office/drawing/2014/main" xmlns="" id="{85B850CC-FB43-4988-8D4E-9C54C20185B4}"/>
+                <a16:creationId xmlns="" xmlns:a16="http://schemas.microsoft.com/office/drawing/2014/main" id="{85B850CC-FB43-4988-8D4E-9C54C20185B4}"/>
               </a:ext>
             </a:extLst>
           </p:cNvPr>
@@ -707,7 +708,7 @@
           <p:cNvPr id="5" name="Footer Placeholder 4">
             <a:extLst>
               <a:ext uri="{FF2B5EF4-FFF2-40B4-BE49-F238E27FC236}">
-                <a16:creationId xmlns:a16="http://schemas.microsoft.com/office/drawing/2014/main" xmlns="" id="{47A70300-3853-4FB4-A084-CF6E5CF2BDEB}"/>
+                <a16:creationId xmlns="" xmlns:a16="http://schemas.microsoft.com/office/drawing/2014/main" id="{47A70300-3853-4FB4-A084-CF6E5CF2BDEB}"/>
               </a:ext>
             </a:extLst>
           </p:cNvPr>
@@ -732,7 +733,7 @@
           <p:cNvPr id="6" name="Slide Number Placeholder 5">
             <a:extLst>
               <a:ext uri="{FF2B5EF4-FFF2-40B4-BE49-F238E27FC236}">
-                <a16:creationId xmlns:a16="http://schemas.microsoft.com/office/drawing/2014/main" xmlns="" id="{B7DBAFB0-25AA-4B69-8418-418F47A92700}"/>
+                <a16:creationId xmlns="" xmlns:a16="http://schemas.microsoft.com/office/drawing/2014/main" id="{B7DBAFB0-25AA-4B69-8418-418F47A92700}"/>
               </a:ext>
             </a:extLst>
           </p:cNvPr>
@@ -791,7 +792,7 @@
           <p:cNvPr id="2" name="Title 1">
             <a:extLst>
               <a:ext uri="{FF2B5EF4-FFF2-40B4-BE49-F238E27FC236}">
-                <a16:creationId xmlns:a16="http://schemas.microsoft.com/office/drawing/2014/main" xmlns="" id="{CAFE0F35-0AE7-48AB-9005-F1DB4BD0B473}"/>
+                <a16:creationId xmlns="" xmlns:a16="http://schemas.microsoft.com/office/drawing/2014/main" id="{CAFE0F35-0AE7-48AB-9005-F1DB4BD0B473}"/>
               </a:ext>
             </a:extLst>
           </p:cNvPr>
@@ -819,7 +820,7 @@
           <p:cNvPr id="3" name="Content Placeholder 2">
             <a:extLst>
               <a:ext uri="{FF2B5EF4-FFF2-40B4-BE49-F238E27FC236}">
-                <a16:creationId xmlns:a16="http://schemas.microsoft.com/office/drawing/2014/main" xmlns="" id="{4DDD4022-C31F-4C4C-B5BF-5F9730C08A00}"/>
+                <a16:creationId xmlns="" xmlns:a16="http://schemas.microsoft.com/office/drawing/2014/main" id="{4DDD4022-C31F-4C4C-B5BF-5F9730C08A00}"/>
               </a:ext>
             </a:extLst>
           </p:cNvPr>
@@ -876,7 +877,7 @@
           <p:cNvPr id="4" name="Date Placeholder 3">
             <a:extLst>
               <a:ext uri="{FF2B5EF4-FFF2-40B4-BE49-F238E27FC236}">
-                <a16:creationId xmlns:a16="http://schemas.microsoft.com/office/drawing/2014/main" xmlns="" id="{99A45EE9-11D3-436C-9D73-1AA6CCDB165F}"/>
+                <a16:creationId xmlns="" xmlns:a16="http://schemas.microsoft.com/office/drawing/2014/main" id="{99A45EE9-11D3-436C-9D73-1AA6CCDB165F}"/>
               </a:ext>
             </a:extLst>
           </p:cNvPr>
@@ -905,7 +906,7 @@
           <p:cNvPr id="5" name="Footer Placeholder 4">
             <a:extLst>
               <a:ext uri="{FF2B5EF4-FFF2-40B4-BE49-F238E27FC236}">
-                <a16:creationId xmlns:a16="http://schemas.microsoft.com/office/drawing/2014/main" xmlns="" id="{92817DCF-881F-4956-81AE-A6D27A88F4B6}"/>
+                <a16:creationId xmlns="" xmlns:a16="http://schemas.microsoft.com/office/drawing/2014/main" id="{92817DCF-881F-4956-81AE-A6D27A88F4B6}"/>
               </a:ext>
             </a:extLst>
           </p:cNvPr>
@@ -930,7 +931,7 @@
           <p:cNvPr id="6" name="Slide Number Placeholder 5">
             <a:extLst>
               <a:ext uri="{FF2B5EF4-FFF2-40B4-BE49-F238E27FC236}">
-                <a16:creationId xmlns:a16="http://schemas.microsoft.com/office/drawing/2014/main" xmlns="" id="{0A265F17-AD75-4B7E-970D-5D4DBD5D170C}"/>
+                <a16:creationId xmlns="" xmlns:a16="http://schemas.microsoft.com/office/drawing/2014/main" id="{0A265F17-AD75-4B7E-970D-5D4DBD5D170C}"/>
               </a:ext>
             </a:extLst>
           </p:cNvPr>
@@ -989,7 +990,7 @@
           <p:cNvPr id="2" name="Title 1">
             <a:extLst>
               <a:ext uri="{FF2B5EF4-FFF2-40B4-BE49-F238E27FC236}">
-                <a16:creationId xmlns:a16="http://schemas.microsoft.com/office/drawing/2014/main" xmlns="" id="{A98C12CB-05D8-4D62-BDC5-812DB6DD04CD}"/>
+                <a16:creationId xmlns="" xmlns:a16="http://schemas.microsoft.com/office/drawing/2014/main" id="{A98C12CB-05D8-4D62-BDC5-812DB6DD04CD}"/>
               </a:ext>
             </a:extLst>
           </p:cNvPr>
@@ -1031,7 +1032,7 @@
           <p:cNvPr id="3" name="Text Placeholder 2">
             <a:extLst>
               <a:ext uri="{FF2B5EF4-FFF2-40B4-BE49-F238E27FC236}">
-                <a16:creationId xmlns:a16="http://schemas.microsoft.com/office/drawing/2014/main" xmlns="" id="{7C52F020-8516-4B9E-B455-5731ED6C9E9E}"/>
+                <a16:creationId xmlns="" xmlns:a16="http://schemas.microsoft.com/office/drawing/2014/main" id="{7C52F020-8516-4B9E-B455-5731ED6C9E9E}"/>
               </a:ext>
             </a:extLst>
           </p:cNvPr>
@@ -1156,7 +1157,7 @@
           <p:cNvPr id="4" name="Date Placeholder 3">
             <a:extLst>
               <a:ext uri="{FF2B5EF4-FFF2-40B4-BE49-F238E27FC236}">
-                <a16:creationId xmlns:a16="http://schemas.microsoft.com/office/drawing/2014/main" xmlns="" id="{7C822993-6E28-44BB-B983-095B476B801A}"/>
+                <a16:creationId xmlns="" xmlns:a16="http://schemas.microsoft.com/office/drawing/2014/main" id="{7C822993-6E28-44BB-B983-095B476B801A}"/>
               </a:ext>
             </a:extLst>
           </p:cNvPr>
@@ -1185,7 +1186,7 @@
           <p:cNvPr id="5" name="Footer Placeholder 4">
             <a:extLst>
               <a:ext uri="{FF2B5EF4-FFF2-40B4-BE49-F238E27FC236}">
-                <a16:creationId xmlns:a16="http://schemas.microsoft.com/office/drawing/2014/main" xmlns="" id="{FC909971-06C9-462B-81D9-BEF24C708A1C}"/>
+                <a16:creationId xmlns="" xmlns:a16="http://schemas.microsoft.com/office/drawing/2014/main" id="{FC909971-06C9-462B-81D9-BEF24C708A1C}"/>
               </a:ext>
             </a:extLst>
           </p:cNvPr>
@@ -1210,7 +1211,7 @@
           <p:cNvPr id="6" name="Slide Number Placeholder 5">
             <a:extLst>
               <a:ext uri="{FF2B5EF4-FFF2-40B4-BE49-F238E27FC236}">
-                <a16:creationId xmlns:a16="http://schemas.microsoft.com/office/drawing/2014/main" xmlns="" id="{CF9A076D-47C1-49CD-9A8B-956DB3FC31F7}"/>
+                <a16:creationId xmlns="" xmlns:a16="http://schemas.microsoft.com/office/drawing/2014/main" id="{CF9A076D-47C1-49CD-9A8B-956DB3FC31F7}"/>
               </a:ext>
             </a:extLst>
           </p:cNvPr>
@@ -1269,7 +1270,7 @@
           <p:cNvPr id="2" name="Title 1">
             <a:extLst>
               <a:ext uri="{FF2B5EF4-FFF2-40B4-BE49-F238E27FC236}">
-                <a16:creationId xmlns:a16="http://schemas.microsoft.com/office/drawing/2014/main" xmlns="" id="{A428DFBD-F5ED-455C-8AD0-97476A55E3D5}"/>
+                <a16:creationId xmlns="" xmlns:a16="http://schemas.microsoft.com/office/drawing/2014/main" id="{A428DFBD-F5ED-455C-8AD0-97476A55E3D5}"/>
               </a:ext>
             </a:extLst>
           </p:cNvPr>
@@ -1297,7 +1298,7 @@
           <p:cNvPr id="3" name="Content Placeholder 2">
             <a:extLst>
               <a:ext uri="{FF2B5EF4-FFF2-40B4-BE49-F238E27FC236}">
-                <a16:creationId xmlns:a16="http://schemas.microsoft.com/office/drawing/2014/main" xmlns="" id="{8C30E58C-F463-4D52-9225-9410133113A4}"/>
+                <a16:creationId xmlns="" xmlns:a16="http://schemas.microsoft.com/office/drawing/2014/main" id="{8C30E58C-F463-4D52-9225-9410133113A4}"/>
               </a:ext>
             </a:extLst>
           </p:cNvPr>
@@ -1359,7 +1360,7 @@
           <p:cNvPr id="4" name="Content Placeholder 3">
             <a:extLst>
               <a:ext uri="{FF2B5EF4-FFF2-40B4-BE49-F238E27FC236}">
-                <a16:creationId xmlns:a16="http://schemas.microsoft.com/office/drawing/2014/main" xmlns="" id="{6AF7BDB4-97FA-485D-A557-6F96692BAC9E}"/>
+                <a16:creationId xmlns="" xmlns:a16="http://schemas.microsoft.com/office/drawing/2014/main" id="{6AF7BDB4-97FA-485D-A557-6F96692BAC9E}"/>
               </a:ext>
             </a:extLst>
           </p:cNvPr>
@@ -1421,7 +1422,7 @@
           <p:cNvPr id="5" name="Date Placeholder 4">
             <a:extLst>
               <a:ext uri="{FF2B5EF4-FFF2-40B4-BE49-F238E27FC236}">
-                <a16:creationId xmlns:a16="http://schemas.microsoft.com/office/drawing/2014/main" xmlns="" id="{68C50007-C799-4117-8ACD-5EE980E63F17}"/>
+                <a16:creationId xmlns="" xmlns:a16="http://schemas.microsoft.com/office/drawing/2014/main" id="{68C50007-C799-4117-8ACD-5EE980E63F17}"/>
               </a:ext>
             </a:extLst>
           </p:cNvPr>
@@ -1450,7 +1451,7 @@
           <p:cNvPr id="6" name="Footer Placeholder 5">
             <a:extLst>
               <a:ext uri="{FF2B5EF4-FFF2-40B4-BE49-F238E27FC236}">
-                <a16:creationId xmlns:a16="http://schemas.microsoft.com/office/drawing/2014/main" xmlns="" id="{F24E8968-6BAD-4D5A-BF1D-911C7A39C1CE}"/>
+                <a16:creationId xmlns="" xmlns:a16="http://schemas.microsoft.com/office/drawing/2014/main" id="{F24E8968-6BAD-4D5A-BF1D-911C7A39C1CE}"/>
               </a:ext>
             </a:extLst>
           </p:cNvPr>
@@ -1475,7 +1476,7 @@
           <p:cNvPr id="7" name="Slide Number Placeholder 6">
             <a:extLst>
               <a:ext uri="{FF2B5EF4-FFF2-40B4-BE49-F238E27FC236}">
-                <a16:creationId xmlns:a16="http://schemas.microsoft.com/office/drawing/2014/main" xmlns="" id="{499D8C08-BF20-4D5E-9004-0C075C36D8A4}"/>
+                <a16:creationId xmlns="" xmlns:a16="http://schemas.microsoft.com/office/drawing/2014/main" id="{499D8C08-BF20-4D5E-9004-0C075C36D8A4}"/>
               </a:ext>
             </a:extLst>
           </p:cNvPr>
@@ -1534,7 +1535,7 @@
           <p:cNvPr id="3" name="Text Placeholder 2">
             <a:extLst>
               <a:ext uri="{FF2B5EF4-FFF2-40B4-BE49-F238E27FC236}">
-                <a16:creationId xmlns:a16="http://schemas.microsoft.com/office/drawing/2014/main" xmlns="" id="{82036E0D-26A5-455A-A8BD-70DA8BC03EB2}"/>
+                <a16:creationId xmlns="" xmlns:a16="http://schemas.microsoft.com/office/drawing/2014/main" id="{82036E0D-26A5-455A-A8BD-70DA8BC03EB2}"/>
               </a:ext>
             </a:extLst>
           </p:cNvPr>
@@ -1605,7 +1606,7 @@
           <p:cNvPr id="4" name="Content Placeholder 3">
             <a:extLst>
               <a:ext uri="{FF2B5EF4-FFF2-40B4-BE49-F238E27FC236}">
-                <a16:creationId xmlns:a16="http://schemas.microsoft.com/office/drawing/2014/main" xmlns="" id="{E7FD4EA0-094D-4056-9032-BFB44B40896B}"/>
+                <a16:creationId xmlns="" xmlns:a16="http://schemas.microsoft.com/office/drawing/2014/main" id="{E7FD4EA0-094D-4056-9032-BFB44B40896B}"/>
               </a:ext>
             </a:extLst>
           </p:cNvPr>
@@ -1667,7 +1668,7 @@
           <p:cNvPr id="5" name="Text Placeholder 4">
             <a:extLst>
               <a:ext uri="{FF2B5EF4-FFF2-40B4-BE49-F238E27FC236}">
-                <a16:creationId xmlns:a16="http://schemas.microsoft.com/office/drawing/2014/main" xmlns="" id="{5FC0CCE8-718F-4620-8B4A-C60EEA7B884D}"/>
+                <a16:creationId xmlns="" xmlns:a16="http://schemas.microsoft.com/office/drawing/2014/main" id="{5FC0CCE8-718F-4620-8B4A-C60EEA7B884D}"/>
               </a:ext>
             </a:extLst>
           </p:cNvPr>
@@ -1738,7 +1739,7 @@
           <p:cNvPr id="6" name="Content Placeholder 5">
             <a:extLst>
               <a:ext uri="{FF2B5EF4-FFF2-40B4-BE49-F238E27FC236}">
-                <a16:creationId xmlns:a16="http://schemas.microsoft.com/office/drawing/2014/main" xmlns="" id="{56CE86DF-0069-4D31-BDD3-A9A2F9B7B468}"/>
+                <a16:creationId xmlns="" xmlns:a16="http://schemas.microsoft.com/office/drawing/2014/main" id="{56CE86DF-0069-4D31-BDD3-A9A2F9B7B468}"/>
               </a:ext>
             </a:extLst>
           </p:cNvPr>
@@ -1800,7 +1801,7 @@
           <p:cNvPr id="7" name="Date Placeholder 6">
             <a:extLst>
               <a:ext uri="{FF2B5EF4-FFF2-40B4-BE49-F238E27FC236}">
-                <a16:creationId xmlns:a16="http://schemas.microsoft.com/office/drawing/2014/main" xmlns="" id="{21A5ED06-FE54-4B86-A8D4-07D0EB08C3AB}"/>
+                <a16:creationId xmlns="" xmlns:a16="http://schemas.microsoft.com/office/drawing/2014/main" id="{21A5ED06-FE54-4B86-A8D4-07D0EB08C3AB}"/>
               </a:ext>
             </a:extLst>
           </p:cNvPr>
@@ -1829,7 +1830,7 @@
           <p:cNvPr id="8" name="Footer Placeholder 7">
             <a:extLst>
               <a:ext uri="{FF2B5EF4-FFF2-40B4-BE49-F238E27FC236}">
-                <a16:creationId xmlns:a16="http://schemas.microsoft.com/office/drawing/2014/main" xmlns="" id="{CE9EC6C3-0950-4AFE-936A-9AB5D227844D}"/>
+                <a16:creationId xmlns="" xmlns:a16="http://schemas.microsoft.com/office/drawing/2014/main" id="{CE9EC6C3-0950-4AFE-936A-9AB5D227844D}"/>
               </a:ext>
             </a:extLst>
           </p:cNvPr>
@@ -1854,7 +1855,7 @@
           <p:cNvPr id="9" name="Slide Number Placeholder 8">
             <a:extLst>
               <a:ext uri="{FF2B5EF4-FFF2-40B4-BE49-F238E27FC236}">
-                <a16:creationId xmlns:a16="http://schemas.microsoft.com/office/drawing/2014/main" xmlns="" id="{6784B1D1-BE0C-48F4-BC74-90675A0F07CF}"/>
+                <a16:creationId xmlns="" xmlns:a16="http://schemas.microsoft.com/office/drawing/2014/main" id="{6784B1D1-BE0C-48F4-BC74-90675A0F07CF}"/>
               </a:ext>
             </a:extLst>
           </p:cNvPr>
@@ -1883,7 +1884,7 @@
           <p:cNvPr id="10" name="Title 9">
             <a:extLst>
               <a:ext uri="{FF2B5EF4-FFF2-40B4-BE49-F238E27FC236}">
-                <a16:creationId xmlns:a16="http://schemas.microsoft.com/office/drawing/2014/main" xmlns="" id="{2D453288-3D76-40C1-BE00-223AB28F13DF}"/>
+                <a16:creationId xmlns="" xmlns:a16="http://schemas.microsoft.com/office/drawing/2014/main" id="{2D453288-3D76-40C1-BE00-223AB28F13DF}"/>
               </a:ext>
             </a:extLst>
           </p:cNvPr>
@@ -1941,7 +1942,7 @@
           <p:cNvPr id="2" name="Title 1">
             <a:extLst>
               <a:ext uri="{FF2B5EF4-FFF2-40B4-BE49-F238E27FC236}">
-                <a16:creationId xmlns:a16="http://schemas.microsoft.com/office/drawing/2014/main" xmlns="" id="{003B1716-24B0-42CD-95B6-843092597B29}"/>
+                <a16:creationId xmlns="" xmlns:a16="http://schemas.microsoft.com/office/drawing/2014/main" id="{003B1716-24B0-42CD-95B6-843092597B29}"/>
               </a:ext>
             </a:extLst>
           </p:cNvPr>
@@ -1969,7 +1970,7 @@
           <p:cNvPr id="3" name="Date Placeholder 2">
             <a:extLst>
               <a:ext uri="{FF2B5EF4-FFF2-40B4-BE49-F238E27FC236}">
-                <a16:creationId xmlns:a16="http://schemas.microsoft.com/office/drawing/2014/main" xmlns="" id="{F9E3617E-4B11-481F-AC6E-00031790294A}"/>
+                <a16:creationId xmlns="" xmlns:a16="http://schemas.microsoft.com/office/drawing/2014/main" id="{F9E3617E-4B11-481F-AC6E-00031790294A}"/>
               </a:ext>
             </a:extLst>
           </p:cNvPr>
@@ -1998,7 +1999,7 @@
           <p:cNvPr id="4" name="Footer Placeholder 3">
             <a:extLst>
               <a:ext uri="{FF2B5EF4-FFF2-40B4-BE49-F238E27FC236}">
-                <a16:creationId xmlns:a16="http://schemas.microsoft.com/office/drawing/2014/main" xmlns="" id="{F6BF19CC-06D3-40E9-81B5-63B457B220CF}"/>
+                <a16:creationId xmlns="" xmlns:a16="http://schemas.microsoft.com/office/drawing/2014/main" id="{F6BF19CC-06D3-40E9-81B5-63B457B220CF}"/>
               </a:ext>
             </a:extLst>
           </p:cNvPr>
@@ -2023,7 +2024,7 @@
           <p:cNvPr id="5" name="Slide Number Placeholder 4">
             <a:extLst>
               <a:ext uri="{FF2B5EF4-FFF2-40B4-BE49-F238E27FC236}">
-                <a16:creationId xmlns:a16="http://schemas.microsoft.com/office/drawing/2014/main" xmlns="" id="{6AEFC312-3AA5-46F7-B701-3D9327A68DB7}"/>
+                <a16:creationId xmlns="" xmlns:a16="http://schemas.microsoft.com/office/drawing/2014/main" id="{6AEFC312-3AA5-46F7-B701-3D9327A68DB7}"/>
               </a:ext>
             </a:extLst>
           </p:cNvPr>
@@ -2082,7 +2083,7 @@
           <p:cNvPr id="2" name="Date Placeholder 1">
             <a:extLst>
               <a:ext uri="{FF2B5EF4-FFF2-40B4-BE49-F238E27FC236}">
-                <a16:creationId xmlns:a16="http://schemas.microsoft.com/office/drawing/2014/main" xmlns="" id="{B8C9E28E-1389-47AF-B3EB-22571417ACBE}"/>
+                <a16:creationId xmlns="" xmlns:a16="http://schemas.microsoft.com/office/drawing/2014/main" id="{B8C9E28E-1389-47AF-B3EB-22571417ACBE}"/>
               </a:ext>
             </a:extLst>
           </p:cNvPr>
@@ -2111,7 +2112,7 @@
           <p:cNvPr id="3" name="Footer Placeholder 2">
             <a:extLst>
               <a:ext uri="{FF2B5EF4-FFF2-40B4-BE49-F238E27FC236}">
-                <a16:creationId xmlns:a16="http://schemas.microsoft.com/office/drawing/2014/main" xmlns="" id="{BFCF6B08-1984-4F7C-9F6E-A4F47BDBA215}"/>
+                <a16:creationId xmlns="" xmlns:a16="http://schemas.microsoft.com/office/drawing/2014/main" id="{BFCF6B08-1984-4F7C-9F6E-A4F47BDBA215}"/>
               </a:ext>
             </a:extLst>
           </p:cNvPr>
@@ -2136,7 +2137,7 @@
           <p:cNvPr id="4" name="Slide Number Placeholder 3">
             <a:extLst>
               <a:ext uri="{FF2B5EF4-FFF2-40B4-BE49-F238E27FC236}">
-                <a16:creationId xmlns:a16="http://schemas.microsoft.com/office/drawing/2014/main" xmlns="" id="{7771B3C5-CEC7-427F-931C-1318C421BEF9}"/>
+                <a16:creationId xmlns="" xmlns:a16="http://schemas.microsoft.com/office/drawing/2014/main" id="{7771B3C5-CEC7-427F-931C-1318C421BEF9}"/>
               </a:ext>
             </a:extLst>
           </p:cNvPr>
@@ -2195,7 +2196,7 @@
           <p:cNvPr id="2" name="Title 1">
             <a:extLst>
               <a:ext uri="{FF2B5EF4-FFF2-40B4-BE49-F238E27FC236}">
-                <a16:creationId xmlns:a16="http://schemas.microsoft.com/office/drawing/2014/main" xmlns="" id="{EB4EB55F-536E-4547-A5D2-0483FC3684CD}"/>
+                <a16:creationId xmlns="" xmlns:a16="http://schemas.microsoft.com/office/drawing/2014/main" id="{EB4EB55F-536E-4547-A5D2-0483FC3684CD}"/>
               </a:ext>
             </a:extLst>
           </p:cNvPr>
@@ -2235,7 +2236,7 @@
           <p:cNvPr id="3" name="Content Placeholder 2">
             <a:extLst>
               <a:ext uri="{FF2B5EF4-FFF2-40B4-BE49-F238E27FC236}">
-                <a16:creationId xmlns:a16="http://schemas.microsoft.com/office/drawing/2014/main" xmlns="" id="{3D717D3C-533B-4EA9-886B-FAE59956C74C}"/>
+                <a16:creationId xmlns="" xmlns:a16="http://schemas.microsoft.com/office/drawing/2014/main" id="{3D717D3C-533B-4EA9-886B-FAE59956C74C}"/>
               </a:ext>
             </a:extLst>
           </p:cNvPr>
@@ -2327,7 +2328,7 @@
           <p:cNvPr id="4" name="Text Placeholder 3">
             <a:extLst>
               <a:ext uri="{FF2B5EF4-FFF2-40B4-BE49-F238E27FC236}">
-                <a16:creationId xmlns:a16="http://schemas.microsoft.com/office/drawing/2014/main" xmlns="" id="{2419D2E1-4B17-4608-961E-2C4719855E89}"/>
+                <a16:creationId xmlns="" xmlns:a16="http://schemas.microsoft.com/office/drawing/2014/main" id="{2419D2E1-4B17-4608-961E-2C4719855E89}"/>
               </a:ext>
             </a:extLst>
           </p:cNvPr>
@@ -2398,7 +2399,7 @@
           <p:cNvPr id="5" name="Date Placeholder 4">
             <a:extLst>
               <a:ext uri="{FF2B5EF4-FFF2-40B4-BE49-F238E27FC236}">
-                <a16:creationId xmlns:a16="http://schemas.microsoft.com/office/drawing/2014/main" xmlns="" id="{B75A3535-184C-438C-AE91-9C42B7C5AFB6}"/>
+                <a16:creationId xmlns="" xmlns:a16="http://schemas.microsoft.com/office/drawing/2014/main" id="{B75A3535-184C-438C-AE91-9C42B7C5AFB6}"/>
               </a:ext>
             </a:extLst>
           </p:cNvPr>
@@ -2427,7 +2428,7 @@
           <p:cNvPr id="6" name="Footer Placeholder 5">
             <a:extLst>
               <a:ext uri="{FF2B5EF4-FFF2-40B4-BE49-F238E27FC236}">
-                <a16:creationId xmlns:a16="http://schemas.microsoft.com/office/drawing/2014/main" xmlns="" id="{0DF6DBC3-4A58-42BA-9B55-A9A72510374C}"/>
+                <a16:creationId xmlns="" xmlns:a16="http://schemas.microsoft.com/office/drawing/2014/main" id="{0DF6DBC3-4A58-42BA-9B55-A9A72510374C}"/>
               </a:ext>
             </a:extLst>
           </p:cNvPr>
@@ -2452,7 +2453,7 @@
           <p:cNvPr id="7" name="Slide Number Placeholder 6">
             <a:extLst>
               <a:ext uri="{FF2B5EF4-FFF2-40B4-BE49-F238E27FC236}">
-                <a16:creationId xmlns:a16="http://schemas.microsoft.com/office/drawing/2014/main" xmlns="" id="{AD4E6563-0AB6-4038-A12B-A259552DB66C}"/>
+                <a16:creationId xmlns="" xmlns:a16="http://schemas.microsoft.com/office/drawing/2014/main" id="{AD4E6563-0AB6-4038-A12B-A259552DB66C}"/>
               </a:ext>
             </a:extLst>
           </p:cNvPr>
@@ -2511,7 +2512,7 @@
           <p:cNvPr id="2" name="Title 1">
             <a:extLst>
               <a:ext uri="{FF2B5EF4-FFF2-40B4-BE49-F238E27FC236}">
-                <a16:creationId xmlns:a16="http://schemas.microsoft.com/office/drawing/2014/main" xmlns="" id="{BE9702C5-1E3B-4C62-A538-59BB572864A0}"/>
+                <a16:creationId xmlns="" xmlns:a16="http://schemas.microsoft.com/office/drawing/2014/main" id="{BE9702C5-1E3B-4C62-A538-59BB572864A0}"/>
               </a:ext>
             </a:extLst>
           </p:cNvPr>
@@ -2548,7 +2549,7 @@
           <p:cNvPr id="3" name="Picture Placeholder 2">
             <a:extLst>
               <a:ext uri="{FF2B5EF4-FFF2-40B4-BE49-F238E27FC236}">
-                <a16:creationId xmlns:a16="http://schemas.microsoft.com/office/drawing/2014/main" xmlns="" id="{6E2CF574-95CE-4E60-B2CF-3B5B4F33A767}"/>
+                <a16:creationId xmlns="" xmlns:a16="http://schemas.microsoft.com/office/drawing/2014/main" id="{6E2CF574-95CE-4E60-B2CF-3B5B4F33A767}"/>
               </a:ext>
             </a:extLst>
           </p:cNvPr>
@@ -2618,7 +2619,7 @@
           <p:cNvPr id="4" name="Text Placeholder 3">
             <a:extLst>
               <a:ext uri="{FF2B5EF4-FFF2-40B4-BE49-F238E27FC236}">
-                <a16:creationId xmlns:a16="http://schemas.microsoft.com/office/drawing/2014/main" xmlns="" id="{6D039F7C-C735-4356-8B04-89E19047950C}"/>
+                <a16:creationId xmlns="" xmlns:a16="http://schemas.microsoft.com/office/drawing/2014/main" id="{6D039F7C-C735-4356-8B04-89E19047950C}"/>
               </a:ext>
             </a:extLst>
           </p:cNvPr>
@@ -2689,7 +2690,7 @@
           <p:cNvPr id="5" name="Date Placeholder 4">
             <a:extLst>
               <a:ext uri="{FF2B5EF4-FFF2-40B4-BE49-F238E27FC236}">
-                <a16:creationId xmlns:a16="http://schemas.microsoft.com/office/drawing/2014/main" xmlns="" id="{45E706DF-52A3-4F34-9BF5-E1ACD5D54283}"/>
+                <a16:creationId xmlns="" xmlns:a16="http://schemas.microsoft.com/office/drawing/2014/main" id="{45E706DF-52A3-4F34-9BF5-E1ACD5D54283}"/>
               </a:ext>
             </a:extLst>
           </p:cNvPr>
@@ -2718,7 +2719,7 @@
           <p:cNvPr id="6" name="Footer Placeholder 5">
             <a:extLst>
               <a:ext uri="{FF2B5EF4-FFF2-40B4-BE49-F238E27FC236}">
-                <a16:creationId xmlns:a16="http://schemas.microsoft.com/office/drawing/2014/main" xmlns="" id="{BFB25E53-E72E-4110-BB6B-3477F56C3088}"/>
+                <a16:creationId xmlns="" xmlns:a16="http://schemas.microsoft.com/office/drawing/2014/main" id="{BFB25E53-E72E-4110-BB6B-3477F56C3088}"/>
               </a:ext>
             </a:extLst>
           </p:cNvPr>
@@ -2743,7 +2744,7 @@
           <p:cNvPr id="7" name="Slide Number Placeholder 6">
             <a:extLst>
               <a:ext uri="{FF2B5EF4-FFF2-40B4-BE49-F238E27FC236}">
-                <a16:creationId xmlns:a16="http://schemas.microsoft.com/office/drawing/2014/main" xmlns="" id="{A3686F8F-3D62-4CEC-AD9A-B70848E6A81C}"/>
+                <a16:creationId xmlns="" xmlns:a16="http://schemas.microsoft.com/office/drawing/2014/main" id="{A3686F8F-3D62-4CEC-AD9A-B70848E6A81C}"/>
               </a:ext>
             </a:extLst>
           </p:cNvPr>
@@ -2807,7 +2808,7 @@
           <p:cNvPr id="8" name="Rectangle 7">
             <a:extLst>
               <a:ext uri="{FF2B5EF4-FFF2-40B4-BE49-F238E27FC236}">
-                <a16:creationId xmlns:a16="http://schemas.microsoft.com/office/drawing/2014/main" xmlns="" id="{CCF2F3BB-127D-44BC-A8EF-A8BB5F5911CA}"/>
+                <a16:creationId xmlns="" xmlns:a16="http://schemas.microsoft.com/office/drawing/2014/main" id="{CCF2F3BB-127D-44BC-A8EF-A8BB5F5911CA}"/>
               </a:ext>
             </a:extLst>
           </p:cNvPr>
@@ -2871,7 +2872,7 @@
           <p:cNvPr id="10" name="Rectangle 9">
             <a:extLst>
               <a:ext uri="{FF2B5EF4-FFF2-40B4-BE49-F238E27FC236}">
-                <a16:creationId xmlns:a16="http://schemas.microsoft.com/office/drawing/2014/main" xmlns="" id="{010D1F30-F118-4A1F-A48F-7E5706959F64}"/>
+                <a16:creationId xmlns="" xmlns:a16="http://schemas.microsoft.com/office/drawing/2014/main" id="{010D1F30-F118-4A1F-A48F-7E5706959F64}"/>
               </a:ext>
             </a:extLst>
           </p:cNvPr>
@@ -2935,7 +2936,7 @@
           <p:cNvPr id="2" name="Title Placeholder 1">
             <a:extLst>
               <a:ext uri="{FF2B5EF4-FFF2-40B4-BE49-F238E27FC236}">
-                <a16:creationId xmlns:a16="http://schemas.microsoft.com/office/drawing/2014/main" xmlns="" id="{17AE890C-17CE-44C0-BDED-BA68F92A845D}"/>
+                <a16:creationId xmlns="" xmlns:a16="http://schemas.microsoft.com/office/drawing/2014/main" id="{17AE890C-17CE-44C0-BDED-BA68F92A845D}"/>
               </a:ext>
             </a:extLst>
           </p:cNvPr>
@@ -2973,7 +2974,7 @@
           <p:cNvPr id="3" name="Text Placeholder 2">
             <a:extLst>
               <a:ext uri="{FF2B5EF4-FFF2-40B4-BE49-F238E27FC236}">
-                <a16:creationId xmlns:a16="http://schemas.microsoft.com/office/drawing/2014/main" xmlns="" id="{47910A6E-46D1-42CF-996C-2207737FB871}"/>
+                <a16:creationId xmlns="" xmlns:a16="http://schemas.microsoft.com/office/drawing/2014/main" id="{47910A6E-46D1-42CF-996C-2207737FB871}"/>
               </a:ext>
             </a:extLst>
           </p:cNvPr>
@@ -3040,7 +3041,7 @@
           <p:cNvPr id="4" name="Date Placeholder 3">
             <a:extLst>
               <a:ext uri="{FF2B5EF4-FFF2-40B4-BE49-F238E27FC236}">
-                <a16:creationId xmlns:a16="http://schemas.microsoft.com/office/drawing/2014/main" xmlns="" id="{D85B5247-D236-462B-BCE0-2A24DF75B085}"/>
+                <a16:creationId xmlns="" xmlns:a16="http://schemas.microsoft.com/office/drawing/2014/main" id="{D85B5247-D236-462B-BCE0-2A24DF75B085}"/>
               </a:ext>
             </a:extLst>
           </p:cNvPr>
@@ -3086,7 +3087,7 @@
           <p:cNvPr id="5" name="Footer Placeholder 4">
             <a:extLst>
               <a:ext uri="{FF2B5EF4-FFF2-40B4-BE49-F238E27FC236}">
-                <a16:creationId xmlns:a16="http://schemas.microsoft.com/office/drawing/2014/main" xmlns="" id="{19155C58-7DDF-4CD4-96AD-F9CC844D84CC}"/>
+                <a16:creationId xmlns="" xmlns:a16="http://schemas.microsoft.com/office/drawing/2014/main" id="{19155C58-7DDF-4CD4-96AD-F9CC844D84CC}"/>
               </a:ext>
             </a:extLst>
           </p:cNvPr>
@@ -3129,7 +3130,7 @@
           <p:cNvPr id="6" name="Slide Number Placeholder 5">
             <a:extLst>
               <a:ext uri="{FF2B5EF4-FFF2-40B4-BE49-F238E27FC236}">
-                <a16:creationId xmlns:a16="http://schemas.microsoft.com/office/drawing/2014/main" xmlns="" id="{6F495647-A849-45D9-BC71-46A12E6DE479}"/>
+                <a16:creationId xmlns="" xmlns:a16="http://schemas.microsoft.com/office/drawing/2014/main" id="{6F495647-A849-45D9-BC71-46A12E6DE479}"/>
               </a:ext>
             </a:extLst>
           </p:cNvPr>
@@ -3505,10 +3506,10 @@
           <p:cNvPr id="8" name="Rectangle 7">
             <a:extLst>
               <a:ext uri="{FF2B5EF4-FFF2-40B4-BE49-F238E27FC236}">
-                <a16:creationId xmlns:a16="http://schemas.microsoft.com/office/drawing/2014/main" xmlns="" id="{7404E292-5FAB-47E8-A663-A07530CED8FF}"/>
+                <a16:creationId xmlns="" xmlns:a16="http://schemas.microsoft.com/office/drawing/2014/main" id="{7404E292-5FAB-47E8-A663-A07530CED8FF}"/>
               </a:ext>
               <a:ext uri="{C183D7F6-B498-43B3-948B-1728B52AA6E4}">
-                <adec:decorative xmlns:adec="http://schemas.microsoft.com/office/drawing/2017/decorative" xmlns="" val="1"/>
+                <adec:decorative xmlns="" xmlns:adec="http://schemas.microsoft.com/office/drawing/2017/decorative" val="1"/>
               </a:ext>
             </a:extLst>
           </p:cNvPr>
@@ -3518,7 +3519,7 @@
           <p:nvPr>
             <p:extLst>
               <p:ext uri="{386F3935-93C4-4BCD-93E2-E3B085C9AB24}">
-                <p16:designElem xmlns:p16="http://schemas.microsoft.com/office/powerpoint/2015/main" xmlns="" val="1"/>
+                <p16:designElem xmlns="" xmlns:p16="http://schemas.microsoft.com/office/powerpoint/2015/main" val="1"/>
               </p:ext>
             </p:extLst>
           </p:nvPr>
@@ -3581,10 +3582,10 @@
           <p:cNvPr id="10" name="Rectangle 9">
             <a:extLst>
               <a:ext uri="{FF2B5EF4-FFF2-40B4-BE49-F238E27FC236}">
-                <a16:creationId xmlns:a16="http://schemas.microsoft.com/office/drawing/2014/main" xmlns="" id="{D80FF8ED-64CE-400C-A4D5-9F943FC264DE}"/>
+                <a16:creationId xmlns="" xmlns:a16="http://schemas.microsoft.com/office/drawing/2014/main" id="{D80FF8ED-64CE-400C-A4D5-9F943FC264DE}"/>
               </a:ext>
               <a:ext uri="{C183D7F6-B498-43B3-948B-1728B52AA6E4}">
-                <adec:decorative xmlns:adec="http://schemas.microsoft.com/office/drawing/2017/decorative" xmlns="" val="1"/>
+                <adec:decorative xmlns="" xmlns:adec="http://schemas.microsoft.com/office/drawing/2017/decorative" val="1"/>
               </a:ext>
             </a:extLst>
           </p:cNvPr>
@@ -3594,7 +3595,7 @@
           <p:nvPr>
             <p:extLst>
               <p:ext uri="{386F3935-93C4-4BCD-93E2-E3B085C9AB24}">
-                <p16:designElem xmlns:p16="http://schemas.microsoft.com/office/powerpoint/2015/main" xmlns="" val="1"/>
+                <p16:designElem xmlns="" xmlns:p16="http://schemas.microsoft.com/office/powerpoint/2015/main" val="1"/>
               </p:ext>
             </p:extLst>
           </p:nvPr>
@@ -3657,10 +3658,10 @@
           <p:cNvPr id="12" name="Rectangle 11">
             <a:extLst>
               <a:ext uri="{FF2B5EF4-FFF2-40B4-BE49-F238E27FC236}">
-                <a16:creationId xmlns:a16="http://schemas.microsoft.com/office/drawing/2014/main" xmlns="" id="{568868AD-100D-45F3-B11E-8A2936712B9E}"/>
+                <a16:creationId xmlns="" xmlns:a16="http://schemas.microsoft.com/office/drawing/2014/main" id="{568868AD-100D-45F3-B11E-8A2936712B9E}"/>
               </a:ext>
               <a:ext uri="{C183D7F6-B498-43B3-948B-1728B52AA6E4}">
-                <adec:decorative xmlns:adec="http://schemas.microsoft.com/office/drawing/2017/decorative" xmlns="" val="1"/>
+                <adec:decorative xmlns="" xmlns:adec="http://schemas.microsoft.com/office/drawing/2017/decorative" val="1"/>
               </a:ext>
             </a:extLst>
           </p:cNvPr>
@@ -3670,7 +3671,7 @@
           <p:nvPr>
             <p:extLst>
               <p:ext uri="{386F3935-93C4-4BCD-93E2-E3B085C9AB24}">
-                <p16:designElem xmlns:p16="http://schemas.microsoft.com/office/powerpoint/2015/main" xmlns="" val="1"/>
+                <p16:designElem xmlns="" xmlns:p16="http://schemas.microsoft.com/office/powerpoint/2015/main" val="1"/>
               </p:ext>
             </p:extLst>
           </p:nvPr>
@@ -3732,10 +3733,10 @@
           <p:cNvPr id="14" name="Rectangle 13">
             <a:extLst>
               <a:ext uri="{FF2B5EF4-FFF2-40B4-BE49-F238E27FC236}">
-                <a16:creationId xmlns:a16="http://schemas.microsoft.com/office/drawing/2014/main" xmlns="" id="{714742CC-05F9-44AC-AF98-AB6EF810E47D}"/>
+                <a16:creationId xmlns="" xmlns:a16="http://schemas.microsoft.com/office/drawing/2014/main" id="{714742CC-05F9-44AC-AF98-AB6EF810E47D}"/>
               </a:ext>
               <a:ext uri="{C183D7F6-B498-43B3-948B-1728B52AA6E4}">
-                <adec:decorative xmlns:adec="http://schemas.microsoft.com/office/drawing/2017/decorative" xmlns="" val="1"/>
+                <adec:decorative xmlns="" xmlns:adec="http://schemas.microsoft.com/office/drawing/2017/decorative" val="1"/>
               </a:ext>
             </a:extLst>
           </p:cNvPr>
@@ -3745,7 +3746,7 @@
           <p:nvPr>
             <p:extLst>
               <p:ext uri="{386F3935-93C4-4BCD-93E2-E3B085C9AB24}">
-                <p16:designElem xmlns:p16="http://schemas.microsoft.com/office/powerpoint/2015/main" xmlns="" val="1"/>
+                <p16:designElem xmlns="" xmlns:p16="http://schemas.microsoft.com/office/powerpoint/2015/main" val="1"/>
               </p:ext>
             </p:extLst>
           </p:nvPr>
@@ -3807,10 +3808,10 @@
           <p:cNvPr id="16" name="Freeform: Shape 13">
             <a:extLst>
               <a:ext uri="{FF2B5EF4-FFF2-40B4-BE49-F238E27FC236}">
-                <a16:creationId xmlns:a16="http://schemas.microsoft.com/office/drawing/2014/main" xmlns="" id="{853C77DB-C7E3-4B1F-9AD0-1EB2982A8659}"/>
+                <a16:creationId xmlns="" xmlns:a16="http://schemas.microsoft.com/office/drawing/2014/main" id="{853C77DB-C7E3-4B1F-9AD0-1EB2982A8659}"/>
               </a:ext>
               <a:ext uri="{C183D7F6-B498-43B3-948B-1728B52AA6E4}">
-                <adec:decorative xmlns:adec="http://schemas.microsoft.com/office/drawing/2017/decorative" xmlns="" val="1"/>
+                <adec:decorative xmlns="" xmlns:adec="http://schemas.microsoft.com/office/drawing/2017/decorative" val="1"/>
               </a:ext>
             </a:extLst>
           </p:cNvPr>
@@ -3820,7 +3821,7 @@
           <p:nvPr>
             <p:extLst>
               <p:ext uri="{386F3935-93C4-4BCD-93E2-E3B085C9AB24}">
-                <p16:designElem xmlns:p16="http://schemas.microsoft.com/office/powerpoint/2015/main" xmlns="" val="1"/>
+                <p16:designElem xmlns="" xmlns:p16="http://schemas.microsoft.com/office/powerpoint/2015/main" val="1"/>
               </p:ext>
             </p:extLst>
           </p:nvPr>
@@ -4109,10 +4110,10 @@
       </p:grpSpPr>
       <p:pic>
         <p:nvPicPr>
-          <p:cNvPr id="4" name="Picture 4" descr="Text&#10;&#10;Description automatically generated">
-            <a:extLst>
-              <a:ext uri="{FF2B5EF4-FFF2-40B4-BE49-F238E27FC236}">
-                <a16:creationId xmlns:a16="http://schemas.microsoft.com/office/drawing/2014/main" xmlns="" id="{381AACF7-D288-F69D-5AE7-121807113724}"/>
+          <p:cNvPr id="5" name="Picture 5" descr="Text&#10;&#10;Description automatically generated">
+            <a:extLst>
+              <a:ext uri="{FF2B5EF4-FFF2-40B4-BE49-F238E27FC236}">
+                <a16:creationId xmlns="" xmlns:a16="http://schemas.microsoft.com/office/drawing/2014/main" id="{363C35EF-5BD8-88BF-164A-911A69757537}"/>
               </a:ext>
             </a:extLst>
           </p:cNvPr>
@@ -4129,8 +4130,8 @@
         </p:blipFill>
         <p:spPr>
           <a:xfrm>
-            <a:off x="1895553" y="1295489"/>
-            <a:ext cx="5341344" cy="1683094"/>
+            <a:off x="350234" y="2809128"/>
+            <a:ext cx="6130886" cy="1662954"/>
           </a:xfrm>
           <a:prstGeom prst="rect">
             <a:avLst/>
@@ -4139,10 +4140,10 @@
       </p:pic>
       <p:pic>
         <p:nvPicPr>
-          <p:cNvPr id="5" name="Picture 5" descr="Graphical user interface, text, application, chat or text message&#10;&#10;Description automatically generated">
-            <a:extLst>
-              <a:ext uri="{FF2B5EF4-FFF2-40B4-BE49-F238E27FC236}">
-                <a16:creationId xmlns:a16="http://schemas.microsoft.com/office/drawing/2014/main" xmlns="" id="{76C5D30F-7ED6-B980-483B-9FCAAADC154C}"/>
+          <p:cNvPr id="6" name="Picture 6" descr="Text&#10;&#10;Description automatically generated">
+            <a:extLst>
+              <a:ext uri="{FF2B5EF4-FFF2-40B4-BE49-F238E27FC236}">
+                <a16:creationId xmlns="" xmlns:a16="http://schemas.microsoft.com/office/drawing/2014/main" id="{496D1DA3-A8B1-7233-188D-6E7C448DC4DB}"/>
               </a:ext>
             </a:extLst>
           </p:cNvPr>
@@ -4159,20 +4160,50 @@
         </p:blipFill>
         <p:spPr>
           <a:xfrm>
-            <a:off x="1892147" y="3217545"/>
-            <a:ext cx="7094862" cy="2678701"/>
+            <a:off x="351546" y="1255096"/>
+            <a:ext cx="6130886" cy="1229689"/>
           </a:xfrm>
           <a:prstGeom prst="rect">
             <a:avLst/>
           </a:prstGeom>
         </p:spPr>
       </p:pic>
-      <p:sp>
-        <p:nvSpPr>
-          <p:cNvPr id="6" name="TextBox 5">
-            <a:extLst>
-              <a:ext uri="{FF2B5EF4-FFF2-40B4-BE49-F238E27FC236}">
-                <a16:creationId xmlns:a16="http://schemas.microsoft.com/office/drawing/2014/main" xmlns="" id="{91D0726D-D52F-8F04-BB62-98116A02A537}"/>
+      <p:pic>
+        <p:nvPicPr>
+          <p:cNvPr id="7" name="Picture 7" descr="Text&#10;&#10;Description automatically generated">
+            <a:extLst>
+              <a:ext uri="{FF2B5EF4-FFF2-40B4-BE49-F238E27FC236}">
+                <a16:creationId xmlns="" xmlns:a16="http://schemas.microsoft.com/office/drawing/2014/main" id="{3F3D87DA-7C4D-608A-9A29-DA3C6CC7E2A0}"/>
+              </a:ext>
+            </a:extLst>
+          </p:cNvPr>
+          <p:cNvPicPr>
+            <a:picLocks noChangeAspect="1"/>
+          </p:cNvPicPr>
+          <p:nvPr/>
+        </p:nvPicPr>
+        <p:blipFill>
+          <a:blip r:embed="rId4"/>
+          <a:stretch>
+            <a:fillRect/>
+          </a:stretch>
+        </p:blipFill>
+        <p:spPr>
+          <a:xfrm>
+            <a:off x="7670079" y="460003"/>
+            <a:ext cx="3844886" cy="5641542"/>
+          </a:xfrm>
+          <a:prstGeom prst="rect">
+            <a:avLst/>
+          </a:prstGeom>
+        </p:spPr>
+      </p:pic>
+      <p:sp>
+        <p:nvSpPr>
+          <p:cNvPr id="8" name="TextBox 7">
+            <a:extLst>
+              <a:ext uri="{FF2B5EF4-FFF2-40B4-BE49-F238E27FC236}">
+                <a16:creationId xmlns="" xmlns:a16="http://schemas.microsoft.com/office/drawing/2014/main" id="{F4743DF9-7AA2-F7C1-35DF-7223C7F53B2C}"/>
               </a:ext>
             </a:extLst>
           </p:cNvPr>
@@ -4181,8 +4212,8 @@
         </p:nvSpPr>
         <p:spPr>
           <a:xfrm>
-            <a:off x="54490" y="84847"/>
-            <a:ext cx="1081550" cy="369332"/>
+            <a:off x="95508" y="120089"/>
+            <a:ext cx="884903" cy="369332"/>
           </a:xfrm>
           <a:prstGeom prst="rect">
             <a:avLst/>
@@ -4201,15 +4232,16 @@
             <a:pPr algn="l"/>
             <a:r>
               <a:rPr lang="ko-KR" altLang="en-US"/>
-              <a:t>육준호</a:t>
-            </a:r>
+              <a:t>유상우</a:t>
+            </a:r>
+            <a:endParaRPr lang="en-US"/>
           </a:p>
         </p:txBody>
       </p:sp>
     </p:spTree>
     <p:extLst>
       <p:ext uri="{BB962C8B-B14F-4D97-AF65-F5344CB8AC3E}">
-        <p14:creationId xmlns:p14="http://schemas.microsoft.com/office/powerpoint/2010/main" val="2329977479"/>
+        <p14:creationId xmlns:p14="http://schemas.microsoft.com/office/powerpoint/2010/main" val="1145704232"/>
       </p:ext>
     </p:extLst>
   </p:cSld>
@@ -4243,12 +4275,148 @@
           <a:chExt cx="0" cy="0"/>
         </a:xfrm>
       </p:grpSpPr>
+      <p:pic>
+        <p:nvPicPr>
+          <p:cNvPr id="4" name="Picture 4" descr="Text&#10;&#10;Description automatically generated">
+            <a:extLst>
+              <a:ext uri="{FF2B5EF4-FFF2-40B4-BE49-F238E27FC236}">
+                <a16:creationId xmlns="" xmlns:a16="http://schemas.microsoft.com/office/drawing/2014/main" id="{381AACF7-D288-F69D-5AE7-121807113724}"/>
+              </a:ext>
+            </a:extLst>
+          </p:cNvPr>
+          <p:cNvPicPr>
+            <a:picLocks noChangeAspect="1"/>
+          </p:cNvPicPr>
+          <p:nvPr/>
+        </p:nvPicPr>
+        <p:blipFill>
+          <a:blip r:embed="rId2"/>
+          <a:stretch>
+            <a:fillRect/>
+          </a:stretch>
+        </p:blipFill>
+        <p:spPr>
+          <a:xfrm>
+            <a:off x="1895553" y="1295489"/>
+            <a:ext cx="5341344" cy="1683094"/>
+          </a:xfrm>
+          <a:prstGeom prst="rect">
+            <a:avLst/>
+          </a:prstGeom>
+        </p:spPr>
+      </p:pic>
+      <p:pic>
+        <p:nvPicPr>
+          <p:cNvPr id="5" name="Picture 5" descr="Graphical user interface, text, application, chat or text message&#10;&#10;Description automatically generated">
+            <a:extLst>
+              <a:ext uri="{FF2B5EF4-FFF2-40B4-BE49-F238E27FC236}">
+                <a16:creationId xmlns="" xmlns:a16="http://schemas.microsoft.com/office/drawing/2014/main" id="{76C5D30F-7ED6-B980-483B-9FCAAADC154C}"/>
+              </a:ext>
+            </a:extLst>
+          </p:cNvPr>
+          <p:cNvPicPr>
+            <a:picLocks noChangeAspect="1"/>
+          </p:cNvPicPr>
+          <p:nvPr/>
+        </p:nvPicPr>
+        <p:blipFill>
+          <a:blip r:embed="rId3"/>
+          <a:stretch>
+            <a:fillRect/>
+          </a:stretch>
+        </p:blipFill>
+        <p:spPr>
+          <a:xfrm>
+            <a:off x="1892147" y="3217545"/>
+            <a:ext cx="7094862" cy="2678701"/>
+          </a:xfrm>
+          <a:prstGeom prst="rect">
+            <a:avLst/>
+          </a:prstGeom>
+        </p:spPr>
+      </p:pic>
       <p:sp>
         <p:nvSpPr>
           <p:cNvPr id="6" name="TextBox 5">
             <a:extLst>
               <a:ext uri="{FF2B5EF4-FFF2-40B4-BE49-F238E27FC236}">
-                <a16:creationId xmlns:a16="http://schemas.microsoft.com/office/drawing/2014/main" xmlns="" id="{9C6419A0-5351-1B33-92D9-B8337AA6F39E}"/>
+                <a16:creationId xmlns="" xmlns:a16="http://schemas.microsoft.com/office/drawing/2014/main" id="{91D0726D-D52F-8F04-BB62-98116A02A537}"/>
+              </a:ext>
+            </a:extLst>
+          </p:cNvPr>
+          <p:cNvSpPr txBox="1"/>
+          <p:nvPr/>
+        </p:nvSpPr>
+        <p:spPr>
+          <a:xfrm>
+            <a:off x="54490" y="84847"/>
+            <a:ext cx="1081550" cy="369332"/>
+          </a:xfrm>
+          <a:prstGeom prst="rect">
+            <a:avLst/>
+          </a:prstGeom>
+          <a:noFill/>
+        </p:spPr>
+        <p:txBody>
+          <a:bodyPr rot="0" spcFirstLastPara="0" vertOverflow="overflow" horzOverflow="overflow" vert="horz" wrap="square" lIns="91440" tIns="45720" rIns="91440" bIns="45720" numCol="1" spcCol="0" rtlCol="0" fromWordArt="0" anchor="t" anchorCtr="0" forceAA="0" compatLnSpc="1">
+            <a:prstTxWarp prst="textNoShape">
+              <a:avLst/>
+            </a:prstTxWarp>
+            <a:spAutoFit/>
+          </a:bodyPr>
+          <a:lstStyle/>
+          <a:p>
+            <a:pPr algn="l"/>
+            <a:r>
+              <a:rPr lang="ko-KR" altLang="en-US"/>
+              <a:t>육준호</a:t>
+            </a:r>
+          </a:p>
+        </p:txBody>
+      </p:sp>
+    </p:spTree>
+    <p:extLst>
+      <p:ext uri="{BB962C8B-B14F-4D97-AF65-F5344CB8AC3E}">
+        <p14:creationId xmlns:p14="http://schemas.microsoft.com/office/powerpoint/2010/main" val="2329977479"/>
+      </p:ext>
+    </p:extLst>
+  </p:cSld>
+  <p:clrMapOvr>
+    <a:masterClrMapping/>
+  </p:clrMapOvr>
+  <p:timing>
+    <p:tnLst>
+      <p:par>
+        <p:cTn id="1" dur="indefinite" restart="never" nodeType="tmRoot"/>
+      </p:par>
+    </p:tnLst>
+  </p:timing>
+</p:sld>
+</file>
+
+<file path=ppt/slides/slide12.xml><?xml version="1.0" encoding="utf-8"?>
+<p:sld xmlns:a="http://schemas.openxmlformats.org/drawingml/2006/main" xmlns:r="http://schemas.openxmlformats.org/officeDocument/2006/relationships" xmlns:p="http://schemas.openxmlformats.org/presentationml/2006/main">
+  <p:cSld>
+    <p:spTree>
+      <p:nvGrpSpPr>
+        <p:cNvPr id="1" name=""/>
+        <p:cNvGrpSpPr/>
+        <p:nvPr/>
+      </p:nvGrpSpPr>
+      <p:grpSpPr>
+        <a:xfrm>
+          <a:off x="0" y="0"/>
+          <a:ext cx="0" cy="0"/>
+          <a:chOff x="0" y="0"/>
+          <a:chExt cx="0" cy="0"/>
+        </a:xfrm>
+      </p:grpSpPr>
+      <p:sp>
+        <p:nvSpPr>
+          <p:cNvPr id="6" name="TextBox 5">
+            <a:extLst>
+              <a:ext uri="{FF2B5EF4-FFF2-40B4-BE49-F238E27FC236}">
+                <a16:creationId xmlns="" xmlns:a16="http://schemas.microsoft.com/office/drawing/2014/main" id="{9C6419A0-5351-1B33-92D9-B8337AA6F39E}"/>
               </a:ext>
             </a:extLst>
           </p:cNvPr>
@@ -4288,7 +4456,7 @@
           <p:cNvPr id="7" name="Picture 7" descr="Text&#10;&#10;Description automatically generated">
             <a:extLst>
               <a:ext uri="{FF2B5EF4-FFF2-40B4-BE49-F238E27FC236}">
-                <a16:creationId xmlns:a16="http://schemas.microsoft.com/office/drawing/2014/main" xmlns="" id="{979F4311-C4E0-FDD9-9F1A-CD4A9BD96574}"/>
+                <a16:creationId xmlns="" xmlns:a16="http://schemas.microsoft.com/office/drawing/2014/main" id="{979F4311-C4E0-FDD9-9F1A-CD4A9BD96574}"/>
               </a:ext>
             </a:extLst>
           </p:cNvPr>
@@ -4318,7 +4486,7 @@
           <p:cNvPr id="8" name="Picture 8">
             <a:extLst>
               <a:ext uri="{FF2B5EF4-FFF2-40B4-BE49-F238E27FC236}">
-                <a16:creationId xmlns:a16="http://schemas.microsoft.com/office/drawing/2014/main" xmlns="" id="{D52FA386-1C4D-3AA5-A113-BA287590AE8B}"/>
+                <a16:creationId xmlns="" xmlns:a16="http://schemas.microsoft.com/office/drawing/2014/main" id="{D52FA386-1C4D-3AA5-A113-BA287590AE8B}"/>
               </a:ext>
             </a:extLst>
           </p:cNvPr>
@@ -4348,7 +4516,7 @@
           <p:cNvPr id="9" name="Picture 9">
             <a:extLst>
               <a:ext uri="{FF2B5EF4-FFF2-40B4-BE49-F238E27FC236}">
-                <a16:creationId xmlns:a16="http://schemas.microsoft.com/office/drawing/2014/main" xmlns="" id="{70040BB3-8733-4B01-58EC-45CA588B5BAF}"/>
+                <a16:creationId xmlns="" xmlns:a16="http://schemas.microsoft.com/office/drawing/2014/main" id="{70040BB3-8733-4B01-58EC-45CA588B5BAF}"/>
               </a:ext>
             </a:extLst>
           </p:cNvPr>
@@ -4378,7 +4546,7 @@
           <p:cNvPr id="10" name="Picture 10" descr="Text&#10;&#10;Description automatically generated">
             <a:extLst>
               <a:ext uri="{FF2B5EF4-FFF2-40B4-BE49-F238E27FC236}">
-                <a16:creationId xmlns:a16="http://schemas.microsoft.com/office/drawing/2014/main" xmlns="" id="{9ECE9516-15C3-A844-2783-24315C880A49}"/>
+                <a16:creationId xmlns="" xmlns:a16="http://schemas.microsoft.com/office/drawing/2014/main" id="{9ECE9516-15C3-A844-2783-24315C880A49}"/>
               </a:ext>
             </a:extLst>
           </p:cNvPr>
@@ -4408,7 +4576,7 @@
           <p:cNvPr id="2" name="Picture 2" descr="Graphical user interface&#10;&#10;Description automatically generated">
             <a:extLst>
               <a:ext uri="{FF2B5EF4-FFF2-40B4-BE49-F238E27FC236}">
-                <a16:creationId xmlns:a16="http://schemas.microsoft.com/office/drawing/2014/main" xmlns="" id="{93E88505-BB5B-1A76-CC7E-34DCF3F8384A}"/>
+                <a16:creationId xmlns="" xmlns:a16="http://schemas.microsoft.com/office/drawing/2014/main" id="{93E88505-BB5B-1A76-CC7E-34DCF3F8384A}"/>
               </a:ext>
             </a:extLst>
           </p:cNvPr>
@@ -4468,7 +4636,7 @@
           <p:cNvPr id="4" name="TextBox 3">
             <a:extLst>
               <a:ext uri="{FF2B5EF4-FFF2-40B4-BE49-F238E27FC236}">
-                <a16:creationId xmlns:a16="http://schemas.microsoft.com/office/drawing/2014/main" xmlns="" id="{33654825-0954-BE0D-E887-CF73BE33EE64}"/>
+                <a16:creationId xmlns="" xmlns:a16="http://schemas.microsoft.com/office/drawing/2014/main" id="{33654825-0954-BE0D-E887-CF73BE33EE64}"/>
               </a:ext>
             </a:extLst>
           </p:cNvPr>
@@ -4512,7 +4680,7 @@
           <p:cNvPr id="5" name="Picture 5" descr="Diagram&#10;&#10;Description automatically generated">
             <a:extLst>
               <a:ext uri="{FF2B5EF4-FFF2-40B4-BE49-F238E27FC236}">
-                <a16:creationId xmlns:a16="http://schemas.microsoft.com/office/drawing/2014/main" xmlns="" id="{5E19641F-D8CA-D5B3-5EE0-63EEF7250503}"/>
+                <a16:creationId xmlns="" xmlns:a16="http://schemas.microsoft.com/office/drawing/2014/main" id="{5E19641F-D8CA-D5B3-5EE0-63EEF7250503}"/>
               </a:ext>
             </a:extLst>
           </p:cNvPr>
@@ -4542,7 +4710,7 @@
           <p:cNvPr id="6" name="Picture 6" descr="Text&#10;&#10;Description automatically generated">
             <a:extLst>
               <a:ext uri="{FF2B5EF4-FFF2-40B4-BE49-F238E27FC236}">
-                <a16:creationId xmlns:a16="http://schemas.microsoft.com/office/drawing/2014/main" xmlns="" id="{5C0D62C2-6C02-1C16-54E7-78FCA02EA443}"/>
+                <a16:creationId xmlns="" xmlns:a16="http://schemas.microsoft.com/office/drawing/2014/main" id="{5C0D62C2-6C02-1C16-54E7-78FCA02EA443}"/>
               </a:ext>
             </a:extLst>
           </p:cNvPr>
@@ -4572,7 +4740,7 @@
           <p:cNvPr id="7" name="TextBox 6">
             <a:extLst>
               <a:ext uri="{FF2B5EF4-FFF2-40B4-BE49-F238E27FC236}">
-                <a16:creationId xmlns:a16="http://schemas.microsoft.com/office/drawing/2014/main" xmlns="" id="{1C56FEAF-1A8C-2B3F-4B55-5DC5B91BB3D2}"/>
+                <a16:creationId xmlns="" xmlns:a16="http://schemas.microsoft.com/office/drawing/2014/main" id="{1C56FEAF-1A8C-2B3F-4B55-5DC5B91BB3D2}"/>
               </a:ext>
             </a:extLst>
           </p:cNvPr>
@@ -4616,7 +4784,7 @@
           <p:cNvPr id="8" name="TextBox 7">
             <a:extLst>
               <a:ext uri="{FF2B5EF4-FFF2-40B4-BE49-F238E27FC236}">
-                <a16:creationId xmlns:a16="http://schemas.microsoft.com/office/drawing/2014/main" xmlns="" id="{F91F09F3-6F98-7D71-62CA-FB290CF9C173}"/>
+                <a16:creationId xmlns="" xmlns:a16="http://schemas.microsoft.com/office/drawing/2014/main" id="{F91F09F3-6F98-7D71-62CA-FB290CF9C173}"/>
               </a:ext>
             </a:extLst>
           </p:cNvPr>
@@ -4688,81 +4856,21 @@
           <a:chExt cx="0" cy="0"/>
         </a:xfrm>
       </p:grpSpPr>
-      <p:pic>
-        <p:nvPicPr>
-          <p:cNvPr id="4" name="Picture 4" descr="A picture containing text, electronics, screenshot, different&#10;&#10;Description automatically generated">
-            <a:extLst>
-              <a:ext uri="{FF2B5EF4-FFF2-40B4-BE49-F238E27FC236}">
-                <a16:creationId xmlns:a16="http://schemas.microsoft.com/office/drawing/2014/main" xmlns="" id="{44D7286F-3D3B-42B2-91E3-8984FA18896E}"/>
-              </a:ext>
-            </a:extLst>
-          </p:cNvPr>
-          <p:cNvPicPr>
-            <a:picLocks noChangeAspect="1"/>
-          </p:cNvPicPr>
+      <p:sp>
+        <p:nvSpPr>
+          <p:cNvPr id="7" name="TextBox 6">
+            <a:extLst>
+              <a:ext uri="{FF2B5EF4-FFF2-40B4-BE49-F238E27FC236}">
+                <a16:creationId xmlns="" xmlns:a16="http://schemas.microsoft.com/office/drawing/2014/main" id="{F3A7D976-9EE4-0D22-F923-90DB6308DD79}"/>
+              </a:ext>
+            </a:extLst>
+          </p:cNvPr>
+          <p:cNvSpPr txBox="1"/>
           <p:nvPr/>
-        </p:nvPicPr>
-        <p:blipFill>
-          <a:blip r:embed="rId2"/>
-          <a:stretch>
-            <a:fillRect/>
-          </a:stretch>
-        </p:blipFill>
+        </p:nvSpPr>
         <p:spPr>
           <a:xfrm>
-            <a:off x="956734" y="1130903"/>
-            <a:ext cx="4742580" cy="4276225"/>
-          </a:xfrm>
-          <a:prstGeom prst="rect">
-            <a:avLst/>
-          </a:prstGeom>
-        </p:spPr>
-      </p:pic>
-      <p:pic>
-        <p:nvPicPr>
-          <p:cNvPr id="5" name="Picture 5" descr="Graphical user interface, website&#10;&#10;Description automatically generated">
-            <a:extLst>
-              <a:ext uri="{FF2B5EF4-FFF2-40B4-BE49-F238E27FC236}">
-                <a16:creationId xmlns:a16="http://schemas.microsoft.com/office/drawing/2014/main" xmlns="" id="{15002A04-917F-EF24-8F4E-8DE5BB3FA508}"/>
-              </a:ext>
-            </a:extLst>
-          </p:cNvPr>
-          <p:cNvPicPr>
-            <a:picLocks noChangeAspect="1"/>
-          </p:cNvPicPr>
-          <p:nvPr/>
-        </p:nvPicPr>
-        <p:blipFill>
-          <a:blip r:embed="rId3"/>
-          <a:stretch>
-            <a:fillRect/>
-          </a:stretch>
-        </p:blipFill>
-        <p:spPr>
-          <a:xfrm>
-            <a:off x="6723625" y="1136938"/>
-            <a:ext cx="4377812" cy="4270309"/>
-          </a:xfrm>
-          <a:prstGeom prst="rect">
-            <a:avLst/>
-          </a:prstGeom>
-        </p:spPr>
-      </p:pic>
-      <p:sp>
-        <p:nvSpPr>
-          <p:cNvPr id="7" name="TextBox 6">
-            <a:extLst>
-              <a:ext uri="{FF2B5EF4-FFF2-40B4-BE49-F238E27FC236}">
-                <a16:creationId xmlns:a16="http://schemas.microsoft.com/office/drawing/2014/main" xmlns="" id="{F3A7D976-9EE4-0D22-F923-90DB6308DD79}"/>
-              </a:ext>
-            </a:extLst>
-          </p:cNvPr>
-          <p:cNvSpPr txBox="1"/>
-          <p:nvPr/>
-        </p:nvSpPr>
-        <p:spPr>
-          <a:xfrm>
-            <a:off x="1971992" y="5635931"/>
+            <a:off x="9108784" y="3375936"/>
             <a:ext cx="2712064" cy="400110"/>
           </a:xfrm>
           <a:prstGeom prst="rect">
@@ -4798,58 +4906,10 @@
       </p:sp>
       <p:sp>
         <p:nvSpPr>
-          <p:cNvPr id="8" name="TextBox 7">
-            <a:extLst>
-              <a:ext uri="{FF2B5EF4-FFF2-40B4-BE49-F238E27FC236}">
-                <a16:creationId xmlns:a16="http://schemas.microsoft.com/office/drawing/2014/main" xmlns="" id="{DE5EFD92-1127-F347-F3D4-E86A94EFBCD2}"/>
-              </a:ext>
-            </a:extLst>
-          </p:cNvPr>
-          <p:cNvSpPr txBox="1"/>
-          <p:nvPr/>
-        </p:nvSpPr>
-        <p:spPr>
-          <a:xfrm>
-            <a:off x="7816644" y="5635931"/>
-            <a:ext cx="2712064" cy="400110"/>
-          </a:xfrm>
-          <a:prstGeom prst="rect">
-            <a:avLst/>
-          </a:prstGeom>
-          <a:noFill/>
-        </p:spPr>
-        <p:txBody>
-          <a:bodyPr rot="0" spcFirstLastPara="0" vertOverflow="overflow" horzOverflow="overflow" vert="horz" wrap="square" lIns="91440" tIns="45720" rIns="91440" bIns="45720" numCol="1" spcCol="0" rtlCol="0" fromWordArt="0" anchor="t" anchorCtr="0" forceAA="0" compatLnSpc="1">
-            <a:prstTxWarp prst="textNoShape">
-              <a:avLst/>
-            </a:prstTxWarp>
-            <a:spAutoFit/>
-          </a:bodyPr>
-          <a:lstStyle/>
-          <a:p>
-            <a:pPr algn="ctr"/>
-            <a:r>
-              <a:rPr lang="ko-KR" altLang="en-US" sz="2000" dirty="0"/>
-              <a:t>개인</a:t>
-            </a:r>
-            <a:r>
-              <a:rPr lang="en-US" altLang="ko-KR" sz="2000" dirty="0"/>
-              <a:t> </a:t>
-            </a:r>
-            <a:r>
-              <a:rPr lang="en-US" altLang="ko-KR" sz="2000" dirty="0" err="1" smtClean="0"/>
-              <a:t>페이지</a:t>
-            </a:r>
-            <a:endParaRPr lang="en-US" sz="2000" dirty="0"/>
-          </a:p>
-        </p:txBody>
-      </p:sp>
-      <p:sp>
-        <p:nvSpPr>
           <p:cNvPr id="9" name="TextBox 8">
             <a:extLst>
               <a:ext uri="{FF2B5EF4-FFF2-40B4-BE49-F238E27FC236}">
-                <a16:creationId xmlns:a16="http://schemas.microsoft.com/office/drawing/2014/main" xmlns="" id="{33654825-0954-BE0D-E887-CF73BE33EE64}"/>
+                <a16:creationId xmlns="" xmlns:a16="http://schemas.microsoft.com/office/drawing/2014/main" id="{33654825-0954-BE0D-E887-CF73BE33EE64}"/>
               </a:ext>
             </a:extLst>
           </p:cNvPr>
@@ -4888,6 +4948,60 @@
           </a:p>
         </p:txBody>
       </p:sp>
+      <p:pic>
+        <p:nvPicPr>
+          <p:cNvPr id="1028" name="Picture 4"/>
+          <p:cNvPicPr>
+            <a:picLocks noChangeAspect="1" noChangeArrowheads="1"/>
+          </p:cNvPicPr>
+          <p:nvPr/>
+        </p:nvPicPr>
+        <p:blipFill>
+          <a:blip r:embed="rId2">
+            <a:extLst>
+              <a:ext uri="{28A0092B-C50C-407E-A947-70E740481C1C}">
+                <a14:useLocalDpi xmlns:a14="http://schemas.microsoft.com/office/drawing/2010/main" val="0"/>
+              </a:ext>
+            </a:extLst>
+          </a:blip>
+          <a:srcRect/>
+          <a:stretch>
+            <a:fillRect/>
+          </a:stretch>
+        </p:blipFill>
+        <p:spPr bwMode="auto">
+          <a:xfrm>
+            <a:off x="247650" y="1183582"/>
+            <a:ext cx="8861134" cy="4799781"/>
+          </a:xfrm>
+          <a:prstGeom prst="rect">
+            <a:avLst/>
+          </a:prstGeom>
+          <a:noFill/>
+          <a:ln>
+            <a:noFill/>
+          </a:ln>
+          <a:extLst>
+            <a:ext uri="{909E8E84-426E-40DD-AFC4-6F175D3DCCD1}">
+              <a14:hiddenFill xmlns:a14="http://schemas.microsoft.com/office/drawing/2010/main">
+                <a:solidFill>
+                  <a:schemeClr val="accent1"/>
+                </a:solidFill>
+              </a14:hiddenFill>
+            </a:ext>
+            <a:ext uri="{91240B29-F687-4F45-9708-019B960494DF}">
+              <a14:hiddenLine xmlns:a14="http://schemas.microsoft.com/office/drawing/2010/main" w="9525">
+                <a:solidFill>
+                  <a:schemeClr val="tx1"/>
+                </a:solidFill>
+                <a:miter lim="800000"/>
+                <a:headEnd/>
+                <a:tailEnd/>
+              </a14:hiddenLine>
+            </a:ext>
+          </a:extLst>
+        </p:spPr>
+      </p:pic>
     </p:spTree>
     <p:extLst>
       <p:ext uri="{BB962C8B-B14F-4D97-AF65-F5344CB8AC3E}">
@@ -4925,12 +5039,42 @@
           <a:chExt cx="0" cy="0"/>
         </a:xfrm>
       </p:grpSpPr>
-      <p:sp>
-        <p:nvSpPr>
-          <p:cNvPr id="4" name="TextBox 3">
-            <a:extLst>
-              <a:ext uri="{FF2B5EF4-FFF2-40B4-BE49-F238E27FC236}">
-                <a16:creationId xmlns:a16="http://schemas.microsoft.com/office/drawing/2014/main" xmlns="" id="{B54FDB0C-7FBA-0B23-B2FC-57D0EDFE8FB8}"/>
+      <p:pic>
+        <p:nvPicPr>
+          <p:cNvPr id="5" name="Picture 5" descr="Graphical user interface, website&#10;&#10;Description automatically generated">
+            <a:extLst>
+              <a:ext uri="{FF2B5EF4-FFF2-40B4-BE49-F238E27FC236}">
+                <a16:creationId xmlns="" xmlns:a16="http://schemas.microsoft.com/office/drawing/2014/main" id="{15002A04-917F-EF24-8F4E-8DE5BB3FA508}"/>
+              </a:ext>
+            </a:extLst>
+          </p:cNvPr>
+          <p:cNvPicPr>
+            <a:picLocks noChangeAspect="1"/>
+          </p:cNvPicPr>
+          <p:nvPr/>
+        </p:nvPicPr>
+        <p:blipFill>
+          <a:blip r:embed="rId2"/>
+          <a:stretch>
+            <a:fillRect/>
+          </a:stretch>
+        </p:blipFill>
+        <p:spPr>
+          <a:xfrm>
+            <a:off x="6446760" y="1111556"/>
+            <a:ext cx="5116590" cy="4270309"/>
+          </a:xfrm>
+          <a:prstGeom prst="rect">
+            <a:avLst/>
+          </a:prstGeom>
+        </p:spPr>
+      </p:pic>
+      <p:sp>
+        <p:nvSpPr>
+          <p:cNvPr id="8" name="TextBox 7">
+            <a:extLst>
+              <a:ext uri="{FF2B5EF4-FFF2-40B4-BE49-F238E27FC236}">
+                <a16:creationId xmlns="" xmlns:a16="http://schemas.microsoft.com/office/drawing/2014/main" id="{DE5EFD92-1127-F347-F3D4-E86A94EFBCD2}"/>
               </a:ext>
             </a:extLst>
           </p:cNvPr>
@@ -4939,8 +5083,8 @@
         </p:nvSpPr>
         <p:spPr>
           <a:xfrm>
-            <a:off x="319838" y="604586"/>
-            <a:ext cx="11453061" cy="5447645"/>
+            <a:off x="4745984" y="5635931"/>
+            <a:ext cx="2712064" cy="400110"/>
           </a:xfrm>
           <a:prstGeom prst="rect">
             <a:avLst/>
@@ -4958,636 +5102,134 @@
           <a:p>
             <a:pPr algn="ctr"/>
             <a:r>
-              <a:rPr lang="ko-KR" altLang="en-US" sz="4800" dirty="0"/>
-              <a:t>기능</a:t>
-            </a:r>
-            <a:r>
-              <a:rPr lang="en-US" altLang="ko-KR" sz="4800" dirty="0"/>
-              <a:t> </a:t>
-            </a:r>
-            <a:r>
-              <a:rPr lang="ko-KR" altLang="en-US" sz="4800" dirty="0"/>
-              <a:t>및</a:t>
-            </a:r>
-            <a:r>
-              <a:rPr lang="en-US" sz="4800" dirty="0"/>
-              <a:t> </a:t>
-            </a:r>
-            <a:r>
-              <a:rPr lang="en-US" sz="4800" dirty="0" smtClean="0"/>
-              <a:t>API</a:t>
-            </a:r>
-          </a:p>
+              <a:rPr lang="ko-KR" altLang="en-US" sz="2000" dirty="0"/>
+              <a:t>개인</a:t>
+            </a:r>
+            <a:r>
+              <a:rPr lang="en-US" altLang="ko-KR" sz="2000" dirty="0"/>
+              <a:t> </a:t>
+            </a:r>
+            <a:r>
+              <a:rPr lang="en-US" altLang="ko-KR" sz="2000" dirty="0" err="1" smtClean="0"/>
+              <a:t>페이지</a:t>
+            </a:r>
+            <a:endParaRPr lang="en-US" sz="2000" dirty="0"/>
+          </a:p>
+        </p:txBody>
+      </p:sp>
+      <p:sp>
+        <p:nvSpPr>
+          <p:cNvPr id="9" name="TextBox 8">
+            <a:extLst>
+              <a:ext uri="{FF2B5EF4-FFF2-40B4-BE49-F238E27FC236}">
+                <a16:creationId xmlns="" xmlns:a16="http://schemas.microsoft.com/office/drawing/2014/main" id="{33654825-0954-BE0D-E887-CF73BE33EE64}"/>
+              </a:ext>
+            </a:extLst>
+          </p:cNvPr>
+          <p:cNvSpPr txBox="1"/>
+          <p:nvPr/>
+        </p:nvSpPr>
+        <p:spPr>
+          <a:xfrm>
+            <a:off x="3326732" y="160422"/>
+            <a:ext cx="5550568" cy="830997"/>
+          </a:xfrm>
+          <a:prstGeom prst="rect">
+            <a:avLst/>
+          </a:prstGeom>
+          <a:noFill/>
+        </p:spPr>
+        <p:txBody>
+          <a:bodyPr rot="0" spcFirstLastPara="0" vertOverflow="overflow" horzOverflow="overflow" vert="horz" wrap="square" lIns="91440" tIns="45720" rIns="91440" bIns="45720" numCol="1" spcCol="0" rtlCol="0" fromWordArt="0" anchor="t" anchorCtr="0" forceAA="0" compatLnSpc="1">
+            <a:prstTxWarp prst="textNoShape">
+              <a:avLst/>
+            </a:prstTxWarp>
+            <a:spAutoFit/>
+          </a:bodyPr>
+          <a:lstStyle/>
           <a:p>
             <a:pPr algn="ctr"/>
-            <a:endParaRPr lang="en-US" sz="4800" dirty="0"/>
-          </a:p>
-          <a:p>
-            <a:r>
-              <a:rPr lang="en-US" sz="2800" dirty="0">
-                <a:ea typeface="+mn-lt"/>
-                <a:cs typeface="+mn-lt"/>
-              </a:rPr>
-              <a:t>1.</a:t>
-            </a:r>
-            <a:r>
-              <a:rPr lang="en-US" altLang="ko-KR" sz="2800" dirty="0">
-                <a:ea typeface="+mn-lt"/>
-                <a:cs typeface="+mn-lt"/>
-              </a:rPr>
-              <a:t> </a:t>
-            </a:r>
-            <a:r>
-              <a:rPr lang="ko-KR" altLang="en-US" sz="2800" dirty="0">
-                <a:ea typeface="+mn-lt"/>
-                <a:cs typeface="+mn-lt"/>
-              </a:rPr>
-              <a:t>팀원</a:t>
-            </a:r>
-            <a:r>
-              <a:rPr lang="en-US" altLang="ko-KR" sz="2800" dirty="0">
-                <a:ea typeface="+mn-lt"/>
-                <a:cs typeface="+mn-lt"/>
-              </a:rPr>
-              <a:t> </a:t>
-            </a:r>
-            <a:r>
-              <a:rPr lang="ko-KR" altLang="en-US" sz="2800" dirty="0">
-                <a:ea typeface="+mn-lt"/>
-                <a:cs typeface="+mn-lt"/>
-              </a:rPr>
-              <a:t>사진</a:t>
-            </a:r>
-            <a:r>
-              <a:rPr lang="en-US" altLang="ko-KR" sz="2800" dirty="0">
-                <a:ea typeface="+mn-lt"/>
-                <a:cs typeface="+mn-lt"/>
-              </a:rPr>
-              <a:t> </a:t>
-            </a:r>
-            <a:r>
-              <a:rPr lang="ko-KR" altLang="en-US" sz="2800" dirty="0">
-                <a:ea typeface="+mn-lt"/>
-                <a:cs typeface="+mn-lt"/>
-              </a:rPr>
-              <a:t>밑에</a:t>
-            </a:r>
-            <a:r>
-              <a:rPr lang="en-US" altLang="ko-KR" sz="2800" dirty="0">
-                <a:ea typeface="+mn-lt"/>
-                <a:cs typeface="+mn-lt"/>
-              </a:rPr>
-              <a:t> </a:t>
-            </a:r>
-            <a:r>
-              <a:rPr lang="ko-KR" altLang="en-US" sz="2800" dirty="0">
-                <a:ea typeface="+mn-lt"/>
-                <a:cs typeface="+mn-lt"/>
-              </a:rPr>
-              <a:t>버튼을</a:t>
-            </a:r>
-            <a:r>
-              <a:rPr lang="en-US" altLang="ko-KR" sz="2800" dirty="0">
-                <a:ea typeface="+mn-lt"/>
-                <a:cs typeface="+mn-lt"/>
-              </a:rPr>
-              <a:t> </a:t>
-            </a:r>
-            <a:r>
-              <a:rPr lang="ko-KR" altLang="en-US" sz="2800" dirty="0">
-                <a:ea typeface="+mn-lt"/>
-                <a:cs typeface="+mn-lt"/>
-              </a:rPr>
-              <a:t>누르면</a:t>
-            </a:r>
-            <a:r>
-              <a:rPr lang="en-US" altLang="ko-KR" sz="2800" dirty="0">
-                <a:ea typeface="+mn-lt"/>
-                <a:cs typeface="+mn-lt"/>
-              </a:rPr>
-              <a:t> </a:t>
-            </a:r>
-            <a:r>
-              <a:rPr lang="ko-KR" altLang="en-US" sz="2800" dirty="0">
-                <a:ea typeface="+mn-lt"/>
-                <a:cs typeface="+mn-lt"/>
-              </a:rPr>
-              <a:t>각자</a:t>
-            </a:r>
-            <a:r>
-              <a:rPr lang="en-US" altLang="ko-KR" sz="2800" dirty="0">
-                <a:ea typeface="+mn-lt"/>
-                <a:cs typeface="+mn-lt"/>
-              </a:rPr>
-              <a:t> </a:t>
-            </a:r>
-            <a:r>
-              <a:rPr lang="ko-KR" altLang="en-US" sz="2800" dirty="0">
-                <a:ea typeface="+mn-lt"/>
-                <a:cs typeface="+mn-lt"/>
-              </a:rPr>
-              <a:t>만든</a:t>
-            </a:r>
-            <a:r>
-              <a:rPr lang="en-US" altLang="ko-KR" sz="2800" dirty="0">
-                <a:ea typeface="+mn-lt"/>
-                <a:cs typeface="+mn-lt"/>
-              </a:rPr>
-              <a:t> </a:t>
-            </a:r>
-            <a:r>
-              <a:rPr lang="ko-KR" altLang="en-US" sz="2800" dirty="0">
-                <a:ea typeface="+mn-lt"/>
-                <a:cs typeface="+mn-lt"/>
-              </a:rPr>
-              <a:t>자기소개</a:t>
-            </a:r>
-            <a:r>
-              <a:rPr lang="en-US" altLang="ko-KR" sz="2800" dirty="0">
-                <a:ea typeface="+mn-lt"/>
-                <a:cs typeface="+mn-lt"/>
-              </a:rPr>
-              <a:t> </a:t>
-            </a:r>
-            <a:r>
-              <a:rPr lang="ko-KR" altLang="en-US" sz="2800" dirty="0">
-                <a:ea typeface="+mn-lt"/>
-                <a:cs typeface="+mn-lt"/>
-              </a:rPr>
-              <a:t>페이지로</a:t>
-            </a:r>
-            <a:r>
-              <a:rPr lang="en-US" altLang="ko-KR" sz="2800" dirty="0">
-                <a:ea typeface="+mn-lt"/>
-                <a:cs typeface="+mn-lt"/>
-              </a:rPr>
-              <a:t> </a:t>
-            </a:r>
-            <a:r>
-              <a:rPr lang="ko-KR" altLang="en-US" sz="2800" dirty="0">
-                <a:ea typeface="+mn-lt"/>
-                <a:cs typeface="+mn-lt"/>
-              </a:rPr>
-              <a:t>넘어갑니다</a:t>
-            </a:r>
-            <a:r>
-              <a:rPr lang="en-US" sz="2800" dirty="0">
-                <a:ea typeface="+mn-lt"/>
-                <a:cs typeface="+mn-lt"/>
-              </a:rPr>
-              <a:t>.</a:t>
-            </a:r>
-            <a:endParaRPr lang="en-US" sz="2800" dirty="0"/>
-          </a:p>
-          <a:p>
-            <a:r>
-              <a:rPr lang="en-US" sz="2800" dirty="0">
-                <a:ea typeface="+mn-lt"/>
-                <a:cs typeface="+mn-lt"/>
-              </a:rPr>
-              <a:t>2.</a:t>
-            </a:r>
-            <a:r>
-              <a:rPr lang="en-US" altLang="ko-KR" sz="2800" dirty="0">
-                <a:ea typeface="+mn-lt"/>
-                <a:cs typeface="+mn-lt"/>
-              </a:rPr>
-              <a:t> </a:t>
-            </a:r>
-            <a:r>
-              <a:rPr lang="ko-KR" altLang="en-US" sz="2800" dirty="0" err="1" smtClean="0">
-                <a:ea typeface="+mn-lt"/>
-                <a:cs typeface="+mn-lt"/>
-              </a:rPr>
-              <a:t>방명</a:t>
-            </a:r>
-            <a:r>
-              <a:rPr lang="ko-KR" altLang="en-US" sz="2800" dirty="0" err="1">
-                <a:ea typeface="+mn-lt"/>
-                <a:cs typeface="+mn-lt"/>
-              </a:rPr>
-              <a:t>록</a:t>
-            </a:r>
-            <a:r>
-              <a:rPr lang="ko-KR" altLang="en-US" sz="2800" dirty="0" err="1" smtClean="0">
-                <a:ea typeface="+mn-lt"/>
-                <a:cs typeface="+mn-lt"/>
-              </a:rPr>
-              <a:t>를</a:t>
-            </a:r>
-            <a:r>
-              <a:rPr lang="en-US" altLang="ko-KR" sz="2800" dirty="0" smtClean="0">
-                <a:ea typeface="+mn-lt"/>
-                <a:cs typeface="+mn-lt"/>
-              </a:rPr>
-              <a:t> </a:t>
-            </a:r>
-            <a:r>
-              <a:rPr lang="ko-KR" altLang="en-US" sz="2800" dirty="0">
-                <a:ea typeface="+mn-lt"/>
-                <a:cs typeface="+mn-lt"/>
-              </a:rPr>
-              <a:t>작성하면</a:t>
-            </a:r>
-            <a:r>
-              <a:rPr lang="en-US" altLang="ko-KR" sz="2800" dirty="0">
-                <a:ea typeface="+mn-lt"/>
-                <a:cs typeface="+mn-lt"/>
-              </a:rPr>
-              <a:t> </a:t>
-            </a:r>
-            <a:r>
-              <a:rPr lang="ko-KR" altLang="en-US" sz="2800" dirty="0">
-                <a:ea typeface="+mn-lt"/>
-                <a:cs typeface="+mn-lt"/>
-              </a:rPr>
-              <a:t>밑에</a:t>
-            </a:r>
-            <a:r>
-              <a:rPr lang="en-US" altLang="ko-KR" sz="2800" dirty="0">
-                <a:ea typeface="+mn-lt"/>
-                <a:cs typeface="+mn-lt"/>
-              </a:rPr>
-              <a:t> </a:t>
-            </a:r>
-            <a:r>
-              <a:rPr lang="ko-KR" altLang="en-US" sz="2800" dirty="0">
-                <a:ea typeface="+mn-lt"/>
-                <a:cs typeface="+mn-lt"/>
-              </a:rPr>
-              <a:t>쌓입니다</a:t>
-            </a:r>
-            <a:r>
-              <a:rPr lang="en-US" sz="2800" dirty="0" smtClean="0">
-                <a:ea typeface="+mn-lt"/>
-                <a:cs typeface="+mn-lt"/>
-              </a:rPr>
-              <a:t>.</a:t>
-            </a:r>
-          </a:p>
-          <a:p>
-            <a:r>
-              <a:rPr lang="en-US" sz="2800" dirty="0" smtClean="0">
-                <a:ea typeface="+mn-lt"/>
-                <a:cs typeface="+mn-lt"/>
-              </a:rPr>
-              <a:t>3</a:t>
-            </a:r>
-            <a:r>
-              <a:rPr lang="en-US" sz="2800" dirty="0">
-                <a:ea typeface="+mn-lt"/>
-                <a:cs typeface="+mn-lt"/>
-              </a:rPr>
-              <a:t>.</a:t>
-            </a:r>
-            <a:r>
-              <a:rPr lang="en-US" altLang="ko-KR" sz="2800" dirty="0">
-                <a:ea typeface="+mn-lt"/>
-                <a:cs typeface="+mn-lt"/>
-              </a:rPr>
-              <a:t> </a:t>
-            </a:r>
-            <a:r>
-              <a:rPr lang="ko-KR" altLang="en-US" sz="2800" dirty="0">
-                <a:ea typeface="+mn-lt"/>
-                <a:cs typeface="+mn-lt"/>
-              </a:rPr>
-              <a:t>각각의</a:t>
-            </a:r>
-            <a:r>
-              <a:rPr lang="en-US" altLang="ko-KR" sz="2800" dirty="0">
-                <a:ea typeface="+mn-lt"/>
-                <a:cs typeface="+mn-lt"/>
-              </a:rPr>
-              <a:t> </a:t>
-            </a:r>
-            <a:r>
-              <a:rPr lang="ko-KR" altLang="en-US" sz="2800" dirty="0" smtClean="0">
-                <a:ea typeface="+mn-lt"/>
-                <a:cs typeface="+mn-lt"/>
-              </a:rPr>
-              <a:t>방명록</a:t>
-            </a:r>
-            <a:r>
-              <a:rPr lang="ko-KR" altLang="en-US" sz="2800" dirty="0" smtClean="0">
-                <a:ea typeface="+mn-lt"/>
-                <a:cs typeface="+mn-lt"/>
-              </a:rPr>
-              <a:t>에</a:t>
-            </a:r>
-            <a:r>
-              <a:rPr lang="en-US" altLang="ko-KR" sz="2800" dirty="0" smtClean="0">
-                <a:ea typeface="+mn-lt"/>
-                <a:cs typeface="+mn-lt"/>
-              </a:rPr>
-              <a:t> </a:t>
-            </a:r>
-            <a:r>
-              <a:rPr lang="ko-KR" altLang="en-US" sz="2800" dirty="0" smtClean="0">
-                <a:ea typeface="+mn-lt"/>
-                <a:cs typeface="+mn-lt"/>
-              </a:rPr>
-              <a:t>삭제</a:t>
-            </a:r>
-            <a:r>
-              <a:rPr lang="en-US" altLang="ko-KR" sz="2800" dirty="0" smtClean="0">
-                <a:ea typeface="+mn-lt"/>
-                <a:cs typeface="+mn-lt"/>
-              </a:rPr>
-              <a:t>, </a:t>
-            </a:r>
-            <a:r>
-              <a:rPr lang="ko-KR" altLang="en-US" sz="2800" dirty="0" smtClean="0">
-                <a:ea typeface="+mn-lt"/>
-                <a:cs typeface="+mn-lt"/>
-              </a:rPr>
-              <a:t>수정</a:t>
-            </a:r>
-            <a:r>
-              <a:rPr lang="en-US" altLang="ko-KR" sz="2800" dirty="0" smtClean="0">
-                <a:ea typeface="+mn-lt"/>
-                <a:cs typeface="+mn-lt"/>
-              </a:rPr>
-              <a:t> </a:t>
-            </a:r>
-            <a:r>
-              <a:rPr lang="ko-KR" altLang="en-US" sz="2800" dirty="0">
-                <a:ea typeface="+mn-lt"/>
-                <a:cs typeface="+mn-lt"/>
-              </a:rPr>
-              <a:t>기능이</a:t>
-            </a:r>
-            <a:r>
-              <a:rPr lang="en-US" altLang="ko-KR" sz="2800" dirty="0">
-                <a:ea typeface="+mn-lt"/>
-                <a:cs typeface="+mn-lt"/>
-              </a:rPr>
-              <a:t> </a:t>
-            </a:r>
-            <a:r>
-              <a:rPr lang="ko-KR" altLang="en-US" sz="2800" dirty="0">
-                <a:ea typeface="+mn-lt"/>
-                <a:cs typeface="+mn-lt"/>
-              </a:rPr>
-              <a:t>있습니다</a:t>
-            </a:r>
-            <a:r>
-              <a:rPr lang="en-US" sz="2800" dirty="0" smtClean="0">
-                <a:ea typeface="+mn-lt"/>
-                <a:cs typeface="+mn-lt"/>
-              </a:rPr>
-              <a:t>. (</a:t>
-            </a:r>
-            <a:r>
-              <a:rPr lang="ko-KR" altLang="en-US" sz="2800" dirty="0" smtClean="0">
-                <a:ea typeface="+mn-lt"/>
-                <a:cs typeface="+mn-lt"/>
-              </a:rPr>
-              <a:t>일부는 </a:t>
-            </a:r>
-            <a:r>
-              <a:rPr lang="ko-KR" altLang="en-US" sz="2800" dirty="0" err="1" smtClean="0">
-                <a:ea typeface="+mn-lt"/>
-                <a:cs typeface="+mn-lt"/>
-              </a:rPr>
-              <a:t>댓글</a:t>
-            </a:r>
-            <a:r>
-              <a:rPr lang="ko-KR" altLang="en-US" sz="2800" dirty="0" smtClean="0">
-                <a:ea typeface="+mn-lt"/>
-                <a:cs typeface="+mn-lt"/>
-              </a:rPr>
-              <a:t> 기능 구현</a:t>
-            </a:r>
-            <a:r>
-              <a:rPr lang="en-US" altLang="ko-KR" sz="2800" dirty="0" smtClean="0">
-                <a:ea typeface="+mn-lt"/>
-                <a:cs typeface="+mn-lt"/>
-              </a:rPr>
-              <a:t>)</a:t>
-            </a:r>
-          </a:p>
-          <a:p>
-            <a:r>
-              <a:rPr lang="en-US" sz="2800" dirty="0" smtClean="0">
-                <a:ea typeface="+mn-lt"/>
-                <a:cs typeface="+mn-lt"/>
-              </a:rPr>
-              <a:t>4. </a:t>
-            </a:r>
-            <a:r>
-              <a:rPr lang="ko-KR" altLang="en-US" sz="2800" dirty="0" err="1" smtClean="0">
-                <a:ea typeface="+mn-lt"/>
-                <a:cs typeface="+mn-lt"/>
-              </a:rPr>
-              <a:t>댓글을</a:t>
-            </a:r>
-            <a:r>
-              <a:rPr lang="ko-KR" altLang="en-US" sz="2800" dirty="0" smtClean="0">
-                <a:ea typeface="+mn-lt"/>
-                <a:cs typeface="+mn-lt"/>
-              </a:rPr>
-              <a:t> 쓰게 되면 방명록 하단에 최신 </a:t>
-            </a:r>
-            <a:r>
-              <a:rPr lang="ko-KR" altLang="en-US" sz="2800" dirty="0" err="1" smtClean="0">
-                <a:ea typeface="+mn-lt"/>
-                <a:cs typeface="+mn-lt"/>
-              </a:rPr>
-              <a:t>댓글이</a:t>
-            </a:r>
-            <a:r>
-              <a:rPr lang="ko-KR" altLang="en-US" sz="2800" dirty="0" smtClean="0">
-                <a:ea typeface="+mn-lt"/>
-                <a:cs typeface="+mn-lt"/>
-              </a:rPr>
-              <a:t> 밑으로 가도록 구현</a:t>
-            </a:r>
-            <a:endParaRPr lang="en-US" sz="2800" dirty="0"/>
-          </a:p>
-          <a:p>
-            <a:r>
-              <a:rPr lang="en-US" sz="2800" dirty="0">
-                <a:ea typeface="+mn-lt"/>
-                <a:cs typeface="+mn-lt"/>
-              </a:rPr>
-              <a:t>5</a:t>
-            </a:r>
-            <a:r>
-              <a:rPr lang="en-US" sz="2800" dirty="0" smtClean="0">
-                <a:ea typeface="+mn-lt"/>
-                <a:cs typeface="+mn-lt"/>
-              </a:rPr>
-              <a:t>.</a:t>
-            </a:r>
-            <a:r>
-              <a:rPr lang="en-US" altLang="ko-KR" sz="2800" dirty="0" smtClean="0">
-                <a:ea typeface="+mn-lt"/>
-                <a:cs typeface="+mn-lt"/>
-              </a:rPr>
-              <a:t> </a:t>
-            </a:r>
-            <a:r>
-              <a:rPr lang="ko-KR" altLang="en-US" sz="2800" dirty="0">
-                <a:ea typeface="+mn-lt"/>
-                <a:cs typeface="+mn-lt"/>
-              </a:rPr>
-              <a:t>자기소개페이지에서</a:t>
-            </a:r>
-            <a:r>
-              <a:rPr lang="en-US" altLang="ko-KR" sz="2800" dirty="0">
-                <a:ea typeface="+mn-lt"/>
-                <a:cs typeface="+mn-lt"/>
-              </a:rPr>
-              <a:t> </a:t>
-            </a:r>
-            <a:r>
-              <a:rPr lang="ko-KR" altLang="en-US" sz="2800" dirty="0" smtClean="0">
-                <a:ea typeface="+mn-lt"/>
-                <a:cs typeface="+mn-lt"/>
-              </a:rPr>
-              <a:t>제목  또는</a:t>
-            </a:r>
-            <a:r>
-              <a:rPr lang="en-US" altLang="ko-KR" sz="2800" dirty="0" smtClean="0">
-                <a:ea typeface="+mn-lt"/>
-                <a:cs typeface="+mn-lt"/>
-              </a:rPr>
-              <a:t> </a:t>
-            </a:r>
-            <a:r>
-              <a:rPr lang="ko-KR" altLang="en-US" sz="2800" dirty="0" smtClean="0">
-                <a:ea typeface="+mn-lt"/>
-                <a:cs typeface="+mn-lt"/>
-              </a:rPr>
-              <a:t>메인 이미지를</a:t>
-            </a:r>
-            <a:r>
-              <a:rPr lang="en-US" altLang="ko-KR" sz="2800" dirty="0" smtClean="0">
-                <a:ea typeface="+mn-lt"/>
-                <a:cs typeface="+mn-lt"/>
-              </a:rPr>
-              <a:t> </a:t>
-            </a:r>
-            <a:r>
-              <a:rPr lang="ko-KR" altLang="en-US" sz="2800" dirty="0">
-                <a:ea typeface="+mn-lt"/>
-                <a:cs typeface="+mn-lt"/>
-              </a:rPr>
-              <a:t>누르면</a:t>
-            </a:r>
-            <a:r>
-              <a:rPr lang="en-US" altLang="ko-KR" sz="2800" dirty="0">
-                <a:ea typeface="+mn-lt"/>
-                <a:cs typeface="+mn-lt"/>
-              </a:rPr>
-              <a:t> </a:t>
-            </a:r>
-            <a:r>
-              <a:rPr lang="ko-KR" altLang="en-US" sz="2800" dirty="0">
-                <a:ea typeface="+mn-lt"/>
-                <a:cs typeface="+mn-lt"/>
-              </a:rPr>
-              <a:t>원래</a:t>
-            </a:r>
-            <a:r>
-              <a:rPr lang="en-US" altLang="ko-KR" sz="2800" dirty="0">
-                <a:ea typeface="+mn-lt"/>
-                <a:cs typeface="+mn-lt"/>
-              </a:rPr>
-              <a:t> </a:t>
-            </a:r>
-            <a:r>
-              <a:rPr lang="ko-KR" altLang="en-US" sz="2800" dirty="0">
-                <a:ea typeface="+mn-lt"/>
-                <a:cs typeface="+mn-lt"/>
-              </a:rPr>
-              <a:t>있던</a:t>
-            </a:r>
-            <a:r>
-              <a:rPr lang="en-US" altLang="ko-KR" sz="2800" dirty="0">
-                <a:ea typeface="+mn-lt"/>
-                <a:cs typeface="+mn-lt"/>
-              </a:rPr>
-              <a:t> </a:t>
-            </a:r>
-            <a:r>
-              <a:rPr lang="ko-KR" altLang="en-US" sz="2800" dirty="0">
-                <a:ea typeface="+mn-lt"/>
-                <a:cs typeface="+mn-lt"/>
-              </a:rPr>
-              <a:t>팀</a:t>
-            </a:r>
-            <a:r>
-              <a:rPr lang="en-US" altLang="ko-KR" sz="2800" dirty="0">
-                <a:ea typeface="+mn-lt"/>
-                <a:cs typeface="+mn-lt"/>
-              </a:rPr>
-              <a:t> </a:t>
-            </a:r>
-            <a:r>
-              <a:rPr lang="ko-KR" altLang="en-US" sz="2800" dirty="0">
-                <a:ea typeface="+mn-lt"/>
-                <a:cs typeface="+mn-lt"/>
-              </a:rPr>
-              <a:t>소개</a:t>
-            </a:r>
-            <a:r>
-              <a:rPr lang="en-US" altLang="ko-KR" sz="2800" dirty="0">
-                <a:ea typeface="+mn-lt"/>
-                <a:cs typeface="+mn-lt"/>
-              </a:rPr>
-              <a:t> </a:t>
-            </a:r>
-            <a:r>
-              <a:rPr lang="ko-KR" altLang="en-US" sz="2800" dirty="0">
-                <a:ea typeface="+mn-lt"/>
-                <a:cs typeface="+mn-lt"/>
-              </a:rPr>
-              <a:t>페이지로</a:t>
-            </a:r>
-            <a:r>
-              <a:rPr lang="en-US" altLang="ko-KR" sz="2800" dirty="0">
-                <a:ea typeface="+mn-lt"/>
-                <a:cs typeface="+mn-lt"/>
-              </a:rPr>
-              <a:t> </a:t>
-            </a:r>
-            <a:r>
-              <a:rPr lang="ko-KR" altLang="en-US" sz="2800" dirty="0">
-                <a:ea typeface="+mn-lt"/>
-                <a:cs typeface="+mn-lt"/>
-              </a:rPr>
-              <a:t>넘어갑니다</a:t>
-            </a:r>
-            <a:r>
-              <a:rPr lang="en-US" sz="2800" dirty="0">
-                <a:ea typeface="+mn-lt"/>
-                <a:cs typeface="+mn-lt"/>
-              </a:rPr>
-              <a:t>.</a:t>
-            </a:r>
-            <a:endParaRPr lang="en-US" sz="2800" dirty="0"/>
-          </a:p>
-          <a:p>
-            <a:endParaRPr lang="en-US" sz="2800" dirty="0"/>
-          </a:p>
-          <a:p>
-            <a:pPr algn="l"/>
-            <a:endParaRPr lang="en-US" sz="2800" dirty="0"/>
-          </a:p>
-        </p:txBody>
-      </p:sp>
+            <a:r>
+              <a:rPr lang="ko-KR" altLang="en-US" sz="4800" dirty="0" smtClean="0">
+                <a:latin typeface="Noto Sans KR"/>
+              </a:rPr>
+              <a:t>실제 구현 화면</a:t>
+            </a:r>
+            <a:endParaRPr lang="en-US" sz="4800" dirty="0">
+              <a:latin typeface="Noto Sans KR"/>
+            </a:endParaRPr>
+          </a:p>
+        </p:txBody>
+      </p:sp>
+      <p:pic>
+        <p:nvPicPr>
+          <p:cNvPr id="2050" name="Picture 2"/>
+          <p:cNvPicPr>
+            <a:picLocks noChangeAspect="1" noChangeArrowheads="1"/>
+          </p:cNvPicPr>
+          <p:nvPr/>
+        </p:nvPicPr>
+        <p:blipFill rotWithShape="1">
+          <a:blip r:embed="rId3">
+            <a:extLst>
+              <a:ext uri="{28A0092B-C50C-407E-A947-70E740481C1C}">
+                <a14:useLocalDpi xmlns:a14="http://schemas.microsoft.com/office/drawing/2010/main" val="0"/>
+              </a:ext>
+            </a:extLst>
+          </a:blip>
+          <a:srcRect r="12159"/>
+          <a:stretch/>
+        </p:blipFill>
+        <p:spPr bwMode="auto">
+          <a:xfrm>
+            <a:off x="764507" y="1111556"/>
+            <a:ext cx="5124450" cy="4214983"/>
+          </a:xfrm>
+          <a:prstGeom prst="rect">
+            <a:avLst/>
+          </a:prstGeom>
+          <a:noFill/>
+          <a:ln>
+            <a:noFill/>
+          </a:ln>
+          <a:extLst>
+            <a:ext uri="{909E8E84-426E-40DD-AFC4-6F175D3DCCD1}">
+              <a14:hiddenFill xmlns:a14="http://schemas.microsoft.com/office/drawing/2010/main">
+                <a:solidFill>
+                  <a:schemeClr val="accent1"/>
+                </a:solidFill>
+              </a14:hiddenFill>
+            </a:ext>
+            <a:ext uri="{91240B29-F687-4F45-9708-019B960494DF}">
+              <a14:hiddenLine xmlns:a14="http://schemas.microsoft.com/office/drawing/2010/main" w="9525">
+                <a:solidFill>
+                  <a:schemeClr val="tx1"/>
+                </a:solidFill>
+                <a:miter lim="800000"/>
+                <a:headEnd/>
+                <a:tailEnd/>
+              </a14:hiddenLine>
+            </a:ext>
+          </a:extLst>
+        </p:spPr>
+      </p:pic>
     </p:spTree>
     <p:extLst>
       <p:ext uri="{BB962C8B-B14F-4D97-AF65-F5344CB8AC3E}">
-        <p14:creationId xmlns:p14="http://schemas.microsoft.com/office/powerpoint/2010/main" val="165181109"/>
+        <p14:creationId xmlns:p14="http://schemas.microsoft.com/office/powerpoint/2010/main" val="887310795"/>
       </p:ext>
     </p:extLst>
   </p:cSld>
   <p:clrMapOvr>
     <a:masterClrMapping/>
   </p:clrMapOvr>
+  <p:timing>
+    <p:tnLst>
+      <p:par>
+        <p:cTn id="1" dur="indefinite" restart="never" nodeType="tmRoot"/>
+      </p:par>
+    </p:tnLst>
+  </p:timing>
 </p:sld>
 </file>
 
@@ -5608,12 +5250,695 @@
           <a:chExt cx="0" cy="0"/>
         </a:xfrm>
       </p:grpSpPr>
+      <p:sp>
+        <p:nvSpPr>
+          <p:cNvPr id="4" name="TextBox 3">
+            <a:extLst>
+              <a:ext uri="{FF2B5EF4-FFF2-40B4-BE49-F238E27FC236}">
+                <a16:creationId xmlns="" xmlns:a16="http://schemas.microsoft.com/office/drawing/2014/main" id="{B54FDB0C-7FBA-0B23-B2FC-57D0EDFE8FB8}"/>
+              </a:ext>
+            </a:extLst>
+          </p:cNvPr>
+          <p:cNvSpPr txBox="1"/>
+          <p:nvPr/>
+        </p:nvSpPr>
+        <p:spPr>
+          <a:xfrm>
+            <a:off x="319838" y="604586"/>
+            <a:ext cx="11453061" cy="5447645"/>
+          </a:xfrm>
+          <a:prstGeom prst="rect">
+            <a:avLst/>
+          </a:prstGeom>
+          <a:noFill/>
+        </p:spPr>
+        <p:txBody>
+          <a:bodyPr rot="0" spcFirstLastPara="0" vertOverflow="overflow" horzOverflow="overflow" vert="horz" wrap="square" lIns="91440" tIns="45720" rIns="91440" bIns="45720" numCol="1" spcCol="0" rtlCol="0" fromWordArt="0" anchor="t" anchorCtr="0" forceAA="0" compatLnSpc="1">
+            <a:prstTxWarp prst="textNoShape">
+              <a:avLst/>
+            </a:prstTxWarp>
+            <a:spAutoFit/>
+          </a:bodyPr>
+          <a:lstStyle/>
+          <a:p>
+            <a:pPr algn="ctr"/>
+            <a:r>
+              <a:rPr lang="ko-KR" altLang="en-US" sz="4800" dirty="0"/>
+              <a:t>기능</a:t>
+            </a:r>
+            <a:r>
+              <a:rPr lang="en-US" altLang="ko-KR" sz="4800" dirty="0"/>
+              <a:t> </a:t>
+            </a:r>
+            <a:r>
+              <a:rPr lang="ko-KR" altLang="en-US" sz="4800" dirty="0"/>
+              <a:t>및</a:t>
+            </a:r>
+            <a:r>
+              <a:rPr lang="en-US" sz="4800" dirty="0"/>
+              <a:t> </a:t>
+            </a:r>
+            <a:r>
+              <a:rPr lang="en-US" sz="4800" dirty="0" smtClean="0"/>
+              <a:t>API</a:t>
+            </a:r>
+          </a:p>
+          <a:p>
+            <a:pPr algn="ctr"/>
+            <a:endParaRPr lang="en-US" sz="4800" dirty="0"/>
+          </a:p>
+          <a:p>
+            <a:r>
+              <a:rPr lang="en-US" sz="2800" dirty="0">
+                <a:ea typeface="+mn-lt"/>
+                <a:cs typeface="+mn-lt"/>
+              </a:rPr>
+              <a:t>1.</a:t>
+            </a:r>
+            <a:r>
+              <a:rPr lang="en-US" altLang="ko-KR" sz="2800" dirty="0">
+                <a:ea typeface="+mn-lt"/>
+                <a:cs typeface="+mn-lt"/>
+              </a:rPr>
+              <a:t> </a:t>
+            </a:r>
+            <a:r>
+              <a:rPr lang="ko-KR" altLang="en-US" sz="2800" dirty="0">
+                <a:ea typeface="+mn-lt"/>
+                <a:cs typeface="+mn-lt"/>
+              </a:rPr>
+              <a:t>팀원</a:t>
+            </a:r>
+            <a:r>
+              <a:rPr lang="en-US" altLang="ko-KR" sz="2800" dirty="0">
+                <a:ea typeface="+mn-lt"/>
+                <a:cs typeface="+mn-lt"/>
+              </a:rPr>
+              <a:t> </a:t>
+            </a:r>
+            <a:r>
+              <a:rPr lang="ko-KR" altLang="en-US" sz="2800" dirty="0">
+                <a:ea typeface="+mn-lt"/>
+                <a:cs typeface="+mn-lt"/>
+              </a:rPr>
+              <a:t>사진</a:t>
+            </a:r>
+            <a:r>
+              <a:rPr lang="en-US" altLang="ko-KR" sz="2800" dirty="0">
+                <a:ea typeface="+mn-lt"/>
+                <a:cs typeface="+mn-lt"/>
+              </a:rPr>
+              <a:t> </a:t>
+            </a:r>
+            <a:r>
+              <a:rPr lang="ko-KR" altLang="en-US" sz="2800" dirty="0">
+                <a:ea typeface="+mn-lt"/>
+                <a:cs typeface="+mn-lt"/>
+              </a:rPr>
+              <a:t>밑에</a:t>
+            </a:r>
+            <a:r>
+              <a:rPr lang="en-US" altLang="ko-KR" sz="2800" dirty="0">
+                <a:ea typeface="+mn-lt"/>
+                <a:cs typeface="+mn-lt"/>
+              </a:rPr>
+              <a:t> </a:t>
+            </a:r>
+            <a:r>
+              <a:rPr lang="ko-KR" altLang="en-US" sz="2800" dirty="0">
+                <a:ea typeface="+mn-lt"/>
+                <a:cs typeface="+mn-lt"/>
+              </a:rPr>
+              <a:t>버튼을</a:t>
+            </a:r>
+            <a:r>
+              <a:rPr lang="en-US" altLang="ko-KR" sz="2800" dirty="0">
+                <a:ea typeface="+mn-lt"/>
+                <a:cs typeface="+mn-lt"/>
+              </a:rPr>
+              <a:t> </a:t>
+            </a:r>
+            <a:r>
+              <a:rPr lang="ko-KR" altLang="en-US" sz="2800" dirty="0">
+                <a:ea typeface="+mn-lt"/>
+                <a:cs typeface="+mn-lt"/>
+              </a:rPr>
+              <a:t>누르면</a:t>
+            </a:r>
+            <a:r>
+              <a:rPr lang="en-US" altLang="ko-KR" sz="2800" dirty="0">
+                <a:ea typeface="+mn-lt"/>
+                <a:cs typeface="+mn-lt"/>
+              </a:rPr>
+              <a:t> </a:t>
+            </a:r>
+            <a:r>
+              <a:rPr lang="ko-KR" altLang="en-US" sz="2800" dirty="0">
+                <a:ea typeface="+mn-lt"/>
+                <a:cs typeface="+mn-lt"/>
+              </a:rPr>
+              <a:t>각자</a:t>
+            </a:r>
+            <a:r>
+              <a:rPr lang="en-US" altLang="ko-KR" sz="2800" dirty="0">
+                <a:ea typeface="+mn-lt"/>
+                <a:cs typeface="+mn-lt"/>
+              </a:rPr>
+              <a:t> </a:t>
+            </a:r>
+            <a:r>
+              <a:rPr lang="ko-KR" altLang="en-US" sz="2800" dirty="0">
+                <a:ea typeface="+mn-lt"/>
+                <a:cs typeface="+mn-lt"/>
+              </a:rPr>
+              <a:t>만든</a:t>
+            </a:r>
+            <a:r>
+              <a:rPr lang="en-US" altLang="ko-KR" sz="2800" dirty="0">
+                <a:ea typeface="+mn-lt"/>
+                <a:cs typeface="+mn-lt"/>
+              </a:rPr>
+              <a:t> </a:t>
+            </a:r>
+            <a:r>
+              <a:rPr lang="ko-KR" altLang="en-US" sz="2800" dirty="0">
+                <a:ea typeface="+mn-lt"/>
+                <a:cs typeface="+mn-lt"/>
+              </a:rPr>
+              <a:t>자기소개</a:t>
+            </a:r>
+            <a:r>
+              <a:rPr lang="en-US" altLang="ko-KR" sz="2800" dirty="0">
+                <a:ea typeface="+mn-lt"/>
+                <a:cs typeface="+mn-lt"/>
+              </a:rPr>
+              <a:t> </a:t>
+            </a:r>
+            <a:r>
+              <a:rPr lang="ko-KR" altLang="en-US" sz="2800" dirty="0">
+                <a:ea typeface="+mn-lt"/>
+                <a:cs typeface="+mn-lt"/>
+              </a:rPr>
+              <a:t>페이지로</a:t>
+            </a:r>
+            <a:r>
+              <a:rPr lang="en-US" altLang="ko-KR" sz="2800" dirty="0">
+                <a:ea typeface="+mn-lt"/>
+                <a:cs typeface="+mn-lt"/>
+              </a:rPr>
+              <a:t> </a:t>
+            </a:r>
+            <a:r>
+              <a:rPr lang="ko-KR" altLang="en-US" sz="2800" dirty="0">
+                <a:ea typeface="+mn-lt"/>
+                <a:cs typeface="+mn-lt"/>
+              </a:rPr>
+              <a:t>넘어갑니다</a:t>
+            </a:r>
+            <a:r>
+              <a:rPr lang="en-US" sz="2800" dirty="0">
+                <a:ea typeface="+mn-lt"/>
+                <a:cs typeface="+mn-lt"/>
+              </a:rPr>
+              <a:t>.</a:t>
+            </a:r>
+            <a:endParaRPr lang="en-US" sz="2800" dirty="0"/>
+          </a:p>
+          <a:p>
+            <a:r>
+              <a:rPr lang="en-US" sz="2800" dirty="0">
+                <a:ea typeface="+mn-lt"/>
+                <a:cs typeface="+mn-lt"/>
+              </a:rPr>
+              <a:t>2.</a:t>
+            </a:r>
+            <a:r>
+              <a:rPr lang="en-US" altLang="ko-KR" sz="2800" dirty="0">
+                <a:ea typeface="+mn-lt"/>
+                <a:cs typeface="+mn-lt"/>
+              </a:rPr>
+              <a:t> </a:t>
+            </a:r>
+            <a:r>
+              <a:rPr lang="ko-KR" altLang="en-US" sz="2800" dirty="0" err="1" smtClean="0">
+                <a:ea typeface="+mn-lt"/>
+                <a:cs typeface="+mn-lt"/>
+              </a:rPr>
+              <a:t>방명</a:t>
+            </a:r>
+            <a:r>
+              <a:rPr lang="ko-KR" altLang="en-US" sz="2800" dirty="0" err="1">
+                <a:ea typeface="+mn-lt"/>
+                <a:cs typeface="+mn-lt"/>
+              </a:rPr>
+              <a:t>록</a:t>
+            </a:r>
+            <a:r>
+              <a:rPr lang="ko-KR" altLang="en-US" sz="2800" dirty="0" err="1" smtClean="0">
+                <a:ea typeface="+mn-lt"/>
+                <a:cs typeface="+mn-lt"/>
+              </a:rPr>
+              <a:t>를</a:t>
+            </a:r>
+            <a:r>
+              <a:rPr lang="en-US" altLang="ko-KR" sz="2800" dirty="0" smtClean="0">
+                <a:ea typeface="+mn-lt"/>
+                <a:cs typeface="+mn-lt"/>
+              </a:rPr>
+              <a:t> </a:t>
+            </a:r>
+            <a:r>
+              <a:rPr lang="ko-KR" altLang="en-US" sz="2800" dirty="0">
+                <a:ea typeface="+mn-lt"/>
+                <a:cs typeface="+mn-lt"/>
+              </a:rPr>
+              <a:t>작성하면</a:t>
+            </a:r>
+            <a:r>
+              <a:rPr lang="en-US" altLang="ko-KR" sz="2800" dirty="0">
+                <a:ea typeface="+mn-lt"/>
+                <a:cs typeface="+mn-lt"/>
+              </a:rPr>
+              <a:t> </a:t>
+            </a:r>
+            <a:r>
+              <a:rPr lang="ko-KR" altLang="en-US" sz="2800" dirty="0">
+                <a:ea typeface="+mn-lt"/>
+                <a:cs typeface="+mn-lt"/>
+              </a:rPr>
+              <a:t>밑에</a:t>
+            </a:r>
+            <a:r>
+              <a:rPr lang="en-US" altLang="ko-KR" sz="2800" dirty="0">
+                <a:ea typeface="+mn-lt"/>
+                <a:cs typeface="+mn-lt"/>
+              </a:rPr>
+              <a:t> </a:t>
+            </a:r>
+            <a:r>
+              <a:rPr lang="ko-KR" altLang="en-US" sz="2800" dirty="0">
+                <a:ea typeface="+mn-lt"/>
+                <a:cs typeface="+mn-lt"/>
+              </a:rPr>
+              <a:t>쌓입니다</a:t>
+            </a:r>
+            <a:r>
+              <a:rPr lang="en-US" sz="2800" dirty="0" smtClean="0">
+                <a:ea typeface="+mn-lt"/>
+                <a:cs typeface="+mn-lt"/>
+              </a:rPr>
+              <a:t>.</a:t>
+            </a:r>
+          </a:p>
+          <a:p>
+            <a:r>
+              <a:rPr lang="en-US" sz="2800" dirty="0" smtClean="0">
+                <a:ea typeface="+mn-lt"/>
+                <a:cs typeface="+mn-lt"/>
+              </a:rPr>
+              <a:t>3</a:t>
+            </a:r>
+            <a:r>
+              <a:rPr lang="en-US" sz="2800" dirty="0">
+                <a:ea typeface="+mn-lt"/>
+                <a:cs typeface="+mn-lt"/>
+              </a:rPr>
+              <a:t>.</a:t>
+            </a:r>
+            <a:r>
+              <a:rPr lang="en-US" altLang="ko-KR" sz="2800" dirty="0">
+                <a:ea typeface="+mn-lt"/>
+                <a:cs typeface="+mn-lt"/>
+              </a:rPr>
+              <a:t> </a:t>
+            </a:r>
+            <a:r>
+              <a:rPr lang="ko-KR" altLang="en-US" sz="2800" dirty="0">
+                <a:ea typeface="+mn-lt"/>
+                <a:cs typeface="+mn-lt"/>
+              </a:rPr>
+              <a:t>각각의</a:t>
+            </a:r>
+            <a:r>
+              <a:rPr lang="en-US" altLang="ko-KR" sz="2800" dirty="0">
+                <a:ea typeface="+mn-lt"/>
+                <a:cs typeface="+mn-lt"/>
+              </a:rPr>
+              <a:t> </a:t>
+            </a:r>
+            <a:r>
+              <a:rPr lang="ko-KR" altLang="en-US" sz="2800" dirty="0" smtClean="0">
+                <a:ea typeface="+mn-lt"/>
+                <a:cs typeface="+mn-lt"/>
+              </a:rPr>
+              <a:t>방명록에</a:t>
+            </a:r>
+            <a:r>
+              <a:rPr lang="en-US" altLang="ko-KR" sz="2800" dirty="0" smtClean="0">
+                <a:ea typeface="+mn-lt"/>
+                <a:cs typeface="+mn-lt"/>
+              </a:rPr>
+              <a:t> </a:t>
+            </a:r>
+            <a:r>
+              <a:rPr lang="ko-KR" altLang="en-US" sz="2800" dirty="0" smtClean="0">
+                <a:ea typeface="+mn-lt"/>
+                <a:cs typeface="+mn-lt"/>
+              </a:rPr>
+              <a:t>삭제</a:t>
+            </a:r>
+            <a:r>
+              <a:rPr lang="en-US" altLang="ko-KR" sz="2800" dirty="0" smtClean="0">
+                <a:ea typeface="+mn-lt"/>
+                <a:cs typeface="+mn-lt"/>
+              </a:rPr>
+              <a:t>, </a:t>
+            </a:r>
+            <a:r>
+              <a:rPr lang="ko-KR" altLang="en-US" sz="2800" dirty="0" smtClean="0">
+                <a:ea typeface="+mn-lt"/>
+                <a:cs typeface="+mn-lt"/>
+              </a:rPr>
+              <a:t>수정</a:t>
+            </a:r>
+            <a:r>
+              <a:rPr lang="en-US" altLang="ko-KR" sz="2800" dirty="0" smtClean="0">
+                <a:ea typeface="+mn-lt"/>
+                <a:cs typeface="+mn-lt"/>
+              </a:rPr>
+              <a:t> </a:t>
+            </a:r>
+            <a:r>
+              <a:rPr lang="ko-KR" altLang="en-US" sz="2800" dirty="0">
+                <a:ea typeface="+mn-lt"/>
+                <a:cs typeface="+mn-lt"/>
+              </a:rPr>
+              <a:t>기능이</a:t>
+            </a:r>
+            <a:r>
+              <a:rPr lang="en-US" altLang="ko-KR" sz="2800" dirty="0">
+                <a:ea typeface="+mn-lt"/>
+                <a:cs typeface="+mn-lt"/>
+              </a:rPr>
+              <a:t> </a:t>
+            </a:r>
+            <a:r>
+              <a:rPr lang="ko-KR" altLang="en-US" sz="2800" dirty="0">
+                <a:ea typeface="+mn-lt"/>
+                <a:cs typeface="+mn-lt"/>
+              </a:rPr>
+              <a:t>있습니다</a:t>
+            </a:r>
+            <a:r>
+              <a:rPr lang="en-US" sz="2800" dirty="0" smtClean="0">
+                <a:ea typeface="+mn-lt"/>
+                <a:cs typeface="+mn-lt"/>
+              </a:rPr>
+              <a:t>. (</a:t>
+            </a:r>
+            <a:r>
+              <a:rPr lang="ko-KR" altLang="en-US" sz="2800" dirty="0" smtClean="0">
+                <a:ea typeface="+mn-lt"/>
+                <a:cs typeface="+mn-lt"/>
+              </a:rPr>
+              <a:t>일부는 </a:t>
+            </a:r>
+            <a:r>
+              <a:rPr lang="ko-KR" altLang="en-US" sz="2800" dirty="0" err="1" smtClean="0">
+                <a:ea typeface="+mn-lt"/>
+                <a:cs typeface="+mn-lt"/>
+              </a:rPr>
+              <a:t>댓글</a:t>
+            </a:r>
+            <a:r>
+              <a:rPr lang="ko-KR" altLang="en-US" sz="2800" dirty="0" smtClean="0">
+                <a:ea typeface="+mn-lt"/>
+                <a:cs typeface="+mn-lt"/>
+              </a:rPr>
+              <a:t> 기능 구현</a:t>
+            </a:r>
+            <a:r>
+              <a:rPr lang="en-US" altLang="ko-KR" sz="2800" dirty="0" smtClean="0">
+                <a:ea typeface="+mn-lt"/>
+                <a:cs typeface="+mn-lt"/>
+              </a:rPr>
+              <a:t>)</a:t>
+            </a:r>
+          </a:p>
+          <a:p>
+            <a:r>
+              <a:rPr lang="en-US" sz="2800" dirty="0" smtClean="0">
+                <a:ea typeface="+mn-lt"/>
+                <a:cs typeface="+mn-lt"/>
+              </a:rPr>
+              <a:t>4. </a:t>
+            </a:r>
+            <a:r>
+              <a:rPr lang="ko-KR" altLang="en-US" sz="2800" dirty="0" err="1" smtClean="0">
+                <a:ea typeface="+mn-lt"/>
+                <a:cs typeface="+mn-lt"/>
+              </a:rPr>
+              <a:t>댓글을</a:t>
+            </a:r>
+            <a:r>
+              <a:rPr lang="ko-KR" altLang="en-US" sz="2800" dirty="0" smtClean="0">
+                <a:ea typeface="+mn-lt"/>
+                <a:cs typeface="+mn-lt"/>
+              </a:rPr>
+              <a:t> 쓰게 되면 방명록 하단에 최신 </a:t>
+            </a:r>
+            <a:r>
+              <a:rPr lang="ko-KR" altLang="en-US" sz="2800" dirty="0" err="1" smtClean="0">
+                <a:ea typeface="+mn-lt"/>
+                <a:cs typeface="+mn-lt"/>
+              </a:rPr>
+              <a:t>댓글이</a:t>
+            </a:r>
+            <a:r>
+              <a:rPr lang="ko-KR" altLang="en-US" sz="2800" dirty="0" smtClean="0">
+                <a:ea typeface="+mn-lt"/>
+                <a:cs typeface="+mn-lt"/>
+              </a:rPr>
+              <a:t> 밑으로 가도록 구현</a:t>
+            </a:r>
+            <a:endParaRPr lang="en-US" sz="2800" dirty="0"/>
+          </a:p>
+          <a:p>
+            <a:r>
+              <a:rPr lang="en-US" sz="2800" dirty="0">
+                <a:ea typeface="+mn-lt"/>
+                <a:cs typeface="+mn-lt"/>
+              </a:rPr>
+              <a:t>5</a:t>
+            </a:r>
+            <a:r>
+              <a:rPr lang="en-US" sz="2800" dirty="0" smtClean="0">
+                <a:ea typeface="+mn-lt"/>
+                <a:cs typeface="+mn-lt"/>
+              </a:rPr>
+              <a:t>.</a:t>
+            </a:r>
+            <a:r>
+              <a:rPr lang="en-US" altLang="ko-KR" sz="2800" dirty="0" smtClean="0">
+                <a:ea typeface="+mn-lt"/>
+                <a:cs typeface="+mn-lt"/>
+              </a:rPr>
+              <a:t> </a:t>
+            </a:r>
+            <a:r>
+              <a:rPr lang="ko-KR" altLang="en-US" sz="2800" dirty="0">
+                <a:ea typeface="+mn-lt"/>
+                <a:cs typeface="+mn-lt"/>
+              </a:rPr>
+              <a:t>자기소개페이지에서</a:t>
+            </a:r>
+            <a:r>
+              <a:rPr lang="en-US" altLang="ko-KR" sz="2800" dirty="0">
+                <a:ea typeface="+mn-lt"/>
+                <a:cs typeface="+mn-lt"/>
+              </a:rPr>
+              <a:t> </a:t>
+            </a:r>
+            <a:r>
+              <a:rPr lang="ko-KR" altLang="en-US" sz="2800" dirty="0" smtClean="0">
+                <a:ea typeface="+mn-lt"/>
+                <a:cs typeface="+mn-lt"/>
+              </a:rPr>
+              <a:t>제목  또는</a:t>
+            </a:r>
+            <a:r>
+              <a:rPr lang="en-US" altLang="ko-KR" sz="2800" dirty="0" smtClean="0">
+                <a:ea typeface="+mn-lt"/>
+                <a:cs typeface="+mn-lt"/>
+              </a:rPr>
+              <a:t> </a:t>
+            </a:r>
+            <a:r>
+              <a:rPr lang="ko-KR" altLang="en-US" sz="2800" dirty="0" smtClean="0">
+                <a:ea typeface="+mn-lt"/>
+                <a:cs typeface="+mn-lt"/>
+              </a:rPr>
+              <a:t>메인 이미지를</a:t>
+            </a:r>
+            <a:r>
+              <a:rPr lang="en-US" altLang="ko-KR" sz="2800" dirty="0" smtClean="0">
+                <a:ea typeface="+mn-lt"/>
+                <a:cs typeface="+mn-lt"/>
+              </a:rPr>
+              <a:t> </a:t>
+            </a:r>
+            <a:r>
+              <a:rPr lang="ko-KR" altLang="en-US" sz="2800" dirty="0">
+                <a:ea typeface="+mn-lt"/>
+                <a:cs typeface="+mn-lt"/>
+              </a:rPr>
+              <a:t>누르면</a:t>
+            </a:r>
+            <a:r>
+              <a:rPr lang="en-US" altLang="ko-KR" sz="2800" dirty="0">
+                <a:ea typeface="+mn-lt"/>
+                <a:cs typeface="+mn-lt"/>
+              </a:rPr>
+              <a:t> </a:t>
+            </a:r>
+            <a:r>
+              <a:rPr lang="ko-KR" altLang="en-US" sz="2800" dirty="0">
+                <a:ea typeface="+mn-lt"/>
+                <a:cs typeface="+mn-lt"/>
+              </a:rPr>
+              <a:t>원래</a:t>
+            </a:r>
+            <a:r>
+              <a:rPr lang="en-US" altLang="ko-KR" sz="2800" dirty="0">
+                <a:ea typeface="+mn-lt"/>
+                <a:cs typeface="+mn-lt"/>
+              </a:rPr>
+              <a:t> </a:t>
+            </a:r>
+            <a:r>
+              <a:rPr lang="ko-KR" altLang="en-US" sz="2800" dirty="0">
+                <a:ea typeface="+mn-lt"/>
+                <a:cs typeface="+mn-lt"/>
+              </a:rPr>
+              <a:t>있던</a:t>
+            </a:r>
+            <a:r>
+              <a:rPr lang="en-US" altLang="ko-KR" sz="2800" dirty="0">
+                <a:ea typeface="+mn-lt"/>
+                <a:cs typeface="+mn-lt"/>
+              </a:rPr>
+              <a:t> </a:t>
+            </a:r>
+            <a:r>
+              <a:rPr lang="ko-KR" altLang="en-US" sz="2800" dirty="0">
+                <a:ea typeface="+mn-lt"/>
+                <a:cs typeface="+mn-lt"/>
+              </a:rPr>
+              <a:t>팀</a:t>
+            </a:r>
+            <a:r>
+              <a:rPr lang="en-US" altLang="ko-KR" sz="2800" dirty="0">
+                <a:ea typeface="+mn-lt"/>
+                <a:cs typeface="+mn-lt"/>
+              </a:rPr>
+              <a:t> </a:t>
+            </a:r>
+            <a:r>
+              <a:rPr lang="ko-KR" altLang="en-US" sz="2800" dirty="0">
+                <a:ea typeface="+mn-lt"/>
+                <a:cs typeface="+mn-lt"/>
+              </a:rPr>
+              <a:t>소개</a:t>
+            </a:r>
+            <a:r>
+              <a:rPr lang="en-US" altLang="ko-KR" sz="2800" dirty="0">
+                <a:ea typeface="+mn-lt"/>
+                <a:cs typeface="+mn-lt"/>
+              </a:rPr>
+              <a:t> </a:t>
+            </a:r>
+            <a:r>
+              <a:rPr lang="ko-KR" altLang="en-US" sz="2800" dirty="0">
+                <a:ea typeface="+mn-lt"/>
+                <a:cs typeface="+mn-lt"/>
+              </a:rPr>
+              <a:t>페이지로</a:t>
+            </a:r>
+            <a:r>
+              <a:rPr lang="en-US" altLang="ko-KR" sz="2800" dirty="0">
+                <a:ea typeface="+mn-lt"/>
+                <a:cs typeface="+mn-lt"/>
+              </a:rPr>
+              <a:t> </a:t>
+            </a:r>
+            <a:r>
+              <a:rPr lang="ko-KR" altLang="en-US" sz="2800" dirty="0">
+                <a:ea typeface="+mn-lt"/>
+                <a:cs typeface="+mn-lt"/>
+              </a:rPr>
+              <a:t>넘어갑니다</a:t>
+            </a:r>
+            <a:r>
+              <a:rPr lang="en-US" sz="2800" dirty="0">
+                <a:ea typeface="+mn-lt"/>
+                <a:cs typeface="+mn-lt"/>
+              </a:rPr>
+              <a:t>.</a:t>
+            </a:r>
+            <a:endParaRPr lang="en-US" sz="2800" dirty="0"/>
+          </a:p>
+          <a:p>
+            <a:endParaRPr lang="en-US" sz="2800" dirty="0"/>
+          </a:p>
+          <a:p>
+            <a:pPr algn="l"/>
+            <a:endParaRPr lang="en-US" sz="2800" dirty="0"/>
+          </a:p>
+        </p:txBody>
+      </p:sp>
+    </p:spTree>
+    <p:extLst>
+      <p:ext uri="{BB962C8B-B14F-4D97-AF65-F5344CB8AC3E}">
+        <p14:creationId xmlns:p14="http://schemas.microsoft.com/office/powerpoint/2010/main" val="165181109"/>
+      </p:ext>
+    </p:extLst>
+  </p:cSld>
+  <p:clrMapOvr>
+    <a:masterClrMapping/>
+  </p:clrMapOvr>
+  <p:timing>
+    <p:tnLst>
+      <p:par>
+        <p:cTn id="1" dur="indefinite" restart="never" nodeType="tmRoot"/>
+      </p:par>
+    </p:tnLst>
+  </p:timing>
+</p:sld>
+</file>
+
+<file path=ppt/slides/slide6.xml><?xml version="1.0" encoding="utf-8"?>
+<p:sld xmlns:a="http://schemas.openxmlformats.org/drawingml/2006/main" xmlns:r="http://schemas.openxmlformats.org/officeDocument/2006/relationships" xmlns:p="http://schemas.openxmlformats.org/presentationml/2006/main">
+  <p:cSld>
+    <p:spTree>
+      <p:nvGrpSpPr>
+        <p:cNvPr id="1" name=""/>
+        <p:cNvGrpSpPr/>
+        <p:nvPr/>
+      </p:nvGrpSpPr>
+      <p:grpSpPr>
+        <a:xfrm>
+          <a:off x="0" y="0"/>
+          <a:ext cx="0" cy="0"/>
+          <a:chOff x="0" y="0"/>
+          <a:chExt cx="0" cy="0"/>
+        </a:xfrm>
+      </p:grpSpPr>
       <p:graphicFrame>
         <p:nvGraphicFramePr>
           <p:cNvPr id="5" name="Table 5">
             <a:extLst>
               <a:ext uri="{FF2B5EF4-FFF2-40B4-BE49-F238E27FC236}">
-                <a16:creationId xmlns:a16="http://schemas.microsoft.com/office/drawing/2014/main" xmlns="" id="{FC22722C-9A68-5D0D-4F6A-664A23379CDA}"/>
+                <a16:creationId xmlns="" xmlns:a16="http://schemas.microsoft.com/office/drawing/2014/main" id="{FC22722C-9A68-5D0D-4F6A-664A23379CDA}"/>
               </a:ext>
             </a:extLst>
           </p:cNvPr>
@@ -5642,35 +5967,35 @@
                 <a:gridCol w="1862666">
                   <a:extLst>
                     <a:ext uri="{9D8B030D-6E8A-4147-A177-3AD203B41FA5}">
-                      <a16:colId xmlns:a16="http://schemas.microsoft.com/office/drawing/2014/main" xmlns="" val="609826666"/>
+                      <a16:colId xmlns="" xmlns:a16="http://schemas.microsoft.com/office/drawing/2014/main" val="609826666"/>
                     </a:ext>
                   </a:extLst>
                 </a:gridCol>
                 <a:gridCol w="1143000">
                   <a:extLst>
                     <a:ext uri="{9D8B030D-6E8A-4147-A177-3AD203B41FA5}">
-                      <a16:colId xmlns:a16="http://schemas.microsoft.com/office/drawing/2014/main" xmlns="" val="926826381"/>
+                      <a16:colId xmlns="" xmlns:a16="http://schemas.microsoft.com/office/drawing/2014/main" val="926826381"/>
                     </a:ext>
                   </a:extLst>
                 </a:gridCol>
                 <a:gridCol w="3062111">
                   <a:extLst>
                     <a:ext uri="{9D8B030D-6E8A-4147-A177-3AD203B41FA5}">
-                      <a16:colId xmlns:a16="http://schemas.microsoft.com/office/drawing/2014/main" xmlns="" val="1990854293"/>
+                      <a16:colId xmlns="" xmlns:a16="http://schemas.microsoft.com/office/drawing/2014/main" val="1990854293"/>
                     </a:ext>
                   </a:extLst>
                 </a:gridCol>
                 <a:gridCol w="2751666">
                   <a:extLst>
                     <a:ext uri="{9D8B030D-6E8A-4147-A177-3AD203B41FA5}">
-                      <a16:colId xmlns:a16="http://schemas.microsoft.com/office/drawing/2014/main" xmlns="" val="2721997769"/>
+                      <a16:colId xmlns="" xmlns:a16="http://schemas.microsoft.com/office/drawing/2014/main" val="2721997769"/>
                     </a:ext>
                   </a:extLst>
                 </a:gridCol>
                 <a:gridCol w="2557734">
                   <a:extLst>
                     <a:ext uri="{9D8B030D-6E8A-4147-A177-3AD203B41FA5}">
-                      <a16:colId xmlns:a16="http://schemas.microsoft.com/office/drawing/2014/main" xmlns="" val="1517032735"/>
+                      <a16:colId xmlns="" xmlns:a16="http://schemas.microsoft.com/office/drawing/2014/main" val="1517032735"/>
                     </a:ext>
                   </a:extLst>
                 </a:gridCol>
@@ -5760,7 +6085,7 @@
                 </a:tc>
                 <a:extLst>
                   <a:ext uri="{0D108BD9-81ED-4DB2-BD59-A6C34878D82A}">
-                    <a16:rowId xmlns:a16="http://schemas.microsoft.com/office/drawing/2014/main" xmlns="" val="2225592757"/>
+                    <a16:rowId xmlns="" xmlns:a16="http://schemas.microsoft.com/office/drawing/2014/main" val="2225592757"/>
                   </a:ext>
                 </a:extLst>
               </a:tr>
@@ -6074,7 +6399,7 @@
                 </a:tc>
                 <a:extLst>
                   <a:ext uri="{0D108BD9-81ED-4DB2-BD59-A6C34878D82A}">
-                    <a16:rowId xmlns:a16="http://schemas.microsoft.com/office/drawing/2014/main" xmlns="" val="2749350294"/>
+                    <a16:rowId xmlns="" xmlns:a16="http://schemas.microsoft.com/office/drawing/2014/main" val="2749350294"/>
                   </a:ext>
                 </a:extLst>
               </a:tr>
@@ -6230,7 +6555,7 @@
                 </a:tc>
                 <a:extLst>
                   <a:ext uri="{0D108BD9-81ED-4DB2-BD59-A6C34878D82A}">
-                    <a16:rowId xmlns:a16="http://schemas.microsoft.com/office/drawing/2014/main" xmlns="" val="3229486975"/>
+                    <a16:rowId xmlns="" xmlns:a16="http://schemas.microsoft.com/office/drawing/2014/main" val="3229486975"/>
                   </a:ext>
                 </a:extLst>
               </a:tr>
@@ -6438,7 +6763,7 @@
                 </a:tc>
                 <a:extLst>
                   <a:ext uri="{0D108BD9-81ED-4DB2-BD59-A6C34878D82A}">
-                    <a16:rowId xmlns:a16="http://schemas.microsoft.com/office/drawing/2014/main" xmlns="" val="294714867"/>
+                    <a16:rowId xmlns="" xmlns:a16="http://schemas.microsoft.com/office/drawing/2014/main" val="294714867"/>
                   </a:ext>
                 </a:extLst>
               </a:tr>
@@ -6650,7 +6975,7 @@
                 </a:tc>
                 <a:extLst>
                   <a:ext uri="{0D108BD9-81ED-4DB2-BD59-A6C34878D82A}">
-                    <a16:rowId xmlns:a16="http://schemas.microsoft.com/office/drawing/2014/main" xmlns="" val="4138380665"/>
+                    <a16:rowId xmlns="" xmlns:a16="http://schemas.microsoft.com/office/drawing/2014/main" val="4138380665"/>
                   </a:ext>
                 </a:extLst>
               </a:tr>
@@ -7181,7 +7506,7 @@
 </p:sld>
 </file>
 
-<file path=ppt/slides/slide6.xml><?xml version="1.0" encoding="utf-8"?>
+<file path=ppt/slides/slide7.xml><?xml version="1.0" encoding="utf-8"?>
 <p:sld xmlns:a="http://schemas.openxmlformats.org/drawingml/2006/main" xmlns:r="http://schemas.openxmlformats.org/officeDocument/2006/relationships" xmlns:p="http://schemas.openxmlformats.org/presentationml/2006/main">
   <p:cSld>
     <p:spTree>
@@ -7203,7 +7528,7 @@
           <p:cNvPr id="4" name="TextBox 3">
             <a:extLst>
               <a:ext uri="{FF2B5EF4-FFF2-40B4-BE49-F238E27FC236}">
-                <a16:creationId xmlns:a16="http://schemas.microsoft.com/office/drawing/2014/main" xmlns="" id="{33654825-0954-BE0D-E887-CF73BE33EE64}"/>
+                <a16:creationId xmlns="" xmlns:a16="http://schemas.microsoft.com/office/drawing/2014/main" id="{33654825-0954-BE0D-E887-CF73BE33EE64}"/>
               </a:ext>
             </a:extLst>
           </p:cNvPr>
@@ -7255,7 +7580,7 @@
 </p:sld>
 </file>
 
-<file path=ppt/slides/slide7.xml><?xml version="1.0" encoding="utf-8"?>
+<file path=ppt/slides/slide8.xml><?xml version="1.0" encoding="utf-8"?>
 <p:sld xmlns:a="http://schemas.openxmlformats.org/drawingml/2006/main" xmlns:r="http://schemas.openxmlformats.org/officeDocument/2006/relationships" xmlns:p="http://schemas.openxmlformats.org/presentationml/2006/main">
   <p:cSld>
     <p:bg>
@@ -7285,10 +7610,10 @@
           <p:cNvPr id="27" name="Rectangle 20">
             <a:extLst>
               <a:ext uri="{FF2B5EF4-FFF2-40B4-BE49-F238E27FC236}">
-                <a16:creationId xmlns:a16="http://schemas.microsoft.com/office/drawing/2014/main" xmlns="" id="{8BEAC55E-FD3E-4A90-B4E2-D197D8038366}"/>
+                <a16:creationId xmlns="" xmlns:a16="http://schemas.microsoft.com/office/drawing/2014/main" id="{8BEAC55E-FD3E-4A90-B4E2-D197D8038366}"/>
               </a:ext>
               <a:ext uri="{C183D7F6-B498-43B3-948B-1728B52AA6E4}">
-                <adec:decorative xmlns:adec="http://schemas.microsoft.com/office/drawing/2017/decorative" xmlns="" val="1"/>
+                <adec:decorative xmlns="" xmlns:adec="http://schemas.microsoft.com/office/drawing/2017/decorative" val="1"/>
               </a:ext>
             </a:extLst>
           </p:cNvPr>
@@ -7298,7 +7623,7 @@
           <p:nvPr>
             <p:extLst>
               <p:ext uri="{386F3935-93C4-4BCD-93E2-E3B085C9AB24}">
-                <p16:designElem xmlns:p16="http://schemas.microsoft.com/office/powerpoint/2015/main" xmlns="" val="1"/>
+                <p16:designElem xmlns="" xmlns:p16="http://schemas.microsoft.com/office/powerpoint/2015/main" val="1"/>
               </p:ext>
             </p:extLst>
           </p:nvPr>
@@ -7361,10 +7686,10 @@
           <p:cNvPr id="28" name="Rectangle 22">
             <a:extLst>
               <a:ext uri="{FF2B5EF4-FFF2-40B4-BE49-F238E27FC236}">
-                <a16:creationId xmlns:a16="http://schemas.microsoft.com/office/drawing/2014/main" xmlns="" id="{282DCAD1-D7F2-4CA8-960C-526B7DB37A82}"/>
+                <a16:creationId xmlns="" xmlns:a16="http://schemas.microsoft.com/office/drawing/2014/main" id="{282DCAD1-D7F2-4CA8-960C-526B7DB37A82}"/>
               </a:ext>
               <a:ext uri="{C183D7F6-B498-43B3-948B-1728B52AA6E4}">
-                <adec:decorative xmlns:adec="http://schemas.microsoft.com/office/drawing/2017/decorative" xmlns="" val="1"/>
+                <adec:decorative xmlns="" xmlns:adec="http://schemas.microsoft.com/office/drawing/2017/decorative" val="1"/>
               </a:ext>
             </a:extLst>
           </p:cNvPr>
@@ -7374,7 +7699,7 @@
           <p:nvPr>
             <p:extLst>
               <p:ext uri="{386F3935-93C4-4BCD-93E2-E3B085C9AB24}">
-                <p16:designElem xmlns:p16="http://schemas.microsoft.com/office/powerpoint/2015/main" xmlns="" val="1"/>
+                <p16:designElem xmlns="" xmlns:p16="http://schemas.microsoft.com/office/powerpoint/2015/main" val="1"/>
               </p:ext>
             </p:extLst>
           </p:nvPr>
@@ -7436,10 +7761,10 @@
           <p:cNvPr id="29" name="Rectangle 24">
             <a:extLst>
               <a:ext uri="{FF2B5EF4-FFF2-40B4-BE49-F238E27FC236}">
-                <a16:creationId xmlns:a16="http://schemas.microsoft.com/office/drawing/2014/main" xmlns="" id="{0009AC7F-1347-41C8-8BEB-47473A21A696}"/>
+                <a16:creationId xmlns="" xmlns:a16="http://schemas.microsoft.com/office/drawing/2014/main" id="{0009AC7F-1347-41C8-8BEB-47473A21A696}"/>
               </a:ext>
               <a:ext uri="{C183D7F6-B498-43B3-948B-1728B52AA6E4}">
-                <adec:decorative xmlns:adec="http://schemas.microsoft.com/office/drawing/2017/decorative" xmlns="" val="1"/>
+                <adec:decorative xmlns="" xmlns:adec="http://schemas.microsoft.com/office/drawing/2017/decorative" val="1"/>
               </a:ext>
             </a:extLst>
           </p:cNvPr>
@@ -7449,7 +7774,7 @@
           <p:nvPr>
             <p:extLst>
               <p:ext uri="{386F3935-93C4-4BCD-93E2-E3B085C9AB24}">
-                <p16:designElem xmlns:p16="http://schemas.microsoft.com/office/powerpoint/2015/main" xmlns="" val="1"/>
+                <p16:designElem xmlns="" xmlns:p16="http://schemas.microsoft.com/office/powerpoint/2015/main" val="1"/>
               </p:ext>
             </p:extLst>
           </p:nvPr>
@@ -7511,7 +7836,7 @@
           <p:cNvPr id="9" name="TextBox 8">
             <a:extLst>
               <a:ext uri="{FF2B5EF4-FFF2-40B4-BE49-F238E27FC236}">
-                <a16:creationId xmlns:a16="http://schemas.microsoft.com/office/drawing/2014/main" xmlns="" id="{CA09A6C5-1F2B-E71F-4FA9-C676934771CA}"/>
+                <a16:creationId xmlns="" xmlns:a16="http://schemas.microsoft.com/office/drawing/2014/main" id="{CA09A6C5-1F2B-E71F-4FA9-C676934771CA}"/>
               </a:ext>
             </a:extLst>
           </p:cNvPr>
@@ -7557,7 +7882,7 @@
           <p:cNvPr id="15" name="TextBox 14">
             <a:extLst>
               <a:ext uri="{FF2B5EF4-FFF2-40B4-BE49-F238E27FC236}">
-                <a16:creationId xmlns:a16="http://schemas.microsoft.com/office/drawing/2014/main" xmlns="" id="{43D697BC-6B0B-81B2-69AC-942071A3B9D8}"/>
+                <a16:creationId xmlns="" xmlns:a16="http://schemas.microsoft.com/office/drawing/2014/main" id="{43D697BC-6B0B-81B2-69AC-942071A3B9D8}"/>
               </a:ext>
             </a:extLst>
           </p:cNvPr>
@@ -7702,7 +8027,7 @@
           <p:cNvPr id="8" name="TextBox 7">
             <a:extLst>
               <a:ext uri="{FF2B5EF4-FFF2-40B4-BE49-F238E27FC236}">
-                <a16:creationId xmlns:a16="http://schemas.microsoft.com/office/drawing/2014/main" xmlns="" id="{33654825-0954-BE0D-E887-CF73BE33EE64}"/>
+                <a16:creationId xmlns="" xmlns:a16="http://schemas.microsoft.com/office/drawing/2014/main" id="{33654825-0954-BE0D-E887-CF73BE33EE64}"/>
               </a:ext>
             </a:extLst>
           </p:cNvPr>
@@ -7745,112 +8070,6 @@
     <p:extLst>
       <p:ext uri="{BB962C8B-B14F-4D97-AF65-F5344CB8AC3E}">
         <p14:creationId xmlns:p14="http://schemas.microsoft.com/office/powerpoint/2010/main" val="3424314208"/>
-      </p:ext>
-    </p:extLst>
-  </p:cSld>
-  <p:clrMapOvr>
-    <a:masterClrMapping/>
-  </p:clrMapOvr>
-  <p:timing>
-    <p:tnLst>
-      <p:par>
-        <p:cTn id="1" dur="indefinite" restart="never" nodeType="tmRoot"/>
-      </p:par>
-    </p:tnLst>
-  </p:timing>
-</p:sld>
-</file>
-
-<file path=ppt/slides/slide8.xml><?xml version="1.0" encoding="utf-8"?>
-<p:sld xmlns:a="http://schemas.openxmlformats.org/drawingml/2006/main" xmlns:r="http://schemas.openxmlformats.org/officeDocument/2006/relationships" xmlns:p="http://schemas.openxmlformats.org/presentationml/2006/main">
-  <p:cSld>
-    <p:spTree>
-      <p:nvGrpSpPr>
-        <p:cNvPr id="1" name=""/>
-        <p:cNvGrpSpPr/>
-        <p:nvPr/>
-      </p:nvGrpSpPr>
-      <p:grpSpPr>
-        <a:xfrm>
-          <a:off x="0" y="0"/>
-          <a:ext cx="0" cy="0"/>
-          <a:chOff x="0" y="0"/>
-          <a:chExt cx="0" cy="0"/>
-        </a:xfrm>
-      </p:grpSpPr>
-      <p:pic>
-        <p:nvPicPr>
-          <p:cNvPr id="4" name="Picture 4" descr="Text&#10;&#10;Description automatically generated">
-            <a:extLst>
-              <a:ext uri="{FF2B5EF4-FFF2-40B4-BE49-F238E27FC236}">
-                <a16:creationId xmlns:a16="http://schemas.microsoft.com/office/drawing/2014/main" xmlns="" id="{49DDA279-7ABD-D806-76A3-E613E50A7E20}"/>
-              </a:ext>
-            </a:extLst>
-          </p:cNvPr>
-          <p:cNvPicPr>
-            <a:picLocks noGrp="1" noChangeAspect="1"/>
-          </p:cNvPicPr>
-          <p:nvPr>
-            <p:ph idx="1"/>
-          </p:nvPr>
-        </p:nvPicPr>
-        <p:blipFill>
-          <a:blip r:embed="rId2"/>
-          <a:stretch>
-            <a:fillRect/>
-          </a:stretch>
-        </p:blipFill>
-        <p:spPr>
-          <a:xfrm>
-            <a:off x="3798650" y="331055"/>
-            <a:ext cx="5393989" cy="5878122"/>
-          </a:xfrm>
-        </p:spPr>
-      </p:pic>
-      <p:sp>
-        <p:nvSpPr>
-          <p:cNvPr id="5" name="TextBox 4">
-            <a:extLst>
-              <a:ext uri="{FF2B5EF4-FFF2-40B4-BE49-F238E27FC236}">
-                <a16:creationId xmlns:a16="http://schemas.microsoft.com/office/drawing/2014/main" xmlns="" id="{43A3EE4B-3DAF-2575-2651-CF92DD5BC47B}"/>
-              </a:ext>
-            </a:extLst>
-          </p:cNvPr>
-          <p:cNvSpPr txBox="1"/>
-          <p:nvPr/>
-        </p:nvSpPr>
-        <p:spPr>
-          <a:xfrm>
-            <a:off x="51531" y="120978"/>
-            <a:ext cx="2998838" cy="369332"/>
-          </a:xfrm>
-          <a:prstGeom prst="rect">
-            <a:avLst/>
-          </a:prstGeom>
-          <a:noFill/>
-        </p:spPr>
-        <p:txBody>
-          <a:bodyPr rot="0" spcFirstLastPara="0" vertOverflow="overflow" horzOverflow="overflow" vert="horz" wrap="square" lIns="91440" tIns="45720" rIns="91440" bIns="45720" numCol="1" spcCol="0" rtlCol="0" fromWordArt="0" anchor="t" anchorCtr="0" forceAA="0" compatLnSpc="1">
-            <a:prstTxWarp prst="textNoShape">
-              <a:avLst/>
-            </a:prstTxWarp>
-            <a:spAutoFit/>
-          </a:bodyPr>
-          <a:lstStyle/>
-          <a:p>
-            <a:pPr algn="l"/>
-            <a:r>
-              <a:rPr lang="ko-KR" altLang="en-US" err="1"/>
-              <a:t>길재형</a:t>
-            </a:r>
-            <a:endParaRPr lang="en-US" err="1"/>
-          </a:p>
-        </p:txBody>
-      </p:sp>
-    </p:spTree>
-    <p:extLst>
-      <p:ext uri="{BB962C8B-B14F-4D97-AF65-F5344CB8AC3E}">
-        <p14:creationId xmlns:p14="http://schemas.microsoft.com/office/powerpoint/2010/main" val="3854151561"/>
       </p:ext>
     </p:extLst>
   </p:cSld>
@@ -7886,17 +8105,19 @@
       </p:grpSpPr>
       <p:pic>
         <p:nvPicPr>
-          <p:cNvPr id="5" name="Picture 5" descr="Text&#10;&#10;Description automatically generated">
-            <a:extLst>
-              <a:ext uri="{FF2B5EF4-FFF2-40B4-BE49-F238E27FC236}">
-                <a16:creationId xmlns:a16="http://schemas.microsoft.com/office/drawing/2014/main" xmlns="" id="{363C35EF-5BD8-88BF-164A-911A69757537}"/>
+          <p:cNvPr id="4" name="Picture 4" descr="Text&#10;&#10;Description automatically generated">
+            <a:extLst>
+              <a:ext uri="{FF2B5EF4-FFF2-40B4-BE49-F238E27FC236}">
+                <a16:creationId xmlns="" xmlns:a16="http://schemas.microsoft.com/office/drawing/2014/main" id="{49DDA279-7ABD-D806-76A3-E613E50A7E20}"/>
               </a:ext>
             </a:extLst>
           </p:cNvPr>
           <p:cNvPicPr>
-            <a:picLocks noChangeAspect="1"/>
+            <a:picLocks noGrp="1" noChangeAspect="1"/>
           </p:cNvPicPr>
-          <p:nvPr/>
+          <p:nvPr>
+            <p:ph idx="1"/>
+          </p:nvPr>
         </p:nvPicPr>
         <p:blipFill>
           <a:blip r:embed="rId2"/>
@@ -7906,90 +8127,27 @@
         </p:blipFill>
         <p:spPr>
           <a:xfrm>
-            <a:off x="350234" y="2809128"/>
-            <a:ext cx="6130886" cy="1662954"/>
+            <a:off x="3798650" y="331055"/>
+            <a:ext cx="5393989" cy="5878122"/>
           </a:xfrm>
-          <a:prstGeom prst="rect">
-            <a:avLst/>
-          </a:prstGeom>
         </p:spPr>
       </p:pic>
-      <p:pic>
-        <p:nvPicPr>
-          <p:cNvPr id="6" name="Picture 6" descr="Text&#10;&#10;Description automatically generated">
-            <a:extLst>
-              <a:ext uri="{FF2B5EF4-FFF2-40B4-BE49-F238E27FC236}">
-                <a16:creationId xmlns:a16="http://schemas.microsoft.com/office/drawing/2014/main" xmlns="" id="{496D1DA3-A8B1-7233-188D-6E7C448DC4DB}"/>
-              </a:ext>
-            </a:extLst>
-          </p:cNvPr>
-          <p:cNvPicPr>
-            <a:picLocks noChangeAspect="1"/>
-          </p:cNvPicPr>
+      <p:sp>
+        <p:nvSpPr>
+          <p:cNvPr id="5" name="TextBox 4">
+            <a:extLst>
+              <a:ext uri="{FF2B5EF4-FFF2-40B4-BE49-F238E27FC236}">
+                <a16:creationId xmlns="" xmlns:a16="http://schemas.microsoft.com/office/drawing/2014/main" id="{43A3EE4B-3DAF-2575-2651-CF92DD5BC47B}"/>
+              </a:ext>
+            </a:extLst>
+          </p:cNvPr>
+          <p:cNvSpPr txBox="1"/>
           <p:nvPr/>
-        </p:nvPicPr>
-        <p:blipFill>
-          <a:blip r:embed="rId3"/>
-          <a:stretch>
-            <a:fillRect/>
-          </a:stretch>
-        </p:blipFill>
+        </p:nvSpPr>
         <p:spPr>
           <a:xfrm>
-            <a:off x="351546" y="1255096"/>
-            <a:ext cx="6130886" cy="1229689"/>
-          </a:xfrm>
-          <a:prstGeom prst="rect">
-            <a:avLst/>
-          </a:prstGeom>
-        </p:spPr>
-      </p:pic>
-      <p:pic>
-        <p:nvPicPr>
-          <p:cNvPr id="7" name="Picture 7" descr="Text&#10;&#10;Description automatically generated">
-            <a:extLst>
-              <a:ext uri="{FF2B5EF4-FFF2-40B4-BE49-F238E27FC236}">
-                <a16:creationId xmlns:a16="http://schemas.microsoft.com/office/drawing/2014/main" xmlns="" id="{3F3D87DA-7C4D-608A-9A29-DA3C6CC7E2A0}"/>
-              </a:ext>
-            </a:extLst>
-          </p:cNvPr>
-          <p:cNvPicPr>
-            <a:picLocks noChangeAspect="1"/>
-          </p:cNvPicPr>
-          <p:nvPr/>
-        </p:nvPicPr>
-        <p:blipFill>
-          <a:blip r:embed="rId4"/>
-          <a:stretch>
-            <a:fillRect/>
-          </a:stretch>
-        </p:blipFill>
-        <p:spPr>
-          <a:xfrm>
-            <a:off x="7670079" y="460003"/>
-            <a:ext cx="3844886" cy="5641542"/>
-          </a:xfrm>
-          <a:prstGeom prst="rect">
-            <a:avLst/>
-          </a:prstGeom>
-        </p:spPr>
-      </p:pic>
-      <p:sp>
-        <p:nvSpPr>
-          <p:cNvPr id="8" name="TextBox 7">
-            <a:extLst>
-              <a:ext uri="{FF2B5EF4-FFF2-40B4-BE49-F238E27FC236}">
-                <a16:creationId xmlns:a16="http://schemas.microsoft.com/office/drawing/2014/main" xmlns="" id="{F4743DF9-7AA2-F7C1-35DF-7223C7F53B2C}"/>
-              </a:ext>
-            </a:extLst>
-          </p:cNvPr>
-          <p:cNvSpPr txBox="1"/>
-          <p:nvPr/>
-        </p:nvSpPr>
-        <p:spPr>
-          <a:xfrm>
-            <a:off x="95508" y="120089"/>
-            <a:ext cx="884903" cy="369332"/>
+            <a:off x="51531" y="120978"/>
+            <a:ext cx="2998838" cy="369332"/>
           </a:xfrm>
           <a:prstGeom prst="rect">
             <a:avLst/>
@@ -8007,17 +8165,17 @@
           <a:p>
             <a:pPr algn="l"/>
             <a:r>
-              <a:rPr lang="ko-KR" altLang="en-US"/>
-              <a:t>유상우</a:t>
-            </a:r>
-            <a:endParaRPr lang="en-US"/>
+              <a:rPr lang="ko-KR" altLang="en-US" err="1"/>
+              <a:t>길재형</a:t>
+            </a:r>
+            <a:endParaRPr lang="en-US" err="1"/>
           </a:p>
         </p:txBody>
       </p:sp>
     </p:spTree>
     <p:extLst>
       <p:ext uri="{BB962C8B-B14F-4D97-AF65-F5344CB8AC3E}">
-        <p14:creationId xmlns:p14="http://schemas.microsoft.com/office/powerpoint/2010/main" val="1145704232"/>
+        <p14:creationId xmlns:p14="http://schemas.microsoft.com/office/powerpoint/2010/main" val="3854151561"/>
       </p:ext>
     </p:extLst>
   </p:cSld>
@@ -8229,7 +8387,7 @@
   <a:extraClrSchemeLst/>
   <a:extLst>
     <a:ext uri="{05A4C25C-085E-4340-85A3-A5531E510DB2}">
-      <thm15:themeFamily xmlns:thm15="http://schemas.microsoft.com/office/thememl/2012/main" xmlns="" name="GradientRiseVTI" id="{C2FC082F-B444-4222-AF20-78444CCB5722}" vid="{39F213E4-0CBC-40CB-B3F6-8C5562B6B99A}"/>
+      <thm15:themeFamily xmlns="" xmlns:thm15="http://schemas.microsoft.com/office/thememl/2012/main" name="GradientRiseVTI" id="{C2FC082F-B444-4222-AF20-78444CCB5722}" vid="{39F213E4-0CBC-40CB-B3F6-8C5562B6B99A}"/>
     </a:ext>
   </a:extLst>
 </a:theme>

--- a/FourGlass/FourGlass.pptx
+++ b/FourGlass/FourGlass.pptx
@@ -8,12 +8,15 @@
     <p:sldId id="256" r:id="rId2"/>
     <p:sldId id="258" r:id="rId3"/>
     <p:sldId id="261" r:id="rId4"/>
-    <p:sldId id="259" r:id="rId5"/>
-    <p:sldId id="260" r:id="rId6"/>
-    <p:sldId id="262" r:id="rId7"/>
-    <p:sldId id="263" r:id="rId8"/>
-    <p:sldId id="264" r:id="rId9"/>
-    <p:sldId id="265" r:id="rId10"/>
+    <p:sldId id="268" r:id="rId5"/>
+    <p:sldId id="259" r:id="rId6"/>
+    <p:sldId id="266" r:id="rId7"/>
+    <p:sldId id="267" r:id="rId8"/>
+    <p:sldId id="260" r:id="rId9"/>
+    <p:sldId id="264" r:id="rId10"/>
+    <p:sldId id="262" r:id="rId11"/>
+    <p:sldId id="263" r:id="rId12"/>
+    <p:sldId id="265" r:id="rId13"/>
   </p:sldIdLst>
   <p:sldSz cx="12192000" cy="6858000"/>
   <p:notesSz cx="6858000" cy="9144000"/>
@@ -114,7 +117,7 @@
   </p:defaultTextStyle>
   <p:extLst>
     <p:ext uri="{EFAFB233-063F-42B5-8137-9DF3F51BA10A}">
-      <p15:sldGuideLst xmlns:p15="http://schemas.microsoft.com/office/powerpoint/2012/main"/>
+      <p15:sldGuideLst xmlns="" xmlns:p15="http://schemas.microsoft.com/office/powerpoint/2012/main"/>
     </p:ext>
   </p:extLst>
 </p:presentation>
@@ -152,7 +155,7 @@
           <p:cNvPr id="2" name="Title 1">
             <a:extLst>
               <a:ext uri="{FF2B5EF4-FFF2-40B4-BE49-F238E27FC236}">
-                <a16:creationId xmlns:a16="http://schemas.microsoft.com/office/drawing/2014/main" id="{47B674CB-3709-4ACF-BB61-29ADEA3D41BE}"/>
+                <a16:creationId xmlns="" xmlns:a16="http://schemas.microsoft.com/office/drawing/2014/main" id="{47B674CB-3709-4ACF-BB61-29ADEA3D41BE}"/>
               </a:ext>
             </a:extLst>
           </p:cNvPr>
@@ -191,7 +194,7 @@
           <p:cNvPr id="3" name="Subtitle 2">
             <a:extLst>
               <a:ext uri="{FF2B5EF4-FFF2-40B4-BE49-F238E27FC236}">
-                <a16:creationId xmlns:a16="http://schemas.microsoft.com/office/drawing/2014/main" id="{E06DA6BE-9B64-48FC-92D1-EF0D426A3974}"/>
+                <a16:creationId xmlns="" xmlns:a16="http://schemas.microsoft.com/office/drawing/2014/main" id="{E06DA6BE-9B64-48FC-92D1-EF0D426A3974}"/>
               </a:ext>
             </a:extLst>
           </p:cNvPr>
@@ -270,7 +273,7 @@
           <p:cNvPr id="4" name="Date Placeholder 3">
             <a:extLst>
               <a:ext uri="{FF2B5EF4-FFF2-40B4-BE49-F238E27FC236}">
-                <a16:creationId xmlns:a16="http://schemas.microsoft.com/office/drawing/2014/main" id="{B083AE59-8E21-449F-86DA-5BE297010864}"/>
+                <a16:creationId xmlns="" xmlns:a16="http://schemas.microsoft.com/office/drawing/2014/main" id="{B083AE59-8E21-449F-86DA-5BE297010864}"/>
               </a:ext>
             </a:extLst>
           </p:cNvPr>
@@ -299,7 +302,7 @@
           <p:cNvPr id="5" name="Footer Placeholder 4">
             <a:extLst>
               <a:ext uri="{FF2B5EF4-FFF2-40B4-BE49-F238E27FC236}">
-                <a16:creationId xmlns:a16="http://schemas.microsoft.com/office/drawing/2014/main" id="{4E8CCD60-9970-49FD-8254-21154BAA1E86}"/>
+                <a16:creationId xmlns="" xmlns:a16="http://schemas.microsoft.com/office/drawing/2014/main" id="{4E8CCD60-9970-49FD-8254-21154BAA1E86}"/>
               </a:ext>
             </a:extLst>
           </p:cNvPr>
@@ -324,7 +327,7 @@
           <p:cNvPr id="6" name="Slide Number Placeholder 5">
             <a:extLst>
               <a:ext uri="{FF2B5EF4-FFF2-40B4-BE49-F238E27FC236}">
-                <a16:creationId xmlns:a16="http://schemas.microsoft.com/office/drawing/2014/main" id="{1CC0A488-07A7-42F9-B1DF-68545B75417D}"/>
+                <a16:creationId xmlns="" xmlns:a16="http://schemas.microsoft.com/office/drawing/2014/main" id="{1CC0A488-07A7-42F9-B1DF-68545B75417D}"/>
               </a:ext>
             </a:extLst>
           </p:cNvPr>
@@ -383,7 +386,7 @@
           <p:cNvPr id="2" name="Title 1">
             <a:extLst>
               <a:ext uri="{FF2B5EF4-FFF2-40B4-BE49-F238E27FC236}">
-                <a16:creationId xmlns:a16="http://schemas.microsoft.com/office/drawing/2014/main" id="{2B9DC3B6-2D75-4EC4-9120-88DCE0EA61A2}"/>
+                <a16:creationId xmlns="" xmlns:a16="http://schemas.microsoft.com/office/drawing/2014/main" id="{2B9DC3B6-2D75-4EC4-9120-88DCE0EA61A2}"/>
               </a:ext>
             </a:extLst>
           </p:cNvPr>
@@ -411,7 +414,7 @@
           <p:cNvPr id="3" name="Vertical Text Placeholder 2">
             <a:extLst>
               <a:ext uri="{FF2B5EF4-FFF2-40B4-BE49-F238E27FC236}">
-                <a16:creationId xmlns:a16="http://schemas.microsoft.com/office/drawing/2014/main" id="{B74B06CB-A0FE-4499-B674-90C8C281A55A}"/>
+                <a16:creationId xmlns="" xmlns:a16="http://schemas.microsoft.com/office/drawing/2014/main" id="{B74B06CB-A0FE-4499-B674-90C8C281A55A}"/>
               </a:ext>
             </a:extLst>
           </p:cNvPr>
@@ -468,7 +471,7 @@
           <p:cNvPr id="4" name="Date Placeholder 3">
             <a:extLst>
               <a:ext uri="{FF2B5EF4-FFF2-40B4-BE49-F238E27FC236}">
-                <a16:creationId xmlns:a16="http://schemas.microsoft.com/office/drawing/2014/main" id="{4E7FD700-765A-4DE6-A8EC-9D9D92FCBB42}"/>
+                <a16:creationId xmlns="" xmlns:a16="http://schemas.microsoft.com/office/drawing/2014/main" id="{4E7FD700-765A-4DE6-A8EC-9D9D92FCBB42}"/>
               </a:ext>
             </a:extLst>
           </p:cNvPr>
@@ -497,7 +500,7 @@
           <p:cNvPr id="5" name="Footer Placeholder 4">
             <a:extLst>
               <a:ext uri="{FF2B5EF4-FFF2-40B4-BE49-F238E27FC236}">
-                <a16:creationId xmlns:a16="http://schemas.microsoft.com/office/drawing/2014/main" id="{0C4664EC-C4B1-4D14-9ED3-14C6CCBFFC82}"/>
+                <a16:creationId xmlns="" xmlns:a16="http://schemas.microsoft.com/office/drawing/2014/main" id="{0C4664EC-C4B1-4D14-9ED3-14C6CCBFFC82}"/>
               </a:ext>
             </a:extLst>
           </p:cNvPr>
@@ -522,7 +525,7 @@
           <p:cNvPr id="6" name="Slide Number Placeholder 5">
             <a:extLst>
               <a:ext uri="{FF2B5EF4-FFF2-40B4-BE49-F238E27FC236}">
-                <a16:creationId xmlns:a16="http://schemas.microsoft.com/office/drawing/2014/main" id="{5FDF5526-E518-4133-9F44-D812576C1092}"/>
+                <a16:creationId xmlns="" xmlns:a16="http://schemas.microsoft.com/office/drawing/2014/main" id="{5FDF5526-E518-4133-9F44-D812576C1092}"/>
               </a:ext>
             </a:extLst>
           </p:cNvPr>
@@ -581,7 +584,7 @@
           <p:cNvPr id="2" name="Vertical Title 1">
             <a:extLst>
               <a:ext uri="{FF2B5EF4-FFF2-40B4-BE49-F238E27FC236}">
-                <a16:creationId xmlns:a16="http://schemas.microsoft.com/office/drawing/2014/main" id="{B5F62998-15B1-4CA8-8C60-7801001F8060}"/>
+                <a16:creationId xmlns="" xmlns:a16="http://schemas.microsoft.com/office/drawing/2014/main" id="{B5F62998-15B1-4CA8-8C60-7801001F8060}"/>
               </a:ext>
             </a:extLst>
           </p:cNvPr>
@@ -614,7 +617,7 @@
           <p:cNvPr id="3" name="Vertical Text Placeholder 2">
             <a:extLst>
               <a:ext uri="{FF2B5EF4-FFF2-40B4-BE49-F238E27FC236}">
-                <a16:creationId xmlns:a16="http://schemas.microsoft.com/office/drawing/2014/main" id="{111AE278-0885-4594-AB09-120344C7D882}"/>
+                <a16:creationId xmlns="" xmlns:a16="http://schemas.microsoft.com/office/drawing/2014/main" id="{111AE278-0885-4594-AB09-120344C7D882}"/>
               </a:ext>
             </a:extLst>
           </p:cNvPr>
@@ -676,7 +679,7 @@
           <p:cNvPr id="4" name="Date Placeholder 3">
             <a:extLst>
               <a:ext uri="{FF2B5EF4-FFF2-40B4-BE49-F238E27FC236}">
-                <a16:creationId xmlns:a16="http://schemas.microsoft.com/office/drawing/2014/main" id="{85B850CC-FB43-4988-8D4E-9C54C20185B4}"/>
+                <a16:creationId xmlns="" xmlns:a16="http://schemas.microsoft.com/office/drawing/2014/main" id="{85B850CC-FB43-4988-8D4E-9C54C20185B4}"/>
               </a:ext>
             </a:extLst>
           </p:cNvPr>
@@ -705,7 +708,7 @@
           <p:cNvPr id="5" name="Footer Placeholder 4">
             <a:extLst>
               <a:ext uri="{FF2B5EF4-FFF2-40B4-BE49-F238E27FC236}">
-                <a16:creationId xmlns:a16="http://schemas.microsoft.com/office/drawing/2014/main" id="{47A70300-3853-4FB4-A084-CF6E5CF2BDEB}"/>
+                <a16:creationId xmlns="" xmlns:a16="http://schemas.microsoft.com/office/drawing/2014/main" id="{47A70300-3853-4FB4-A084-CF6E5CF2BDEB}"/>
               </a:ext>
             </a:extLst>
           </p:cNvPr>
@@ -730,7 +733,7 @@
           <p:cNvPr id="6" name="Slide Number Placeholder 5">
             <a:extLst>
               <a:ext uri="{FF2B5EF4-FFF2-40B4-BE49-F238E27FC236}">
-                <a16:creationId xmlns:a16="http://schemas.microsoft.com/office/drawing/2014/main" id="{B7DBAFB0-25AA-4B69-8418-418F47A92700}"/>
+                <a16:creationId xmlns="" xmlns:a16="http://schemas.microsoft.com/office/drawing/2014/main" id="{B7DBAFB0-25AA-4B69-8418-418F47A92700}"/>
               </a:ext>
             </a:extLst>
           </p:cNvPr>
@@ -789,7 +792,7 @@
           <p:cNvPr id="2" name="Title 1">
             <a:extLst>
               <a:ext uri="{FF2B5EF4-FFF2-40B4-BE49-F238E27FC236}">
-                <a16:creationId xmlns:a16="http://schemas.microsoft.com/office/drawing/2014/main" id="{CAFE0F35-0AE7-48AB-9005-F1DB4BD0B473}"/>
+                <a16:creationId xmlns="" xmlns:a16="http://schemas.microsoft.com/office/drawing/2014/main" id="{CAFE0F35-0AE7-48AB-9005-F1DB4BD0B473}"/>
               </a:ext>
             </a:extLst>
           </p:cNvPr>
@@ -817,7 +820,7 @@
           <p:cNvPr id="3" name="Content Placeholder 2">
             <a:extLst>
               <a:ext uri="{FF2B5EF4-FFF2-40B4-BE49-F238E27FC236}">
-                <a16:creationId xmlns:a16="http://schemas.microsoft.com/office/drawing/2014/main" id="{4DDD4022-C31F-4C4C-B5BF-5F9730C08A00}"/>
+                <a16:creationId xmlns="" xmlns:a16="http://schemas.microsoft.com/office/drawing/2014/main" id="{4DDD4022-C31F-4C4C-B5BF-5F9730C08A00}"/>
               </a:ext>
             </a:extLst>
           </p:cNvPr>
@@ -874,7 +877,7 @@
           <p:cNvPr id="4" name="Date Placeholder 3">
             <a:extLst>
               <a:ext uri="{FF2B5EF4-FFF2-40B4-BE49-F238E27FC236}">
-                <a16:creationId xmlns:a16="http://schemas.microsoft.com/office/drawing/2014/main" id="{99A45EE9-11D3-436C-9D73-1AA6CCDB165F}"/>
+                <a16:creationId xmlns="" xmlns:a16="http://schemas.microsoft.com/office/drawing/2014/main" id="{99A45EE9-11D3-436C-9D73-1AA6CCDB165F}"/>
               </a:ext>
             </a:extLst>
           </p:cNvPr>
@@ -903,7 +906,7 @@
           <p:cNvPr id="5" name="Footer Placeholder 4">
             <a:extLst>
               <a:ext uri="{FF2B5EF4-FFF2-40B4-BE49-F238E27FC236}">
-                <a16:creationId xmlns:a16="http://schemas.microsoft.com/office/drawing/2014/main" id="{92817DCF-881F-4956-81AE-A6D27A88F4B6}"/>
+                <a16:creationId xmlns="" xmlns:a16="http://schemas.microsoft.com/office/drawing/2014/main" id="{92817DCF-881F-4956-81AE-A6D27A88F4B6}"/>
               </a:ext>
             </a:extLst>
           </p:cNvPr>
@@ -928,7 +931,7 @@
           <p:cNvPr id="6" name="Slide Number Placeholder 5">
             <a:extLst>
               <a:ext uri="{FF2B5EF4-FFF2-40B4-BE49-F238E27FC236}">
-                <a16:creationId xmlns:a16="http://schemas.microsoft.com/office/drawing/2014/main" id="{0A265F17-AD75-4B7E-970D-5D4DBD5D170C}"/>
+                <a16:creationId xmlns="" xmlns:a16="http://schemas.microsoft.com/office/drawing/2014/main" id="{0A265F17-AD75-4B7E-970D-5D4DBD5D170C}"/>
               </a:ext>
             </a:extLst>
           </p:cNvPr>
@@ -987,7 +990,7 @@
           <p:cNvPr id="2" name="Title 1">
             <a:extLst>
               <a:ext uri="{FF2B5EF4-FFF2-40B4-BE49-F238E27FC236}">
-                <a16:creationId xmlns:a16="http://schemas.microsoft.com/office/drawing/2014/main" id="{A98C12CB-05D8-4D62-BDC5-812DB6DD04CD}"/>
+                <a16:creationId xmlns="" xmlns:a16="http://schemas.microsoft.com/office/drawing/2014/main" id="{A98C12CB-05D8-4D62-BDC5-812DB6DD04CD}"/>
               </a:ext>
             </a:extLst>
           </p:cNvPr>
@@ -1029,7 +1032,7 @@
           <p:cNvPr id="3" name="Text Placeholder 2">
             <a:extLst>
               <a:ext uri="{FF2B5EF4-FFF2-40B4-BE49-F238E27FC236}">
-                <a16:creationId xmlns:a16="http://schemas.microsoft.com/office/drawing/2014/main" id="{7C52F020-8516-4B9E-B455-5731ED6C9E9E}"/>
+                <a16:creationId xmlns="" xmlns:a16="http://schemas.microsoft.com/office/drawing/2014/main" id="{7C52F020-8516-4B9E-B455-5731ED6C9E9E}"/>
               </a:ext>
             </a:extLst>
           </p:cNvPr>
@@ -1154,7 +1157,7 @@
           <p:cNvPr id="4" name="Date Placeholder 3">
             <a:extLst>
               <a:ext uri="{FF2B5EF4-FFF2-40B4-BE49-F238E27FC236}">
-                <a16:creationId xmlns:a16="http://schemas.microsoft.com/office/drawing/2014/main" id="{7C822993-6E28-44BB-B983-095B476B801A}"/>
+                <a16:creationId xmlns="" xmlns:a16="http://schemas.microsoft.com/office/drawing/2014/main" id="{7C822993-6E28-44BB-B983-095B476B801A}"/>
               </a:ext>
             </a:extLst>
           </p:cNvPr>
@@ -1183,7 +1186,7 @@
           <p:cNvPr id="5" name="Footer Placeholder 4">
             <a:extLst>
               <a:ext uri="{FF2B5EF4-FFF2-40B4-BE49-F238E27FC236}">
-                <a16:creationId xmlns:a16="http://schemas.microsoft.com/office/drawing/2014/main" id="{FC909971-06C9-462B-81D9-BEF24C708A1C}"/>
+                <a16:creationId xmlns="" xmlns:a16="http://schemas.microsoft.com/office/drawing/2014/main" id="{FC909971-06C9-462B-81D9-BEF24C708A1C}"/>
               </a:ext>
             </a:extLst>
           </p:cNvPr>
@@ -1208,7 +1211,7 @@
           <p:cNvPr id="6" name="Slide Number Placeholder 5">
             <a:extLst>
               <a:ext uri="{FF2B5EF4-FFF2-40B4-BE49-F238E27FC236}">
-                <a16:creationId xmlns:a16="http://schemas.microsoft.com/office/drawing/2014/main" id="{CF9A076D-47C1-49CD-9A8B-956DB3FC31F7}"/>
+                <a16:creationId xmlns="" xmlns:a16="http://schemas.microsoft.com/office/drawing/2014/main" id="{CF9A076D-47C1-49CD-9A8B-956DB3FC31F7}"/>
               </a:ext>
             </a:extLst>
           </p:cNvPr>
@@ -1267,7 +1270,7 @@
           <p:cNvPr id="2" name="Title 1">
             <a:extLst>
               <a:ext uri="{FF2B5EF4-FFF2-40B4-BE49-F238E27FC236}">
-                <a16:creationId xmlns:a16="http://schemas.microsoft.com/office/drawing/2014/main" id="{A428DFBD-F5ED-455C-8AD0-97476A55E3D5}"/>
+                <a16:creationId xmlns="" xmlns:a16="http://schemas.microsoft.com/office/drawing/2014/main" id="{A428DFBD-F5ED-455C-8AD0-97476A55E3D5}"/>
               </a:ext>
             </a:extLst>
           </p:cNvPr>
@@ -1295,7 +1298,7 @@
           <p:cNvPr id="3" name="Content Placeholder 2">
             <a:extLst>
               <a:ext uri="{FF2B5EF4-FFF2-40B4-BE49-F238E27FC236}">
-                <a16:creationId xmlns:a16="http://schemas.microsoft.com/office/drawing/2014/main" id="{8C30E58C-F463-4D52-9225-9410133113A4}"/>
+                <a16:creationId xmlns="" xmlns:a16="http://schemas.microsoft.com/office/drawing/2014/main" id="{8C30E58C-F463-4D52-9225-9410133113A4}"/>
               </a:ext>
             </a:extLst>
           </p:cNvPr>
@@ -1357,7 +1360,7 @@
           <p:cNvPr id="4" name="Content Placeholder 3">
             <a:extLst>
               <a:ext uri="{FF2B5EF4-FFF2-40B4-BE49-F238E27FC236}">
-                <a16:creationId xmlns:a16="http://schemas.microsoft.com/office/drawing/2014/main" id="{6AF7BDB4-97FA-485D-A557-6F96692BAC9E}"/>
+                <a16:creationId xmlns="" xmlns:a16="http://schemas.microsoft.com/office/drawing/2014/main" id="{6AF7BDB4-97FA-485D-A557-6F96692BAC9E}"/>
               </a:ext>
             </a:extLst>
           </p:cNvPr>
@@ -1419,7 +1422,7 @@
           <p:cNvPr id="5" name="Date Placeholder 4">
             <a:extLst>
               <a:ext uri="{FF2B5EF4-FFF2-40B4-BE49-F238E27FC236}">
-                <a16:creationId xmlns:a16="http://schemas.microsoft.com/office/drawing/2014/main" id="{68C50007-C799-4117-8ACD-5EE980E63F17}"/>
+                <a16:creationId xmlns="" xmlns:a16="http://schemas.microsoft.com/office/drawing/2014/main" id="{68C50007-C799-4117-8ACD-5EE980E63F17}"/>
               </a:ext>
             </a:extLst>
           </p:cNvPr>
@@ -1448,7 +1451,7 @@
           <p:cNvPr id="6" name="Footer Placeholder 5">
             <a:extLst>
               <a:ext uri="{FF2B5EF4-FFF2-40B4-BE49-F238E27FC236}">
-                <a16:creationId xmlns:a16="http://schemas.microsoft.com/office/drawing/2014/main" id="{F24E8968-6BAD-4D5A-BF1D-911C7A39C1CE}"/>
+                <a16:creationId xmlns="" xmlns:a16="http://schemas.microsoft.com/office/drawing/2014/main" id="{F24E8968-6BAD-4D5A-BF1D-911C7A39C1CE}"/>
               </a:ext>
             </a:extLst>
           </p:cNvPr>
@@ -1473,7 +1476,7 @@
           <p:cNvPr id="7" name="Slide Number Placeholder 6">
             <a:extLst>
               <a:ext uri="{FF2B5EF4-FFF2-40B4-BE49-F238E27FC236}">
-                <a16:creationId xmlns:a16="http://schemas.microsoft.com/office/drawing/2014/main" id="{499D8C08-BF20-4D5E-9004-0C075C36D8A4}"/>
+                <a16:creationId xmlns="" xmlns:a16="http://schemas.microsoft.com/office/drawing/2014/main" id="{499D8C08-BF20-4D5E-9004-0C075C36D8A4}"/>
               </a:ext>
             </a:extLst>
           </p:cNvPr>
@@ -1532,7 +1535,7 @@
           <p:cNvPr id="3" name="Text Placeholder 2">
             <a:extLst>
               <a:ext uri="{FF2B5EF4-FFF2-40B4-BE49-F238E27FC236}">
-                <a16:creationId xmlns:a16="http://schemas.microsoft.com/office/drawing/2014/main" id="{82036E0D-26A5-455A-A8BD-70DA8BC03EB2}"/>
+                <a16:creationId xmlns="" xmlns:a16="http://schemas.microsoft.com/office/drawing/2014/main" id="{82036E0D-26A5-455A-A8BD-70DA8BC03EB2}"/>
               </a:ext>
             </a:extLst>
           </p:cNvPr>
@@ -1603,7 +1606,7 @@
           <p:cNvPr id="4" name="Content Placeholder 3">
             <a:extLst>
               <a:ext uri="{FF2B5EF4-FFF2-40B4-BE49-F238E27FC236}">
-                <a16:creationId xmlns:a16="http://schemas.microsoft.com/office/drawing/2014/main" id="{E7FD4EA0-094D-4056-9032-BFB44B40896B}"/>
+                <a16:creationId xmlns="" xmlns:a16="http://schemas.microsoft.com/office/drawing/2014/main" id="{E7FD4EA0-094D-4056-9032-BFB44B40896B}"/>
               </a:ext>
             </a:extLst>
           </p:cNvPr>
@@ -1665,7 +1668,7 @@
           <p:cNvPr id="5" name="Text Placeholder 4">
             <a:extLst>
               <a:ext uri="{FF2B5EF4-FFF2-40B4-BE49-F238E27FC236}">
-                <a16:creationId xmlns:a16="http://schemas.microsoft.com/office/drawing/2014/main" id="{5FC0CCE8-718F-4620-8B4A-C60EEA7B884D}"/>
+                <a16:creationId xmlns="" xmlns:a16="http://schemas.microsoft.com/office/drawing/2014/main" id="{5FC0CCE8-718F-4620-8B4A-C60EEA7B884D}"/>
               </a:ext>
             </a:extLst>
           </p:cNvPr>
@@ -1736,7 +1739,7 @@
           <p:cNvPr id="6" name="Content Placeholder 5">
             <a:extLst>
               <a:ext uri="{FF2B5EF4-FFF2-40B4-BE49-F238E27FC236}">
-                <a16:creationId xmlns:a16="http://schemas.microsoft.com/office/drawing/2014/main" id="{56CE86DF-0069-4D31-BDD3-A9A2F9B7B468}"/>
+                <a16:creationId xmlns="" xmlns:a16="http://schemas.microsoft.com/office/drawing/2014/main" id="{56CE86DF-0069-4D31-BDD3-A9A2F9B7B468}"/>
               </a:ext>
             </a:extLst>
           </p:cNvPr>
@@ -1798,7 +1801,7 @@
           <p:cNvPr id="7" name="Date Placeholder 6">
             <a:extLst>
               <a:ext uri="{FF2B5EF4-FFF2-40B4-BE49-F238E27FC236}">
-                <a16:creationId xmlns:a16="http://schemas.microsoft.com/office/drawing/2014/main" id="{21A5ED06-FE54-4B86-A8D4-07D0EB08C3AB}"/>
+                <a16:creationId xmlns="" xmlns:a16="http://schemas.microsoft.com/office/drawing/2014/main" id="{21A5ED06-FE54-4B86-A8D4-07D0EB08C3AB}"/>
               </a:ext>
             </a:extLst>
           </p:cNvPr>
@@ -1827,7 +1830,7 @@
           <p:cNvPr id="8" name="Footer Placeholder 7">
             <a:extLst>
               <a:ext uri="{FF2B5EF4-FFF2-40B4-BE49-F238E27FC236}">
-                <a16:creationId xmlns:a16="http://schemas.microsoft.com/office/drawing/2014/main" id="{CE9EC6C3-0950-4AFE-936A-9AB5D227844D}"/>
+                <a16:creationId xmlns="" xmlns:a16="http://schemas.microsoft.com/office/drawing/2014/main" id="{CE9EC6C3-0950-4AFE-936A-9AB5D227844D}"/>
               </a:ext>
             </a:extLst>
           </p:cNvPr>
@@ -1852,7 +1855,7 @@
           <p:cNvPr id="9" name="Slide Number Placeholder 8">
             <a:extLst>
               <a:ext uri="{FF2B5EF4-FFF2-40B4-BE49-F238E27FC236}">
-                <a16:creationId xmlns:a16="http://schemas.microsoft.com/office/drawing/2014/main" id="{6784B1D1-BE0C-48F4-BC74-90675A0F07CF}"/>
+                <a16:creationId xmlns="" xmlns:a16="http://schemas.microsoft.com/office/drawing/2014/main" id="{6784B1D1-BE0C-48F4-BC74-90675A0F07CF}"/>
               </a:ext>
             </a:extLst>
           </p:cNvPr>
@@ -1881,7 +1884,7 @@
           <p:cNvPr id="10" name="Title 9">
             <a:extLst>
               <a:ext uri="{FF2B5EF4-FFF2-40B4-BE49-F238E27FC236}">
-                <a16:creationId xmlns:a16="http://schemas.microsoft.com/office/drawing/2014/main" id="{2D453288-3D76-40C1-BE00-223AB28F13DF}"/>
+                <a16:creationId xmlns="" xmlns:a16="http://schemas.microsoft.com/office/drawing/2014/main" id="{2D453288-3D76-40C1-BE00-223AB28F13DF}"/>
               </a:ext>
             </a:extLst>
           </p:cNvPr>
@@ -1939,7 +1942,7 @@
           <p:cNvPr id="2" name="Title 1">
             <a:extLst>
               <a:ext uri="{FF2B5EF4-FFF2-40B4-BE49-F238E27FC236}">
-                <a16:creationId xmlns:a16="http://schemas.microsoft.com/office/drawing/2014/main" id="{003B1716-24B0-42CD-95B6-843092597B29}"/>
+                <a16:creationId xmlns="" xmlns:a16="http://schemas.microsoft.com/office/drawing/2014/main" id="{003B1716-24B0-42CD-95B6-843092597B29}"/>
               </a:ext>
             </a:extLst>
           </p:cNvPr>
@@ -1967,7 +1970,7 @@
           <p:cNvPr id="3" name="Date Placeholder 2">
             <a:extLst>
               <a:ext uri="{FF2B5EF4-FFF2-40B4-BE49-F238E27FC236}">
-                <a16:creationId xmlns:a16="http://schemas.microsoft.com/office/drawing/2014/main" id="{F9E3617E-4B11-481F-AC6E-00031790294A}"/>
+                <a16:creationId xmlns="" xmlns:a16="http://schemas.microsoft.com/office/drawing/2014/main" id="{F9E3617E-4B11-481F-AC6E-00031790294A}"/>
               </a:ext>
             </a:extLst>
           </p:cNvPr>
@@ -1996,7 +1999,7 @@
           <p:cNvPr id="4" name="Footer Placeholder 3">
             <a:extLst>
               <a:ext uri="{FF2B5EF4-FFF2-40B4-BE49-F238E27FC236}">
-                <a16:creationId xmlns:a16="http://schemas.microsoft.com/office/drawing/2014/main" id="{F6BF19CC-06D3-40E9-81B5-63B457B220CF}"/>
+                <a16:creationId xmlns="" xmlns:a16="http://schemas.microsoft.com/office/drawing/2014/main" id="{F6BF19CC-06D3-40E9-81B5-63B457B220CF}"/>
               </a:ext>
             </a:extLst>
           </p:cNvPr>
@@ -2021,7 +2024,7 @@
           <p:cNvPr id="5" name="Slide Number Placeholder 4">
             <a:extLst>
               <a:ext uri="{FF2B5EF4-FFF2-40B4-BE49-F238E27FC236}">
-                <a16:creationId xmlns:a16="http://schemas.microsoft.com/office/drawing/2014/main" id="{6AEFC312-3AA5-46F7-B701-3D9327A68DB7}"/>
+                <a16:creationId xmlns="" xmlns:a16="http://schemas.microsoft.com/office/drawing/2014/main" id="{6AEFC312-3AA5-46F7-B701-3D9327A68DB7}"/>
               </a:ext>
             </a:extLst>
           </p:cNvPr>
@@ -2080,7 +2083,7 @@
           <p:cNvPr id="2" name="Date Placeholder 1">
             <a:extLst>
               <a:ext uri="{FF2B5EF4-FFF2-40B4-BE49-F238E27FC236}">
-                <a16:creationId xmlns:a16="http://schemas.microsoft.com/office/drawing/2014/main" id="{B8C9E28E-1389-47AF-B3EB-22571417ACBE}"/>
+                <a16:creationId xmlns="" xmlns:a16="http://schemas.microsoft.com/office/drawing/2014/main" id="{B8C9E28E-1389-47AF-B3EB-22571417ACBE}"/>
               </a:ext>
             </a:extLst>
           </p:cNvPr>
@@ -2109,7 +2112,7 @@
           <p:cNvPr id="3" name="Footer Placeholder 2">
             <a:extLst>
               <a:ext uri="{FF2B5EF4-FFF2-40B4-BE49-F238E27FC236}">
-                <a16:creationId xmlns:a16="http://schemas.microsoft.com/office/drawing/2014/main" id="{BFCF6B08-1984-4F7C-9F6E-A4F47BDBA215}"/>
+                <a16:creationId xmlns="" xmlns:a16="http://schemas.microsoft.com/office/drawing/2014/main" id="{BFCF6B08-1984-4F7C-9F6E-A4F47BDBA215}"/>
               </a:ext>
             </a:extLst>
           </p:cNvPr>
@@ -2134,7 +2137,7 @@
           <p:cNvPr id="4" name="Slide Number Placeholder 3">
             <a:extLst>
               <a:ext uri="{FF2B5EF4-FFF2-40B4-BE49-F238E27FC236}">
-                <a16:creationId xmlns:a16="http://schemas.microsoft.com/office/drawing/2014/main" id="{7771B3C5-CEC7-427F-931C-1318C421BEF9}"/>
+                <a16:creationId xmlns="" xmlns:a16="http://schemas.microsoft.com/office/drawing/2014/main" id="{7771B3C5-CEC7-427F-931C-1318C421BEF9}"/>
               </a:ext>
             </a:extLst>
           </p:cNvPr>
@@ -2193,7 +2196,7 @@
           <p:cNvPr id="2" name="Title 1">
             <a:extLst>
               <a:ext uri="{FF2B5EF4-FFF2-40B4-BE49-F238E27FC236}">
-                <a16:creationId xmlns:a16="http://schemas.microsoft.com/office/drawing/2014/main" id="{EB4EB55F-536E-4547-A5D2-0483FC3684CD}"/>
+                <a16:creationId xmlns="" xmlns:a16="http://schemas.microsoft.com/office/drawing/2014/main" id="{EB4EB55F-536E-4547-A5D2-0483FC3684CD}"/>
               </a:ext>
             </a:extLst>
           </p:cNvPr>
@@ -2233,7 +2236,7 @@
           <p:cNvPr id="3" name="Content Placeholder 2">
             <a:extLst>
               <a:ext uri="{FF2B5EF4-FFF2-40B4-BE49-F238E27FC236}">
-                <a16:creationId xmlns:a16="http://schemas.microsoft.com/office/drawing/2014/main" id="{3D717D3C-533B-4EA9-886B-FAE59956C74C}"/>
+                <a16:creationId xmlns="" xmlns:a16="http://schemas.microsoft.com/office/drawing/2014/main" id="{3D717D3C-533B-4EA9-886B-FAE59956C74C}"/>
               </a:ext>
             </a:extLst>
           </p:cNvPr>
@@ -2325,7 +2328,7 @@
           <p:cNvPr id="4" name="Text Placeholder 3">
             <a:extLst>
               <a:ext uri="{FF2B5EF4-FFF2-40B4-BE49-F238E27FC236}">
-                <a16:creationId xmlns:a16="http://schemas.microsoft.com/office/drawing/2014/main" id="{2419D2E1-4B17-4608-961E-2C4719855E89}"/>
+                <a16:creationId xmlns="" xmlns:a16="http://schemas.microsoft.com/office/drawing/2014/main" id="{2419D2E1-4B17-4608-961E-2C4719855E89}"/>
               </a:ext>
             </a:extLst>
           </p:cNvPr>
@@ -2396,7 +2399,7 @@
           <p:cNvPr id="5" name="Date Placeholder 4">
             <a:extLst>
               <a:ext uri="{FF2B5EF4-FFF2-40B4-BE49-F238E27FC236}">
-                <a16:creationId xmlns:a16="http://schemas.microsoft.com/office/drawing/2014/main" id="{B75A3535-184C-438C-AE91-9C42B7C5AFB6}"/>
+                <a16:creationId xmlns="" xmlns:a16="http://schemas.microsoft.com/office/drawing/2014/main" id="{B75A3535-184C-438C-AE91-9C42B7C5AFB6}"/>
               </a:ext>
             </a:extLst>
           </p:cNvPr>
@@ -2425,7 +2428,7 @@
           <p:cNvPr id="6" name="Footer Placeholder 5">
             <a:extLst>
               <a:ext uri="{FF2B5EF4-FFF2-40B4-BE49-F238E27FC236}">
-                <a16:creationId xmlns:a16="http://schemas.microsoft.com/office/drawing/2014/main" id="{0DF6DBC3-4A58-42BA-9B55-A9A72510374C}"/>
+                <a16:creationId xmlns="" xmlns:a16="http://schemas.microsoft.com/office/drawing/2014/main" id="{0DF6DBC3-4A58-42BA-9B55-A9A72510374C}"/>
               </a:ext>
             </a:extLst>
           </p:cNvPr>
@@ -2450,7 +2453,7 @@
           <p:cNvPr id="7" name="Slide Number Placeholder 6">
             <a:extLst>
               <a:ext uri="{FF2B5EF4-FFF2-40B4-BE49-F238E27FC236}">
-                <a16:creationId xmlns:a16="http://schemas.microsoft.com/office/drawing/2014/main" id="{AD4E6563-0AB6-4038-A12B-A259552DB66C}"/>
+                <a16:creationId xmlns="" xmlns:a16="http://schemas.microsoft.com/office/drawing/2014/main" id="{AD4E6563-0AB6-4038-A12B-A259552DB66C}"/>
               </a:ext>
             </a:extLst>
           </p:cNvPr>
@@ -2509,7 +2512,7 @@
           <p:cNvPr id="2" name="Title 1">
             <a:extLst>
               <a:ext uri="{FF2B5EF4-FFF2-40B4-BE49-F238E27FC236}">
-                <a16:creationId xmlns:a16="http://schemas.microsoft.com/office/drawing/2014/main" id="{BE9702C5-1E3B-4C62-A538-59BB572864A0}"/>
+                <a16:creationId xmlns="" xmlns:a16="http://schemas.microsoft.com/office/drawing/2014/main" id="{BE9702C5-1E3B-4C62-A538-59BB572864A0}"/>
               </a:ext>
             </a:extLst>
           </p:cNvPr>
@@ -2546,7 +2549,7 @@
           <p:cNvPr id="3" name="Picture Placeholder 2">
             <a:extLst>
               <a:ext uri="{FF2B5EF4-FFF2-40B4-BE49-F238E27FC236}">
-                <a16:creationId xmlns:a16="http://schemas.microsoft.com/office/drawing/2014/main" id="{6E2CF574-95CE-4E60-B2CF-3B5B4F33A767}"/>
+                <a16:creationId xmlns="" xmlns:a16="http://schemas.microsoft.com/office/drawing/2014/main" id="{6E2CF574-95CE-4E60-B2CF-3B5B4F33A767}"/>
               </a:ext>
             </a:extLst>
           </p:cNvPr>
@@ -2616,7 +2619,7 @@
           <p:cNvPr id="4" name="Text Placeholder 3">
             <a:extLst>
               <a:ext uri="{FF2B5EF4-FFF2-40B4-BE49-F238E27FC236}">
-                <a16:creationId xmlns:a16="http://schemas.microsoft.com/office/drawing/2014/main" id="{6D039F7C-C735-4356-8B04-89E19047950C}"/>
+                <a16:creationId xmlns="" xmlns:a16="http://schemas.microsoft.com/office/drawing/2014/main" id="{6D039F7C-C735-4356-8B04-89E19047950C}"/>
               </a:ext>
             </a:extLst>
           </p:cNvPr>
@@ -2687,7 +2690,7 @@
           <p:cNvPr id="5" name="Date Placeholder 4">
             <a:extLst>
               <a:ext uri="{FF2B5EF4-FFF2-40B4-BE49-F238E27FC236}">
-                <a16:creationId xmlns:a16="http://schemas.microsoft.com/office/drawing/2014/main" id="{45E706DF-52A3-4F34-9BF5-E1ACD5D54283}"/>
+                <a16:creationId xmlns="" xmlns:a16="http://schemas.microsoft.com/office/drawing/2014/main" id="{45E706DF-52A3-4F34-9BF5-E1ACD5D54283}"/>
               </a:ext>
             </a:extLst>
           </p:cNvPr>
@@ -2716,7 +2719,7 @@
           <p:cNvPr id="6" name="Footer Placeholder 5">
             <a:extLst>
               <a:ext uri="{FF2B5EF4-FFF2-40B4-BE49-F238E27FC236}">
-                <a16:creationId xmlns:a16="http://schemas.microsoft.com/office/drawing/2014/main" id="{BFB25E53-E72E-4110-BB6B-3477F56C3088}"/>
+                <a16:creationId xmlns="" xmlns:a16="http://schemas.microsoft.com/office/drawing/2014/main" id="{BFB25E53-E72E-4110-BB6B-3477F56C3088}"/>
               </a:ext>
             </a:extLst>
           </p:cNvPr>
@@ -2741,7 +2744,7 @@
           <p:cNvPr id="7" name="Slide Number Placeholder 6">
             <a:extLst>
               <a:ext uri="{FF2B5EF4-FFF2-40B4-BE49-F238E27FC236}">
-                <a16:creationId xmlns:a16="http://schemas.microsoft.com/office/drawing/2014/main" id="{A3686F8F-3D62-4CEC-AD9A-B70848E6A81C}"/>
+                <a16:creationId xmlns="" xmlns:a16="http://schemas.microsoft.com/office/drawing/2014/main" id="{A3686F8F-3D62-4CEC-AD9A-B70848E6A81C}"/>
               </a:ext>
             </a:extLst>
           </p:cNvPr>
@@ -2805,7 +2808,7 @@
           <p:cNvPr id="8" name="Rectangle 7">
             <a:extLst>
               <a:ext uri="{FF2B5EF4-FFF2-40B4-BE49-F238E27FC236}">
-                <a16:creationId xmlns:a16="http://schemas.microsoft.com/office/drawing/2014/main" id="{CCF2F3BB-127D-44BC-A8EF-A8BB5F5911CA}"/>
+                <a16:creationId xmlns="" xmlns:a16="http://schemas.microsoft.com/office/drawing/2014/main" id="{CCF2F3BB-127D-44BC-A8EF-A8BB5F5911CA}"/>
               </a:ext>
             </a:extLst>
           </p:cNvPr>
@@ -2869,7 +2872,7 @@
           <p:cNvPr id="10" name="Rectangle 9">
             <a:extLst>
               <a:ext uri="{FF2B5EF4-FFF2-40B4-BE49-F238E27FC236}">
-                <a16:creationId xmlns:a16="http://schemas.microsoft.com/office/drawing/2014/main" id="{010D1F30-F118-4A1F-A48F-7E5706959F64}"/>
+                <a16:creationId xmlns="" xmlns:a16="http://schemas.microsoft.com/office/drawing/2014/main" id="{010D1F30-F118-4A1F-A48F-7E5706959F64}"/>
               </a:ext>
             </a:extLst>
           </p:cNvPr>
@@ -2933,7 +2936,7 @@
           <p:cNvPr id="2" name="Title Placeholder 1">
             <a:extLst>
               <a:ext uri="{FF2B5EF4-FFF2-40B4-BE49-F238E27FC236}">
-                <a16:creationId xmlns:a16="http://schemas.microsoft.com/office/drawing/2014/main" id="{17AE890C-17CE-44C0-BDED-BA68F92A845D}"/>
+                <a16:creationId xmlns="" xmlns:a16="http://schemas.microsoft.com/office/drawing/2014/main" id="{17AE890C-17CE-44C0-BDED-BA68F92A845D}"/>
               </a:ext>
             </a:extLst>
           </p:cNvPr>
@@ -2971,7 +2974,7 @@
           <p:cNvPr id="3" name="Text Placeholder 2">
             <a:extLst>
               <a:ext uri="{FF2B5EF4-FFF2-40B4-BE49-F238E27FC236}">
-                <a16:creationId xmlns:a16="http://schemas.microsoft.com/office/drawing/2014/main" id="{47910A6E-46D1-42CF-996C-2207737FB871}"/>
+                <a16:creationId xmlns="" xmlns:a16="http://schemas.microsoft.com/office/drawing/2014/main" id="{47910A6E-46D1-42CF-996C-2207737FB871}"/>
               </a:ext>
             </a:extLst>
           </p:cNvPr>
@@ -3038,7 +3041,7 @@
           <p:cNvPr id="4" name="Date Placeholder 3">
             <a:extLst>
               <a:ext uri="{FF2B5EF4-FFF2-40B4-BE49-F238E27FC236}">
-                <a16:creationId xmlns:a16="http://schemas.microsoft.com/office/drawing/2014/main" id="{D85B5247-D236-462B-BCE0-2A24DF75B085}"/>
+                <a16:creationId xmlns="" xmlns:a16="http://schemas.microsoft.com/office/drawing/2014/main" id="{D85B5247-D236-462B-BCE0-2A24DF75B085}"/>
               </a:ext>
             </a:extLst>
           </p:cNvPr>
@@ -3084,7 +3087,7 @@
           <p:cNvPr id="5" name="Footer Placeholder 4">
             <a:extLst>
               <a:ext uri="{FF2B5EF4-FFF2-40B4-BE49-F238E27FC236}">
-                <a16:creationId xmlns:a16="http://schemas.microsoft.com/office/drawing/2014/main" id="{19155C58-7DDF-4CD4-96AD-F9CC844D84CC}"/>
+                <a16:creationId xmlns="" xmlns:a16="http://schemas.microsoft.com/office/drawing/2014/main" id="{19155C58-7DDF-4CD4-96AD-F9CC844D84CC}"/>
               </a:ext>
             </a:extLst>
           </p:cNvPr>
@@ -3127,7 +3130,7 @@
           <p:cNvPr id="6" name="Slide Number Placeholder 5">
             <a:extLst>
               <a:ext uri="{FF2B5EF4-FFF2-40B4-BE49-F238E27FC236}">
-                <a16:creationId xmlns:a16="http://schemas.microsoft.com/office/drawing/2014/main" id="{6F495647-A849-45D9-BC71-46A12E6DE479}"/>
+                <a16:creationId xmlns="" xmlns:a16="http://schemas.microsoft.com/office/drawing/2014/main" id="{6F495647-A849-45D9-BC71-46A12E6DE479}"/>
               </a:ext>
             </a:extLst>
           </p:cNvPr>
@@ -3503,10 +3506,10 @@
           <p:cNvPr id="8" name="Rectangle 7">
             <a:extLst>
               <a:ext uri="{FF2B5EF4-FFF2-40B4-BE49-F238E27FC236}">
-                <a16:creationId xmlns:a16="http://schemas.microsoft.com/office/drawing/2014/main" id="{7404E292-5FAB-47E8-A663-A07530CED8FF}"/>
+                <a16:creationId xmlns="" xmlns:a16="http://schemas.microsoft.com/office/drawing/2014/main" id="{7404E292-5FAB-47E8-A663-A07530CED8FF}"/>
               </a:ext>
               <a:ext uri="{C183D7F6-B498-43B3-948B-1728B52AA6E4}">
-                <adec:decorative xmlns:adec="http://schemas.microsoft.com/office/drawing/2017/decorative" val="1"/>
+                <adec:decorative xmlns="" xmlns:adec="http://schemas.microsoft.com/office/drawing/2017/decorative" val="1"/>
               </a:ext>
             </a:extLst>
           </p:cNvPr>
@@ -3516,7 +3519,7 @@
           <p:nvPr>
             <p:extLst>
               <p:ext uri="{386F3935-93C4-4BCD-93E2-E3B085C9AB24}">
-                <p16:designElem xmlns:p16="http://schemas.microsoft.com/office/powerpoint/2015/main" val="1"/>
+                <p16:designElem xmlns="" xmlns:p16="http://schemas.microsoft.com/office/powerpoint/2015/main" val="1"/>
               </p:ext>
             </p:extLst>
           </p:nvPr>
@@ -3579,10 +3582,10 @@
           <p:cNvPr id="10" name="Rectangle 9">
             <a:extLst>
               <a:ext uri="{FF2B5EF4-FFF2-40B4-BE49-F238E27FC236}">
-                <a16:creationId xmlns:a16="http://schemas.microsoft.com/office/drawing/2014/main" id="{D80FF8ED-64CE-400C-A4D5-9F943FC264DE}"/>
+                <a16:creationId xmlns="" xmlns:a16="http://schemas.microsoft.com/office/drawing/2014/main" id="{D80FF8ED-64CE-400C-A4D5-9F943FC264DE}"/>
               </a:ext>
               <a:ext uri="{C183D7F6-B498-43B3-948B-1728B52AA6E4}">
-                <adec:decorative xmlns:adec="http://schemas.microsoft.com/office/drawing/2017/decorative" val="1"/>
+                <adec:decorative xmlns="" xmlns:adec="http://schemas.microsoft.com/office/drawing/2017/decorative" val="1"/>
               </a:ext>
             </a:extLst>
           </p:cNvPr>
@@ -3592,7 +3595,7 @@
           <p:nvPr>
             <p:extLst>
               <p:ext uri="{386F3935-93C4-4BCD-93E2-E3B085C9AB24}">
-                <p16:designElem xmlns:p16="http://schemas.microsoft.com/office/powerpoint/2015/main" val="1"/>
+                <p16:designElem xmlns="" xmlns:p16="http://schemas.microsoft.com/office/powerpoint/2015/main" val="1"/>
               </p:ext>
             </p:extLst>
           </p:nvPr>
@@ -3655,10 +3658,10 @@
           <p:cNvPr id="12" name="Rectangle 11">
             <a:extLst>
               <a:ext uri="{FF2B5EF4-FFF2-40B4-BE49-F238E27FC236}">
-                <a16:creationId xmlns:a16="http://schemas.microsoft.com/office/drawing/2014/main" id="{568868AD-100D-45F3-B11E-8A2936712B9E}"/>
+                <a16:creationId xmlns="" xmlns:a16="http://schemas.microsoft.com/office/drawing/2014/main" id="{568868AD-100D-45F3-B11E-8A2936712B9E}"/>
               </a:ext>
               <a:ext uri="{C183D7F6-B498-43B3-948B-1728B52AA6E4}">
-                <adec:decorative xmlns:adec="http://schemas.microsoft.com/office/drawing/2017/decorative" val="1"/>
+                <adec:decorative xmlns="" xmlns:adec="http://schemas.microsoft.com/office/drawing/2017/decorative" val="1"/>
               </a:ext>
             </a:extLst>
           </p:cNvPr>
@@ -3668,7 +3671,7 @@
           <p:nvPr>
             <p:extLst>
               <p:ext uri="{386F3935-93C4-4BCD-93E2-E3B085C9AB24}">
-                <p16:designElem xmlns:p16="http://schemas.microsoft.com/office/powerpoint/2015/main" val="1"/>
+                <p16:designElem xmlns="" xmlns:p16="http://schemas.microsoft.com/office/powerpoint/2015/main" val="1"/>
               </p:ext>
             </p:extLst>
           </p:nvPr>
@@ -3730,10 +3733,10 @@
           <p:cNvPr id="14" name="Rectangle 13">
             <a:extLst>
               <a:ext uri="{FF2B5EF4-FFF2-40B4-BE49-F238E27FC236}">
-                <a16:creationId xmlns:a16="http://schemas.microsoft.com/office/drawing/2014/main" id="{714742CC-05F9-44AC-AF98-AB6EF810E47D}"/>
+                <a16:creationId xmlns="" xmlns:a16="http://schemas.microsoft.com/office/drawing/2014/main" id="{714742CC-05F9-44AC-AF98-AB6EF810E47D}"/>
               </a:ext>
               <a:ext uri="{C183D7F6-B498-43B3-948B-1728B52AA6E4}">
-                <adec:decorative xmlns:adec="http://schemas.microsoft.com/office/drawing/2017/decorative" val="1"/>
+                <adec:decorative xmlns="" xmlns:adec="http://schemas.microsoft.com/office/drawing/2017/decorative" val="1"/>
               </a:ext>
             </a:extLst>
           </p:cNvPr>
@@ -3743,7 +3746,7 @@
           <p:nvPr>
             <p:extLst>
               <p:ext uri="{386F3935-93C4-4BCD-93E2-E3B085C9AB24}">
-                <p16:designElem xmlns:p16="http://schemas.microsoft.com/office/powerpoint/2015/main" val="1"/>
+                <p16:designElem xmlns="" xmlns:p16="http://schemas.microsoft.com/office/powerpoint/2015/main" val="1"/>
               </p:ext>
             </p:extLst>
           </p:nvPr>
@@ -3805,10 +3808,10 @@
           <p:cNvPr id="16" name="Freeform: Shape 13">
             <a:extLst>
               <a:ext uri="{FF2B5EF4-FFF2-40B4-BE49-F238E27FC236}">
-                <a16:creationId xmlns:a16="http://schemas.microsoft.com/office/drawing/2014/main" id="{853C77DB-C7E3-4B1F-9AD0-1EB2982A8659}"/>
+                <a16:creationId xmlns="" xmlns:a16="http://schemas.microsoft.com/office/drawing/2014/main" id="{853C77DB-C7E3-4B1F-9AD0-1EB2982A8659}"/>
               </a:ext>
               <a:ext uri="{C183D7F6-B498-43B3-948B-1728B52AA6E4}">
-                <adec:decorative xmlns:adec="http://schemas.microsoft.com/office/drawing/2017/decorative" val="1"/>
+                <adec:decorative xmlns="" xmlns:adec="http://schemas.microsoft.com/office/drawing/2017/decorative" val="1"/>
               </a:ext>
             </a:extLst>
           </p:cNvPr>
@@ -3818,7 +3821,7 @@
           <p:nvPr>
             <p:extLst>
               <p:ext uri="{386F3935-93C4-4BCD-93E2-E3B085C9AB24}">
-                <p16:designElem xmlns:p16="http://schemas.microsoft.com/office/powerpoint/2015/main" val="1"/>
+                <p16:designElem xmlns="" xmlns:p16="http://schemas.microsoft.com/office/powerpoint/2015/main" val="1"/>
               </p:ext>
             </p:extLst>
           </p:nvPr>
@@ -4078,6 +4081,536 @@
   <p:clrMapOvr>
     <a:masterClrMapping/>
   </p:clrMapOvr>
+  <p:timing>
+    <p:tnLst>
+      <p:par>
+        <p:cTn id="1" dur="indefinite" restart="never" nodeType="tmRoot"/>
+      </p:par>
+    </p:tnLst>
+  </p:timing>
+</p:sld>
+</file>
+
+<file path=ppt/slides/slide10.xml><?xml version="1.0" encoding="utf-8"?>
+<p:sld xmlns:a="http://schemas.openxmlformats.org/drawingml/2006/main" xmlns:r="http://schemas.openxmlformats.org/officeDocument/2006/relationships" xmlns:p="http://schemas.openxmlformats.org/presentationml/2006/main">
+  <p:cSld>
+    <p:spTree>
+      <p:nvGrpSpPr>
+        <p:cNvPr id="1" name=""/>
+        <p:cNvGrpSpPr/>
+        <p:nvPr/>
+      </p:nvGrpSpPr>
+      <p:grpSpPr>
+        <a:xfrm>
+          <a:off x="0" y="0"/>
+          <a:ext cx="0" cy="0"/>
+          <a:chOff x="0" y="0"/>
+          <a:chExt cx="0" cy="0"/>
+        </a:xfrm>
+      </p:grpSpPr>
+      <p:pic>
+        <p:nvPicPr>
+          <p:cNvPr id="5" name="Picture 5" descr="Text&#10;&#10;Description automatically generated">
+            <a:extLst>
+              <a:ext uri="{FF2B5EF4-FFF2-40B4-BE49-F238E27FC236}">
+                <a16:creationId xmlns="" xmlns:a16="http://schemas.microsoft.com/office/drawing/2014/main" id="{363C35EF-5BD8-88BF-164A-911A69757537}"/>
+              </a:ext>
+            </a:extLst>
+          </p:cNvPr>
+          <p:cNvPicPr>
+            <a:picLocks noChangeAspect="1"/>
+          </p:cNvPicPr>
+          <p:nvPr/>
+        </p:nvPicPr>
+        <p:blipFill>
+          <a:blip r:embed="rId2"/>
+          <a:stretch>
+            <a:fillRect/>
+          </a:stretch>
+        </p:blipFill>
+        <p:spPr>
+          <a:xfrm>
+            <a:off x="350234" y="2809128"/>
+            <a:ext cx="6130886" cy="1662954"/>
+          </a:xfrm>
+          <a:prstGeom prst="rect">
+            <a:avLst/>
+          </a:prstGeom>
+        </p:spPr>
+      </p:pic>
+      <p:pic>
+        <p:nvPicPr>
+          <p:cNvPr id="6" name="Picture 6" descr="Text&#10;&#10;Description automatically generated">
+            <a:extLst>
+              <a:ext uri="{FF2B5EF4-FFF2-40B4-BE49-F238E27FC236}">
+                <a16:creationId xmlns="" xmlns:a16="http://schemas.microsoft.com/office/drawing/2014/main" id="{496D1DA3-A8B1-7233-188D-6E7C448DC4DB}"/>
+              </a:ext>
+            </a:extLst>
+          </p:cNvPr>
+          <p:cNvPicPr>
+            <a:picLocks noChangeAspect="1"/>
+          </p:cNvPicPr>
+          <p:nvPr/>
+        </p:nvPicPr>
+        <p:blipFill>
+          <a:blip r:embed="rId3"/>
+          <a:stretch>
+            <a:fillRect/>
+          </a:stretch>
+        </p:blipFill>
+        <p:spPr>
+          <a:xfrm>
+            <a:off x="351546" y="1255096"/>
+            <a:ext cx="6130886" cy="1229689"/>
+          </a:xfrm>
+          <a:prstGeom prst="rect">
+            <a:avLst/>
+          </a:prstGeom>
+        </p:spPr>
+      </p:pic>
+      <p:pic>
+        <p:nvPicPr>
+          <p:cNvPr id="7" name="Picture 7" descr="Text&#10;&#10;Description automatically generated">
+            <a:extLst>
+              <a:ext uri="{FF2B5EF4-FFF2-40B4-BE49-F238E27FC236}">
+                <a16:creationId xmlns="" xmlns:a16="http://schemas.microsoft.com/office/drawing/2014/main" id="{3F3D87DA-7C4D-608A-9A29-DA3C6CC7E2A0}"/>
+              </a:ext>
+            </a:extLst>
+          </p:cNvPr>
+          <p:cNvPicPr>
+            <a:picLocks noChangeAspect="1"/>
+          </p:cNvPicPr>
+          <p:nvPr/>
+        </p:nvPicPr>
+        <p:blipFill>
+          <a:blip r:embed="rId4"/>
+          <a:stretch>
+            <a:fillRect/>
+          </a:stretch>
+        </p:blipFill>
+        <p:spPr>
+          <a:xfrm>
+            <a:off x="7670079" y="460003"/>
+            <a:ext cx="3844886" cy="5641542"/>
+          </a:xfrm>
+          <a:prstGeom prst="rect">
+            <a:avLst/>
+          </a:prstGeom>
+        </p:spPr>
+      </p:pic>
+      <p:sp>
+        <p:nvSpPr>
+          <p:cNvPr id="8" name="TextBox 7">
+            <a:extLst>
+              <a:ext uri="{FF2B5EF4-FFF2-40B4-BE49-F238E27FC236}">
+                <a16:creationId xmlns="" xmlns:a16="http://schemas.microsoft.com/office/drawing/2014/main" id="{F4743DF9-7AA2-F7C1-35DF-7223C7F53B2C}"/>
+              </a:ext>
+            </a:extLst>
+          </p:cNvPr>
+          <p:cNvSpPr txBox="1"/>
+          <p:nvPr/>
+        </p:nvSpPr>
+        <p:spPr>
+          <a:xfrm>
+            <a:off x="95508" y="120089"/>
+            <a:ext cx="884903" cy="369332"/>
+          </a:xfrm>
+          <a:prstGeom prst="rect">
+            <a:avLst/>
+          </a:prstGeom>
+          <a:noFill/>
+        </p:spPr>
+        <p:txBody>
+          <a:bodyPr rot="0" spcFirstLastPara="0" vertOverflow="overflow" horzOverflow="overflow" vert="horz" wrap="square" lIns="91440" tIns="45720" rIns="91440" bIns="45720" numCol="1" spcCol="0" rtlCol="0" fromWordArt="0" anchor="t" anchorCtr="0" forceAA="0" compatLnSpc="1">
+            <a:prstTxWarp prst="textNoShape">
+              <a:avLst/>
+            </a:prstTxWarp>
+            <a:spAutoFit/>
+          </a:bodyPr>
+          <a:lstStyle/>
+          <a:p>
+            <a:pPr algn="l"/>
+            <a:r>
+              <a:rPr lang="ko-KR" altLang="en-US"/>
+              <a:t>유상우</a:t>
+            </a:r>
+            <a:endParaRPr lang="en-US"/>
+          </a:p>
+        </p:txBody>
+      </p:sp>
+    </p:spTree>
+    <p:extLst>
+      <p:ext uri="{BB962C8B-B14F-4D97-AF65-F5344CB8AC3E}">
+        <p14:creationId xmlns:p14="http://schemas.microsoft.com/office/powerpoint/2010/main" val="1145704232"/>
+      </p:ext>
+    </p:extLst>
+  </p:cSld>
+  <p:clrMapOvr>
+    <a:masterClrMapping/>
+  </p:clrMapOvr>
+  <p:timing>
+    <p:tnLst>
+      <p:par>
+        <p:cTn id="1" dur="indefinite" restart="never" nodeType="tmRoot"/>
+      </p:par>
+    </p:tnLst>
+  </p:timing>
+</p:sld>
+</file>
+
+<file path=ppt/slides/slide11.xml><?xml version="1.0" encoding="utf-8"?>
+<p:sld xmlns:a="http://schemas.openxmlformats.org/drawingml/2006/main" xmlns:r="http://schemas.openxmlformats.org/officeDocument/2006/relationships" xmlns:p="http://schemas.openxmlformats.org/presentationml/2006/main">
+  <p:cSld>
+    <p:spTree>
+      <p:nvGrpSpPr>
+        <p:cNvPr id="1" name=""/>
+        <p:cNvGrpSpPr/>
+        <p:nvPr/>
+      </p:nvGrpSpPr>
+      <p:grpSpPr>
+        <a:xfrm>
+          <a:off x="0" y="0"/>
+          <a:ext cx="0" cy="0"/>
+          <a:chOff x="0" y="0"/>
+          <a:chExt cx="0" cy="0"/>
+        </a:xfrm>
+      </p:grpSpPr>
+      <p:pic>
+        <p:nvPicPr>
+          <p:cNvPr id="4" name="Picture 4" descr="Text&#10;&#10;Description automatically generated">
+            <a:extLst>
+              <a:ext uri="{FF2B5EF4-FFF2-40B4-BE49-F238E27FC236}">
+                <a16:creationId xmlns="" xmlns:a16="http://schemas.microsoft.com/office/drawing/2014/main" id="{381AACF7-D288-F69D-5AE7-121807113724}"/>
+              </a:ext>
+            </a:extLst>
+          </p:cNvPr>
+          <p:cNvPicPr>
+            <a:picLocks noChangeAspect="1"/>
+          </p:cNvPicPr>
+          <p:nvPr/>
+        </p:nvPicPr>
+        <p:blipFill>
+          <a:blip r:embed="rId2"/>
+          <a:stretch>
+            <a:fillRect/>
+          </a:stretch>
+        </p:blipFill>
+        <p:spPr>
+          <a:xfrm>
+            <a:off x="1895553" y="1295489"/>
+            <a:ext cx="5341344" cy="1683094"/>
+          </a:xfrm>
+          <a:prstGeom prst="rect">
+            <a:avLst/>
+          </a:prstGeom>
+        </p:spPr>
+      </p:pic>
+      <p:pic>
+        <p:nvPicPr>
+          <p:cNvPr id="5" name="Picture 5" descr="Graphical user interface, text, application, chat or text message&#10;&#10;Description automatically generated">
+            <a:extLst>
+              <a:ext uri="{FF2B5EF4-FFF2-40B4-BE49-F238E27FC236}">
+                <a16:creationId xmlns="" xmlns:a16="http://schemas.microsoft.com/office/drawing/2014/main" id="{76C5D30F-7ED6-B980-483B-9FCAAADC154C}"/>
+              </a:ext>
+            </a:extLst>
+          </p:cNvPr>
+          <p:cNvPicPr>
+            <a:picLocks noChangeAspect="1"/>
+          </p:cNvPicPr>
+          <p:nvPr/>
+        </p:nvPicPr>
+        <p:blipFill>
+          <a:blip r:embed="rId3"/>
+          <a:stretch>
+            <a:fillRect/>
+          </a:stretch>
+        </p:blipFill>
+        <p:spPr>
+          <a:xfrm>
+            <a:off x="1892147" y="3217545"/>
+            <a:ext cx="7094862" cy="2678701"/>
+          </a:xfrm>
+          <a:prstGeom prst="rect">
+            <a:avLst/>
+          </a:prstGeom>
+        </p:spPr>
+      </p:pic>
+      <p:sp>
+        <p:nvSpPr>
+          <p:cNvPr id="6" name="TextBox 5">
+            <a:extLst>
+              <a:ext uri="{FF2B5EF4-FFF2-40B4-BE49-F238E27FC236}">
+                <a16:creationId xmlns="" xmlns:a16="http://schemas.microsoft.com/office/drawing/2014/main" id="{91D0726D-D52F-8F04-BB62-98116A02A537}"/>
+              </a:ext>
+            </a:extLst>
+          </p:cNvPr>
+          <p:cNvSpPr txBox="1"/>
+          <p:nvPr/>
+        </p:nvSpPr>
+        <p:spPr>
+          <a:xfrm>
+            <a:off x="54490" y="84847"/>
+            <a:ext cx="1081550" cy="369332"/>
+          </a:xfrm>
+          <a:prstGeom prst="rect">
+            <a:avLst/>
+          </a:prstGeom>
+          <a:noFill/>
+        </p:spPr>
+        <p:txBody>
+          <a:bodyPr rot="0" spcFirstLastPara="0" vertOverflow="overflow" horzOverflow="overflow" vert="horz" wrap="square" lIns="91440" tIns="45720" rIns="91440" bIns="45720" numCol="1" spcCol="0" rtlCol="0" fromWordArt="0" anchor="t" anchorCtr="0" forceAA="0" compatLnSpc="1">
+            <a:prstTxWarp prst="textNoShape">
+              <a:avLst/>
+            </a:prstTxWarp>
+            <a:spAutoFit/>
+          </a:bodyPr>
+          <a:lstStyle/>
+          <a:p>
+            <a:pPr algn="l"/>
+            <a:r>
+              <a:rPr lang="ko-KR" altLang="en-US"/>
+              <a:t>육준호</a:t>
+            </a:r>
+          </a:p>
+        </p:txBody>
+      </p:sp>
+    </p:spTree>
+    <p:extLst>
+      <p:ext uri="{BB962C8B-B14F-4D97-AF65-F5344CB8AC3E}">
+        <p14:creationId xmlns:p14="http://schemas.microsoft.com/office/powerpoint/2010/main" val="2329977479"/>
+      </p:ext>
+    </p:extLst>
+  </p:cSld>
+  <p:clrMapOvr>
+    <a:masterClrMapping/>
+  </p:clrMapOvr>
+  <p:timing>
+    <p:tnLst>
+      <p:par>
+        <p:cTn id="1" dur="indefinite" restart="never" nodeType="tmRoot"/>
+      </p:par>
+    </p:tnLst>
+  </p:timing>
+</p:sld>
+</file>
+
+<file path=ppt/slides/slide12.xml><?xml version="1.0" encoding="utf-8"?>
+<p:sld xmlns:a="http://schemas.openxmlformats.org/drawingml/2006/main" xmlns:r="http://schemas.openxmlformats.org/officeDocument/2006/relationships" xmlns:p="http://schemas.openxmlformats.org/presentationml/2006/main">
+  <p:cSld>
+    <p:spTree>
+      <p:nvGrpSpPr>
+        <p:cNvPr id="1" name=""/>
+        <p:cNvGrpSpPr/>
+        <p:nvPr/>
+      </p:nvGrpSpPr>
+      <p:grpSpPr>
+        <a:xfrm>
+          <a:off x="0" y="0"/>
+          <a:ext cx="0" cy="0"/>
+          <a:chOff x="0" y="0"/>
+          <a:chExt cx="0" cy="0"/>
+        </a:xfrm>
+      </p:grpSpPr>
+      <p:sp>
+        <p:nvSpPr>
+          <p:cNvPr id="6" name="TextBox 5">
+            <a:extLst>
+              <a:ext uri="{FF2B5EF4-FFF2-40B4-BE49-F238E27FC236}">
+                <a16:creationId xmlns="" xmlns:a16="http://schemas.microsoft.com/office/drawing/2014/main" id="{9C6419A0-5351-1B33-92D9-B8337AA6F39E}"/>
+              </a:ext>
+            </a:extLst>
+          </p:cNvPr>
+          <p:cNvSpPr txBox="1"/>
+          <p:nvPr/>
+        </p:nvSpPr>
+        <p:spPr>
+          <a:xfrm>
+            <a:off x="38796" y="115499"/>
+            <a:ext cx="2777612" cy="369332"/>
+          </a:xfrm>
+          <a:prstGeom prst="rect">
+            <a:avLst/>
+          </a:prstGeom>
+          <a:noFill/>
+        </p:spPr>
+        <p:txBody>
+          <a:bodyPr rot="0" spcFirstLastPara="0" vertOverflow="overflow" horzOverflow="overflow" vert="horz" wrap="square" lIns="91440" tIns="45720" rIns="91440" bIns="45720" numCol="1" spcCol="0" rtlCol="0" fromWordArt="0" anchor="t" anchorCtr="0" forceAA="0" compatLnSpc="1">
+            <a:prstTxWarp prst="textNoShape">
+              <a:avLst/>
+            </a:prstTxWarp>
+            <a:spAutoFit/>
+          </a:bodyPr>
+          <a:lstStyle/>
+          <a:p>
+            <a:pPr algn="l"/>
+            <a:r>
+              <a:rPr lang="ko-KR" altLang="en-US"/>
+              <a:t>송지훈</a:t>
+            </a:r>
+            <a:endParaRPr lang="en-US"/>
+          </a:p>
+        </p:txBody>
+      </p:sp>
+      <p:pic>
+        <p:nvPicPr>
+          <p:cNvPr id="7" name="Picture 7" descr="Text&#10;&#10;Description automatically generated">
+            <a:extLst>
+              <a:ext uri="{FF2B5EF4-FFF2-40B4-BE49-F238E27FC236}">
+                <a16:creationId xmlns="" xmlns:a16="http://schemas.microsoft.com/office/drawing/2014/main" id="{979F4311-C4E0-FDD9-9F1A-CD4A9BD96574}"/>
+              </a:ext>
+            </a:extLst>
+          </p:cNvPr>
+          <p:cNvPicPr>
+            <a:picLocks noChangeAspect="1"/>
+          </p:cNvPicPr>
+          <p:nvPr/>
+        </p:nvPicPr>
+        <p:blipFill>
+          <a:blip r:embed="rId2"/>
+          <a:stretch>
+            <a:fillRect/>
+          </a:stretch>
+        </p:blipFill>
+        <p:spPr>
+          <a:xfrm>
+            <a:off x="422491" y="958799"/>
+            <a:ext cx="3395031" cy="1779568"/>
+          </a:xfrm>
+          <a:prstGeom prst="rect">
+            <a:avLst/>
+          </a:prstGeom>
+        </p:spPr>
+      </p:pic>
+      <p:pic>
+        <p:nvPicPr>
+          <p:cNvPr id="8" name="Picture 8">
+            <a:extLst>
+              <a:ext uri="{FF2B5EF4-FFF2-40B4-BE49-F238E27FC236}">
+                <a16:creationId xmlns="" xmlns:a16="http://schemas.microsoft.com/office/drawing/2014/main" id="{D52FA386-1C4D-3AA5-A113-BA287590AE8B}"/>
+              </a:ext>
+            </a:extLst>
+          </p:cNvPr>
+          <p:cNvPicPr>
+            <a:picLocks noChangeAspect="1"/>
+          </p:cNvPicPr>
+          <p:nvPr/>
+        </p:nvPicPr>
+        <p:blipFill>
+          <a:blip r:embed="rId3"/>
+          <a:stretch>
+            <a:fillRect/>
+          </a:stretch>
+        </p:blipFill>
+        <p:spPr>
+          <a:xfrm>
+            <a:off x="4144091" y="1044176"/>
+            <a:ext cx="7627343" cy="269613"/>
+          </a:xfrm>
+          <a:prstGeom prst="rect">
+            <a:avLst/>
+          </a:prstGeom>
+        </p:spPr>
+      </p:pic>
+      <p:pic>
+        <p:nvPicPr>
+          <p:cNvPr id="9" name="Picture 9">
+            <a:extLst>
+              <a:ext uri="{FF2B5EF4-FFF2-40B4-BE49-F238E27FC236}">
+                <a16:creationId xmlns="" xmlns:a16="http://schemas.microsoft.com/office/drawing/2014/main" id="{70040BB3-8733-4B01-58EC-45CA588B5BAF}"/>
+              </a:ext>
+            </a:extLst>
+          </p:cNvPr>
+          <p:cNvPicPr>
+            <a:picLocks noChangeAspect="1"/>
+          </p:cNvPicPr>
+          <p:nvPr/>
+        </p:nvPicPr>
+        <p:blipFill>
+          <a:blip r:embed="rId4"/>
+          <a:stretch>
+            <a:fillRect/>
+          </a:stretch>
+        </p:blipFill>
+        <p:spPr>
+          <a:xfrm>
+            <a:off x="4141424" y="1649009"/>
+            <a:ext cx="6727633" cy="406845"/>
+          </a:xfrm>
+          <a:prstGeom prst="rect">
+            <a:avLst/>
+          </a:prstGeom>
+        </p:spPr>
+      </p:pic>
+      <p:pic>
+        <p:nvPicPr>
+          <p:cNvPr id="10" name="Picture 10" descr="Text&#10;&#10;Description automatically generated">
+            <a:extLst>
+              <a:ext uri="{FF2B5EF4-FFF2-40B4-BE49-F238E27FC236}">
+                <a16:creationId xmlns="" xmlns:a16="http://schemas.microsoft.com/office/drawing/2014/main" id="{9ECE9516-15C3-A844-2783-24315C880A49}"/>
+              </a:ext>
+            </a:extLst>
+          </p:cNvPr>
+          <p:cNvPicPr>
+            <a:picLocks noChangeAspect="1"/>
+          </p:cNvPicPr>
+          <p:nvPr/>
+        </p:nvPicPr>
+        <p:blipFill>
+          <a:blip r:embed="rId5"/>
+          <a:stretch>
+            <a:fillRect/>
+          </a:stretch>
+        </p:blipFill>
+        <p:spPr>
+          <a:xfrm>
+            <a:off x="6644653" y="3241050"/>
+            <a:ext cx="4827224" cy="2128823"/>
+          </a:xfrm>
+          <a:prstGeom prst="rect">
+            <a:avLst/>
+          </a:prstGeom>
+        </p:spPr>
+      </p:pic>
+      <p:pic>
+        <p:nvPicPr>
+          <p:cNvPr id="2" name="Picture 2" descr="Graphical user interface&#10;&#10;Description automatically generated">
+            <a:extLst>
+              <a:ext uri="{FF2B5EF4-FFF2-40B4-BE49-F238E27FC236}">
+                <a16:creationId xmlns="" xmlns:a16="http://schemas.microsoft.com/office/drawing/2014/main" id="{93E88505-BB5B-1A76-CC7E-34DCF3F8384A}"/>
+              </a:ext>
+            </a:extLst>
+          </p:cNvPr>
+          <p:cNvPicPr>
+            <a:picLocks noChangeAspect="1"/>
+          </p:cNvPicPr>
+          <p:nvPr/>
+        </p:nvPicPr>
+        <p:blipFill>
+          <a:blip r:embed="rId6"/>
+          <a:stretch>
+            <a:fillRect/>
+          </a:stretch>
+        </p:blipFill>
+        <p:spPr>
+          <a:xfrm>
+            <a:off x="418641" y="3744217"/>
+            <a:ext cx="4423272" cy="847663"/>
+          </a:xfrm>
+          <a:prstGeom prst="rect">
+            <a:avLst/>
+          </a:prstGeom>
+        </p:spPr>
+      </p:pic>
+    </p:spTree>
+    <p:extLst>
+      <p:ext uri="{BB962C8B-B14F-4D97-AF65-F5344CB8AC3E}">
+        <p14:creationId xmlns:p14="http://schemas.microsoft.com/office/powerpoint/2010/main" val="3142114090"/>
+      </p:ext>
+    </p:extLst>
+  </p:cSld>
+  <p:clrMapOvr>
+    <a:masterClrMapping/>
+  </p:clrMapOvr>
 </p:sld>
 </file>
 
@@ -4098,12 +4631,56 @@
           <a:chExt cx="0" cy="0"/>
         </a:xfrm>
       </p:grpSpPr>
+      <p:sp>
+        <p:nvSpPr>
+          <p:cNvPr id="4" name="TextBox 3">
+            <a:extLst>
+              <a:ext uri="{FF2B5EF4-FFF2-40B4-BE49-F238E27FC236}">
+                <a16:creationId xmlns="" xmlns:a16="http://schemas.microsoft.com/office/drawing/2014/main" id="{33654825-0954-BE0D-E887-CF73BE33EE64}"/>
+              </a:ext>
+            </a:extLst>
+          </p:cNvPr>
+          <p:cNvSpPr txBox="1"/>
+          <p:nvPr/>
+        </p:nvSpPr>
+        <p:spPr>
+          <a:xfrm>
+            <a:off x="3326732" y="103272"/>
+            <a:ext cx="5550568" cy="830997"/>
+          </a:xfrm>
+          <a:prstGeom prst="rect">
+            <a:avLst/>
+          </a:prstGeom>
+          <a:noFill/>
+        </p:spPr>
+        <p:txBody>
+          <a:bodyPr rot="0" spcFirstLastPara="0" vertOverflow="overflow" horzOverflow="overflow" vert="horz" wrap="square" lIns="91440" tIns="45720" rIns="91440" bIns="45720" numCol="1" spcCol="0" rtlCol="0" fromWordArt="0" anchor="t" anchorCtr="0" forceAA="0" compatLnSpc="1">
+            <a:prstTxWarp prst="textNoShape">
+              <a:avLst/>
+            </a:prstTxWarp>
+            <a:spAutoFit/>
+          </a:bodyPr>
+          <a:lstStyle/>
+          <a:p>
+            <a:pPr algn="ctr"/>
+            <a:r>
+              <a:rPr lang="ko-KR" altLang="en-US" sz="4800" dirty="0">
+                <a:latin typeface="Noto Sans KR"/>
+              </a:rPr>
+              <a:t>와이어프레임</a:t>
+            </a:r>
+            <a:endParaRPr lang="en-US" sz="4800" dirty="0">
+              <a:latin typeface="Noto Sans KR"/>
+            </a:endParaRPr>
+          </a:p>
+        </p:txBody>
+      </p:sp>
       <p:pic>
         <p:nvPicPr>
           <p:cNvPr id="5" name="Picture 5" descr="Diagram&#10;&#10;Description automatically generated">
             <a:extLst>
               <a:ext uri="{FF2B5EF4-FFF2-40B4-BE49-F238E27FC236}">
-                <a16:creationId xmlns:a16="http://schemas.microsoft.com/office/drawing/2014/main" id="{5E19641F-D8CA-D5B3-5EE0-63EEF7250503}"/>
+                <a16:creationId xmlns="" xmlns:a16="http://schemas.microsoft.com/office/drawing/2014/main" id="{5E19641F-D8CA-D5B3-5EE0-63EEF7250503}"/>
               </a:ext>
             </a:extLst>
           </p:cNvPr>
@@ -4120,112 +4697,20 @@
         </p:blipFill>
         <p:spPr>
           <a:xfrm>
-            <a:off x="413085" y="2218467"/>
-            <a:ext cx="5279858" cy="2421066"/>
+            <a:off x="302794" y="1813725"/>
+            <a:ext cx="5744811" cy="2634269"/>
           </a:xfrm>
           <a:prstGeom prst="rect">
             <a:avLst/>
           </a:prstGeom>
         </p:spPr>
       </p:pic>
-      <p:sp>
-        <p:nvSpPr>
-          <p:cNvPr id="7" name="TextBox 6">
-            <a:extLst>
-              <a:ext uri="{FF2B5EF4-FFF2-40B4-BE49-F238E27FC236}">
-                <a16:creationId xmlns:a16="http://schemas.microsoft.com/office/drawing/2014/main" id="{1C56FEAF-1A8C-2B3F-4B55-5DC5B91BB3D2}"/>
-              </a:ext>
-            </a:extLst>
-          </p:cNvPr>
-          <p:cNvSpPr txBox="1"/>
-          <p:nvPr/>
-        </p:nvSpPr>
-        <p:spPr>
-          <a:xfrm>
-            <a:off x="1820985" y="1453586"/>
-            <a:ext cx="3156541" cy="646331"/>
-          </a:xfrm>
-          <a:prstGeom prst="rect">
-            <a:avLst/>
-          </a:prstGeom>
-          <a:noFill/>
-        </p:spPr>
-        <p:txBody>
-          <a:bodyPr rot="0" spcFirstLastPara="0" vertOverflow="overflow" horzOverflow="overflow" vert="horz" wrap="square" lIns="91440" tIns="45720" rIns="91440" bIns="45720" numCol="1" spcCol="0" rtlCol="0" fromWordArt="0" anchor="t" anchorCtr="0" forceAA="0" compatLnSpc="1">
-            <a:prstTxWarp prst="textNoShape">
-              <a:avLst/>
-            </a:prstTxWarp>
-            <a:spAutoFit/>
-          </a:bodyPr>
-          <a:lstStyle/>
-          <a:p>
-            <a:pPr algn="l"/>
-            <a:r>
-              <a:rPr lang="ko-KR" altLang="en-US" sz="3600" dirty="0" err="1">
-                <a:latin typeface="나눔바른고딕" panose="020B0603020101020101" pitchFamily="50" charset="-127"/>
-                <a:ea typeface="나눔바른고딕" panose="020B0603020101020101" pitchFamily="50" charset="-127"/>
-              </a:rPr>
-              <a:t>메인페이지</a:t>
-            </a:r>
-            <a:endParaRPr lang="ko-KR" altLang="en-US" sz="3600" dirty="0">
-              <a:latin typeface="나눔바른고딕" panose="020B0603020101020101" pitchFamily="50" charset="-127"/>
-              <a:ea typeface="나눔바른고딕" panose="020B0603020101020101" pitchFamily="50" charset="-127"/>
-            </a:endParaRPr>
-          </a:p>
-        </p:txBody>
-      </p:sp>
-      <p:sp>
-        <p:nvSpPr>
-          <p:cNvPr id="8" name="TextBox 7">
-            <a:extLst>
-              <a:ext uri="{FF2B5EF4-FFF2-40B4-BE49-F238E27FC236}">
-                <a16:creationId xmlns:a16="http://schemas.microsoft.com/office/drawing/2014/main" id="{F91F09F3-6F98-7D71-62CA-FB290CF9C173}"/>
-              </a:ext>
-            </a:extLst>
-          </p:cNvPr>
-          <p:cNvSpPr txBox="1"/>
-          <p:nvPr/>
-        </p:nvSpPr>
-        <p:spPr>
-          <a:xfrm>
-            <a:off x="7862276" y="1453585"/>
-            <a:ext cx="2508739" cy="646331"/>
-          </a:xfrm>
-          <a:prstGeom prst="rect">
-            <a:avLst/>
-          </a:prstGeom>
-          <a:noFill/>
-        </p:spPr>
-        <p:txBody>
-          <a:bodyPr rot="0" spcFirstLastPara="0" vertOverflow="overflow" horzOverflow="overflow" vert="horz" wrap="square" lIns="91440" tIns="45720" rIns="91440" bIns="45720" numCol="1" spcCol="0" rtlCol="0" fromWordArt="0" anchor="t" anchorCtr="0" forceAA="0" compatLnSpc="1">
-            <a:prstTxWarp prst="textNoShape">
-              <a:avLst/>
-            </a:prstTxWarp>
-            <a:spAutoFit/>
-          </a:bodyPr>
-          <a:lstStyle/>
-          <a:p>
-            <a:pPr algn="l"/>
-            <a:r>
-              <a:rPr lang="ko-KR" altLang="en-US" sz="3600">
-                <a:latin typeface="나눔바른고딕" panose="020B0603020101020101" pitchFamily="50" charset="-127"/>
-                <a:ea typeface="나눔바른고딕" panose="020B0603020101020101" pitchFamily="50" charset="-127"/>
-              </a:rPr>
-              <a:t>개인페이지</a:t>
-            </a:r>
-            <a:endParaRPr lang="ko-KR" altLang="en-US" sz="3600" dirty="0">
-              <a:latin typeface="나눔바른고딕" panose="020B0603020101020101" pitchFamily="50" charset="-127"/>
-              <a:ea typeface="나눔바른고딕" panose="020B0603020101020101" pitchFamily="50" charset="-127"/>
-            </a:endParaRPr>
-          </a:p>
-        </p:txBody>
-      </p:sp>
       <p:pic>
         <p:nvPicPr>
-          <p:cNvPr id="9" name="Picture 6" descr="Text&#10;&#10;Description automatically generated">
-            <a:extLst>
-              <a:ext uri="{FF2B5EF4-FFF2-40B4-BE49-F238E27FC236}">
-                <a16:creationId xmlns:a16="http://schemas.microsoft.com/office/drawing/2014/main" id="{1E219156-3394-447C-802E-DB0DB343258A}"/>
+          <p:cNvPr id="6" name="Picture 6" descr="Text&#10;&#10;Description automatically generated">
+            <a:extLst>
+              <a:ext uri="{FF2B5EF4-FFF2-40B4-BE49-F238E27FC236}">
+                <a16:creationId xmlns="" xmlns:a16="http://schemas.microsoft.com/office/drawing/2014/main" id="{5C0D62C2-6C02-1C16-54E7-78FCA02EA443}"/>
               </a:ext>
             </a:extLst>
           </p:cNvPr>
@@ -4242,8 +4727,8 @@
         </p:blipFill>
         <p:spPr>
           <a:xfrm>
-            <a:off x="6389642" y="2218467"/>
-            <a:ext cx="5279857" cy="2421066"/>
+            <a:off x="6281754" y="1813724"/>
+            <a:ext cx="5744812" cy="2634270"/>
           </a:xfrm>
           <a:prstGeom prst="rect">
             <a:avLst/>
@@ -4252,71 +4737,85 @@
       </p:pic>
       <p:sp>
         <p:nvSpPr>
-          <p:cNvPr id="2" name="순서도: 종속 처리 1">
-            <a:extLst>
-              <a:ext uri="{FF2B5EF4-FFF2-40B4-BE49-F238E27FC236}">
-                <a16:creationId xmlns:a16="http://schemas.microsoft.com/office/drawing/2014/main" id="{83E686A5-00B2-4AD0-B946-CB2657196337}"/>
-              </a:ext>
-            </a:extLst>
-          </p:cNvPr>
-          <p:cNvSpPr/>
+          <p:cNvPr id="7" name="TextBox 6">
+            <a:extLst>
+              <a:ext uri="{FF2B5EF4-FFF2-40B4-BE49-F238E27FC236}">
+                <a16:creationId xmlns="" xmlns:a16="http://schemas.microsoft.com/office/drawing/2014/main" id="{1C56FEAF-1A8C-2B3F-4B55-5DC5B91BB3D2}"/>
+              </a:ext>
+            </a:extLst>
+          </p:cNvPr>
+          <p:cNvSpPr txBox="1"/>
           <p:nvPr/>
         </p:nvSpPr>
         <p:spPr>
           <a:xfrm>
-            <a:off x="0" y="0"/>
-            <a:ext cx="12192000" cy="797169"/>
+            <a:off x="1656212" y="4678400"/>
+            <a:ext cx="3037973" cy="400110"/>
           </a:xfrm>
-          <a:prstGeom prst="flowChartPredefinedProcess">
+          <a:prstGeom prst="rect">
             <a:avLst/>
           </a:prstGeom>
+          <a:noFill/>
         </p:spPr>
-        <p:style>
-          <a:lnRef idx="2">
-            <a:schemeClr val="accent1">
-              <a:shade val="50000"/>
-            </a:schemeClr>
-          </a:lnRef>
-          <a:fillRef idx="1">
-            <a:schemeClr val="accent1"/>
-          </a:fillRef>
-          <a:effectRef idx="0">
-            <a:schemeClr val="accent1"/>
-          </a:effectRef>
-          <a:fontRef idx="minor">
-            <a:schemeClr val="lt1"/>
-          </a:fontRef>
-        </p:style>
-        <p:txBody>
-          <a:bodyPr rtlCol="0" anchor="ctr"/>
+        <p:txBody>
+          <a:bodyPr rot="0" spcFirstLastPara="0" vertOverflow="overflow" horzOverflow="overflow" vert="horz" wrap="square" lIns="91440" tIns="45720" rIns="91440" bIns="45720" numCol="1" spcCol="0" rtlCol="0" fromWordArt="0" anchor="t" anchorCtr="0" forceAA="0" compatLnSpc="1">
+            <a:prstTxWarp prst="textNoShape">
+              <a:avLst/>
+            </a:prstTxWarp>
+            <a:spAutoFit/>
+          </a:bodyPr>
           <a:lstStyle/>
           <a:p>
             <a:pPr algn="ctr"/>
             <a:r>
-              <a:rPr lang="ko-KR" altLang="en-US" sz="3600" dirty="0">
-                <a:effectLst>
-                  <a:outerShdw blurRad="50800" dist="38100" dir="2700000" algn="tl" rotWithShape="0">
-                    <a:prstClr val="black">
-                      <a:alpha val="40000"/>
-                    </a:prstClr>
-                  </a:outerShdw>
-                </a:effectLst>
-                <a:latin typeface="나눔바른고딕" panose="020B0603020101020101" pitchFamily="50" charset="-127"/>
-                <a:ea typeface="나눔바른고딕" panose="020B0603020101020101" pitchFamily="50" charset="-127"/>
-              </a:rPr>
-              <a:t>와이어프레임</a:t>
-            </a:r>
-            <a:endParaRPr lang="en-US" altLang="ko-KR" sz="3600" dirty="0">
-              <a:effectLst>
-                <a:outerShdw blurRad="50800" dist="38100" dir="2700000" algn="tl" rotWithShape="0">
-                  <a:prstClr val="black">
-                    <a:alpha val="40000"/>
-                  </a:prstClr>
-                </a:outerShdw>
-              </a:effectLst>
-              <a:latin typeface="나눔바른고딕" panose="020B0603020101020101" pitchFamily="50" charset="-127"/>
-              <a:ea typeface="나눔바른고딕" panose="020B0603020101020101" pitchFamily="50" charset="-127"/>
-            </a:endParaRPr>
+              <a:rPr lang="ko-KR" altLang="en-US" sz="2000" dirty="0" err="1" smtClean="0"/>
+              <a:t>메인페이지</a:t>
+            </a:r>
+            <a:r>
+              <a:rPr lang="ko-KR" altLang="en-US" sz="2000" dirty="0" smtClean="0"/>
+              <a:t>.</a:t>
+            </a:r>
+            <a:endParaRPr lang="ko-KR" altLang="en-US" sz="2000" dirty="0"/>
+          </a:p>
+        </p:txBody>
+      </p:sp>
+      <p:sp>
+        <p:nvSpPr>
+          <p:cNvPr id="8" name="TextBox 7">
+            <a:extLst>
+              <a:ext uri="{FF2B5EF4-FFF2-40B4-BE49-F238E27FC236}">
+                <a16:creationId xmlns="" xmlns:a16="http://schemas.microsoft.com/office/drawing/2014/main" id="{F91F09F3-6F98-7D71-62CA-FB290CF9C173}"/>
+              </a:ext>
+            </a:extLst>
+          </p:cNvPr>
+          <p:cNvSpPr txBox="1"/>
+          <p:nvPr/>
+        </p:nvSpPr>
+        <p:spPr>
+          <a:xfrm>
+            <a:off x="7635173" y="4678400"/>
+            <a:ext cx="3037973" cy="400110"/>
+          </a:xfrm>
+          <a:prstGeom prst="rect">
+            <a:avLst/>
+          </a:prstGeom>
+          <a:noFill/>
+        </p:spPr>
+        <p:txBody>
+          <a:bodyPr rot="0" spcFirstLastPara="0" vertOverflow="overflow" horzOverflow="overflow" vert="horz" wrap="square" lIns="91440" tIns="45720" rIns="91440" bIns="45720" numCol="1" spcCol="0" rtlCol="0" fromWordArt="0" anchor="t" anchorCtr="0" forceAA="0" compatLnSpc="1">
+            <a:prstTxWarp prst="textNoShape">
+              <a:avLst/>
+            </a:prstTxWarp>
+            <a:spAutoFit/>
+          </a:bodyPr>
+          <a:lstStyle/>
+          <a:p>
+            <a:pPr algn="ctr"/>
+            <a:r>
+              <a:rPr lang="ko-KR" altLang="en-US" sz="2000" dirty="0" smtClean="0"/>
+              <a:t>개인페이지.</a:t>
+            </a:r>
+            <a:endParaRPr lang="ko-KR" altLang="en-US" sz="2000" dirty="0"/>
           </a:p>
         </p:txBody>
       </p:sp>
@@ -4330,6 +4829,13 @@
   <p:clrMapOvr>
     <a:masterClrMapping/>
   </p:clrMapOvr>
+  <p:timing>
+    <p:tnLst>
+      <p:par>
+        <p:cTn id="1" dur="indefinite" restart="never" nodeType="tmRoot"/>
+      </p:par>
+    </p:tnLst>
+  </p:timing>
 </p:sld>
 </file>
 
@@ -4350,82 +4856,22 @@
           <a:chExt cx="0" cy="0"/>
         </a:xfrm>
       </p:grpSpPr>
-      <p:pic>
-        <p:nvPicPr>
-          <p:cNvPr id="4" name="Picture 4" descr="A picture containing text, electronics, screenshot, different&#10;&#10;Description automatically generated">
-            <a:extLst>
-              <a:ext uri="{FF2B5EF4-FFF2-40B4-BE49-F238E27FC236}">
-                <a16:creationId xmlns:a16="http://schemas.microsoft.com/office/drawing/2014/main" id="{44D7286F-3D3B-42B2-91E3-8984FA18896E}"/>
-              </a:ext>
-            </a:extLst>
-          </p:cNvPr>
-          <p:cNvPicPr>
-            <a:picLocks noChangeAspect="1"/>
-          </p:cNvPicPr>
+      <p:sp>
+        <p:nvSpPr>
+          <p:cNvPr id="7" name="TextBox 6">
+            <a:extLst>
+              <a:ext uri="{FF2B5EF4-FFF2-40B4-BE49-F238E27FC236}">
+                <a16:creationId xmlns="" xmlns:a16="http://schemas.microsoft.com/office/drawing/2014/main" id="{F3A7D976-9EE4-0D22-F923-90DB6308DD79}"/>
+              </a:ext>
+            </a:extLst>
+          </p:cNvPr>
+          <p:cNvSpPr txBox="1"/>
           <p:nvPr/>
-        </p:nvPicPr>
-        <p:blipFill>
-          <a:blip r:embed="rId2"/>
-          <a:stretch>
-            <a:fillRect/>
-          </a:stretch>
-        </p:blipFill>
+        </p:nvSpPr>
         <p:spPr>
           <a:xfrm>
-            <a:off x="890482" y="906987"/>
-            <a:ext cx="4742580" cy="4276225"/>
-          </a:xfrm>
-          <a:prstGeom prst="rect">
-            <a:avLst/>
-          </a:prstGeom>
-        </p:spPr>
-      </p:pic>
-      <p:pic>
-        <p:nvPicPr>
-          <p:cNvPr id="5" name="Picture 5" descr="Graphical user interface, website&#10;&#10;Description automatically generated">
-            <a:extLst>
-              <a:ext uri="{FF2B5EF4-FFF2-40B4-BE49-F238E27FC236}">
-                <a16:creationId xmlns:a16="http://schemas.microsoft.com/office/drawing/2014/main" id="{15002A04-917F-EF24-8F4E-8DE5BB3FA508}"/>
-              </a:ext>
-            </a:extLst>
-          </p:cNvPr>
-          <p:cNvPicPr>
-            <a:picLocks noChangeAspect="1"/>
-          </p:cNvPicPr>
-          <p:nvPr/>
-        </p:nvPicPr>
-        <p:blipFill>
-          <a:blip r:embed="rId3"/>
-          <a:stretch>
-            <a:fillRect/>
-          </a:stretch>
-        </p:blipFill>
-        <p:spPr>
-          <a:xfrm>
-            <a:off x="6739255" y="912903"/>
-            <a:ext cx="4377812" cy="4270309"/>
-          </a:xfrm>
-          <a:prstGeom prst="rect">
-            <a:avLst/>
-          </a:prstGeom>
-        </p:spPr>
-      </p:pic>
-      <p:sp>
-        <p:nvSpPr>
-          <p:cNvPr id="7" name="TextBox 6">
-            <a:extLst>
-              <a:ext uri="{FF2B5EF4-FFF2-40B4-BE49-F238E27FC236}">
-                <a16:creationId xmlns:a16="http://schemas.microsoft.com/office/drawing/2014/main" id="{F3A7D976-9EE4-0D22-F923-90DB6308DD79}"/>
-              </a:ext>
-            </a:extLst>
-          </p:cNvPr>
-          <p:cNvSpPr txBox="1"/>
-          <p:nvPr/>
-        </p:nvSpPr>
-        <p:spPr>
-          <a:xfrm>
-            <a:off x="2632523" y="5293031"/>
-            <a:ext cx="782800" cy="369332"/>
+            <a:off x="9108784" y="3375936"/>
+            <a:ext cx="2712064" cy="400110"/>
           </a:xfrm>
           <a:prstGeom prst="rect">
             <a:avLst/>
@@ -4441,24 +4887,29 @@
           </a:bodyPr>
           <a:lstStyle/>
           <a:p>
-            <a:r>
-              <a:rPr lang="ko-KR" altLang="en-US" dirty="0"/>
+            <a:pPr algn="ctr"/>
+            <a:r>
+              <a:rPr lang="ko-KR" altLang="en-US" sz="2000" dirty="0"/>
               <a:t>메인</a:t>
             </a:r>
             <a:r>
-              <a:rPr lang="en-US" altLang="ko-KR" dirty="0"/>
+              <a:rPr lang="en-US" altLang="ko-KR" sz="2000" dirty="0"/>
               <a:t> </a:t>
             </a:r>
-            <a:endParaRPr lang="en-US" dirty="0"/>
-          </a:p>
-        </p:txBody>
-      </p:sp>
-      <p:sp>
-        <p:nvSpPr>
-          <p:cNvPr id="8" name="TextBox 7">
-            <a:extLst>
-              <a:ext uri="{FF2B5EF4-FFF2-40B4-BE49-F238E27FC236}">
-                <a16:creationId xmlns:a16="http://schemas.microsoft.com/office/drawing/2014/main" id="{DE5EFD92-1127-F347-F3D4-E86A94EFBCD2}"/>
+            <a:r>
+              <a:rPr lang="en-US" altLang="ko-KR" sz="2000" dirty="0" err="1" smtClean="0"/>
+              <a:t>페이지</a:t>
+            </a:r>
+            <a:endParaRPr lang="en-US" sz="2000" dirty="0"/>
+          </a:p>
+        </p:txBody>
+      </p:sp>
+      <p:sp>
+        <p:nvSpPr>
+          <p:cNvPr id="9" name="TextBox 8">
+            <a:extLst>
+              <a:ext uri="{FF2B5EF4-FFF2-40B4-BE49-F238E27FC236}">
+                <a16:creationId xmlns="" xmlns:a16="http://schemas.microsoft.com/office/drawing/2014/main" id="{33654825-0954-BE0D-E887-CF73BE33EE64}"/>
               </a:ext>
             </a:extLst>
           </p:cNvPr>
@@ -4467,8 +4918,8 @@
         </p:nvSpPr>
         <p:spPr>
           <a:xfrm>
-            <a:off x="8776679" y="5293031"/>
-            <a:ext cx="719014" cy="369332"/>
+            <a:off x="3326732" y="160422"/>
+            <a:ext cx="5550568" cy="830997"/>
           </a:xfrm>
           <a:prstGeom prst="rect">
             <a:avLst/>
@@ -4484,84 +4935,73 @@
           </a:bodyPr>
           <a:lstStyle/>
           <a:p>
-            <a:r>
-              <a:rPr lang="ko-KR" altLang="en-US" dirty="0"/>
-              <a:t>개인</a:t>
-            </a:r>
-            <a:endParaRPr lang="en-US" dirty="0"/>
-          </a:p>
-        </p:txBody>
-      </p:sp>
-      <p:sp>
-        <p:nvSpPr>
-          <p:cNvPr id="9" name="순서도: 종속 처리 8">
-            <a:extLst>
-              <a:ext uri="{FF2B5EF4-FFF2-40B4-BE49-F238E27FC236}">
-                <a16:creationId xmlns:a16="http://schemas.microsoft.com/office/drawing/2014/main" id="{69B45ED3-85A0-4423-9256-7BB262B651B8}"/>
-              </a:ext>
-            </a:extLst>
-          </p:cNvPr>
-          <p:cNvSpPr/>
+            <a:pPr algn="ctr"/>
+            <a:r>
+              <a:rPr lang="ko-KR" altLang="en-US" sz="4800" dirty="0" smtClean="0">
+                <a:latin typeface="Noto Sans KR"/>
+              </a:rPr>
+              <a:t>실제 구현 화면</a:t>
+            </a:r>
+            <a:endParaRPr lang="en-US" sz="4800" dirty="0">
+              <a:latin typeface="Noto Sans KR"/>
+            </a:endParaRPr>
+          </a:p>
+        </p:txBody>
+      </p:sp>
+      <p:pic>
+        <p:nvPicPr>
+          <p:cNvPr id="1028" name="Picture 4"/>
+          <p:cNvPicPr>
+            <a:picLocks noChangeAspect="1" noChangeArrowheads="1"/>
+          </p:cNvPicPr>
           <p:nvPr/>
-        </p:nvSpPr>
-        <p:spPr>
+        </p:nvPicPr>
+        <p:blipFill>
+          <a:blip r:embed="rId2">
+            <a:extLst>
+              <a:ext uri="{28A0092B-C50C-407E-A947-70E740481C1C}">
+                <a14:useLocalDpi xmlns:a14="http://schemas.microsoft.com/office/drawing/2010/main" val="0"/>
+              </a:ext>
+            </a:extLst>
+          </a:blip>
+          <a:srcRect/>
+          <a:stretch>
+            <a:fillRect/>
+          </a:stretch>
+        </p:blipFill>
+        <p:spPr bwMode="auto">
           <a:xfrm>
-            <a:off x="0" y="0"/>
-            <a:ext cx="12192000" cy="797169"/>
+            <a:off x="247650" y="1183582"/>
+            <a:ext cx="8861134" cy="4799781"/>
           </a:xfrm>
-          <a:prstGeom prst="flowChartPredefinedProcess">
+          <a:prstGeom prst="rect">
             <a:avLst/>
           </a:prstGeom>
+          <a:noFill/>
+          <a:ln>
+            <a:noFill/>
+          </a:ln>
+          <a:extLst>
+            <a:ext uri="{909E8E84-426E-40DD-AFC4-6F175D3DCCD1}">
+              <a14:hiddenFill xmlns:a14="http://schemas.microsoft.com/office/drawing/2010/main">
+                <a:solidFill>
+                  <a:schemeClr val="accent1"/>
+                </a:solidFill>
+              </a14:hiddenFill>
+            </a:ext>
+            <a:ext uri="{91240B29-F687-4F45-9708-019B960494DF}">
+              <a14:hiddenLine xmlns:a14="http://schemas.microsoft.com/office/drawing/2010/main" w="9525">
+                <a:solidFill>
+                  <a:schemeClr val="tx1"/>
+                </a:solidFill>
+                <a:miter lim="800000"/>
+                <a:headEnd/>
+                <a:tailEnd/>
+              </a14:hiddenLine>
+            </a:ext>
+          </a:extLst>
         </p:spPr>
-        <p:style>
-          <a:lnRef idx="2">
-            <a:schemeClr val="accent1">
-              <a:shade val="50000"/>
-            </a:schemeClr>
-          </a:lnRef>
-          <a:fillRef idx="1">
-            <a:schemeClr val="accent1"/>
-          </a:fillRef>
-          <a:effectRef idx="0">
-            <a:schemeClr val="accent1"/>
-          </a:effectRef>
-          <a:fontRef idx="minor">
-            <a:schemeClr val="lt1"/>
-          </a:fontRef>
-        </p:style>
-        <p:txBody>
-          <a:bodyPr rtlCol="0" anchor="ctr"/>
-          <a:lstStyle/>
-          <a:p>
-            <a:pPr algn="ctr"/>
-            <a:r>
-              <a:rPr lang="ko-KR" altLang="en-US" sz="3600" dirty="0">
-                <a:effectLst>
-                  <a:outerShdw blurRad="50800" dist="38100" dir="2700000" algn="tl" rotWithShape="0">
-                    <a:prstClr val="black">
-                      <a:alpha val="40000"/>
-                    </a:prstClr>
-                  </a:outerShdw>
-                </a:effectLst>
-                <a:latin typeface="나눔바른고딕" panose="020B0603020101020101" pitchFamily="50" charset="-127"/>
-                <a:ea typeface="나눔바른고딕" panose="020B0603020101020101" pitchFamily="50" charset="-127"/>
-              </a:rPr>
-              <a:t>실제 작성 결과</a:t>
-            </a:r>
-            <a:endParaRPr lang="en-US" altLang="ko-KR" sz="3600" dirty="0">
-              <a:effectLst>
-                <a:outerShdw blurRad="50800" dist="38100" dir="2700000" algn="tl" rotWithShape="0">
-                  <a:prstClr val="black">
-                    <a:alpha val="40000"/>
-                  </a:prstClr>
-                </a:outerShdw>
-              </a:effectLst>
-              <a:latin typeface="나눔바른고딕" panose="020B0603020101020101" pitchFamily="50" charset="-127"/>
-              <a:ea typeface="나눔바른고딕" panose="020B0603020101020101" pitchFamily="50" charset="-127"/>
-            </a:endParaRPr>
-          </a:p>
-        </p:txBody>
-      </p:sp>
+      </p:pic>
     </p:spTree>
     <p:extLst>
       <p:ext uri="{BB962C8B-B14F-4D97-AF65-F5344CB8AC3E}">
@@ -4572,6 +5012,13 @@
   <p:clrMapOvr>
     <a:masterClrMapping/>
   </p:clrMapOvr>
+  <p:timing>
+    <p:tnLst>
+      <p:par>
+        <p:cTn id="1" dur="indefinite" restart="never" nodeType="tmRoot"/>
+      </p:par>
+    </p:tnLst>
+  </p:timing>
 </p:sld>
 </file>
 
@@ -4592,12 +5039,42 @@
           <a:chExt cx="0" cy="0"/>
         </a:xfrm>
       </p:grpSpPr>
-      <p:sp>
-        <p:nvSpPr>
-          <p:cNvPr id="4" name="TextBox 3">
-            <a:extLst>
-              <a:ext uri="{FF2B5EF4-FFF2-40B4-BE49-F238E27FC236}">
-                <a16:creationId xmlns:a16="http://schemas.microsoft.com/office/drawing/2014/main" id="{B54FDB0C-7FBA-0B23-B2FC-57D0EDFE8FB8}"/>
+      <p:pic>
+        <p:nvPicPr>
+          <p:cNvPr id="5" name="Picture 5" descr="Graphical user interface, website&#10;&#10;Description automatically generated">
+            <a:extLst>
+              <a:ext uri="{FF2B5EF4-FFF2-40B4-BE49-F238E27FC236}">
+                <a16:creationId xmlns="" xmlns:a16="http://schemas.microsoft.com/office/drawing/2014/main" id="{15002A04-917F-EF24-8F4E-8DE5BB3FA508}"/>
+              </a:ext>
+            </a:extLst>
+          </p:cNvPr>
+          <p:cNvPicPr>
+            <a:picLocks noChangeAspect="1"/>
+          </p:cNvPicPr>
+          <p:nvPr/>
+        </p:nvPicPr>
+        <p:blipFill>
+          <a:blip r:embed="rId2"/>
+          <a:stretch>
+            <a:fillRect/>
+          </a:stretch>
+        </p:blipFill>
+        <p:spPr>
+          <a:xfrm>
+            <a:off x="6446760" y="1111556"/>
+            <a:ext cx="5116590" cy="4270309"/>
+          </a:xfrm>
+          <a:prstGeom prst="rect">
+            <a:avLst/>
+          </a:prstGeom>
+        </p:spPr>
+      </p:pic>
+      <p:sp>
+        <p:nvSpPr>
+          <p:cNvPr id="8" name="TextBox 7">
+            <a:extLst>
+              <a:ext uri="{FF2B5EF4-FFF2-40B4-BE49-F238E27FC236}">
+                <a16:creationId xmlns="" xmlns:a16="http://schemas.microsoft.com/office/drawing/2014/main" id="{DE5EFD92-1127-F347-F3D4-E86A94EFBCD2}"/>
               </a:ext>
             </a:extLst>
           </p:cNvPr>
@@ -4606,8 +5083,8 @@
         </p:nvSpPr>
         <p:spPr>
           <a:xfrm>
-            <a:off x="222636" y="893576"/>
-            <a:ext cx="10176710" cy="1200329"/>
+            <a:off x="4745984" y="5635931"/>
+            <a:ext cx="2712064" cy="400110"/>
           </a:xfrm>
           <a:prstGeom prst="rect">
             <a:avLst/>
@@ -4623,501 +5100,845 @@
           </a:bodyPr>
           <a:lstStyle/>
           <a:p>
-            <a:r>
-              <a:rPr lang="en-US" dirty="0">
+            <a:pPr algn="ctr"/>
+            <a:r>
+              <a:rPr lang="ko-KR" altLang="en-US" sz="2000" dirty="0"/>
+              <a:t>개인</a:t>
+            </a:r>
+            <a:r>
+              <a:rPr lang="en-US" altLang="ko-KR" sz="2000" dirty="0"/>
+              <a:t> </a:t>
+            </a:r>
+            <a:r>
+              <a:rPr lang="en-US" altLang="ko-KR" sz="2000" dirty="0" err="1" smtClean="0"/>
+              <a:t>페이지</a:t>
+            </a:r>
+            <a:endParaRPr lang="en-US" sz="2000" dirty="0"/>
+          </a:p>
+        </p:txBody>
+      </p:sp>
+      <p:sp>
+        <p:nvSpPr>
+          <p:cNvPr id="9" name="TextBox 8">
+            <a:extLst>
+              <a:ext uri="{FF2B5EF4-FFF2-40B4-BE49-F238E27FC236}">
+                <a16:creationId xmlns="" xmlns:a16="http://schemas.microsoft.com/office/drawing/2014/main" id="{33654825-0954-BE0D-E887-CF73BE33EE64}"/>
+              </a:ext>
+            </a:extLst>
+          </p:cNvPr>
+          <p:cNvSpPr txBox="1"/>
+          <p:nvPr/>
+        </p:nvSpPr>
+        <p:spPr>
+          <a:xfrm>
+            <a:off x="3326732" y="160422"/>
+            <a:ext cx="5550568" cy="830997"/>
+          </a:xfrm>
+          <a:prstGeom prst="rect">
+            <a:avLst/>
+          </a:prstGeom>
+          <a:noFill/>
+        </p:spPr>
+        <p:txBody>
+          <a:bodyPr rot="0" spcFirstLastPara="0" vertOverflow="overflow" horzOverflow="overflow" vert="horz" wrap="square" lIns="91440" tIns="45720" rIns="91440" bIns="45720" numCol="1" spcCol="0" rtlCol="0" fromWordArt="0" anchor="t" anchorCtr="0" forceAA="0" compatLnSpc="1">
+            <a:prstTxWarp prst="textNoShape">
+              <a:avLst/>
+            </a:prstTxWarp>
+            <a:spAutoFit/>
+          </a:bodyPr>
+          <a:lstStyle/>
+          <a:p>
+            <a:pPr algn="ctr"/>
+            <a:r>
+              <a:rPr lang="ko-KR" altLang="en-US" sz="4800" dirty="0" smtClean="0">
+                <a:latin typeface="Noto Sans KR"/>
+              </a:rPr>
+              <a:t>실제 구현 화면</a:t>
+            </a:r>
+            <a:endParaRPr lang="en-US" sz="4800" dirty="0">
+              <a:latin typeface="Noto Sans KR"/>
+            </a:endParaRPr>
+          </a:p>
+        </p:txBody>
+      </p:sp>
+      <p:pic>
+        <p:nvPicPr>
+          <p:cNvPr id="2050" name="Picture 2"/>
+          <p:cNvPicPr>
+            <a:picLocks noChangeAspect="1" noChangeArrowheads="1"/>
+          </p:cNvPicPr>
+          <p:nvPr/>
+        </p:nvPicPr>
+        <p:blipFill rotWithShape="1">
+          <a:blip r:embed="rId3">
+            <a:extLst>
+              <a:ext uri="{28A0092B-C50C-407E-A947-70E740481C1C}">
+                <a14:useLocalDpi xmlns:a14="http://schemas.microsoft.com/office/drawing/2010/main" val="0"/>
+              </a:ext>
+            </a:extLst>
+          </a:blip>
+          <a:srcRect r="12159"/>
+          <a:stretch/>
+        </p:blipFill>
+        <p:spPr bwMode="auto">
+          <a:xfrm>
+            <a:off x="764507" y="1111556"/>
+            <a:ext cx="5124450" cy="4214983"/>
+          </a:xfrm>
+          <a:prstGeom prst="rect">
+            <a:avLst/>
+          </a:prstGeom>
+          <a:noFill/>
+          <a:ln>
+            <a:noFill/>
+          </a:ln>
+          <a:extLst>
+            <a:ext uri="{909E8E84-426E-40DD-AFC4-6F175D3DCCD1}">
+              <a14:hiddenFill xmlns:a14="http://schemas.microsoft.com/office/drawing/2010/main">
+                <a:solidFill>
+                  <a:schemeClr val="accent1"/>
+                </a:solidFill>
+              </a14:hiddenFill>
+            </a:ext>
+            <a:ext uri="{91240B29-F687-4F45-9708-019B960494DF}">
+              <a14:hiddenLine xmlns:a14="http://schemas.microsoft.com/office/drawing/2010/main" w="9525">
+                <a:solidFill>
+                  <a:schemeClr val="tx1"/>
+                </a:solidFill>
+                <a:miter lim="800000"/>
+                <a:headEnd/>
+                <a:tailEnd/>
+              </a14:hiddenLine>
+            </a:ext>
+          </a:extLst>
+        </p:spPr>
+      </p:pic>
+    </p:spTree>
+    <p:extLst>
+      <p:ext uri="{BB962C8B-B14F-4D97-AF65-F5344CB8AC3E}">
+        <p14:creationId xmlns:p14="http://schemas.microsoft.com/office/powerpoint/2010/main" val="887310795"/>
+      </p:ext>
+    </p:extLst>
+  </p:cSld>
+  <p:clrMapOvr>
+    <a:masterClrMapping/>
+  </p:clrMapOvr>
+  <p:timing>
+    <p:tnLst>
+      <p:par>
+        <p:cTn id="1" dur="indefinite" restart="never" nodeType="tmRoot"/>
+      </p:par>
+    </p:tnLst>
+  </p:timing>
+</p:sld>
+</file>
+
+<file path=ppt/slides/slide5.xml><?xml version="1.0" encoding="utf-8"?>
+<p:sld xmlns:a="http://schemas.openxmlformats.org/drawingml/2006/main" xmlns:r="http://schemas.openxmlformats.org/officeDocument/2006/relationships" xmlns:p="http://schemas.openxmlformats.org/presentationml/2006/main">
+  <p:cSld>
+    <p:spTree>
+      <p:nvGrpSpPr>
+        <p:cNvPr id="1" name=""/>
+        <p:cNvGrpSpPr/>
+        <p:nvPr/>
+      </p:nvGrpSpPr>
+      <p:grpSpPr>
+        <a:xfrm>
+          <a:off x="0" y="0"/>
+          <a:ext cx="0" cy="0"/>
+          <a:chOff x="0" y="0"/>
+          <a:chExt cx="0" cy="0"/>
+        </a:xfrm>
+      </p:grpSpPr>
+      <p:sp>
+        <p:nvSpPr>
+          <p:cNvPr id="4" name="TextBox 3">
+            <a:extLst>
+              <a:ext uri="{FF2B5EF4-FFF2-40B4-BE49-F238E27FC236}">
+                <a16:creationId xmlns="" xmlns:a16="http://schemas.microsoft.com/office/drawing/2014/main" id="{B54FDB0C-7FBA-0B23-B2FC-57D0EDFE8FB8}"/>
+              </a:ext>
+            </a:extLst>
+          </p:cNvPr>
+          <p:cNvSpPr txBox="1"/>
+          <p:nvPr/>
+        </p:nvSpPr>
+        <p:spPr>
+          <a:xfrm>
+            <a:off x="319838" y="604586"/>
+            <a:ext cx="11453061" cy="5447645"/>
+          </a:xfrm>
+          <a:prstGeom prst="rect">
+            <a:avLst/>
+          </a:prstGeom>
+          <a:noFill/>
+        </p:spPr>
+        <p:txBody>
+          <a:bodyPr rot="0" spcFirstLastPara="0" vertOverflow="overflow" horzOverflow="overflow" vert="horz" wrap="square" lIns="91440" tIns="45720" rIns="91440" bIns="45720" numCol="1" spcCol="0" rtlCol="0" fromWordArt="0" anchor="t" anchorCtr="0" forceAA="0" compatLnSpc="1">
+            <a:prstTxWarp prst="textNoShape">
+              <a:avLst/>
+            </a:prstTxWarp>
+            <a:spAutoFit/>
+          </a:bodyPr>
+          <a:lstStyle/>
+          <a:p>
+            <a:pPr algn="ctr"/>
+            <a:r>
+              <a:rPr lang="ko-KR" altLang="en-US" sz="4800" dirty="0"/>
+              <a:t>기능</a:t>
+            </a:r>
+            <a:r>
+              <a:rPr lang="en-US" altLang="ko-KR" sz="4800" dirty="0"/>
+              <a:t> </a:t>
+            </a:r>
+            <a:r>
+              <a:rPr lang="ko-KR" altLang="en-US" sz="4800" dirty="0"/>
+              <a:t>및</a:t>
+            </a:r>
+            <a:r>
+              <a:rPr lang="en-US" sz="4800" dirty="0"/>
+              <a:t> </a:t>
+            </a:r>
+            <a:r>
+              <a:rPr lang="en-US" sz="4800" dirty="0" smtClean="0"/>
+              <a:t>API</a:t>
+            </a:r>
+          </a:p>
+          <a:p>
+            <a:pPr algn="ctr"/>
+            <a:endParaRPr lang="en-US" sz="4800" dirty="0"/>
+          </a:p>
+          <a:p>
+            <a:r>
+              <a:rPr lang="en-US" sz="2800" dirty="0">
                 <a:ea typeface="+mn-lt"/>
                 <a:cs typeface="+mn-lt"/>
               </a:rPr>
               <a:t>1.</a:t>
             </a:r>
             <a:r>
-              <a:rPr lang="en-US" altLang="ko-KR" dirty="0">
+              <a:rPr lang="en-US" altLang="ko-KR" sz="2800" dirty="0">
                 <a:ea typeface="+mn-lt"/>
                 <a:cs typeface="+mn-lt"/>
               </a:rPr>
               <a:t> </a:t>
             </a:r>
             <a:r>
-              <a:rPr lang="ko-KR" altLang="en-US" dirty="0">
+              <a:rPr lang="ko-KR" altLang="en-US" sz="2800" dirty="0">
                 <a:ea typeface="+mn-lt"/>
                 <a:cs typeface="+mn-lt"/>
               </a:rPr>
               <a:t>팀원</a:t>
             </a:r>
             <a:r>
-              <a:rPr lang="en-US" altLang="ko-KR" dirty="0">
+              <a:rPr lang="en-US" altLang="ko-KR" sz="2800" dirty="0">
                 <a:ea typeface="+mn-lt"/>
                 <a:cs typeface="+mn-lt"/>
               </a:rPr>
               <a:t> </a:t>
             </a:r>
             <a:r>
-              <a:rPr lang="ko-KR" altLang="en-US" dirty="0">
+              <a:rPr lang="ko-KR" altLang="en-US" sz="2800" dirty="0">
                 <a:ea typeface="+mn-lt"/>
                 <a:cs typeface="+mn-lt"/>
               </a:rPr>
               <a:t>사진</a:t>
             </a:r>
             <a:r>
-              <a:rPr lang="en-US" altLang="ko-KR" dirty="0">
+              <a:rPr lang="en-US" altLang="ko-KR" sz="2800" dirty="0">
                 <a:ea typeface="+mn-lt"/>
                 <a:cs typeface="+mn-lt"/>
               </a:rPr>
               <a:t> </a:t>
             </a:r>
             <a:r>
-              <a:rPr lang="ko-KR" altLang="en-US" dirty="0">
+              <a:rPr lang="ko-KR" altLang="en-US" sz="2800" dirty="0">
                 <a:ea typeface="+mn-lt"/>
                 <a:cs typeface="+mn-lt"/>
               </a:rPr>
               <a:t>밑에</a:t>
             </a:r>
             <a:r>
-              <a:rPr lang="en-US" altLang="ko-KR" dirty="0">
+              <a:rPr lang="en-US" altLang="ko-KR" sz="2800" dirty="0">
                 <a:ea typeface="+mn-lt"/>
                 <a:cs typeface="+mn-lt"/>
               </a:rPr>
               <a:t> </a:t>
             </a:r>
             <a:r>
-              <a:rPr lang="ko-KR" altLang="en-US" dirty="0">
+              <a:rPr lang="ko-KR" altLang="en-US" sz="2800" dirty="0">
                 <a:ea typeface="+mn-lt"/>
                 <a:cs typeface="+mn-lt"/>
               </a:rPr>
               <a:t>버튼을</a:t>
             </a:r>
             <a:r>
-              <a:rPr lang="en-US" altLang="ko-KR" dirty="0">
+              <a:rPr lang="en-US" altLang="ko-KR" sz="2800" dirty="0">
                 <a:ea typeface="+mn-lt"/>
                 <a:cs typeface="+mn-lt"/>
               </a:rPr>
               <a:t> </a:t>
             </a:r>
             <a:r>
-              <a:rPr lang="ko-KR" altLang="en-US" dirty="0">
+              <a:rPr lang="ko-KR" altLang="en-US" sz="2800" dirty="0">
                 <a:ea typeface="+mn-lt"/>
                 <a:cs typeface="+mn-lt"/>
               </a:rPr>
               <a:t>누르면</a:t>
             </a:r>
             <a:r>
-              <a:rPr lang="en-US" altLang="ko-KR" dirty="0">
+              <a:rPr lang="en-US" altLang="ko-KR" sz="2800" dirty="0">
                 <a:ea typeface="+mn-lt"/>
                 <a:cs typeface="+mn-lt"/>
               </a:rPr>
               <a:t> </a:t>
             </a:r>
             <a:r>
-              <a:rPr lang="ko-KR" altLang="en-US" dirty="0">
+              <a:rPr lang="ko-KR" altLang="en-US" sz="2800" dirty="0">
                 <a:ea typeface="+mn-lt"/>
                 <a:cs typeface="+mn-lt"/>
               </a:rPr>
               <a:t>각자</a:t>
             </a:r>
             <a:r>
-              <a:rPr lang="en-US" altLang="ko-KR" dirty="0">
+              <a:rPr lang="en-US" altLang="ko-KR" sz="2800" dirty="0">
                 <a:ea typeface="+mn-lt"/>
                 <a:cs typeface="+mn-lt"/>
               </a:rPr>
               <a:t> </a:t>
             </a:r>
             <a:r>
-              <a:rPr lang="ko-KR" altLang="en-US" dirty="0">
+              <a:rPr lang="ko-KR" altLang="en-US" sz="2800" dirty="0">
                 <a:ea typeface="+mn-lt"/>
                 <a:cs typeface="+mn-lt"/>
               </a:rPr>
               <a:t>만든</a:t>
             </a:r>
             <a:r>
-              <a:rPr lang="en-US" altLang="ko-KR" dirty="0">
+              <a:rPr lang="en-US" altLang="ko-KR" sz="2800" dirty="0">
                 <a:ea typeface="+mn-lt"/>
                 <a:cs typeface="+mn-lt"/>
               </a:rPr>
               <a:t> </a:t>
             </a:r>
             <a:r>
-              <a:rPr lang="ko-KR" altLang="en-US" dirty="0">
+              <a:rPr lang="ko-KR" altLang="en-US" sz="2800" dirty="0">
                 <a:ea typeface="+mn-lt"/>
                 <a:cs typeface="+mn-lt"/>
               </a:rPr>
               <a:t>자기소개</a:t>
             </a:r>
             <a:r>
-              <a:rPr lang="en-US" altLang="ko-KR" dirty="0">
+              <a:rPr lang="en-US" altLang="ko-KR" sz="2800" dirty="0">
                 <a:ea typeface="+mn-lt"/>
                 <a:cs typeface="+mn-lt"/>
               </a:rPr>
               <a:t> </a:t>
             </a:r>
             <a:r>
-              <a:rPr lang="ko-KR" altLang="en-US" dirty="0">
+              <a:rPr lang="ko-KR" altLang="en-US" sz="2800" dirty="0">
                 <a:ea typeface="+mn-lt"/>
                 <a:cs typeface="+mn-lt"/>
               </a:rPr>
               <a:t>페이지로</a:t>
             </a:r>
             <a:r>
-              <a:rPr lang="en-US" altLang="ko-KR" dirty="0">
+              <a:rPr lang="en-US" altLang="ko-KR" sz="2800" dirty="0">
                 <a:ea typeface="+mn-lt"/>
                 <a:cs typeface="+mn-lt"/>
               </a:rPr>
               <a:t> </a:t>
             </a:r>
             <a:r>
-              <a:rPr lang="ko-KR" altLang="en-US" dirty="0">
+              <a:rPr lang="ko-KR" altLang="en-US" sz="2800" dirty="0">
                 <a:ea typeface="+mn-lt"/>
                 <a:cs typeface="+mn-lt"/>
               </a:rPr>
               <a:t>넘어갑니다</a:t>
             </a:r>
             <a:r>
-              <a:rPr lang="en-US" dirty="0">
+              <a:rPr lang="en-US" sz="2800" dirty="0">
                 <a:ea typeface="+mn-lt"/>
                 <a:cs typeface="+mn-lt"/>
               </a:rPr>
               <a:t>.</a:t>
             </a:r>
-            <a:endParaRPr lang="en-US" dirty="0"/>
-          </a:p>
-          <a:p>
-            <a:r>
-              <a:rPr lang="en-US" dirty="0">
+            <a:endParaRPr lang="en-US" sz="2800" dirty="0"/>
+          </a:p>
+          <a:p>
+            <a:r>
+              <a:rPr lang="en-US" sz="2800" dirty="0">
                 <a:ea typeface="+mn-lt"/>
                 <a:cs typeface="+mn-lt"/>
               </a:rPr>
               <a:t>2.</a:t>
             </a:r>
             <a:r>
-              <a:rPr lang="en-US" altLang="ko-KR" dirty="0">
+              <a:rPr lang="en-US" altLang="ko-KR" sz="2800" dirty="0">
                 <a:ea typeface="+mn-lt"/>
                 <a:cs typeface="+mn-lt"/>
               </a:rPr>
               <a:t> </a:t>
             </a:r>
             <a:r>
-              <a:rPr lang="ko-KR" altLang="en-US" dirty="0">
+              <a:rPr lang="ko-KR" altLang="en-US" sz="2800" dirty="0" err="1" smtClean="0">
                 <a:ea typeface="+mn-lt"/>
                 <a:cs typeface="+mn-lt"/>
               </a:rPr>
-              <a:t>메세지를</a:t>
-            </a:r>
-            <a:r>
-              <a:rPr lang="en-US" altLang="ko-KR" dirty="0">
+              <a:t>방명</a:t>
+            </a:r>
+            <a:r>
+              <a:rPr lang="ko-KR" altLang="en-US" sz="2800" dirty="0" err="1">
                 <a:ea typeface="+mn-lt"/>
                 <a:cs typeface="+mn-lt"/>
               </a:rPr>
-              <a:t> </a:t>
-            </a:r>
-            <a:r>
-              <a:rPr lang="ko-KR" altLang="en-US" dirty="0">
+              <a:t>록</a:t>
+            </a:r>
+            <a:r>
+              <a:rPr lang="ko-KR" altLang="en-US" sz="2800" dirty="0" err="1" smtClean="0">
                 <a:ea typeface="+mn-lt"/>
                 <a:cs typeface="+mn-lt"/>
               </a:rPr>
-              <a:t>작성하면</a:t>
-            </a:r>
-            <a:r>
-              <a:rPr lang="en-US" altLang="ko-KR" dirty="0">
+              <a:t>를</a:t>
+            </a:r>
+            <a:r>
+              <a:rPr lang="en-US" altLang="ko-KR" sz="2800" dirty="0" smtClean="0">
                 <a:ea typeface="+mn-lt"/>
                 <a:cs typeface="+mn-lt"/>
               </a:rPr>
               <a:t> </a:t>
             </a:r>
             <a:r>
-              <a:rPr lang="ko-KR" altLang="en-US" dirty="0">
+              <a:rPr lang="ko-KR" altLang="en-US" sz="2800" dirty="0">
                 <a:ea typeface="+mn-lt"/>
                 <a:cs typeface="+mn-lt"/>
               </a:rPr>
-              <a:t>밑에</a:t>
-            </a:r>
-            <a:r>
-              <a:rPr lang="en-US" altLang="ko-KR" dirty="0">
+              <a:t>작성하면</a:t>
+            </a:r>
+            <a:r>
+              <a:rPr lang="en-US" altLang="ko-KR" sz="2800" dirty="0">
                 <a:ea typeface="+mn-lt"/>
                 <a:cs typeface="+mn-lt"/>
               </a:rPr>
               <a:t> </a:t>
             </a:r>
             <a:r>
-              <a:rPr lang="ko-KR" altLang="en-US" dirty="0">
+              <a:rPr lang="ko-KR" altLang="en-US" sz="2800" dirty="0">
                 <a:ea typeface="+mn-lt"/>
                 <a:cs typeface="+mn-lt"/>
               </a:rPr>
-              <a:t>쌓입니다</a:t>
-            </a:r>
-            <a:r>
-              <a:rPr lang="en-US" dirty="0">
+              <a:t>밑에</a:t>
+            </a:r>
+            <a:r>
+              <a:rPr lang="en-US" altLang="ko-KR" sz="2800" dirty="0">
                 <a:ea typeface="+mn-lt"/>
                 <a:cs typeface="+mn-lt"/>
               </a:rPr>
-              <a:t>. (DB</a:t>
-            </a:r>
-            <a:r>
-              <a:rPr lang="ko-KR" altLang="en-US" dirty="0">
+              <a:t> </a:t>
+            </a:r>
+            <a:r>
+              <a:rPr lang="ko-KR" altLang="en-US" sz="2800" dirty="0">
                 <a:ea typeface="+mn-lt"/>
                 <a:cs typeface="+mn-lt"/>
               </a:rPr>
-              <a:t>이용</a:t>
-            </a:r>
-            <a:r>
-              <a:rPr lang="en-US" dirty="0">
+              <a:t>쌓입니다</a:t>
+            </a:r>
+            <a:r>
+              <a:rPr lang="en-US" sz="2800" dirty="0" smtClean="0">
                 <a:ea typeface="+mn-lt"/>
                 <a:cs typeface="+mn-lt"/>
               </a:rPr>
-              <a:t>)</a:t>
-            </a:r>
-            <a:endParaRPr lang="en-US" dirty="0"/>
-          </a:p>
-          <a:p>
-            <a:r>
-              <a:rPr lang="en-US" dirty="0">
+              <a:t>.</a:t>
+            </a:r>
+          </a:p>
+          <a:p>
+            <a:r>
+              <a:rPr lang="en-US" sz="2800" dirty="0" smtClean="0">
                 <a:ea typeface="+mn-lt"/>
                 <a:cs typeface="+mn-lt"/>
               </a:rPr>
-              <a:t>3.</a:t>
-            </a:r>
-            <a:r>
-              <a:rPr lang="en-US" altLang="ko-KR" dirty="0">
+              <a:t>3</a:t>
+            </a:r>
+            <a:r>
+              <a:rPr lang="en-US" sz="2800" dirty="0">
                 <a:ea typeface="+mn-lt"/>
                 <a:cs typeface="+mn-lt"/>
               </a:rPr>
-              <a:t> </a:t>
-            </a:r>
-            <a:r>
-              <a:rPr lang="ko-KR" altLang="en-US" dirty="0">
+              <a:t>.</a:t>
+            </a:r>
+            <a:r>
+              <a:rPr lang="en-US" altLang="ko-KR" sz="2800" dirty="0">
                 <a:ea typeface="+mn-lt"/>
                 <a:cs typeface="+mn-lt"/>
               </a:rPr>
-              <a:t>각각의</a:t>
-            </a:r>
-            <a:r>
-              <a:rPr lang="en-US" altLang="ko-KR" dirty="0">
+              <a:t> </a:t>
+            </a:r>
+            <a:r>
+              <a:rPr lang="ko-KR" altLang="en-US" sz="2800" dirty="0">
                 <a:ea typeface="+mn-lt"/>
                 <a:cs typeface="+mn-lt"/>
               </a:rPr>
-              <a:t> </a:t>
-            </a:r>
-            <a:r>
-              <a:rPr lang="ko-KR" altLang="en-US" dirty="0">
+              <a:t>각각의</a:t>
+            </a:r>
+            <a:r>
+              <a:rPr lang="en-US" altLang="ko-KR" sz="2800" dirty="0">
                 <a:ea typeface="+mn-lt"/>
                 <a:cs typeface="+mn-lt"/>
               </a:rPr>
-              <a:t>메세지에</a:t>
-            </a:r>
-            <a:r>
-              <a:rPr lang="en-US" altLang="ko-KR" dirty="0">
+              <a:t> </a:t>
+            </a:r>
+            <a:r>
+              <a:rPr lang="ko-KR" altLang="en-US" sz="2800" dirty="0" smtClean="0">
                 <a:ea typeface="+mn-lt"/>
                 <a:cs typeface="+mn-lt"/>
               </a:rPr>
-              <a:t> </a:t>
-            </a:r>
-            <a:r>
-              <a:rPr lang="ko-KR" altLang="en-US" dirty="0">
+              <a:t>방명록에</a:t>
+            </a:r>
+            <a:r>
+              <a:rPr lang="en-US" altLang="ko-KR" sz="2800" dirty="0" smtClean="0">
                 <a:ea typeface="+mn-lt"/>
                 <a:cs typeface="+mn-lt"/>
               </a:rPr>
-              <a:t>삭제</a:t>
-            </a:r>
-            <a:r>
-              <a:rPr lang="en-US" altLang="ko-KR" dirty="0">
+              <a:t> </a:t>
+            </a:r>
+            <a:r>
+              <a:rPr lang="ko-KR" altLang="en-US" sz="2800" dirty="0" smtClean="0">
                 <a:ea typeface="+mn-lt"/>
                 <a:cs typeface="+mn-lt"/>
               </a:rPr>
-              <a:t> </a:t>
-            </a:r>
-            <a:r>
-              <a:rPr lang="ko-KR" altLang="en-US" dirty="0">
+              <a:t>삭제</a:t>
+            </a:r>
+            <a:r>
+              <a:rPr lang="en-US" altLang="ko-KR" sz="2800" dirty="0" smtClean="0">
                 <a:ea typeface="+mn-lt"/>
                 <a:cs typeface="+mn-lt"/>
               </a:rPr>
-              <a:t>기능이</a:t>
-            </a:r>
-            <a:r>
-              <a:rPr lang="en-US" altLang="ko-KR" dirty="0">
+              <a:t>, </a:t>
+            </a:r>
+            <a:r>
+              <a:rPr lang="ko-KR" altLang="en-US" sz="2800" dirty="0" smtClean="0">
                 <a:ea typeface="+mn-lt"/>
                 <a:cs typeface="+mn-lt"/>
               </a:rPr>
-              <a:t> </a:t>
-            </a:r>
-            <a:r>
-              <a:rPr lang="ko-KR" altLang="en-US" dirty="0">
+              <a:t>수정</a:t>
+            </a:r>
+            <a:r>
+              <a:rPr lang="en-US" altLang="ko-KR" sz="2800" dirty="0" smtClean="0">
                 <a:ea typeface="+mn-lt"/>
                 <a:cs typeface="+mn-lt"/>
               </a:rPr>
-              <a:t>있습니다</a:t>
-            </a:r>
-            <a:r>
-              <a:rPr lang="en-US" dirty="0">
+              <a:t> </a:t>
+            </a:r>
+            <a:r>
+              <a:rPr lang="ko-KR" altLang="en-US" sz="2800" dirty="0">
                 <a:ea typeface="+mn-lt"/>
                 <a:cs typeface="+mn-lt"/>
               </a:rPr>
-              <a:t>.</a:t>
-            </a:r>
-            <a:endParaRPr lang="en-US" dirty="0"/>
-          </a:p>
-          <a:p>
-            <a:r>
-              <a:rPr lang="en-US" dirty="0">
+              <a:t>기능이</a:t>
+            </a:r>
+            <a:r>
+              <a:rPr lang="en-US" altLang="ko-KR" sz="2800" dirty="0">
                 <a:ea typeface="+mn-lt"/>
                 <a:cs typeface="+mn-lt"/>
               </a:rPr>
-              <a:t>4.</a:t>
-            </a:r>
-            <a:r>
-              <a:rPr lang="en-US" altLang="ko-KR" dirty="0">
+              <a:t> </a:t>
+            </a:r>
+            <a:r>
+              <a:rPr lang="ko-KR" altLang="en-US" sz="2800" dirty="0">
                 <a:ea typeface="+mn-lt"/>
                 <a:cs typeface="+mn-lt"/>
               </a:rPr>
-              <a:t> </a:t>
-            </a:r>
-            <a:r>
-              <a:rPr lang="ko-KR" altLang="en-US" dirty="0">
+              <a:t>있습니다</a:t>
+            </a:r>
+            <a:r>
+              <a:rPr lang="en-US" sz="2800" dirty="0" smtClean="0">
                 <a:ea typeface="+mn-lt"/>
                 <a:cs typeface="+mn-lt"/>
               </a:rPr>
-              <a:t>자기소개페이지에서</a:t>
-            </a:r>
-            <a:r>
-              <a:rPr lang="en-US" altLang="ko-KR" dirty="0">
+              <a:t>. (</a:t>
+            </a:r>
+            <a:r>
+              <a:rPr lang="ko-KR" altLang="en-US" sz="2800" dirty="0" smtClean="0">
                 <a:ea typeface="+mn-lt"/>
                 <a:cs typeface="+mn-lt"/>
               </a:rPr>
-              <a:t> </a:t>
-            </a:r>
-            <a:r>
-              <a:rPr lang="ko-KR" altLang="en-US" dirty="0" err="1">
+              <a:t>일부는 </a:t>
+            </a:r>
+            <a:r>
+              <a:rPr lang="ko-KR" altLang="en-US" sz="2800" dirty="0" err="1" smtClean="0">
                 <a:ea typeface="+mn-lt"/>
                 <a:cs typeface="+mn-lt"/>
               </a:rPr>
-              <a:t>제목또는</a:t>
-            </a:r>
-            <a:r>
-              <a:rPr lang="en-US" altLang="ko-KR" dirty="0">
+              <a:t>댓글</a:t>
+            </a:r>
+            <a:r>
+              <a:rPr lang="ko-KR" altLang="en-US" sz="2800" dirty="0" smtClean="0">
                 <a:ea typeface="+mn-lt"/>
                 <a:cs typeface="+mn-lt"/>
               </a:rPr>
-              <a:t> </a:t>
-            </a:r>
-            <a:r>
-              <a:rPr lang="ko-KR" altLang="en-US" dirty="0" err="1">
+              <a:t> 기능 구현</a:t>
+            </a:r>
+            <a:r>
+              <a:rPr lang="en-US" altLang="ko-KR" sz="2800" dirty="0" smtClean="0">
                 <a:ea typeface="+mn-lt"/>
                 <a:cs typeface="+mn-lt"/>
               </a:rPr>
-              <a:t>메인이미지를</a:t>
-            </a:r>
-            <a:r>
-              <a:rPr lang="en-US" altLang="ko-KR" dirty="0">
+              <a:t>)</a:t>
+            </a:r>
+          </a:p>
+          <a:p>
+            <a:r>
+              <a:rPr lang="en-US" sz="2800" dirty="0" smtClean="0">
                 <a:ea typeface="+mn-lt"/>
                 <a:cs typeface="+mn-lt"/>
               </a:rPr>
-              <a:t> </a:t>
-            </a:r>
-            <a:r>
-              <a:rPr lang="ko-KR" altLang="en-US" dirty="0">
+              <a:t>4. </a:t>
+            </a:r>
+            <a:r>
+              <a:rPr lang="ko-KR" altLang="en-US" sz="2800" dirty="0" err="1" smtClean="0">
                 <a:ea typeface="+mn-lt"/>
                 <a:cs typeface="+mn-lt"/>
               </a:rPr>
-              <a:t>누르면</a:t>
-            </a:r>
-            <a:r>
-              <a:rPr lang="en-US" altLang="ko-KR" dirty="0">
+              <a:t>댓글을</a:t>
+            </a:r>
+            <a:r>
+              <a:rPr lang="ko-KR" altLang="en-US" sz="2800" dirty="0" smtClean="0">
                 <a:ea typeface="+mn-lt"/>
                 <a:cs typeface="+mn-lt"/>
               </a:rPr>
-              <a:t> </a:t>
-            </a:r>
-            <a:r>
-              <a:rPr lang="ko-KR" altLang="en-US" dirty="0">
+              <a:t> 쓰게 되면 방명록 하단에 최신 </a:t>
+            </a:r>
+            <a:r>
+              <a:rPr lang="ko-KR" altLang="en-US" sz="2800" dirty="0" err="1" smtClean="0">
                 <a:ea typeface="+mn-lt"/>
                 <a:cs typeface="+mn-lt"/>
               </a:rPr>
-              <a:t>원래</a:t>
-            </a:r>
-            <a:r>
-              <a:rPr lang="en-US" altLang="ko-KR" dirty="0">
+              <a:t>댓글이</a:t>
+            </a:r>
+            <a:r>
+              <a:rPr lang="ko-KR" altLang="en-US" sz="2800" dirty="0" smtClean="0">
                 <a:ea typeface="+mn-lt"/>
                 <a:cs typeface="+mn-lt"/>
               </a:rPr>
-              <a:t> </a:t>
-            </a:r>
-            <a:r>
-              <a:rPr lang="ko-KR" altLang="en-US" dirty="0">
+              <a:t> 밑으로 가도록 구현</a:t>
+            </a:r>
+            <a:endParaRPr lang="en-US" sz="2800" dirty="0"/>
+          </a:p>
+          <a:p>
+            <a:r>
+              <a:rPr lang="en-US" sz="2800" dirty="0">
                 <a:ea typeface="+mn-lt"/>
                 <a:cs typeface="+mn-lt"/>
               </a:rPr>
-              <a:t>있던</a:t>
-            </a:r>
-            <a:r>
-              <a:rPr lang="en-US" altLang="ko-KR" dirty="0">
+              <a:t>5</a:t>
+            </a:r>
+            <a:r>
+              <a:rPr lang="en-US" sz="2800" dirty="0" smtClean="0">
                 <a:ea typeface="+mn-lt"/>
                 <a:cs typeface="+mn-lt"/>
               </a:rPr>
-              <a:t> </a:t>
-            </a:r>
-            <a:r>
-              <a:rPr lang="ko-KR" altLang="en-US" dirty="0">
+              <a:t>.</a:t>
+            </a:r>
+            <a:r>
+              <a:rPr lang="en-US" altLang="ko-KR" sz="2800" dirty="0" smtClean="0">
                 <a:ea typeface="+mn-lt"/>
                 <a:cs typeface="+mn-lt"/>
               </a:rPr>
-              <a:t>팀</a:t>
-            </a:r>
-            <a:r>
-              <a:rPr lang="en-US" altLang="ko-KR" dirty="0">
+              <a:t> </a:t>
+            </a:r>
+            <a:r>
+              <a:rPr lang="ko-KR" altLang="en-US" sz="2800" dirty="0">
                 <a:ea typeface="+mn-lt"/>
                 <a:cs typeface="+mn-lt"/>
               </a:rPr>
-              <a:t> </a:t>
-            </a:r>
-            <a:r>
-              <a:rPr lang="ko-KR" altLang="en-US" dirty="0">
+              <a:t>자기소개페이지에서</a:t>
+            </a:r>
+            <a:r>
+              <a:rPr lang="en-US" altLang="ko-KR" sz="2800" dirty="0">
                 <a:ea typeface="+mn-lt"/>
                 <a:cs typeface="+mn-lt"/>
               </a:rPr>
-              <a:t>소개</a:t>
-            </a:r>
-            <a:r>
-              <a:rPr lang="en-US" altLang="ko-KR" dirty="0">
+              <a:t> </a:t>
+            </a:r>
+            <a:r>
+              <a:rPr lang="ko-KR" altLang="en-US" sz="2800" dirty="0" smtClean="0">
                 <a:ea typeface="+mn-lt"/>
                 <a:cs typeface="+mn-lt"/>
               </a:rPr>
-              <a:t> </a:t>
-            </a:r>
-            <a:r>
-              <a:rPr lang="ko-KR" altLang="en-US" dirty="0">
+              <a:t>제목  또는</a:t>
+            </a:r>
+            <a:r>
+              <a:rPr lang="en-US" altLang="ko-KR" sz="2800" dirty="0" smtClean="0">
                 <a:ea typeface="+mn-lt"/>
                 <a:cs typeface="+mn-lt"/>
               </a:rPr>
-              <a:t>페이지로</a:t>
-            </a:r>
-            <a:r>
-              <a:rPr lang="en-US" altLang="ko-KR" dirty="0">
+              <a:t> </a:t>
+            </a:r>
+            <a:r>
+              <a:rPr lang="ko-KR" altLang="en-US" sz="2800" dirty="0" smtClean="0">
                 <a:ea typeface="+mn-lt"/>
                 <a:cs typeface="+mn-lt"/>
               </a:rPr>
-              <a:t> </a:t>
-            </a:r>
-            <a:r>
-              <a:rPr lang="ko-KR" altLang="en-US" dirty="0">
+              <a:t>메인 이미지를</a:t>
+            </a:r>
+            <a:r>
+              <a:rPr lang="en-US" altLang="ko-KR" sz="2800" dirty="0" smtClean="0">
                 <a:ea typeface="+mn-lt"/>
                 <a:cs typeface="+mn-lt"/>
               </a:rPr>
-              <a:t>넘어갑니다</a:t>
-            </a:r>
-            <a:r>
-              <a:rPr lang="en-US" dirty="0">
+              <a:t> </a:t>
+            </a:r>
+            <a:r>
+              <a:rPr lang="ko-KR" altLang="en-US" sz="2800" dirty="0">
                 <a:ea typeface="+mn-lt"/>
                 <a:cs typeface="+mn-lt"/>
               </a:rPr>
+              <a:t>누르면</a:t>
+            </a:r>
+            <a:r>
+              <a:rPr lang="en-US" altLang="ko-KR" sz="2800" dirty="0">
+                <a:ea typeface="+mn-lt"/>
+                <a:cs typeface="+mn-lt"/>
+              </a:rPr>
+              <a:t> </a:t>
+            </a:r>
+            <a:r>
+              <a:rPr lang="ko-KR" altLang="en-US" sz="2800" dirty="0">
+                <a:ea typeface="+mn-lt"/>
+                <a:cs typeface="+mn-lt"/>
+              </a:rPr>
+              <a:t>원래</a:t>
+            </a:r>
+            <a:r>
+              <a:rPr lang="en-US" altLang="ko-KR" sz="2800" dirty="0">
+                <a:ea typeface="+mn-lt"/>
+                <a:cs typeface="+mn-lt"/>
+              </a:rPr>
+              <a:t> </a:t>
+            </a:r>
+            <a:r>
+              <a:rPr lang="ko-KR" altLang="en-US" sz="2800" dirty="0">
+                <a:ea typeface="+mn-lt"/>
+                <a:cs typeface="+mn-lt"/>
+              </a:rPr>
+              <a:t>있던</a:t>
+            </a:r>
+            <a:r>
+              <a:rPr lang="en-US" altLang="ko-KR" sz="2800" dirty="0">
+                <a:ea typeface="+mn-lt"/>
+                <a:cs typeface="+mn-lt"/>
+              </a:rPr>
+              <a:t> </a:t>
+            </a:r>
+            <a:r>
+              <a:rPr lang="ko-KR" altLang="en-US" sz="2800" dirty="0">
+                <a:ea typeface="+mn-lt"/>
+                <a:cs typeface="+mn-lt"/>
+              </a:rPr>
+              <a:t>팀</a:t>
+            </a:r>
+            <a:r>
+              <a:rPr lang="en-US" altLang="ko-KR" sz="2800" dirty="0">
+                <a:ea typeface="+mn-lt"/>
+                <a:cs typeface="+mn-lt"/>
+              </a:rPr>
+              <a:t> </a:t>
+            </a:r>
+            <a:r>
+              <a:rPr lang="ko-KR" altLang="en-US" sz="2800" dirty="0">
+                <a:ea typeface="+mn-lt"/>
+                <a:cs typeface="+mn-lt"/>
+              </a:rPr>
+              <a:t>소개</a:t>
+            </a:r>
+            <a:r>
+              <a:rPr lang="en-US" altLang="ko-KR" sz="2800" dirty="0">
+                <a:ea typeface="+mn-lt"/>
+                <a:cs typeface="+mn-lt"/>
+              </a:rPr>
+              <a:t> </a:t>
+            </a:r>
+            <a:r>
+              <a:rPr lang="ko-KR" altLang="en-US" sz="2800" dirty="0">
+                <a:ea typeface="+mn-lt"/>
+                <a:cs typeface="+mn-lt"/>
+              </a:rPr>
+              <a:t>페이지로</a:t>
+            </a:r>
+            <a:r>
+              <a:rPr lang="en-US" altLang="ko-KR" sz="2800" dirty="0">
+                <a:ea typeface="+mn-lt"/>
+                <a:cs typeface="+mn-lt"/>
+              </a:rPr>
+              <a:t> </a:t>
+            </a:r>
+            <a:r>
+              <a:rPr lang="ko-KR" altLang="en-US" sz="2800" dirty="0">
+                <a:ea typeface="+mn-lt"/>
+                <a:cs typeface="+mn-lt"/>
+              </a:rPr>
+              <a:t>넘어갑니다</a:t>
+            </a:r>
+            <a:r>
+              <a:rPr lang="en-US" sz="2800" dirty="0">
+                <a:ea typeface="+mn-lt"/>
+                <a:cs typeface="+mn-lt"/>
+              </a:rPr>
               <a:t>.</a:t>
             </a:r>
-            <a:endParaRPr lang="en-US" dirty="0"/>
-          </a:p>
-        </p:txBody>
-      </p:sp>
+            <a:endParaRPr lang="en-US" sz="2800" dirty="0"/>
+          </a:p>
+          <a:p>
+            <a:endParaRPr lang="en-US" sz="2800" dirty="0"/>
+          </a:p>
+          <a:p>
+            <a:pPr algn="l"/>
+            <a:endParaRPr lang="en-US" sz="2800" dirty="0"/>
+          </a:p>
+        </p:txBody>
+      </p:sp>
+    </p:spTree>
+    <p:extLst>
+      <p:ext uri="{BB962C8B-B14F-4D97-AF65-F5344CB8AC3E}">
+        <p14:creationId xmlns:p14="http://schemas.microsoft.com/office/powerpoint/2010/main" val="165181109"/>
+      </p:ext>
+    </p:extLst>
+  </p:cSld>
+  <p:clrMapOvr>
+    <a:masterClrMapping/>
+  </p:clrMapOvr>
+  <p:timing>
+    <p:tnLst>
+      <p:par>
+        <p:cTn id="1" dur="indefinite" restart="never" nodeType="tmRoot"/>
+      </p:par>
+    </p:tnLst>
+  </p:timing>
+</p:sld>
+</file>
+
+<file path=ppt/slides/slide6.xml><?xml version="1.0" encoding="utf-8"?>
+<p:sld xmlns:a="http://schemas.openxmlformats.org/drawingml/2006/main" xmlns:r="http://schemas.openxmlformats.org/officeDocument/2006/relationships" xmlns:p="http://schemas.openxmlformats.org/presentationml/2006/main">
+  <p:cSld>
+    <p:spTree>
+      <p:nvGrpSpPr>
+        <p:cNvPr id="1" name=""/>
+        <p:cNvGrpSpPr/>
+        <p:nvPr/>
+      </p:nvGrpSpPr>
+      <p:grpSpPr>
+        <a:xfrm>
+          <a:off x="0" y="0"/>
+          <a:ext cx="0" cy="0"/>
+          <a:chOff x="0" y="0"/>
+          <a:chExt cx="0" cy="0"/>
+        </a:xfrm>
+      </p:grpSpPr>
       <p:graphicFrame>
         <p:nvGraphicFramePr>
           <p:cNvPr id="5" name="Table 5">
             <a:extLst>
               <a:ext uri="{FF2B5EF4-FFF2-40B4-BE49-F238E27FC236}">
-                <a16:creationId xmlns:a16="http://schemas.microsoft.com/office/drawing/2014/main" id="{FC22722C-9A68-5D0D-4F6A-664A23379CDA}"/>
+                <a16:creationId xmlns="" xmlns:a16="http://schemas.microsoft.com/office/drawing/2014/main" id="{FC22722C-9A68-5D0D-4F6A-664A23379CDA}"/>
               </a:ext>
             </a:extLst>
           </p:cNvPr>
@@ -5127,14 +5948,14 @@
           <p:nvPr>
             <p:extLst>
               <p:ext uri="{D42A27DB-BD31-4B8C-83A1-F6EECF244321}">
-                <p14:modId xmlns:p14="http://schemas.microsoft.com/office/powerpoint/2010/main" val="2246024764"/>
+                <p14:modId xmlns:p14="http://schemas.microsoft.com/office/powerpoint/2010/main" val="3198647791"/>
               </p:ext>
             </p:extLst>
           </p:nvPr>
         </p:nvGraphicFramePr>
         <p:xfrm>
-          <a:off x="397443" y="2190312"/>
-          <a:ext cx="11377177" cy="3999473"/>
+          <a:off x="378393" y="209550"/>
+          <a:ext cx="11377177" cy="6162303"/>
         </p:xfrm>
         <a:graphic>
           <a:graphicData uri="http://schemas.openxmlformats.org/drawingml/2006/table">
@@ -5146,40 +5967,40 @@
                 <a:gridCol w="1862666">
                   <a:extLst>
                     <a:ext uri="{9D8B030D-6E8A-4147-A177-3AD203B41FA5}">
-                      <a16:colId xmlns:a16="http://schemas.microsoft.com/office/drawing/2014/main" val="609826666"/>
+                      <a16:colId xmlns="" xmlns:a16="http://schemas.microsoft.com/office/drawing/2014/main" val="609826666"/>
                     </a:ext>
                   </a:extLst>
                 </a:gridCol>
                 <a:gridCol w="1143000">
                   <a:extLst>
                     <a:ext uri="{9D8B030D-6E8A-4147-A177-3AD203B41FA5}">
-                      <a16:colId xmlns:a16="http://schemas.microsoft.com/office/drawing/2014/main" val="926826381"/>
+                      <a16:colId xmlns="" xmlns:a16="http://schemas.microsoft.com/office/drawing/2014/main" val="926826381"/>
                     </a:ext>
                   </a:extLst>
                 </a:gridCol>
                 <a:gridCol w="3062111">
                   <a:extLst>
                     <a:ext uri="{9D8B030D-6E8A-4147-A177-3AD203B41FA5}">
-                      <a16:colId xmlns:a16="http://schemas.microsoft.com/office/drawing/2014/main" val="1990854293"/>
+                      <a16:colId xmlns="" xmlns:a16="http://schemas.microsoft.com/office/drawing/2014/main" val="1990854293"/>
                     </a:ext>
                   </a:extLst>
                 </a:gridCol>
                 <a:gridCol w="2751666">
                   <a:extLst>
                     <a:ext uri="{9D8B030D-6E8A-4147-A177-3AD203B41FA5}">
-                      <a16:colId xmlns:a16="http://schemas.microsoft.com/office/drawing/2014/main" val="2721997769"/>
+                      <a16:colId xmlns="" xmlns:a16="http://schemas.microsoft.com/office/drawing/2014/main" val="2721997769"/>
                     </a:ext>
                   </a:extLst>
                 </a:gridCol>
                 <a:gridCol w="2557734">
                   <a:extLst>
                     <a:ext uri="{9D8B030D-6E8A-4147-A177-3AD203B41FA5}">
-                      <a16:colId xmlns:a16="http://schemas.microsoft.com/office/drawing/2014/main" val="1517032735"/>
+                      <a16:colId xmlns="" xmlns:a16="http://schemas.microsoft.com/office/drawing/2014/main" val="1517032735"/>
                     </a:ext>
                   </a:extLst>
                 </a:gridCol>
               </a:tblGrid>
-              <a:tr h="663783">
+              <a:tr h="825578">
                 <a:tc>
                   <a:txBody>
                     <a:bodyPr/>
@@ -5187,10 +6008,10 @@
                     <a:p>
                       <a:pPr algn="ctr"/>
                       <a:r>
-                        <a:rPr lang="ko-KR" altLang="en-US"/>
+                        <a:rPr lang="ko-KR" altLang="en-US" dirty="0"/>
                         <a:t>기능</a:t>
                       </a:r>
-                      <a:endParaRPr lang="en-US"/>
+                      <a:endParaRPr lang="en-US" dirty="0"/>
                     </a:p>
                   </a:txBody>
                   <a:tcPr anchor="ctr"/>
@@ -5202,7 +6023,7 @@
                     <a:p>
                       <a:pPr algn="ctr"/>
                       <a:r>
-                        <a:rPr lang="en-US" dirty="0"/>
+                        <a:rPr lang="en-US"/>
                         <a:t>Method</a:t>
                       </a:r>
                     </a:p>
@@ -5216,9 +6037,10 @@
                     <a:p>
                       <a:pPr algn="ctr"/>
                       <a:r>
-                        <a:rPr lang="en-US" dirty="0"/>
+                        <a:rPr lang="en-US" dirty="0" smtClean="0"/>
                         <a:t>URL</a:t>
                       </a:r>
+                      <a:endParaRPr lang="en-US" dirty="0"/>
                     </a:p>
                   </a:txBody>
                   <a:tcPr anchor="ctr"/>
@@ -5263,11 +6085,11 @@
                 </a:tc>
                 <a:extLst>
                   <a:ext uri="{0D108BD9-81ED-4DB2-BD59-A6C34878D82A}">
-                    <a16:rowId xmlns:a16="http://schemas.microsoft.com/office/drawing/2014/main" val="2225592757"/>
+                    <a16:rowId xmlns="" xmlns:a16="http://schemas.microsoft.com/office/drawing/2014/main" val="2225592757"/>
                   </a:ext>
                 </a:extLst>
               </a:tr>
-              <a:tr h="1305281">
+              <a:tr h="1031191">
                 <a:tc>
                   <a:txBody>
                     <a:bodyPr/>
@@ -5277,22 +6099,41 @@
                         <a:buNone/>
                       </a:pPr>
                       <a:r>
-                        <a:rPr lang="ko-KR" altLang="en-US" sz="1800" b="0" i="0" u="none" strike="noStrike" noProof="0">
+                        <a:rPr lang="ko-KR" altLang="en-US" sz="1800" b="0" i="0" u="none" strike="noStrike" noProof="0" dirty="0" smtClean="0">
                           <a:latin typeface="Tw Cen MT"/>
                         </a:rPr>
-                        <a:t>메시지</a:t>
-                      </a:r>
-                      <a:r>
-                        <a:rPr lang="en-US" altLang="ko-KR" sz="1800" b="0" i="0" u="none" strike="noStrike" noProof="0">
+                        <a:t>방명록</a:t>
+                      </a:r>
+                      <a:r>
+                        <a:rPr lang="en-US" altLang="ko-KR" sz="1800" b="0" i="0" u="none" strike="noStrike" noProof="0" dirty="0" smtClean="0">
                           <a:latin typeface="Tw Cen MT"/>
                         </a:rPr>
                         <a:t> </a:t>
                       </a:r>
                       <a:r>
-                        <a:rPr lang="ko-KR" altLang="en-US" sz="1800" b="0" i="0" u="none" strike="noStrike" noProof="0">
+                        <a:rPr lang="ko-KR" altLang="en-US" sz="1800" b="0" i="0" u="none" strike="noStrike" noProof="0" dirty="0">
                           <a:latin typeface="Tw Cen MT"/>
                         </a:rPr>
                         <a:t>작성</a:t>
+                      </a:r>
+                      <a:endParaRPr lang="en-US" dirty="0"/>
+                    </a:p>
+                  </a:txBody>
+                  <a:tcPr anchor="ctr"/>
+                </a:tc>
+                <a:tc>
+                  <a:txBody>
+                    <a:bodyPr/>
+                    <a:lstStyle/>
+                    <a:p>
+                      <a:pPr lvl="0" algn="ctr">
+                        <a:buNone/>
+                      </a:pPr>
+                      <a:r>
+                        <a:rPr lang="en-US" sz="1800" b="0" i="0" u="none" strike="noStrike" noProof="0">
+                          <a:latin typeface="Tw Cen MT"/>
+                        </a:rPr>
+                        <a:t>POST</a:t>
                       </a:r>
                       <a:endParaRPr lang="en-US"/>
                     </a:p>
@@ -5308,10 +6149,305 @@
                         <a:buNone/>
                       </a:pPr>
                       <a:r>
+                        <a:rPr lang="en-US" sz="1800" b="0" i="0" u="none" strike="noStrike" noProof="0" dirty="0">
+                          <a:latin typeface="Tw Cen MT"/>
+                        </a:rPr>
+                        <a:t>/</a:t>
+                      </a:r>
+                      <a:r>
+                        <a:rPr lang="en-US" sz="1800" b="0" i="0" u="none" strike="noStrike" noProof="0" dirty="0" err="1">
+                          <a:latin typeface="Tw Cen MT"/>
+                        </a:rPr>
+                        <a:t>fourglass</a:t>
+                      </a:r>
+                      <a:r>
+                        <a:rPr lang="en-US" sz="1800" b="0" i="0" u="none" strike="noStrike" noProof="0" dirty="0">
+                          <a:latin typeface="Tw Cen MT"/>
+                        </a:rPr>
+                        <a:t>/teamⓝ_</a:t>
+                      </a:r>
+                      <a:r>
+                        <a:rPr lang="en-US" sz="1800" b="0" i="0" u="none" strike="noStrike" noProof="0" dirty="0" err="1">
+                          <a:latin typeface="Tw Cen MT"/>
+                        </a:rPr>
+                        <a:t>add_cmt</a:t>
+                      </a:r>
+                      <a:endParaRPr lang="en-US" dirty="0"/>
+                    </a:p>
+                  </a:txBody>
+                  <a:tcPr anchor="ctr"/>
+                </a:tc>
+                <a:tc>
+                  <a:txBody>
+                    <a:bodyPr/>
+                    <a:lstStyle/>
+                    <a:p>
+                      <a:pPr lvl="0" algn="ctr">
+                        <a:buNone/>
+                      </a:pPr>
+                      <a:r>
+                        <a:rPr lang="en-US" altLang="ko-KR" dirty="0" smtClean="0"/>
+                        <a:t>{</a:t>
+                      </a:r>
+                      <a:r>
+                        <a:rPr lang="en-US" altLang="ko-KR" sz="1800" kern="1200" dirty="0" smtClean="0">
+                          <a:solidFill>
+                            <a:schemeClr val="dk1"/>
+                          </a:solidFill>
+                          <a:effectLst/>
+                          <a:latin typeface="+mn-lt"/>
+                          <a:ea typeface="+mn-ea"/>
+                          <a:cs typeface="+mn-cs"/>
+                        </a:rPr>
+                        <a:t>'</a:t>
+                      </a:r>
+                      <a:r>
+                        <a:rPr lang="en-US" altLang="ko-KR" sz="1800" kern="1200" dirty="0" err="1" smtClean="0">
+                          <a:solidFill>
+                            <a:schemeClr val="dk1"/>
+                          </a:solidFill>
+                          <a:effectLst/>
+                          <a:latin typeface="+mn-lt"/>
+                          <a:ea typeface="+mn-ea"/>
+                          <a:cs typeface="+mn-cs"/>
+                        </a:rPr>
+                        <a:t>id_give</a:t>
+                      </a:r>
+                      <a:r>
+                        <a:rPr lang="en-US" altLang="ko-KR" sz="1800" kern="1200" dirty="0" smtClean="0">
+                          <a:solidFill>
+                            <a:schemeClr val="dk1"/>
+                          </a:solidFill>
+                          <a:effectLst/>
+                          <a:latin typeface="+mn-lt"/>
+                          <a:ea typeface="+mn-ea"/>
+                          <a:cs typeface="+mn-cs"/>
+                        </a:rPr>
+                        <a:t>'</a:t>
+                      </a:r>
+                      <a:r>
+                        <a:rPr lang="en-US" altLang="ko-KR" dirty="0" smtClean="0"/>
+                        <a:t>: id</a:t>
+                      </a:r>
+                      <a:r>
+                        <a:rPr lang="en-US" altLang="ko-KR" sz="1800" kern="1200" dirty="0" smtClean="0">
+                          <a:solidFill>
+                            <a:schemeClr val="dk1"/>
+                          </a:solidFill>
+                          <a:effectLst/>
+                          <a:latin typeface="+mn-lt"/>
+                          <a:ea typeface="+mn-ea"/>
+                          <a:cs typeface="+mn-cs"/>
+                        </a:rPr>
+                        <a:t>, '</a:t>
+                      </a:r>
+                      <a:r>
+                        <a:rPr lang="en-US" altLang="ko-KR" sz="1800" kern="1200" dirty="0" err="1" smtClean="0">
+                          <a:solidFill>
+                            <a:schemeClr val="dk1"/>
+                          </a:solidFill>
+                          <a:effectLst/>
+                          <a:latin typeface="+mn-lt"/>
+                          <a:ea typeface="+mn-ea"/>
+                          <a:cs typeface="+mn-cs"/>
+                        </a:rPr>
+                        <a:t>name_give</a:t>
+                      </a:r>
+                      <a:r>
+                        <a:rPr lang="en-US" altLang="ko-KR" sz="1800" kern="1200" dirty="0" smtClean="0">
+                          <a:solidFill>
+                            <a:schemeClr val="dk1"/>
+                          </a:solidFill>
+                          <a:effectLst/>
+                          <a:latin typeface="+mn-lt"/>
+                          <a:ea typeface="+mn-ea"/>
+                          <a:cs typeface="+mn-cs"/>
+                        </a:rPr>
+                        <a:t>'</a:t>
+                      </a:r>
+                      <a:r>
+                        <a:rPr lang="en-US" altLang="ko-KR" dirty="0" smtClean="0"/>
+                        <a:t>: name</a:t>
+                      </a:r>
+                      <a:r>
+                        <a:rPr lang="en-US" altLang="ko-KR" sz="1800" kern="1200" dirty="0" smtClean="0">
+                          <a:solidFill>
+                            <a:schemeClr val="dk1"/>
+                          </a:solidFill>
+                          <a:effectLst/>
+                          <a:latin typeface="+mn-lt"/>
+                          <a:ea typeface="+mn-ea"/>
+                          <a:cs typeface="+mn-cs"/>
+                        </a:rPr>
+                        <a:t>, '</a:t>
+                      </a:r>
+                      <a:r>
+                        <a:rPr lang="en-US" altLang="ko-KR" sz="1800" kern="1200" dirty="0" err="1" smtClean="0">
+                          <a:solidFill>
+                            <a:schemeClr val="dk1"/>
+                          </a:solidFill>
+                          <a:effectLst/>
+                          <a:latin typeface="+mn-lt"/>
+                          <a:ea typeface="+mn-ea"/>
+                          <a:cs typeface="+mn-cs"/>
+                        </a:rPr>
+                        <a:t>comment_give</a:t>
+                      </a:r>
+                      <a:r>
+                        <a:rPr lang="en-US" altLang="ko-KR" sz="1800" kern="1200" dirty="0" smtClean="0">
+                          <a:solidFill>
+                            <a:schemeClr val="dk1"/>
+                          </a:solidFill>
+                          <a:effectLst/>
+                          <a:latin typeface="+mn-lt"/>
+                          <a:ea typeface="+mn-ea"/>
+                          <a:cs typeface="+mn-cs"/>
+                        </a:rPr>
+                        <a:t>'</a:t>
+                      </a:r>
+                      <a:r>
+                        <a:rPr lang="en-US" altLang="ko-KR" dirty="0" smtClean="0"/>
+                        <a:t>: comment</a:t>
+                      </a:r>
+                      <a:r>
+                        <a:rPr lang="en-US" altLang="ko-KR" sz="1800" kern="1200" dirty="0" smtClean="0">
+                          <a:solidFill>
+                            <a:schemeClr val="dk1"/>
+                          </a:solidFill>
+                          <a:effectLst/>
+                          <a:latin typeface="+mn-lt"/>
+                          <a:ea typeface="+mn-ea"/>
+                          <a:cs typeface="+mn-cs"/>
+                        </a:rPr>
+                        <a:t>, '</a:t>
+                      </a:r>
+                      <a:r>
+                        <a:rPr lang="en-US" altLang="ko-KR" sz="1800" kern="1200" dirty="0" err="1" smtClean="0">
+                          <a:solidFill>
+                            <a:schemeClr val="dk1"/>
+                          </a:solidFill>
+                          <a:effectLst/>
+                          <a:latin typeface="+mn-lt"/>
+                          <a:ea typeface="+mn-ea"/>
+                          <a:cs typeface="+mn-cs"/>
+                        </a:rPr>
+                        <a:t>pass_give</a:t>
+                      </a:r>
+                      <a:r>
+                        <a:rPr lang="en-US" altLang="ko-KR" sz="1800" kern="1200" dirty="0" smtClean="0">
+                          <a:solidFill>
+                            <a:schemeClr val="dk1"/>
+                          </a:solidFill>
+                          <a:effectLst/>
+                          <a:latin typeface="+mn-lt"/>
+                          <a:ea typeface="+mn-ea"/>
+                          <a:cs typeface="+mn-cs"/>
+                        </a:rPr>
+                        <a:t>'</a:t>
+                      </a:r>
+                      <a:r>
+                        <a:rPr lang="en-US" altLang="ko-KR" dirty="0" smtClean="0"/>
+                        <a:t>: pass}</a:t>
+                      </a:r>
+                      <a:endParaRPr lang="en-US" dirty="0"/>
+                    </a:p>
+                  </a:txBody>
+                  <a:tcPr anchor="ctr"/>
+                </a:tc>
+                <a:tc>
+                  <a:txBody>
+                    <a:bodyPr/>
+                    <a:lstStyle/>
+                    <a:p>
+                      <a:pPr lvl="0" algn="ctr">
+                        <a:buNone/>
+                      </a:pPr>
+                      <a:r>
+                        <a:rPr lang="ko-KR" altLang="en-US" sz="1800" b="0" i="0" u="none" strike="noStrike" noProof="0" dirty="0">
+                          <a:latin typeface="Tw Cen MT"/>
+                        </a:rPr>
+                        <a:t>성공</a:t>
+                      </a:r>
+                      <a:r>
+                        <a:rPr lang="en-US" altLang="ko-KR" sz="1800" b="0" i="0" u="none" strike="noStrike" noProof="0" dirty="0">
+                          <a:latin typeface="Tw Cen MT"/>
+                        </a:rPr>
+                        <a:t> </a:t>
+                      </a:r>
+                      <a:r>
+                        <a:rPr lang="ko-KR" altLang="en-US" sz="1800" b="0" i="0" u="none" strike="noStrike" noProof="0" dirty="0">
+                          <a:latin typeface="Tw Cen MT"/>
+                        </a:rPr>
+                        <a:t>여부</a:t>
+                      </a:r>
+                      <a:r>
+                        <a:rPr lang="en-US" altLang="ko-KR" sz="1800" b="0" i="0" u="none" strike="noStrike" noProof="0" dirty="0">
+                          <a:latin typeface="Tw Cen MT"/>
+                        </a:rPr>
+                        <a:t> </a:t>
+                      </a:r>
+                      <a:r>
+                        <a:rPr lang="ko-KR" altLang="en-US" sz="1800" b="0" i="0" u="none" strike="noStrike" noProof="0" dirty="0" smtClean="0">
+                          <a:latin typeface="Tw Cen MT"/>
+                        </a:rPr>
+                        <a:t>메시지</a:t>
+                      </a:r>
+                      <a:endParaRPr lang="en-US" dirty="0"/>
+                    </a:p>
+                  </a:txBody>
+                  <a:tcPr anchor="ctr"/>
+                </a:tc>
+                <a:extLst>
+                  <a:ext uri="{0D108BD9-81ED-4DB2-BD59-A6C34878D82A}">
+                    <a16:rowId xmlns="" xmlns:a16="http://schemas.microsoft.com/office/drawing/2014/main" val="2749350294"/>
+                  </a:ext>
+                </a:extLst>
+              </a:tr>
+              <a:tr h="825578">
+                <a:tc>
+                  <a:txBody>
+                    <a:bodyPr/>
+                    <a:lstStyle/>
+                    <a:p>
+                      <a:pPr lvl="0" algn="ctr">
+                        <a:buNone/>
+                      </a:pPr>
+                      <a:r>
+                        <a:rPr lang="ko-KR" altLang="en-US" sz="1800" b="0" i="0" u="none" strike="noStrike" noProof="0" dirty="0" smtClean="0">
+                          <a:latin typeface="+mn-lt"/>
+                        </a:rPr>
+                        <a:t>방명록</a:t>
+                      </a:r>
+                      <a:r>
+                        <a:rPr lang="en-US" altLang="ko-KR" sz="1800" b="0" i="0" u="none" strike="noStrike" noProof="0" dirty="0" smtClean="0">
+                          <a:latin typeface="+mn-lt"/>
+                        </a:rPr>
+                        <a:t> </a:t>
+                      </a:r>
+                      <a:r>
+                        <a:rPr lang="ko-KR" altLang="en-US" sz="1800" b="0" i="0" u="none" strike="noStrike" noProof="0" dirty="0" smtClean="0">
+                          <a:latin typeface="Tw Cen MT"/>
+                        </a:rPr>
+                        <a:t>불러오기</a:t>
+                      </a:r>
+                      <a:endParaRPr lang="en-US" dirty="0"/>
+                    </a:p>
+                  </a:txBody>
+                  <a:tcPr anchor="ctr"/>
+                </a:tc>
+                <a:tc>
+                  <a:txBody>
+                    <a:bodyPr/>
+                    <a:lstStyle/>
+                    <a:p>
+                      <a:pPr lvl="0" algn="ctr">
+                        <a:buNone/>
+                      </a:pPr>
+                      <a:r>
                         <a:rPr lang="en-US" sz="1800" b="0" i="0" u="none" strike="noStrike" noProof="0">
                           <a:latin typeface="Tw Cen MT"/>
                         </a:rPr>
-                        <a:t>POST</a:t>
+                        <a:t>GET</a:t>
                       </a:r>
                       <a:endParaRPr lang="en-US"/>
                     </a:p>
@@ -5327,30 +6463,30 @@
                         <a:buNone/>
                       </a:pPr>
                       <a:r>
-                        <a:rPr lang="en-US" sz="1800" b="0" i="0" u="none" strike="noStrike" noProof="0">
+                        <a:rPr lang="en-US" sz="1800" b="0" i="0" u="none" strike="noStrike" noProof="0" dirty="0">
                           <a:latin typeface="Tw Cen MT"/>
                         </a:rPr>
                         <a:t>/</a:t>
                       </a:r>
                       <a:r>
-                        <a:rPr lang="en-US" sz="1800" b="0" i="0" u="none" strike="noStrike" noProof="0" err="1">
+                        <a:rPr lang="en-US" sz="1800" b="0" i="0" u="none" strike="noStrike" noProof="0" dirty="0" err="1">
                           <a:latin typeface="Tw Cen MT"/>
                         </a:rPr>
                         <a:t>fourglass</a:t>
                       </a:r>
                       <a:r>
-                        <a:rPr lang="en-US" sz="1800" b="0" i="0" u="none" strike="noStrike" noProof="0">
+                        <a:rPr lang="en-US" sz="1800" b="0" i="0" u="none" strike="noStrike" noProof="0" dirty="0">
                           <a:latin typeface="Tw Cen MT"/>
                         </a:rPr>
                         <a:t>/teamⓝ_</a:t>
                       </a:r>
                       <a:r>
-                        <a:rPr lang="en-US" sz="1800" b="0" i="0" u="none" strike="noStrike" noProof="0" err="1">
+                        <a:rPr lang="en-US" sz="1800" b="0" i="0" u="none" strike="noStrike" noProof="0" dirty="0" err="1">
                           <a:latin typeface="Tw Cen MT"/>
                         </a:rPr>
-                        <a:t>add_cmt</a:t>
-                      </a:r>
-                      <a:endParaRPr lang="en-US" err="1"/>
+                        <a:t>get_cmt</a:t>
+                      </a:r>
+                      <a:endParaRPr lang="en-US" dirty="0"/>
                     </a:p>
                   </a:txBody>
                   <a:tcPr anchor="ctr"/>
@@ -5364,10 +6500,110 @@
                         <a:buNone/>
                       </a:pPr>
                       <a:r>
+                        <a:rPr lang="en-US" sz="1800" b="0" i="0" u="none" strike="noStrike" noProof="0" dirty="0">
+                          <a:latin typeface="Tw Cen MT"/>
+                        </a:rPr>
+                        <a:t>X</a:t>
+                      </a:r>
+                      <a:endParaRPr lang="en-US" dirty="0"/>
+                    </a:p>
+                  </a:txBody>
+                  <a:tcPr anchor="ctr"/>
+                </a:tc>
+                <a:tc>
+                  <a:txBody>
+                    <a:bodyPr/>
+                    <a:lstStyle/>
+                    <a:p>
+                      <a:pPr lvl="0" algn="ctr">
+                        <a:buNone/>
+                      </a:pPr>
+                      <a:r>
+                        <a:rPr lang="ko-KR" altLang="en-US" sz="1800" b="0" i="0" u="none" strike="noStrike" noProof="0" dirty="0">
+                          <a:latin typeface="Tw Cen MT"/>
+                        </a:rPr>
+                        <a:t>작성한</a:t>
+                      </a:r>
+                      <a:r>
+                        <a:rPr lang="en-US" altLang="ko-KR" sz="1800" b="0" i="0" u="none" strike="noStrike" noProof="0" dirty="0">
+                          <a:latin typeface="Tw Cen MT"/>
+                        </a:rPr>
+                        <a:t> </a:t>
+                      </a:r>
+                      <a:r>
+                        <a:rPr lang="ko-KR" altLang="en-US" sz="1800" b="0" i="0" u="none" strike="noStrike" noProof="0" dirty="0" smtClean="0">
+                          <a:latin typeface="+mn-lt"/>
+                        </a:rPr>
+                        <a:t>방명록</a:t>
+                      </a:r>
+                      <a:r>
+                        <a:rPr lang="en-US" altLang="ko-KR" sz="1800" b="0" i="0" u="none" strike="noStrike" noProof="0" dirty="0" smtClean="0">
+                          <a:latin typeface="+mn-lt"/>
+                        </a:rPr>
+                        <a:t> </a:t>
+                      </a:r>
+                      <a:r>
+                        <a:rPr lang="ko-KR" altLang="en-US" sz="1800" b="0" i="0" u="none" strike="noStrike" noProof="0" dirty="0" smtClean="0">
+                          <a:latin typeface="Tw Cen MT"/>
+                        </a:rPr>
+                        <a:t>목록</a:t>
+                      </a:r>
+                      <a:endParaRPr lang="en-US" dirty="0"/>
+                    </a:p>
+                  </a:txBody>
+                  <a:tcPr anchor="ctr"/>
+                </a:tc>
+                <a:extLst>
+                  <a:ext uri="{0D108BD9-81ED-4DB2-BD59-A6C34878D82A}">
+                    <a16:rowId xmlns="" xmlns:a16="http://schemas.microsoft.com/office/drawing/2014/main" val="3229486975"/>
+                  </a:ext>
+                </a:extLst>
+              </a:tr>
+              <a:tr h="825578">
+                <a:tc>
+                  <a:txBody>
+                    <a:bodyPr/>
+                    <a:lstStyle/>
+                    <a:p>
+                      <a:pPr lvl="0" algn="ctr">
+                        <a:buNone/>
+                      </a:pPr>
+                      <a:r>
+                        <a:rPr lang="ko-KR" altLang="en-US" sz="1800" b="0" i="0" u="none" strike="noStrike" noProof="0" dirty="0" smtClean="0">
+                          <a:latin typeface="+mn-lt"/>
+                        </a:rPr>
+                        <a:t>방명록</a:t>
+                      </a:r>
+                      <a:r>
+                        <a:rPr lang="en-US" altLang="ko-KR" sz="1800" b="0" i="0" u="none" strike="noStrike" noProof="0" dirty="0" smtClean="0">
+                          <a:latin typeface="+mn-lt"/>
+                        </a:rPr>
+                        <a:t> </a:t>
+                      </a:r>
+                      <a:r>
+                        <a:rPr lang="ko-KR" altLang="en-US" sz="1800" b="0" i="0" u="none" strike="noStrike" noProof="0" dirty="0" smtClean="0">
+                          <a:latin typeface="Tw Cen MT"/>
+                        </a:rPr>
+                        <a:t>찾기</a:t>
+                      </a:r>
+                      <a:endParaRPr lang="en-US" dirty="0"/>
+                    </a:p>
+                  </a:txBody>
+                  <a:tcPr anchor="ctr"/>
+                </a:tc>
+                <a:tc>
+                  <a:txBody>
+                    <a:bodyPr/>
+                    <a:lstStyle/>
+                    <a:p>
+                      <a:pPr lvl="0" algn="ctr">
+                        <a:buNone/>
+                      </a:pPr>
+                      <a:r>
                         <a:rPr lang="en-US" sz="1800" b="0" i="0" u="none" strike="noStrike" noProof="0">
                           <a:latin typeface="Tw Cen MT"/>
                         </a:rPr>
-                        <a:t>{'idx': id_receive, 'name': name_receive, 'comment': comment_receive, 'pass': pass_receive}</a:t>
+                        <a:t>POST</a:t>
                       </a:r>
                       <a:endParaRPr lang="en-US"/>
                     </a:p>
@@ -5383,47 +6619,34 @@
                         <a:buNone/>
                       </a:pPr>
                       <a:r>
-                        <a:rPr lang="ko-KR" altLang="en-US" sz="1800" b="0" i="0" u="none" strike="noStrike" noProof="0">
+                        <a:rPr lang="en-US" sz="1800" b="0" i="0" u="none" strike="noStrike" noProof="0" dirty="0">
                           <a:latin typeface="Tw Cen MT"/>
                         </a:rPr>
-                        <a:t>성공</a:t>
-                      </a:r>
-                      <a:r>
-                        <a:rPr lang="en-US" altLang="ko-KR" sz="1800" b="0" i="0" u="none" strike="noStrike" noProof="0">
+                        <a:t>/</a:t>
+                      </a:r>
+                      <a:r>
+                        <a:rPr lang="en-US" sz="1800" b="0" i="0" u="none" strike="noStrike" noProof="0" dirty="0" err="1">
                           <a:latin typeface="Tw Cen MT"/>
                         </a:rPr>
-                        <a:t> </a:t>
-                      </a:r>
-                      <a:r>
-                        <a:rPr lang="ko-KR" altLang="en-US" sz="1800" b="0" i="0" u="none" strike="noStrike" noProof="0">
+                        <a:t>fourglass</a:t>
+                      </a:r>
+                      <a:r>
+                        <a:rPr lang="en-US" sz="1800" b="0" i="0" u="none" strike="noStrike" noProof="0" dirty="0">
                           <a:latin typeface="Tw Cen MT"/>
                         </a:rPr>
-                        <a:t>여부</a:t>
-                      </a:r>
-                      <a:r>
-                        <a:rPr lang="en-US" altLang="ko-KR" sz="1800" b="0" i="0" u="none" strike="noStrike" noProof="0">
+                        <a:t>/</a:t>
+                      </a:r>
+                      <a:r>
+                        <a:rPr lang="en-US" sz="1800" b="0" i="0" u="none" strike="noStrike" noProof="0" dirty="0" err="1">
                           <a:latin typeface="Tw Cen MT"/>
                         </a:rPr>
-                        <a:t> </a:t>
-                      </a:r>
-                      <a:r>
-                        <a:rPr lang="ko-KR" altLang="en-US" sz="1800" b="0" i="0" u="none" strike="noStrike" noProof="0">
-                          <a:latin typeface="Tw Cen MT"/>
-                        </a:rPr>
-                        <a:t>메세지</a:t>
-                      </a:r>
-                      <a:endParaRPr lang="en-US"/>
+                        <a:t>teamⓝfind_cmt</a:t>
+                      </a:r>
+                      <a:endParaRPr lang="en-US" dirty="0"/>
                     </a:p>
                   </a:txBody>
                   <a:tcPr anchor="ctr"/>
                 </a:tc>
-                <a:extLst>
-                  <a:ext uri="{0D108BD9-81ED-4DB2-BD59-A6C34878D82A}">
-                    <a16:rowId xmlns:a16="http://schemas.microsoft.com/office/drawing/2014/main" val="2749350294"/>
-                  </a:ext>
-                </a:extLst>
-              </a:tr>
-              <a:tr h="663783">
                 <a:tc>
                   <a:txBody>
                     <a:bodyPr/>
@@ -5433,22 +6656,162 @@
                         <a:buNone/>
                       </a:pPr>
                       <a:r>
-                        <a:rPr lang="ko-KR" altLang="en-US" sz="1800" b="0" i="0" u="none" strike="noStrike" noProof="0" err="1">
+                        <a:rPr lang="en-US" altLang="ko-KR" sz="1800" kern="1200" dirty="0" smtClean="0">
+                          <a:solidFill>
+                            <a:schemeClr val="dk1"/>
+                          </a:solidFill>
+                          <a:effectLst/>
+                          <a:latin typeface="+mn-lt"/>
+                          <a:ea typeface="+mn-ea"/>
+                          <a:cs typeface="+mn-cs"/>
+                        </a:rPr>
+                        <a:t>{'</a:t>
+                      </a:r>
+                      <a:r>
+                        <a:rPr lang="en-US" altLang="ko-KR" sz="1800" kern="1200" dirty="0" err="1" smtClean="0">
+                          <a:solidFill>
+                            <a:schemeClr val="dk1"/>
+                          </a:solidFill>
+                          <a:effectLst/>
+                          <a:latin typeface="+mn-lt"/>
+                          <a:ea typeface="+mn-ea"/>
+                          <a:cs typeface="+mn-cs"/>
+                        </a:rPr>
+                        <a:t>id_give</a:t>
+                      </a:r>
+                      <a:r>
+                        <a:rPr lang="en-US" altLang="ko-KR" sz="1800" kern="1200" dirty="0" smtClean="0">
+                          <a:solidFill>
+                            <a:schemeClr val="dk1"/>
+                          </a:solidFill>
+                          <a:effectLst/>
+                          <a:latin typeface="+mn-lt"/>
+                          <a:ea typeface="+mn-ea"/>
+                          <a:cs typeface="+mn-cs"/>
+                        </a:rPr>
+                        <a:t>'</a:t>
+                      </a:r>
+                      <a:r>
+                        <a:rPr lang="en-US" altLang="ko-KR" dirty="0" smtClean="0"/>
+                        <a:t>: id}</a:t>
+                      </a:r>
+                      <a:endParaRPr lang="en-US" dirty="0"/>
+                    </a:p>
+                  </a:txBody>
+                  <a:tcPr anchor="ctr"/>
+                </a:tc>
+                <a:tc>
+                  <a:txBody>
+                    <a:bodyPr/>
+                    <a:lstStyle/>
+                    <a:p>
+                      <a:pPr lvl="0" algn="ctr">
+                        <a:buNone/>
+                      </a:pPr>
+                      <a:r>
+                        <a:rPr lang="en-US" sz="1800" b="0" i="0" u="none" strike="noStrike" noProof="0" dirty="0" smtClean="0">
                           <a:latin typeface="Tw Cen MT"/>
                         </a:rPr>
-                        <a:t>메세지</a:t>
-                      </a:r>
-                      <a:r>
-                        <a:rPr lang="en-US" altLang="ko-KR" sz="1800" b="0" i="0" u="none" strike="noStrike" noProof="0">
+                        <a:t>id</a:t>
+                      </a:r>
+                      <a:r>
+                        <a:rPr lang="ko-KR" altLang="en-US" sz="1800" b="0" i="0" u="none" strike="noStrike" noProof="0" dirty="0" smtClean="0">
                           <a:latin typeface="Tw Cen MT"/>
                         </a:rPr>
+                        <a:t>에</a:t>
+                      </a:r>
+                      <a:r>
+                        <a:rPr lang="en-US" altLang="ko-KR" sz="1800" b="0" i="0" u="none" strike="noStrike" noProof="0" dirty="0" smtClean="0">
+                          <a:latin typeface="Tw Cen MT"/>
+                        </a:rPr>
                         <a:t> </a:t>
                       </a:r>
                       <a:r>
-                        <a:rPr lang="ko-KR" altLang="en-US" sz="1800" b="0" i="0" u="none" strike="noStrike" noProof="0">
+                        <a:rPr lang="ko-KR" altLang="en-US" sz="1800" b="0" i="0" u="none" strike="noStrike" noProof="0" dirty="0">
                           <a:latin typeface="Tw Cen MT"/>
                         </a:rPr>
-                        <a:t>불러오기</a:t>
+                        <a:t>맞는</a:t>
+                      </a:r>
+                      <a:r>
+                        <a:rPr lang="en-US" altLang="ko-KR" sz="1800" b="0" i="0" u="none" strike="noStrike" noProof="0" dirty="0">
+                          <a:latin typeface="Tw Cen MT"/>
+                        </a:rPr>
+                        <a:t> </a:t>
+                      </a:r>
+                      <a:r>
+                        <a:rPr lang="ko-KR" altLang="en-US" sz="1800" b="0" i="0" u="none" strike="noStrike" noProof="0" dirty="0" smtClean="0">
+                          <a:latin typeface="+mn-lt"/>
+                        </a:rPr>
+                        <a:t>방명록</a:t>
+                      </a:r>
+                      <a:r>
+                        <a:rPr lang="en-US" altLang="ko-KR" sz="1800" b="0" i="0" u="none" strike="noStrike" noProof="0" dirty="0" smtClean="0">
+                          <a:latin typeface="+mn-lt"/>
+                        </a:rPr>
+                        <a:t> </a:t>
+                      </a:r>
+                      <a:r>
+                        <a:rPr lang="ko-KR" altLang="en-US" sz="1800" b="0" i="0" u="none" strike="noStrike" noProof="0" dirty="0" err="1" smtClean="0">
+                          <a:latin typeface="Tw Cen MT"/>
+                        </a:rPr>
+                        <a:t>한개</a:t>
+                      </a:r>
+                      <a:endParaRPr lang="en-US" dirty="0"/>
+                    </a:p>
+                  </a:txBody>
+                  <a:tcPr anchor="ctr"/>
+                </a:tc>
+                <a:extLst>
+                  <a:ext uri="{0D108BD9-81ED-4DB2-BD59-A6C34878D82A}">
+                    <a16:rowId xmlns="" xmlns:a16="http://schemas.microsoft.com/office/drawing/2014/main" val="294714867"/>
+                  </a:ext>
+                </a:extLst>
+              </a:tr>
+              <a:tr h="825578">
+                <a:tc>
+                  <a:txBody>
+                    <a:bodyPr/>
+                    <a:lstStyle/>
+                    <a:p>
+                      <a:pPr lvl="0" algn="ctr">
+                        <a:buNone/>
+                      </a:pPr>
+                      <a:r>
+                        <a:rPr lang="ko-KR" altLang="en-US" sz="1800" b="0" i="0" u="none" strike="noStrike" noProof="0" dirty="0" smtClean="0">
+                          <a:latin typeface="+mn-lt"/>
+                        </a:rPr>
+                        <a:t>방명록</a:t>
+                      </a:r>
+                      <a:r>
+                        <a:rPr lang="en-US" altLang="ko-KR" sz="1800" b="0" i="0" u="none" strike="noStrike" noProof="0" dirty="0" smtClean="0">
+                          <a:latin typeface="+mn-lt"/>
+                        </a:rPr>
+                        <a:t> </a:t>
+                      </a:r>
+                      <a:r>
+                        <a:rPr lang="ko-KR" altLang="en-US" sz="1800" b="0" i="0" u="none" strike="noStrike" noProof="0" dirty="0" smtClean="0">
+                          <a:latin typeface="Tw Cen MT"/>
+                        </a:rPr>
+                        <a:t>지우기</a:t>
+                      </a:r>
+                      <a:endParaRPr lang="en-US" dirty="0"/>
+                    </a:p>
+                  </a:txBody>
+                  <a:tcPr anchor="ctr"/>
+                </a:tc>
+                <a:tc>
+                  <a:txBody>
+                    <a:bodyPr/>
+                    <a:lstStyle/>
+                    <a:p>
+                      <a:pPr lvl="0" algn="ctr">
+                        <a:buNone/>
+                      </a:pPr>
+                      <a:r>
+                        <a:rPr lang="en-US" sz="1800" b="0" i="0" u="none" strike="noStrike" noProof="0">
+                          <a:latin typeface="Tw Cen MT"/>
+                        </a:rPr>
+                        <a:t>POST</a:t>
                       </a:r>
                       <a:endParaRPr lang="en-US"/>
                     </a:p>
@@ -5464,12 +6827,30 @@
                         <a:buNone/>
                       </a:pPr>
                       <a:r>
-                        <a:rPr lang="en-US" sz="1800" b="0" i="0" u="none" strike="noStrike" noProof="0">
+                        <a:rPr lang="en-US" sz="1800" b="0" i="0" u="none" strike="noStrike" noProof="0" dirty="0">
                           <a:latin typeface="Tw Cen MT"/>
                         </a:rPr>
-                        <a:t>GET</a:t>
-                      </a:r>
-                      <a:endParaRPr lang="en-US"/>
+                        <a:t> /</a:t>
+                      </a:r>
+                      <a:r>
+                        <a:rPr lang="en-US" sz="1800" b="0" i="0" u="none" strike="noStrike" noProof="0" dirty="0" err="1">
+                          <a:latin typeface="Tw Cen MT"/>
+                        </a:rPr>
+                        <a:t>fourglass</a:t>
+                      </a:r>
+                      <a:r>
+                        <a:rPr lang="en-US" sz="1800" b="0" i="0" u="none" strike="noStrike" noProof="0" dirty="0">
+                          <a:latin typeface="Tw Cen MT"/>
+                        </a:rPr>
+                        <a:t>/</a:t>
+                      </a:r>
+                      <a:r>
+                        <a:rPr lang="en-US" sz="1800" b="0" i="0" u="none" strike="noStrike" noProof="0" dirty="0" err="1">
+                          <a:latin typeface="Tw Cen MT"/>
+                        </a:rPr>
+                        <a:t>teamⓝdel_cmt</a:t>
+                      </a:r>
+                      <a:endParaRPr lang="en-US" dirty="0"/>
                     </a:p>
                   </a:txBody>
                   <a:tcPr anchor="ctr"/>
@@ -5483,12 +6864,50 @@
                         <a:buNone/>
                       </a:pPr>
                       <a:r>
-                        <a:rPr lang="en-US" sz="1800" b="0" i="0" u="none" strike="noStrike" noProof="0">
-                          <a:latin typeface="Tw Cen MT"/>
-                        </a:rPr>
-                        <a:t>/fourglass/teamⓝ_get_cmt</a:t>
-                      </a:r>
-                      <a:endParaRPr lang="en-US"/>
+                        <a:rPr lang="en-US" altLang="ko-KR" dirty="0" smtClean="0"/>
+                        <a:t>{</a:t>
+                      </a:r>
+                      <a:r>
+                        <a:rPr lang="en-US" altLang="ko-KR" sz="1800" kern="1200" dirty="0" smtClean="0">
+                          <a:solidFill>
+                            <a:schemeClr val="dk1"/>
+                          </a:solidFill>
+                          <a:effectLst/>
+                          <a:latin typeface="+mn-lt"/>
+                          <a:ea typeface="+mn-ea"/>
+                          <a:cs typeface="+mn-cs"/>
+                        </a:rPr>
+                        <a:t>'</a:t>
+                      </a:r>
+                      <a:r>
+                        <a:rPr lang="en-US" altLang="ko-KR" sz="1800" kern="1200" dirty="0" err="1" smtClean="0">
+                          <a:solidFill>
+                            <a:schemeClr val="dk1"/>
+                          </a:solidFill>
+                          <a:effectLst/>
+                          <a:latin typeface="+mn-lt"/>
+                          <a:ea typeface="+mn-ea"/>
+                          <a:cs typeface="+mn-cs"/>
+                        </a:rPr>
+                        <a:t>id_give</a:t>
+                      </a:r>
+                      <a:r>
+                        <a:rPr lang="en-US" altLang="ko-KR" sz="1800" kern="1200" dirty="0" smtClean="0">
+                          <a:solidFill>
+                            <a:schemeClr val="dk1"/>
+                          </a:solidFill>
+                          <a:effectLst/>
+                          <a:latin typeface="+mn-lt"/>
+                          <a:ea typeface="+mn-ea"/>
+                          <a:cs typeface="+mn-cs"/>
+                        </a:rPr>
+                        <a:t>'</a:t>
+                      </a:r>
+                      <a:r>
+                        <a:rPr lang="en-US" altLang="ko-KR" dirty="0" smtClean="0"/>
+                        <a:t>: id}</a:t>
+                      </a:r>
+                      <a:endParaRPr lang="en-US" dirty="0"/>
                     </a:p>
                   </a:txBody>
                   <a:tcPr anchor="ctr"/>
@@ -5502,12 +6921,90 @@
                         <a:buNone/>
                       </a:pPr>
                       <a:r>
-                        <a:rPr lang="en-US" sz="1800" b="0" i="0" u="none" strike="noStrike" noProof="0">
+                        <a:rPr lang="en-US" sz="1800" b="0" i="0" u="none" strike="noStrike" noProof="0" dirty="0" smtClean="0">
                           <a:latin typeface="Tw Cen MT"/>
                         </a:rPr>
-                        <a:t>X</a:t>
-                      </a:r>
-                      <a:endParaRPr lang="en-US"/>
+                        <a:t>id</a:t>
+                      </a:r>
+                      <a:r>
+                        <a:rPr lang="ko-KR" altLang="en-US" sz="1800" b="0" i="0" u="none" strike="noStrike" noProof="0" dirty="0" smtClean="0">
+                          <a:latin typeface="Tw Cen MT"/>
+                        </a:rPr>
+                        <a:t>에</a:t>
+                      </a:r>
+                      <a:r>
+                        <a:rPr lang="en-US" altLang="ko-KR" sz="1800" b="0" i="0" u="none" strike="noStrike" noProof="0" dirty="0" smtClean="0">
+                          <a:latin typeface="Tw Cen MT"/>
+                        </a:rPr>
+                        <a:t> </a:t>
+                      </a:r>
+                      <a:r>
+                        <a:rPr lang="ko-KR" altLang="en-US" sz="1800" b="0" i="0" u="none" strike="noStrike" noProof="0" dirty="0">
+                          <a:latin typeface="Tw Cen MT"/>
+                        </a:rPr>
+                        <a:t>맞는</a:t>
+                      </a:r>
+                      <a:r>
+                        <a:rPr lang="en-US" altLang="ko-KR" sz="1800" b="0" i="0" u="none" strike="noStrike" noProof="0" dirty="0">
+                          <a:latin typeface="Tw Cen MT"/>
+                        </a:rPr>
+                        <a:t> </a:t>
+                      </a:r>
+                      <a:r>
+                        <a:rPr lang="ko-KR" altLang="en-US" sz="1800" b="0" i="0" u="none" strike="noStrike" noProof="0" dirty="0" smtClean="0">
+                          <a:latin typeface="+mn-lt"/>
+                        </a:rPr>
+                        <a:t>방명록</a:t>
+                      </a:r>
+                      <a:r>
+                        <a:rPr lang="en-US" altLang="ko-KR" sz="1800" b="0" i="0" u="none" strike="noStrike" noProof="0" dirty="0" smtClean="0">
+                          <a:latin typeface="+mn-lt"/>
+                        </a:rPr>
+                        <a:t> </a:t>
+                      </a:r>
+                      <a:r>
+                        <a:rPr lang="ko-KR" altLang="en-US" sz="1800" b="0" i="0" u="none" strike="noStrike" noProof="0" dirty="0" smtClean="0">
+                          <a:latin typeface="Tw Cen MT"/>
+                        </a:rPr>
+                        <a:t>지우기</a:t>
+                      </a:r>
+                      <a:endParaRPr lang="en-US" dirty="0"/>
+                    </a:p>
+                  </a:txBody>
+                  <a:tcPr anchor="ctr"/>
+                </a:tc>
+                <a:extLst>
+                  <a:ext uri="{0D108BD9-81ED-4DB2-BD59-A6C34878D82A}">
+                    <a16:rowId xmlns="" xmlns:a16="http://schemas.microsoft.com/office/drawing/2014/main" val="4138380665"/>
+                  </a:ext>
+                </a:extLst>
+              </a:tr>
+              <a:tr h="904357">
+                <a:tc>
+                  <a:txBody>
+                    <a:bodyPr/>
+                    <a:lstStyle/>
+                    <a:p>
+                      <a:pPr lvl="0" algn="ctr">
+                        <a:buNone/>
+                      </a:pPr>
+                      <a:r>
+                        <a:rPr lang="ko-KR" altLang="en-US" sz="1800" b="0" i="0" u="none" strike="noStrike" noProof="0" dirty="0" smtClean="0">
+                          <a:latin typeface="+mn-lt"/>
+                        </a:rPr>
+                        <a:t>방명록</a:t>
+                      </a:r>
+                      <a:r>
+                        <a:rPr lang="en-US" altLang="ko-KR" sz="1800" b="0" i="0" u="none" strike="noStrike" noProof="0" dirty="0" smtClean="0">
+                          <a:latin typeface="+mn-lt"/>
+                        </a:rPr>
+                        <a:t> </a:t>
+                      </a:r>
+                      <a:r>
+                        <a:rPr lang="ko-KR" altLang="en-US" dirty="0" smtClean="0"/>
+                        <a:t>수정</a:t>
+                      </a:r>
+                      <a:endParaRPr lang="en-US" dirty="0"/>
                     </a:p>
                   </a:txBody>
                   <a:tcPr anchor="ctr"/>
@@ -5521,74 +7018,10 @@
                         <a:buNone/>
                       </a:pPr>
                       <a:r>
-                        <a:rPr lang="ko-KR" altLang="en-US" sz="1800" b="0" i="0" u="none" strike="noStrike" noProof="0">
-                          <a:latin typeface="Tw Cen MT"/>
-                        </a:rPr>
-                        <a:t>작성한</a:t>
-                      </a:r>
-                      <a:r>
-                        <a:rPr lang="en-US" altLang="ko-KR" sz="1800" b="0" i="0" u="none" strike="noStrike" noProof="0">
-                          <a:latin typeface="Tw Cen MT"/>
-                        </a:rPr>
-                        <a:t> </a:t>
-                      </a:r>
-                      <a:r>
-                        <a:rPr lang="ko-KR" altLang="en-US" sz="1800" b="0" i="0" u="none" strike="noStrike" noProof="0">
-                          <a:latin typeface="Tw Cen MT"/>
-                        </a:rPr>
-                        <a:t>메세지</a:t>
-                      </a:r>
-                      <a:r>
-                        <a:rPr lang="en-US" altLang="ko-KR" sz="1800" b="0" i="0" u="none" strike="noStrike" noProof="0">
-                          <a:latin typeface="Tw Cen MT"/>
-                        </a:rPr>
-                        <a:t> </a:t>
-                      </a:r>
-                      <a:r>
-                        <a:rPr lang="ko-KR" altLang="en-US" sz="1800" b="0" i="0" u="none" strike="noStrike" noProof="0">
-                          <a:latin typeface="Tw Cen MT"/>
-                        </a:rPr>
-                        <a:t>목록</a:t>
-                      </a:r>
-                      <a:endParaRPr lang="en-US"/>
-                    </a:p>
-                  </a:txBody>
-                  <a:tcPr anchor="ctr"/>
-                </a:tc>
-                <a:extLst>
-                  <a:ext uri="{0D108BD9-81ED-4DB2-BD59-A6C34878D82A}">
-                    <a16:rowId xmlns:a16="http://schemas.microsoft.com/office/drawing/2014/main" val="3229486975"/>
-                  </a:ext>
-                </a:extLst>
-              </a:tr>
-              <a:tr h="663783">
-                <a:tc>
-                  <a:txBody>
-                    <a:bodyPr/>
-                    <a:lstStyle/>
-                    <a:p>
-                      <a:pPr lvl="0" algn="ctr">
-                        <a:buNone/>
-                      </a:pPr>
-                      <a:r>
-                        <a:rPr lang="ko-KR" altLang="en-US" sz="1800" b="0" i="0" u="none" strike="noStrike" noProof="0" err="1">
-                          <a:latin typeface="Tw Cen MT"/>
-                        </a:rPr>
-                        <a:t>메세지</a:t>
-                      </a:r>
-                      <a:r>
-                        <a:rPr lang="en-US" altLang="ko-KR" sz="1800" b="0" i="0" u="none" strike="noStrike" noProof="0">
-                          <a:latin typeface="Tw Cen MT"/>
-                        </a:rPr>
-                        <a:t> </a:t>
-                      </a:r>
-                      <a:r>
-                        <a:rPr lang="ko-KR" altLang="en-US" sz="1800" b="0" i="0" u="none" strike="noStrike" noProof="0">
-                          <a:latin typeface="Tw Cen MT"/>
-                        </a:rPr>
-                        <a:t>찾기</a:t>
-                      </a:r>
-                      <a:endParaRPr lang="en-US"/>
+                        <a:rPr lang="en-US" dirty="0" smtClean="0"/>
+                        <a:t>POST</a:t>
+                      </a:r>
+                      <a:endParaRPr lang="en-US" dirty="0"/>
                     </a:p>
                   </a:txBody>
                   <a:tcPr anchor="ctr"/>
@@ -5602,12 +7035,42 @@
                         <a:buNone/>
                       </a:pPr>
                       <a:r>
-                        <a:rPr lang="en-US" sz="1800" b="0" i="0" u="none" strike="noStrike" noProof="0">
-                          <a:latin typeface="Tw Cen MT"/>
-                        </a:rPr>
-                        <a:t>POST</a:t>
-                      </a:r>
-                      <a:endParaRPr lang="en-US"/>
+                        <a:rPr lang="en-US" altLang="ko-KR" sz="1800" kern="1200" dirty="0" smtClean="0">
+                          <a:solidFill>
+                            <a:schemeClr val="dk1"/>
+                          </a:solidFill>
+                          <a:effectLst/>
+                          <a:latin typeface="+mn-lt"/>
+                          <a:ea typeface="+mn-ea"/>
+                          <a:cs typeface="+mn-cs"/>
+                        </a:rPr>
+                        <a:t>/</a:t>
+                      </a:r>
+                      <a:r>
+                        <a:rPr lang="en-US" altLang="ko-KR" sz="1800" kern="1200" dirty="0" err="1" smtClean="0">
+                          <a:solidFill>
+                            <a:schemeClr val="dk1"/>
+                          </a:solidFill>
+                          <a:effectLst/>
+                          <a:latin typeface="+mn-lt"/>
+                          <a:ea typeface="+mn-ea"/>
+                          <a:cs typeface="+mn-cs"/>
+                        </a:rPr>
+                        <a:t>fourglass</a:t>
+                      </a:r>
+                      <a:r>
+                        <a:rPr lang="en-US" altLang="ko-KR" sz="1800" kern="1200" dirty="0" smtClean="0">
+                          <a:solidFill>
+                            <a:schemeClr val="dk1"/>
+                          </a:solidFill>
+                          <a:effectLst/>
+                          <a:latin typeface="+mn-lt"/>
+                          <a:ea typeface="+mn-ea"/>
+                          <a:cs typeface="+mn-cs"/>
+                        </a:rPr>
+                        <a:t>/team1_update_cmt</a:t>
+                      </a:r>
+                      <a:endParaRPr lang="en-US" dirty="0"/>
                     </a:p>
                   </a:txBody>
                   <a:tcPr anchor="ctr"/>
@@ -5621,12 +7084,130 @@
                         <a:buNone/>
                       </a:pPr>
                       <a:r>
-                        <a:rPr lang="en-US" sz="1800" b="0" i="0" u="none" strike="noStrike" noProof="0">
-                          <a:latin typeface="Tw Cen MT"/>
-                        </a:rPr>
-                        <a:t>/fourglass/teamⓝfind_cmt</a:t>
-                      </a:r>
-                      <a:endParaRPr lang="en-US"/>
+                        <a:rPr lang="en-US" altLang="ko-KR" dirty="0" smtClean="0"/>
+                        <a:t>{</a:t>
+                      </a:r>
+                      <a:r>
+                        <a:rPr lang="en-US" altLang="ko-KR" sz="1800" kern="1200" dirty="0" smtClean="0">
+                          <a:solidFill>
+                            <a:schemeClr val="dk1"/>
+                          </a:solidFill>
+                          <a:effectLst/>
+                          <a:latin typeface="+mn-lt"/>
+                          <a:ea typeface="+mn-ea"/>
+                          <a:cs typeface="+mn-cs"/>
+                        </a:rPr>
+                        <a:t>'</a:t>
+                      </a:r>
+                      <a:r>
+                        <a:rPr lang="en-US" altLang="ko-KR" sz="1800" kern="1200" dirty="0" err="1" smtClean="0">
+                          <a:solidFill>
+                            <a:schemeClr val="dk1"/>
+                          </a:solidFill>
+                          <a:effectLst/>
+                          <a:latin typeface="+mn-lt"/>
+                          <a:ea typeface="+mn-ea"/>
+                          <a:cs typeface="+mn-cs"/>
+                        </a:rPr>
+                        <a:t>id_give</a:t>
+                      </a:r>
+                      <a:r>
+                        <a:rPr lang="en-US" altLang="ko-KR" sz="1800" kern="1200" dirty="0" smtClean="0">
+                          <a:solidFill>
+                            <a:schemeClr val="dk1"/>
+                          </a:solidFill>
+                          <a:effectLst/>
+                          <a:latin typeface="+mn-lt"/>
+                          <a:ea typeface="+mn-ea"/>
+                          <a:cs typeface="+mn-cs"/>
+                        </a:rPr>
+                        <a:t>'</a:t>
+                      </a:r>
+                      <a:r>
+                        <a:rPr lang="en-US" altLang="ko-KR" dirty="0" smtClean="0"/>
+                        <a:t>: id</a:t>
+                      </a:r>
+                      <a:r>
+                        <a:rPr lang="en-US" altLang="ko-KR" sz="1800" kern="1200" dirty="0" smtClean="0">
+                          <a:solidFill>
+                            <a:schemeClr val="dk1"/>
+                          </a:solidFill>
+                          <a:effectLst/>
+                          <a:latin typeface="+mn-lt"/>
+                          <a:ea typeface="+mn-ea"/>
+                          <a:cs typeface="+mn-cs"/>
+                        </a:rPr>
+                        <a:t>, '</a:t>
+                      </a:r>
+                      <a:r>
+                        <a:rPr lang="en-US" altLang="ko-KR" sz="1800" kern="1200" dirty="0" err="1" smtClean="0">
+                          <a:solidFill>
+                            <a:schemeClr val="dk1"/>
+                          </a:solidFill>
+                          <a:effectLst/>
+                          <a:latin typeface="+mn-lt"/>
+                          <a:ea typeface="+mn-ea"/>
+                          <a:cs typeface="+mn-cs"/>
+                        </a:rPr>
+                        <a:t>name_give</a:t>
+                      </a:r>
+                      <a:r>
+                        <a:rPr lang="en-US" altLang="ko-KR" sz="1800" kern="1200" dirty="0" smtClean="0">
+                          <a:solidFill>
+                            <a:schemeClr val="dk1"/>
+                          </a:solidFill>
+                          <a:effectLst/>
+                          <a:latin typeface="+mn-lt"/>
+                          <a:ea typeface="+mn-ea"/>
+                          <a:cs typeface="+mn-cs"/>
+                        </a:rPr>
+                        <a:t>'</a:t>
+                      </a:r>
+                      <a:r>
+                        <a:rPr lang="en-US" altLang="ko-KR" dirty="0" smtClean="0"/>
+                        <a:t>: name</a:t>
+                      </a:r>
+                      <a:r>
+                        <a:rPr lang="en-US" altLang="ko-KR" sz="1800" kern="1200" dirty="0" smtClean="0">
+                          <a:solidFill>
+                            <a:schemeClr val="dk1"/>
+                          </a:solidFill>
+                          <a:effectLst/>
+                          <a:latin typeface="+mn-lt"/>
+                          <a:ea typeface="+mn-ea"/>
+                          <a:cs typeface="+mn-cs"/>
+                        </a:rPr>
+                        <a:t>, '</a:t>
+                      </a:r>
+                      <a:r>
+                        <a:rPr lang="en-US" altLang="ko-KR" sz="1800" kern="1200" dirty="0" err="1" smtClean="0">
+                          <a:solidFill>
+                            <a:schemeClr val="dk1"/>
+                          </a:solidFill>
+                          <a:effectLst/>
+                          <a:latin typeface="+mn-lt"/>
+                          <a:ea typeface="+mn-ea"/>
+                          <a:cs typeface="+mn-cs"/>
+                        </a:rPr>
+                        <a:t>comment_give</a:t>
+                      </a:r>
+                      <a:r>
+                        <a:rPr lang="en-US" altLang="ko-KR" sz="1800" kern="1200" dirty="0" smtClean="0">
+                          <a:solidFill>
+                            <a:schemeClr val="dk1"/>
+                          </a:solidFill>
+                          <a:effectLst/>
+                          <a:latin typeface="+mn-lt"/>
+                          <a:ea typeface="+mn-ea"/>
+                          <a:cs typeface="+mn-cs"/>
+                        </a:rPr>
+                        <a:t>'</a:t>
+                      </a:r>
+                      <a:r>
+                        <a:rPr lang="en-US" altLang="ko-KR" dirty="0" smtClean="0"/>
+                        <a:t>: comment}</a:t>
+                      </a:r>
+                      <a:endParaRPr lang="en-US" dirty="0"/>
                     </a:p>
                   </a:txBody>
                   <a:tcPr anchor="ctr"/>
@@ -5640,12 +7221,37 @@
                         <a:buNone/>
                       </a:pPr>
                       <a:r>
-                        <a:rPr lang="en-US" sz="1800" b="0" i="0" u="none" strike="noStrike" noProof="0">
-                          <a:latin typeface="Tw Cen MT"/>
-                        </a:rPr>
-                        <a:t>{'idx': id_receive} </a:t>
-                      </a:r>
-                      <a:endParaRPr lang="en-US"/>
+                        <a:rPr lang="ko-KR" altLang="en-US" baseline="0" dirty="0" smtClean="0"/>
+                        <a:t>성공 여부 </a:t>
+                      </a:r>
+                      <a:r>
+                        <a:rPr lang="ko-KR" altLang="en-US" baseline="0" dirty="0" err="1" smtClean="0"/>
+                        <a:t>메세지</a:t>
+                      </a:r>
+                      <a:endParaRPr lang="en-US" dirty="0"/>
+                    </a:p>
+                  </a:txBody>
+                  <a:tcPr anchor="ctr"/>
+                </a:tc>
+              </a:tr>
+              <a:tr h="825578">
+                <a:tc>
+                  <a:txBody>
+                    <a:bodyPr/>
+                    <a:lstStyle/>
+                    <a:p>
+                      <a:pPr lvl="0" algn="ctr">
+                        <a:buNone/>
+                      </a:pPr>
+                      <a:r>
+                        <a:rPr lang="ko-KR" altLang="en-US" dirty="0" err="1" smtClean="0"/>
+                        <a:t>댓글</a:t>
+                      </a:r>
+                      <a:r>
+                        <a:rPr lang="ko-KR" altLang="en-US" dirty="0" smtClean="0"/>
+                        <a:t> 달기</a:t>
+                      </a:r>
+                      <a:endParaRPr lang="en-US" dirty="0"/>
                     </a:p>
                   </a:txBody>
                   <a:tcPr anchor="ctr"/>
@@ -5659,92 +7265,10 @@
                         <a:buNone/>
                       </a:pPr>
                       <a:r>
-                        <a:rPr lang="en-US" sz="1800" b="0" i="0" u="none" strike="noStrike" noProof="0">
-                          <a:latin typeface="Tw Cen MT"/>
-                        </a:rPr>
-                        <a:t>idx</a:t>
-                      </a:r>
-                      <a:r>
-                        <a:rPr lang="ko-KR" altLang="en-US" sz="1800" b="0" i="0" u="none" strike="noStrike" noProof="0">
-                          <a:latin typeface="Tw Cen MT"/>
-                        </a:rPr>
-                        <a:t>에</a:t>
-                      </a:r>
-                      <a:r>
-                        <a:rPr lang="en-US" altLang="ko-KR" sz="1800" b="0" i="0" u="none" strike="noStrike" noProof="0">
-                          <a:latin typeface="Tw Cen MT"/>
-                        </a:rPr>
-                        <a:t> </a:t>
-                      </a:r>
-                      <a:r>
-                        <a:rPr lang="ko-KR" altLang="en-US" sz="1800" b="0" i="0" u="none" strike="noStrike" noProof="0">
-                          <a:latin typeface="Tw Cen MT"/>
-                        </a:rPr>
-                        <a:t>맞는</a:t>
-                      </a:r>
-                      <a:r>
-                        <a:rPr lang="en-US" altLang="ko-KR" sz="1800" b="0" i="0" u="none" strike="noStrike" noProof="0">
-                          <a:latin typeface="Tw Cen MT"/>
-                        </a:rPr>
-                        <a:t> </a:t>
-                      </a:r>
-                      <a:r>
-                        <a:rPr lang="ko-KR" altLang="en-US" sz="1800" b="0" i="0" u="none" strike="noStrike" noProof="0">
-                          <a:latin typeface="Tw Cen MT"/>
-                        </a:rPr>
-                        <a:t>메세지</a:t>
-                      </a:r>
-                      <a:r>
-                        <a:rPr lang="en-US" altLang="ko-KR" sz="1800" b="0" i="0" u="none" strike="noStrike" noProof="0">
-                          <a:latin typeface="Tw Cen MT"/>
-                        </a:rPr>
-                        <a:t> </a:t>
-                      </a:r>
-                      <a:r>
-                        <a:rPr lang="ko-KR" altLang="en-US" sz="1800" b="0" i="0" u="none" strike="noStrike" noProof="0">
-                          <a:latin typeface="Tw Cen MT"/>
-                        </a:rPr>
-                        <a:t>한개</a:t>
-                      </a:r>
-                      <a:endParaRPr lang="en-US"/>
-                    </a:p>
-                  </a:txBody>
-                  <a:tcPr anchor="ctr"/>
-                </a:tc>
-                <a:extLst>
-                  <a:ext uri="{0D108BD9-81ED-4DB2-BD59-A6C34878D82A}">
-                    <a16:rowId xmlns:a16="http://schemas.microsoft.com/office/drawing/2014/main" val="294714867"/>
-                  </a:ext>
-                </a:extLst>
-              </a:tr>
-              <a:tr h="702843">
-                <a:tc>
-                  <a:txBody>
-                    <a:bodyPr/>
-                    <a:lstStyle/>
-                    <a:p>
-                      <a:pPr lvl="0" algn="ctr">
-                        <a:buNone/>
-                      </a:pPr>
-                      <a:r>
-                        <a:rPr lang="ko-KR" altLang="en-US" sz="1800" b="0" i="0" u="none" strike="noStrike" noProof="0" err="1">
-                          <a:latin typeface="Tw Cen MT"/>
-                        </a:rPr>
-                        <a:t>메세지</a:t>
-                      </a:r>
-                      <a:r>
-                        <a:rPr lang="en-US" altLang="ko-KR" sz="1800" b="0" i="0" u="none" strike="noStrike" noProof="0">
-                          <a:latin typeface="Tw Cen MT"/>
-                        </a:rPr>
-                        <a:t> </a:t>
-                      </a:r>
-                      <a:r>
-                        <a:rPr lang="ko-KR" altLang="en-US" sz="1800" b="0" i="0" u="none" strike="noStrike" noProof="0">
-                          <a:latin typeface="Tw Cen MT"/>
-                        </a:rPr>
-                        <a:t>지우기</a:t>
-                      </a:r>
-                      <a:endParaRPr lang="en-US"/>
+                        <a:rPr lang="en-US" dirty="0" smtClean="0"/>
+                        <a:t>POST</a:t>
+                      </a:r>
+                      <a:endParaRPr lang="en-US" dirty="0"/>
                     </a:p>
                   </a:txBody>
                   <a:tcPr anchor="ctr"/>
@@ -5758,12 +7282,42 @@
                         <a:buNone/>
                       </a:pPr>
                       <a:r>
-                        <a:rPr lang="en-US" sz="1800" b="0" i="0" u="none" strike="noStrike" noProof="0">
-                          <a:latin typeface="Tw Cen MT"/>
-                        </a:rPr>
-                        <a:t>POST</a:t>
-                      </a:r>
-                      <a:endParaRPr lang="en-US"/>
+                        <a:rPr lang="en-US" altLang="ko-KR" sz="1800" kern="1200" dirty="0" smtClean="0">
+                          <a:solidFill>
+                            <a:schemeClr val="dk1"/>
+                          </a:solidFill>
+                          <a:effectLst/>
+                          <a:latin typeface="+mn-lt"/>
+                          <a:ea typeface="+mn-ea"/>
+                          <a:cs typeface="+mn-cs"/>
+                        </a:rPr>
+                        <a:t>/</a:t>
+                      </a:r>
+                      <a:r>
+                        <a:rPr lang="en-US" altLang="ko-KR" sz="1800" kern="1200" dirty="0" err="1" smtClean="0">
+                          <a:solidFill>
+                            <a:schemeClr val="dk1"/>
+                          </a:solidFill>
+                          <a:effectLst/>
+                          <a:latin typeface="+mn-lt"/>
+                          <a:ea typeface="+mn-ea"/>
+                          <a:cs typeface="+mn-cs"/>
+                        </a:rPr>
+                        <a:t>fourglass</a:t>
+                      </a:r>
+                      <a:r>
+                        <a:rPr lang="en-US" altLang="ko-KR" sz="1800" kern="1200" dirty="0" smtClean="0">
+                          <a:solidFill>
+                            <a:schemeClr val="dk1"/>
+                          </a:solidFill>
+                          <a:effectLst/>
+                          <a:latin typeface="+mn-lt"/>
+                          <a:ea typeface="+mn-ea"/>
+                          <a:cs typeface="+mn-cs"/>
+                        </a:rPr>
+                        <a:t>/team1_add_reply</a:t>
+                      </a:r>
+                      <a:endParaRPr lang="en-US" dirty="0"/>
                     </a:p>
                   </a:txBody>
                   <a:tcPr anchor="ctr"/>
@@ -5777,12 +7331,142 @@
                         <a:buNone/>
                       </a:pPr>
                       <a:r>
-                        <a:rPr lang="en-US" sz="1800" b="0" i="0" u="none" strike="noStrike" noProof="0">
-                          <a:latin typeface="Tw Cen MT"/>
-                        </a:rPr>
-                        <a:t> /fourglass/teamⓝdel_cmt</a:t>
-                      </a:r>
-                      <a:endParaRPr lang="en-US"/>
+                        <a:rPr lang="en-US" altLang="ko-KR" dirty="0" smtClean="0"/>
+                        <a:t>{</a:t>
+                      </a:r>
+                      <a:r>
+                        <a:rPr lang="en-US" altLang="ko-KR" sz="1800" kern="1200" dirty="0" smtClean="0">
+                          <a:solidFill>
+                            <a:schemeClr val="dk1"/>
+                          </a:solidFill>
+                          <a:effectLst/>
+                          <a:latin typeface="+mn-lt"/>
+                          <a:ea typeface="+mn-ea"/>
+                          <a:cs typeface="+mn-cs"/>
+                        </a:rPr>
+                        <a:t>'</a:t>
+                      </a:r>
+                      <a:r>
+                        <a:rPr lang="en-US" altLang="ko-KR" sz="1800" kern="1200" dirty="0" err="1" smtClean="0">
+                          <a:solidFill>
+                            <a:schemeClr val="dk1"/>
+                          </a:solidFill>
+                          <a:effectLst/>
+                          <a:latin typeface="+mn-lt"/>
+                          <a:ea typeface="+mn-ea"/>
+                          <a:cs typeface="+mn-cs"/>
+                        </a:rPr>
+                        <a:t>id_give</a:t>
+                      </a:r>
+                      <a:r>
+                        <a:rPr lang="en-US" altLang="ko-KR" sz="1800" kern="1200" dirty="0" smtClean="0">
+                          <a:solidFill>
+                            <a:schemeClr val="dk1"/>
+                          </a:solidFill>
+                          <a:effectLst/>
+                          <a:latin typeface="+mn-lt"/>
+                          <a:ea typeface="+mn-ea"/>
+                          <a:cs typeface="+mn-cs"/>
+                        </a:rPr>
+                        <a:t>'</a:t>
+                      </a:r>
+                      <a:r>
+                        <a:rPr lang="en-US" altLang="ko-KR" dirty="0" smtClean="0"/>
+                        <a:t>: id</a:t>
+                      </a:r>
+                      <a:r>
+                        <a:rPr lang="en-US" altLang="ko-KR" sz="1800" kern="1200" dirty="0" smtClean="0">
+                          <a:solidFill>
+                            <a:schemeClr val="dk1"/>
+                          </a:solidFill>
+                          <a:effectLst/>
+                          <a:latin typeface="+mn-lt"/>
+                          <a:ea typeface="+mn-ea"/>
+                          <a:cs typeface="+mn-cs"/>
+                        </a:rPr>
+                        <a:t>, '</a:t>
+                      </a:r>
+                      <a:r>
+                        <a:rPr lang="en-US" altLang="ko-KR" sz="1800" kern="1200" dirty="0" err="1" smtClean="0">
+                          <a:solidFill>
+                            <a:schemeClr val="dk1"/>
+                          </a:solidFill>
+                          <a:effectLst/>
+                          <a:latin typeface="+mn-lt"/>
+                          <a:ea typeface="+mn-ea"/>
+                          <a:cs typeface="+mn-cs"/>
+                        </a:rPr>
+                        <a:t>name_give</a:t>
+                      </a:r>
+                      <a:r>
+                        <a:rPr lang="en-US" altLang="ko-KR" sz="1800" kern="1200" dirty="0" smtClean="0">
+                          <a:solidFill>
+                            <a:schemeClr val="dk1"/>
+                          </a:solidFill>
+                          <a:effectLst/>
+                          <a:latin typeface="+mn-lt"/>
+                          <a:ea typeface="+mn-ea"/>
+                          <a:cs typeface="+mn-cs"/>
+                        </a:rPr>
+                        <a:t>'</a:t>
+                      </a:r>
+                      <a:r>
+                        <a:rPr lang="en-US" altLang="ko-KR" dirty="0" smtClean="0"/>
+                        <a:t>: </a:t>
+                      </a:r>
+                      <a:r>
+                        <a:rPr lang="en-US" altLang="ko-KR" dirty="0" err="1" smtClean="0"/>
+                        <a:t>replyName</a:t>
+                      </a:r>
+                      <a:r>
+                        <a:rPr lang="en-US" altLang="ko-KR" sz="1800" kern="1200" dirty="0" smtClean="0">
+                          <a:solidFill>
+                            <a:schemeClr val="dk1"/>
+                          </a:solidFill>
+                          <a:effectLst/>
+                          <a:latin typeface="+mn-lt"/>
+                          <a:ea typeface="+mn-ea"/>
+                          <a:cs typeface="+mn-cs"/>
+                        </a:rPr>
+                        <a:t>, '</a:t>
+                      </a:r>
+                      <a:r>
+                        <a:rPr lang="en-US" altLang="ko-KR" sz="1800" kern="1200" dirty="0" err="1" smtClean="0">
+                          <a:solidFill>
+                            <a:schemeClr val="dk1"/>
+                          </a:solidFill>
+                          <a:effectLst/>
+                          <a:latin typeface="+mn-lt"/>
+                          <a:ea typeface="+mn-ea"/>
+                          <a:cs typeface="+mn-cs"/>
+                        </a:rPr>
+                        <a:t>text_give</a:t>
+                      </a:r>
+                      <a:r>
+                        <a:rPr lang="en-US" altLang="ko-KR" sz="1800" kern="1200" dirty="0" smtClean="0">
+                          <a:solidFill>
+                            <a:schemeClr val="dk1"/>
+                          </a:solidFill>
+                          <a:effectLst/>
+                          <a:latin typeface="+mn-lt"/>
+                          <a:ea typeface="+mn-ea"/>
+                          <a:cs typeface="+mn-cs"/>
+                        </a:rPr>
+                        <a:t>'</a:t>
+                      </a:r>
+                      <a:r>
+                        <a:rPr lang="en-US" altLang="ko-KR" dirty="0" smtClean="0"/>
+                        <a:t>: </a:t>
+                      </a:r>
+                      <a:r>
+                        <a:rPr lang="en-US" altLang="ko-KR" dirty="0" err="1" smtClean="0"/>
+                        <a:t>replyText</a:t>
+                      </a:r>
+                      <a:r>
+                        <a:rPr lang="en-US" altLang="ko-KR" dirty="0" smtClean="0"/>
+                        <a:t>}</a:t>
+                      </a:r>
+                      <a:endParaRPr lang="en-US" dirty="0"/>
                     </a:p>
                   </a:txBody>
                   <a:tcPr anchor="ctr"/>
@@ -5796,184 +7480,23 @@
                         <a:buNone/>
                       </a:pPr>
                       <a:r>
-                        <a:rPr lang="en-US" sz="1800" b="0" i="0" u="none" strike="noStrike" noProof="0">
-                          <a:latin typeface="Tw Cen MT"/>
-                        </a:rPr>
-                        <a:t>{'idx': id_receive}</a:t>
-                      </a:r>
-                      <a:endParaRPr lang="en-US"/>
-                    </a:p>
-                  </a:txBody>
-                  <a:tcPr anchor="ctr"/>
-                </a:tc>
-                <a:tc>
-                  <a:txBody>
-                    <a:bodyPr/>
-                    <a:lstStyle/>
-                    <a:p>
-                      <a:pPr lvl="0" algn="ctr">
-                        <a:buNone/>
-                      </a:pPr>
-                      <a:r>
-                        <a:rPr lang="en-US" sz="1800" b="0" i="0" u="none" strike="noStrike" noProof="0" dirty="0" err="1">
-                          <a:latin typeface="Tw Cen MT"/>
-                        </a:rPr>
-                        <a:t>idx</a:t>
-                      </a:r>
-                      <a:r>
-                        <a:rPr lang="ko-KR" altLang="en-US" sz="1800" b="0" i="0" u="none" strike="noStrike" noProof="0" dirty="0">
-                          <a:latin typeface="Tw Cen MT"/>
-                        </a:rPr>
-                        <a:t>에</a:t>
-                      </a:r>
-                      <a:r>
-                        <a:rPr lang="en-US" altLang="ko-KR" sz="1800" b="0" i="0" u="none" strike="noStrike" noProof="0" dirty="0">
-                          <a:latin typeface="Tw Cen MT"/>
-                        </a:rPr>
-                        <a:t> </a:t>
-                      </a:r>
-                      <a:r>
-                        <a:rPr lang="ko-KR" altLang="en-US" sz="1800" b="0" i="0" u="none" strike="noStrike" noProof="0" dirty="0">
-                          <a:latin typeface="Tw Cen MT"/>
-                        </a:rPr>
-                        <a:t>맞는</a:t>
-                      </a:r>
-                      <a:r>
-                        <a:rPr lang="en-US" altLang="ko-KR" sz="1800" b="0" i="0" u="none" strike="noStrike" noProof="0" dirty="0">
-                          <a:latin typeface="Tw Cen MT"/>
-                        </a:rPr>
-                        <a:t> </a:t>
-                      </a:r>
-                      <a:r>
-                        <a:rPr lang="ko-KR" altLang="en-US" sz="1800" b="0" i="0" u="none" strike="noStrike" noProof="0" dirty="0" err="1">
-                          <a:latin typeface="Tw Cen MT"/>
-                        </a:rPr>
-                        <a:t>메세지</a:t>
-                      </a:r>
-                      <a:r>
-                        <a:rPr lang="en-US" altLang="ko-KR" sz="1800" b="0" i="0" u="none" strike="noStrike" noProof="0" dirty="0">
-                          <a:latin typeface="Tw Cen MT"/>
-                        </a:rPr>
-                        <a:t> </a:t>
-                      </a:r>
-                      <a:r>
-                        <a:rPr lang="ko-KR" altLang="en-US" sz="1800" b="0" i="0" u="none" strike="noStrike" noProof="0" dirty="0">
-                          <a:latin typeface="Tw Cen MT"/>
-                        </a:rPr>
-                        <a:t>지우기</a:t>
+                        <a:rPr lang="ko-KR" altLang="en-US" dirty="0" smtClean="0"/>
+                        <a:t>성공 여부</a:t>
                       </a:r>
                       <a:endParaRPr lang="en-US" dirty="0"/>
                     </a:p>
                   </a:txBody>
                   <a:tcPr anchor="ctr"/>
                 </a:tc>
-                <a:extLst>
-                  <a:ext uri="{0D108BD9-81ED-4DB2-BD59-A6C34878D82A}">
-                    <a16:rowId xmlns:a16="http://schemas.microsoft.com/office/drawing/2014/main" val="4138380665"/>
-                  </a:ext>
-                </a:extLst>
               </a:tr>
             </a:tbl>
           </a:graphicData>
         </a:graphic>
       </p:graphicFrame>
-      <p:sp>
-        <p:nvSpPr>
-          <p:cNvPr id="6" name="순서도: 종속 처리 5">
-            <a:extLst>
-              <a:ext uri="{FF2B5EF4-FFF2-40B4-BE49-F238E27FC236}">
-                <a16:creationId xmlns:a16="http://schemas.microsoft.com/office/drawing/2014/main" id="{ED2CB31B-83EE-43FB-B737-A2877DC46E08}"/>
-              </a:ext>
-            </a:extLst>
-          </p:cNvPr>
-          <p:cNvSpPr/>
-          <p:nvPr/>
-        </p:nvSpPr>
-        <p:spPr>
-          <a:xfrm>
-            <a:off x="0" y="0"/>
-            <a:ext cx="12192000" cy="797169"/>
-          </a:xfrm>
-          <a:prstGeom prst="flowChartPredefinedProcess">
-            <a:avLst/>
-          </a:prstGeom>
-        </p:spPr>
-        <p:style>
-          <a:lnRef idx="2">
-            <a:schemeClr val="accent1">
-              <a:shade val="50000"/>
-            </a:schemeClr>
-          </a:lnRef>
-          <a:fillRef idx="1">
-            <a:schemeClr val="accent1"/>
-          </a:fillRef>
-          <a:effectRef idx="0">
-            <a:schemeClr val="accent1"/>
-          </a:effectRef>
-          <a:fontRef idx="minor">
-            <a:schemeClr val="lt1"/>
-          </a:fontRef>
-        </p:style>
-        <p:txBody>
-          <a:bodyPr rtlCol="0" anchor="ctr"/>
-          <a:lstStyle/>
-          <a:p>
-            <a:pPr algn="ctr"/>
-            <a:r>
-              <a:rPr lang="ko-KR" altLang="en-US" sz="3600" dirty="0">
-                <a:effectLst>
-                  <a:outerShdw blurRad="50800" dist="38100" dir="2700000" algn="tl" rotWithShape="0">
-                    <a:prstClr val="black">
-                      <a:alpha val="40000"/>
-                    </a:prstClr>
-                  </a:outerShdw>
-                </a:effectLst>
-              </a:rPr>
-              <a:t>기능</a:t>
-            </a:r>
-            <a:r>
-              <a:rPr lang="en-US" altLang="ko-KR" sz="3600" dirty="0">
-                <a:effectLst>
-                  <a:outerShdw blurRad="50800" dist="38100" dir="2700000" algn="tl" rotWithShape="0">
-                    <a:prstClr val="black">
-                      <a:alpha val="40000"/>
-                    </a:prstClr>
-                  </a:outerShdw>
-                </a:effectLst>
-              </a:rPr>
-              <a:t> </a:t>
-            </a:r>
-            <a:r>
-              <a:rPr lang="ko-KR" altLang="en-US" sz="3600" dirty="0">
-                <a:effectLst>
-                  <a:outerShdw blurRad="50800" dist="38100" dir="2700000" algn="tl" rotWithShape="0">
-                    <a:prstClr val="black">
-                      <a:alpha val="40000"/>
-                    </a:prstClr>
-                  </a:outerShdw>
-                </a:effectLst>
-              </a:rPr>
-              <a:t>및</a:t>
-            </a:r>
-            <a:r>
-              <a:rPr lang="en-US" altLang="ko-KR" sz="3600" dirty="0">
-                <a:effectLst>
-                  <a:outerShdw blurRad="50800" dist="38100" dir="2700000" algn="tl" rotWithShape="0">
-                    <a:prstClr val="black">
-                      <a:alpha val="40000"/>
-                    </a:prstClr>
-                  </a:outerShdw>
-                </a:effectLst>
-              </a:rPr>
-              <a:t> API</a:t>
-            </a:r>
-          </a:p>
-        </p:txBody>
-      </p:sp>
     </p:spTree>
     <p:extLst>
       <p:ext uri="{BB962C8B-B14F-4D97-AF65-F5344CB8AC3E}">
-        <p14:creationId xmlns:p14="http://schemas.microsoft.com/office/powerpoint/2010/main" val="165181109"/>
+        <p14:creationId xmlns:p14="http://schemas.microsoft.com/office/powerpoint/2010/main" val="1897051336"/>
       </p:ext>
     </p:extLst>
   </p:cSld>
@@ -5983,7 +7506,81 @@
 </p:sld>
 </file>
 
-<file path=ppt/slides/slide5.xml><?xml version="1.0" encoding="utf-8"?>
+<file path=ppt/slides/slide7.xml><?xml version="1.0" encoding="utf-8"?>
+<p:sld xmlns:a="http://schemas.openxmlformats.org/drawingml/2006/main" xmlns:r="http://schemas.openxmlformats.org/officeDocument/2006/relationships" xmlns:p="http://schemas.openxmlformats.org/presentationml/2006/main">
+  <p:cSld>
+    <p:spTree>
+      <p:nvGrpSpPr>
+        <p:cNvPr id="1" name=""/>
+        <p:cNvGrpSpPr/>
+        <p:nvPr/>
+      </p:nvGrpSpPr>
+      <p:grpSpPr>
+        <a:xfrm>
+          <a:off x="0" y="0"/>
+          <a:ext cx="0" cy="0"/>
+          <a:chOff x="0" y="0"/>
+          <a:chExt cx="0" cy="0"/>
+        </a:xfrm>
+      </p:grpSpPr>
+      <p:sp>
+        <p:nvSpPr>
+          <p:cNvPr id="4" name="TextBox 3">
+            <a:extLst>
+              <a:ext uri="{FF2B5EF4-FFF2-40B4-BE49-F238E27FC236}">
+                <a16:creationId xmlns="" xmlns:a16="http://schemas.microsoft.com/office/drawing/2014/main" id="{33654825-0954-BE0D-E887-CF73BE33EE64}"/>
+              </a:ext>
+            </a:extLst>
+          </p:cNvPr>
+          <p:cNvSpPr txBox="1"/>
+          <p:nvPr/>
+        </p:nvSpPr>
+        <p:spPr>
+          <a:xfrm>
+            <a:off x="3155282" y="2179722"/>
+            <a:ext cx="5550568" cy="1862048"/>
+          </a:xfrm>
+          <a:prstGeom prst="rect">
+            <a:avLst/>
+          </a:prstGeom>
+          <a:noFill/>
+        </p:spPr>
+        <p:txBody>
+          <a:bodyPr rot="0" spcFirstLastPara="0" vertOverflow="overflow" horzOverflow="overflow" vert="horz" wrap="square" lIns="91440" tIns="45720" rIns="91440" bIns="45720" numCol="1" spcCol="0" rtlCol="0" fromWordArt="0" anchor="t" anchorCtr="0" forceAA="0" compatLnSpc="1">
+            <a:prstTxWarp prst="textNoShape">
+              <a:avLst/>
+            </a:prstTxWarp>
+            <a:spAutoFit/>
+          </a:bodyPr>
+          <a:lstStyle/>
+          <a:p>
+            <a:pPr algn="ctr"/>
+            <a:r>
+              <a:rPr lang="ko-KR" altLang="en-US" sz="11500" smtClean="0">
+                <a:latin typeface="Noto Sans KR"/>
+              </a:rPr>
+              <a:t>시연</a:t>
+            </a:r>
+            <a:endParaRPr lang="en-US" sz="11500" dirty="0">
+              <a:latin typeface="Noto Sans KR"/>
+            </a:endParaRPr>
+          </a:p>
+        </p:txBody>
+      </p:sp>
+    </p:spTree>
+    <p:extLst>
+      <p:ext uri="{BB962C8B-B14F-4D97-AF65-F5344CB8AC3E}">
+        <p14:creationId xmlns:p14="http://schemas.microsoft.com/office/powerpoint/2010/main" val="1970081104"/>
+      </p:ext>
+    </p:extLst>
+  </p:cSld>
+  <p:clrMapOvr>
+    <a:masterClrMapping/>
+  </p:clrMapOvr>
+</p:sld>
+</file>
+
+<file path=ppt/slides/slide8.xml><?xml version="1.0" encoding="utf-8"?>
 <p:sld xmlns:a="http://schemas.openxmlformats.org/drawingml/2006/main" xmlns:r="http://schemas.openxmlformats.org/officeDocument/2006/relationships" xmlns:p="http://schemas.openxmlformats.org/presentationml/2006/main">
   <p:cSld>
     <p:bg>
@@ -6013,10 +7610,10 @@
           <p:cNvPr id="27" name="Rectangle 20">
             <a:extLst>
               <a:ext uri="{FF2B5EF4-FFF2-40B4-BE49-F238E27FC236}">
-                <a16:creationId xmlns:a16="http://schemas.microsoft.com/office/drawing/2014/main" id="{8BEAC55E-FD3E-4A90-B4E2-D197D8038366}"/>
+                <a16:creationId xmlns="" xmlns:a16="http://schemas.microsoft.com/office/drawing/2014/main" id="{8BEAC55E-FD3E-4A90-B4E2-D197D8038366}"/>
               </a:ext>
               <a:ext uri="{C183D7F6-B498-43B3-948B-1728B52AA6E4}">
-                <adec:decorative xmlns:adec="http://schemas.microsoft.com/office/drawing/2017/decorative" val="1"/>
+                <adec:decorative xmlns="" xmlns:adec="http://schemas.microsoft.com/office/drawing/2017/decorative" val="1"/>
               </a:ext>
             </a:extLst>
           </p:cNvPr>
@@ -6026,7 +7623,7 @@
           <p:nvPr>
             <p:extLst>
               <p:ext uri="{386F3935-93C4-4BCD-93E2-E3B085C9AB24}">
-                <p16:designElem xmlns:p16="http://schemas.microsoft.com/office/powerpoint/2015/main" val="1"/>
+                <p16:designElem xmlns="" xmlns:p16="http://schemas.microsoft.com/office/powerpoint/2015/main" val="1"/>
               </p:ext>
             </p:extLst>
           </p:nvPr>
@@ -6089,10 +7686,10 @@
           <p:cNvPr id="28" name="Rectangle 22">
             <a:extLst>
               <a:ext uri="{FF2B5EF4-FFF2-40B4-BE49-F238E27FC236}">
-                <a16:creationId xmlns:a16="http://schemas.microsoft.com/office/drawing/2014/main" id="{282DCAD1-D7F2-4CA8-960C-526B7DB37A82}"/>
+                <a16:creationId xmlns="" xmlns:a16="http://schemas.microsoft.com/office/drawing/2014/main" id="{282DCAD1-D7F2-4CA8-960C-526B7DB37A82}"/>
               </a:ext>
               <a:ext uri="{C183D7F6-B498-43B3-948B-1728B52AA6E4}">
-                <adec:decorative xmlns:adec="http://schemas.microsoft.com/office/drawing/2017/decorative" val="1"/>
+                <adec:decorative xmlns="" xmlns:adec="http://schemas.microsoft.com/office/drawing/2017/decorative" val="1"/>
               </a:ext>
             </a:extLst>
           </p:cNvPr>
@@ -6102,7 +7699,7 @@
           <p:nvPr>
             <p:extLst>
               <p:ext uri="{386F3935-93C4-4BCD-93E2-E3B085C9AB24}">
-                <p16:designElem xmlns:p16="http://schemas.microsoft.com/office/powerpoint/2015/main" val="1"/>
+                <p16:designElem xmlns="" xmlns:p16="http://schemas.microsoft.com/office/powerpoint/2015/main" val="1"/>
               </p:ext>
             </p:extLst>
           </p:nvPr>
@@ -6164,10 +7761,10 @@
           <p:cNvPr id="29" name="Rectangle 24">
             <a:extLst>
               <a:ext uri="{FF2B5EF4-FFF2-40B4-BE49-F238E27FC236}">
-                <a16:creationId xmlns:a16="http://schemas.microsoft.com/office/drawing/2014/main" id="{0009AC7F-1347-41C8-8BEB-47473A21A696}"/>
+                <a16:creationId xmlns="" xmlns:a16="http://schemas.microsoft.com/office/drawing/2014/main" id="{0009AC7F-1347-41C8-8BEB-47473A21A696}"/>
               </a:ext>
               <a:ext uri="{C183D7F6-B498-43B3-948B-1728B52AA6E4}">
-                <adec:decorative xmlns:adec="http://schemas.microsoft.com/office/drawing/2017/decorative" val="1"/>
+                <adec:decorative xmlns="" xmlns:adec="http://schemas.microsoft.com/office/drawing/2017/decorative" val="1"/>
               </a:ext>
             </a:extLst>
           </p:cNvPr>
@@ -6177,7 +7774,7 @@
           <p:nvPr>
             <p:extLst>
               <p:ext uri="{386F3935-93C4-4BCD-93E2-E3B085C9AB24}">
-                <p16:designElem xmlns:p16="http://schemas.microsoft.com/office/powerpoint/2015/main" val="1"/>
+                <p16:designElem xmlns="" xmlns:p16="http://schemas.microsoft.com/office/powerpoint/2015/main" val="1"/>
               </p:ext>
             </p:extLst>
           </p:nvPr>
@@ -6239,7 +7836,7 @@
           <p:cNvPr id="9" name="TextBox 8">
             <a:extLst>
               <a:ext uri="{FF2B5EF4-FFF2-40B4-BE49-F238E27FC236}">
-                <a16:creationId xmlns:a16="http://schemas.microsoft.com/office/drawing/2014/main" id="{CA09A6C5-1F2B-E71F-4FA9-C676934771CA}"/>
+                <a16:creationId xmlns="" xmlns:a16="http://schemas.microsoft.com/office/drawing/2014/main" id="{CA09A6C5-1F2B-E71F-4FA9-C676934771CA}"/>
               </a:ext>
             </a:extLst>
           </p:cNvPr>
@@ -6248,8 +7845,8 @@
         </p:nvSpPr>
         <p:spPr>
           <a:xfrm>
-            <a:off x="256267" y="1168396"/>
-            <a:ext cx="6374579" cy="646331"/>
+            <a:off x="371372" y="2033639"/>
+            <a:ext cx="8603448" cy="830997"/>
           </a:xfrm>
           <a:prstGeom prst="rect">
             <a:avLst/>
@@ -6266,42 +7863,26 @@
           <a:lstStyle/>
           <a:p>
             <a:r>
-              <a:rPr lang="ko-KR" altLang="en-US"/>
-              <a:t>원래는 </a:t>
-            </a:r>
-            <a:r>
-              <a:rPr lang="ko-KR" altLang="en-US" err="1"/>
-              <a:t>API가</a:t>
-            </a:r>
-            <a:r>
-              <a:rPr lang="ko-KR" altLang="en-US"/>
-              <a:t> 각각 </a:t>
-            </a:r>
-            <a:r>
-              <a:rPr lang="ko-KR" altLang="en-US" err="1"/>
-              <a:t>따로따로여서</a:t>
-            </a:r>
-            <a:r>
-              <a:rPr lang="ko-KR" altLang="en-US"/>
-              <a:t> 어려움을 겪다가 </a:t>
-            </a:r>
-            <a:endParaRPr lang="en-US"/>
-          </a:p>
-          <a:p>
-            <a:r>
-              <a:rPr lang="ko-KR" altLang="en-US"/>
+              <a:rPr lang="ko-KR" altLang="en-US" sz="2400" dirty="0"/>
+              <a:t>원래는 API가 각각 따로따로여서 어려움을 겪다가 </a:t>
+            </a:r>
+            <a:endParaRPr lang="en-US" sz="2400" dirty="0"/>
+          </a:p>
+          <a:p>
+            <a:r>
+              <a:rPr lang="ko-KR" altLang="en-US" sz="2400" dirty="0"/>
               <a:t>다 같은 형식으로 통일해서 사용하는 방법으로 바꾸었습니다.</a:t>
             </a:r>
-            <a:endParaRPr lang="ko-KR"/>
-          </a:p>
-        </p:txBody>
-      </p:sp>
-      <p:sp>
-        <p:nvSpPr>
-          <p:cNvPr id="13" name="TextBox 12">
-            <a:extLst>
-              <a:ext uri="{FF2B5EF4-FFF2-40B4-BE49-F238E27FC236}">
-                <a16:creationId xmlns:a16="http://schemas.microsoft.com/office/drawing/2014/main" id="{9269FFA7-5AD5-D0BC-1FE3-774306B36EC6}"/>
+            <a:endParaRPr lang="ko-KR" sz="2400" dirty="0"/>
+          </a:p>
+        </p:txBody>
+      </p:sp>
+      <p:sp>
+        <p:nvSpPr>
+          <p:cNvPr id="15" name="TextBox 14">
+            <a:extLst>
+              <a:ext uri="{FF2B5EF4-FFF2-40B4-BE49-F238E27FC236}">
+                <a16:creationId xmlns="" xmlns:a16="http://schemas.microsoft.com/office/drawing/2014/main" id="{43D697BC-6B0B-81B2-69AC-942071A3B9D8}"/>
               </a:ext>
             </a:extLst>
           </p:cNvPr>
@@ -6310,8 +7891,8 @@
         </p:nvSpPr>
         <p:spPr>
           <a:xfrm>
-            <a:off x="256266" y="4084162"/>
-            <a:ext cx="6192742" cy="369332"/>
+            <a:off x="371372" y="3208047"/>
+            <a:ext cx="13225868" cy="1938992"/>
           </a:xfrm>
           <a:prstGeom prst="rect">
             <a:avLst/>
@@ -6328,18 +7909,125 @@
           <a:lstStyle/>
           <a:p>
             <a:r>
-              <a:rPr lang="ko-KR" altLang="en-US"/>
-              <a:t>각각의 댓글을 완벽하게 구분하는 법을 만들지 못했습니다.</a:t>
-            </a:r>
-          </a:p>
-        </p:txBody>
-      </p:sp>
-      <p:sp>
-        <p:nvSpPr>
-          <p:cNvPr id="15" name="TextBox 14">
-            <a:extLst>
-              <a:ext uri="{FF2B5EF4-FFF2-40B4-BE49-F238E27FC236}">
-                <a16:creationId xmlns:a16="http://schemas.microsoft.com/office/drawing/2014/main" id="{43D697BC-6B0B-81B2-69AC-942071A3B9D8}"/>
+              <a:rPr lang="ko-KR" altLang="en-US" sz="2400" dirty="0"/>
+              <a:t>깃의 사용법에 익숙하지 못했습니다.</a:t>
+            </a:r>
+          </a:p>
+          <a:p>
+            <a:r>
+              <a:rPr lang="en-US" altLang="ko-KR" sz="2400" dirty="0" smtClean="0"/>
+              <a:t>Merge</a:t>
+            </a:r>
+            <a:r>
+              <a:rPr lang="ko-KR" altLang="en-US" sz="2400" dirty="0" smtClean="0"/>
+              <a:t> </a:t>
+            </a:r>
+            <a:r>
+              <a:rPr lang="ko-KR" altLang="en-US" sz="2400" dirty="0"/>
+              <a:t>: </a:t>
+            </a:r>
+            <a:r>
+              <a:rPr lang="ko-KR" altLang="en-US" sz="2400" dirty="0" err="1"/>
+              <a:t>커밋이</a:t>
+            </a:r>
+            <a:r>
+              <a:rPr lang="ko-KR" altLang="en-US" sz="2400" dirty="0"/>
+              <a:t> </a:t>
+            </a:r>
+            <a:r>
+              <a:rPr lang="ko-KR" altLang="en-US" sz="2400" dirty="0" err="1"/>
+              <a:t>병합되는것</a:t>
+            </a:r>
+            <a:r>
+              <a:rPr lang="ko-KR" altLang="en-US" sz="2400" dirty="0"/>
+              <a:t> </a:t>
+            </a:r>
+          </a:p>
+          <a:p>
+            <a:r>
+              <a:rPr lang="ko-KR" altLang="en-US" sz="2400" dirty="0"/>
+              <a:t>-&gt; </a:t>
+            </a:r>
+            <a:r>
+              <a:rPr lang="ko-KR" altLang="en-US" sz="2400" dirty="0" smtClean="0"/>
+              <a:t>두 사람이 </a:t>
+            </a:r>
+            <a:r>
+              <a:rPr lang="ko-KR" altLang="en-US" sz="2400" dirty="0"/>
+              <a:t>동시에 </a:t>
+            </a:r>
+            <a:r>
+              <a:rPr lang="ko-KR" altLang="en-US" sz="2400" dirty="0" smtClean="0"/>
+              <a:t>수정하면 한쪽의 </a:t>
+            </a:r>
+            <a:r>
+              <a:rPr lang="ko-KR" altLang="en-US" sz="2400" dirty="0" err="1"/>
+              <a:t>커밋이</a:t>
+            </a:r>
+            <a:r>
+              <a:rPr lang="ko-KR" altLang="en-US" sz="2400" dirty="0"/>
+              <a:t> 없어지는 현상이 있었습니다. </a:t>
+            </a:r>
+            <a:endParaRPr lang="ko-KR" sz="2400" dirty="0"/>
+          </a:p>
+          <a:p>
+            <a:r>
+              <a:rPr lang="ko-KR" altLang="en-US" sz="2400" dirty="0"/>
+              <a:t>-&gt; 이 부분은 </a:t>
+            </a:r>
+            <a:r>
+              <a:rPr lang="ko-KR" altLang="en-US" sz="2400" dirty="0" err="1"/>
+              <a:t>튜터님에게</a:t>
+            </a:r>
+            <a:r>
+              <a:rPr lang="ko-KR" altLang="en-US" sz="2400" dirty="0"/>
+              <a:t> 도움을 받았습니다.</a:t>
+            </a:r>
+            <a:endParaRPr lang="ko-KR" sz="2400" dirty="0"/>
+          </a:p>
+          <a:p>
+            <a:r>
+              <a:rPr lang="ko-KR" altLang="en-US" sz="2400" dirty="0"/>
+              <a:t>-&gt; </a:t>
+            </a:r>
+            <a:r>
+              <a:rPr lang="ko-KR" altLang="en-US" sz="2400" dirty="0" err="1"/>
+              <a:t>푸쉬하기전에</a:t>
+            </a:r>
+            <a:r>
+              <a:rPr lang="ko-KR" altLang="en-US" sz="2400" dirty="0"/>
+              <a:t> 풀(</a:t>
+            </a:r>
+            <a:r>
+              <a:rPr lang="ko-KR" altLang="en-US" sz="2400" dirty="0" err="1"/>
+              <a:t>내려받기</a:t>
+            </a:r>
+            <a:r>
+              <a:rPr lang="ko-KR" altLang="en-US" sz="2400" dirty="0"/>
+              <a:t>)</a:t>
+            </a:r>
+            <a:r>
+              <a:rPr lang="ko-KR" altLang="en-US" sz="2400" dirty="0" err="1"/>
+              <a:t>를</a:t>
+            </a:r>
+            <a:r>
+              <a:rPr lang="ko-KR" altLang="en-US" sz="2400" dirty="0"/>
+              <a:t> 먼저 하는 습관을 들였습니다</a:t>
+            </a:r>
+            <a:r>
+              <a:rPr lang="ko-KR" altLang="en-US" sz="2400" dirty="0" smtClean="0"/>
+              <a:t>.</a:t>
+            </a:r>
+            <a:endParaRPr lang="ko-KR" altLang="en-US" sz="2400" dirty="0"/>
+          </a:p>
+        </p:txBody>
+      </p:sp>
+      <p:sp>
+        <p:nvSpPr>
+          <p:cNvPr id="8" name="TextBox 7">
+            <a:extLst>
+              <a:ext uri="{FF2B5EF4-FFF2-40B4-BE49-F238E27FC236}">
+                <a16:creationId xmlns="" xmlns:a16="http://schemas.microsoft.com/office/drawing/2014/main" id="{33654825-0954-BE0D-E887-CF73BE33EE64}"/>
               </a:ext>
             </a:extLst>
           </p:cNvPr>
@@ -6348,8 +8036,8 @@
         </p:nvSpPr>
         <p:spPr>
           <a:xfrm>
-            <a:off x="258537" y="1989824"/>
-            <a:ext cx="9799483" cy="1754326"/>
+            <a:off x="3345782" y="312822"/>
+            <a:ext cx="5550568" cy="830997"/>
           </a:xfrm>
           <a:prstGeom prst="rect">
             <a:avLst/>
@@ -6365,215 +8053,15 @@
           </a:bodyPr>
           <a:lstStyle/>
           <a:p>
-            <a:r>
-              <a:rPr lang="ko-KR" altLang="en-US"/>
-              <a:t>깃의 사용법에 익숙하지 못했습니다.</a:t>
-            </a:r>
-          </a:p>
-          <a:p>
-            <a:r>
-              <a:rPr lang="ko-KR" altLang="en-US" err="1"/>
-              <a:t>머지</a:t>
-            </a:r>
-            <a:r>
-              <a:rPr lang="ko-KR" altLang="en-US"/>
-              <a:t> : </a:t>
-            </a:r>
-            <a:r>
-              <a:rPr lang="ko-KR" altLang="en-US" err="1"/>
-              <a:t>커밋이</a:t>
-            </a:r>
-            <a:r>
-              <a:rPr lang="ko-KR" altLang="en-US"/>
-              <a:t> </a:t>
-            </a:r>
-            <a:r>
-              <a:rPr lang="ko-KR" altLang="en-US" err="1"/>
-              <a:t>병합되는것</a:t>
-            </a:r>
-            <a:r>
-              <a:rPr lang="ko-KR" altLang="en-US"/>
-              <a:t> </a:t>
-            </a:r>
-          </a:p>
-          <a:p>
-            <a:r>
-              <a:rPr lang="ko-KR" altLang="en-US"/>
-              <a:t>-&gt; 두사람이 동시에 </a:t>
-            </a:r>
-            <a:r>
-              <a:rPr lang="ko-KR" altLang="en-US" err="1"/>
-              <a:t>수정했을때</a:t>
-            </a:r>
-            <a:r>
-              <a:rPr lang="ko-KR" altLang="en-US"/>
-              <a:t> </a:t>
-            </a:r>
-            <a:r>
-              <a:rPr lang="ko-KR" altLang="en-US" err="1"/>
-              <a:t>머지가</a:t>
-            </a:r>
-            <a:r>
-              <a:rPr lang="ko-KR" altLang="en-US"/>
-              <a:t> 되면 한쪽의 </a:t>
-            </a:r>
-            <a:r>
-              <a:rPr lang="ko-KR" altLang="en-US" err="1"/>
-              <a:t>커밋이</a:t>
-            </a:r>
-            <a:r>
-              <a:rPr lang="ko-KR" altLang="en-US"/>
-              <a:t> 없어지는 현상이 있었습니다. </a:t>
-            </a:r>
-            <a:endParaRPr lang="ko-KR"/>
-          </a:p>
-          <a:p>
-            <a:r>
-              <a:rPr lang="ko-KR" altLang="en-US"/>
-              <a:t>-&gt; 이 부분은 </a:t>
-            </a:r>
-            <a:r>
-              <a:rPr lang="ko-KR" altLang="en-US" err="1"/>
-              <a:t>튜터님에게</a:t>
-            </a:r>
-            <a:r>
-              <a:rPr lang="ko-KR" altLang="en-US"/>
-              <a:t> 도움을 받았습니다.</a:t>
-            </a:r>
-            <a:endParaRPr lang="ko-KR"/>
-          </a:p>
-          <a:p>
-            <a:r>
-              <a:rPr lang="ko-KR" altLang="en-US"/>
-              <a:t>-&gt; </a:t>
-            </a:r>
-            <a:r>
-              <a:rPr lang="ko-KR" altLang="en-US" err="1"/>
-              <a:t>푸쉬하기전에</a:t>
-            </a:r>
-            <a:r>
-              <a:rPr lang="ko-KR" altLang="en-US"/>
-              <a:t> 풀(</a:t>
-            </a:r>
-            <a:r>
-              <a:rPr lang="ko-KR" altLang="en-US" err="1"/>
-              <a:t>내려받기</a:t>
-            </a:r>
-            <a:r>
-              <a:rPr lang="ko-KR" altLang="en-US"/>
-              <a:t>)</a:t>
-            </a:r>
-            <a:r>
-              <a:rPr lang="ko-KR" altLang="en-US" err="1"/>
-              <a:t>를</a:t>
-            </a:r>
-            <a:r>
-              <a:rPr lang="ko-KR" altLang="en-US"/>
-              <a:t> 먼저 하는 습관을 들였습니다.</a:t>
-            </a:r>
-          </a:p>
-          <a:p>
-            <a:r>
-              <a:rPr lang="ko-KR" altLang="en-US"/>
-              <a:t>-&gt; </a:t>
-            </a:r>
-            <a:r>
-              <a:rPr lang="ko-KR" altLang="en-US" err="1"/>
-              <a:t>브렌치를</a:t>
-            </a:r>
-            <a:r>
-              <a:rPr lang="ko-KR" altLang="en-US"/>
-              <a:t> 사용해 백업파일도 미리미리 만들도록 하겠습니다.</a:t>
-            </a:r>
-          </a:p>
-        </p:txBody>
-      </p:sp>
-      <p:sp>
-        <p:nvSpPr>
-          <p:cNvPr id="8" name="순서도: 종속 처리 7">
-            <a:extLst>
-              <a:ext uri="{FF2B5EF4-FFF2-40B4-BE49-F238E27FC236}">
-                <a16:creationId xmlns:a16="http://schemas.microsoft.com/office/drawing/2014/main" id="{C624EA67-1D92-43C4-ABD4-5CC0E1E166F1}"/>
-              </a:ext>
-            </a:extLst>
-          </p:cNvPr>
-          <p:cNvSpPr/>
-          <p:nvPr/>
-        </p:nvSpPr>
-        <p:spPr>
-          <a:xfrm>
-            <a:off x="0" y="0"/>
-            <a:ext cx="12192000" cy="797169"/>
-          </a:xfrm>
-          <a:prstGeom prst="flowChartPredefinedProcess">
-            <a:avLst/>
-          </a:prstGeom>
-        </p:spPr>
-        <p:style>
-          <a:lnRef idx="2">
-            <a:schemeClr val="accent1">
-              <a:shade val="50000"/>
-            </a:schemeClr>
-          </a:lnRef>
-          <a:fillRef idx="1">
-            <a:schemeClr val="accent1"/>
-          </a:fillRef>
-          <a:effectRef idx="0">
-            <a:schemeClr val="accent1"/>
-          </a:effectRef>
-          <a:fontRef idx="minor">
-            <a:schemeClr val="lt1"/>
-          </a:fontRef>
-        </p:style>
-        <p:txBody>
-          <a:bodyPr rtlCol="0" anchor="ctr"/>
-          <a:lstStyle/>
-          <a:p>
             <a:pPr algn="ctr"/>
             <a:r>
-              <a:rPr lang="ko-KR" altLang="en-US" sz="3600" dirty="0">
-                <a:effectLst>
-                  <a:outerShdw blurRad="50800" dist="38100" dir="2700000" algn="tl" rotWithShape="0">
-                    <a:prstClr val="black">
-                      <a:alpha val="40000"/>
-                    </a:prstClr>
-                  </a:outerShdw>
-                </a:effectLst>
-              </a:rPr>
-              <a:t>보완할 점 </a:t>
-            </a:r>
-            <a:r>
-              <a:rPr lang="en-US" altLang="ko-KR" sz="3600" dirty="0">
-                <a:effectLst>
-                  <a:outerShdw blurRad="50800" dist="38100" dir="2700000" algn="tl" rotWithShape="0">
-                    <a:prstClr val="black">
-                      <a:alpha val="40000"/>
-                    </a:prstClr>
-                  </a:outerShdw>
-                </a:effectLst>
-              </a:rPr>
-              <a:t>&amp; </a:t>
-            </a:r>
-            <a:r>
-              <a:rPr lang="ko-KR" altLang="en-US" sz="3600" dirty="0">
-                <a:effectLst>
-                  <a:outerShdw blurRad="50800" dist="38100" dir="2700000" algn="tl" rotWithShape="0">
-                    <a:prstClr val="black">
-                      <a:alpha val="40000"/>
-                    </a:prstClr>
-                  </a:outerShdw>
-                </a:effectLst>
-              </a:rPr>
-              <a:t>해결한 점</a:t>
-            </a:r>
-            <a:endParaRPr lang="en-US" altLang="ko-KR" sz="3600" dirty="0">
-              <a:effectLst>
-                <a:outerShdw blurRad="50800" dist="38100" dir="2700000" algn="tl" rotWithShape="0">
-                  <a:prstClr val="black">
-                    <a:alpha val="40000"/>
-                  </a:prstClr>
-                </a:outerShdw>
-              </a:effectLst>
+              <a:rPr lang="ko-KR" altLang="en-US" sz="4800" dirty="0" smtClean="0">
+                <a:latin typeface="Noto Sans KR"/>
+              </a:rPr>
+              <a:t>어려웠던 점</a:t>
+            </a:r>
+            <a:endParaRPr lang="en-US" sz="4800" dirty="0">
+              <a:latin typeface="Noto Sans KR"/>
             </a:endParaRPr>
           </a:p>
         </p:txBody>
@@ -6588,527 +8076,13 @@
   <p:clrMapOvr>
     <a:masterClrMapping/>
   </p:clrMapOvr>
-</p:sld>
-</file>
-
-<file path=ppt/slides/slide6.xml><?xml version="1.0" encoding="utf-8"?>
-<p:sld xmlns:a="http://schemas.openxmlformats.org/drawingml/2006/main" xmlns:r="http://schemas.openxmlformats.org/officeDocument/2006/relationships" xmlns:p="http://schemas.openxmlformats.org/presentationml/2006/main">
-  <p:cSld>
-    <p:spTree>
-      <p:nvGrpSpPr>
-        <p:cNvPr id="1" name=""/>
-        <p:cNvGrpSpPr/>
-        <p:nvPr/>
-      </p:nvGrpSpPr>
-      <p:grpSpPr>
-        <a:xfrm>
-          <a:off x="0" y="0"/>
-          <a:ext cx="0" cy="0"/>
-          <a:chOff x="0" y="0"/>
-          <a:chExt cx="0" cy="0"/>
-        </a:xfrm>
-      </p:grpSpPr>
-      <p:pic>
-        <p:nvPicPr>
-          <p:cNvPr id="5" name="Picture 5" descr="Text&#10;&#10;Description automatically generated">
-            <a:extLst>
-              <a:ext uri="{FF2B5EF4-FFF2-40B4-BE49-F238E27FC236}">
-                <a16:creationId xmlns:a16="http://schemas.microsoft.com/office/drawing/2014/main" id="{363C35EF-5BD8-88BF-164A-911A69757537}"/>
-              </a:ext>
-            </a:extLst>
-          </p:cNvPr>
-          <p:cNvPicPr>
-            <a:picLocks noChangeAspect="1"/>
-          </p:cNvPicPr>
-          <p:nvPr/>
-        </p:nvPicPr>
-        <p:blipFill>
-          <a:blip r:embed="rId2"/>
-          <a:stretch>
-            <a:fillRect/>
-          </a:stretch>
-        </p:blipFill>
-        <p:spPr>
-          <a:xfrm>
-            <a:off x="351545" y="3137372"/>
-            <a:ext cx="7046714" cy="1911365"/>
-          </a:xfrm>
-          <a:prstGeom prst="rect">
-            <a:avLst/>
-          </a:prstGeom>
-        </p:spPr>
-      </p:pic>
-      <p:pic>
-        <p:nvPicPr>
-          <p:cNvPr id="6" name="Picture 6" descr="Text&#10;&#10;Description automatically generated">
-            <a:extLst>
-              <a:ext uri="{FF2B5EF4-FFF2-40B4-BE49-F238E27FC236}">
-                <a16:creationId xmlns:a16="http://schemas.microsoft.com/office/drawing/2014/main" id="{496D1DA3-A8B1-7233-188D-6E7C448DC4DB}"/>
-              </a:ext>
-            </a:extLst>
-          </p:cNvPr>
-          <p:cNvPicPr>
-            <a:picLocks noChangeAspect="1"/>
-          </p:cNvPicPr>
-          <p:nvPr/>
-        </p:nvPicPr>
-        <p:blipFill>
-          <a:blip r:embed="rId3"/>
-          <a:stretch>
-            <a:fillRect/>
-          </a:stretch>
-        </p:blipFill>
-        <p:spPr>
-          <a:xfrm>
-            <a:off x="352856" y="1583341"/>
-            <a:ext cx="7046713" cy="1413379"/>
-          </a:xfrm>
-          <a:prstGeom prst="rect">
-            <a:avLst/>
-          </a:prstGeom>
-        </p:spPr>
-      </p:pic>
-      <p:pic>
-        <p:nvPicPr>
-          <p:cNvPr id="7" name="Picture 7" descr="Text&#10;&#10;Description automatically generated">
-            <a:extLst>
-              <a:ext uri="{FF2B5EF4-FFF2-40B4-BE49-F238E27FC236}">
-                <a16:creationId xmlns:a16="http://schemas.microsoft.com/office/drawing/2014/main" id="{3F3D87DA-7C4D-608A-9A29-DA3C6CC7E2A0}"/>
-              </a:ext>
-            </a:extLst>
-          </p:cNvPr>
-          <p:cNvPicPr>
-            <a:picLocks noChangeAspect="1"/>
-          </p:cNvPicPr>
-          <p:nvPr/>
-        </p:nvPicPr>
-        <p:blipFill>
-          <a:blip r:embed="rId4"/>
-          <a:stretch>
-            <a:fillRect/>
-          </a:stretch>
-        </p:blipFill>
-        <p:spPr>
-          <a:xfrm>
-            <a:off x="7959516" y="370587"/>
-            <a:ext cx="3880939" cy="5694443"/>
-          </a:xfrm>
-          <a:prstGeom prst="rect">
-            <a:avLst/>
-          </a:prstGeom>
-        </p:spPr>
-      </p:pic>
-      <p:sp>
-        <p:nvSpPr>
-          <p:cNvPr id="8" name="TextBox 7">
-            <a:extLst>
-              <a:ext uri="{FF2B5EF4-FFF2-40B4-BE49-F238E27FC236}">
-                <a16:creationId xmlns:a16="http://schemas.microsoft.com/office/drawing/2014/main" id="{F4743DF9-7AA2-F7C1-35DF-7223C7F53B2C}"/>
-              </a:ext>
-            </a:extLst>
-          </p:cNvPr>
-          <p:cNvSpPr txBox="1"/>
-          <p:nvPr/>
-        </p:nvSpPr>
-        <p:spPr>
-          <a:xfrm>
-            <a:off x="765025" y="370587"/>
-            <a:ext cx="884903" cy="369332"/>
-          </a:xfrm>
-          <a:prstGeom prst="rect">
-            <a:avLst/>
-          </a:prstGeom>
-          <a:noFill/>
-        </p:spPr>
-        <p:txBody>
-          <a:bodyPr rot="0" spcFirstLastPara="0" vertOverflow="overflow" horzOverflow="overflow" vert="horz" wrap="square" lIns="91440" tIns="45720" rIns="91440" bIns="45720" numCol="1" spcCol="0" rtlCol="0" fromWordArt="0" anchor="t" anchorCtr="0" forceAA="0" compatLnSpc="1">
-            <a:prstTxWarp prst="textNoShape">
-              <a:avLst/>
-            </a:prstTxWarp>
-            <a:spAutoFit/>
-          </a:bodyPr>
-          <a:lstStyle/>
-          <a:p>
-            <a:pPr algn="l"/>
-            <a:r>
-              <a:rPr lang="ko-KR" altLang="en-US" dirty="0"/>
-              <a:t>유상우</a:t>
-            </a:r>
-            <a:endParaRPr lang="en-US" dirty="0"/>
-          </a:p>
-        </p:txBody>
-      </p:sp>
-      <p:sp>
-        <p:nvSpPr>
-          <p:cNvPr id="2" name="양쪽 대괄호 1">
-            <a:extLst>
-              <a:ext uri="{FF2B5EF4-FFF2-40B4-BE49-F238E27FC236}">
-                <a16:creationId xmlns:a16="http://schemas.microsoft.com/office/drawing/2014/main" id="{87B39600-1C10-4E79-9983-C041C0E4D24A}"/>
-              </a:ext>
-            </a:extLst>
-          </p:cNvPr>
-          <p:cNvSpPr/>
-          <p:nvPr/>
-        </p:nvSpPr>
-        <p:spPr>
-          <a:xfrm>
-            <a:off x="203201" y="179754"/>
-            <a:ext cx="2008553" cy="750999"/>
-          </a:xfrm>
-          <a:prstGeom prst="bracketPair">
-            <a:avLst/>
-          </a:prstGeom>
-        </p:spPr>
-        <p:style>
-          <a:lnRef idx="1">
-            <a:schemeClr val="accent1"/>
-          </a:lnRef>
-          <a:fillRef idx="0">
-            <a:schemeClr val="accent1"/>
-          </a:fillRef>
-          <a:effectRef idx="0">
-            <a:schemeClr val="accent1"/>
-          </a:effectRef>
-          <a:fontRef idx="minor">
-            <a:schemeClr val="tx1"/>
-          </a:fontRef>
-        </p:style>
-        <p:txBody>
-          <a:bodyPr rtlCol="0" anchor="ctr"/>
-          <a:lstStyle/>
-          <a:p>
-            <a:pPr algn="ctr"/>
-            <a:endParaRPr lang="ko-KR" altLang="en-US"/>
-          </a:p>
-        </p:txBody>
-      </p:sp>
-    </p:spTree>
-    <p:extLst>
-      <p:ext uri="{BB962C8B-B14F-4D97-AF65-F5344CB8AC3E}">
-        <p14:creationId xmlns:p14="http://schemas.microsoft.com/office/powerpoint/2010/main" val="1145704232"/>
-      </p:ext>
-    </p:extLst>
-  </p:cSld>
-  <p:clrMapOvr>
-    <a:masterClrMapping/>
-  </p:clrMapOvr>
-</p:sld>
-</file>
-
-<file path=ppt/slides/slide7.xml><?xml version="1.0" encoding="utf-8"?>
-<p:sld xmlns:a="http://schemas.openxmlformats.org/drawingml/2006/main" xmlns:r="http://schemas.openxmlformats.org/officeDocument/2006/relationships" xmlns:p="http://schemas.openxmlformats.org/presentationml/2006/main">
-  <p:cSld>
-    <p:spTree>
-      <p:nvGrpSpPr>
-        <p:cNvPr id="1" name=""/>
-        <p:cNvGrpSpPr/>
-        <p:nvPr/>
-      </p:nvGrpSpPr>
-      <p:grpSpPr>
-        <a:xfrm>
-          <a:off x="0" y="0"/>
-          <a:ext cx="0" cy="0"/>
-          <a:chOff x="0" y="0"/>
-          <a:chExt cx="0" cy="0"/>
-        </a:xfrm>
-      </p:grpSpPr>
-      <p:pic>
-        <p:nvPicPr>
-          <p:cNvPr id="4" name="Picture 4" descr="Text&#10;&#10;Description automatically generated">
-            <a:extLst>
-              <a:ext uri="{FF2B5EF4-FFF2-40B4-BE49-F238E27FC236}">
-                <a16:creationId xmlns:a16="http://schemas.microsoft.com/office/drawing/2014/main" id="{381AACF7-D288-F69D-5AE7-121807113724}"/>
-              </a:ext>
-            </a:extLst>
-          </p:cNvPr>
-          <p:cNvPicPr>
-            <a:picLocks noChangeAspect="1"/>
-          </p:cNvPicPr>
-          <p:nvPr/>
-        </p:nvPicPr>
-        <p:blipFill>
-          <a:blip r:embed="rId2"/>
-          <a:stretch>
-            <a:fillRect/>
-          </a:stretch>
-        </p:blipFill>
-        <p:spPr>
-          <a:xfrm>
-            <a:off x="1895553" y="1295489"/>
-            <a:ext cx="5341344" cy="1683094"/>
-          </a:xfrm>
-          <a:prstGeom prst="rect">
-            <a:avLst/>
-          </a:prstGeom>
-        </p:spPr>
-      </p:pic>
-      <p:pic>
-        <p:nvPicPr>
-          <p:cNvPr id="5" name="Picture 5" descr="Graphical user interface, text, application, chat or text message&#10;&#10;Description automatically generated">
-            <a:extLst>
-              <a:ext uri="{FF2B5EF4-FFF2-40B4-BE49-F238E27FC236}">
-                <a16:creationId xmlns:a16="http://schemas.microsoft.com/office/drawing/2014/main" id="{76C5D30F-7ED6-B980-483B-9FCAAADC154C}"/>
-              </a:ext>
-            </a:extLst>
-          </p:cNvPr>
-          <p:cNvPicPr>
-            <a:picLocks noChangeAspect="1"/>
-          </p:cNvPicPr>
-          <p:nvPr/>
-        </p:nvPicPr>
-        <p:blipFill>
-          <a:blip r:embed="rId3"/>
-          <a:stretch>
-            <a:fillRect/>
-          </a:stretch>
-        </p:blipFill>
-        <p:spPr>
-          <a:xfrm>
-            <a:off x="1892147" y="3217545"/>
-            <a:ext cx="7094862" cy="2678701"/>
-          </a:xfrm>
-          <a:prstGeom prst="rect">
-            <a:avLst/>
-          </a:prstGeom>
-        </p:spPr>
-      </p:pic>
-      <p:sp>
-        <p:nvSpPr>
-          <p:cNvPr id="7" name="TextBox 6">
-            <a:extLst>
-              <a:ext uri="{FF2B5EF4-FFF2-40B4-BE49-F238E27FC236}">
-                <a16:creationId xmlns:a16="http://schemas.microsoft.com/office/drawing/2014/main" id="{A01D48A4-FFF7-4310-B5D6-F3B83B216DF5}"/>
-              </a:ext>
-            </a:extLst>
-          </p:cNvPr>
-          <p:cNvSpPr txBox="1"/>
-          <p:nvPr/>
-        </p:nvSpPr>
-        <p:spPr>
-          <a:xfrm>
-            <a:off x="765025" y="370587"/>
-            <a:ext cx="884903" cy="369332"/>
-          </a:xfrm>
-          <a:prstGeom prst="rect">
-            <a:avLst/>
-          </a:prstGeom>
-          <a:noFill/>
-        </p:spPr>
-        <p:txBody>
-          <a:bodyPr rot="0" spcFirstLastPara="0" vertOverflow="overflow" horzOverflow="overflow" vert="horz" wrap="square" lIns="91440" tIns="45720" rIns="91440" bIns="45720" numCol="1" spcCol="0" rtlCol="0" fromWordArt="0" anchor="t" anchorCtr="0" forceAA="0" compatLnSpc="1">
-            <a:prstTxWarp prst="textNoShape">
-              <a:avLst/>
-            </a:prstTxWarp>
-            <a:spAutoFit/>
-          </a:bodyPr>
-          <a:lstStyle/>
-          <a:p>
-            <a:pPr algn="l"/>
-            <a:r>
-              <a:rPr lang="ko-KR" altLang="en-US" dirty="0"/>
-              <a:t>육준호</a:t>
-            </a:r>
-            <a:endParaRPr lang="en-US" dirty="0"/>
-          </a:p>
-        </p:txBody>
-      </p:sp>
-      <p:sp>
-        <p:nvSpPr>
-          <p:cNvPr id="8" name="양쪽 대괄호 7">
-            <a:extLst>
-              <a:ext uri="{FF2B5EF4-FFF2-40B4-BE49-F238E27FC236}">
-                <a16:creationId xmlns:a16="http://schemas.microsoft.com/office/drawing/2014/main" id="{F5C9297A-5BBD-47A4-BF17-D197F4B39D30}"/>
-              </a:ext>
-            </a:extLst>
-          </p:cNvPr>
-          <p:cNvSpPr/>
-          <p:nvPr/>
-        </p:nvSpPr>
-        <p:spPr>
-          <a:xfrm>
-            <a:off x="203201" y="179754"/>
-            <a:ext cx="2008553" cy="750999"/>
-          </a:xfrm>
-          <a:prstGeom prst="bracketPair">
-            <a:avLst/>
-          </a:prstGeom>
-        </p:spPr>
-        <p:style>
-          <a:lnRef idx="1">
-            <a:schemeClr val="accent1"/>
-          </a:lnRef>
-          <a:fillRef idx="0">
-            <a:schemeClr val="accent1"/>
-          </a:fillRef>
-          <a:effectRef idx="0">
-            <a:schemeClr val="accent1"/>
-          </a:effectRef>
-          <a:fontRef idx="minor">
-            <a:schemeClr val="tx1"/>
-          </a:fontRef>
-        </p:style>
-        <p:txBody>
-          <a:bodyPr rtlCol="0" anchor="ctr"/>
-          <a:lstStyle/>
-          <a:p>
-            <a:pPr algn="ctr"/>
-            <a:endParaRPr lang="ko-KR" altLang="en-US"/>
-          </a:p>
-        </p:txBody>
-      </p:sp>
-    </p:spTree>
-    <p:extLst>
-      <p:ext uri="{BB962C8B-B14F-4D97-AF65-F5344CB8AC3E}">
-        <p14:creationId xmlns:p14="http://schemas.microsoft.com/office/powerpoint/2010/main" val="2329977479"/>
-      </p:ext>
-    </p:extLst>
-  </p:cSld>
-  <p:clrMapOvr>
-    <a:masterClrMapping/>
-  </p:clrMapOvr>
-</p:sld>
-</file>
-
-<file path=ppt/slides/slide8.xml><?xml version="1.0" encoding="utf-8"?>
-<p:sld xmlns:a="http://schemas.openxmlformats.org/drawingml/2006/main" xmlns:r="http://schemas.openxmlformats.org/officeDocument/2006/relationships" xmlns:p="http://schemas.openxmlformats.org/presentationml/2006/main">
-  <p:cSld>
-    <p:spTree>
-      <p:nvGrpSpPr>
-        <p:cNvPr id="1" name=""/>
-        <p:cNvGrpSpPr/>
-        <p:nvPr/>
-      </p:nvGrpSpPr>
-      <p:grpSpPr>
-        <a:xfrm>
-          <a:off x="0" y="0"/>
-          <a:ext cx="0" cy="0"/>
-          <a:chOff x="0" y="0"/>
-          <a:chExt cx="0" cy="0"/>
-        </a:xfrm>
-      </p:grpSpPr>
-      <p:pic>
-        <p:nvPicPr>
-          <p:cNvPr id="4" name="Picture 4" descr="Text&#10;&#10;Description automatically generated">
-            <a:extLst>
-              <a:ext uri="{FF2B5EF4-FFF2-40B4-BE49-F238E27FC236}">
-                <a16:creationId xmlns:a16="http://schemas.microsoft.com/office/drawing/2014/main" id="{49DDA279-7ABD-D806-76A3-E613E50A7E20}"/>
-              </a:ext>
-            </a:extLst>
-          </p:cNvPr>
-          <p:cNvPicPr>
-            <a:picLocks noGrp="1" noChangeAspect="1"/>
-          </p:cNvPicPr>
-          <p:nvPr>
-            <p:ph idx="1"/>
-          </p:nvPr>
-        </p:nvPicPr>
-        <p:blipFill>
-          <a:blip r:embed="rId2"/>
-          <a:stretch>
-            <a:fillRect/>
-          </a:stretch>
-        </p:blipFill>
-        <p:spPr>
-          <a:xfrm>
-            <a:off x="3798650" y="331055"/>
-            <a:ext cx="5393989" cy="5878122"/>
-          </a:xfrm>
-        </p:spPr>
-      </p:pic>
-      <p:sp>
-        <p:nvSpPr>
-          <p:cNvPr id="6" name="TextBox 5">
-            <a:extLst>
-              <a:ext uri="{FF2B5EF4-FFF2-40B4-BE49-F238E27FC236}">
-                <a16:creationId xmlns:a16="http://schemas.microsoft.com/office/drawing/2014/main" id="{33048C51-81CF-430C-B903-FC4CCC7133FC}"/>
-              </a:ext>
-            </a:extLst>
-          </p:cNvPr>
-          <p:cNvSpPr txBox="1"/>
-          <p:nvPr/>
-        </p:nvSpPr>
-        <p:spPr>
-          <a:xfrm>
-            <a:off x="765025" y="370587"/>
-            <a:ext cx="884903" cy="369332"/>
-          </a:xfrm>
-          <a:prstGeom prst="rect">
-            <a:avLst/>
-          </a:prstGeom>
-          <a:noFill/>
-        </p:spPr>
-        <p:txBody>
-          <a:bodyPr rot="0" spcFirstLastPara="0" vertOverflow="overflow" horzOverflow="overflow" vert="horz" wrap="square" lIns="91440" tIns="45720" rIns="91440" bIns="45720" numCol="1" spcCol="0" rtlCol="0" fromWordArt="0" anchor="t" anchorCtr="0" forceAA="0" compatLnSpc="1">
-            <a:prstTxWarp prst="textNoShape">
-              <a:avLst/>
-            </a:prstTxWarp>
-            <a:spAutoFit/>
-          </a:bodyPr>
-          <a:lstStyle/>
-          <a:p>
-            <a:pPr algn="l"/>
-            <a:r>
-              <a:rPr lang="ko-KR" altLang="en-US" dirty="0" err="1"/>
-              <a:t>길재형</a:t>
-            </a:r>
-            <a:endParaRPr lang="en-US" dirty="0"/>
-          </a:p>
-        </p:txBody>
-      </p:sp>
-      <p:sp>
-        <p:nvSpPr>
-          <p:cNvPr id="7" name="양쪽 대괄호 6">
-            <a:extLst>
-              <a:ext uri="{FF2B5EF4-FFF2-40B4-BE49-F238E27FC236}">
-                <a16:creationId xmlns:a16="http://schemas.microsoft.com/office/drawing/2014/main" id="{3ACA59E9-6B1F-47F3-B1DC-1C6ED19D3E24}"/>
-              </a:ext>
-            </a:extLst>
-          </p:cNvPr>
-          <p:cNvSpPr/>
-          <p:nvPr/>
-        </p:nvSpPr>
-        <p:spPr>
-          <a:xfrm>
-            <a:off x="203201" y="179754"/>
-            <a:ext cx="2008553" cy="750999"/>
-          </a:xfrm>
-          <a:prstGeom prst="bracketPair">
-            <a:avLst/>
-          </a:prstGeom>
-        </p:spPr>
-        <p:style>
-          <a:lnRef idx="1">
-            <a:schemeClr val="accent1"/>
-          </a:lnRef>
-          <a:fillRef idx="0">
-            <a:schemeClr val="accent1"/>
-          </a:fillRef>
-          <a:effectRef idx="0">
-            <a:schemeClr val="accent1"/>
-          </a:effectRef>
-          <a:fontRef idx="minor">
-            <a:schemeClr val="tx1"/>
-          </a:fontRef>
-        </p:style>
-        <p:txBody>
-          <a:bodyPr rtlCol="0" anchor="ctr"/>
-          <a:lstStyle/>
-          <a:p>
-            <a:pPr algn="ctr"/>
-            <a:endParaRPr lang="ko-KR" altLang="en-US"/>
-          </a:p>
-        </p:txBody>
-      </p:sp>
-    </p:spTree>
-    <p:extLst>
-      <p:ext uri="{BB962C8B-B14F-4D97-AF65-F5344CB8AC3E}">
-        <p14:creationId xmlns:p14="http://schemas.microsoft.com/office/powerpoint/2010/main" val="3854151561"/>
-      </p:ext>
-    </p:extLst>
-  </p:cSld>
-  <p:clrMapOvr>
-    <a:masterClrMapping/>
-  </p:clrMapOvr>
+  <p:timing>
+    <p:tnLst>
+      <p:par>
+        <p:cTn id="1" dur="indefinite" restart="never" nodeType="tmRoot"/>
+      </p:par>
+    </p:tnLst>
+  </p:timing>
 </p:sld>
 </file>
 
@@ -7131,17 +8105,19 @@
       </p:grpSpPr>
       <p:pic>
         <p:nvPicPr>
-          <p:cNvPr id="7" name="Picture 7" descr="Text&#10;&#10;Description automatically generated">
-            <a:extLst>
-              <a:ext uri="{FF2B5EF4-FFF2-40B4-BE49-F238E27FC236}">
-                <a16:creationId xmlns:a16="http://schemas.microsoft.com/office/drawing/2014/main" id="{979F4311-C4E0-FDD9-9F1A-CD4A9BD96574}"/>
+          <p:cNvPr id="4" name="Picture 4" descr="Text&#10;&#10;Description automatically generated">
+            <a:extLst>
+              <a:ext uri="{FF2B5EF4-FFF2-40B4-BE49-F238E27FC236}">
+                <a16:creationId xmlns="" xmlns:a16="http://schemas.microsoft.com/office/drawing/2014/main" id="{49DDA279-7ABD-D806-76A3-E613E50A7E20}"/>
               </a:ext>
             </a:extLst>
           </p:cNvPr>
           <p:cNvPicPr>
-            <a:picLocks noChangeAspect="1"/>
+            <a:picLocks noGrp="1" noChangeAspect="1"/>
           </p:cNvPicPr>
-          <p:nvPr/>
+          <p:nvPr>
+            <p:ph idx="1"/>
+          </p:nvPr>
         </p:nvPicPr>
         <p:blipFill>
           <a:blip r:embed="rId2"/>
@@ -7151,150 +8127,27 @@
         </p:blipFill>
         <p:spPr>
           <a:xfrm>
-            <a:off x="193572" y="2055446"/>
-            <a:ext cx="4192883" cy="2197777"/>
+            <a:off x="3798650" y="331055"/>
+            <a:ext cx="5393989" cy="5878122"/>
           </a:xfrm>
-          <a:prstGeom prst="rect">
-            <a:avLst/>
-          </a:prstGeom>
         </p:spPr>
       </p:pic>
-      <p:pic>
-        <p:nvPicPr>
-          <p:cNvPr id="8" name="Picture 8">
-            <a:extLst>
-              <a:ext uri="{FF2B5EF4-FFF2-40B4-BE49-F238E27FC236}">
-                <a16:creationId xmlns:a16="http://schemas.microsoft.com/office/drawing/2014/main" id="{D52FA386-1C4D-3AA5-A113-BA287590AE8B}"/>
-              </a:ext>
-            </a:extLst>
-          </p:cNvPr>
-          <p:cNvPicPr>
-            <a:picLocks noChangeAspect="1"/>
-          </p:cNvPicPr>
+      <p:sp>
+        <p:nvSpPr>
+          <p:cNvPr id="5" name="TextBox 4">
+            <a:extLst>
+              <a:ext uri="{FF2B5EF4-FFF2-40B4-BE49-F238E27FC236}">
+                <a16:creationId xmlns="" xmlns:a16="http://schemas.microsoft.com/office/drawing/2014/main" id="{43A3EE4B-3DAF-2575-2651-CF92DD5BC47B}"/>
+              </a:ext>
+            </a:extLst>
+          </p:cNvPr>
+          <p:cNvSpPr txBox="1"/>
           <p:nvPr/>
-        </p:nvPicPr>
-        <p:blipFill>
-          <a:blip r:embed="rId3"/>
-          <a:stretch>
-            <a:fillRect/>
-          </a:stretch>
-        </p:blipFill>
+        </p:nvSpPr>
         <p:spPr>
           <a:xfrm>
-            <a:off x="4066868" y="676417"/>
-            <a:ext cx="7627343" cy="269613"/>
-          </a:xfrm>
-          <a:prstGeom prst="rect">
-            <a:avLst/>
-          </a:prstGeom>
-        </p:spPr>
-      </p:pic>
-      <p:pic>
-        <p:nvPicPr>
-          <p:cNvPr id="9" name="Picture 9">
-            <a:extLst>
-              <a:ext uri="{FF2B5EF4-FFF2-40B4-BE49-F238E27FC236}">
-                <a16:creationId xmlns:a16="http://schemas.microsoft.com/office/drawing/2014/main" id="{70040BB3-8733-4B01-58EC-45CA588B5BAF}"/>
-              </a:ext>
-            </a:extLst>
-          </p:cNvPr>
-          <p:cNvPicPr>
-            <a:picLocks noChangeAspect="1"/>
-          </p:cNvPicPr>
-          <p:nvPr/>
-        </p:nvPicPr>
-        <p:blipFill>
-          <a:blip r:embed="rId4"/>
-          <a:stretch>
-            <a:fillRect/>
-          </a:stretch>
-        </p:blipFill>
-        <p:spPr>
-          <a:xfrm>
-            <a:off x="4082733" y="1321530"/>
-            <a:ext cx="7612976" cy="460385"/>
-          </a:xfrm>
-          <a:prstGeom prst="rect">
-            <a:avLst/>
-          </a:prstGeom>
-        </p:spPr>
-      </p:pic>
-      <p:pic>
-        <p:nvPicPr>
-          <p:cNvPr id="10" name="Picture 10" descr="Text&#10;&#10;Description automatically generated">
-            <a:extLst>
-              <a:ext uri="{FF2B5EF4-FFF2-40B4-BE49-F238E27FC236}">
-                <a16:creationId xmlns:a16="http://schemas.microsoft.com/office/drawing/2014/main" id="{9ECE9516-15C3-A844-2783-24315C880A49}"/>
-              </a:ext>
-            </a:extLst>
-          </p:cNvPr>
-          <p:cNvPicPr>
-            <a:picLocks noChangeAspect="1"/>
-          </p:cNvPicPr>
-          <p:nvPr/>
-        </p:nvPicPr>
-        <p:blipFill>
-          <a:blip r:embed="rId5"/>
-          <a:stretch>
-            <a:fillRect/>
-          </a:stretch>
-        </p:blipFill>
-        <p:spPr>
-          <a:xfrm>
-            <a:off x="6025662" y="3188811"/>
-            <a:ext cx="5670047" cy="2500511"/>
-          </a:xfrm>
-          <a:prstGeom prst="rect">
-            <a:avLst/>
-          </a:prstGeom>
-        </p:spPr>
-      </p:pic>
-      <p:pic>
-        <p:nvPicPr>
-          <p:cNvPr id="2" name="Picture 2" descr="Graphical user interface&#10;&#10;Description automatically generated">
-            <a:extLst>
-              <a:ext uri="{FF2B5EF4-FFF2-40B4-BE49-F238E27FC236}">
-                <a16:creationId xmlns:a16="http://schemas.microsoft.com/office/drawing/2014/main" id="{93E88505-BB5B-1A76-CC7E-34DCF3F8384A}"/>
-              </a:ext>
-            </a:extLst>
-          </p:cNvPr>
-          <p:cNvPicPr>
-            <a:picLocks noChangeAspect="1"/>
-          </p:cNvPicPr>
-          <p:nvPr/>
-        </p:nvPicPr>
-        <p:blipFill>
-          <a:blip r:embed="rId6"/>
-          <a:stretch>
-            <a:fillRect/>
-          </a:stretch>
-        </p:blipFill>
-        <p:spPr>
-          <a:xfrm>
-            <a:off x="212357" y="4629672"/>
-            <a:ext cx="5286257" cy="1013043"/>
-          </a:xfrm>
-          <a:prstGeom prst="rect">
-            <a:avLst/>
-          </a:prstGeom>
-        </p:spPr>
-      </p:pic>
-      <p:sp>
-        <p:nvSpPr>
-          <p:cNvPr id="11" name="TextBox 10">
-            <a:extLst>
-              <a:ext uri="{FF2B5EF4-FFF2-40B4-BE49-F238E27FC236}">
-                <a16:creationId xmlns:a16="http://schemas.microsoft.com/office/drawing/2014/main" id="{BA5F4034-1A6F-48A5-941A-2EBA376B3F9C}"/>
-              </a:ext>
-            </a:extLst>
-          </p:cNvPr>
-          <p:cNvSpPr txBox="1"/>
-          <p:nvPr/>
-        </p:nvSpPr>
-        <p:spPr>
-          <a:xfrm>
-            <a:off x="765025" y="370587"/>
-            <a:ext cx="884903" cy="369332"/>
+            <a:off x="51531" y="120978"/>
+            <a:ext cx="2998838" cy="369332"/>
           </a:xfrm>
           <a:prstGeom prst="rect">
             <a:avLst/>
@@ -7312,67 +8165,30 @@
           <a:p>
             <a:pPr algn="l"/>
             <a:r>
-              <a:rPr lang="ko-KR" altLang="en-US" dirty="0"/>
-              <a:t>송지훈</a:t>
-            </a:r>
-            <a:endParaRPr lang="en-US" dirty="0"/>
-          </a:p>
-        </p:txBody>
-      </p:sp>
-      <p:sp>
-        <p:nvSpPr>
-          <p:cNvPr id="12" name="양쪽 대괄호 11">
-            <a:extLst>
-              <a:ext uri="{FF2B5EF4-FFF2-40B4-BE49-F238E27FC236}">
-                <a16:creationId xmlns:a16="http://schemas.microsoft.com/office/drawing/2014/main" id="{D4E2A087-7C4C-48BE-B18D-B3EF967EF335}"/>
-              </a:ext>
-            </a:extLst>
-          </p:cNvPr>
-          <p:cNvSpPr/>
-          <p:nvPr/>
-        </p:nvSpPr>
-        <p:spPr>
-          <a:xfrm>
-            <a:off x="203201" y="179754"/>
-            <a:ext cx="2008553" cy="750999"/>
-          </a:xfrm>
-          <a:prstGeom prst="bracketPair">
-            <a:avLst/>
-          </a:prstGeom>
-        </p:spPr>
-        <p:style>
-          <a:lnRef idx="1">
-            <a:schemeClr val="accent1"/>
-          </a:lnRef>
-          <a:fillRef idx="0">
-            <a:schemeClr val="accent1"/>
-          </a:fillRef>
-          <a:effectRef idx="0">
-            <a:schemeClr val="accent1"/>
-          </a:effectRef>
-          <a:fontRef idx="minor">
-            <a:schemeClr val="tx1"/>
-          </a:fontRef>
-        </p:style>
-        <p:txBody>
-          <a:bodyPr rtlCol="0" anchor="ctr"/>
-          <a:lstStyle/>
-          <a:p>
-            <a:pPr algn="ctr"/>
-            <a:endParaRPr lang="ko-KR" altLang="en-US"/>
+              <a:rPr lang="ko-KR" altLang="en-US" err="1"/>
+              <a:t>길재형</a:t>
+            </a:r>
+            <a:endParaRPr lang="en-US" err="1"/>
           </a:p>
         </p:txBody>
       </p:sp>
     </p:spTree>
     <p:extLst>
       <p:ext uri="{BB962C8B-B14F-4D97-AF65-F5344CB8AC3E}">
-        <p14:creationId xmlns:p14="http://schemas.microsoft.com/office/powerpoint/2010/main" val="3142114090"/>
+        <p14:creationId xmlns:p14="http://schemas.microsoft.com/office/powerpoint/2010/main" val="3854151561"/>
       </p:ext>
     </p:extLst>
   </p:cSld>
   <p:clrMapOvr>
     <a:masterClrMapping/>
   </p:clrMapOvr>
+  <p:timing>
+    <p:tnLst>
+      <p:par>
+        <p:cTn id="1" dur="indefinite" restart="never" nodeType="tmRoot"/>
+      </p:par>
+    </p:tnLst>
+  </p:timing>
 </p:sld>
 </file>
 
@@ -7571,7 +8387,7 @@
   <a:extraClrSchemeLst/>
   <a:extLst>
     <a:ext uri="{05A4C25C-085E-4340-85A3-A5531E510DB2}">
-      <thm15:themeFamily xmlns:thm15="http://schemas.microsoft.com/office/thememl/2012/main" name="GradientRiseVTI" id="{C2FC082F-B444-4222-AF20-78444CCB5722}" vid="{39F213E4-0CBC-40CB-B3F6-8C5562B6B99A}"/>
+      <thm15:themeFamily xmlns="" xmlns:thm15="http://schemas.microsoft.com/office/thememl/2012/main" name="GradientRiseVTI" id="{C2FC082F-B444-4222-AF20-78444CCB5722}" vid="{39F213E4-0CBC-40CB-B3F6-8C5562B6B99A}"/>
     </a:ext>
   </a:extLst>
 </a:theme>

--- a/FourGlass/FourGlass.pptx
+++ b/FourGlass/FourGlass.pptx
@@ -7,16 +7,14 @@
   <p:sldIdLst>
     <p:sldId id="256" r:id="rId2"/>
     <p:sldId id="258" r:id="rId3"/>
-    <p:sldId id="261" r:id="rId4"/>
-    <p:sldId id="268" r:id="rId5"/>
-    <p:sldId id="259" r:id="rId6"/>
-    <p:sldId id="266" r:id="rId7"/>
-    <p:sldId id="267" r:id="rId8"/>
-    <p:sldId id="260" r:id="rId9"/>
-    <p:sldId id="264" r:id="rId10"/>
-    <p:sldId id="262" r:id="rId11"/>
-    <p:sldId id="263" r:id="rId12"/>
-    <p:sldId id="265" r:id="rId13"/>
+    <p:sldId id="269" r:id="rId4"/>
+    <p:sldId id="261" r:id="rId5"/>
+    <p:sldId id="268" r:id="rId6"/>
+    <p:sldId id="259" r:id="rId7"/>
+    <p:sldId id="266" r:id="rId8"/>
+    <p:sldId id="267" r:id="rId9"/>
+    <p:sldId id="260" r:id="rId10"/>
+    <p:sldId id="264" r:id="rId11"/>
   </p:sldIdLst>
   <p:sldSz cx="12192000" cy="6858000"/>
   <p:notesSz cx="6858000" cy="9144000"/>
@@ -117,7 +115,7 @@
   </p:defaultTextStyle>
   <p:extLst>
     <p:ext uri="{EFAFB233-063F-42B5-8137-9DF3F51BA10A}">
-      <p15:sldGuideLst xmlns="" xmlns:p15="http://schemas.microsoft.com/office/powerpoint/2012/main"/>
+      <p15:sldGuideLst xmlns:p15="http://schemas.microsoft.com/office/powerpoint/2012/main" xmlns=""/>
     </p:ext>
   </p:extLst>
 </p:presentation>
@@ -155,7 +153,7 @@
           <p:cNvPr id="2" name="Title 1">
             <a:extLst>
               <a:ext uri="{FF2B5EF4-FFF2-40B4-BE49-F238E27FC236}">
-                <a16:creationId xmlns="" xmlns:a16="http://schemas.microsoft.com/office/drawing/2014/main" id="{47B674CB-3709-4ACF-BB61-29ADEA3D41BE}"/>
+                <a16:creationId xmlns:a16="http://schemas.microsoft.com/office/drawing/2014/main" xmlns="" id="{47B674CB-3709-4ACF-BB61-29ADEA3D41BE}"/>
               </a:ext>
             </a:extLst>
           </p:cNvPr>
@@ -194,7 +192,7 @@
           <p:cNvPr id="3" name="Subtitle 2">
             <a:extLst>
               <a:ext uri="{FF2B5EF4-FFF2-40B4-BE49-F238E27FC236}">
-                <a16:creationId xmlns="" xmlns:a16="http://schemas.microsoft.com/office/drawing/2014/main" id="{E06DA6BE-9B64-48FC-92D1-EF0D426A3974}"/>
+                <a16:creationId xmlns:a16="http://schemas.microsoft.com/office/drawing/2014/main" xmlns="" id="{E06DA6BE-9B64-48FC-92D1-EF0D426A3974}"/>
               </a:ext>
             </a:extLst>
           </p:cNvPr>
@@ -273,7 +271,7 @@
           <p:cNvPr id="4" name="Date Placeholder 3">
             <a:extLst>
               <a:ext uri="{FF2B5EF4-FFF2-40B4-BE49-F238E27FC236}">
-                <a16:creationId xmlns="" xmlns:a16="http://schemas.microsoft.com/office/drawing/2014/main" id="{B083AE59-8E21-449F-86DA-5BE297010864}"/>
+                <a16:creationId xmlns:a16="http://schemas.microsoft.com/office/drawing/2014/main" xmlns="" id="{B083AE59-8E21-449F-86DA-5BE297010864}"/>
               </a:ext>
             </a:extLst>
           </p:cNvPr>
@@ -302,7 +300,7 @@
           <p:cNvPr id="5" name="Footer Placeholder 4">
             <a:extLst>
               <a:ext uri="{FF2B5EF4-FFF2-40B4-BE49-F238E27FC236}">
-                <a16:creationId xmlns="" xmlns:a16="http://schemas.microsoft.com/office/drawing/2014/main" id="{4E8CCD60-9970-49FD-8254-21154BAA1E86}"/>
+                <a16:creationId xmlns:a16="http://schemas.microsoft.com/office/drawing/2014/main" xmlns="" id="{4E8CCD60-9970-49FD-8254-21154BAA1E86}"/>
               </a:ext>
             </a:extLst>
           </p:cNvPr>
@@ -327,7 +325,7 @@
           <p:cNvPr id="6" name="Slide Number Placeholder 5">
             <a:extLst>
               <a:ext uri="{FF2B5EF4-FFF2-40B4-BE49-F238E27FC236}">
-                <a16:creationId xmlns="" xmlns:a16="http://schemas.microsoft.com/office/drawing/2014/main" id="{1CC0A488-07A7-42F9-B1DF-68545B75417D}"/>
+                <a16:creationId xmlns:a16="http://schemas.microsoft.com/office/drawing/2014/main" xmlns="" id="{1CC0A488-07A7-42F9-B1DF-68545B75417D}"/>
               </a:ext>
             </a:extLst>
           </p:cNvPr>
@@ -386,7 +384,7 @@
           <p:cNvPr id="2" name="Title 1">
             <a:extLst>
               <a:ext uri="{FF2B5EF4-FFF2-40B4-BE49-F238E27FC236}">
-                <a16:creationId xmlns="" xmlns:a16="http://schemas.microsoft.com/office/drawing/2014/main" id="{2B9DC3B6-2D75-4EC4-9120-88DCE0EA61A2}"/>
+                <a16:creationId xmlns:a16="http://schemas.microsoft.com/office/drawing/2014/main" xmlns="" id="{2B9DC3B6-2D75-4EC4-9120-88DCE0EA61A2}"/>
               </a:ext>
             </a:extLst>
           </p:cNvPr>
@@ -414,7 +412,7 @@
           <p:cNvPr id="3" name="Vertical Text Placeholder 2">
             <a:extLst>
               <a:ext uri="{FF2B5EF4-FFF2-40B4-BE49-F238E27FC236}">
-                <a16:creationId xmlns="" xmlns:a16="http://schemas.microsoft.com/office/drawing/2014/main" id="{B74B06CB-A0FE-4499-B674-90C8C281A55A}"/>
+                <a16:creationId xmlns:a16="http://schemas.microsoft.com/office/drawing/2014/main" xmlns="" id="{B74B06CB-A0FE-4499-B674-90C8C281A55A}"/>
               </a:ext>
             </a:extLst>
           </p:cNvPr>
@@ -471,7 +469,7 @@
           <p:cNvPr id="4" name="Date Placeholder 3">
             <a:extLst>
               <a:ext uri="{FF2B5EF4-FFF2-40B4-BE49-F238E27FC236}">
-                <a16:creationId xmlns="" xmlns:a16="http://schemas.microsoft.com/office/drawing/2014/main" id="{4E7FD700-765A-4DE6-A8EC-9D9D92FCBB42}"/>
+                <a16:creationId xmlns:a16="http://schemas.microsoft.com/office/drawing/2014/main" xmlns="" id="{4E7FD700-765A-4DE6-A8EC-9D9D92FCBB42}"/>
               </a:ext>
             </a:extLst>
           </p:cNvPr>
@@ -500,7 +498,7 @@
           <p:cNvPr id="5" name="Footer Placeholder 4">
             <a:extLst>
               <a:ext uri="{FF2B5EF4-FFF2-40B4-BE49-F238E27FC236}">
-                <a16:creationId xmlns="" xmlns:a16="http://schemas.microsoft.com/office/drawing/2014/main" id="{0C4664EC-C4B1-4D14-9ED3-14C6CCBFFC82}"/>
+                <a16:creationId xmlns:a16="http://schemas.microsoft.com/office/drawing/2014/main" xmlns="" id="{0C4664EC-C4B1-4D14-9ED3-14C6CCBFFC82}"/>
               </a:ext>
             </a:extLst>
           </p:cNvPr>
@@ -525,7 +523,7 @@
           <p:cNvPr id="6" name="Slide Number Placeholder 5">
             <a:extLst>
               <a:ext uri="{FF2B5EF4-FFF2-40B4-BE49-F238E27FC236}">
-                <a16:creationId xmlns="" xmlns:a16="http://schemas.microsoft.com/office/drawing/2014/main" id="{5FDF5526-E518-4133-9F44-D812576C1092}"/>
+                <a16:creationId xmlns:a16="http://schemas.microsoft.com/office/drawing/2014/main" xmlns="" id="{5FDF5526-E518-4133-9F44-D812576C1092}"/>
               </a:ext>
             </a:extLst>
           </p:cNvPr>
@@ -584,7 +582,7 @@
           <p:cNvPr id="2" name="Vertical Title 1">
             <a:extLst>
               <a:ext uri="{FF2B5EF4-FFF2-40B4-BE49-F238E27FC236}">
-                <a16:creationId xmlns="" xmlns:a16="http://schemas.microsoft.com/office/drawing/2014/main" id="{B5F62998-15B1-4CA8-8C60-7801001F8060}"/>
+                <a16:creationId xmlns:a16="http://schemas.microsoft.com/office/drawing/2014/main" xmlns="" id="{B5F62998-15B1-4CA8-8C60-7801001F8060}"/>
               </a:ext>
             </a:extLst>
           </p:cNvPr>
@@ -617,7 +615,7 @@
           <p:cNvPr id="3" name="Vertical Text Placeholder 2">
             <a:extLst>
               <a:ext uri="{FF2B5EF4-FFF2-40B4-BE49-F238E27FC236}">
-                <a16:creationId xmlns="" xmlns:a16="http://schemas.microsoft.com/office/drawing/2014/main" id="{111AE278-0885-4594-AB09-120344C7D882}"/>
+                <a16:creationId xmlns:a16="http://schemas.microsoft.com/office/drawing/2014/main" xmlns="" id="{111AE278-0885-4594-AB09-120344C7D882}"/>
               </a:ext>
             </a:extLst>
           </p:cNvPr>
@@ -679,7 +677,7 @@
           <p:cNvPr id="4" name="Date Placeholder 3">
             <a:extLst>
               <a:ext uri="{FF2B5EF4-FFF2-40B4-BE49-F238E27FC236}">
-                <a16:creationId xmlns="" xmlns:a16="http://schemas.microsoft.com/office/drawing/2014/main" id="{85B850CC-FB43-4988-8D4E-9C54C20185B4}"/>
+                <a16:creationId xmlns:a16="http://schemas.microsoft.com/office/drawing/2014/main" xmlns="" id="{85B850CC-FB43-4988-8D4E-9C54C20185B4}"/>
               </a:ext>
             </a:extLst>
           </p:cNvPr>
@@ -708,7 +706,7 @@
           <p:cNvPr id="5" name="Footer Placeholder 4">
             <a:extLst>
               <a:ext uri="{FF2B5EF4-FFF2-40B4-BE49-F238E27FC236}">
-                <a16:creationId xmlns="" xmlns:a16="http://schemas.microsoft.com/office/drawing/2014/main" id="{47A70300-3853-4FB4-A084-CF6E5CF2BDEB}"/>
+                <a16:creationId xmlns:a16="http://schemas.microsoft.com/office/drawing/2014/main" xmlns="" id="{47A70300-3853-4FB4-A084-CF6E5CF2BDEB}"/>
               </a:ext>
             </a:extLst>
           </p:cNvPr>
@@ -733,7 +731,7 @@
           <p:cNvPr id="6" name="Slide Number Placeholder 5">
             <a:extLst>
               <a:ext uri="{FF2B5EF4-FFF2-40B4-BE49-F238E27FC236}">
-                <a16:creationId xmlns="" xmlns:a16="http://schemas.microsoft.com/office/drawing/2014/main" id="{B7DBAFB0-25AA-4B69-8418-418F47A92700}"/>
+                <a16:creationId xmlns:a16="http://schemas.microsoft.com/office/drawing/2014/main" xmlns="" id="{B7DBAFB0-25AA-4B69-8418-418F47A92700}"/>
               </a:ext>
             </a:extLst>
           </p:cNvPr>
@@ -792,7 +790,7 @@
           <p:cNvPr id="2" name="Title 1">
             <a:extLst>
               <a:ext uri="{FF2B5EF4-FFF2-40B4-BE49-F238E27FC236}">
-                <a16:creationId xmlns="" xmlns:a16="http://schemas.microsoft.com/office/drawing/2014/main" id="{CAFE0F35-0AE7-48AB-9005-F1DB4BD0B473}"/>
+                <a16:creationId xmlns:a16="http://schemas.microsoft.com/office/drawing/2014/main" xmlns="" id="{CAFE0F35-0AE7-48AB-9005-F1DB4BD0B473}"/>
               </a:ext>
             </a:extLst>
           </p:cNvPr>
@@ -820,7 +818,7 @@
           <p:cNvPr id="3" name="Content Placeholder 2">
             <a:extLst>
               <a:ext uri="{FF2B5EF4-FFF2-40B4-BE49-F238E27FC236}">
-                <a16:creationId xmlns="" xmlns:a16="http://schemas.microsoft.com/office/drawing/2014/main" id="{4DDD4022-C31F-4C4C-B5BF-5F9730C08A00}"/>
+                <a16:creationId xmlns:a16="http://schemas.microsoft.com/office/drawing/2014/main" xmlns="" id="{4DDD4022-C31F-4C4C-B5BF-5F9730C08A00}"/>
               </a:ext>
             </a:extLst>
           </p:cNvPr>
@@ -877,7 +875,7 @@
           <p:cNvPr id="4" name="Date Placeholder 3">
             <a:extLst>
               <a:ext uri="{FF2B5EF4-FFF2-40B4-BE49-F238E27FC236}">
-                <a16:creationId xmlns="" xmlns:a16="http://schemas.microsoft.com/office/drawing/2014/main" id="{99A45EE9-11D3-436C-9D73-1AA6CCDB165F}"/>
+                <a16:creationId xmlns:a16="http://schemas.microsoft.com/office/drawing/2014/main" xmlns="" id="{99A45EE9-11D3-436C-9D73-1AA6CCDB165F}"/>
               </a:ext>
             </a:extLst>
           </p:cNvPr>
@@ -906,7 +904,7 @@
           <p:cNvPr id="5" name="Footer Placeholder 4">
             <a:extLst>
               <a:ext uri="{FF2B5EF4-FFF2-40B4-BE49-F238E27FC236}">
-                <a16:creationId xmlns="" xmlns:a16="http://schemas.microsoft.com/office/drawing/2014/main" id="{92817DCF-881F-4956-81AE-A6D27A88F4B6}"/>
+                <a16:creationId xmlns:a16="http://schemas.microsoft.com/office/drawing/2014/main" xmlns="" id="{92817DCF-881F-4956-81AE-A6D27A88F4B6}"/>
               </a:ext>
             </a:extLst>
           </p:cNvPr>
@@ -931,7 +929,7 @@
           <p:cNvPr id="6" name="Slide Number Placeholder 5">
             <a:extLst>
               <a:ext uri="{FF2B5EF4-FFF2-40B4-BE49-F238E27FC236}">
-                <a16:creationId xmlns="" xmlns:a16="http://schemas.microsoft.com/office/drawing/2014/main" id="{0A265F17-AD75-4B7E-970D-5D4DBD5D170C}"/>
+                <a16:creationId xmlns:a16="http://schemas.microsoft.com/office/drawing/2014/main" xmlns="" id="{0A265F17-AD75-4B7E-970D-5D4DBD5D170C}"/>
               </a:ext>
             </a:extLst>
           </p:cNvPr>
@@ -990,7 +988,7 @@
           <p:cNvPr id="2" name="Title 1">
             <a:extLst>
               <a:ext uri="{FF2B5EF4-FFF2-40B4-BE49-F238E27FC236}">
-                <a16:creationId xmlns="" xmlns:a16="http://schemas.microsoft.com/office/drawing/2014/main" id="{A98C12CB-05D8-4D62-BDC5-812DB6DD04CD}"/>
+                <a16:creationId xmlns:a16="http://schemas.microsoft.com/office/drawing/2014/main" xmlns="" id="{A98C12CB-05D8-4D62-BDC5-812DB6DD04CD}"/>
               </a:ext>
             </a:extLst>
           </p:cNvPr>
@@ -1032,7 +1030,7 @@
           <p:cNvPr id="3" name="Text Placeholder 2">
             <a:extLst>
               <a:ext uri="{FF2B5EF4-FFF2-40B4-BE49-F238E27FC236}">
-                <a16:creationId xmlns="" xmlns:a16="http://schemas.microsoft.com/office/drawing/2014/main" id="{7C52F020-8516-4B9E-B455-5731ED6C9E9E}"/>
+                <a16:creationId xmlns:a16="http://schemas.microsoft.com/office/drawing/2014/main" xmlns="" id="{7C52F020-8516-4B9E-B455-5731ED6C9E9E}"/>
               </a:ext>
             </a:extLst>
           </p:cNvPr>
@@ -1157,7 +1155,7 @@
           <p:cNvPr id="4" name="Date Placeholder 3">
             <a:extLst>
               <a:ext uri="{FF2B5EF4-FFF2-40B4-BE49-F238E27FC236}">
-                <a16:creationId xmlns="" xmlns:a16="http://schemas.microsoft.com/office/drawing/2014/main" id="{7C822993-6E28-44BB-B983-095B476B801A}"/>
+                <a16:creationId xmlns:a16="http://schemas.microsoft.com/office/drawing/2014/main" xmlns="" id="{7C822993-6E28-44BB-B983-095B476B801A}"/>
               </a:ext>
             </a:extLst>
           </p:cNvPr>
@@ -1186,7 +1184,7 @@
           <p:cNvPr id="5" name="Footer Placeholder 4">
             <a:extLst>
               <a:ext uri="{FF2B5EF4-FFF2-40B4-BE49-F238E27FC236}">
-                <a16:creationId xmlns="" xmlns:a16="http://schemas.microsoft.com/office/drawing/2014/main" id="{FC909971-06C9-462B-81D9-BEF24C708A1C}"/>
+                <a16:creationId xmlns:a16="http://schemas.microsoft.com/office/drawing/2014/main" xmlns="" id="{FC909971-06C9-462B-81D9-BEF24C708A1C}"/>
               </a:ext>
             </a:extLst>
           </p:cNvPr>
@@ -1211,7 +1209,7 @@
           <p:cNvPr id="6" name="Slide Number Placeholder 5">
             <a:extLst>
               <a:ext uri="{FF2B5EF4-FFF2-40B4-BE49-F238E27FC236}">
-                <a16:creationId xmlns="" xmlns:a16="http://schemas.microsoft.com/office/drawing/2014/main" id="{CF9A076D-47C1-49CD-9A8B-956DB3FC31F7}"/>
+                <a16:creationId xmlns:a16="http://schemas.microsoft.com/office/drawing/2014/main" xmlns="" id="{CF9A076D-47C1-49CD-9A8B-956DB3FC31F7}"/>
               </a:ext>
             </a:extLst>
           </p:cNvPr>
@@ -1270,7 +1268,7 @@
           <p:cNvPr id="2" name="Title 1">
             <a:extLst>
               <a:ext uri="{FF2B5EF4-FFF2-40B4-BE49-F238E27FC236}">
-                <a16:creationId xmlns="" xmlns:a16="http://schemas.microsoft.com/office/drawing/2014/main" id="{A428DFBD-F5ED-455C-8AD0-97476A55E3D5}"/>
+                <a16:creationId xmlns:a16="http://schemas.microsoft.com/office/drawing/2014/main" xmlns="" id="{A428DFBD-F5ED-455C-8AD0-97476A55E3D5}"/>
               </a:ext>
             </a:extLst>
           </p:cNvPr>
@@ -1298,7 +1296,7 @@
           <p:cNvPr id="3" name="Content Placeholder 2">
             <a:extLst>
               <a:ext uri="{FF2B5EF4-FFF2-40B4-BE49-F238E27FC236}">
-                <a16:creationId xmlns="" xmlns:a16="http://schemas.microsoft.com/office/drawing/2014/main" id="{8C30E58C-F463-4D52-9225-9410133113A4}"/>
+                <a16:creationId xmlns:a16="http://schemas.microsoft.com/office/drawing/2014/main" xmlns="" id="{8C30E58C-F463-4D52-9225-9410133113A4}"/>
               </a:ext>
             </a:extLst>
           </p:cNvPr>
@@ -1360,7 +1358,7 @@
           <p:cNvPr id="4" name="Content Placeholder 3">
             <a:extLst>
               <a:ext uri="{FF2B5EF4-FFF2-40B4-BE49-F238E27FC236}">
-                <a16:creationId xmlns="" xmlns:a16="http://schemas.microsoft.com/office/drawing/2014/main" id="{6AF7BDB4-97FA-485D-A557-6F96692BAC9E}"/>
+                <a16:creationId xmlns:a16="http://schemas.microsoft.com/office/drawing/2014/main" xmlns="" id="{6AF7BDB4-97FA-485D-A557-6F96692BAC9E}"/>
               </a:ext>
             </a:extLst>
           </p:cNvPr>
@@ -1422,7 +1420,7 @@
           <p:cNvPr id="5" name="Date Placeholder 4">
             <a:extLst>
               <a:ext uri="{FF2B5EF4-FFF2-40B4-BE49-F238E27FC236}">
-                <a16:creationId xmlns="" xmlns:a16="http://schemas.microsoft.com/office/drawing/2014/main" id="{68C50007-C799-4117-8ACD-5EE980E63F17}"/>
+                <a16:creationId xmlns:a16="http://schemas.microsoft.com/office/drawing/2014/main" xmlns="" id="{68C50007-C799-4117-8ACD-5EE980E63F17}"/>
               </a:ext>
             </a:extLst>
           </p:cNvPr>
@@ -1451,7 +1449,7 @@
           <p:cNvPr id="6" name="Footer Placeholder 5">
             <a:extLst>
               <a:ext uri="{FF2B5EF4-FFF2-40B4-BE49-F238E27FC236}">
-                <a16:creationId xmlns="" xmlns:a16="http://schemas.microsoft.com/office/drawing/2014/main" id="{F24E8968-6BAD-4D5A-BF1D-911C7A39C1CE}"/>
+                <a16:creationId xmlns:a16="http://schemas.microsoft.com/office/drawing/2014/main" xmlns="" id="{F24E8968-6BAD-4D5A-BF1D-911C7A39C1CE}"/>
               </a:ext>
             </a:extLst>
           </p:cNvPr>
@@ -1476,7 +1474,7 @@
           <p:cNvPr id="7" name="Slide Number Placeholder 6">
             <a:extLst>
               <a:ext uri="{FF2B5EF4-FFF2-40B4-BE49-F238E27FC236}">
-                <a16:creationId xmlns="" xmlns:a16="http://schemas.microsoft.com/office/drawing/2014/main" id="{499D8C08-BF20-4D5E-9004-0C075C36D8A4}"/>
+                <a16:creationId xmlns:a16="http://schemas.microsoft.com/office/drawing/2014/main" xmlns="" id="{499D8C08-BF20-4D5E-9004-0C075C36D8A4}"/>
               </a:ext>
             </a:extLst>
           </p:cNvPr>
@@ -1535,7 +1533,7 @@
           <p:cNvPr id="3" name="Text Placeholder 2">
             <a:extLst>
               <a:ext uri="{FF2B5EF4-FFF2-40B4-BE49-F238E27FC236}">
-                <a16:creationId xmlns="" xmlns:a16="http://schemas.microsoft.com/office/drawing/2014/main" id="{82036E0D-26A5-455A-A8BD-70DA8BC03EB2}"/>
+                <a16:creationId xmlns:a16="http://schemas.microsoft.com/office/drawing/2014/main" xmlns="" id="{82036E0D-26A5-455A-A8BD-70DA8BC03EB2}"/>
               </a:ext>
             </a:extLst>
           </p:cNvPr>
@@ -1606,7 +1604,7 @@
           <p:cNvPr id="4" name="Content Placeholder 3">
             <a:extLst>
               <a:ext uri="{FF2B5EF4-FFF2-40B4-BE49-F238E27FC236}">
-                <a16:creationId xmlns="" xmlns:a16="http://schemas.microsoft.com/office/drawing/2014/main" id="{E7FD4EA0-094D-4056-9032-BFB44B40896B}"/>
+                <a16:creationId xmlns:a16="http://schemas.microsoft.com/office/drawing/2014/main" xmlns="" id="{E7FD4EA0-094D-4056-9032-BFB44B40896B}"/>
               </a:ext>
             </a:extLst>
           </p:cNvPr>
@@ -1668,7 +1666,7 @@
           <p:cNvPr id="5" name="Text Placeholder 4">
             <a:extLst>
               <a:ext uri="{FF2B5EF4-FFF2-40B4-BE49-F238E27FC236}">
-                <a16:creationId xmlns="" xmlns:a16="http://schemas.microsoft.com/office/drawing/2014/main" id="{5FC0CCE8-718F-4620-8B4A-C60EEA7B884D}"/>
+                <a16:creationId xmlns:a16="http://schemas.microsoft.com/office/drawing/2014/main" xmlns="" id="{5FC0CCE8-718F-4620-8B4A-C60EEA7B884D}"/>
               </a:ext>
             </a:extLst>
           </p:cNvPr>
@@ -1739,7 +1737,7 @@
           <p:cNvPr id="6" name="Content Placeholder 5">
             <a:extLst>
               <a:ext uri="{FF2B5EF4-FFF2-40B4-BE49-F238E27FC236}">
-                <a16:creationId xmlns="" xmlns:a16="http://schemas.microsoft.com/office/drawing/2014/main" id="{56CE86DF-0069-4D31-BDD3-A9A2F9B7B468}"/>
+                <a16:creationId xmlns:a16="http://schemas.microsoft.com/office/drawing/2014/main" xmlns="" id="{56CE86DF-0069-4D31-BDD3-A9A2F9B7B468}"/>
               </a:ext>
             </a:extLst>
           </p:cNvPr>
@@ -1801,7 +1799,7 @@
           <p:cNvPr id="7" name="Date Placeholder 6">
             <a:extLst>
               <a:ext uri="{FF2B5EF4-FFF2-40B4-BE49-F238E27FC236}">
-                <a16:creationId xmlns="" xmlns:a16="http://schemas.microsoft.com/office/drawing/2014/main" id="{21A5ED06-FE54-4B86-A8D4-07D0EB08C3AB}"/>
+                <a16:creationId xmlns:a16="http://schemas.microsoft.com/office/drawing/2014/main" xmlns="" id="{21A5ED06-FE54-4B86-A8D4-07D0EB08C3AB}"/>
               </a:ext>
             </a:extLst>
           </p:cNvPr>
@@ -1830,7 +1828,7 @@
           <p:cNvPr id="8" name="Footer Placeholder 7">
             <a:extLst>
               <a:ext uri="{FF2B5EF4-FFF2-40B4-BE49-F238E27FC236}">
-                <a16:creationId xmlns="" xmlns:a16="http://schemas.microsoft.com/office/drawing/2014/main" id="{CE9EC6C3-0950-4AFE-936A-9AB5D227844D}"/>
+                <a16:creationId xmlns:a16="http://schemas.microsoft.com/office/drawing/2014/main" xmlns="" id="{CE9EC6C3-0950-4AFE-936A-9AB5D227844D}"/>
               </a:ext>
             </a:extLst>
           </p:cNvPr>
@@ -1855,7 +1853,7 @@
           <p:cNvPr id="9" name="Slide Number Placeholder 8">
             <a:extLst>
               <a:ext uri="{FF2B5EF4-FFF2-40B4-BE49-F238E27FC236}">
-                <a16:creationId xmlns="" xmlns:a16="http://schemas.microsoft.com/office/drawing/2014/main" id="{6784B1D1-BE0C-48F4-BC74-90675A0F07CF}"/>
+                <a16:creationId xmlns:a16="http://schemas.microsoft.com/office/drawing/2014/main" xmlns="" id="{6784B1D1-BE0C-48F4-BC74-90675A0F07CF}"/>
               </a:ext>
             </a:extLst>
           </p:cNvPr>
@@ -1884,7 +1882,7 @@
           <p:cNvPr id="10" name="Title 9">
             <a:extLst>
               <a:ext uri="{FF2B5EF4-FFF2-40B4-BE49-F238E27FC236}">
-                <a16:creationId xmlns="" xmlns:a16="http://schemas.microsoft.com/office/drawing/2014/main" id="{2D453288-3D76-40C1-BE00-223AB28F13DF}"/>
+                <a16:creationId xmlns:a16="http://schemas.microsoft.com/office/drawing/2014/main" xmlns="" id="{2D453288-3D76-40C1-BE00-223AB28F13DF}"/>
               </a:ext>
             </a:extLst>
           </p:cNvPr>
@@ -1942,7 +1940,7 @@
           <p:cNvPr id="2" name="Title 1">
             <a:extLst>
               <a:ext uri="{FF2B5EF4-FFF2-40B4-BE49-F238E27FC236}">
-                <a16:creationId xmlns="" xmlns:a16="http://schemas.microsoft.com/office/drawing/2014/main" id="{003B1716-24B0-42CD-95B6-843092597B29}"/>
+                <a16:creationId xmlns:a16="http://schemas.microsoft.com/office/drawing/2014/main" xmlns="" id="{003B1716-24B0-42CD-95B6-843092597B29}"/>
               </a:ext>
             </a:extLst>
           </p:cNvPr>
@@ -1970,7 +1968,7 @@
           <p:cNvPr id="3" name="Date Placeholder 2">
             <a:extLst>
               <a:ext uri="{FF2B5EF4-FFF2-40B4-BE49-F238E27FC236}">
-                <a16:creationId xmlns="" xmlns:a16="http://schemas.microsoft.com/office/drawing/2014/main" id="{F9E3617E-4B11-481F-AC6E-00031790294A}"/>
+                <a16:creationId xmlns:a16="http://schemas.microsoft.com/office/drawing/2014/main" xmlns="" id="{F9E3617E-4B11-481F-AC6E-00031790294A}"/>
               </a:ext>
             </a:extLst>
           </p:cNvPr>
@@ -1999,7 +1997,7 @@
           <p:cNvPr id="4" name="Footer Placeholder 3">
             <a:extLst>
               <a:ext uri="{FF2B5EF4-FFF2-40B4-BE49-F238E27FC236}">
-                <a16:creationId xmlns="" xmlns:a16="http://schemas.microsoft.com/office/drawing/2014/main" id="{F6BF19CC-06D3-40E9-81B5-63B457B220CF}"/>
+                <a16:creationId xmlns:a16="http://schemas.microsoft.com/office/drawing/2014/main" xmlns="" id="{F6BF19CC-06D3-40E9-81B5-63B457B220CF}"/>
               </a:ext>
             </a:extLst>
           </p:cNvPr>
@@ -2024,7 +2022,7 @@
           <p:cNvPr id="5" name="Slide Number Placeholder 4">
             <a:extLst>
               <a:ext uri="{FF2B5EF4-FFF2-40B4-BE49-F238E27FC236}">
-                <a16:creationId xmlns="" xmlns:a16="http://schemas.microsoft.com/office/drawing/2014/main" id="{6AEFC312-3AA5-46F7-B701-3D9327A68DB7}"/>
+                <a16:creationId xmlns:a16="http://schemas.microsoft.com/office/drawing/2014/main" xmlns="" id="{6AEFC312-3AA5-46F7-B701-3D9327A68DB7}"/>
               </a:ext>
             </a:extLst>
           </p:cNvPr>
@@ -2083,7 +2081,7 @@
           <p:cNvPr id="2" name="Date Placeholder 1">
             <a:extLst>
               <a:ext uri="{FF2B5EF4-FFF2-40B4-BE49-F238E27FC236}">
-                <a16:creationId xmlns="" xmlns:a16="http://schemas.microsoft.com/office/drawing/2014/main" id="{B8C9E28E-1389-47AF-B3EB-22571417ACBE}"/>
+                <a16:creationId xmlns:a16="http://schemas.microsoft.com/office/drawing/2014/main" xmlns="" id="{B8C9E28E-1389-47AF-B3EB-22571417ACBE}"/>
               </a:ext>
             </a:extLst>
           </p:cNvPr>
@@ -2112,7 +2110,7 @@
           <p:cNvPr id="3" name="Footer Placeholder 2">
             <a:extLst>
               <a:ext uri="{FF2B5EF4-FFF2-40B4-BE49-F238E27FC236}">
-                <a16:creationId xmlns="" xmlns:a16="http://schemas.microsoft.com/office/drawing/2014/main" id="{BFCF6B08-1984-4F7C-9F6E-A4F47BDBA215}"/>
+                <a16:creationId xmlns:a16="http://schemas.microsoft.com/office/drawing/2014/main" xmlns="" id="{BFCF6B08-1984-4F7C-9F6E-A4F47BDBA215}"/>
               </a:ext>
             </a:extLst>
           </p:cNvPr>
@@ -2137,7 +2135,7 @@
           <p:cNvPr id="4" name="Slide Number Placeholder 3">
             <a:extLst>
               <a:ext uri="{FF2B5EF4-FFF2-40B4-BE49-F238E27FC236}">
-                <a16:creationId xmlns="" xmlns:a16="http://schemas.microsoft.com/office/drawing/2014/main" id="{7771B3C5-CEC7-427F-931C-1318C421BEF9}"/>
+                <a16:creationId xmlns:a16="http://schemas.microsoft.com/office/drawing/2014/main" xmlns="" id="{7771B3C5-CEC7-427F-931C-1318C421BEF9}"/>
               </a:ext>
             </a:extLst>
           </p:cNvPr>
@@ -2196,7 +2194,7 @@
           <p:cNvPr id="2" name="Title 1">
             <a:extLst>
               <a:ext uri="{FF2B5EF4-FFF2-40B4-BE49-F238E27FC236}">
-                <a16:creationId xmlns="" xmlns:a16="http://schemas.microsoft.com/office/drawing/2014/main" id="{EB4EB55F-536E-4547-A5D2-0483FC3684CD}"/>
+                <a16:creationId xmlns:a16="http://schemas.microsoft.com/office/drawing/2014/main" xmlns="" id="{EB4EB55F-536E-4547-A5D2-0483FC3684CD}"/>
               </a:ext>
             </a:extLst>
           </p:cNvPr>
@@ -2236,7 +2234,7 @@
           <p:cNvPr id="3" name="Content Placeholder 2">
             <a:extLst>
               <a:ext uri="{FF2B5EF4-FFF2-40B4-BE49-F238E27FC236}">
-                <a16:creationId xmlns="" xmlns:a16="http://schemas.microsoft.com/office/drawing/2014/main" id="{3D717D3C-533B-4EA9-886B-FAE59956C74C}"/>
+                <a16:creationId xmlns:a16="http://schemas.microsoft.com/office/drawing/2014/main" xmlns="" id="{3D717D3C-533B-4EA9-886B-FAE59956C74C}"/>
               </a:ext>
             </a:extLst>
           </p:cNvPr>
@@ -2328,7 +2326,7 @@
           <p:cNvPr id="4" name="Text Placeholder 3">
             <a:extLst>
               <a:ext uri="{FF2B5EF4-FFF2-40B4-BE49-F238E27FC236}">
-                <a16:creationId xmlns="" xmlns:a16="http://schemas.microsoft.com/office/drawing/2014/main" id="{2419D2E1-4B17-4608-961E-2C4719855E89}"/>
+                <a16:creationId xmlns:a16="http://schemas.microsoft.com/office/drawing/2014/main" xmlns="" id="{2419D2E1-4B17-4608-961E-2C4719855E89}"/>
               </a:ext>
             </a:extLst>
           </p:cNvPr>
@@ -2399,7 +2397,7 @@
           <p:cNvPr id="5" name="Date Placeholder 4">
             <a:extLst>
               <a:ext uri="{FF2B5EF4-FFF2-40B4-BE49-F238E27FC236}">
-                <a16:creationId xmlns="" xmlns:a16="http://schemas.microsoft.com/office/drawing/2014/main" id="{B75A3535-184C-438C-AE91-9C42B7C5AFB6}"/>
+                <a16:creationId xmlns:a16="http://schemas.microsoft.com/office/drawing/2014/main" xmlns="" id="{B75A3535-184C-438C-AE91-9C42B7C5AFB6}"/>
               </a:ext>
             </a:extLst>
           </p:cNvPr>
@@ -2428,7 +2426,7 @@
           <p:cNvPr id="6" name="Footer Placeholder 5">
             <a:extLst>
               <a:ext uri="{FF2B5EF4-FFF2-40B4-BE49-F238E27FC236}">
-                <a16:creationId xmlns="" xmlns:a16="http://schemas.microsoft.com/office/drawing/2014/main" id="{0DF6DBC3-4A58-42BA-9B55-A9A72510374C}"/>
+                <a16:creationId xmlns:a16="http://schemas.microsoft.com/office/drawing/2014/main" xmlns="" id="{0DF6DBC3-4A58-42BA-9B55-A9A72510374C}"/>
               </a:ext>
             </a:extLst>
           </p:cNvPr>
@@ -2453,7 +2451,7 @@
           <p:cNvPr id="7" name="Slide Number Placeholder 6">
             <a:extLst>
               <a:ext uri="{FF2B5EF4-FFF2-40B4-BE49-F238E27FC236}">
-                <a16:creationId xmlns="" xmlns:a16="http://schemas.microsoft.com/office/drawing/2014/main" id="{AD4E6563-0AB6-4038-A12B-A259552DB66C}"/>
+                <a16:creationId xmlns:a16="http://schemas.microsoft.com/office/drawing/2014/main" xmlns="" id="{AD4E6563-0AB6-4038-A12B-A259552DB66C}"/>
               </a:ext>
             </a:extLst>
           </p:cNvPr>
@@ -2512,7 +2510,7 @@
           <p:cNvPr id="2" name="Title 1">
             <a:extLst>
               <a:ext uri="{FF2B5EF4-FFF2-40B4-BE49-F238E27FC236}">
-                <a16:creationId xmlns="" xmlns:a16="http://schemas.microsoft.com/office/drawing/2014/main" id="{BE9702C5-1E3B-4C62-A538-59BB572864A0}"/>
+                <a16:creationId xmlns:a16="http://schemas.microsoft.com/office/drawing/2014/main" xmlns="" id="{BE9702C5-1E3B-4C62-A538-59BB572864A0}"/>
               </a:ext>
             </a:extLst>
           </p:cNvPr>
@@ -2549,7 +2547,7 @@
           <p:cNvPr id="3" name="Picture Placeholder 2">
             <a:extLst>
               <a:ext uri="{FF2B5EF4-FFF2-40B4-BE49-F238E27FC236}">
-                <a16:creationId xmlns="" xmlns:a16="http://schemas.microsoft.com/office/drawing/2014/main" id="{6E2CF574-95CE-4E60-B2CF-3B5B4F33A767}"/>
+                <a16:creationId xmlns:a16="http://schemas.microsoft.com/office/drawing/2014/main" xmlns="" id="{6E2CF574-95CE-4E60-B2CF-3B5B4F33A767}"/>
               </a:ext>
             </a:extLst>
           </p:cNvPr>
@@ -2619,7 +2617,7 @@
           <p:cNvPr id="4" name="Text Placeholder 3">
             <a:extLst>
               <a:ext uri="{FF2B5EF4-FFF2-40B4-BE49-F238E27FC236}">
-                <a16:creationId xmlns="" xmlns:a16="http://schemas.microsoft.com/office/drawing/2014/main" id="{6D039F7C-C735-4356-8B04-89E19047950C}"/>
+                <a16:creationId xmlns:a16="http://schemas.microsoft.com/office/drawing/2014/main" xmlns="" id="{6D039F7C-C735-4356-8B04-89E19047950C}"/>
               </a:ext>
             </a:extLst>
           </p:cNvPr>
@@ -2690,7 +2688,7 @@
           <p:cNvPr id="5" name="Date Placeholder 4">
             <a:extLst>
               <a:ext uri="{FF2B5EF4-FFF2-40B4-BE49-F238E27FC236}">
-                <a16:creationId xmlns="" xmlns:a16="http://schemas.microsoft.com/office/drawing/2014/main" id="{45E706DF-52A3-4F34-9BF5-E1ACD5D54283}"/>
+                <a16:creationId xmlns:a16="http://schemas.microsoft.com/office/drawing/2014/main" xmlns="" id="{45E706DF-52A3-4F34-9BF5-E1ACD5D54283}"/>
               </a:ext>
             </a:extLst>
           </p:cNvPr>
@@ -2719,7 +2717,7 @@
           <p:cNvPr id="6" name="Footer Placeholder 5">
             <a:extLst>
               <a:ext uri="{FF2B5EF4-FFF2-40B4-BE49-F238E27FC236}">
-                <a16:creationId xmlns="" xmlns:a16="http://schemas.microsoft.com/office/drawing/2014/main" id="{BFB25E53-E72E-4110-BB6B-3477F56C3088}"/>
+                <a16:creationId xmlns:a16="http://schemas.microsoft.com/office/drawing/2014/main" xmlns="" id="{BFB25E53-E72E-4110-BB6B-3477F56C3088}"/>
               </a:ext>
             </a:extLst>
           </p:cNvPr>
@@ -2744,7 +2742,7 @@
           <p:cNvPr id="7" name="Slide Number Placeholder 6">
             <a:extLst>
               <a:ext uri="{FF2B5EF4-FFF2-40B4-BE49-F238E27FC236}">
-                <a16:creationId xmlns="" xmlns:a16="http://schemas.microsoft.com/office/drawing/2014/main" id="{A3686F8F-3D62-4CEC-AD9A-B70848E6A81C}"/>
+                <a16:creationId xmlns:a16="http://schemas.microsoft.com/office/drawing/2014/main" xmlns="" id="{A3686F8F-3D62-4CEC-AD9A-B70848E6A81C}"/>
               </a:ext>
             </a:extLst>
           </p:cNvPr>
@@ -2808,7 +2806,7 @@
           <p:cNvPr id="8" name="Rectangle 7">
             <a:extLst>
               <a:ext uri="{FF2B5EF4-FFF2-40B4-BE49-F238E27FC236}">
-                <a16:creationId xmlns="" xmlns:a16="http://schemas.microsoft.com/office/drawing/2014/main" id="{CCF2F3BB-127D-44BC-A8EF-A8BB5F5911CA}"/>
+                <a16:creationId xmlns:a16="http://schemas.microsoft.com/office/drawing/2014/main" xmlns="" id="{CCF2F3BB-127D-44BC-A8EF-A8BB5F5911CA}"/>
               </a:ext>
             </a:extLst>
           </p:cNvPr>
@@ -2872,7 +2870,7 @@
           <p:cNvPr id="10" name="Rectangle 9">
             <a:extLst>
               <a:ext uri="{FF2B5EF4-FFF2-40B4-BE49-F238E27FC236}">
-                <a16:creationId xmlns="" xmlns:a16="http://schemas.microsoft.com/office/drawing/2014/main" id="{010D1F30-F118-4A1F-A48F-7E5706959F64}"/>
+                <a16:creationId xmlns:a16="http://schemas.microsoft.com/office/drawing/2014/main" xmlns="" id="{010D1F30-F118-4A1F-A48F-7E5706959F64}"/>
               </a:ext>
             </a:extLst>
           </p:cNvPr>
@@ -2936,7 +2934,7 @@
           <p:cNvPr id="2" name="Title Placeholder 1">
             <a:extLst>
               <a:ext uri="{FF2B5EF4-FFF2-40B4-BE49-F238E27FC236}">
-                <a16:creationId xmlns="" xmlns:a16="http://schemas.microsoft.com/office/drawing/2014/main" id="{17AE890C-17CE-44C0-BDED-BA68F92A845D}"/>
+                <a16:creationId xmlns:a16="http://schemas.microsoft.com/office/drawing/2014/main" xmlns="" id="{17AE890C-17CE-44C0-BDED-BA68F92A845D}"/>
               </a:ext>
             </a:extLst>
           </p:cNvPr>
@@ -2974,7 +2972,7 @@
           <p:cNvPr id="3" name="Text Placeholder 2">
             <a:extLst>
               <a:ext uri="{FF2B5EF4-FFF2-40B4-BE49-F238E27FC236}">
-                <a16:creationId xmlns="" xmlns:a16="http://schemas.microsoft.com/office/drawing/2014/main" id="{47910A6E-46D1-42CF-996C-2207737FB871}"/>
+                <a16:creationId xmlns:a16="http://schemas.microsoft.com/office/drawing/2014/main" xmlns="" id="{47910A6E-46D1-42CF-996C-2207737FB871}"/>
               </a:ext>
             </a:extLst>
           </p:cNvPr>
@@ -3041,7 +3039,7 @@
           <p:cNvPr id="4" name="Date Placeholder 3">
             <a:extLst>
               <a:ext uri="{FF2B5EF4-FFF2-40B4-BE49-F238E27FC236}">
-                <a16:creationId xmlns="" xmlns:a16="http://schemas.microsoft.com/office/drawing/2014/main" id="{D85B5247-D236-462B-BCE0-2A24DF75B085}"/>
+                <a16:creationId xmlns:a16="http://schemas.microsoft.com/office/drawing/2014/main" xmlns="" id="{D85B5247-D236-462B-BCE0-2A24DF75B085}"/>
               </a:ext>
             </a:extLst>
           </p:cNvPr>
@@ -3087,7 +3085,7 @@
           <p:cNvPr id="5" name="Footer Placeholder 4">
             <a:extLst>
               <a:ext uri="{FF2B5EF4-FFF2-40B4-BE49-F238E27FC236}">
-                <a16:creationId xmlns="" xmlns:a16="http://schemas.microsoft.com/office/drawing/2014/main" id="{19155C58-7DDF-4CD4-96AD-F9CC844D84CC}"/>
+                <a16:creationId xmlns:a16="http://schemas.microsoft.com/office/drawing/2014/main" xmlns="" id="{19155C58-7DDF-4CD4-96AD-F9CC844D84CC}"/>
               </a:ext>
             </a:extLst>
           </p:cNvPr>
@@ -3130,7 +3128,7 @@
           <p:cNvPr id="6" name="Slide Number Placeholder 5">
             <a:extLst>
               <a:ext uri="{FF2B5EF4-FFF2-40B4-BE49-F238E27FC236}">
-                <a16:creationId xmlns="" xmlns:a16="http://schemas.microsoft.com/office/drawing/2014/main" id="{6F495647-A849-45D9-BC71-46A12E6DE479}"/>
+                <a16:creationId xmlns:a16="http://schemas.microsoft.com/office/drawing/2014/main" xmlns="" id="{6F495647-A849-45D9-BC71-46A12E6DE479}"/>
               </a:ext>
             </a:extLst>
           </p:cNvPr>
@@ -3506,10 +3504,10 @@
           <p:cNvPr id="8" name="Rectangle 7">
             <a:extLst>
               <a:ext uri="{FF2B5EF4-FFF2-40B4-BE49-F238E27FC236}">
-                <a16:creationId xmlns="" xmlns:a16="http://schemas.microsoft.com/office/drawing/2014/main" id="{7404E292-5FAB-47E8-A663-A07530CED8FF}"/>
+                <a16:creationId xmlns:a16="http://schemas.microsoft.com/office/drawing/2014/main" xmlns="" id="{7404E292-5FAB-47E8-A663-A07530CED8FF}"/>
               </a:ext>
               <a:ext uri="{C183D7F6-B498-43B3-948B-1728B52AA6E4}">
-                <adec:decorative xmlns="" xmlns:adec="http://schemas.microsoft.com/office/drawing/2017/decorative" val="1"/>
+                <adec:decorative xmlns:adec="http://schemas.microsoft.com/office/drawing/2017/decorative" xmlns="" val="1"/>
               </a:ext>
             </a:extLst>
           </p:cNvPr>
@@ -3519,7 +3517,7 @@
           <p:nvPr>
             <p:extLst>
               <p:ext uri="{386F3935-93C4-4BCD-93E2-E3B085C9AB24}">
-                <p16:designElem xmlns="" xmlns:p16="http://schemas.microsoft.com/office/powerpoint/2015/main" val="1"/>
+                <p16:designElem xmlns:p16="http://schemas.microsoft.com/office/powerpoint/2015/main" xmlns="" val="1"/>
               </p:ext>
             </p:extLst>
           </p:nvPr>
@@ -3582,10 +3580,10 @@
           <p:cNvPr id="10" name="Rectangle 9">
             <a:extLst>
               <a:ext uri="{FF2B5EF4-FFF2-40B4-BE49-F238E27FC236}">
-                <a16:creationId xmlns="" xmlns:a16="http://schemas.microsoft.com/office/drawing/2014/main" id="{D80FF8ED-64CE-400C-A4D5-9F943FC264DE}"/>
+                <a16:creationId xmlns:a16="http://schemas.microsoft.com/office/drawing/2014/main" xmlns="" id="{D80FF8ED-64CE-400C-A4D5-9F943FC264DE}"/>
               </a:ext>
               <a:ext uri="{C183D7F6-B498-43B3-948B-1728B52AA6E4}">
-                <adec:decorative xmlns="" xmlns:adec="http://schemas.microsoft.com/office/drawing/2017/decorative" val="1"/>
+                <adec:decorative xmlns:adec="http://schemas.microsoft.com/office/drawing/2017/decorative" xmlns="" val="1"/>
               </a:ext>
             </a:extLst>
           </p:cNvPr>
@@ -3595,7 +3593,7 @@
           <p:nvPr>
             <p:extLst>
               <p:ext uri="{386F3935-93C4-4BCD-93E2-E3B085C9AB24}">
-                <p16:designElem xmlns="" xmlns:p16="http://schemas.microsoft.com/office/powerpoint/2015/main" val="1"/>
+                <p16:designElem xmlns:p16="http://schemas.microsoft.com/office/powerpoint/2015/main" xmlns="" val="1"/>
               </p:ext>
             </p:extLst>
           </p:nvPr>
@@ -3658,10 +3656,10 @@
           <p:cNvPr id="12" name="Rectangle 11">
             <a:extLst>
               <a:ext uri="{FF2B5EF4-FFF2-40B4-BE49-F238E27FC236}">
-                <a16:creationId xmlns="" xmlns:a16="http://schemas.microsoft.com/office/drawing/2014/main" id="{568868AD-100D-45F3-B11E-8A2936712B9E}"/>
+                <a16:creationId xmlns:a16="http://schemas.microsoft.com/office/drawing/2014/main" xmlns="" id="{568868AD-100D-45F3-B11E-8A2936712B9E}"/>
               </a:ext>
               <a:ext uri="{C183D7F6-B498-43B3-948B-1728B52AA6E4}">
-                <adec:decorative xmlns="" xmlns:adec="http://schemas.microsoft.com/office/drawing/2017/decorative" val="1"/>
+                <adec:decorative xmlns:adec="http://schemas.microsoft.com/office/drawing/2017/decorative" xmlns="" val="1"/>
               </a:ext>
             </a:extLst>
           </p:cNvPr>
@@ -3671,7 +3669,7 @@
           <p:nvPr>
             <p:extLst>
               <p:ext uri="{386F3935-93C4-4BCD-93E2-E3B085C9AB24}">
-                <p16:designElem xmlns="" xmlns:p16="http://schemas.microsoft.com/office/powerpoint/2015/main" val="1"/>
+                <p16:designElem xmlns:p16="http://schemas.microsoft.com/office/powerpoint/2015/main" xmlns="" val="1"/>
               </p:ext>
             </p:extLst>
           </p:nvPr>
@@ -3733,10 +3731,10 @@
           <p:cNvPr id="14" name="Rectangle 13">
             <a:extLst>
               <a:ext uri="{FF2B5EF4-FFF2-40B4-BE49-F238E27FC236}">
-                <a16:creationId xmlns="" xmlns:a16="http://schemas.microsoft.com/office/drawing/2014/main" id="{714742CC-05F9-44AC-AF98-AB6EF810E47D}"/>
+                <a16:creationId xmlns:a16="http://schemas.microsoft.com/office/drawing/2014/main" xmlns="" id="{714742CC-05F9-44AC-AF98-AB6EF810E47D}"/>
               </a:ext>
               <a:ext uri="{C183D7F6-B498-43B3-948B-1728B52AA6E4}">
-                <adec:decorative xmlns="" xmlns:adec="http://schemas.microsoft.com/office/drawing/2017/decorative" val="1"/>
+                <adec:decorative xmlns:adec="http://schemas.microsoft.com/office/drawing/2017/decorative" xmlns="" val="1"/>
               </a:ext>
             </a:extLst>
           </p:cNvPr>
@@ -3746,7 +3744,7 @@
           <p:nvPr>
             <p:extLst>
               <p:ext uri="{386F3935-93C4-4BCD-93E2-E3B085C9AB24}">
-                <p16:designElem xmlns="" xmlns:p16="http://schemas.microsoft.com/office/powerpoint/2015/main" val="1"/>
+                <p16:designElem xmlns:p16="http://schemas.microsoft.com/office/powerpoint/2015/main" xmlns="" val="1"/>
               </p:ext>
             </p:extLst>
           </p:nvPr>
@@ -3808,10 +3806,10 @@
           <p:cNvPr id="16" name="Freeform: Shape 13">
             <a:extLst>
               <a:ext uri="{FF2B5EF4-FFF2-40B4-BE49-F238E27FC236}">
-                <a16:creationId xmlns="" xmlns:a16="http://schemas.microsoft.com/office/drawing/2014/main" id="{853C77DB-C7E3-4B1F-9AD0-1EB2982A8659}"/>
+                <a16:creationId xmlns:a16="http://schemas.microsoft.com/office/drawing/2014/main" xmlns="" id="{853C77DB-C7E3-4B1F-9AD0-1EB2982A8659}"/>
               </a:ext>
               <a:ext uri="{C183D7F6-B498-43B3-948B-1728B52AA6E4}">
-                <adec:decorative xmlns="" xmlns:adec="http://schemas.microsoft.com/office/drawing/2017/decorative" val="1"/>
+                <adec:decorative xmlns:adec="http://schemas.microsoft.com/office/drawing/2017/decorative" xmlns="" val="1"/>
               </a:ext>
             </a:extLst>
           </p:cNvPr>
@@ -3821,7 +3819,7 @@
           <p:nvPr>
             <p:extLst>
               <p:ext uri="{386F3935-93C4-4BCD-93E2-E3B085C9AB24}">
-                <p16:designElem xmlns="" xmlns:p16="http://schemas.microsoft.com/office/powerpoint/2015/main" val="1"/>
+                <p16:designElem xmlns:p16="http://schemas.microsoft.com/office/powerpoint/2015/main" xmlns="" val="1"/>
               </p:ext>
             </p:extLst>
           </p:nvPr>
@@ -4110,17 +4108,19 @@
       </p:grpSpPr>
       <p:pic>
         <p:nvPicPr>
-          <p:cNvPr id="5" name="Picture 5" descr="Text&#10;&#10;Description automatically generated">
-            <a:extLst>
-              <a:ext uri="{FF2B5EF4-FFF2-40B4-BE49-F238E27FC236}">
-                <a16:creationId xmlns="" xmlns:a16="http://schemas.microsoft.com/office/drawing/2014/main" id="{363C35EF-5BD8-88BF-164A-911A69757537}"/>
+          <p:cNvPr id="4" name="Picture 4" descr="Text&#10;&#10;Description automatically generated">
+            <a:extLst>
+              <a:ext uri="{FF2B5EF4-FFF2-40B4-BE49-F238E27FC236}">
+                <a16:creationId xmlns:a16="http://schemas.microsoft.com/office/drawing/2014/main" xmlns="" id="{49DDA279-7ABD-D806-76A3-E613E50A7E20}"/>
               </a:ext>
             </a:extLst>
           </p:cNvPr>
           <p:cNvPicPr>
-            <a:picLocks noChangeAspect="1"/>
+            <a:picLocks noGrp="1" noChangeAspect="1"/>
           </p:cNvPicPr>
-          <p:nvPr/>
+          <p:nvPr>
+            <p:ph idx="1"/>
+          </p:nvPr>
         </p:nvPicPr>
         <p:blipFill>
           <a:blip r:embed="rId2"/>
@@ -4130,118 +4130,15 @@
         </p:blipFill>
         <p:spPr>
           <a:xfrm>
-            <a:off x="350234" y="2809128"/>
-            <a:ext cx="6130886" cy="1662954"/>
+            <a:off x="3798650" y="331055"/>
+            <a:ext cx="5393989" cy="5878122"/>
           </a:xfrm>
-          <a:prstGeom prst="rect">
-            <a:avLst/>
-          </a:prstGeom>
         </p:spPr>
       </p:pic>
-      <p:pic>
-        <p:nvPicPr>
-          <p:cNvPr id="6" name="Picture 6" descr="Text&#10;&#10;Description automatically generated">
-            <a:extLst>
-              <a:ext uri="{FF2B5EF4-FFF2-40B4-BE49-F238E27FC236}">
-                <a16:creationId xmlns="" xmlns:a16="http://schemas.microsoft.com/office/drawing/2014/main" id="{496D1DA3-A8B1-7233-188D-6E7C448DC4DB}"/>
-              </a:ext>
-            </a:extLst>
-          </p:cNvPr>
-          <p:cNvPicPr>
-            <a:picLocks noChangeAspect="1"/>
-          </p:cNvPicPr>
-          <p:nvPr/>
-        </p:nvPicPr>
-        <p:blipFill>
-          <a:blip r:embed="rId3"/>
-          <a:stretch>
-            <a:fillRect/>
-          </a:stretch>
-        </p:blipFill>
-        <p:spPr>
-          <a:xfrm>
-            <a:off x="351546" y="1255096"/>
-            <a:ext cx="6130886" cy="1229689"/>
-          </a:xfrm>
-          <a:prstGeom prst="rect">
-            <a:avLst/>
-          </a:prstGeom>
-        </p:spPr>
-      </p:pic>
-      <p:pic>
-        <p:nvPicPr>
-          <p:cNvPr id="7" name="Picture 7" descr="Text&#10;&#10;Description automatically generated">
-            <a:extLst>
-              <a:ext uri="{FF2B5EF4-FFF2-40B4-BE49-F238E27FC236}">
-                <a16:creationId xmlns="" xmlns:a16="http://schemas.microsoft.com/office/drawing/2014/main" id="{3F3D87DA-7C4D-608A-9A29-DA3C6CC7E2A0}"/>
-              </a:ext>
-            </a:extLst>
-          </p:cNvPr>
-          <p:cNvPicPr>
-            <a:picLocks noChangeAspect="1"/>
-          </p:cNvPicPr>
-          <p:nvPr/>
-        </p:nvPicPr>
-        <p:blipFill>
-          <a:blip r:embed="rId4"/>
-          <a:stretch>
-            <a:fillRect/>
-          </a:stretch>
-        </p:blipFill>
-        <p:spPr>
-          <a:xfrm>
-            <a:off x="7670079" y="460003"/>
-            <a:ext cx="3844886" cy="5641542"/>
-          </a:xfrm>
-          <a:prstGeom prst="rect">
-            <a:avLst/>
-          </a:prstGeom>
-        </p:spPr>
-      </p:pic>
-      <p:sp>
-        <p:nvSpPr>
-          <p:cNvPr id="8" name="TextBox 7">
-            <a:extLst>
-              <a:ext uri="{FF2B5EF4-FFF2-40B4-BE49-F238E27FC236}">
-                <a16:creationId xmlns="" xmlns:a16="http://schemas.microsoft.com/office/drawing/2014/main" id="{F4743DF9-7AA2-F7C1-35DF-7223C7F53B2C}"/>
-              </a:ext>
-            </a:extLst>
-          </p:cNvPr>
-          <p:cNvSpPr txBox="1"/>
-          <p:nvPr/>
-        </p:nvSpPr>
-        <p:spPr>
-          <a:xfrm>
-            <a:off x="95508" y="120089"/>
-            <a:ext cx="884903" cy="369332"/>
-          </a:xfrm>
-          <a:prstGeom prst="rect">
-            <a:avLst/>
-          </a:prstGeom>
-          <a:noFill/>
-        </p:spPr>
-        <p:txBody>
-          <a:bodyPr rot="0" spcFirstLastPara="0" vertOverflow="overflow" horzOverflow="overflow" vert="horz" wrap="square" lIns="91440" tIns="45720" rIns="91440" bIns="45720" numCol="1" spcCol="0" rtlCol="0" fromWordArt="0" anchor="t" anchorCtr="0" forceAA="0" compatLnSpc="1">
-            <a:prstTxWarp prst="textNoShape">
-              <a:avLst/>
-            </a:prstTxWarp>
-            <a:spAutoFit/>
-          </a:bodyPr>
-          <a:lstStyle/>
-          <a:p>
-            <a:pPr algn="l"/>
-            <a:r>
-              <a:rPr lang="ko-KR" altLang="en-US"/>
-              <a:t>유상우</a:t>
-            </a:r>
-            <a:endParaRPr lang="en-US"/>
-          </a:p>
-        </p:txBody>
-      </p:sp>
     </p:spTree>
     <p:extLst>
       <p:ext uri="{BB962C8B-B14F-4D97-AF65-F5344CB8AC3E}">
-        <p14:creationId xmlns:p14="http://schemas.microsoft.com/office/powerpoint/2010/main" val="1145704232"/>
+        <p14:creationId xmlns:p14="http://schemas.microsoft.com/office/powerpoint/2010/main" val="3854151561"/>
       </p:ext>
     </p:extLst>
   </p:cSld>
@@ -4255,362 +4152,6 @@
       </p:par>
     </p:tnLst>
   </p:timing>
-</p:sld>
-</file>
-
-<file path=ppt/slides/slide11.xml><?xml version="1.0" encoding="utf-8"?>
-<p:sld xmlns:a="http://schemas.openxmlformats.org/drawingml/2006/main" xmlns:r="http://schemas.openxmlformats.org/officeDocument/2006/relationships" xmlns:p="http://schemas.openxmlformats.org/presentationml/2006/main">
-  <p:cSld>
-    <p:spTree>
-      <p:nvGrpSpPr>
-        <p:cNvPr id="1" name=""/>
-        <p:cNvGrpSpPr/>
-        <p:nvPr/>
-      </p:nvGrpSpPr>
-      <p:grpSpPr>
-        <a:xfrm>
-          <a:off x="0" y="0"/>
-          <a:ext cx="0" cy="0"/>
-          <a:chOff x="0" y="0"/>
-          <a:chExt cx="0" cy="0"/>
-        </a:xfrm>
-      </p:grpSpPr>
-      <p:pic>
-        <p:nvPicPr>
-          <p:cNvPr id="4" name="Picture 4" descr="Text&#10;&#10;Description automatically generated">
-            <a:extLst>
-              <a:ext uri="{FF2B5EF4-FFF2-40B4-BE49-F238E27FC236}">
-                <a16:creationId xmlns="" xmlns:a16="http://schemas.microsoft.com/office/drawing/2014/main" id="{381AACF7-D288-F69D-5AE7-121807113724}"/>
-              </a:ext>
-            </a:extLst>
-          </p:cNvPr>
-          <p:cNvPicPr>
-            <a:picLocks noChangeAspect="1"/>
-          </p:cNvPicPr>
-          <p:nvPr/>
-        </p:nvPicPr>
-        <p:blipFill>
-          <a:blip r:embed="rId2"/>
-          <a:stretch>
-            <a:fillRect/>
-          </a:stretch>
-        </p:blipFill>
-        <p:spPr>
-          <a:xfrm>
-            <a:off x="1895553" y="1295489"/>
-            <a:ext cx="5341344" cy="1683094"/>
-          </a:xfrm>
-          <a:prstGeom prst="rect">
-            <a:avLst/>
-          </a:prstGeom>
-        </p:spPr>
-      </p:pic>
-      <p:pic>
-        <p:nvPicPr>
-          <p:cNvPr id="5" name="Picture 5" descr="Graphical user interface, text, application, chat or text message&#10;&#10;Description automatically generated">
-            <a:extLst>
-              <a:ext uri="{FF2B5EF4-FFF2-40B4-BE49-F238E27FC236}">
-                <a16:creationId xmlns="" xmlns:a16="http://schemas.microsoft.com/office/drawing/2014/main" id="{76C5D30F-7ED6-B980-483B-9FCAAADC154C}"/>
-              </a:ext>
-            </a:extLst>
-          </p:cNvPr>
-          <p:cNvPicPr>
-            <a:picLocks noChangeAspect="1"/>
-          </p:cNvPicPr>
-          <p:nvPr/>
-        </p:nvPicPr>
-        <p:blipFill>
-          <a:blip r:embed="rId3"/>
-          <a:stretch>
-            <a:fillRect/>
-          </a:stretch>
-        </p:blipFill>
-        <p:spPr>
-          <a:xfrm>
-            <a:off x="1892147" y="3217545"/>
-            <a:ext cx="7094862" cy="2678701"/>
-          </a:xfrm>
-          <a:prstGeom prst="rect">
-            <a:avLst/>
-          </a:prstGeom>
-        </p:spPr>
-      </p:pic>
-      <p:sp>
-        <p:nvSpPr>
-          <p:cNvPr id="6" name="TextBox 5">
-            <a:extLst>
-              <a:ext uri="{FF2B5EF4-FFF2-40B4-BE49-F238E27FC236}">
-                <a16:creationId xmlns="" xmlns:a16="http://schemas.microsoft.com/office/drawing/2014/main" id="{91D0726D-D52F-8F04-BB62-98116A02A537}"/>
-              </a:ext>
-            </a:extLst>
-          </p:cNvPr>
-          <p:cNvSpPr txBox="1"/>
-          <p:nvPr/>
-        </p:nvSpPr>
-        <p:spPr>
-          <a:xfrm>
-            <a:off x="54490" y="84847"/>
-            <a:ext cx="1081550" cy="369332"/>
-          </a:xfrm>
-          <a:prstGeom prst="rect">
-            <a:avLst/>
-          </a:prstGeom>
-          <a:noFill/>
-        </p:spPr>
-        <p:txBody>
-          <a:bodyPr rot="0" spcFirstLastPara="0" vertOverflow="overflow" horzOverflow="overflow" vert="horz" wrap="square" lIns="91440" tIns="45720" rIns="91440" bIns="45720" numCol="1" spcCol="0" rtlCol="0" fromWordArt="0" anchor="t" anchorCtr="0" forceAA="0" compatLnSpc="1">
-            <a:prstTxWarp prst="textNoShape">
-              <a:avLst/>
-            </a:prstTxWarp>
-            <a:spAutoFit/>
-          </a:bodyPr>
-          <a:lstStyle/>
-          <a:p>
-            <a:pPr algn="l"/>
-            <a:r>
-              <a:rPr lang="ko-KR" altLang="en-US"/>
-              <a:t>육준호</a:t>
-            </a:r>
-          </a:p>
-        </p:txBody>
-      </p:sp>
-    </p:spTree>
-    <p:extLst>
-      <p:ext uri="{BB962C8B-B14F-4D97-AF65-F5344CB8AC3E}">
-        <p14:creationId xmlns:p14="http://schemas.microsoft.com/office/powerpoint/2010/main" val="2329977479"/>
-      </p:ext>
-    </p:extLst>
-  </p:cSld>
-  <p:clrMapOvr>
-    <a:masterClrMapping/>
-  </p:clrMapOvr>
-  <p:timing>
-    <p:tnLst>
-      <p:par>
-        <p:cTn id="1" dur="indefinite" restart="never" nodeType="tmRoot"/>
-      </p:par>
-    </p:tnLst>
-  </p:timing>
-</p:sld>
-</file>
-
-<file path=ppt/slides/slide12.xml><?xml version="1.0" encoding="utf-8"?>
-<p:sld xmlns:a="http://schemas.openxmlformats.org/drawingml/2006/main" xmlns:r="http://schemas.openxmlformats.org/officeDocument/2006/relationships" xmlns:p="http://schemas.openxmlformats.org/presentationml/2006/main">
-  <p:cSld>
-    <p:spTree>
-      <p:nvGrpSpPr>
-        <p:cNvPr id="1" name=""/>
-        <p:cNvGrpSpPr/>
-        <p:nvPr/>
-      </p:nvGrpSpPr>
-      <p:grpSpPr>
-        <a:xfrm>
-          <a:off x="0" y="0"/>
-          <a:ext cx="0" cy="0"/>
-          <a:chOff x="0" y="0"/>
-          <a:chExt cx="0" cy="0"/>
-        </a:xfrm>
-      </p:grpSpPr>
-      <p:sp>
-        <p:nvSpPr>
-          <p:cNvPr id="6" name="TextBox 5">
-            <a:extLst>
-              <a:ext uri="{FF2B5EF4-FFF2-40B4-BE49-F238E27FC236}">
-                <a16:creationId xmlns="" xmlns:a16="http://schemas.microsoft.com/office/drawing/2014/main" id="{9C6419A0-5351-1B33-92D9-B8337AA6F39E}"/>
-              </a:ext>
-            </a:extLst>
-          </p:cNvPr>
-          <p:cNvSpPr txBox="1"/>
-          <p:nvPr/>
-        </p:nvSpPr>
-        <p:spPr>
-          <a:xfrm>
-            <a:off x="38796" y="115499"/>
-            <a:ext cx="2777612" cy="369332"/>
-          </a:xfrm>
-          <a:prstGeom prst="rect">
-            <a:avLst/>
-          </a:prstGeom>
-          <a:noFill/>
-        </p:spPr>
-        <p:txBody>
-          <a:bodyPr rot="0" spcFirstLastPara="0" vertOverflow="overflow" horzOverflow="overflow" vert="horz" wrap="square" lIns="91440" tIns="45720" rIns="91440" bIns="45720" numCol="1" spcCol="0" rtlCol="0" fromWordArt="0" anchor="t" anchorCtr="0" forceAA="0" compatLnSpc="1">
-            <a:prstTxWarp prst="textNoShape">
-              <a:avLst/>
-            </a:prstTxWarp>
-            <a:spAutoFit/>
-          </a:bodyPr>
-          <a:lstStyle/>
-          <a:p>
-            <a:pPr algn="l"/>
-            <a:r>
-              <a:rPr lang="ko-KR" altLang="en-US"/>
-              <a:t>송지훈</a:t>
-            </a:r>
-            <a:endParaRPr lang="en-US"/>
-          </a:p>
-        </p:txBody>
-      </p:sp>
-      <p:pic>
-        <p:nvPicPr>
-          <p:cNvPr id="7" name="Picture 7" descr="Text&#10;&#10;Description automatically generated">
-            <a:extLst>
-              <a:ext uri="{FF2B5EF4-FFF2-40B4-BE49-F238E27FC236}">
-                <a16:creationId xmlns="" xmlns:a16="http://schemas.microsoft.com/office/drawing/2014/main" id="{979F4311-C4E0-FDD9-9F1A-CD4A9BD96574}"/>
-              </a:ext>
-            </a:extLst>
-          </p:cNvPr>
-          <p:cNvPicPr>
-            <a:picLocks noChangeAspect="1"/>
-          </p:cNvPicPr>
-          <p:nvPr/>
-        </p:nvPicPr>
-        <p:blipFill>
-          <a:blip r:embed="rId2"/>
-          <a:stretch>
-            <a:fillRect/>
-          </a:stretch>
-        </p:blipFill>
-        <p:spPr>
-          <a:xfrm>
-            <a:off x="422491" y="958799"/>
-            <a:ext cx="3395031" cy="1779568"/>
-          </a:xfrm>
-          <a:prstGeom prst="rect">
-            <a:avLst/>
-          </a:prstGeom>
-        </p:spPr>
-      </p:pic>
-      <p:pic>
-        <p:nvPicPr>
-          <p:cNvPr id="8" name="Picture 8">
-            <a:extLst>
-              <a:ext uri="{FF2B5EF4-FFF2-40B4-BE49-F238E27FC236}">
-                <a16:creationId xmlns="" xmlns:a16="http://schemas.microsoft.com/office/drawing/2014/main" id="{D52FA386-1C4D-3AA5-A113-BA287590AE8B}"/>
-              </a:ext>
-            </a:extLst>
-          </p:cNvPr>
-          <p:cNvPicPr>
-            <a:picLocks noChangeAspect="1"/>
-          </p:cNvPicPr>
-          <p:nvPr/>
-        </p:nvPicPr>
-        <p:blipFill>
-          <a:blip r:embed="rId3"/>
-          <a:stretch>
-            <a:fillRect/>
-          </a:stretch>
-        </p:blipFill>
-        <p:spPr>
-          <a:xfrm>
-            <a:off x="4144091" y="1044176"/>
-            <a:ext cx="7627343" cy="269613"/>
-          </a:xfrm>
-          <a:prstGeom prst="rect">
-            <a:avLst/>
-          </a:prstGeom>
-        </p:spPr>
-      </p:pic>
-      <p:pic>
-        <p:nvPicPr>
-          <p:cNvPr id="9" name="Picture 9">
-            <a:extLst>
-              <a:ext uri="{FF2B5EF4-FFF2-40B4-BE49-F238E27FC236}">
-                <a16:creationId xmlns="" xmlns:a16="http://schemas.microsoft.com/office/drawing/2014/main" id="{70040BB3-8733-4B01-58EC-45CA588B5BAF}"/>
-              </a:ext>
-            </a:extLst>
-          </p:cNvPr>
-          <p:cNvPicPr>
-            <a:picLocks noChangeAspect="1"/>
-          </p:cNvPicPr>
-          <p:nvPr/>
-        </p:nvPicPr>
-        <p:blipFill>
-          <a:blip r:embed="rId4"/>
-          <a:stretch>
-            <a:fillRect/>
-          </a:stretch>
-        </p:blipFill>
-        <p:spPr>
-          <a:xfrm>
-            <a:off x="4141424" y="1649009"/>
-            <a:ext cx="6727633" cy="406845"/>
-          </a:xfrm>
-          <a:prstGeom prst="rect">
-            <a:avLst/>
-          </a:prstGeom>
-        </p:spPr>
-      </p:pic>
-      <p:pic>
-        <p:nvPicPr>
-          <p:cNvPr id="10" name="Picture 10" descr="Text&#10;&#10;Description automatically generated">
-            <a:extLst>
-              <a:ext uri="{FF2B5EF4-FFF2-40B4-BE49-F238E27FC236}">
-                <a16:creationId xmlns="" xmlns:a16="http://schemas.microsoft.com/office/drawing/2014/main" id="{9ECE9516-15C3-A844-2783-24315C880A49}"/>
-              </a:ext>
-            </a:extLst>
-          </p:cNvPr>
-          <p:cNvPicPr>
-            <a:picLocks noChangeAspect="1"/>
-          </p:cNvPicPr>
-          <p:nvPr/>
-        </p:nvPicPr>
-        <p:blipFill>
-          <a:blip r:embed="rId5"/>
-          <a:stretch>
-            <a:fillRect/>
-          </a:stretch>
-        </p:blipFill>
-        <p:spPr>
-          <a:xfrm>
-            <a:off x="6644653" y="3241050"/>
-            <a:ext cx="4827224" cy="2128823"/>
-          </a:xfrm>
-          <a:prstGeom prst="rect">
-            <a:avLst/>
-          </a:prstGeom>
-        </p:spPr>
-      </p:pic>
-      <p:pic>
-        <p:nvPicPr>
-          <p:cNvPr id="2" name="Picture 2" descr="Graphical user interface&#10;&#10;Description automatically generated">
-            <a:extLst>
-              <a:ext uri="{FF2B5EF4-FFF2-40B4-BE49-F238E27FC236}">
-                <a16:creationId xmlns="" xmlns:a16="http://schemas.microsoft.com/office/drawing/2014/main" id="{93E88505-BB5B-1A76-CC7E-34DCF3F8384A}"/>
-              </a:ext>
-            </a:extLst>
-          </p:cNvPr>
-          <p:cNvPicPr>
-            <a:picLocks noChangeAspect="1"/>
-          </p:cNvPicPr>
-          <p:nvPr/>
-        </p:nvPicPr>
-        <p:blipFill>
-          <a:blip r:embed="rId6"/>
-          <a:stretch>
-            <a:fillRect/>
-          </a:stretch>
-        </p:blipFill>
-        <p:spPr>
-          <a:xfrm>
-            <a:off x="418641" y="3744217"/>
-            <a:ext cx="4423272" cy="847663"/>
-          </a:xfrm>
-          <a:prstGeom prst="rect">
-            <a:avLst/>
-          </a:prstGeom>
-        </p:spPr>
-      </p:pic>
-    </p:spTree>
-    <p:extLst>
-      <p:ext uri="{BB962C8B-B14F-4D97-AF65-F5344CB8AC3E}">
-        <p14:creationId xmlns:p14="http://schemas.microsoft.com/office/powerpoint/2010/main" val="3142114090"/>
-      </p:ext>
-    </p:extLst>
-  </p:cSld>
-  <p:clrMapOvr>
-    <a:masterClrMapping/>
-  </p:clrMapOvr>
 </p:sld>
 </file>
 
@@ -4636,7 +4177,7 @@
           <p:cNvPr id="4" name="TextBox 3">
             <a:extLst>
               <a:ext uri="{FF2B5EF4-FFF2-40B4-BE49-F238E27FC236}">
-                <a16:creationId xmlns="" xmlns:a16="http://schemas.microsoft.com/office/drawing/2014/main" id="{33654825-0954-BE0D-E887-CF73BE33EE64}"/>
+                <a16:creationId xmlns:a16="http://schemas.microsoft.com/office/drawing/2014/main" xmlns="" id="{33654825-0954-BE0D-E887-CF73BE33EE64}"/>
               </a:ext>
             </a:extLst>
           </p:cNvPr>
@@ -4645,8 +4186,8 @@
         </p:nvSpPr>
         <p:spPr>
           <a:xfrm>
-            <a:off x="3326732" y="103272"/>
-            <a:ext cx="5550568" cy="830997"/>
+            <a:off x="2538896" y="142191"/>
+            <a:ext cx="7017418" cy="830997"/>
           </a:xfrm>
           <a:prstGeom prst="rect">
             <a:avLst/>
@@ -4664,10 +4205,10 @@
           <a:p>
             <a:pPr algn="ctr"/>
             <a:r>
-              <a:rPr lang="ko-KR" altLang="en-US" sz="4800" dirty="0">
+              <a:rPr lang="ko-KR" altLang="en-US" sz="4800" smtClean="0">
                 <a:latin typeface="Noto Sans KR"/>
               </a:rPr>
-              <a:t>와이어프레임</a:t>
+              <a:t>프로젝트 소개 및 팀원</a:t>
             </a:r>
             <a:endParaRPr lang="en-US" sz="4800" dirty="0">
               <a:latin typeface="Noto Sans KR"/>
@@ -4675,82 +4216,22 @@
           </a:p>
         </p:txBody>
       </p:sp>
-      <p:pic>
-        <p:nvPicPr>
-          <p:cNvPr id="5" name="Picture 5" descr="Diagram&#10;&#10;Description automatically generated">
-            <a:extLst>
-              <a:ext uri="{FF2B5EF4-FFF2-40B4-BE49-F238E27FC236}">
-                <a16:creationId xmlns="" xmlns:a16="http://schemas.microsoft.com/office/drawing/2014/main" id="{5E19641F-D8CA-D5B3-5EE0-63EEF7250503}"/>
-              </a:ext>
-            </a:extLst>
-          </p:cNvPr>
-          <p:cNvPicPr>
-            <a:picLocks noChangeAspect="1"/>
-          </p:cNvPicPr>
+      <p:sp>
+        <p:nvSpPr>
+          <p:cNvPr id="9" name="TextBox 8">
+            <a:extLst>
+              <a:ext uri="{FF2B5EF4-FFF2-40B4-BE49-F238E27FC236}">
+                <a16:creationId xmlns:a16="http://schemas.microsoft.com/office/drawing/2014/main" xmlns="" id="{B54FDB0C-7FBA-0B23-B2FC-57D0EDFE8FB8}"/>
+              </a:ext>
+            </a:extLst>
+          </p:cNvPr>
+          <p:cNvSpPr txBox="1"/>
           <p:nvPr/>
-        </p:nvPicPr>
-        <p:blipFill>
-          <a:blip r:embed="rId2"/>
-          <a:stretch>
-            <a:fillRect/>
-          </a:stretch>
-        </p:blipFill>
+        </p:nvSpPr>
         <p:spPr>
           <a:xfrm>
-            <a:off x="302794" y="1813725"/>
-            <a:ext cx="5744811" cy="2634269"/>
-          </a:xfrm>
-          <a:prstGeom prst="rect">
-            <a:avLst/>
-          </a:prstGeom>
-        </p:spPr>
-      </p:pic>
-      <p:pic>
-        <p:nvPicPr>
-          <p:cNvPr id="6" name="Picture 6" descr="Text&#10;&#10;Description automatically generated">
-            <a:extLst>
-              <a:ext uri="{FF2B5EF4-FFF2-40B4-BE49-F238E27FC236}">
-                <a16:creationId xmlns="" xmlns:a16="http://schemas.microsoft.com/office/drawing/2014/main" id="{5C0D62C2-6C02-1C16-54E7-78FCA02EA443}"/>
-              </a:ext>
-            </a:extLst>
-          </p:cNvPr>
-          <p:cNvPicPr>
-            <a:picLocks noChangeAspect="1"/>
-          </p:cNvPicPr>
-          <p:nvPr/>
-        </p:nvPicPr>
-        <p:blipFill>
-          <a:blip r:embed="rId3"/>
-          <a:stretch>
-            <a:fillRect/>
-          </a:stretch>
-        </p:blipFill>
-        <p:spPr>
-          <a:xfrm>
-            <a:off x="6281754" y="1813724"/>
-            <a:ext cx="5744812" cy="2634270"/>
-          </a:xfrm>
-          <a:prstGeom prst="rect">
-            <a:avLst/>
-          </a:prstGeom>
-        </p:spPr>
-      </p:pic>
-      <p:sp>
-        <p:nvSpPr>
-          <p:cNvPr id="7" name="TextBox 6">
-            <a:extLst>
-              <a:ext uri="{FF2B5EF4-FFF2-40B4-BE49-F238E27FC236}">
-                <a16:creationId xmlns="" xmlns:a16="http://schemas.microsoft.com/office/drawing/2014/main" id="{1C56FEAF-1A8C-2B3F-4B55-5DC5B91BB3D2}"/>
-              </a:ext>
-            </a:extLst>
-          </p:cNvPr>
-          <p:cNvSpPr txBox="1"/>
-          <p:nvPr/>
-        </p:nvSpPr>
-        <p:spPr>
-          <a:xfrm>
-            <a:off x="1656212" y="4678400"/>
-            <a:ext cx="3037973" cy="400110"/>
+            <a:off x="319838" y="604586"/>
+            <a:ext cx="11453061" cy="5016758"/>
           </a:xfrm>
           <a:prstGeom prst="rect">
             <a:avLst/>
@@ -4766,56 +4247,186 @@
           </a:bodyPr>
           <a:lstStyle/>
           <a:p>
-            <a:pPr algn="ctr"/>
-            <a:r>
-              <a:rPr lang="ko-KR" altLang="en-US" sz="2000" dirty="0" err="1" smtClean="0"/>
+            <a:endParaRPr lang="en-US" altLang="ko-KR" sz="4800" dirty="0" smtClean="0"/>
+          </a:p>
+          <a:p>
+            <a:r>
+              <a:rPr lang="en-US" altLang="ko-KR" sz="4800" dirty="0" smtClean="0"/>
+              <a:t>- </a:t>
+            </a:r>
+            <a:r>
+              <a:rPr lang="ko-KR" altLang="en-US" sz="2800" dirty="0" smtClean="0"/>
+              <a:t>팀원을 소개하고 각 페이지 별로 </a:t>
+            </a:r>
+            <a:r>
+              <a:rPr lang="ko-KR" altLang="en-US" sz="2800" dirty="0" err="1" smtClean="0">
+                <a:ea typeface="+mn-lt"/>
+                <a:cs typeface="+mn-lt"/>
+              </a:rPr>
+              <a:t>방명록를</a:t>
+            </a:r>
+            <a:r>
+              <a:rPr lang="en-US" altLang="ko-KR" sz="2800" dirty="0" smtClean="0">
+                <a:ea typeface="+mn-lt"/>
+                <a:cs typeface="+mn-lt"/>
+              </a:rPr>
+              <a:t> </a:t>
+            </a:r>
+            <a:r>
+              <a:rPr lang="ko-KR" altLang="en-US" sz="2800" dirty="0" smtClean="0">
+                <a:ea typeface="+mn-lt"/>
+                <a:cs typeface="+mn-lt"/>
+              </a:rPr>
+              <a:t>작성하는 프로젝트</a:t>
+            </a:r>
+            <a:endParaRPr lang="en-US" sz="2800" dirty="0" smtClean="0">
+              <a:ea typeface="+mn-lt"/>
+              <a:cs typeface="+mn-lt"/>
+            </a:endParaRPr>
+          </a:p>
+          <a:p>
+            <a:endParaRPr lang="en-US" sz="2800" dirty="0" smtClean="0">
+              <a:ea typeface="+mn-lt"/>
+              <a:cs typeface="+mn-lt"/>
+            </a:endParaRPr>
+          </a:p>
+          <a:p>
+            <a:r>
+              <a:rPr lang="ko-KR" altLang="en-US" sz="2800" dirty="0" smtClean="0"/>
+              <a:t>사용된 기술 </a:t>
+            </a:r>
+            <a:r>
+              <a:rPr lang="en-US" altLang="ko-KR" sz="2800" dirty="0" smtClean="0"/>
+              <a:t>: HTML, CSS, JAVASCRIPT, J Query, Python, </a:t>
+            </a:r>
+            <a:r>
+              <a:rPr lang="en-US" altLang="ko-KR" sz="2800" dirty="0" err="1" smtClean="0"/>
+              <a:t>Github</a:t>
+            </a:r>
+            <a:endParaRPr lang="en-US" altLang="ko-KR" sz="2800" dirty="0" smtClean="0"/>
+          </a:p>
+          <a:p>
+            <a:endParaRPr lang="en-US" sz="2800" dirty="0" smtClean="0"/>
+          </a:p>
+          <a:p>
+            <a:pPr marL="457200" indent="-457200">
+              <a:buFont typeface="Arial" panose="020B0604020202020204" pitchFamily="34" charset="0"/>
+              <a:buChar char="•"/>
+            </a:pPr>
+            <a:r>
+              <a:rPr lang="ko-KR" altLang="en-US" sz="2800" dirty="0" smtClean="0"/>
+              <a:t>유상우</a:t>
+            </a:r>
+            <a:r>
+              <a:rPr lang="en-US" altLang="ko-KR" sz="2800" dirty="0" smtClean="0"/>
+              <a:t>(</a:t>
+            </a:r>
+            <a:r>
+              <a:rPr lang="ko-KR" altLang="en-US" sz="2800" dirty="0" smtClean="0"/>
+              <a:t>팀장</a:t>
+            </a:r>
+            <a:r>
+              <a:rPr lang="en-US" altLang="ko-KR" sz="2800" dirty="0" smtClean="0"/>
+              <a:t>) : </a:t>
+            </a:r>
+            <a:r>
+              <a:rPr lang="ko-KR" altLang="en-US" sz="2800" dirty="0" err="1" smtClean="0"/>
               <a:t>메인페이지</a:t>
             </a:r>
             <a:r>
-              <a:rPr lang="ko-KR" altLang="en-US" sz="2000" dirty="0" smtClean="0"/>
-              <a:t>.</a:t>
-            </a:r>
-            <a:endParaRPr lang="ko-KR" altLang="en-US" sz="2000" dirty="0"/>
-          </a:p>
-        </p:txBody>
-      </p:sp>
-      <p:sp>
-        <p:nvSpPr>
-          <p:cNvPr id="8" name="TextBox 7">
-            <a:extLst>
-              <a:ext uri="{FF2B5EF4-FFF2-40B4-BE49-F238E27FC236}">
-                <a16:creationId xmlns="" xmlns:a16="http://schemas.microsoft.com/office/drawing/2014/main" id="{F91F09F3-6F98-7D71-62CA-FB290CF9C173}"/>
-              </a:ext>
-            </a:extLst>
-          </p:cNvPr>
-          <p:cNvSpPr txBox="1"/>
-          <p:nvPr/>
-        </p:nvSpPr>
-        <p:spPr>
-          <a:xfrm>
-            <a:off x="7635173" y="4678400"/>
-            <a:ext cx="3037973" cy="400110"/>
-          </a:xfrm>
-          <a:prstGeom prst="rect">
-            <a:avLst/>
-          </a:prstGeom>
-          <a:noFill/>
-        </p:spPr>
-        <p:txBody>
-          <a:bodyPr rot="0" spcFirstLastPara="0" vertOverflow="overflow" horzOverflow="overflow" vert="horz" wrap="square" lIns="91440" tIns="45720" rIns="91440" bIns="45720" numCol="1" spcCol="0" rtlCol="0" fromWordArt="0" anchor="t" anchorCtr="0" forceAA="0" compatLnSpc="1">
-            <a:prstTxWarp prst="textNoShape">
-              <a:avLst/>
-            </a:prstTxWarp>
-            <a:spAutoFit/>
-          </a:bodyPr>
-          <a:lstStyle/>
-          <a:p>
-            <a:pPr algn="ctr"/>
-            <a:r>
-              <a:rPr lang="ko-KR" altLang="en-US" sz="2000" dirty="0" smtClean="0"/>
-              <a:t>개인페이지.</a:t>
-            </a:r>
-            <a:endParaRPr lang="ko-KR" altLang="en-US" sz="2000" dirty="0"/>
+              <a:rPr lang="ko-KR" altLang="en-US" sz="2800" dirty="0" smtClean="0"/>
+              <a:t> </a:t>
+            </a:r>
+            <a:r>
+              <a:rPr lang="en-US" altLang="ko-KR" sz="2800" dirty="0" err="1" smtClean="0"/>
+              <a:t>Css</a:t>
+            </a:r>
+            <a:endParaRPr lang="en-US" altLang="ko-KR" sz="2800" dirty="0" smtClean="0"/>
+          </a:p>
+          <a:p>
+            <a:pPr marL="457200" indent="-457200">
+              <a:buFont typeface="Arial" panose="020B0604020202020204" pitchFamily="34" charset="0"/>
+              <a:buChar char="•"/>
+            </a:pPr>
+            <a:r>
+              <a:rPr lang="ko-KR" altLang="en-US" sz="2800" dirty="0" smtClean="0"/>
+              <a:t>길재형 </a:t>
+            </a:r>
+            <a:r>
+              <a:rPr lang="en-US" altLang="ko-KR" sz="2800" dirty="0" smtClean="0"/>
+              <a:t>: </a:t>
+            </a:r>
+            <a:r>
+              <a:rPr lang="ko-KR" altLang="en-US" sz="2800" dirty="0" smtClean="0"/>
+              <a:t>방명</a:t>
+            </a:r>
+            <a:r>
+              <a:rPr lang="ko-KR" altLang="en-US" sz="2800" dirty="0"/>
+              <a:t>록</a:t>
+            </a:r>
+            <a:r>
+              <a:rPr lang="ko-KR" altLang="en-US" sz="2800" dirty="0" smtClean="0"/>
+              <a:t> 삭제</a:t>
+            </a:r>
+            <a:r>
+              <a:rPr lang="en-US" altLang="ko-KR" sz="2800" dirty="0" smtClean="0"/>
+              <a:t>, </a:t>
+            </a:r>
+            <a:r>
+              <a:rPr lang="ko-KR" altLang="en-US" sz="2800" dirty="0" smtClean="0"/>
+              <a:t>수정</a:t>
+            </a:r>
+            <a:r>
+              <a:rPr lang="en-US" altLang="ko-KR" sz="2800" dirty="0" smtClean="0"/>
+              <a:t>, </a:t>
+            </a:r>
+            <a:r>
+              <a:rPr lang="ko-KR" altLang="en-US" sz="2800" dirty="0" err="1" smtClean="0"/>
+              <a:t>댓글달기</a:t>
+            </a:r>
+            <a:endParaRPr lang="en-US" altLang="ko-KR" sz="2800" dirty="0" smtClean="0"/>
+          </a:p>
+          <a:p>
+            <a:pPr marL="457200" indent="-457200">
+              <a:buFont typeface="Arial" panose="020B0604020202020204" pitchFamily="34" charset="0"/>
+              <a:buChar char="•"/>
+            </a:pPr>
+            <a:r>
+              <a:rPr lang="ko-KR" altLang="en-US" sz="2800" dirty="0" smtClean="0"/>
+              <a:t>송지훈 </a:t>
+            </a:r>
+            <a:r>
+              <a:rPr lang="en-US" altLang="ko-KR" sz="2800" dirty="0" smtClean="0"/>
+              <a:t>: </a:t>
+            </a:r>
+            <a:r>
+              <a:rPr lang="ko-KR" altLang="en-US" sz="2800" dirty="0" smtClean="0"/>
+              <a:t>방명록 추가</a:t>
+            </a:r>
+            <a:endParaRPr lang="en-US" altLang="ko-KR" sz="2800" dirty="0"/>
+          </a:p>
+          <a:p>
+            <a:pPr marL="457200" indent="-457200">
+              <a:buFont typeface="Arial" panose="020B0604020202020204" pitchFamily="34" charset="0"/>
+              <a:buChar char="•"/>
+            </a:pPr>
+            <a:r>
+              <a:rPr lang="ko-KR" altLang="en-US" sz="2800" dirty="0" smtClean="0"/>
+              <a:t>육준호 </a:t>
+            </a:r>
+            <a:r>
+              <a:rPr lang="en-US" altLang="ko-KR" sz="2800" dirty="0" smtClean="0"/>
+              <a:t>: </a:t>
+            </a:r>
+            <a:r>
+              <a:rPr lang="ko-KR" altLang="en-US" sz="2800" dirty="0" smtClean="0"/>
+              <a:t>방명록 추가</a:t>
+            </a:r>
+            <a:endParaRPr lang="en-US" sz="2800" dirty="0"/>
+          </a:p>
+          <a:p>
+            <a:pPr algn="l"/>
+            <a:endParaRPr lang="en-US" sz="2800" dirty="0"/>
           </a:p>
         </p:txBody>
       </p:sp>
@@ -4858,10 +4469,235 @@
       </p:grpSpPr>
       <p:sp>
         <p:nvSpPr>
+          <p:cNvPr id="4" name="TextBox 3">
+            <a:extLst>
+              <a:ext uri="{FF2B5EF4-FFF2-40B4-BE49-F238E27FC236}">
+                <a16:creationId xmlns:a16="http://schemas.microsoft.com/office/drawing/2014/main" xmlns="" id="{33654825-0954-BE0D-E887-CF73BE33EE64}"/>
+              </a:ext>
+            </a:extLst>
+          </p:cNvPr>
+          <p:cNvSpPr txBox="1"/>
+          <p:nvPr/>
+        </p:nvSpPr>
+        <p:spPr>
+          <a:xfrm>
+            <a:off x="3326732" y="103272"/>
+            <a:ext cx="5550568" cy="830997"/>
+          </a:xfrm>
+          <a:prstGeom prst="rect">
+            <a:avLst/>
+          </a:prstGeom>
+          <a:noFill/>
+        </p:spPr>
+        <p:txBody>
+          <a:bodyPr rot="0" spcFirstLastPara="0" vertOverflow="overflow" horzOverflow="overflow" vert="horz" wrap="square" lIns="91440" tIns="45720" rIns="91440" bIns="45720" numCol="1" spcCol="0" rtlCol="0" fromWordArt="0" anchor="t" anchorCtr="0" forceAA="0" compatLnSpc="1">
+            <a:prstTxWarp prst="textNoShape">
+              <a:avLst/>
+            </a:prstTxWarp>
+            <a:spAutoFit/>
+          </a:bodyPr>
+          <a:lstStyle/>
+          <a:p>
+            <a:pPr algn="ctr"/>
+            <a:r>
+              <a:rPr lang="ko-KR" altLang="en-US" sz="4800" dirty="0">
+                <a:latin typeface="Noto Sans KR"/>
+              </a:rPr>
+              <a:t>와이어프레임</a:t>
+            </a:r>
+            <a:endParaRPr lang="en-US" sz="4800" dirty="0">
+              <a:latin typeface="Noto Sans KR"/>
+            </a:endParaRPr>
+          </a:p>
+        </p:txBody>
+      </p:sp>
+      <p:pic>
+        <p:nvPicPr>
+          <p:cNvPr id="5" name="Picture 5" descr="Diagram&#10;&#10;Description automatically generated">
+            <a:extLst>
+              <a:ext uri="{FF2B5EF4-FFF2-40B4-BE49-F238E27FC236}">
+                <a16:creationId xmlns:a16="http://schemas.microsoft.com/office/drawing/2014/main" xmlns="" id="{5E19641F-D8CA-D5B3-5EE0-63EEF7250503}"/>
+              </a:ext>
+            </a:extLst>
+          </p:cNvPr>
+          <p:cNvPicPr>
+            <a:picLocks noChangeAspect="1"/>
+          </p:cNvPicPr>
+          <p:nvPr/>
+        </p:nvPicPr>
+        <p:blipFill>
+          <a:blip r:embed="rId2"/>
+          <a:stretch>
+            <a:fillRect/>
+          </a:stretch>
+        </p:blipFill>
+        <p:spPr>
+          <a:xfrm>
+            <a:off x="302794" y="1813725"/>
+            <a:ext cx="5744811" cy="2634269"/>
+          </a:xfrm>
+          <a:prstGeom prst="rect">
+            <a:avLst/>
+          </a:prstGeom>
+        </p:spPr>
+      </p:pic>
+      <p:pic>
+        <p:nvPicPr>
+          <p:cNvPr id="6" name="Picture 6" descr="Text&#10;&#10;Description automatically generated">
+            <a:extLst>
+              <a:ext uri="{FF2B5EF4-FFF2-40B4-BE49-F238E27FC236}">
+                <a16:creationId xmlns:a16="http://schemas.microsoft.com/office/drawing/2014/main" xmlns="" id="{5C0D62C2-6C02-1C16-54E7-78FCA02EA443}"/>
+              </a:ext>
+            </a:extLst>
+          </p:cNvPr>
+          <p:cNvPicPr>
+            <a:picLocks noChangeAspect="1"/>
+          </p:cNvPicPr>
+          <p:nvPr/>
+        </p:nvPicPr>
+        <p:blipFill>
+          <a:blip r:embed="rId3"/>
+          <a:stretch>
+            <a:fillRect/>
+          </a:stretch>
+        </p:blipFill>
+        <p:spPr>
+          <a:xfrm>
+            <a:off x="6281754" y="1813724"/>
+            <a:ext cx="5744812" cy="2634270"/>
+          </a:xfrm>
+          <a:prstGeom prst="rect">
+            <a:avLst/>
+          </a:prstGeom>
+        </p:spPr>
+      </p:pic>
+      <p:sp>
+        <p:nvSpPr>
           <p:cNvPr id="7" name="TextBox 6">
             <a:extLst>
               <a:ext uri="{FF2B5EF4-FFF2-40B4-BE49-F238E27FC236}">
-                <a16:creationId xmlns="" xmlns:a16="http://schemas.microsoft.com/office/drawing/2014/main" id="{F3A7D976-9EE4-0D22-F923-90DB6308DD79}"/>
+                <a16:creationId xmlns:a16="http://schemas.microsoft.com/office/drawing/2014/main" xmlns="" id="{1C56FEAF-1A8C-2B3F-4B55-5DC5B91BB3D2}"/>
+              </a:ext>
+            </a:extLst>
+          </p:cNvPr>
+          <p:cNvSpPr txBox="1"/>
+          <p:nvPr/>
+        </p:nvSpPr>
+        <p:spPr>
+          <a:xfrm>
+            <a:off x="1656212" y="4678400"/>
+            <a:ext cx="3037973" cy="400110"/>
+          </a:xfrm>
+          <a:prstGeom prst="rect">
+            <a:avLst/>
+          </a:prstGeom>
+          <a:noFill/>
+        </p:spPr>
+        <p:txBody>
+          <a:bodyPr rot="0" spcFirstLastPara="0" vertOverflow="overflow" horzOverflow="overflow" vert="horz" wrap="square" lIns="91440" tIns="45720" rIns="91440" bIns="45720" numCol="1" spcCol="0" rtlCol="0" fromWordArt="0" anchor="t" anchorCtr="0" forceAA="0" compatLnSpc="1">
+            <a:prstTxWarp prst="textNoShape">
+              <a:avLst/>
+            </a:prstTxWarp>
+            <a:spAutoFit/>
+          </a:bodyPr>
+          <a:lstStyle/>
+          <a:p>
+            <a:pPr algn="ctr"/>
+            <a:r>
+              <a:rPr lang="ko-KR" altLang="en-US" sz="2000" dirty="0" err="1" smtClean="0"/>
+              <a:t>메인페이지</a:t>
+            </a:r>
+            <a:r>
+              <a:rPr lang="ko-KR" altLang="en-US" sz="2000" dirty="0" smtClean="0"/>
+              <a:t>.</a:t>
+            </a:r>
+            <a:endParaRPr lang="ko-KR" altLang="en-US" sz="2000" dirty="0"/>
+          </a:p>
+        </p:txBody>
+      </p:sp>
+      <p:sp>
+        <p:nvSpPr>
+          <p:cNvPr id="8" name="TextBox 7">
+            <a:extLst>
+              <a:ext uri="{FF2B5EF4-FFF2-40B4-BE49-F238E27FC236}">
+                <a16:creationId xmlns:a16="http://schemas.microsoft.com/office/drawing/2014/main" xmlns="" id="{F91F09F3-6F98-7D71-62CA-FB290CF9C173}"/>
+              </a:ext>
+            </a:extLst>
+          </p:cNvPr>
+          <p:cNvSpPr txBox="1"/>
+          <p:nvPr/>
+        </p:nvSpPr>
+        <p:spPr>
+          <a:xfrm>
+            <a:off x="7635173" y="4678400"/>
+            <a:ext cx="3037973" cy="400110"/>
+          </a:xfrm>
+          <a:prstGeom prst="rect">
+            <a:avLst/>
+          </a:prstGeom>
+          <a:noFill/>
+        </p:spPr>
+        <p:txBody>
+          <a:bodyPr rot="0" spcFirstLastPara="0" vertOverflow="overflow" horzOverflow="overflow" vert="horz" wrap="square" lIns="91440" tIns="45720" rIns="91440" bIns="45720" numCol="1" spcCol="0" rtlCol="0" fromWordArt="0" anchor="t" anchorCtr="0" forceAA="0" compatLnSpc="1">
+            <a:prstTxWarp prst="textNoShape">
+              <a:avLst/>
+            </a:prstTxWarp>
+            <a:spAutoFit/>
+          </a:bodyPr>
+          <a:lstStyle/>
+          <a:p>
+            <a:pPr algn="ctr"/>
+            <a:r>
+              <a:rPr lang="ko-KR" altLang="en-US" sz="2000" dirty="0" smtClean="0"/>
+              <a:t>개인페이지.</a:t>
+            </a:r>
+            <a:endParaRPr lang="ko-KR" altLang="en-US" sz="2000" dirty="0"/>
+          </a:p>
+        </p:txBody>
+      </p:sp>
+    </p:spTree>
+    <p:extLst>
+      <p:ext uri="{BB962C8B-B14F-4D97-AF65-F5344CB8AC3E}">
+        <p14:creationId xmlns:p14="http://schemas.microsoft.com/office/powerpoint/2010/main" val="1531379247"/>
+      </p:ext>
+    </p:extLst>
+  </p:cSld>
+  <p:clrMapOvr>
+    <a:masterClrMapping/>
+  </p:clrMapOvr>
+  <p:timing>
+    <p:tnLst>
+      <p:par>
+        <p:cTn id="1" dur="indefinite" restart="never" nodeType="tmRoot"/>
+      </p:par>
+    </p:tnLst>
+  </p:timing>
+</p:sld>
+</file>
+
+<file path=ppt/slides/slide4.xml><?xml version="1.0" encoding="utf-8"?>
+<p:sld xmlns:a="http://schemas.openxmlformats.org/drawingml/2006/main" xmlns:r="http://schemas.openxmlformats.org/officeDocument/2006/relationships" xmlns:p="http://schemas.openxmlformats.org/presentationml/2006/main">
+  <p:cSld>
+    <p:spTree>
+      <p:nvGrpSpPr>
+        <p:cNvPr id="1" name=""/>
+        <p:cNvGrpSpPr/>
+        <p:nvPr/>
+      </p:nvGrpSpPr>
+      <p:grpSpPr>
+        <a:xfrm>
+          <a:off x="0" y="0"/>
+          <a:ext cx="0" cy="0"/>
+          <a:chOff x="0" y="0"/>
+          <a:chExt cx="0" cy="0"/>
+        </a:xfrm>
+      </p:grpSpPr>
+      <p:sp>
+        <p:nvSpPr>
+          <p:cNvPr id="7" name="TextBox 6">
+            <a:extLst>
+              <a:ext uri="{FF2B5EF4-FFF2-40B4-BE49-F238E27FC236}">
+                <a16:creationId xmlns:a16="http://schemas.microsoft.com/office/drawing/2014/main" xmlns="" id="{F3A7D976-9EE4-0D22-F923-90DB6308DD79}"/>
               </a:ext>
             </a:extLst>
           </p:cNvPr>
@@ -4909,7 +4745,7 @@
           <p:cNvPr id="9" name="TextBox 8">
             <a:extLst>
               <a:ext uri="{FF2B5EF4-FFF2-40B4-BE49-F238E27FC236}">
-                <a16:creationId xmlns="" xmlns:a16="http://schemas.microsoft.com/office/drawing/2014/main" id="{33654825-0954-BE0D-E887-CF73BE33EE64}"/>
+                <a16:creationId xmlns:a16="http://schemas.microsoft.com/office/drawing/2014/main" xmlns="" id="{33654825-0954-BE0D-E887-CF73BE33EE64}"/>
               </a:ext>
             </a:extLst>
           </p:cNvPr>
@@ -5022,7 +4858,7 @@
 </p:sld>
 </file>
 
-<file path=ppt/slides/slide4.xml><?xml version="1.0" encoding="utf-8"?>
+<file path=ppt/slides/slide5.xml><?xml version="1.0" encoding="utf-8"?>
 <p:sld xmlns:a="http://schemas.openxmlformats.org/drawingml/2006/main" xmlns:r="http://schemas.openxmlformats.org/officeDocument/2006/relationships" xmlns:p="http://schemas.openxmlformats.org/presentationml/2006/main">
   <p:cSld>
     <p:spTree>
@@ -5044,7 +4880,7 @@
           <p:cNvPr id="5" name="Picture 5" descr="Graphical user interface, website&#10;&#10;Description automatically generated">
             <a:extLst>
               <a:ext uri="{FF2B5EF4-FFF2-40B4-BE49-F238E27FC236}">
-                <a16:creationId xmlns="" xmlns:a16="http://schemas.microsoft.com/office/drawing/2014/main" id="{15002A04-917F-EF24-8F4E-8DE5BB3FA508}"/>
+                <a16:creationId xmlns:a16="http://schemas.microsoft.com/office/drawing/2014/main" xmlns="" id="{15002A04-917F-EF24-8F4E-8DE5BB3FA508}"/>
               </a:ext>
             </a:extLst>
           </p:cNvPr>
@@ -5074,7 +4910,7 @@
           <p:cNvPr id="8" name="TextBox 7">
             <a:extLst>
               <a:ext uri="{FF2B5EF4-FFF2-40B4-BE49-F238E27FC236}">
-                <a16:creationId xmlns="" xmlns:a16="http://schemas.microsoft.com/office/drawing/2014/main" id="{DE5EFD92-1127-F347-F3D4-E86A94EFBCD2}"/>
+                <a16:creationId xmlns:a16="http://schemas.microsoft.com/office/drawing/2014/main" xmlns="" id="{DE5EFD92-1127-F347-F3D4-E86A94EFBCD2}"/>
               </a:ext>
             </a:extLst>
           </p:cNvPr>
@@ -5122,7 +4958,7 @@
           <p:cNvPr id="9" name="TextBox 8">
             <a:extLst>
               <a:ext uri="{FF2B5EF4-FFF2-40B4-BE49-F238E27FC236}">
-                <a16:creationId xmlns="" xmlns:a16="http://schemas.microsoft.com/office/drawing/2014/main" id="{33654825-0954-BE0D-E887-CF73BE33EE64}"/>
+                <a16:creationId xmlns:a16="http://schemas.microsoft.com/office/drawing/2014/main" xmlns="" id="{33654825-0954-BE0D-E887-CF73BE33EE64}"/>
               </a:ext>
             </a:extLst>
           </p:cNvPr>
@@ -5233,7 +5069,7 @@
 </p:sld>
 </file>
 
-<file path=ppt/slides/slide5.xml><?xml version="1.0" encoding="utf-8"?>
+<file path=ppt/slides/slide6.xml><?xml version="1.0" encoding="utf-8"?>
 <p:sld xmlns:a="http://schemas.openxmlformats.org/drawingml/2006/main" xmlns:r="http://schemas.openxmlformats.org/officeDocument/2006/relationships" xmlns:p="http://schemas.openxmlformats.org/presentationml/2006/main">
   <p:cSld>
     <p:spTree>
@@ -5255,7 +5091,7 @@
           <p:cNvPr id="4" name="TextBox 3">
             <a:extLst>
               <a:ext uri="{FF2B5EF4-FFF2-40B4-BE49-F238E27FC236}">
-                <a16:creationId xmlns="" xmlns:a16="http://schemas.microsoft.com/office/drawing/2014/main" id="{B54FDB0C-7FBA-0B23-B2FC-57D0EDFE8FB8}"/>
+                <a16:creationId xmlns:a16="http://schemas.microsoft.com/office/drawing/2014/main" xmlns="" id="{B54FDB0C-7FBA-0B23-B2FC-57D0EDFE8FB8}"/>
               </a:ext>
             </a:extLst>
           </p:cNvPr>
@@ -5916,7 +5752,7 @@
 </p:sld>
 </file>
 
-<file path=ppt/slides/slide6.xml><?xml version="1.0" encoding="utf-8"?>
+<file path=ppt/slides/slide7.xml><?xml version="1.0" encoding="utf-8"?>
 <p:sld xmlns:a="http://schemas.openxmlformats.org/drawingml/2006/main" xmlns:r="http://schemas.openxmlformats.org/officeDocument/2006/relationships" xmlns:p="http://schemas.openxmlformats.org/presentationml/2006/main">
   <p:cSld>
     <p:spTree>
@@ -5938,7 +5774,7 @@
           <p:cNvPr id="5" name="Table 5">
             <a:extLst>
               <a:ext uri="{FF2B5EF4-FFF2-40B4-BE49-F238E27FC236}">
-                <a16:creationId xmlns="" xmlns:a16="http://schemas.microsoft.com/office/drawing/2014/main" id="{FC22722C-9A68-5D0D-4F6A-664A23379CDA}"/>
+                <a16:creationId xmlns:a16="http://schemas.microsoft.com/office/drawing/2014/main" xmlns="" id="{FC22722C-9A68-5D0D-4F6A-664A23379CDA}"/>
               </a:ext>
             </a:extLst>
           </p:cNvPr>
@@ -5948,7 +5784,7 @@
           <p:nvPr>
             <p:extLst>
               <p:ext uri="{D42A27DB-BD31-4B8C-83A1-F6EECF244321}">
-                <p14:modId xmlns:p14="http://schemas.microsoft.com/office/powerpoint/2010/main" val="3198647791"/>
+                <p14:modId xmlns:p14="http://schemas.microsoft.com/office/powerpoint/2010/main" val="2182665787"/>
               </p:ext>
             </p:extLst>
           </p:nvPr>
@@ -5967,35 +5803,35 @@
                 <a:gridCol w="1862666">
                   <a:extLst>
                     <a:ext uri="{9D8B030D-6E8A-4147-A177-3AD203B41FA5}">
-                      <a16:colId xmlns="" xmlns:a16="http://schemas.microsoft.com/office/drawing/2014/main" val="609826666"/>
+                      <a16:colId xmlns:a16="http://schemas.microsoft.com/office/drawing/2014/main" xmlns="" val="609826666"/>
                     </a:ext>
                   </a:extLst>
                 </a:gridCol>
                 <a:gridCol w="1143000">
                   <a:extLst>
                     <a:ext uri="{9D8B030D-6E8A-4147-A177-3AD203B41FA5}">
-                      <a16:colId xmlns="" xmlns:a16="http://schemas.microsoft.com/office/drawing/2014/main" val="926826381"/>
+                      <a16:colId xmlns:a16="http://schemas.microsoft.com/office/drawing/2014/main" xmlns="" val="926826381"/>
                     </a:ext>
                   </a:extLst>
                 </a:gridCol>
                 <a:gridCol w="3062111">
                   <a:extLst>
                     <a:ext uri="{9D8B030D-6E8A-4147-A177-3AD203B41FA5}">
-                      <a16:colId xmlns="" xmlns:a16="http://schemas.microsoft.com/office/drawing/2014/main" val="1990854293"/>
+                      <a16:colId xmlns:a16="http://schemas.microsoft.com/office/drawing/2014/main" xmlns="" val="1990854293"/>
                     </a:ext>
                   </a:extLst>
                 </a:gridCol>
                 <a:gridCol w="2751666">
                   <a:extLst>
                     <a:ext uri="{9D8B030D-6E8A-4147-A177-3AD203B41FA5}">
-                      <a16:colId xmlns="" xmlns:a16="http://schemas.microsoft.com/office/drawing/2014/main" val="2721997769"/>
+                      <a16:colId xmlns:a16="http://schemas.microsoft.com/office/drawing/2014/main" xmlns="" val="2721997769"/>
                     </a:ext>
                   </a:extLst>
                 </a:gridCol>
                 <a:gridCol w="2557734">
                   <a:extLst>
                     <a:ext uri="{9D8B030D-6E8A-4147-A177-3AD203B41FA5}">
-                      <a16:colId xmlns="" xmlns:a16="http://schemas.microsoft.com/office/drawing/2014/main" val="1517032735"/>
+                      <a16:colId xmlns:a16="http://schemas.microsoft.com/office/drawing/2014/main" xmlns="" val="1517032735"/>
                     </a:ext>
                   </a:extLst>
                 </a:gridCol>
@@ -6085,7 +5921,7 @@
                 </a:tc>
                 <a:extLst>
                   <a:ext uri="{0D108BD9-81ED-4DB2-BD59-A6C34878D82A}">
-                    <a16:rowId xmlns="" xmlns:a16="http://schemas.microsoft.com/office/drawing/2014/main" val="2225592757"/>
+                    <a16:rowId xmlns:a16="http://schemas.microsoft.com/office/drawing/2014/main" xmlns="" val="2225592757"/>
                   </a:ext>
                 </a:extLst>
               </a:tr>
@@ -6399,7 +6235,7 @@
                 </a:tc>
                 <a:extLst>
                   <a:ext uri="{0D108BD9-81ED-4DB2-BD59-A6C34878D82A}">
-                    <a16:rowId xmlns="" xmlns:a16="http://schemas.microsoft.com/office/drawing/2014/main" val="2749350294"/>
+                    <a16:rowId xmlns:a16="http://schemas.microsoft.com/office/drawing/2014/main" xmlns="" val="2749350294"/>
                   </a:ext>
                 </a:extLst>
               </a:tr>
@@ -6555,7 +6391,7 @@
                 </a:tc>
                 <a:extLst>
                   <a:ext uri="{0D108BD9-81ED-4DB2-BD59-A6C34878D82A}">
-                    <a16:rowId xmlns="" xmlns:a16="http://schemas.microsoft.com/office/drawing/2014/main" val="3229486975"/>
+                    <a16:rowId xmlns:a16="http://schemas.microsoft.com/office/drawing/2014/main" xmlns="" val="3229486975"/>
                   </a:ext>
                 </a:extLst>
               </a:tr>
@@ -6763,7 +6599,7 @@
                 </a:tc>
                 <a:extLst>
                   <a:ext uri="{0D108BD9-81ED-4DB2-BD59-A6C34878D82A}">
-                    <a16:rowId xmlns="" xmlns:a16="http://schemas.microsoft.com/office/drawing/2014/main" val="294714867"/>
+                    <a16:rowId xmlns:a16="http://schemas.microsoft.com/office/drawing/2014/main" xmlns="" val="294714867"/>
                   </a:ext>
                 </a:extLst>
               </a:tr>
@@ -6975,7 +6811,7 @@
                 </a:tc>
                 <a:extLst>
                   <a:ext uri="{0D108BD9-81ED-4DB2-BD59-A6C34878D82A}">
-                    <a16:rowId xmlns="" xmlns:a16="http://schemas.microsoft.com/office/drawing/2014/main" val="4138380665"/>
+                    <a16:rowId xmlns:a16="http://schemas.microsoft.com/office/drawing/2014/main" xmlns="" val="4138380665"/>
                   </a:ext>
                 </a:extLst>
               </a:tr>
@@ -7068,7 +6904,37 @@
                           <a:ea typeface="+mn-ea"/>
                           <a:cs typeface="+mn-cs"/>
                         </a:rPr>
-                        <a:t>/team1_update_cmt</a:t>
+                        <a:t>/team</a:t>
+                      </a:r>
+                      <a:r>
+                        <a:rPr lang="en-US" altLang="ko-KR" sz="1800" b="0" i="0" u="none" strike="noStrike" noProof="0" dirty="0" smtClean="0">
+                          <a:latin typeface="+mn-lt"/>
+                        </a:rPr>
+                        <a:t>ⓝ</a:t>
+                      </a:r>
+                      <a:r>
+                        <a:rPr lang="en-US" altLang="ko-KR" sz="1800" kern="1200" dirty="0" smtClean="0">
+                          <a:solidFill>
+                            <a:schemeClr val="dk1"/>
+                          </a:solidFill>
+                          <a:effectLst/>
+                          <a:latin typeface="+mn-lt"/>
+                          <a:ea typeface="+mn-ea"/>
+                          <a:cs typeface="+mn-cs"/>
+                        </a:rPr>
+                        <a:t>_</a:t>
+                      </a:r>
+                      <a:r>
+                        <a:rPr lang="en-US" altLang="ko-KR" sz="1800" kern="1200" dirty="0" err="1" smtClean="0">
+                          <a:solidFill>
+                            <a:schemeClr val="dk1"/>
+                          </a:solidFill>
+                          <a:effectLst/>
+                          <a:latin typeface="+mn-lt"/>
+                          <a:ea typeface="+mn-ea"/>
+                          <a:cs typeface="+mn-cs"/>
+                        </a:rPr>
+                        <a:t>update_cmt</a:t>
                       </a:r>
                       <a:endParaRPr lang="en-US" dirty="0"/>
                     </a:p>
@@ -7503,10 +7369,17 @@
   <p:clrMapOvr>
     <a:masterClrMapping/>
   </p:clrMapOvr>
+  <p:timing>
+    <p:tnLst>
+      <p:par>
+        <p:cTn id="1" dur="indefinite" restart="never" nodeType="tmRoot"/>
+      </p:par>
+    </p:tnLst>
+  </p:timing>
 </p:sld>
 </file>
 
-<file path=ppt/slides/slide7.xml><?xml version="1.0" encoding="utf-8"?>
+<file path=ppt/slides/slide8.xml><?xml version="1.0" encoding="utf-8"?>
 <p:sld xmlns:a="http://schemas.openxmlformats.org/drawingml/2006/main" xmlns:r="http://schemas.openxmlformats.org/officeDocument/2006/relationships" xmlns:p="http://schemas.openxmlformats.org/presentationml/2006/main">
   <p:cSld>
     <p:spTree>
@@ -7528,7 +7401,7 @@
           <p:cNvPr id="4" name="TextBox 3">
             <a:extLst>
               <a:ext uri="{FF2B5EF4-FFF2-40B4-BE49-F238E27FC236}">
-                <a16:creationId xmlns="" xmlns:a16="http://schemas.microsoft.com/office/drawing/2014/main" id="{33654825-0954-BE0D-E887-CF73BE33EE64}"/>
+                <a16:creationId xmlns:a16="http://schemas.microsoft.com/office/drawing/2014/main" xmlns="" id="{33654825-0954-BE0D-E887-CF73BE33EE64}"/>
               </a:ext>
             </a:extLst>
           </p:cNvPr>
@@ -7577,10 +7450,17 @@
   <p:clrMapOvr>
     <a:masterClrMapping/>
   </p:clrMapOvr>
+  <p:timing>
+    <p:tnLst>
+      <p:par>
+        <p:cTn id="1" dur="indefinite" restart="never" nodeType="tmRoot"/>
+      </p:par>
+    </p:tnLst>
+  </p:timing>
 </p:sld>
 </file>
 
-<file path=ppt/slides/slide8.xml><?xml version="1.0" encoding="utf-8"?>
+<file path=ppt/slides/slide9.xml><?xml version="1.0" encoding="utf-8"?>
 <p:sld xmlns:a="http://schemas.openxmlformats.org/drawingml/2006/main" xmlns:r="http://schemas.openxmlformats.org/officeDocument/2006/relationships" xmlns:p="http://schemas.openxmlformats.org/presentationml/2006/main">
   <p:cSld>
     <p:bg>
@@ -7610,10 +7490,10 @@
           <p:cNvPr id="27" name="Rectangle 20">
             <a:extLst>
               <a:ext uri="{FF2B5EF4-FFF2-40B4-BE49-F238E27FC236}">
-                <a16:creationId xmlns="" xmlns:a16="http://schemas.microsoft.com/office/drawing/2014/main" id="{8BEAC55E-FD3E-4A90-B4E2-D197D8038366}"/>
+                <a16:creationId xmlns:a16="http://schemas.microsoft.com/office/drawing/2014/main" xmlns="" id="{8BEAC55E-FD3E-4A90-B4E2-D197D8038366}"/>
               </a:ext>
               <a:ext uri="{C183D7F6-B498-43B3-948B-1728B52AA6E4}">
-                <adec:decorative xmlns="" xmlns:adec="http://schemas.microsoft.com/office/drawing/2017/decorative" val="1"/>
+                <adec:decorative xmlns:adec="http://schemas.microsoft.com/office/drawing/2017/decorative" xmlns="" val="1"/>
               </a:ext>
             </a:extLst>
           </p:cNvPr>
@@ -7623,7 +7503,7 @@
           <p:nvPr>
             <p:extLst>
               <p:ext uri="{386F3935-93C4-4BCD-93E2-E3B085C9AB24}">
-                <p16:designElem xmlns="" xmlns:p16="http://schemas.microsoft.com/office/powerpoint/2015/main" val="1"/>
+                <p16:designElem xmlns:p16="http://schemas.microsoft.com/office/powerpoint/2015/main" xmlns="" val="1"/>
               </p:ext>
             </p:extLst>
           </p:nvPr>
@@ -7686,10 +7566,10 @@
           <p:cNvPr id="28" name="Rectangle 22">
             <a:extLst>
               <a:ext uri="{FF2B5EF4-FFF2-40B4-BE49-F238E27FC236}">
-                <a16:creationId xmlns="" xmlns:a16="http://schemas.microsoft.com/office/drawing/2014/main" id="{282DCAD1-D7F2-4CA8-960C-526B7DB37A82}"/>
+                <a16:creationId xmlns:a16="http://schemas.microsoft.com/office/drawing/2014/main" xmlns="" id="{282DCAD1-D7F2-4CA8-960C-526B7DB37A82}"/>
               </a:ext>
               <a:ext uri="{C183D7F6-B498-43B3-948B-1728B52AA6E4}">
-                <adec:decorative xmlns="" xmlns:adec="http://schemas.microsoft.com/office/drawing/2017/decorative" val="1"/>
+                <adec:decorative xmlns:adec="http://schemas.microsoft.com/office/drawing/2017/decorative" xmlns="" val="1"/>
               </a:ext>
             </a:extLst>
           </p:cNvPr>
@@ -7699,7 +7579,7 @@
           <p:nvPr>
             <p:extLst>
               <p:ext uri="{386F3935-93C4-4BCD-93E2-E3B085C9AB24}">
-                <p16:designElem xmlns="" xmlns:p16="http://schemas.microsoft.com/office/powerpoint/2015/main" val="1"/>
+                <p16:designElem xmlns:p16="http://schemas.microsoft.com/office/powerpoint/2015/main" xmlns="" val="1"/>
               </p:ext>
             </p:extLst>
           </p:nvPr>
@@ -7761,10 +7641,10 @@
           <p:cNvPr id="29" name="Rectangle 24">
             <a:extLst>
               <a:ext uri="{FF2B5EF4-FFF2-40B4-BE49-F238E27FC236}">
-                <a16:creationId xmlns="" xmlns:a16="http://schemas.microsoft.com/office/drawing/2014/main" id="{0009AC7F-1347-41C8-8BEB-47473A21A696}"/>
+                <a16:creationId xmlns:a16="http://schemas.microsoft.com/office/drawing/2014/main" xmlns="" id="{0009AC7F-1347-41C8-8BEB-47473A21A696}"/>
               </a:ext>
               <a:ext uri="{C183D7F6-B498-43B3-948B-1728B52AA6E4}">
-                <adec:decorative xmlns="" xmlns:adec="http://schemas.microsoft.com/office/drawing/2017/decorative" val="1"/>
+                <adec:decorative xmlns:adec="http://schemas.microsoft.com/office/drawing/2017/decorative" xmlns="" val="1"/>
               </a:ext>
             </a:extLst>
           </p:cNvPr>
@@ -7774,7 +7654,7 @@
           <p:nvPr>
             <p:extLst>
               <p:ext uri="{386F3935-93C4-4BCD-93E2-E3B085C9AB24}">
-                <p16:designElem xmlns="" xmlns:p16="http://schemas.microsoft.com/office/powerpoint/2015/main" val="1"/>
+                <p16:designElem xmlns:p16="http://schemas.microsoft.com/office/powerpoint/2015/main" xmlns="" val="1"/>
               </p:ext>
             </p:extLst>
           </p:nvPr>
@@ -7836,7 +7716,7 @@
           <p:cNvPr id="9" name="TextBox 8">
             <a:extLst>
               <a:ext uri="{FF2B5EF4-FFF2-40B4-BE49-F238E27FC236}">
-                <a16:creationId xmlns="" xmlns:a16="http://schemas.microsoft.com/office/drawing/2014/main" id="{CA09A6C5-1F2B-E71F-4FA9-C676934771CA}"/>
+                <a16:creationId xmlns:a16="http://schemas.microsoft.com/office/drawing/2014/main" xmlns="" id="{CA09A6C5-1F2B-E71F-4FA9-C676934771CA}"/>
               </a:ext>
             </a:extLst>
           </p:cNvPr>
@@ -7882,7 +7762,7 @@
           <p:cNvPr id="15" name="TextBox 14">
             <a:extLst>
               <a:ext uri="{FF2B5EF4-FFF2-40B4-BE49-F238E27FC236}">
-                <a16:creationId xmlns="" xmlns:a16="http://schemas.microsoft.com/office/drawing/2014/main" id="{43D697BC-6B0B-81B2-69AC-942071A3B9D8}"/>
+                <a16:creationId xmlns:a16="http://schemas.microsoft.com/office/drawing/2014/main" xmlns="" id="{43D697BC-6B0B-81B2-69AC-942071A3B9D8}"/>
               </a:ext>
             </a:extLst>
           </p:cNvPr>
@@ -8027,7 +7907,7 @@
           <p:cNvPr id="8" name="TextBox 7">
             <a:extLst>
               <a:ext uri="{FF2B5EF4-FFF2-40B4-BE49-F238E27FC236}">
-                <a16:creationId xmlns="" xmlns:a16="http://schemas.microsoft.com/office/drawing/2014/main" id="{33654825-0954-BE0D-E887-CF73BE33EE64}"/>
+                <a16:creationId xmlns:a16="http://schemas.microsoft.com/office/drawing/2014/main" xmlns="" id="{33654825-0954-BE0D-E887-CF73BE33EE64}"/>
               </a:ext>
             </a:extLst>
           </p:cNvPr>
@@ -8070,112 +7950,6 @@
     <p:extLst>
       <p:ext uri="{BB962C8B-B14F-4D97-AF65-F5344CB8AC3E}">
         <p14:creationId xmlns:p14="http://schemas.microsoft.com/office/powerpoint/2010/main" val="3424314208"/>
-      </p:ext>
-    </p:extLst>
-  </p:cSld>
-  <p:clrMapOvr>
-    <a:masterClrMapping/>
-  </p:clrMapOvr>
-  <p:timing>
-    <p:tnLst>
-      <p:par>
-        <p:cTn id="1" dur="indefinite" restart="never" nodeType="tmRoot"/>
-      </p:par>
-    </p:tnLst>
-  </p:timing>
-</p:sld>
-</file>
-
-<file path=ppt/slides/slide9.xml><?xml version="1.0" encoding="utf-8"?>
-<p:sld xmlns:a="http://schemas.openxmlformats.org/drawingml/2006/main" xmlns:r="http://schemas.openxmlformats.org/officeDocument/2006/relationships" xmlns:p="http://schemas.openxmlformats.org/presentationml/2006/main">
-  <p:cSld>
-    <p:spTree>
-      <p:nvGrpSpPr>
-        <p:cNvPr id="1" name=""/>
-        <p:cNvGrpSpPr/>
-        <p:nvPr/>
-      </p:nvGrpSpPr>
-      <p:grpSpPr>
-        <a:xfrm>
-          <a:off x="0" y="0"/>
-          <a:ext cx="0" cy="0"/>
-          <a:chOff x="0" y="0"/>
-          <a:chExt cx="0" cy="0"/>
-        </a:xfrm>
-      </p:grpSpPr>
-      <p:pic>
-        <p:nvPicPr>
-          <p:cNvPr id="4" name="Picture 4" descr="Text&#10;&#10;Description automatically generated">
-            <a:extLst>
-              <a:ext uri="{FF2B5EF4-FFF2-40B4-BE49-F238E27FC236}">
-                <a16:creationId xmlns="" xmlns:a16="http://schemas.microsoft.com/office/drawing/2014/main" id="{49DDA279-7ABD-D806-76A3-E613E50A7E20}"/>
-              </a:ext>
-            </a:extLst>
-          </p:cNvPr>
-          <p:cNvPicPr>
-            <a:picLocks noGrp="1" noChangeAspect="1"/>
-          </p:cNvPicPr>
-          <p:nvPr>
-            <p:ph idx="1"/>
-          </p:nvPr>
-        </p:nvPicPr>
-        <p:blipFill>
-          <a:blip r:embed="rId2"/>
-          <a:stretch>
-            <a:fillRect/>
-          </a:stretch>
-        </p:blipFill>
-        <p:spPr>
-          <a:xfrm>
-            <a:off x="3798650" y="331055"/>
-            <a:ext cx="5393989" cy="5878122"/>
-          </a:xfrm>
-        </p:spPr>
-      </p:pic>
-      <p:sp>
-        <p:nvSpPr>
-          <p:cNvPr id="5" name="TextBox 4">
-            <a:extLst>
-              <a:ext uri="{FF2B5EF4-FFF2-40B4-BE49-F238E27FC236}">
-                <a16:creationId xmlns="" xmlns:a16="http://schemas.microsoft.com/office/drawing/2014/main" id="{43A3EE4B-3DAF-2575-2651-CF92DD5BC47B}"/>
-              </a:ext>
-            </a:extLst>
-          </p:cNvPr>
-          <p:cNvSpPr txBox="1"/>
-          <p:nvPr/>
-        </p:nvSpPr>
-        <p:spPr>
-          <a:xfrm>
-            <a:off x="51531" y="120978"/>
-            <a:ext cx="2998838" cy="369332"/>
-          </a:xfrm>
-          <a:prstGeom prst="rect">
-            <a:avLst/>
-          </a:prstGeom>
-          <a:noFill/>
-        </p:spPr>
-        <p:txBody>
-          <a:bodyPr rot="0" spcFirstLastPara="0" vertOverflow="overflow" horzOverflow="overflow" vert="horz" wrap="square" lIns="91440" tIns="45720" rIns="91440" bIns="45720" numCol="1" spcCol="0" rtlCol="0" fromWordArt="0" anchor="t" anchorCtr="0" forceAA="0" compatLnSpc="1">
-            <a:prstTxWarp prst="textNoShape">
-              <a:avLst/>
-            </a:prstTxWarp>
-            <a:spAutoFit/>
-          </a:bodyPr>
-          <a:lstStyle/>
-          <a:p>
-            <a:pPr algn="l"/>
-            <a:r>
-              <a:rPr lang="ko-KR" altLang="en-US" err="1"/>
-              <a:t>길재형</a:t>
-            </a:r>
-            <a:endParaRPr lang="en-US" err="1"/>
-          </a:p>
-        </p:txBody>
-      </p:sp>
-    </p:spTree>
-    <p:extLst>
-      <p:ext uri="{BB962C8B-B14F-4D97-AF65-F5344CB8AC3E}">
-        <p14:creationId xmlns:p14="http://schemas.microsoft.com/office/powerpoint/2010/main" val="3854151561"/>
       </p:ext>
     </p:extLst>
   </p:cSld>
@@ -8387,7 +8161,7 @@
   <a:extraClrSchemeLst/>
   <a:extLst>
     <a:ext uri="{05A4C25C-085E-4340-85A3-A5531E510DB2}">
-      <thm15:themeFamily xmlns="" xmlns:thm15="http://schemas.microsoft.com/office/thememl/2012/main" name="GradientRiseVTI" id="{C2FC082F-B444-4222-AF20-78444CCB5722}" vid="{39F213E4-0CBC-40CB-B3F6-8C5562B6B99A}"/>
+      <thm15:themeFamily xmlns:thm15="http://schemas.microsoft.com/office/thememl/2012/main" xmlns="" name="GradientRiseVTI" id="{C2FC082F-B444-4222-AF20-78444CCB5722}" vid="{39F213E4-0CBC-40CB-B3F6-8C5562B6B99A}"/>
     </a:ext>
   </a:extLst>
 </a:theme>
